--- a/slides/Figs/images.pptx
+++ b/slides/Figs/images.pptx
@@ -105,6 +105,11 @@
       </a:defRPr>
     </a:lvl9pPr>
   </p:defaultTextStyle>
+  <p:extLst>
+    <p:ext uri="{EFAFB233-063F-42B5-8137-9DF3F51BA10A}">
+      <p15:sldGuideLst xmlns:p15="http://schemas.microsoft.com/office/powerpoint/2012/main"/>
+    </p:ext>
+  </p:extLst>
 </p:presentation>
 </file>
 
@@ -255,7 +260,7 @@
           <a:p>
             <a:fld id="{ABB50B84-C221-BA49-B172-B6D4747B1BA4}" type="datetimeFigureOut">
               <a:rPr lang="en-US" smtClean="0"/>
-              <a:t>7/26/19</a:t>
+              <a:t>7/29/2019</a:t>
             </a:fld>
             <a:endParaRPr lang="en-US"/>
           </a:p>
@@ -453,7 +458,7 @@
           <a:p>
             <a:fld id="{ABB50B84-C221-BA49-B172-B6D4747B1BA4}" type="datetimeFigureOut">
               <a:rPr lang="en-US" smtClean="0"/>
-              <a:t>7/26/19</a:t>
+              <a:t>7/29/2019</a:t>
             </a:fld>
             <a:endParaRPr lang="en-US"/>
           </a:p>
@@ -661,7 +666,7 @@
           <a:p>
             <a:fld id="{ABB50B84-C221-BA49-B172-B6D4747B1BA4}" type="datetimeFigureOut">
               <a:rPr lang="en-US" smtClean="0"/>
-              <a:t>7/26/19</a:t>
+              <a:t>7/29/2019</a:t>
             </a:fld>
             <a:endParaRPr lang="en-US"/>
           </a:p>
@@ -859,7 +864,7 @@
           <a:p>
             <a:fld id="{ABB50B84-C221-BA49-B172-B6D4747B1BA4}" type="datetimeFigureOut">
               <a:rPr lang="en-US" smtClean="0"/>
-              <a:t>7/26/19</a:t>
+              <a:t>7/29/2019</a:t>
             </a:fld>
             <a:endParaRPr lang="en-US"/>
           </a:p>
@@ -1134,7 +1139,7 @@
           <a:p>
             <a:fld id="{ABB50B84-C221-BA49-B172-B6D4747B1BA4}" type="datetimeFigureOut">
               <a:rPr lang="en-US" smtClean="0"/>
-              <a:t>7/26/19</a:t>
+              <a:t>7/29/2019</a:t>
             </a:fld>
             <a:endParaRPr lang="en-US"/>
           </a:p>
@@ -1399,7 +1404,7 @@
           <a:p>
             <a:fld id="{ABB50B84-C221-BA49-B172-B6D4747B1BA4}" type="datetimeFigureOut">
               <a:rPr lang="en-US" smtClean="0"/>
-              <a:t>7/26/19</a:t>
+              <a:t>7/29/2019</a:t>
             </a:fld>
             <a:endParaRPr lang="en-US"/>
           </a:p>
@@ -1811,7 +1816,7 @@
           <a:p>
             <a:fld id="{ABB50B84-C221-BA49-B172-B6D4747B1BA4}" type="datetimeFigureOut">
               <a:rPr lang="en-US" smtClean="0"/>
-              <a:t>7/26/19</a:t>
+              <a:t>7/29/2019</a:t>
             </a:fld>
             <a:endParaRPr lang="en-US"/>
           </a:p>
@@ -1952,7 +1957,7 @@
           <a:p>
             <a:fld id="{ABB50B84-C221-BA49-B172-B6D4747B1BA4}" type="datetimeFigureOut">
               <a:rPr lang="en-US" smtClean="0"/>
-              <a:t>7/26/19</a:t>
+              <a:t>7/29/2019</a:t>
             </a:fld>
             <a:endParaRPr lang="en-US"/>
           </a:p>
@@ -2065,7 +2070,7 @@
           <a:p>
             <a:fld id="{ABB50B84-C221-BA49-B172-B6D4747B1BA4}" type="datetimeFigureOut">
               <a:rPr lang="en-US" smtClean="0"/>
-              <a:t>7/26/19</a:t>
+              <a:t>7/29/2019</a:t>
             </a:fld>
             <a:endParaRPr lang="en-US"/>
           </a:p>
@@ -2376,7 +2381,7 @@
           <a:p>
             <a:fld id="{ABB50B84-C221-BA49-B172-B6D4747B1BA4}" type="datetimeFigureOut">
               <a:rPr lang="en-US" smtClean="0"/>
-              <a:t>7/26/19</a:t>
+              <a:t>7/29/2019</a:t>
             </a:fld>
             <a:endParaRPr lang="en-US"/>
           </a:p>
@@ -2664,7 +2669,7 @@
           <a:p>
             <a:fld id="{ABB50B84-C221-BA49-B172-B6D4747B1BA4}" type="datetimeFigureOut">
               <a:rPr lang="en-US" smtClean="0"/>
-              <a:t>7/26/19</a:t>
+              <a:t>7/29/2019</a:t>
             </a:fld>
             <a:endParaRPr lang="en-US"/>
           </a:p>
@@ -2905,7 +2910,7 @@
           <a:p>
             <a:fld id="{ABB50B84-C221-BA49-B172-B6D4747B1BA4}" type="datetimeFigureOut">
               <a:rPr lang="en-US" smtClean="0"/>
-              <a:t>7/26/19</a:t>
+              <a:t>7/29/2019</a:t>
             </a:fld>
             <a:endParaRPr lang="en-US"/>
           </a:p>
@@ -3416,8 +3421,8 @@
         </p:nvSpPr>
         <p:spPr>
           <a:xfrm>
-            <a:off x="5089132" y="873303"/>
-            <a:ext cx="4784333" cy="2910592"/>
+            <a:off x="5089132" y="342900"/>
+            <a:ext cx="4784333" cy="3440995"/>
           </a:xfrm>
           <a:prstGeom prst="roundRect">
             <a:avLst/>
@@ -3425,7 +3430,7 @@
           <a:noFill/>
           <a:ln w="38100">
             <a:solidFill>
-              <a:srgbClr val="FFC000"/>
+              <a:schemeClr val="accent1"/>
             </a:solidFill>
           </a:ln>
         </p:spPr>
@@ -3468,8 +3473,8 @@
         </p:nvSpPr>
         <p:spPr>
           <a:xfrm>
-            <a:off x="5778895" y="5862166"/>
-            <a:ext cx="2954655" cy="646331"/>
+            <a:off x="6379943" y="6351508"/>
+            <a:ext cx="2674835" cy="369332"/>
           </a:xfrm>
           <a:prstGeom prst="rect">
             <a:avLst/>
@@ -3484,15 +3489,16 @@
           <a:p>
             <a:pPr algn="ctr"/>
             <a:r>
-              <a:rPr lang="ja-JP" altLang="en-US"/>
-              <a:t>クラウドプラットフォーム</a:t>
-            </a:r>
-            <a:br>
               <a:rPr lang="en-US" altLang="ja-JP" dirty="0"/>
-            </a:br>
+              <a:t>Cloud</a:t>
+            </a:r>
+            <a:r>
+              <a:rPr lang="ja-JP" altLang="en-US" dirty="0"/>
+              <a:t> </a:t>
+            </a:r>
             <a:r>
               <a:rPr lang="en-US" altLang="ja-JP" dirty="0"/>
-              <a:t>(ex. AWS)</a:t>
+              <a:t>platform (e.g., AWS)</a:t>
             </a:r>
             <a:endParaRPr lang="en-US" dirty="0"/>
           </a:p>
@@ -3585,7 +3591,7 @@
         </p:nvSpPr>
         <p:spPr>
           <a:xfrm>
-            <a:off x="8802907" y="4738799"/>
+            <a:off x="8632717" y="5140188"/>
             <a:ext cx="768159" cy="338554"/>
           </a:xfrm>
           <a:prstGeom prst="rect">
@@ -3651,7 +3657,7 @@
         </p:blipFill>
         <p:spPr>
           <a:xfrm>
-            <a:off x="8932540" y="4233583"/>
+            <a:off x="8762350" y="4634972"/>
             <a:ext cx="468336" cy="485681"/>
           </a:xfrm>
           <a:prstGeom prst="rect">
@@ -3673,7 +3679,7 @@
         </p:nvSpPr>
         <p:spPr>
           <a:xfrm>
-            <a:off x="974883" y="3562609"/>
+            <a:off x="1326570" y="3260420"/>
             <a:ext cx="822960" cy="320040"/>
           </a:xfrm>
           <a:prstGeom prst="rect">
@@ -3726,7 +3732,7 @@
         </p:blipFill>
         <p:spPr>
           <a:xfrm>
-            <a:off x="1099352" y="2762445"/>
+            <a:off x="1408191" y="2500745"/>
             <a:ext cx="659718" cy="759675"/>
           </a:xfrm>
           <a:prstGeom prst="rect">
@@ -3906,8 +3912,8 @@
         </p:nvSpPr>
         <p:spPr>
           <a:xfrm>
-            <a:off x="5078061" y="3890449"/>
-            <a:ext cx="4784333" cy="1816552"/>
+            <a:off x="5089133" y="4176438"/>
+            <a:ext cx="4784333" cy="2091230"/>
           </a:xfrm>
           <a:prstGeom prst="roundRect">
             <a:avLst/>
@@ -3972,7 +3978,7 @@
         </p:blipFill>
         <p:spPr>
           <a:xfrm>
-            <a:off x="5615221" y="4005656"/>
+            <a:off x="5626293" y="4566323"/>
             <a:ext cx="544780" cy="653098"/>
           </a:xfrm>
           <a:prstGeom prst="rect">
@@ -3994,7 +4000,7 @@
         </p:nvSpPr>
         <p:spPr>
           <a:xfrm>
-            <a:off x="5521851" y="4685588"/>
+            <a:off x="5532923" y="5246255"/>
             <a:ext cx="731520" cy="155632"/>
           </a:xfrm>
           <a:prstGeom prst="rect">
@@ -4239,7 +4245,7 @@
         </p:nvSpPr>
         <p:spPr>
           <a:xfrm>
-            <a:off x="5078060" y="5048247"/>
+            <a:off x="5089132" y="5608914"/>
             <a:ext cx="4784333" cy="646331"/>
           </a:xfrm>
           <a:prstGeom prst="rect">
@@ -4281,6 +4287,793 @@
               <a:rPr lang="en-US" dirty="0"/>
               <a:t> as downloadable program</a:t>
             </a:r>
+          </a:p>
+        </p:txBody>
+      </p:sp>
+      <p:sp>
+        <p:nvSpPr>
+          <p:cNvPr id="2" name="テキスト ボックス 1">
+            <a:extLst>
+              <a:ext uri="{FF2B5EF4-FFF2-40B4-BE49-F238E27FC236}">
+                <a16:creationId xmlns:a16="http://schemas.microsoft.com/office/drawing/2014/main" id="{727334F1-3609-4512-A307-4472AC0318BD}"/>
+              </a:ext>
+            </a:extLst>
+          </p:cNvPr>
+          <p:cNvSpPr txBox="1"/>
+          <p:nvPr/>
+        </p:nvSpPr>
+        <p:spPr>
+          <a:xfrm>
+            <a:off x="5171278" y="1468078"/>
+            <a:ext cx="1333378" cy="369332"/>
+          </a:xfrm>
+          <a:prstGeom prst="rect">
+            <a:avLst/>
+          </a:prstGeom>
+          <a:noFill/>
+        </p:spPr>
+        <p:txBody>
+          <a:bodyPr wrap="none" rtlCol="0">
+            <a:spAutoFit/>
+          </a:bodyPr>
+          <a:lstStyle/>
+          <a:p>
+            <a:r>
+              <a:rPr kumimoji="1" lang="en-US" altLang="ja-JP" dirty="0"/>
+              <a:t>RESTful APIs</a:t>
+            </a:r>
+            <a:endParaRPr kumimoji="1" lang="ja-JP" altLang="en-US" dirty="0"/>
+          </a:p>
+        </p:txBody>
+      </p:sp>
+      <p:sp>
+        <p:nvSpPr>
+          <p:cNvPr id="31" name="テキスト ボックス 30">
+            <a:extLst>
+              <a:ext uri="{FF2B5EF4-FFF2-40B4-BE49-F238E27FC236}">
+                <a16:creationId xmlns:a16="http://schemas.microsoft.com/office/drawing/2014/main" id="{86353896-446E-421E-AEA0-EF4514990CF4}"/>
+              </a:ext>
+            </a:extLst>
+          </p:cNvPr>
+          <p:cNvSpPr txBox="1"/>
+          <p:nvPr/>
+        </p:nvSpPr>
+        <p:spPr>
+          <a:xfrm>
+            <a:off x="5618247" y="4275463"/>
+            <a:ext cx="599844" cy="369332"/>
+          </a:xfrm>
+          <a:prstGeom prst="rect">
+            <a:avLst/>
+          </a:prstGeom>
+          <a:noFill/>
+        </p:spPr>
+        <p:txBody>
+          <a:bodyPr wrap="none" rtlCol="0">
+            <a:spAutoFit/>
+          </a:bodyPr>
+          <a:lstStyle/>
+          <a:p>
+            <a:r>
+              <a:rPr kumimoji="1" lang="en-US" altLang="ja-JP" dirty="0"/>
+              <a:t>CDN</a:t>
+            </a:r>
+            <a:endParaRPr kumimoji="1" lang="ja-JP" altLang="en-US" dirty="0"/>
+          </a:p>
+        </p:txBody>
+      </p:sp>
+      <p:cxnSp>
+        <p:nvCxnSpPr>
+          <p:cNvPr id="4" name="直線矢印コネクタ 3">
+            <a:extLst>
+              <a:ext uri="{FF2B5EF4-FFF2-40B4-BE49-F238E27FC236}">
+                <a16:creationId xmlns:a16="http://schemas.microsoft.com/office/drawing/2014/main" id="{537AD1F6-3C92-4886-BED4-61D71C6D19D4}"/>
+              </a:ext>
+            </a:extLst>
+          </p:cNvPr>
+          <p:cNvCxnSpPr>
+            <a:cxnSpLocks/>
+            <a:stCxn id="25" idx="1"/>
+            <a:endCxn id="13" idx="3"/>
+          </p:cNvCxnSpPr>
+          <p:nvPr/>
+        </p:nvCxnSpPr>
+        <p:spPr>
+          <a:xfrm flipH="1" flipV="1">
+            <a:off x="1774653" y="3806355"/>
+            <a:ext cx="3851640" cy="1086517"/>
+          </a:xfrm>
+          <a:prstGeom prst="straightConnector1">
+            <a:avLst/>
+          </a:prstGeom>
+          <a:ln w="38100">
+            <a:solidFill>
+              <a:srgbClr val="FFC000"/>
+            </a:solidFill>
+            <a:tailEnd type="triangle"/>
+          </a:ln>
+        </p:spPr>
+        <p:style>
+          <a:lnRef idx="1">
+            <a:schemeClr val="accent1"/>
+          </a:lnRef>
+          <a:fillRef idx="0">
+            <a:schemeClr val="accent1"/>
+          </a:fillRef>
+          <a:effectRef idx="0">
+            <a:schemeClr val="accent1"/>
+          </a:effectRef>
+          <a:fontRef idx="minor">
+            <a:schemeClr val="tx1"/>
+          </a:fontRef>
+        </p:style>
+      </p:cxnSp>
+      <p:cxnSp>
+        <p:nvCxnSpPr>
+          <p:cNvPr id="32" name="直線矢印コネクタ 31">
+            <a:extLst>
+              <a:ext uri="{FF2B5EF4-FFF2-40B4-BE49-F238E27FC236}">
+                <a16:creationId xmlns:a16="http://schemas.microsoft.com/office/drawing/2014/main" id="{0EF9CDA6-1C3C-4B7F-8C6E-2B0DD079E74C}"/>
+              </a:ext>
+            </a:extLst>
+          </p:cNvPr>
+          <p:cNvCxnSpPr>
+            <a:cxnSpLocks/>
+            <a:stCxn id="17" idx="1"/>
+            <a:endCxn id="25" idx="3"/>
+          </p:cNvCxnSpPr>
+          <p:nvPr/>
+        </p:nvCxnSpPr>
+        <p:spPr>
+          <a:xfrm flipH="1">
+            <a:off x="6171073" y="4877813"/>
+            <a:ext cx="2591277" cy="15059"/>
+          </a:xfrm>
+          <a:prstGeom prst="straightConnector1">
+            <a:avLst/>
+          </a:prstGeom>
+          <a:ln w="38100">
+            <a:solidFill>
+              <a:srgbClr val="FFC000"/>
+            </a:solidFill>
+            <a:tailEnd type="triangle"/>
+          </a:ln>
+        </p:spPr>
+        <p:style>
+          <a:lnRef idx="1">
+            <a:schemeClr val="accent1"/>
+          </a:lnRef>
+          <a:fillRef idx="0">
+            <a:schemeClr val="accent1"/>
+          </a:fillRef>
+          <a:effectRef idx="0">
+            <a:schemeClr val="accent1"/>
+          </a:effectRef>
+          <a:fontRef idx="minor">
+            <a:schemeClr val="tx1"/>
+          </a:fontRef>
+        </p:style>
+      </p:cxnSp>
+      <p:pic>
+        <p:nvPicPr>
+          <p:cNvPr id="13" name="図 12">
+            <a:extLst>
+              <a:ext uri="{FF2B5EF4-FFF2-40B4-BE49-F238E27FC236}">
+                <a16:creationId xmlns:a16="http://schemas.microsoft.com/office/drawing/2014/main" id="{9A12ED07-FB85-4F72-987E-AE9C178D6BF0}"/>
+              </a:ext>
+            </a:extLst>
+          </p:cNvPr>
+          <p:cNvPicPr>
+            <a:picLocks noChangeAspect="1"/>
+          </p:cNvPicPr>
+          <p:nvPr/>
+        </p:nvPicPr>
+        <p:blipFill>
+          <a:blip r:embed="rId8"/>
+          <a:stretch>
+            <a:fillRect/>
+          </a:stretch>
+        </p:blipFill>
+        <p:spPr>
+          <a:xfrm>
+            <a:off x="644154" y="3429000"/>
+            <a:ext cx="1130499" cy="754710"/>
+          </a:xfrm>
+          <a:prstGeom prst="rect">
+            <a:avLst/>
+          </a:prstGeom>
+        </p:spPr>
+      </p:pic>
+      <p:cxnSp>
+        <p:nvCxnSpPr>
+          <p:cNvPr id="37" name="直線矢印コネクタ 36">
+            <a:extLst>
+              <a:ext uri="{FF2B5EF4-FFF2-40B4-BE49-F238E27FC236}">
+                <a16:creationId xmlns:a16="http://schemas.microsoft.com/office/drawing/2014/main" id="{6F0D0DE8-0BFE-4880-86DD-DB262B89D35B}"/>
+              </a:ext>
+            </a:extLst>
+          </p:cNvPr>
+          <p:cNvCxnSpPr>
+            <a:cxnSpLocks/>
+            <a:endCxn id="14" idx="1"/>
+          </p:cNvCxnSpPr>
+          <p:nvPr/>
+        </p:nvCxnSpPr>
+        <p:spPr>
+          <a:xfrm flipV="1">
+            <a:off x="1823804" y="2090821"/>
+            <a:ext cx="3693837" cy="1481937"/>
+          </a:xfrm>
+          <a:prstGeom prst="straightConnector1">
+            <a:avLst/>
+          </a:prstGeom>
+          <a:ln w="38100">
+            <a:headEnd type="triangle" w="med" len="med"/>
+            <a:tailEnd type="triangle" w="med" len="med"/>
+          </a:ln>
+        </p:spPr>
+        <p:style>
+          <a:lnRef idx="1">
+            <a:schemeClr val="accent1"/>
+          </a:lnRef>
+          <a:fillRef idx="0">
+            <a:schemeClr val="accent1"/>
+          </a:fillRef>
+          <a:effectRef idx="0">
+            <a:schemeClr val="accent1"/>
+          </a:effectRef>
+          <a:fontRef idx="minor">
+            <a:schemeClr val="tx1"/>
+          </a:fontRef>
+        </p:style>
+      </p:cxnSp>
+      <p:sp>
+        <p:nvSpPr>
+          <p:cNvPr id="40" name="テキスト ボックス 39">
+            <a:extLst>
+              <a:ext uri="{FF2B5EF4-FFF2-40B4-BE49-F238E27FC236}">
+                <a16:creationId xmlns:a16="http://schemas.microsoft.com/office/drawing/2014/main" id="{4E384F71-7760-4FC1-A345-1759ECA46887}"/>
+              </a:ext>
+            </a:extLst>
+          </p:cNvPr>
+          <p:cNvSpPr txBox="1"/>
+          <p:nvPr/>
+        </p:nvSpPr>
+        <p:spPr>
+          <a:xfrm>
+            <a:off x="6766137" y="391945"/>
+            <a:ext cx="1218603" cy="646331"/>
+          </a:xfrm>
+          <a:prstGeom prst="rect">
+            <a:avLst/>
+          </a:prstGeom>
+          <a:noFill/>
+        </p:spPr>
+        <p:txBody>
+          <a:bodyPr wrap="none" rtlCol="0">
+            <a:spAutoFit/>
+          </a:bodyPr>
+          <a:lstStyle/>
+          <a:p>
+            <a:pPr algn="ctr"/>
+            <a:r>
+              <a:rPr kumimoji="1" lang="en-US" altLang="ja-JP" dirty="0"/>
+              <a:t>Computing</a:t>
+            </a:r>
+          </a:p>
+          <a:p>
+            <a:pPr algn="ctr"/>
+            <a:r>
+              <a:rPr kumimoji="1" lang="en-US" altLang="ja-JP" dirty="0"/>
+              <a:t>Functions</a:t>
+            </a:r>
+            <a:endParaRPr kumimoji="1" lang="ja-JP" altLang="en-US" dirty="0"/>
+          </a:p>
+        </p:txBody>
+      </p:sp>
+      <p:sp>
+        <p:nvSpPr>
+          <p:cNvPr id="41" name="テキスト ボックス 40">
+            <a:extLst>
+              <a:ext uri="{FF2B5EF4-FFF2-40B4-BE49-F238E27FC236}">
+                <a16:creationId xmlns:a16="http://schemas.microsoft.com/office/drawing/2014/main" id="{4FF9138F-6997-4E8E-9D48-F61143AB07AB}"/>
+              </a:ext>
+            </a:extLst>
+          </p:cNvPr>
+          <p:cNvSpPr txBox="1"/>
+          <p:nvPr/>
+        </p:nvSpPr>
+        <p:spPr>
+          <a:xfrm>
+            <a:off x="8400610" y="351204"/>
+            <a:ext cx="1134221" cy="646331"/>
+          </a:xfrm>
+          <a:prstGeom prst="rect">
+            <a:avLst/>
+          </a:prstGeom>
+          <a:noFill/>
+        </p:spPr>
+        <p:txBody>
+          <a:bodyPr wrap="none" rtlCol="0">
+            <a:spAutoFit/>
+          </a:bodyPr>
+          <a:lstStyle/>
+          <a:p>
+            <a:pPr algn="ctr"/>
+            <a:r>
+              <a:rPr kumimoji="1" lang="en-US" altLang="ja-JP" dirty="0"/>
+              <a:t>Data</a:t>
+            </a:r>
+            <a:br>
+              <a:rPr kumimoji="1" lang="en-US" altLang="ja-JP" dirty="0"/>
+            </a:br>
+            <a:r>
+              <a:rPr kumimoji="1" lang="en-US" altLang="ja-JP" dirty="0"/>
+              <a:t>Resources</a:t>
+            </a:r>
+            <a:endParaRPr kumimoji="1" lang="ja-JP" altLang="en-US" dirty="0"/>
+          </a:p>
+        </p:txBody>
+      </p:sp>
+      <p:cxnSp>
+        <p:nvCxnSpPr>
+          <p:cNvPr id="42" name="直線矢印コネクタ 41">
+            <a:extLst>
+              <a:ext uri="{FF2B5EF4-FFF2-40B4-BE49-F238E27FC236}">
+                <a16:creationId xmlns:a16="http://schemas.microsoft.com/office/drawing/2014/main" id="{83FE3D88-58AE-46A0-9004-D88BE4C03678}"/>
+              </a:ext>
+            </a:extLst>
+          </p:cNvPr>
+          <p:cNvCxnSpPr>
+            <a:cxnSpLocks/>
+            <a:stCxn id="14" idx="3"/>
+            <a:endCxn id="22" idx="1"/>
+          </p:cNvCxnSpPr>
+          <p:nvPr/>
+        </p:nvCxnSpPr>
+        <p:spPr>
+          <a:xfrm flipV="1">
+            <a:off x="6039007" y="1350838"/>
+            <a:ext cx="1044620" cy="739983"/>
+          </a:xfrm>
+          <a:prstGeom prst="straightConnector1">
+            <a:avLst/>
+          </a:prstGeom>
+          <a:ln w="38100">
+            <a:headEnd type="triangle" w="med" len="med"/>
+            <a:tailEnd type="triangle" w="med" len="med"/>
+          </a:ln>
+        </p:spPr>
+        <p:style>
+          <a:lnRef idx="1">
+            <a:schemeClr val="accent1"/>
+          </a:lnRef>
+          <a:fillRef idx="0">
+            <a:schemeClr val="accent1"/>
+          </a:fillRef>
+          <a:effectRef idx="0">
+            <a:schemeClr val="accent1"/>
+          </a:effectRef>
+          <a:fontRef idx="minor">
+            <a:schemeClr val="tx1"/>
+          </a:fontRef>
+        </p:style>
+      </p:cxnSp>
+      <p:cxnSp>
+        <p:nvCxnSpPr>
+          <p:cNvPr id="45" name="直線矢印コネクタ 44">
+            <a:extLst>
+              <a:ext uri="{FF2B5EF4-FFF2-40B4-BE49-F238E27FC236}">
+                <a16:creationId xmlns:a16="http://schemas.microsoft.com/office/drawing/2014/main" id="{66B3B0F4-119C-468D-9005-236BAA551BE5}"/>
+              </a:ext>
+            </a:extLst>
+          </p:cNvPr>
+          <p:cNvCxnSpPr>
+            <a:cxnSpLocks/>
+            <a:stCxn id="14" idx="3"/>
+            <a:endCxn id="20" idx="1"/>
+          </p:cNvCxnSpPr>
+          <p:nvPr/>
+        </p:nvCxnSpPr>
+        <p:spPr>
+          <a:xfrm>
+            <a:off x="6039007" y="2090821"/>
+            <a:ext cx="1044620" cy="639689"/>
+          </a:xfrm>
+          <a:prstGeom prst="straightConnector1">
+            <a:avLst/>
+          </a:prstGeom>
+          <a:ln w="38100">
+            <a:headEnd type="triangle" w="med" len="med"/>
+            <a:tailEnd type="triangle" w="med" len="med"/>
+          </a:ln>
+        </p:spPr>
+        <p:style>
+          <a:lnRef idx="1">
+            <a:schemeClr val="accent1"/>
+          </a:lnRef>
+          <a:fillRef idx="0">
+            <a:schemeClr val="accent1"/>
+          </a:fillRef>
+          <a:effectRef idx="0">
+            <a:schemeClr val="accent1"/>
+          </a:effectRef>
+          <a:fontRef idx="minor">
+            <a:schemeClr val="tx1"/>
+          </a:fontRef>
+        </p:style>
+      </p:cxnSp>
+      <p:cxnSp>
+        <p:nvCxnSpPr>
+          <p:cNvPr id="52" name="直線矢印コネクタ 51">
+            <a:extLst>
+              <a:ext uri="{FF2B5EF4-FFF2-40B4-BE49-F238E27FC236}">
+                <a16:creationId xmlns:a16="http://schemas.microsoft.com/office/drawing/2014/main" id="{CFC2C1FB-7A06-4253-97A5-04BC941673FF}"/>
+              </a:ext>
+            </a:extLst>
+          </p:cNvPr>
+          <p:cNvCxnSpPr>
+            <a:cxnSpLocks/>
+          </p:cNvCxnSpPr>
+          <p:nvPr/>
+        </p:nvCxnSpPr>
+        <p:spPr>
+          <a:xfrm>
+            <a:off x="7706256" y="1350838"/>
+            <a:ext cx="941540" cy="1300380"/>
+          </a:xfrm>
+          <a:prstGeom prst="straightConnector1">
+            <a:avLst/>
+          </a:prstGeom>
+          <a:ln w="38100">
+            <a:headEnd type="triangle" w="med" len="med"/>
+            <a:tailEnd type="triangle" w="med" len="med"/>
+          </a:ln>
+        </p:spPr>
+        <p:style>
+          <a:lnRef idx="1">
+            <a:schemeClr val="accent1"/>
+          </a:lnRef>
+          <a:fillRef idx="0">
+            <a:schemeClr val="accent1"/>
+          </a:fillRef>
+          <a:effectRef idx="0">
+            <a:schemeClr val="accent1"/>
+          </a:effectRef>
+          <a:fontRef idx="minor">
+            <a:schemeClr val="tx1"/>
+          </a:fontRef>
+        </p:style>
+      </p:cxnSp>
+      <p:cxnSp>
+        <p:nvCxnSpPr>
+          <p:cNvPr id="55" name="直線矢印コネクタ 54">
+            <a:extLst>
+              <a:ext uri="{FF2B5EF4-FFF2-40B4-BE49-F238E27FC236}">
+                <a16:creationId xmlns:a16="http://schemas.microsoft.com/office/drawing/2014/main" id="{2CBAC8D1-83D9-4A7D-905D-8ABEBEEDCBD8}"/>
+              </a:ext>
+            </a:extLst>
+          </p:cNvPr>
+          <p:cNvCxnSpPr>
+            <a:cxnSpLocks/>
+          </p:cNvCxnSpPr>
+          <p:nvPr/>
+        </p:nvCxnSpPr>
+        <p:spPr>
+          <a:xfrm flipH="1">
+            <a:off x="7710611" y="1379258"/>
+            <a:ext cx="893307" cy="1225174"/>
+          </a:xfrm>
+          <a:prstGeom prst="straightConnector1">
+            <a:avLst/>
+          </a:prstGeom>
+          <a:ln w="38100">
+            <a:headEnd type="triangle" w="med" len="med"/>
+            <a:tailEnd type="triangle" w="med" len="med"/>
+          </a:ln>
+        </p:spPr>
+        <p:style>
+          <a:lnRef idx="1">
+            <a:schemeClr val="accent1"/>
+          </a:lnRef>
+          <a:fillRef idx="0">
+            <a:schemeClr val="accent1"/>
+          </a:fillRef>
+          <a:effectRef idx="0">
+            <a:schemeClr val="accent1"/>
+          </a:effectRef>
+          <a:fontRef idx="minor">
+            <a:schemeClr val="tx1"/>
+          </a:fontRef>
+        </p:style>
+      </p:cxnSp>
+      <p:cxnSp>
+        <p:nvCxnSpPr>
+          <p:cNvPr id="58" name="直線矢印コネクタ 57">
+            <a:extLst>
+              <a:ext uri="{FF2B5EF4-FFF2-40B4-BE49-F238E27FC236}">
+                <a16:creationId xmlns:a16="http://schemas.microsoft.com/office/drawing/2014/main" id="{5B4584A1-7FAE-4069-8E67-A90889FC979C}"/>
+              </a:ext>
+            </a:extLst>
+          </p:cNvPr>
+          <p:cNvCxnSpPr>
+            <a:cxnSpLocks/>
+          </p:cNvCxnSpPr>
+          <p:nvPr/>
+        </p:nvCxnSpPr>
+        <p:spPr>
+          <a:xfrm flipH="1">
+            <a:off x="7650609" y="1296629"/>
+            <a:ext cx="973618" cy="1"/>
+          </a:xfrm>
+          <a:prstGeom prst="straightConnector1">
+            <a:avLst/>
+          </a:prstGeom>
+          <a:ln w="38100">
+            <a:headEnd type="triangle" w="med" len="med"/>
+            <a:tailEnd type="triangle" w="med" len="med"/>
+          </a:ln>
+        </p:spPr>
+        <p:style>
+          <a:lnRef idx="1">
+            <a:schemeClr val="accent1"/>
+          </a:lnRef>
+          <a:fillRef idx="0">
+            <a:schemeClr val="accent1"/>
+          </a:fillRef>
+          <a:effectRef idx="0">
+            <a:schemeClr val="accent1"/>
+          </a:effectRef>
+          <a:fontRef idx="minor">
+            <a:schemeClr val="tx1"/>
+          </a:fontRef>
+        </p:style>
+      </p:cxnSp>
+      <p:cxnSp>
+        <p:nvCxnSpPr>
+          <p:cNvPr id="69" name="直線矢印コネクタ 68">
+            <a:extLst>
+              <a:ext uri="{FF2B5EF4-FFF2-40B4-BE49-F238E27FC236}">
+                <a16:creationId xmlns:a16="http://schemas.microsoft.com/office/drawing/2014/main" id="{13DA2101-EE2A-4E20-A184-105F93835B2F}"/>
+              </a:ext>
+            </a:extLst>
+          </p:cNvPr>
+          <p:cNvCxnSpPr>
+            <a:cxnSpLocks/>
+          </p:cNvCxnSpPr>
+          <p:nvPr/>
+        </p:nvCxnSpPr>
+        <p:spPr>
+          <a:xfrm flipH="1">
+            <a:off x="7674178" y="2791461"/>
+            <a:ext cx="973618" cy="1"/>
+          </a:xfrm>
+          <a:prstGeom prst="straightConnector1">
+            <a:avLst/>
+          </a:prstGeom>
+          <a:ln w="38100">
+            <a:headEnd type="triangle" w="med" len="med"/>
+            <a:tailEnd type="triangle" w="med" len="med"/>
+          </a:ln>
+        </p:spPr>
+        <p:style>
+          <a:lnRef idx="1">
+            <a:schemeClr val="accent1"/>
+          </a:lnRef>
+          <a:fillRef idx="0">
+            <a:schemeClr val="accent1"/>
+          </a:fillRef>
+          <a:effectRef idx="0">
+            <a:schemeClr val="accent1"/>
+          </a:effectRef>
+          <a:fontRef idx="minor">
+            <a:schemeClr val="tx1"/>
+          </a:fontRef>
+        </p:style>
+      </p:cxnSp>
+      <p:sp>
+        <p:nvSpPr>
+          <p:cNvPr id="76" name="吹き出し: 角を丸めた四角形 75">
+            <a:extLst>
+              <a:ext uri="{FF2B5EF4-FFF2-40B4-BE49-F238E27FC236}">
+                <a16:creationId xmlns:a16="http://schemas.microsoft.com/office/drawing/2014/main" id="{664AEE1C-7049-40C0-BFA7-44ADB2600158}"/>
+              </a:ext>
+            </a:extLst>
+          </p:cNvPr>
+          <p:cNvSpPr/>
+          <p:nvPr/>
+        </p:nvSpPr>
+        <p:spPr>
+          <a:xfrm>
+            <a:off x="1774653" y="4637336"/>
+            <a:ext cx="2659436" cy="789762"/>
+          </a:xfrm>
+          <a:prstGeom prst="wedgeRoundRectCallout">
+            <a:avLst>
+              <a:gd name="adj1" fmla="val 34105"/>
+              <a:gd name="adj2" fmla="val -62723"/>
+              <a:gd name="adj3" fmla="val 16667"/>
+            </a:avLst>
+          </a:prstGeom>
+          <a:noFill/>
+          <a:ln w="38100">
+            <a:solidFill>
+              <a:srgbClr val="FFC000"/>
+            </a:solidFill>
+          </a:ln>
+        </p:spPr>
+        <p:style>
+          <a:lnRef idx="2">
+            <a:schemeClr val="accent1">
+              <a:shade val="50000"/>
+            </a:schemeClr>
+          </a:lnRef>
+          <a:fillRef idx="1">
+            <a:schemeClr val="accent1"/>
+          </a:fillRef>
+          <a:effectRef idx="0">
+            <a:schemeClr val="accent1"/>
+          </a:effectRef>
+          <a:fontRef idx="minor">
+            <a:schemeClr val="lt1"/>
+          </a:fontRef>
+        </p:style>
+        <p:txBody>
+          <a:bodyPr rtlCol="0" anchor="ctr"/>
+          <a:lstStyle/>
+          <a:p>
+            <a:r>
+              <a:rPr kumimoji="1" lang="en-US" altLang="ja-JP" dirty="0">
+                <a:solidFill>
+                  <a:schemeClr val="tx1"/>
+                </a:solidFill>
+              </a:rPr>
+              <a:t>1) Download webpage and application code</a:t>
+            </a:r>
+            <a:endParaRPr kumimoji="1" lang="ja-JP" altLang="en-US" dirty="0">
+              <a:solidFill>
+                <a:schemeClr val="tx1"/>
+              </a:solidFill>
+            </a:endParaRPr>
+          </a:p>
+        </p:txBody>
+      </p:sp>
+      <p:sp>
+        <p:nvSpPr>
+          <p:cNvPr id="77" name="吹き出し: 角を丸めた四角形 76">
+            <a:extLst>
+              <a:ext uri="{FF2B5EF4-FFF2-40B4-BE49-F238E27FC236}">
+                <a16:creationId xmlns:a16="http://schemas.microsoft.com/office/drawing/2014/main" id="{58BE95E1-B661-40AA-9634-CE410256CE2E}"/>
+              </a:ext>
+            </a:extLst>
+          </p:cNvPr>
+          <p:cNvSpPr/>
+          <p:nvPr/>
+        </p:nvSpPr>
+        <p:spPr>
+          <a:xfrm>
+            <a:off x="379352" y="1031040"/>
+            <a:ext cx="2659436" cy="1255803"/>
+          </a:xfrm>
+          <a:prstGeom prst="wedgeRoundRectCallout">
+            <a:avLst>
+              <a:gd name="adj1" fmla="val -609"/>
+              <a:gd name="adj2" fmla="val 74015"/>
+              <a:gd name="adj3" fmla="val 16667"/>
+            </a:avLst>
+          </a:prstGeom>
+          <a:noFill/>
+          <a:ln w="38100"/>
+        </p:spPr>
+        <p:style>
+          <a:lnRef idx="2">
+            <a:schemeClr val="accent1">
+              <a:shade val="50000"/>
+            </a:schemeClr>
+          </a:lnRef>
+          <a:fillRef idx="1">
+            <a:schemeClr val="accent1"/>
+          </a:fillRef>
+          <a:effectRef idx="0">
+            <a:schemeClr val="accent1"/>
+          </a:effectRef>
+          <a:fontRef idx="minor">
+            <a:schemeClr val="lt1"/>
+          </a:fontRef>
+        </p:style>
+        <p:txBody>
+          <a:bodyPr rtlCol="0" anchor="ctr"/>
+          <a:lstStyle/>
+          <a:p>
+            <a:r>
+              <a:rPr kumimoji="1" lang="en-US" altLang="ja-JP" dirty="0">
+                <a:solidFill>
+                  <a:schemeClr val="tx1"/>
+                </a:solidFill>
+              </a:rPr>
+              <a:t>2) Execute the app code and communicate with computing and data resources in backend.</a:t>
+            </a:r>
+            <a:endParaRPr kumimoji="1" lang="ja-JP" altLang="en-US" dirty="0">
+              <a:solidFill>
+                <a:schemeClr val="tx1"/>
+              </a:solidFill>
+            </a:endParaRPr>
+          </a:p>
+        </p:txBody>
+      </p:sp>
+      <p:sp>
+        <p:nvSpPr>
+          <p:cNvPr id="78" name="テキスト ボックス 77">
+            <a:extLst>
+              <a:ext uri="{FF2B5EF4-FFF2-40B4-BE49-F238E27FC236}">
+                <a16:creationId xmlns:a16="http://schemas.microsoft.com/office/drawing/2014/main" id="{27EA04E4-0F08-467D-8A53-FAFBD807261C}"/>
+              </a:ext>
+            </a:extLst>
+          </p:cNvPr>
+          <p:cNvSpPr txBox="1"/>
+          <p:nvPr/>
+        </p:nvSpPr>
+        <p:spPr>
+          <a:xfrm>
+            <a:off x="4880240" y="3999044"/>
+            <a:ext cx="1041952" cy="369332"/>
+          </a:xfrm>
+          <a:prstGeom prst="rect">
+            <a:avLst/>
+          </a:prstGeom>
+          <a:solidFill>
+            <a:schemeClr val="bg1"/>
+          </a:solidFill>
+        </p:spPr>
+        <p:txBody>
+          <a:bodyPr wrap="none" rtlCol="0">
+            <a:spAutoFit/>
+          </a:bodyPr>
+          <a:lstStyle/>
+          <a:p>
+            <a:r>
+              <a:rPr kumimoji="1" lang="en-US" altLang="ja-JP" dirty="0"/>
+              <a:t>Frontend</a:t>
+            </a:r>
+            <a:endParaRPr kumimoji="1" lang="ja-JP" altLang="en-US" dirty="0"/>
+          </a:p>
+        </p:txBody>
+      </p:sp>
+      <p:sp>
+        <p:nvSpPr>
+          <p:cNvPr id="81" name="テキスト ボックス 80">
+            <a:extLst>
+              <a:ext uri="{FF2B5EF4-FFF2-40B4-BE49-F238E27FC236}">
+                <a16:creationId xmlns:a16="http://schemas.microsoft.com/office/drawing/2014/main" id="{40A271E3-B5E8-41B7-9772-C9DE4F280367}"/>
+              </a:ext>
+            </a:extLst>
+          </p:cNvPr>
+          <p:cNvSpPr txBox="1"/>
+          <p:nvPr/>
+        </p:nvSpPr>
+        <p:spPr>
+          <a:xfrm>
+            <a:off x="5030680" y="178224"/>
+            <a:ext cx="973921" cy="369332"/>
+          </a:xfrm>
+          <a:prstGeom prst="rect">
+            <a:avLst/>
+          </a:prstGeom>
+          <a:solidFill>
+            <a:schemeClr val="bg1"/>
+          </a:solidFill>
+        </p:spPr>
+        <p:txBody>
+          <a:bodyPr wrap="none" rtlCol="0">
+            <a:spAutoFit/>
+          </a:bodyPr>
+          <a:lstStyle/>
+          <a:p>
+            <a:r>
+              <a:rPr kumimoji="1" lang="en-US" altLang="ja-JP" dirty="0"/>
+              <a:t>Backend</a:t>
+            </a:r>
+            <a:endParaRPr kumimoji="1" lang="ja-JP" altLang="en-US" dirty="0"/>
           </a:p>
         </p:txBody>
       </p:sp>

--- a/slides/Figs/images.pptx
+++ b/slides/Figs/images.pptx
@@ -7,6 +7,8 @@
   <p:sldIdLst>
     <p:sldId id="256" r:id="rId2"/>
     <p:sldId id="257" r:id="rId3"/>
+    <p:sldId id="258" r:id="rId4"/>
+    <p:sldId id="259" r:id="rId5"/>
   </p:sldIdLst>
   <p:sldSz cx="12192000" cy="6858000"/>
   <p:notesSz cx="6858000" cy="9144000"/>
@@ -260,7 +262,7 @@
           <a:p>
             <a:fld id="{ABB50B84-C221-BA49-B172-B6D4747B1BA4}" type="datetimeFigureOut">
               <a:rPr lang="en-US" smtClean="0"/>
-              <a:t>7/29/2019</a:t>
+              <a:t>7/29/19</a:t>
             </a:fld>
             <a:endParaRPr lang="en-US"/>
           </a:p>
@@ -458,7 +460,7 @@
           <a:p>
             <a:fld id="{ABB50B84-C221-BA49-B172-B6D4747B1BA4}" type="datetimeFigureOut">
               <a:rPr lang="en-US" smtClean="0"/>
-              <a:t>7/29/2019</a:t>
+              <a:t>7/29/19</a:t>
             </a:fld>
             <a:endParaRPr lang="en-US"/>
           </a:p>
@@ -666,7 +668,7 @@
           <a:p>
             <a:fld id="{ABB50B84-C221-BA49-B172-B6D4747B1BA4}" type="datetimeFigureOut">
               <a:rPr lang="en-US" smtClean="0"/>
-              <a:t>7/29/2019</a:t>
+              <a:t>7/29/19</a:t>
             </a:fld>
             <a:endParaRPr lang="en-US"/>
           </a:p>
@@ -864,7 +866,7 @@
           <a:p>
             <a:fld id="{ABB50B84-C221-BA49-B172-B6D4747B1BA4}" type="datetimeFigureOut">
               <a:rPr lang="en-US" smtClean="0"/>
-              <a:t>7/29/2019</a:t>
+              <a:t>7/29/19</a:t>
             </a:fld>
             <a:endParaRPr lang="en-US"/>
           </a:p>
@@ -1139,7 +1141,7 @@
           <a:p>
             <a:fld id="{ABB50B84-C221-BA49-B172-B6D4747B1BA4}" type="datetimeFigureOut">
               <a:rPr lang="en-US" smtClean="0"/>
-              <a:t>7/29/2019</a:t>
+              <a:t>7/29/19</a:t>
             </a:fld>
             <a:endParaRPr lang="en-US"/>
           </a:p>
@@ -1404,7 +1406,7 @@
           <a:p>
             <a:fld id="{ABB50B84-C221-BA49-B172-B6D4747B1BA4}" type="datetimeFigureOut">
               <a:rPr lang="en-US" smtClean="0"/>
-              <a:t>7/29/2019</a:t>
+              <a:t>7/29/19</a:t>
             </a:fld>
             <a:endParaRPr lang="en-US"/>
           </a:p>
@@ -1816,7 +1818,7 @@
           <a:p>
             <a:fld id="{ABB50B84-C221-BA49-B172-B6D4747B1BA4}" type="datetimeFigureOut">
               <a:rPr lang="en-US" smtClean="0"/>
-              <a:t>7/29/2019</a:t>
+              <a:t>7/29/19</a:t>
             </a:fld>
             <a:endParaRPr lang="en-US"/>
           </a:p>
@@ -1957,7 +1959,7 @@
           <a:p>
             <a:fld id="{ABB50B84-C221-BA49-B172-B6D4747B1BA4}" type="datetimeFigureOut">
               <a:rPr lang="en-US" smtClean="0"/>
-              <a:t>7/29/2019</a:t>
+              <a:t>7/29/19</a:t>
             </a:fld>
             <a:endParaRPr lang="en-US"/>
           </a:p>
@@ -2070,7 +2072,7 @@
           <a:p>
             <a:fld id="{ABB50B84-C221-BA49-B172-B6D4747B1BA4}" type="datetimeFigureOut">
               <a:rPr lang="en-US" smtClean="0"/>
-              <a:t>7/29/2019</a:t>
+              <a:t>7/29/19</a:t>
             </a:fld>
             <a:endParaRPr lang="en-US"/>
           </a:p>
@@ -2381,7 +2383,7 @@
           <a:p>
             <a:fld id="{ABB50B84-C221-BA49-B172-B6D4747B1BA4}" type="datetimeFigureOut">
               <a:rPr lang="en-US" smtClean="0"/>
-              <a:t>7/29/2019</a:t>
+              <a:t>7/29/19</a:t>
             </a:fld>
             <a:endParaRPr lang="en-US"/>
           </a:p>
@@ -2669,7 +2671,7 @@
           <a:p>
             <a:fld id="{ABB50B84-C221-BA49-B172-B6D4747B1BA4}" type="datetimeFigureOut">
               <a:rPr lang="en-US" smtClean="0"/>
-              <a:t>7/29/2019</a:t>
+              <a:t>7/29/19</a:t>
             </a:fld>
             <a:endParaRPr lang="en-US"/>
           </a:p>
@@ -2910,7 +2912,7 @@
           <a:p>
             <a:fld id="{ABB50B84-C221-BA49-B172-B6D4747B1BA4}" type="datetimeFigureOut">
               <a:rPr lang="en-US" smtClean="0"/>
-              <a:t>7/29/2019</a:t>
+              <a:t>7/29/19</a:t>
             </a:fld>
             <a:endParaRPr lang="en-US"/>
           </a:p>
@@ -4885,13 +4887,13 @@
         </p:nvSpPr>
         <p:spPr>
           <a:xfrm>
-            <a:off x="1774653" y="4637336"/>
+            <a:off x="248131" y="4503476"/>
             <a:ext cx="2659436" cy="789762"/>
           </a:xfrm>
           <a:prstGeom prst="wedgeRoundRectCallout">
             <a:avLst>
-              <a:gd name="adj1" fmla="val 34105"/>
-              <a:gd name="adj2" fmla="val -62723"/>
+              <a:gd name="adj1" fmla="val 36423"/>
+              <a:gd name="adj2" fmla="val -71829"/>
               <a:gd name="adj3" fmla="val 16667"/>
             </a:avLst>
           </a:prstGeom>
@@ -5077,10 +5079,3976 @@
           </a:p>
         </p:txBody>
       </p:sp>
+      <p:sp>
+        <p:nvSpPr>
+          <p:cNvPr id="3" name="TextBox 2">
+            <a:extLst>
+              <a:ext uri="{FF2B5EF4-FFF2-40B4-BE49-F238E27FC236}">
+                <a16:creationId xmlns:a16="http://schemas.microsoft.com/office/drawing/2014/main" id="{78A648DA-79C2-624D-AA63-57BA7351A567}"/>
+              </a:ext>
+            </a:extLst>
+          </p:cNvPr>
+          <p:cNvSpPr txBox="1"/>
+          <p:nvPr/>
+        </p:nvSpPr>
+        <p:spPr>
+          <a:xfrm>
+            <a:off x="418290" y="4126121"/>
+            <a:ext cx="1582228" cy="369332"/>
+          </a:xfrm>
+          <a:prstGeom prst="rect">
+            <a:avLst/>
+          </a:prstGeom>
+          <a:noFill/>
+        </p:spPr>
+        <p:txBody>
+          <a:bodyPr wrap="none" rtlCol="0">
+            <a:spAutoFit/>
+          </a:bodyPr>
+          <a:lstStyle/>
+          <a:p>
+            <a:r>
+              <a:rPr lang="en-US" dirty="0"/>
+              <a:t>User (Browser)</a:t>
+            </a:r>
+          </a:p>
+        </p:txBody>
+      </p:sp>
     </p:spTree>
     <p:extLst>
       <p:ext uri="{BB962C8B-B14F-4D97-AF65-F5344CB8AC3E}">
         <p14:creationId xmlns:p14="http://schemas.microsoft.com/office/powerpoint/2010/main" val="1461578525"/>
+      </p:ext>
+    </p:extLst>
+  </p:cSld>
+  <p:clrMapOvr>
+    <a:masterClrMapping/>
+  </p:clrMapOvr>
+</p:sld>
+</file>
+
+<file path=ppt/slides/slide3.xml><?xml version="1.0" encoding="utf-8"?>
+<p:sld xmlns:a="http://schemas.openxmlformats.org/drawingml/2006/main" xmlns:r="http://schemas.openxmlformats.org/officeDocument/2006/relationships" xmlns:p="http://schemas.openxmlformats.org/presentationml/2006/main">
+  <p:cSld>
+    <p:spTree>
+      <p:nvGrpSpPr>
+        <p:cNvPr id="1" name=""/>
+        <p:cNvGrpSpPr/>
+        <p:nvPr/>
+      </p:nvGrpSpPr>
+      <p:grpSpPr>
+        <a:xfrm>
+          <a:off x="0" y="0"/>
+          <a:ext cx="0" cy="0"/>
+          <a:chOff x="0" y="0"/>
+          <a:chExt cx="0" cy="0"/>
+        </a:xfrm>
+      </p:grpSpPr>
+      <p:sp>
+        <p:nvSpPr>
+          <p:cNvPr id="5" name="Rounded Rectangle 4">
+            <a:extLst>
+              <a:ext uri="{FF2B5EF4-FFF2-40B4-BE49-F238E27FC236}">
+                <a16:creationId xmlns:a16="http://schemas.microsoft.com/office/drawing/2014/main" id="{6E531449-230A-7148-A6E5-B91A61DBBAF9}"/>
+              </a:ext>
+            </a:extLst>
+          </p:cNvPr>
+          <p:cNvSpPr/>
+          <p:nvPr/>
+        </p:nvSpPr>
+        <p:spPr>
+          <a:xfrm>
+            <a:off x="5089132" y="342900"/>
+            <a:ext cx="4784333" cy="3440995"/>
+          </a:xfrm>
+          <a:prstGeom prst="roundRect">
+            <a:avLst/>
+          </a:prstGeom>
+          <a:noFill/>
+          <a:ln w="38100">
+            <a:solidFill>
+              <a:schemeClr val="accent1"/>
+            </a:solidFill>
+          </a:ln>
+        </p:spPr>
+        <p:style>
+          <a:lnRef idx="2">
+            <a:schemeClr val="accent1">
+              <a:shade val="50000"/>
+            </a:schemeClr>
+          </a:lnRef>
+          <a:fillRef idx="1">
+            <a:schemeClr val="accent1"/>
+          </a:fillRef>
+          <a:effectRef idx="0">
+            <a:schemeClr val="accent1"/>
+          </a:effectRef>
+          <a:fontRef idx="minor">
+            <a:schemeClr val="lt1"/>
+          </a:fontRef>
+        </p:style>
+        <p:txBody>
+          <a:bodyPr rtlCol="0" anchor="ctr"/>
+          <a:lstStyle/>
+          <a:p>
+            <a:pPr algn="ctr"/>
+            <a:endParaRPr lang="en-US"/>
+          </a:p>
+        </p:txBody>
+      </p:sp>
+      <p:sp>
+        <p:nvSpPr>
+          <p:cNvPr id="6" name="TextBox 5">
+            <a:extLst>
+              <a:ext uri="{FF2B5EF4-FFF2-40B4-BE49-F238E27FC236}">
+                <a16:creationId xmlns:a16="http://schemas.microsoft.com/office/drawing/2014/main" id="{4A08E93B-DF74-5341-BB01-46A4380C760F}"/>
+              </a:ext>
+            </a:extLst>
+          </p:cNvPr>
+          <p:cNvSpPr txBox="1"/>
+          <p:nvPr/>
+        </p:nvSpPr>
+        <p:spPr>
+          <a:xfrm>
+            <a:off x="6379943" y="6351508"/>
+            <a:ext cx="2674835" cy="369332"/>
+          </a:xfrm>
+          <a:prstGeom prst="rect">
+            <a:avLst/>
+          </a:prstGeom>
+          <a:noFill/>
+        </p:spPr>
+        <p:txBody>
+          <a:bodyPr wrap="none" rtlCol="0">
+            <a:spAutoFit/>
+          </a:bodyPr>
+          <a:lstStyle/>
+          <a:p>
+            <a:pPr algn="ctr"/>
+            <a:r>
+              <a:rPr lang="en-US" altLang="ja-JP" dirty="0"/>
+              <a:t>Cloud</a:t>
+            </a:r>
+            <a:r>
+              <a:rPr lang="ja-JP" altLang="en-US" dirty="0"/>
+              <a:t> </a:t>
+            </a:r>
+            <a:r>
+              <a:rPr lang="en-US" altLang="ja-JP" dirty="0"/>
+              <a:t>platform (e.g., AWS)</a:t>
+            </a:r>
+            <a:endParaRPr lang="en-US" dirty="0"/>
+          </a:p>
+        </p:txBody>
+      </p:sp>
+      <p:pic>
+        <p:nvPicPr>
+          <p:cNvPr id="14" name="Picture 13">
+            <a:extLst>
+              <a:ext uri="{FF2B5EF4-FFF2-40B4-BE49-F238E27FC236}">
+                <a16:creationId xmlns:a16="http://schemas.microsoft.com/office/drawing/2014/main" id="{4C9C6CFB-A5CA-2B47-8998-2F59B37E6832}"/>
+              </a:ext>
+            </a:extLst>
+          </p:cNvPr>
+          <p:cNvPicPr>
+            <a:picLocks noChangeAspect="1"/>
+          </p:cNvPicPr>
+          <p:nvPr/>
+        </p:nvPicPr>
+        <p:blipFill>
+          <a:blip r:embed="rId2">
+            <a:extLst>
+              <a:ext uri="{28A0092B-C50C-407E-A947-70E740481C1C}">
+                <a14:useLocalDpi xmlns:a14="http://schemas.microsoft.com/office/drawing/2010/main" val="0"/>
+              </a:ext>
+            </a:extLst>
+          </a:blip>
+          <a:stretch>
+            <a:fillRect/>
+          </a:stretch>
+        </p:blipFill>
+        <p:spPr>
+          <a:xfrm>
+            <a:off x="5517641" y="1778001"/>
+            <a:ext cx="521366" cy="625640"/>
+          </a:xfrm>
+          <a:prstGeom prst="rect">
+            <a:avLst/>
+          </a:prstGeom>
+        </p:spPr>
+      </p:pic>
+      <p:sp>
+        <p:nvSpPr>
+          <p:cNvPr id="15" name="TextBox 14">
+            <a:extLst>
+              <a:ext uri="{FF2B5EF4-FFF2-40B4-BE49-F238E27FC236}">
+                <a16:creationId xmlns:a16="http://schemas.microsoft.com/office/drawing/2014/main" id="{90737ECB-BA51-494D-B878-65C5981552AC}"/>
+              </a:ext>
+            </a:extLst>
+          </p:cNvPr>
+          <p:cNvSpPr txBox="1"/>
+          <p:nvPr/>
+        </p:nvSpPr>
+        <p:spPr>
+          <a:xfrm>
+            <a:off x="5330948" y="2448800"/>
+            <a:ext cx="894752" cy="155632"/>
+          </a:xfrm>
+          <a:prstGeom prst="rect">
+            <a:avLst/>
+          </a:prstGeom>
+          <a:noFill/>
+        </p:spPr>
+        <p:txBody>
+          <a:bodyPr wrap="square" lIns="0" tIns="0" rIns="0" bIns="0" rtlCol="0" anchor="t">
+            <a:noAutofit/>
+          </a:bodyPr>
+          <a:lstStyle/>
+          <a:p>
+            <a:pPr algn="ctr"/>
+            <a:r>
+              <a:rPr lang="en-US" sz="1000" b="1" dirty="0"/>
+              <a:t>Amazon API Gateway*</a:t>
+            </a:r>
+            <a:endParaRPr lang="en-US" b="1" dirty="0"/>
+          </a:p>
+        </p:txBody>
+      </p:sp>
+      <p:sp>
+        <p:nvSpPr>
+          <p:cNvPr id="16" name="TextBox 15">
+            <a:extLst>
+              <a:ext uri="{FF2B5EF4-FFF2-40B4-BE49-F238E27FC236}">
+                <a16:creationId xmlns:a16="http://schemas.microsoft.com/office/drawing/2014/main" id="{F445D0C1-83C0-B94A-8C46-368940D430C1}"/>
+              </a:ext>
+            </a:extLst>
+          </p:cNvPr>
+          <p:cNvSpPr txBox="1"/>
+          <p:nvPr/>
+        </p:nvSpPr>
+        <p:spPr>
+          <a:xfrm>
+            <a:off x="8632717" y="5140188"/>
+            <a:ext cx="768159" cy="338554"/>
+          </a:xfrm>
+          <a:prstGeom prst="rect">
+            <a:avLst/>
+          </a:prstGeom>
+          <a:noFill/>
+        </p:spPr>
+        <p:txBody>
+          <a:bodyPr wrap="none" rtlCol="0">
+            <a:spAutoFit/>
+          </a:bodyPr>
+          <a:lstStyle/>
+          <a:p>
+            <a:pPr algn="ctr"/>
+            <a:r>
+              <a:rPr lang="en-US" sz="800" b="1" dirty="0">
+                <a:latin typeface="Helvetica Neue"/>
+                <a:cs typeface="Helvetica Neue"/>
+              </a:rPr>
+              <a:t>Amazon S3 </a:t>
+            </a:r>
+            <a:br>
+              <a:rPr lang="en-US" sz="800" b="1" dirty="0">
+                <a:latin typeface="Helvetica Neue"/>
+                <a:cs typeface="Helvetica Neue"/>
+              </a:rPr>
+            </a:br>
+            <a:r>
+              <a:rPr lang="en-US" sz="800" b="1" dirty="0">
+                <a:latin typeface="Helvetica Neue"/>
+                <a:cs typeface="Helvetica Neue"/>
+              </a:rPr>
+              <a:t>bucket</a:t>
+            </a:r>
+          </a:p>
+        </p:txBody>
+      </p:sp>
+      <p:pic>
+        <p:nvPicPr>
+          <p:cNvPr id="17" name="Picture 16">
+            <a:extLst>
+              <a:ext uri="{FF2B5EF4-FFF2-40B4-BE49-F238E27FC236}">
+                <a16:creationId xmlns:a16="http://schemas.microsoft.com/office/drawing/2014/main" id="{7D17C7D3-6C5D-D541-AA07-AA3F2994110A}"/>
+              </a:ext>
+            </a:extLst>
+          </p:cNvPr>
+          <p:cNvPicPr>
+            <a:picLocks noChangeAspect="1"/>
+          </p:cNvPicPr>
+          <p:nvPr/>
+        </p:nvPicPr>
+        <p:blipFill>
+          <a:blip r:embed="rId3">
+            <a:extLst>
+              <a:ext uri="{28A0092B-C50C-407E-A947-70E740481C1C}">
+                <a14:useLocalDpi xmlns:a14="http://schemas.microsoft.com/office/drawing/2010/main" val="0"/>
+              </a:ext>
+            </a:extLst>
+          </a:blip>
+          <a:stretch>
+            <a:fillRect/>
+          </a:stretch>
+        </p:blipFill>
+        <p:spPr>
+          <a:xfrm>
+            <a:off x="8762350" y="4634972"/>
+            <a:ext cx="468336" cy="485681"/>
+          </a:xfrm>
+          <a:prstGeom prst="rect">
+            <a:avLst/>
+          </a:prstGeom>
+        </p:spPr>
+      </p:pic>
+      <p:sp>
+        <p:nvSpPr>
+          <p:cNvPr id="18" name="TextBox 17">
+            <a:extLst>
+              <a:ext uri="{FF2B5EF4-FFF2-40B4-BE49-F238E27FC236}">
+                <a16:creationId xmlns:a16="http://schemas.microsoft.com/office/drawing/2014/main" id="{1AF4C9ED-AE65-F947-B5DC-5DF6F5AF23EE}"/>
+              </a:ext>
+            </a:extLst>
+          </p:cNvPr>
+          <p:cNvSpPr txBox="1"/>
+          <p:nvPr/>
+        </p:nvSpPr>
+        <p:spPr>
+          <a:xfrm>
+            <a:off x="1326570" y="3260420"/>
+            <a:ext cx="822960" cy="320040"/>
+          </a:xfrm>
+          <a:prstGeom prst="rect">
+            <a:avLst/>
+          </a:prstGeom>
+          <a:noFill/>
+        </p:spPr>
+        <p:txBody>
+          <a:bodyPr wrap="none" lIns="0" tIns="0" rIns="0" bIns="0" rtlCol="0" anchor="t">
+            <a:noAutofit/>
+          </a:bodyPr>
+          <a:lstStyle/>
+          <a:p>
+            <a:pPr algn="ctr"/>
+            <a:r>
+              <a:rPr lang="en-US" sz="1100" dirty="0">
+                <a:latin typeface="Helvetica Neue"/>
+                <a:cs typeface="Helvetica Neue"/>
+              </a:rPr>
+              <a:t>JavaScript</a:t>
+            </a:r>
+          </a:p>
+        </p:txBody>
+      </p:sp>
+      <p:pic>
+        <p:nvPicPr>
+          <p:cNvPr id="19" name="Picture 18">
+            <a:extLst>
+              <a:ext uri="{FF2B5EF4-FFF2-40B4-BE49-F238E27FC236}">
+                <a16:creationId xmlns:a16="http://schemas.microsoft.com/office/drawing/2014/main" id="{2A2D865E-3AF3-3A4A-B33F-6D4703908574}"/>
+              </a:ext>
+            </a:extLst>
+          </p:cNvPr>
+          <p:cNvPicPr>
+            <a:picLocks noChangeAspect="1"/>
+          </p:cNvPicPr>
+          <p:nvPr/>
+        </p:nvPicPr>
+        <p:blipFill>
+          <a:blip r:embed="rId4">
+            <a:extLst>
+              <a:ext uri="{28A0092B-C50C-407E-A947-70E740481C1C}">
+                <a14:useLocalDpi xmlns:a14="http://schemas.microsoft.com/office/drawing/2010/main" val="0"/>
+              </a:ext>
+            </a:extLst>
+          </a:blip>
+          <a:stretch>
+            <a:fillRect/>
+          </a:stretch>
+        </p:blipFill>
+        <p:spPr>
+          <a:xfrm>
+            <a:off x="1408191" y="2500745"/>
+            <a:ext cx="659718" cy="759675"/>
+          </a:xfrm>
+          <a:prstGeom prst="rect">
+            <a:avLst/>
+          </a:prstGeom>
+        </p:spPr>
+      </p:pic>
+      <p:pic>
+        <p:nvPicPr>
+          <p:cNvPr id="20" name="Picture 19">
+            <a:extLst>
+              <a:ext uri="{FF2B5EF4-FFF2-40B4-BE49-F238E27FC236}">
+                <a16:creationId xmlns:a16="http://schemas.microsoft.com/office/drawing/2014/main" id="{EDD31DA4-F4CC-1647-AC75-104DA91972AB}"/>
+              </a:ext>
+            </a:extLst>
+          </p:cNvPr>
+          <p:cNvPicPr>
+            <a:picLocks noChangeAspect="1"/>
+          </p:cNvPicPr>
+          <p:nvPr/>
+        </p:nvPicPr>
+        <p:blipFill>
+          <a:blip r:embed="rId5">
+            <a:extLst>
+              <a:ext uri="{28A0092B-C50C-407E-A947-70E740481C1C}">
+                <a14:useLocalDpi xmlns:a14="http://schemas.microsoft.com/office/drawing/2010/main" val="0"/>
+              </a:ext>
+            </a:extLst>
+          </a:blip>
+          <a:stretch>
+            <a:fillRect/>
+          </a:stretch>
+        </p:blipFill>
+        <p:spPr>
+          <a:xfrm>
+            <a:off x="7083627" y="2403641"/>
+            <a:ext cx="544781" cy="653737"/>
+          </a:xfrm>
+          <a:prstGeom prst="rect">
+            <a:avLst/>
+          </a:prstGeom>
+        </p:spPr>
+      </p:pic>
+      <p:sp>
+        <p:nvSpPr>
+          <p:cNvPr id="21" name="TextBox 20">
+            <a:extLst>
+              <a:ext uri="{FF2B5EF4-FFF2-40B4-BE49-F238E27FC236}">
+                <a16:creationId xmlns:a16="http://schemas.microsoft.com/office/drawing/2014/main" id="{D39F4622-C3A9-8041-BE1F-C6EF103DBA55}"/>
+              </a:ext>
+            </a:extLst>
+          </p:cNvPr>
+          <p:cNvSpPr txBox="1"/>
+          <p:nvPr/>
+        </p:nvSpPr>
+        <p:spPr>
+          <a:xfrm>
+            <a:off x="6943514" y="3084565"/>
+            <a:ext cx="825006" cy="155632"/>
+          </a:xfrm>
+          <a:prstGeom prst="rect">
+            <a:avLst/>
+          </a:prstGeom>
+          <a:noFill/>
+        </p:spPr>
+        <p:txBody>
+          <a:bodyPr wrap="square" lIns="0" tIns="0" rIns="0" bIns="0" rtlCol="0" anchor="t">
+            <a:noAutofit/>
+          </a:bodyPr>
+          <a:lstStyle/>
+          <a:p>
+            <a:pPr algn="ctr"/>
+            <a:r>
+              <a:rPr lang="en-US" sz="1000" b="1" dirty="0"/>
+              <a:t>AWS</a:t>
+            </a:r>
+          </a:p>
+          <a:p>
+            <a:pPr algn="ctr"/>
+            <a:r>
+              <a:rPr lang="en-US" sz="1000" b="1" dirty="0"/>
+              <a:t>Lambda</a:t>
+            </a:r>
+          </a:p>
+        </p:txBody>
+      </p:sp>
+      <p:pic>
+        <p:nvPicPr>
+          <p:cNvPr id="22" name="Picture 21">
+            <a:extLst>
+              <a:ext uri="{FF2B5EF4-FFF2-40B4-BE49-F238E27FC236}">
+                <a16:creationId xmlns:a16="http://schemas.microsoft.com/office/drawing/2014/main" id="{D0BD14A0-199D-1D42-A7D9-8D431C87AC85}"/>
+              </a:ext>
+            </a:extLst>
+          </p:cNvPr>
+          <p:cNvPicPr>
+            <a:picLocks noChangeAspect="1"/>
+          </p:cNvPicPr>
+          <p:nvPr/>
+        </p:nvPicPr>
+        <p:blipFill>
+          <a:blip r:embed="rId5">
+            <a:extLst>
+              <a:ext uri="{28A0092B-C50C-407E-A947-70E740481C1C}">
+                <a14:useLocalDpi xmlns:a14="http://schemas.microsoft.com/office/drawing/2010/main" val="0"/>
+              </a:ext>
+            </a:extLst>
+          </a:blip>
+          <a:stretch>
+            <a:fillRect/>
+          </a:stretch>
+        </p:blipFill>
+        <p:spPr>
+          <a:xfrm>
+            <a:off x="7083627" y="1023969"/>
+            <a:ext cx="544781" cy="653737"/>
+          </a:xfrm>
+          <a:prstGeom prst="rect">
+            <a:avLst/>
+          </a:prstGeom>
+        </p:spPr>
+      </p:pic>
+      <p:sp>
+        <p:nvSpPr>
+          <p:cNvPr id="23" name="TextBox 22">
+            <a:extLst>
+              <a:ext uri="{FF2B5EF4-FFF2-40B4-BE49-F238E27FC236}">
+                <a16:creationId xmlns:a16="http://schemas.microsoft.com/office/drawing/2014/main" id="{861917E9-52C3-BF4F-A357-2753D2889030}"/>
+              </a:ext>
+            </a:extLst>
+          </p:cNvPr>
+          <p:cNvSpPr txBox="1"/>
+          <p:nvPr/>
+        </p:nvSpPr>
+        <p:spPr>
+          <a:xfrm>
+            <a:off x="6943514" y="1704893"/>
+            <a:ext cx="825006" cy="155632"/>
+          </a:xfrm>
+          <a:prstGeom prst="rect">
+            <a:avLst/>
+          </a:prstGeom>
+          <a:noFill/>
+        </p:spPr>
+        <p:txBody>
+          <a:bodyPr wrap="square" lIns="0" tIns="0" rIns="0" bIns="0" rtlCol="0" anchor="t">
+            <a:noAutofit/>
+          </a:bodyPr>
+          <a:lstStyle/>
+          <a:p>
+            <a:pPr algn="ctr"/>
+            <a:r>
+              <a:rPr lang="en-US" sz="1000" b="1" dirty="0"/>
+              <a:t>AWS</a:t>
+            </a:r>
+          </a:p>
+          <a:p>
+            <a:pPr algn="ctr"/>
+            <a:r>
+              <a:rPr lang="en-US" sz="1000" b="1" dirty="0"/>
+              <a:t>Lambda</a:t>
+            </a:r>
+          </a:p>
+        </p:txBody>
+      </p:sp>
+      <p:sp>
+        <p:nvSpPr>
+          <p:cNvPr id="24" name="Rounded Rectangle 23">
+            <a:extLst>
+              <a:ext uri="{FF2B5EF4-FFF2-40B4-BE49-F238E27FC236}">
+                <a16:creationId xmlns:a16="http://schemas.microsoft.com/office/drawing/2014/main" id="{531291F4-3B34-2C4A-AABD-C4A14AF0B0BD}"/>
+              </a:ext>
+            </a:extLst>
+          </p:cNvPr>
+          <p:cNvSpPr/>
+          <p:nvPr/>
+        </p:nvSpPr>
+        <p:spPr>
+          <a:xfrm>
+            <a:off x="5089133" y="4176438"/>
+            <a:ext cx="4784333" cy="2091230"/>
+          </a:xfrm>
+          <a:prstGeom prst="roundRect">
+            <a:avLst/>
+          </a:prstGeom>
+          <a:noFill/>
+          <a:ln w="38100">
+            <a:solidFill>
+              <a:srgbClr val="FFC000"/>
+            </a:solidFill>
+          </a:ln>
+        </p:spPr>
+        <p:style>
+          <a:lnRef idx="2">
+            <a:schemeClr val="accent1">
+              <a:shade val="50000"/>
+            </a:schemeClr>
+          </a:lnRef>
+          <a:fillRef idx="1">
+            <a:schemeClr val="accent1"/>
+          </a:fillRef>
+          <a:effectRef idx="0">
+            <a:schemeClr val="accent1"/>
+          </a:effectRef>
+          <a:fontRef idx="minor">
+            <a:schemeClr val="lt1"/>
+          </a:fontRef>
+        </p:style>
+        <p:txBody>
+          <a:bodyPr rtlCol="0" anchor="ctr"/>
+          <a:lstStyle/>
+          <a:p>
+            <a:pPr algn="ctr"/>
+            <a:endParaRPr lang="en-US"/>
+          </a:p>
+        </p:txBody>
+      </p:sp>
+      <p:pic>
+        <p:nvPicPr>
+          <p:cNvPr id="25" name="Picture 24">
+            <a:extLst>
+              <a:ext uri="{FF2B5EF4-FFF2-40B4-BE49-F238E27FC236}">
+                <a16:creationId xmlns:a16="http://schemas.microsoft.com/office/drawing/2014/main" id="{6C3C4A50-D8A6-AD4A-A354-44625FE0AE95}"/>
+              </a:ext>
+            </a:extLst>
+          </p:cNvPr>
+          <p:cNvPicPr>
+            <a:picLocks noChangeAspect="1"/>
+          </p:cNvPicPr>
+          <p:nvPr/>
+        </p:nvPicPr>
+        <p:blipFill>
+          <a:blip r:embed="rId6">
+            <a:extLst>
+              <a:ext uri="{28A0092B-C50C-407E-A947-70E740481C1C}">
+                <a14:useLocalDpi xmlns:a14="http://schemas.microsoft.com/office/drawing/2010/main" val="0"/>
+              </a:ext>
+            </a:extLst>
+          </a:blip>
+          <a:stretch>
+            <a:fillRect/>
+          </a:stretch>
+        </p:blipFill>
+        <p:spPr>
+          <a:xfrm>
+            <a:off x="5626293" y="4566323"/>
+            <a:ext cx="544780" cy="653098"/>
+          </a:xfrm>
+          <a:prstGeom prst="rect">
+            <a:avLst/>
+          </a:prstGeom>
+        </p:spPr>
+      </p:pic>
+      <p:sp>
+        <p:nvSpPr>
+          <p:cNvPr id="26" name="TextBox 25">
+            <a:extLst>
+              <a:ext uri="{FF2B5EF4-FFF2-40B4-BE49-F238E27FC236}">
+                <a16:creationId xmlns:a16="http://schemas.microsoft.com/office/drawing/2014/main" id="{9F66391A-DB00-454C-8C1E-E2C37659FACA}"/>
+              </a:ext>
+            </a:extLst>
+          </p:cNvPr>
+          <p:cNvSpPr txBox="1"/>
+          <p:nvPr/>
+        </p:nvSpPr>
+        <p:spPr>
+          <a:xfrm>
+            <a:off x="5532923" y="5246255"/>
+            <a:ext cx="731520" cy="155632"/>
+          </a:xfrm>
+          <a:prstGeom prst="rect">
+            <a:avLst/>
+          </a:prstGeom>
+          <a:noFill/>
+        </p:spPr>
+        <p:txBody>
+          <a:bodyPr wrap="square" lIns="0" tIns="0" rIns="0" bIns="0" rtlCol="0" anchor="t">
+            <a:noAutofit/>
+          </a:bodyPr>
+          <a:lstStyle/>
+          <a:p>
+            <a:pPr algn="ctr"/>
+            <a:r>
+              <a:rPr lang="en-US" sz="1000" b="1" dirty="0"/>
+              <a:t>Amazon </a:t>
+            </a:r>
+            <a:r>
+              <a:rPr lang="en-US" sz="1000" b="1" dirty="0" err="1"/>
+              <a:t>CloudFront</a:t>
+            </a:r>
+            <a:endParaRPr lang="en-US" b="1" dirty="0"/>
+          </a:p>
+        </p:txBody>
+      </p:sp>
+      <p:pic>
+        <p:nvPicPr>
+          <p:cNvPr id="27" name="Picture 26">
+            <a:extLst>
+              <a:ext uri="{FF2B5EF4-FFF2-40B4-BE49-F238E27FC236}">
+                <a16:creationId xmlns:a16="http://schemas.microsoft.com/office/drawing/2014/main" id="{1EAD9C27-2362-DA43-96BA-B9A7DEFB7F2C}"/>
+              </a:ext>
+            </a:extLst>
+          </p:cNvPr>
+          <p:cNvPicPr>
+            <a:picLocks noChangeAspect="1"/>
+          </p:cNvPicPr>
+          <p:nvPr/>
+        </p:nvPicPr>
+        <p:blipFill>
+          <a:blip r:embed="rId7">
+            <a:extLst>
+              <a:ext uri="{28A0092B-C50C-407E-A947-70E740481C1C}">
+                <a14:useLocalDpi xmlns:a14="http://schemas.microsoft.com/office/drawing/2010/main" val="0"/>
+              </a:ext>
+            </a:extLst>
+          </a:blip>
+          <a:stretch>
+            <a:fillRect/>
+          </a:stretch>
+        </p:blipFill>
+        <p:spPr>
+          <a:xfrm>
+            <a:off x="8681766" y="1023969"/>
+            <a:ext cx="543466" cy="601994"/>
+          </a:xfrm>
+          <a:prstGeom prst="rect">
+            <a:avLst/>
+          </a:prstGeom>
+        </p:spPr>
+      </p:pic>
+      <p:sp>
+        <p:nvSpPr>
+          <p:cNvPr id="28" name="TextBox 27">
+            <a:extLst>
+              <a:ext uri="{FF2B5EF4-FFF2-40B4-BE49-F238E27FC236}">
+                <a16:creationId xmlns:a16="http://schemas.microsoft.com/office/drawing/2014/main" id="{248112C3-DC6B-3B4B-9DA8-3F113B57B059}"/>
+              </a:ext>
+            </a:extLst>
+          </p:cNvPr>
+          <p:cNvSpPr txBox="1"/>
+          <p:nvPr/>
+        </p:nvSpPr>
+        <p:spPr>
+          <a:xfrm>
+            <a:off x="8506124" y="1674372"/>
+            <a:ext cx="894752" cy="155632"/>
+          </a:xfrm>
+          <a:prstGeom prst="rect">
+            <a:avLst/>
+          </a:prstGeom>
+          <a:noFill/>
+        </p:spPr>
+        <p:txBody>
+          <a:bodyPr wrap="square" lIns="0" tIns="0" rIns="0" bIns="0" rtlCol="0" anchor="t">
+            <a:noAutofit/>
+          </a:bodyPr>
+          <a:lstStyle/>
+          <a:p>
+            <a:pPr algn="ctr"/>
+            <a:r>
+              <a:rPr lang="en-US" sz="1000" b="1" dirty="0"/>
+              <a:t>Amazon</a:t>
+            </a:r>
+            <a:br>
+              <a:rPr lang="en-US" sz="1000" b="1" dirty="0"/>
+            </a:br>
+            <a:r>
+              <a:rPr lang="en-US" sz="1000" b="1" dirty="0" err="1"/>
+              <a:t>DynamoDB</a:t>
+            </a:r>
+            <a:endParaRPr lang="en-US" b="1" dirty="0"/>
+          </a:p>
+        </p:txBody>
+      </p:sp>
+      <p:sp>
+        <p:nvSpPr>
+          <p:cNvPr id="29" name="TextBox 28">
+            <a:extLst>
+              <a:ext uri="{FF2B5EF4-FFF2-40B4-BE49-F238E27FC236}">
+                <a16:creationId xmlns:a16="http://schemas.microsoft.com/office/drawing/2014/main" id="{CA00FEFD-8243-0040-B3A2-F7D5AECB291C}"/>
+              </a:ext>
+            </a:extLst>
+          </p:cNvPr>
+          <p:cNvSpPr txBox="1"/>
+          <p:nvPr/>
+        </p:nvSpPr>
+        <p:spPr>
+          <a:xfrm>
+            <a:off x="8603917" y="3027749"/>
+            <a:ext cx="768159" cy="338554"/>
+          </a:xfrm>
+          <a:prstGeom prst="rect">
+            <a:avLst/>
+          </a:prstGeom>
+          <a:noFill/>
+        </p:spPr>
+        <p:txBody>
+          <a:bodyPr wrap="none" rtlCol="0">
+            <a:spAutoFit/>
+          </a:bodyPr>
+          <a:lstStyle/>
+          <a:p>
+            <a:pPr algn="ctr"/>
+            <a:r>
+              <a:rPr lang="en-US" sz="800" b="1" dirty="0">
+                <a:latin typeface="Helvetica Neue"/>
+                <a:cs typeface="Helvetica Neue"/>
+              </a:rPr>
+              <a:t>Amazon S3 </a:t>
+            </a:r>
+            <a:br>
+              <a:rPr lang="en-US" sz="800" b="1" dirty="0">
+                <a:latin typeface="Helvetica Neue"/>
+                <a:cs typeface="Helvetica Neue"/>
+              </a:rPr>
+            </a:br>
+            <a:r>
+              <a:rPr lang="en-US" sz="800" b="1" dirty="0">
+                <a:latin typeface="Helvetica Neue"/>
+                <a:cs typeface="Helvetica Neue"/>
+              </a:rPr>
+              <a:t>bucket</a:t>
+            </a:r>
+          </a:p>
+        </p:txBody>
+      </p:sp>
+      <p:pic>
+        <p:nvPicPr>
+          <p:cNvPr id="30" name="Picture 29">
+            <a:extLst>
+              <a:ext uri="{FF2B5EF4-FFF2-40B4-BE49-F238E27FC236}">
+                <a16:creationId xmlns:a16="http://schemas.microsoft.com/office/drawing/2014/main" id="{A2B5F8E6-C0CD-2841-83B2-287019773EED}"/>
+              </a:ext>
+            </a:extLst>
+          </p:cNvPr>
+          <p:cNvPicPr>
+            <a:picLocks noChangeAspect="1"/>
+          </p:cNvPicPr>
+          <p:nvPr/>
+        </p:nvPicPr>
+        <p:blipFill>
+          <a:blip r:embed="rId3">
+            <a:extLst>
+              <a:ext uri="{28A0092B-C50C-407E-A947-70E740481C1C}">
+                <a14:useLocalDpi xmlns:a14="http://schemas.microsoft.com/office/drawing/2010/main" val="0"/>
+              </a:ext>
+            </a:extLst>
+          </a:blip>
+          <a:stretch>
+            <a:fillRect/>
+          </a:stretch>
+        </p:blipFill>
+        <p:spPr>
+          <a:xfrm>
+            <a:off x="8733550" y="2522533"/>
+            <a:ext cx="468336" cy="485681"/>
+          </a:xfrm>
+          <a:prstGeom prst="rect">
+            <a:avLst/>
+          </a:prstGeom>
+        </p:spPr>
+      </p:pic>
+      <p:sp>
+        <p:nvSpPr>
+          <p:cNvPr id="34" name="TextBox 33">
+            <a:extLst>
+              <a:ext uri="{FF2B5EF4-FFF2-40B4-BE49-F238E27FC236}">
+                <a16:creationId xmlns:a16="http://schemas.microsoft.com/office/drawing/2014/main" id="{F4A3583D-6F24-F040-84EC-46AFBD477E43}"/>
+              </a:ext>
+            </a:extLst>
+          </p:cNvPr>
+          <p:cNvSpPr txBox="1"/>
+          <p:nvPr/>
+        </p:nvSpPr>
+        <p:spPr>
+          <a:xfrm>
+            <a:off x="5078059" y="3372035"/>
+            <a:ext cx="4784333" cy="369332"/>
+          </a:xfrm>
+          <a:prstGeom prst="rect">
+            <a:avLst/>
+          </a:prstGeom>
+          <a:noFill/>
+        </p:spPr>
+        <p:txBody>
+          <a:bodyPr wrap="square" rtlCol="0">
+            <a:spAutoFit/>
+          </a:bodyPr>
+          <a:lstStyle/>
+          <a:p>
+            <a:pPr algn="ctr"/>
+            <a:r>
+              <a:rPr lang="en-US" dirty="0"/>
+              <a:t>Computing &amp; Data resources</a:t>
+            </a:r>
+          </a:p>
+        </p:txBody>
+      </p:sp>
+      <p:sp>
+        <p:nvSpPr>
+          <p:cNvPr id="35" name="TextBox 34">
+            <a:extLst>
+              <a:ext uri="{FF2B5EF4-FFF2-40B4-BE49-F238E27FC236}">
+                <a16:creationId xmlns:a16="http://schemas.microsoft.com/office/drawing/2014/main" id="{0BBD4DDF-4571-C747-8394-0CEEA83D81DD}"/>
+              </a:ext>
+            </a:extLst>
+          </p:cNvPr>
+          <p:cNvSpPr txBox="1"/>
+          <p:nvPr/>
+        </p:nvSpPr>
+        <p:spPr>
+          <a:xfrm>
+            <a:off x="5089132" y="5608914"/>
+            <a:ext cx="4784333" cy="646331"/>
+          </a:xfrm>
+          <a:prstGeom prst="rect">
+            <a:avLst/>
+          </a:prstGeom>
+          <a:noFill/>
+        </p:spPr>
+        <p:txBody>
+          <a:bodyPr wrap="square" rtlCol="0">
+            <a:spAutoFit/>
+          </a:bodyPr>
+          <a:lstStyle/>
+          <a:p>
+            <a:pPr algn="ctr"/>
+            <a:r>
+              <a:rPr lang="en-US" dirty="0"/>
+              <a:t>Static webpage (html/</a:t>
+            </a:r>
+            <a:r>
+              <a:rPr lang="en-US" dirty="0" err="1"/>
+              <a:t>css</a:t>
+            </a:r>
+            <a:r>
+              <a:rPr lang="en-US" dirty="0"/>
+              <a:t>/</a:t>
+            </a:r>
+            <a:r>
+              <a:rPr lang="en-US" dirty="0" err="1"/>
+              <a:t>javascrip</a:t>
+            </a:r>
+            <a:r>
+              <a:rPr lang="en-US" dirty="0"/>
+              <a:t>)</a:t>
+            </a:r>
+          </a:p>
+          <a:p>
+            <a:pPr algn="ctr"/>
+            <a:r>
+              <a:rPr lang="en-US" dirty="0"/>
+              <a:t> as downloadable program</a:t>
+            </a:r>
+          </a:p>
+        </p:txBody>
+      </p:sp>
+      <p:sp>
+        <p:nvSpPr>
+          <p:cNvPr id="2" name="テキスト ボックス 1">
+            <a:extLst>
+              <a:ext uri="{FF2B5EF4-FFF2-40B4-BE49-F238E27FC236}">
+                <a16:creationId xmlns:a16="http://schemas.microsoft.com/office/drawing/2014/main" id="{727334F1-3609-4512-A307-4472AC0318BD}"/>
+              </a:ext>
+            </a:extLst>
+          </p:cNvPr>
+          <p:cNvSpPr txBox="1"/>
+          <p:nvPr/>
+        </p:nvSpPr>
+        <p:spPr>
+          <a:xfrm>
+            <a:off x="5171278" y="1468078"/>
+            <a:ext cx="1333378" cy="369332"/>
+          </a:xfrm>
+          <a:prstGeom prst="rect">
+            <a:avLst/>
+          </a:prstGeom>
+          <a:noFill/>
+        </p:spPr>
+        <p:txBody>
+          <a:bodyPr wrap="none" rtlCol="0">
+            <a:spAutoFit/>
+          </a:bodyPr>
+          <a:lstStyle/>
+          <a:p>
+            <a:r>
+              <a:rPr kumimoji="1" lang="en-US" altLang="ja-JP" dirty="0"/>
+              <a:t>RESTful APIs</a:t>
+            </a:r>
+            <a:endParaRPr kumimoji="1" lang="ja-JP" altLang="en-US" dirty="0"/>
+          </a:p>
+        </p:txBody>
+      </p:sp>
+      <p:sp>
+        <p:nvSpPr>
+          <p:cNvPr id="31" name="テキスト ボックス 30">
+            <a:extLst>
+              <a:ext uri="{FF2B5EF4-FFF2-40B4-BE49-F238E27FC236}">
+                <a16:creationId xmlns:a16="http://schemas.microsoft.com/office/drawing/2014/main" id="{86353896-446E-421E-AEA0-EF4514990CF4}"/>
+              </a:ext>
+            </a:extLst>
+          </p:cNvPr>
+          <p:cNvSpPr txBox="1"/>
+          <p:nvPr/>
+        </p:nvSpPr>
+        <p:spPr>
+          <a:xfrm>
+            <a:off x="5618247" y="4275463"/>
+            <a:ext cx="599844" cy="369332"/>
+          </a:xfrm>
+          <a:prstGeom prst="rect">
+            <a:avLst/>
+          </a:prstGeom>
+          <a:noFill/>
+        </p:spPr>
+        <p:txBody>
+          <a:bodyPr wrap="none" rtlCol="0">
+            <a:spAutoFit/>
+          </a:bodyPr>
+          <a:lstStyle/>
+          <a:p>
+            <a:r>
+              <a:rPr kumimoji="1" lang="en-US" altLang="ja-JP" dirty="0"/>
+              <a:t>CDN</a:t>
+            </a:r>
+            <a:endParaRPr kumimoji="1" lang="ja-JP" altLang="en-US" dirty="0"/>
+          </a:p>
+        </p:txBody>
+      </p:sp>
+      <p:cxnSp>
+        <p:nvCxnSpPr>
+          <p:cNvPr id="4" name="直線矢印コネクタ 3">
+            <a:extLst>
+              <a:ext uri="{FF2B5EF4-FFF2-40B4-BE49-F238E27FC236}">
+                <a16:creationId xmlns:a16="http://schemas.microsoft.com/office/drawing/2014/main" id="{537AD1F6-3C92-4886-BED4-61D71C6D19D4}"/>
+              </a:ext>
+            </a:extLst>
+          </p:cNvPr>
+          <p:cNvCxnSpPr>
+            <a:cxnSpLocks/>
+            <a:stCxn id="25" idx="1"/>
+            <a:endCxn id="13" idx="3"/>
+          </p:cNvCxnSpPr>
+          <p:nvPr/>
+        </p:nvCxnSpPr>
+        <p:spPr>
+          <a:xfrm flipH="1" flipV="1">
+            <a:off x="1774653" y="3806355"/>
+            <a:ext cx="3851640" cy="1086517"/>
+          </a:xfrm>
+          <a:prstGeom prst="straightConnector1">
+            <a:avLst/>
+          </a:prstGeom>
+          <a:ln w="38100">
+            <a:solidFill>
+              <a:srgbClr val="FFC000"/>
+            </a:solidFill>
+            <a:tailEnd type="triangle"/>
+          </a:ln>
+        </p:spPr>
+        <p:style>
+          <a:lnRef idx="1">
+            <a:schemeClr val="accent1"/>
+          </a:lnRef>
+          <a:fillRef idx="0">
+            <a:schemeClr val="accent1"/>
+          </a:fillRef>
+          <a:effectRef idx="0">
+            <a:schemeClr val="accent1"/>
+          </a:effectRef>
+          <a:fontRef idx="minor">
+            <a:schemeClr val="tx1"/>
+          </a:fontRef>
+        </p:style>
+      </p:cxnSp>
+      <p:cxnSp>
+        <p:nvCxnSpPr>
+          <p:cNvPr id="32" name="直線矢印コネクタ 31">
+            <a:extLst>
+              <a:ext uri="{FF2B5EF4-FFF2-40B4-BE49-F238E27FC236}">
+                <a16:creationId xmlns:a16="http://schemas.microsoft.com/office/drawing/2014/main" id="{0EF9CDA6-1C3C-4B7F-8C6E-2B0DD079E74C}"/>
+              </a:ext>
+            </a:extLst>
+          </p:cNvPr>
+          <p:cNvCxnSpPr>
+            <a:cxnSpLocks/>
+            <a:stCxn id="17" idx="1"/>
+            <a:endCxn id="25" idx="3"/>
+          </p:cNvCxnSpPr>
+          <p:nvPr/>
+        </p:nvCxnSpPr>
+        <p:spPr>
+          <a:xfrm flipH="1">
+            <a:off x="6171073" y="4877813"/>
+            <a:ext cx="2591277" cy="15059"/>
+          </a:xfrm>
+          <a:prstGeom prst="straightConnector1">
+            <a:avLst/>
+          </a:prstGeom>
+          <a:ln w="38100">
+            <a:solidFill>
+              <a:srgbClr val="FFC000"/>
+            </a:solidFill>
+            <a:tailEnd type="triangle"/>
+          </a:ln>
+        </p:spPr>
+        <p:style>
+          <a:lnRef idx="1">
+            <a:schemeClr val="accent1"/>
+          </a:lnRef>
+          <a:fillRef idx="0">
+            <a:schemeClr val="accent1"/>
+          </a:fillRef>
+          <a:effectRef idx="0">
+            <a:schemeClr val="accent1"/>
+          </a:effectRef>
+          <a:fontRef idx="minor">
+            <a:schemeClr val="tx1"/>
+          </a:fontRef>
+        </p:style>
+      </p:cxnSp>
+      <p:pic>
+        <p:nvPicPr>
+          <p:cNvPr id="13" name="図 12">
+            <a:extLst>
+              <a:ext uri="{FF2B5EF4-FFF2-40B4-BE49-F238E27FC236}">
+                <a16:creationId xmlns:a16="http://schemas.microsoft.com/office/drawing/2014/main" id="{9A12ED07-FB85-4F72-987E-AE9C178D6BF0}"/>
+              </a:ext>
+            </a:extLst>
+          </p:cNvPr>
+          <p:cNvPicPr>
+            <a:picLocks noChangeAspect="1"/>
+          </p:cNvPicPr>
+          <p:nvPr/>
+        </p:nvPicPr>
+        <p:blipFill>
+          <a:blip r:embed="rId8"/>
+          <a:stretch>
+            <a:fillRect/>
+          </a:stretch>
+        </p:blipFill>
+        <p:spPr>
+          <a:xfrm>
+            <a:off x="644154" y="3429000"/>
+            <a:ext cx="1130499" cy="754710"/>
+          </a:xfrm>
+          <a:prstGeom prst="rect">
+            <a:avLst/>
+          </a:prstGeom>
+        </p:spPr>
+      </p:pic>
+      <p:cxnSp>
+        <p:nvCxnSpPr>
+          <p:cNvPr id="37" name="直線矢印コネクタ 36">
+            <a:extLst>
+              <a:ext uri="{FF2B5EF4-FFF2-40B4-BE49-F238E27FC236}">
+                <a16:creationId xmlns:a16="http://schemas.microsoft.com/office/drawing/2014/main" id="{6F0D0DE8-0BFE-4880-86DD-DB262B89D35B}"/>
+              </a:ext>
+            </a:extLst>
+          </p:cNvPr>
+          <p:cNvCxnSpPr>
+            <a:cxnSpLocks/>
+            <a:endCxn id="14" idx="1"/>
+          </p:cNvCxnSpPr>
+          <p:nvPr/>
+        </p:nvCxnSpPr>
+        <p:spPr>
+          <a:xfrm flipV="1">
+            <a:off x="1823804" y="2090821"/>
+            <a:ext cx="3693837" cy="1481937"/>
+          </a:xfrm>
+          <a:prstGeom prst="straightConnector1">
+            <a:avLst/>
+          </a:prstGeom>
+          <a:ln w="38100">
+            <a:headEnd type="triangle" w="med" len="med"/>
+            <a:tailEnd type="triangle" w="med" len="med"/>
+          </a:ln>
+        </p:spPr>
+        <p:style>
+          <a:lnRef idx="1">
+            <a:schemeClr val="accent1"/>
+          </a:lnRef>
+          <a:fillRef idx="0">
+            <a:schemeClr val="accent1"/>
+          </a:fillRef>
+          <a:effectRef idx="0">
+            <a:schemeClr val="accent1"/>
+          </a:effectRef>
+          <a:fontRef idx="minor">
+            <a:schemeClr val="tx1"/>
+          </a:fontRef>
+        </p:style>
+      </p:cxnSp>
+      <p:sp>
+        <p:nvSpPr>
+          <p:cNvPr id="40" name="テキスト ボックス 39">
+            <a:extLst>
+              <a:ext uri="{FF2B5EF4-FFF2-40B4-BE49-F238E27FC236}">
+                <a16:creationId xmlns:a16="http://schemas.microsoft.com/office/drawing/2014/main" id="{4E384F71-7760-4FC1-A345-1759ECA46887}"/>
+              </a:ext>
+            </a:extLst>
+          </p:cNvPr>
+          <p:cNvSpPr txBox="1"/>
+          <p:nvPr/>
+        </p:nvSpPr>
+        <p:spPr>
+          <a:xfrm>
+            <a:off x="6766137" y="391945"/>
+            <a:ext cx="1218603" cy="646331"/>
+          </a:xfrm>
+          <a:prstGeom prst="rect">
+            <a:avLst/>
+          </a:prstGeom>
+          <a:noFill/>
+        </p:spPr>
+        <p:txBody>
+          <a:bodyPr wrap="none" rtlCol="0">
+            <a:spAutoFit/>
+          </a:bodyPr>
+          <a:lstStyle/>
+          <a:p>
+            <a:pPr algn="ctr"/>
+            <a:r>
+              <a:rPr kumimoji="1" lang="en-US" altLang="ja-JP" dirty="0"/>
+              <a:t>Computing</a:t>
+            </a:r>
+          </a:p>
+          <a:p>
+            <a:pPr algn="ctr"/>
+            <a:r>
+              <a:rPr kumimoji="1" lang="en-US" altLang="ja-JP" dirty="0"/>
+              <a:t>Functions</a:t>
+            </a:r>
+            <a:endParaRPr kumimoji="1" lang="ja-JP" altLang="en-US" dirty="0"/>
+          </a:p>
+        </p:txBody>
+      </p:sp>
+      <p:sp>
+        <p:nvSpPr>
+          <p:cNvPr id="41" name="テキスト ボックス 40">
+            <a:extLst>
+              <a:ext uri="{FF2B5EF4-FFF2-40B4-BE49-F238E27FC236}">
+                <a16:creationId xmlns:a16="http://schemas.microsoft.com/office/drawing/2014/main" id="{4FF9138F-6997-4E8E-9D48-F61143AB07AB}"/>
+              </a:ext>
+            </a:extLst>
+          </p:cNvPr>
+          <p:cNvSpPr txBox="1"/>
+          <p:nvPr/>
+        </p:nvSpPr>
+        <p:spPr>
+          <a:xfrm>
+            <a:off x="8400610" y="351204"/>
+            <a:ext cx="1134221" cy="646331"/>
+          </a:xfrm>
+          <a:prstGeom prst="rect">
+            <a:avLst/>
+          </a:prstGeom>
+          <a:noFill/>
+        </p:spPr>
+        <p:txBody>
+          <a:bodyPr wrap="none" rtlCol="0">
+            <a:spAutoFit/>
+          </a:bodyPr>
+          <a:lstStyle/>
+          <a:p>
+            <a:pPr algn="ctr"/>
+            <a:r>
+              <a:rPr kumimoji="1" lang="en-US" altLang="ja-JP" dirty="0"/>
+              <a:t>Data</a:t>
+            </a:r>
+            <a:br>
+              <a:rPr kumimoji="1" lang="en-US" altLang="ja-JP" dirty="0"/>
+            </a:br>
+            <a:r>
+              <a:rPr kumimoji="1" lang="en-US" altLang="ja-JP" dirty="0"/>
+              <a:t>Resources</a:t>
+            </a:r>
+            <a:endParaRPr kumimoji="1" lang="ja-JP" altLang="en-US" dirty="0"/>
+          </a:p>
+        </p:txBody>
+      </p:sp>
+      <p:cxnSp>
+        <p:nvCxnSpPr>
+          <p:cNvPr id="42" name="直線矢印コネクタ 41">
+            <a:extLst>
+              <a:ext uri="{FF2B5EF4-FFF2-40B4-BE49-F238E27FC236}">
+                <a16:creationId xmlns:a16="http://schemas.microsoft.com/office/drawing/2014/main" id="{83FE3D88-58AE-46A0-9004-D88BE4C03678}"/>
+              </a:ext>
+            </a:extLst>
+          </p:cNvPr>
+          <p:cNvCxnSpPr>
+            <a:cxnSpLocks/>
+            <a:stCxn id="14" idx="3"/>
+            <a:endCxn id="22" idx="1"/>
+          </p:cNvCxnSpPr>
+          <p:nvPr/>
+        </p:nvCxnSpPr>
+        <p:spPr>
+          <a:xfrm flipV="1">
+            <a:off x="6039007" y="1350838"/>
+            <a:ext cx="1044620" cy="739983"/>
+          </a:xfrm>
+          <a:prstGeom prst="straightConnector1">
+            <a:avLst/>
+          </a:prstGeom>
+          <a:ln w="38100">
+            <a:headEnd type="triangle" w="med" len="med"/>
+            <a:tailEnd type="triangle" w="med" len="med"/>
+          </a:ln>
+        </p:spPr>
+        <p:style>
+          <a:lnRef idx="1">
+            <a:schemeClr val="accent1"/>
+          </a:lnRef>
+          <a:fillRef idx="0">
+            <a:schemeClr val="accent1"/>
+          </a:fillRef>
+          <a:effectRef idx="0">
+            <a:schemeClr val="accent1"/>
+          </a:effectRef>
+          <a:fontRef idx="minor">
+            <a:schemeClr val="tx1"/>
+          </a:fontRef>
+        </p:style>
+      </p:cxnSp>
+      <p:cxnSp>
+        <p:nvCxnSpPr>
+          <p:cNvPr id="45" name="直線矢印コネクタ 44">
+            <a:extLst>
+              <a:ext uri="{FF2B5EF4-FFF2-40B4-BE49-F238E27FC236}">
+                <a16:creationId xmlns:a16="http://schemas.microsoft.com/office/drawing/2014/main" id="{66B3B0F4-119C-468D-9005-236BAA551BE5}"/>
+              </a:ext>
+            </a:extLst>
+          </p:cNvPr>
+          <p:cNvCxnSpPr>
+            <a:cxnSpLocks/>
+            <a:stCxn id="14" idx="3"/>
+            <a:endCxn id="20" idx="1"/>
+          </p:cNvCxnSpPr>
+          <p:nvPr/>
+        </p:nvCxnSpPr>
+        <p:spPr>
+          <a:xfrm>
+            <a:off x="6039007" y="2090821"/>
+            <a:ext cx="1044620" cy="639689"/>
+          </a:xfrm>
+          <a:prstGeom prst="straightConnector1">
+            <a:avLst/>
+          </a:prstGeom>
+          <a:ln w="38100">
+            <a:headEnd type="triangle" w="med" len="med"/>
+            <a:tailEnd type="triangle" w="med" len="med"/>
+          </a:ln>
+        </p:spPr>
+        <p:style>
+          <a:lnRef idx="1">
+            <a:schemeClr val="accent1"/>
+          </a:lnRef>
+          <a:fillRef idx="0">
+            <a:schemeClr val="accent1"/>
+          </a:fillRef>
+          <a:effectRef idx="0">
+            <a:schemeClr val="accent1"/>
+          </a:effectRef>
+          <a:fontRef idx="minor">
+            <a:schemeClr val="tx1"/>
+          </a:fontRef>
+        </p:style>
+      </p:cxnSp>
+      <p:cxnSp>
+        <p:nvCxnSpPr>
+          <p:cNvPr id="52" name="直線矢印コネクタ 51">
+            <a:extLst>
+              <a:ext uri="{FF2B5EF4-FFF2-40B4-BE49-F238E27FC236}">
+                <a16:creationId xmlns:a16="http://schemas.microsoft.com/office/drawing/2014/main" id="{CFC2C1FB-7A06-4253-97A5-04BC941673FF}"/>
+              </a:ext>
+            </a:extLst>
+          </p:cNvPr>
+          <p:cNvCxnSpPr>
+            <a:cxnSpLocks/>
+          </p:cNvCxnSpPr>
+          <p:nvPr/>
+        </p:nvCxnSpPr>
+        <p:spPr>
+          <a:xfrm>
+            <a:off x="7706256" y="1350838"/>
+            <a:ext cx="941540" cy="1300380"/>
+          </a:xfrm>
+          <a:prstGeom prst="straightConnector1">
+            <a:avLst/>
+          </a:prstGeom>
+          <a:ln w="38100">
+            <a:headEnd type="triangle" w="med" len="med"/>
+            <a:tailEnd type="triangle" w="med" len="med"/>
+          </a:ln>
+        </p:spPr>
+        <p:style>
+          <a:lnRef idx="1">
+            <a:schemeClr val="accent1"/>
+          </a:lnRef>
+          <a:fillRef idx="0">
+            <a:schemeClr val="accent1"/>
+          </a:fillRef>
+          <a:effectRef idx="0">
+            <a:schemeClr val="accent1"/>
+          </a:effectRef>
+          <a:fontRef idx="minor">
+            <a:schemeClr val="tx1"/>
+          </a:fontRef>
+        </p:style>
+      </p:cxnSp>
+      <p:cxnSp>
+        <p:nvCxnSpPr>
+          <p:cNvPr id="55" name="直線矢印コネクタ 54">
+            <a:extLst>
+              <a:ext uri="{FF2B5EF4-FFF2-40B4-BE49-F238E27FC236}">
+                <a16:creationId xmlns:a16="http://schemas.microsoft.com/office/drawing/2014/main" id="{2CBAC8D1-83D9-4A7D-905D-8ABEBEEDCBD8}"/>
+              </a:ext>
+            </a:extLst>
+          </p:cNvPr>
+          <p:cNvCxnSpPr>
+            <a:cxnSpLocks/>
+          </p:cNvCxnSpPr>
+          <p:nvPr/>
+        </p:nvCxnSpPr>
+        <p:spPr>
+          <a:xfrm flipH="1">
+            <a:off x="7710611" y="1379258"/>
+            <a:ext cx="893307" cy="1225174"/>
+          </a:xfrm>
+          <a:prstGeom prst="straightConnector1">
+            <a:avLst/>
+          </a:prstGeom>
+          <a:ln w="38100">
+            <a:headEnd type="triangle" w="med" len="med"/>
+            <a:tailEnd type="triangle" w="med" len="med"/>
+          </a:ln>
+        </p:spPr>
+        <p:style>
+          <a:lnRef idx="1">
+            <a:schemeClr val="accent1"/>
+          </a:lnRef>
+          <a:fillRef idx="0">
+            <a:schemeClr val="accent1"/>
+          </a:fillRef>
+          <a:effectRef idx="0">
+            <a:schemeClr val="accent1"/>
+          </a:effectRef>
+          <a:fontRef idx="minor">
+            <a:schemeClr val="tx1"/>
+          </a:fontRef>
+        </p:style>
+      </p:cxnSp>
+      <p:cxnSp>
+        <p:nvCxnSpPr>
+          <p:cNvPr id="58" name="直線矢印コネクタ 57">
+            <a:extLst>
+              <a:ext uri="{FF2B5EF4-FFF2-40B4-BE49-F238E27FC236}">
+                <a16:creationId xmlns:a16="http://schemas.microsoft.com/office/drawing/2014/main" id="{5B4584A1-7FAE-4069-8E67-A90889FC979C}"/>
+              </a:ext>
+            </a:extLst>
+          </p:cNvPr>
+          <p:cNvCxnSpPr>
+            <a:cxnSpLocks/>
+          </p:cNvCxnSpPr>
+          <p:nvPr/>
+        </p:nvCxnSpPr>
+        <p:spPr>
+          <a:xfrm flipH="1">
+            <a:off x="7650609" y="1296629"/>
+            <a:ext cx="973618" cy="1"/>
+          </a:xfrm>
+          <a:prstGeom prst="straightConnector1">
+            <a:avLst/>
+          </a:prstGeom>
+          <a:ln w="38100">
+            <a:headEnd type="triangle" w="med" len="med"/>
+            <a:tailEnd type="triangle" w="med" len="med"/>
+          </a:ln>
+        </p:spPr>
+        <p:style>
+          <a:lnRef idx="1">
+            <a:schemeClr val="accent1"/>
+          </a:lnRef>
+          <a:fillRef idx="0">
+            <a:schemeClr val="accent1"/>
+          </a:fillRef>
+          <a:effectRef idx="0">
+            <a:schemeClr val="accent1"/>
+          </a:effectRef>
+          <a:fontRef idx="minor">
+            <a:schemeClr val="tx1"/>
+          </a:fontRef>
+        </p:style>
+      </p:cxnSp>
+      <p:cxnSp>
+        <p:nvCxnSpPr>
+          <p:cNvPr id="69" name="直線矢印コネクタ 68">
+            <a:extLst>
+              <a:ext uri="{FF2B5EF4-FFF2-40B4-BE49-F238E27FC236}">
+                <a16:creationId xmlns:a16="http://schemas.microsoft.com/office/drawing/2014/main" id="{13DA2101-EE2A-4E20-A184-105F93835B2F}"/>
+              </a:ext>
+            </a:extLst>
+          </p:cNvPr>
+          <p:cNvCxnSpPr>
+            <a:cxnSpLocks/>
+          </p:cNvCxnSpPr>
+          <p:nvPr/>
+        </p:nvCxnSpPr>
+        <p:spPr>
+          <a:xfrm flipH="1">
+            <a:off x="7674178" y="2791461"/>
+            <a:ext cx="973618" cy="1"/>
+          </a:xfrm>
+          <a:prstGeom prst="straightConnector1">
+            <a:avLst/>
+          </a:prstGeom>
+          <a:ln w="38100">
+            <a:headEnd type="triangle" w="med" len="med"/>
+            <a:tailEnd type="triangle" w="med" len="med"/>
+          </a:ln>
+        </p:spPr>
+        <p:style>
+          <a:lnRef idx="1">
+            <a:schemeClr val="accent1"/>
+          </a:lnRef>
+          <a:fillRef idx="0">
+            <a:schemeClr val="accent1"/>
+          </a:fillRef>
+          <a:effectRef idx="0">
+            <a:schemeClr val="accent1"/>
+          </a:effectRef>
+          <a:fontRef idx="minor">
+            <a:schemeClr val="tx1"/>
+          </a:fontRef>
+        </p:style>
+      </p:cxnSp>
+      <p:sp>
+        <p:nvSpPr>
+          <p:cNvPr id="78" name="テキスト ボックス 77">
+            <a:extLst>
+              <a:ext uri="{FF2B5EF4-FFF2-40B4-BE49-F238E27FC236}">
+                <a16:creationId xmlns:a16="http://schemas.microsoft.com/office/drawing/2014/main" id="{27EA04E4-0F08-467D-8A53-FAFBD807261C}"/>
+              </a:ext>
+            </a:extLst>
+          </p:cNvPr>
+          <p:cNvSpPr txBox="1"/>
+          <p:nvPr/>
+        </p:nvSpPr>
+        <p:spPr>
+          <a:xfrm>
+            <a:off x="4880240" y="3999044"/>
+            <a:ext cx="1041952" cy="369332"/>
+          </a:xfrm>
+          <a:prstGeom prst="rect">
+            <a:avLst/>
+          </a:prstGeom>
+          <a:solidFill>
+            <a:schemeClr val="bg1"/>
+          </a:solidFill>
+        </p:spPr>
+        <p:txBody>
+          <a:bodyPr wrap="none" rtlCol="0">
+            <a:spAutoFit/>
+          </a:bodyPr>
+          <a:lstStyle/>
+          <a:p>
+            <a:r>
+              <a:rPr kumimoji="1" lang="en-US" altLang="ja-JP" dirty="0"/>
+              <a:t>Frontend</a:t>
+            </a:r>
+            <a:endParaRPr kumimoji="1" lang="ja-JP" altLang="en-US" dirty="0"/>
+          </a:p>
+        </p:txBody>
+      </p:sp>
+      <p:sp>
+        <p:nvSpPr>
+          <p:cNvPr id="81" name="テキスト ボックス 80">
+            <a:extLst>
+              <a:ext uri="{FF2B5EF4-FFF2-40B4-BE49-F238E27FC236}">
+                <a16:creationId xmlns:a16="http://schemas.microsoft.com/office/drawing/2014/main" id="{40A271E3-B5E8-41B7-9772-C9DE4F280367}"/>
+              </a:ext>
+            </a:extLst>
+          </p:cNvPr>
+          <p:cNvSpPr txBox="1"/>
+          <p:nvPr/>
+        </p:nvSpPr>
+        <p:spPr>
+          <a:xfrm>
+            <a:off x="5030680" y="178224"/>
+            <a:ext cx="973921" cy="369332"/>
+          </a:xfrm>
+          <a:prstGeom prst="rect">
+            <a:avLst/>
+          </a:prstGeom>
+          <a:solidFill>
+            <a:schemeClr val="bg1"/>
+          </a:solidFill>
+        </p:spPr>
+        <p:txBody>
+          <a:bodyPr wrap="none" rtlCol="0">
+            <a:spAutoFit/>
+          </a:bodyPr>
+          <a:lstStyle/>
+          <a:p>
+            <a:r>
+              <a:rPr kumimoji="1" lang="en-US" altLang="ja-JP" dirty="0"/>
+              <a:t>Backend</a:t>
+            </a:r>
+            <a:endParaRPr kumimoji="1" lang="ja-JP" altLang="en-US" dirty="0"/>
+          </a:p>
+        </p:txBody>
+      </p:sp>
+      <p:sp>
+        <p:nvSpPr>
+          <p:cNvPr id="3" name="TextBox 2">
+            <a:extLst>
+              <a:ext uri="{FF2B5EF4-FFF2-40B4-BE49-F238E27FC236}">
+                <a16:creationId xmlns:a16="http://schemas.microsoft.com/office/drawing/2014/main" id="{78A648DA-79C2-624D-AA63-57BA7351A567}"/>
+              </a:ext>
+            </a:extLst>
+          </p:cNvPr>
+          <p:cNvSpPr txBox="1"/>
+          <p:nvPr/>
+        </p:nvSpPr>
+        <p:spPr>
+          <a:xfrm>
+            <a:off x="418290" y="4126121"/>
+            <a:ext cx="1582228" cy="369332"/>
+          </a:xfrm>
+          <a:prstGeom prst="rect">
+            <a:avLst/>
+          </a:prstGeom>
+          <a:noFill/>
+        </p:spPr>
+        <p:txBody>
+          <a:bodyPr wrap="none" rtlCol="0">
+            <a:spAutoFit/>
+          </a:bodyPr>
+          <a:lstStyle/>
+          <a:p>
+            <a:r>
+              <a:rPr lang="en-US" dirty="0"/>
+              <a:t>User (Browser)</a:t>
+            </a:r>
+          </a:p>
+        </p:txBody>
+      </p:sp>
+      <p:sp>
+        <p:nvSpPr>
+          <p:cNvPr id="8" name="Can 7">
+            <a:extLst>
+              <a:ext uri="{FF2B5EF4-FFF2-40B4-BE49-F238E27FC236}">
+                <a16:creationId xmlns:a16="http://schemas.microsoft.com/office/drawing/2014/main" id="{6D389A55-F10C-984E-8955-FA4C4EF7DD1A}"/>
+              </a:ext>
+            </a:extLst>
+          </p:cNvPr>
+          <p:cNvSpPr/>
+          <p:nvPr/>
+        </p:nvSpPr>
+        <p:spPr>
+          <a:xfrm rot="14881054">
+            <a:off x="3492706" y="1899015"/>
+            <a:ext cx="278329" cy="1896656"/>
+          </a:xfrm>
+          <a:prstGeom prst="can">
+            <a:avLst/>
+          </a:prstGeom>
+        </p:spPr>
+        <p:style>
+          <a:lnRef idx="2">
+            <a:schemeClr val="accent1">
+              <a:shade val="50000"/>
+            </a:schemeClr>
+          </a:lnRef>
+          <a:fillRef idx="1">
+            <a:schemeClr val="accent1"/>
+          </a:fillRef>
+          <a:effectRef idx="0">
+            <a:schemeClr val="accent1"/>
+          </a:effectRef>
+          <a:fontRef idx="minor">
+            <a:schemeClr val="lt1"/>
+          </a:fontRef>
+        </p:style>
+        <p:txBody>
+          <a:bodyPr rtlCol="0" anchor="ctr"/>
+          <a:lstStyle/>
+          <a:p>
+            <a:pPr algn="ctr"/>
+            <a:endParaRPr lang="en-US"/>
+          </a:p>
+        </p:txBody>
+      </p:sp>
+      <p:sp>
+        <p:nvSpPr>
+          <p:cNvPr id="7" name="TextBox 6">
+            <a:extLst>
+              <a:ext uri="{FF2B5EF4-FFF2-40B4-BE49-F238E27FC236}">
+                <a16:creationId xmlns:a16="http://schemas.microsoft.com/office/drawing/2014/main" id="{48D8EA65-5000-D443-BCE5-866C3D75236C}"/>
+              </a:ext>
+            </a:extLst>
+          </p:cNvPr>
+          <p:cNvSpPr txBox="1"/>
+          <p:nvPr/>
+        </p:nvSpPr>
+        <p:spPr>
+          <a:xfrm rot="20323196">
+            <a:off x="2799694" y="2667198"/>
+            <a:ext cx="1636923" cy="369332"/>
+          </a:xfrm>
+          <a:prstGeom prst="rect">
+            <a:avLst/>
+          </a:prstGeom>
+          <a:noFill/>
+        </p:spPr>
+        <p:txBody>
+          <a:bodyPr wrap="none" rtlCol="0">
+            <a:spAutoFit/>
+          </a:bodyPr>
+          <a:lstStyle/>
+          <a:p>
+            <a:r>
+              <a:rPr lang="en-US" dirty="0">
+                <a:solidFill>
+                  <a:srgbClr val="FF0000"/>
+                </a:solidFill>
+              </a:rPr>
+              <a:t>HTTPS(SSL/TLS)</a:t>
+            </a:r>
+          </a:p>
+        </p:txBody>
+      </p:sp>
+      <p:sp>
+        <p:nvSpPr>
+          <p:cNvPr id="46" name="Can 45">
+            <a:extLst>
+              <a:ext uri="{FF2B5EF4-FFF2-40B4-BE49-F238E27FC236}">
+                <a16:creationId xmlns:a16="http://schemas.microsoft.com/office/drawing/2014/main" id="{C3326E1D-510B-1B4E-81B4-292DB72C72CB}"/>
+              </a:ext>
+            </a:extLst>
+          </p:cNvPr>
+          <p:cNvSpPr/>
+          <p:nvPr/>
+        </p:nvSpPr>
+        <p:spPr>
+          <a:xfrm rot="17145457">
+            <a:off x="3387875" y="3361786"/>
+            <a:ext cx="278329" cy="1896656"/>
+          </a:xfrm>
+          <a:prstGeom prst="can">
+            <a:avLst/>
+          </a:prstGeom>
+          <a:solidFill>
+            <a:srgbClr val="FFC000"/>
+          </a:solidFill>
+        </p:spPr>
+        <p:style>
+          <a:lnRef idx="2">
+            <a:schemeClr val="accent1">
+              <a:shade val="50000"/>
+            </a:schemeClr>
+          </a:lnRef>
+          <a:fillRef idx="1">
+            <a:schemeClr val="accent1"/>
+          </a:fillRef>
+          <a:effectRef idx="0">
+            <a:schemeClr val="accent1"/>
+          </a:effectRef>
+          <a:fontRef idx="minor">
+            <a:schemeClr val="lt1"/>
+          </a:fontRef>
+        </p:style>
+        <p:txBody>
+          <a:bodyPr rtlCol="0" anchor="ctr"/>
+          <a:lstStyle/>
+          <a:p>
+            <a:pPr algn="ctr"/>
+            <a:endParaRPr lang="en-US"/>
+          </a:p>
+        </p:txBody>
+      </p:sp>
+      <p:sp>
+        <p:nvSpPr>
+          <p:cNvPr id="47" name="TextBox 46">
+            <a:extLst>
+              <a:ext uri="{FF2B5EF4-FFF2-40B4-BE49-F238E27FC236}">
+                <a16:creationId xmlns:a16="http://schemas.microsoft.com/office/drawing/2014/main" id="{C4DC875C-F8AF-7247-BB11-C44C02CFB0F8}"/>
+              </a:ext>
+            </a:extLst>
+          </p:cNvPr>
+          <p:cNvSpPr txBox="1"/>
+          <p:nvPr/>
+        </p:nvSpPr>
+        <p:spPr>
+          <a:xfrm rot="987599">
+            <a:off x="2694863" y="4129969"/>
+            <a:ext cx="1636923" cy="369332"/>
+          </a:xfrm>
+          <a:prstGeom prst="rect">
+            <a:avLst/>
+          </a:prstGeom>
+          <a:noFill/>
+        </p:spPr>
+        <p:txBody>
+          <a:bodyPr wrap="none" rtlCol="0">
+            <a:spAutoFit/>
+          </a:bodyPr>
+          <a:lstStyle/>
+          <a:p>
+            <a:r>
+              <a:rPr lang="en-US" dirty="0">
+                <a:solidFill>
+                  <a:srgbClr val="FF0000"/>
+                </a:solidFill>
+              </a:rPr>
+              <a:t>HTTPS(SSL/TLS)</a:t>
+            </a:r>
+          </a:p>
+        </p:txBody>
+      </p:sp>
+      <p:pic>
+        <p:nvPicPr>
+          <p:cNvPr id="10" name="Picture 9">
+            <a:extLst>
+              <a:ext uri="{FF2B5EF4-FFF2-40B4-BE49-F238E27FC236}">
+                <a16:creationId xmlns:a16="http://schemas.microsoft.com/office/drawing/2014/main" id="{60533E61-6327-7D41-8705-4A8F7AE7B46E}"/>
+              </a:ext>
+            </a:extLst>
+          </p:cNvPr>
+          <p:cNvPicPr>
+            <a:picLocks noChangeAspect="1"/>
+          </p:cNvPicPr>
+          <p:nvPr/>
+        </p:nvPicPr>
+        <p:blipFill>
+          <a:blip r:embed="rId9"/>
+          <a:stretch>
+            <a:fillRect/>
+          </a:stretch>
+        </p:blipFill>
+        <p:spPr>
+          <a:xfrm>
+            <a:off x="2387327" y="716919"/>
+            <a:ext cx="1057298" cy="962260"/>
+          </a:xfrm>
+          <a:prstGeom prst="rect">
+            <a:avLst/>
+          </a:prstGeom>
+        </p:spPr>
+      </p:pic>
+      <p:cxnSp>
+        <p:nvCxnSpPr>
+          <p:cNvPr id="12" name="Straight Arrow Connector 11">
+            <a:extLst>
+              <a:ext uri="{FF2B5EF4-FFF2-40B4-BE49-F238E27FC236}">
+                <a16:creationId xmlns:a16="http://schemas.microsoft.com/office/drawing/2014/main" id="{055ED6DC-36A2-6043-BEBF-854814B7D022}"/>
+              </a:ext>
+            </a:extLst>
+          </p:cNvPr>
+          <p:cNvCxnSpPr>
+            <a:stCxn id="10" idx="2"/>
+          </p:cNvCxnSpPr>
+          <p:nvPr/>
+        </p:nvCxnSpPr>
+        <p:spPr>
+          <a:xfrm>
+            <a:off x="2915976" y="1679179"/>
+            <a:ext cx="446503" cy="972039"/>
+          </a:xfrm>
+          <a:prstGeom prst="straightConnector1">
+            <a:avLst/>
+          </a:prstGeom>
+          <a:ln w="38100">
+            <a:solidFill>
+              <a:schemeClr val="tx1"/>
+            </a:solidFill>
+            <a:tailEnd type="triangle"/>
+          </a:ln>
+        </p:spPr>
+        <p:style>
+          <a:lnRef idx="1">
+            <a:schemeClr val="accent1"/>
+          </a:lnRef>
+          <a:fillRef idx="0">
+            <a:schemeClr val="accent1"/>
+          </a:fillRef>
+          <a:effectRef idx="0">
+            <a:schemeClr val="accent1"/>
+          </a:effectRef>
+          <a:fontRef idx="minor">
+            <a:schemeClr val="tx1"/>
+          </a:fontRef>
+        </p:style>
+      </p:cxnSp>
+      <p:sp>
+        <p:nvSpPr>
+          <p:cNvPr id="39" name="Cross 38">
+            <a:extLst>
+              <a:ext uri="{FF2B5EF4-FFF2-40B4-BE49-F238E27FC236}">
+                <a16:creationId xmlns:a16="http://schemas.microsoft.com/office/drawing/2014/main" id="{8A19A62D-9902-0B46-AECE-BF2E4D401AE1}"/>
+              </a:ext>
+            </a:extLst>
+          </p:cNvPr>
+          <p:cNvSpPr/>
+          <p:nvPr/>
+        </p:nvSpPr>
+        <p:spPr>
+          <a:xfrm rot="17943525">
+            <a:off x="2268434" y="986123"/>
+            <a:ext cx="1396666" cy="1393816"/>
+          </a:xfrm>
+          <a:prstGeom prst="plus">
+            <a:avLst>
+              <a:gd name="adj" fmla="val 44101"/>
+            </a:avLst>
+          </a:prstGeom>
+          <a:solidFill>
+            <a:srgbClr val="FF0000"/>
+          </a:solidFill>
+        </p:spPr>
+        <p:style>
+          <a:lnRef idx="2">
+            <a:schemeClr val="accent1">
+              <a:shade val="50000"/>
+            </a:schemeClr>
+          </a:lnRef>
+          <a:fillRef idx="1">
+            <a:schemeClr val="accent1"/>
+          </a:fillRef>
+          <a:effectRef idx="0">
+            <a:schemeClr val="accent1"/>
+          </a:effectRef>
+          <a:fontRef idx="minor">
+            <a:schemeClr val="lt1"/>
+          </a:fontRef>
+        </p:style>
+        <p:txBody>
+          <a:bodyPr rtlCol="0" anchor="ctr"/>
+          <a:lstStyle/>
+          <a:p>
+            <a:pPr algn="ctr"/>
+            <a:endParaRPr lang="en-US" dirty="0"/>
+          </a:p>
+        </p:txBody>
+      </p:sp>
+      <p:sp>
+        <p:nvSpPr>
+          <p:cNvPr id="43" name="Rounded Rectangular Callout 42">
+            <a:extLst>
+              <a:ext uri="{FF2B5EF4-FFF2-40B4-BE49-F238E27FC236}">
+                <a16:creationId xmlns:a16="http://schemas.microsoft.com/office/drawing/2014/main" id="{49C0A9DF-B6E6-BA4F-B4A3-EEE46F2CEFA8}"/>
+              </a:ext>
+            </a:extLst>
+          </p:cNvPr>
+          <p:cNvSpPr/>
+          <p:nvPr/>
+        </p:nvSpPr>
+        <p:spPr>
+          <a:xfrm>
+            <a:off x="418291" y="54741"/>
+            <a:ext cx="4029542" cy="612648"/>
+          </a:xfrm>
+          <a:prstGeom prst="wedgeRoundRectCallout">
+            <a:avLst>
+              <a:gd name="adj1" fmla="val -288"/>
+              <a:gd name="adj2" fmla="val 77593"/>
+              <a:gd name="adj3" fmla="val 16667"/>
+            </a:avLst>
+          </a:prstGeom>
+          <a:noFill/>
+          <a:ln w="38100"/>
+        </p:spPr>
+        <p:style>
+          <a:lnRef idx="2">
+            <a:schemeClr val="accent1">
+              <a:shade val="50000"/>
+            </a:schemeClr>
+          </a:lnRef>
+          <a:fillRef idx="1">
+            <a:schemeClr val="accent1"/>
+          </a:fillRef>
+          <a:effectRef idx="0">
+            <a:schemeClr val="accent1"/>
+          </a:effectRef>
+          <a:fontRef idx="minor">
+            <a:schemeClr val="lt1"/>
+          </a:fontRef>
+        </p:style>
+        <p:txBody>
+          <a:bodyPr rtlCol="0" anchor="ctr"/>
+          <a:lstStyle/>
+          <a:p>
+            <a:r>
+              <a:rPr lang="en-US" dirty="0">
+                <a:solidFill>
+                  <a:schemeClr val="tx1"/>
+                </a:solidFill>
+              </a:rPr>
+              <a:t>SSL/TLS prevent protect user data from being eavesdropped on a public channel</a:t>
+            </a:r>
+          </a:p>
+        </p:txBody>
+      </p:sp>
+    </p:spTree>
+    <p:extLst>
+      <p:ext uri="{BB962C8B-B14F-4D97-AF65-F5344CB8AC3E}">
+        <p14:creationId xmlns:p14="http://schemas.microsoft.com/office/powerpoint/2010/main" val="1424230873"/>
+      </p:ext>
+    </p:extLst>
+  </p:cSld>
+  <p:clrMapOvr>
+    <a:masterClrMapping/>
+  </p:clrMapOvr>
+</p:sld>
+</file>
+
+<file path=ppt/slides/slide4.xml><?xml version="1.0" encoding="utf-8"?>
+<p:sld xmlns:a="http://schemas.openxmlformats.org/drawingml/2006/main" xmlns:r="http://schemas.openxmlformats.org/officeDocument/2006/relationships" xmlns:p="http://schemas.openxmlformats.org/presentationml/2006/main">
+  <p:cSld>
+    <p:spTree>
+      <p:nvGrpSpPr>
+        <p:cNvPr id="1" name=""/>
+        <p:cNvGrpSpPr/>
+        <p:nvPr/>
+      </p:nvGrpSpPr>
+      <p:grpSpPr>
+        <a:xfrm>
+          <a:off x="0" y="0"/>
+          <a:ext cx="0" cy="0"/>
+          <a:chOff x="0" y="0"/>
+          <a:chExt cx="0" cy="0"/>
+        </a:xfrm>
+      </p:grpSpPr>
+      <p:sp>
+        <p:nvSpPr>
+          <p:cNvPr id="5" name="Rounded Rectangle 4">
+            <a:extLst>
+              <a:ext uri="{FF2B5EF4-FFF2-40B4-BE49-F238E27FC236}">
+                <a16:creationId xmlns:a16="http://schemas.microsoft.com/office/drawing/2014/main" id="{6E531449-230A-7148-A6E5-B91A61DBBAF9}"/>
+              </a:ext>
+            </a:extLst>
+          </p:cNvPr>
+          <p:cNvSpPr/>
+          <p:nvPr/>
+        </p:nvSpPr>
+        <p:spPr>
+          <a:xfrm>
+            <a:off x="5089132" y="342900"/>
+            <a:ext cx="4784333" cy="3440995"/>
+          </a:xfrm>
+          <a:prstGeom prst="roundRect">
+            <a:avLst/>
+          </a:prstGeom>
+          <a:noFill/>
+          <a:ln w="38100">
+            <a:solidFill>
+              <a:schemeClr val="accent1"/>
+            </a:solidFill>
+          </a:ln>
+        </p:spPr>
+        <p:style>
+          <a:lnRef idx="2">
+            <a:schemeClr val="accent1">
+              <a:shade val="50000"/>
+            </a:schemeClr>
+          </a:lnRef>
+          <a:fillRef idx="1">
+            <a:schemeClr val="accent1"/>
+          </a:fillRef>
+          <a:effectRef idx="0">
+            <a:schemeClr val="accent1"/>
+          </a:effectRef>
+          <a:fontRef idx="minor">
+            <a:schemeClr val="lt1"/>
+          </a:fontRef>
+        </p:style>
+        <p:txBody>
+          <a:bodyPr rtlCol="0" anchor="ctr"/>
+          <a:lstStyle/>
+          <a:p>
+            <a:pPr algn="ctr"/>
+            <a:endParaRPr lang="en-US"/>
+          </a:p>
+        </p:txBody>
+      </p:sp>
+      <p:sp>
+        <p:nvSpPr>
+          <p:cNvPr id="6" name="TextBox 5">
+            <a:extLst>
+              <a:ext uri="{FF2B5EF4-FFF2-40B4-BE49-F238E27FC236}">
+                <a16:creationId xmlns:a16="http://schemas.microsoft.com/office/drawing/2014/main" id="{4A08E93B-DF74-5341-BB01-46A4380C760F}"/>
+              </a:ext>
+            </a:extLst>
+          </p:cNvPr>
+          <p:cNvSpPr txBox="1"/>
+          <p:nvPr/>
+        </p:nvSpPr>
+        <p:spPr>
+          <a:xfrm>
+            <a:off x="6379943" y="6351508"/>
+            <a:ext cx="2674835" cy="369332"/>
+          </a:xfrm>
+          <a:prstGeom prst="rect">
+            <a:avLst/>
+          </a:prstGeom>
+          <a:noFill/>
+        </p:spPr>
+        <p:txBody>
+          <a:bodyPr wrap="none" rtlCol="0">
+            <a:spAutoFit/>
+          </a:bodyPr>
+          <a:lstStyle/>
+          <a:p>
+            <a:pPr algn="ctr"/>
+            <a:r>
+              <a:rPr lang="en-US" altLang="ja-JP" dirty="0"/>
+              <a:t>Cloud</a:t>
+            </a:r>
+            <a:r>
+              <a:rPr lang="ja-JP" altLang="en-US" dirty="0"/>
+              <a:t> </a:t>
+            </a:r>
+            <a:r>
+              <a:rPr lang="en-US" altLang="ja-JP" dirty="0"/>
+              <a:t>platform (e.g., AWS)</a:t>
+            </a:r>
+            <a:endParaRPr lang="en-US" dirty="0"/>
+          </a:p>
+        </p:txBody>
+      </p:sp>
+      <p:pic>
+        <p:nvPicPr>
+          <p:cNvPr id="14" name="Picture 13">
+            <a:extLst>
+              <a:ext uri="{FF2B5EF4-FFF2-40B4-BE49-F238E27FC236}">
+                <a16:creationId xmlns:a16="http://schemas.microsoft.com/office/drawing/2014/main" id="{4C9C6CFB-A5CA-2B47-8998-2F59B37E6832}"/>
+              </a:ext>
+            </a:extLst>
+          </p:cNvPr>
+          <p:cNvPicPr>
+            <a:picLocks noChangeAspect="1"/>
+          </p:cNvPicPr>
+          <p:nvPr/>
+        </p:nvPicPr>
+        <p:blipFill>
+          <a:blip r:embed="rId2">
+            <a:extLst>
+              <a:ext uri="{28A0092B-C50C-407E-A947-70E740481C1C}">
+                <a14:useLocalDpi xmlns:a14="http://schemas.microsoft.com/office/drawing/2010/main" val="0"/>
+              </a:ext>
+            </a:extLst>
+          </a:blip>
+          <a:stretch>
+            <a:fillRect/>
+          </a:stretch>
+        </p:blipFill>
+        <p:spPr>
+          <a:xfrm>
+            <a:off x="5517641" y="1778001"/>
+            <a:ext cx="521366" cy="625640"/>
+          </a:xfrm>
+          <a:prstGeom prst="rect">
+            <a:avLst/>
+          </a:prstGeom>
+        </p:spPr>
+      </p:pic>
+      <p:sp>
+        <p:nvSpPr>
+          <p:cNvPr id="15" name="TextBox 14">
+            <a:extLst>
+              <a:ext uri="{FF2B5EF4-FFF2-40B4-BE49-F238E27FC236}">
+                <a16:creationId xmlns:a16="http://schemas.microsoft.com/office/drawing/2014/main" id="{90737ECB-BA51-494D-B878-65C5981552AC}"/>
+              </a:ext>
+            </a:extLst>
+          </p:cNvPr>
+          <p:cNvSpPr txBox="1"/>
+          <p:nvPr/>
+        </p:nvSpPr>
+        <p:spPr>
+          <a:xfrm>
+            <a:off x="5330948" y="2448800"/>
+            <a:ext cx="894752" cy="155632"/>
+          </a:xfrm>
+          <a:prstGeom prst="rect">
+            <a:avLst/>
+          </a:prstGeom>
+          <a:noFill/>
+        </p:spPr>
+        <p:txBody>
+          <a:bodyPr wrap="square" lIns="0" tIns="0" rIns="0" bIns="0" rtlCol="0" anchor="t">
+            <a:noAutofit/>
+          </a:bodyPr>
+          <a:lstStyle/>
+          <a:p>
+            <a:pPr algn="ctr"/>
+            <a:r>
+              <a:rPr lang="en-US" sz="1000" b="1" dirty="0"/>
+              <a:t>Amazon API Gateway*</a:t>
+            </a:r>
+            <a:endParaRPr lang="en-US" b="1" dirty="0"/>
+          </a:p>
+        </p:txBody>
+      </p:sp>
+      <p:sp>
+        <p:nvSpPr>
+          <p:cNvPr id="16" name="TextBox 15">
+            <a:extLst>
+              <a:ext uri="{FF2B5EF4-FFF2-40B4-BE49-F238E27FC236}">
+                <a16:creationId xmlns:a16="http://schemas.microsoft.com/office/drawing/2014/main" id="{F445D0C1-83C0-B94A-8C46-368940D430C1}"/>
+              </a:ext>
+            </a:extLst>
+          </p:cNvPr>
+          <p:cNvSpPr txBox="1"/>
+          <p:nvPr/>
+        </p:nvSpPr>
+        <p:spPr>
+          <a:xfrm>
+            <a:off x="8632717" y="5140188"/>
+            <a:ext cx="768159" cy="338554"/>
+          </a:xfrm>
+          <a:prstGeom prst="rect">
+            <a:avLst/>
+          </a:prstGeom>
+          <a:noFill/>
+        </p:spPr>
+        <p:txBody>
+          <a:bodyPr wrap="none" rtlCol="0">
+            <a:spAutoFit/>
+          </a:bodyPr>
+          <a:lstStyle/>
+          <a:p>
+            <a:pPr algn="ctr"/>
+            <a:r>
+              <a:rPr lang="en-US" sz="800" b="1" dirty="0">
+                <a:latin typeface="Helvetica Neue"/>
+                <a:cs typeface="Helvetica Neue"/>
+              </a:rPr>
+              <a:t>Amazon S3 </a:t>
+            </a:r>
+            <a:br>
+              <a:rPr lang="en-US" sz="800" b="1" dirty="0">
+                <a:latin typeface="Helvetica Neue"/>
+                <a:cs typeface="Helvetica Neue"/>
+              </a:rPr>
+            </a:br>
+            <a:r>
+              <a:rPr lang="en-US" sz="800" b="1" dirty="0">
+                <a:latin typeface="Helvetica Neue"/>
+                <a:cs typeface="Helvetica Neue"/>
+              </a:rPr>
+              <a:t>bucket</a:t>
+            </a:r>
+          </a:p>
+        </p:txBody>
+      </p:sp>
+      <p:pic>
+        <p:nvPicPr>
+          <p:cNvPr id="17" name="Picture 16">
+            <a:extLst>
+              <a:ext uri="{FF2B5EF4-FFF2-40B4-BE49-F238E27FC236}">
+                <a16:creationId xmlns:a16="http://schemas.microsoft.com/office/drawing/2014/main" id="{7D17C7D3-6C5D-D541-AA07-AA3F2994110A}"/>
+              </a:ext>
+            </a:extLst>
+          </p:cNvPr>
+          <p:cNvPicPr>
+            <a:picLocks noChangeAspect="1"/>
+          </p:cNvPicPr>
+          <p:nvPr/>
+        </p:nvPicPr>
+        <p:blipFill>
+          <a:blip r:embed="rId3">
+            <a:extLst>
+              <a:ext uri="{28A0092B-C50C-407E-A947-70E740481C1C}">
+                <a14:useLocalDpi xmlns:a14="http://schemas.microsoft.com/office/drawing/2010/main" val="0"/>
+              </a:ext>
+            </a:extLst>
+          </a:blip>
+          <a:stretch>
+            <a:fillRect/>
+          </a:stretch>
+        </p:blipFill>
+        <p:spPr>
+          <a:xfrm>
+            <a:off x="8762350" y="4634972"/>
+            <a:ext cx="468336" cy="485681"/>
+          </a:xfrm>
+          <a:prstGeom prst="rect">
+            <a:avLst/>
+          </a:prstGeom>
+        </p:spPr>
+      </p:pic>
+      <p:sp>
+        <p:nvSpPr>
+          <p:cNvPr id="18" name="TextBox 17">
+            <a:extLst>
+              <a:ext uri="{FF2B5EF4-FFF2-40B4-BE49-F238E27FC236}">
+                <a16:creationId xmlns:a16="http://schemas.microsoft.com/office/drawing/2014/main" id="{1AF4C9ED-AE65-F947-B5DC-5DF6F5AF23EE}"/>
+              </a:ext>
+            </a:extLst>
+          </p:cNvPr>
+          <p:cNvSpPr txBox="1"/>
+          <p:nvPr/>
+        </p:nvSpPr>
+        <p:spPr>
+          <a:xfrm>
+            <a:off x="1326570" y="3260420"/>
+            <a:ext cx="822960" cy="320040"/>
+          </a:xfrm>
+          <a:prstGeom prst="rect">
+            <a:avLst/>
+          </a:prstGeom>
+          <a:noFill/>
+        </p:spPr>
+        <p:txBody>
+          <a:bodyPr wrap="none" lIns="0" tIns="0" rIns="0" bIns="0" rtlCol="0" anchor="t">
+            <a:noAutofit/>
+          </a:bodyPr>
+          <a:lstStyle/>
+          <a:p>
+            <a:pPr algn="ctr"/>
+            <a:r>
+              <a:rPr lang="en-US" sz="1100" dirty="0">
+                <a:latin typeface="Helvetica Neue"/>
+                <a:cs typeface="Helvetica Neue"/>
+              </a:rPr>
+              <a:t>JavaScript</a:t>
+            </a:r>
+          </a:p>
+        </p:txBody>
+      </p:sp>
+      <p:pic>
+        <p:nvPicPr>
+          <p:cNvPr id="19" name="Picture 18">
+            <a:extLst>
+              <a:ext uri="{FF2B5EF4-FFF2-40B4-BE49-F238E27FC236}">
+                <a16:creationId xmlns:a16="http://schemas.microsoft.com/office/drawing/2014/main" id="{2A2D865E-3AF3-3A4A-B33F-6D4703908574}"/>
+              </a:ext>
+            </a:extLst>
+          </p:cNvPr>
+          <p:cNvPicPr>
+            <a:picLocks noChangeAspect="1"/>
+          </p:cNvPicPr>
+          <p:nvPr/>
+        </p:nvPicPr>
+        <p:blipFill>
+          <a:blip r:embed="rId4">
+            <a:extLst>
+              <a:ext uri="{28A0092B-C50C-407E-A947-70E740481C1C}">
+                <a14:useLocalDpi xmlns:a14="http://schemas.microsoft.com/office/drawing/2010/main" val="0"/>
+              </a:ext>
+            </a:extLst>
+          </a:blip>
+          <a:stretch>
+            <a:fillRect/>
+          </a:stretch>
+        </p:blipFill>
+        <p:spPr>
+          <a:xfrm>
+            <a:off x="1408191" y="2500745"/>
+            <a:ext cx="659718" cy="759675"/>
+          </a:xfrm>
+          <a:prstGeom prst="rect">
+            <a:avLst/>
+          </a:prstGeom>
+        </p:spPr>
+      </p:pic>
+      <p:pic>
+        <p:nvPicPr>
+          <p:cNvPr id="20" name="Picture 19">
+            <a:extLst>
+              <a:ext uri="{FF2B5EF4-FFF2-40B4-BE49-F238E27FC236}">
+                <a16:creationId xmlns:a16="http://schemas.microsoft.com/office/drawing/2014/main" id="{EDD31DA4-F4CC-1647-AC75-104DA91972AB}"/>
+              </a:ext>
+            </a:extLst>
+          </p:cNvPr>
+          <p:cNvPicPr>
+            <a:picLocks noChangeAspect="1"/>
+          </p:cNvPicPr>
+          <p:nvPr/>
+        </p:nvPicPr>
+        <p:blipFill>
+          <a:blip r:embed="rId5">
+            <a:extLst>
+              <a:ext uri="{28A0092B-C50C-407E-A947-70E740481C1C}">
+                <a14:useLocalDpi xmlns:a14="http://schemas.microsoft.com/office/drawing/2010/main" val="0"/>
+              </a:ext>
+            </a:extLst>
+          </a:blip>
+          <a:stretch>
+            <a:fillRect/>
+          </a:stretch>
+        </p:blipFill>
+        <p:spPr>
+          <a:xfrm>
+            <a:off x="7083627" y="2403641"/>
+            <a:ext cx="544781" cy="653737"/>
+          </a:xfrm>
+          <a:prstGeom prst="rect">
+            <a:avLst/>
+          </a:prstGeom>
+        </p:spPr>
+      </p:pic>
+      <p:sp>
+        <p:nvSpPr>
+          <p:cNvPr id="21" name="TextBox 20">
+            <a:extLst>
+              <a:ext uri="{FF2B5EF4-FFF2-40B4-BE49-F238E27FC236}">
+                <a16:creationId xmlns:a16="http://schemas.microsoft.com/office/drawing/2014/main" id="{D39F4622-C3A9-8041-BE1F-C6EF103DBA55}"/>
+              </a:ext>
+            </a:extLst>
+          </p:cNvPr>
+          <p:cNvSpPr txBox="1"/>
+          <p:nvPr/>
+        </p:nvSpPr>
+        <p:spPr>
+          <a:xfrm>
+            <a:off x="6943514" y="3084565"/>
+            <a:ext cx="825006" cy="155632"/>
+          </a:xfrm>
+          <a:prstGeom prst="rect">
+            <a:avLst/>
+          </a:prstGeom>
+          <a:noFill/>
+        </p:spPr>
+        <p:txBody>
+          <a:bodyPr wrap="square" lIns="0" tIns="0" rIns="0" bIns="0" rtlCol="0" anchor="t">
+            <a:noAutofit/>
+          </a:bodyPr>
+          <a:lstStyle/>
+          <a:p>
+            <a:pPr algn="ctr"/>
+            <a:r>
+              <a:rPr lang="en-US" sz="1000" b="1" dirty="0"/>
+              <a:t>AWS</a:t>
+            </a:r>
+          </a:p>
+          <a:p>
+            <a:pPr algn="ctr"/>
+            <a:r>
+              <a:rPr lang="en-US" sz="1000" b="1" dirty="0"/>
+              <a:t>Lambda</a:t>
+            </a:r>
+          </a:p>
+        </p:txBody>
+      </p:sp>
+      <p:pic>
+        <p:nvPicPr>
+          <p:cNvPr id="22" name="Picture 21">
+            <a:extLst>
+              <a:ext uri="{FF2B5EF4-FFF2-40B4-BE49-F238E27FC236}">
+                <a16:creationId xmlns:a16="http://schemas.microsoft.com/office/drawing/2014/main" id="{D0BD14A0-199D-1D42-A7D9-8D431C87AC85}"/>
+              </a:ext>
+            </a:extLst>
+          </p:cNvPr>
+          <p:cNvPicPr>
+            <a:picLocks noChangeAspect="1"/>
+          </p:cNvPicPr>
+          <p:nvPr/>
+        </p:nvPicPr>
+        <p:blipFill>
+          <a:blip r:embed="rId5">
+            <a:extLst>
+              <a:ext uri="{28A0092B-C50C-407E-A947-70E740481C1C}">
+                <a14:useLocalDpi xmlns:a14="http://schemas.microsoft.com/office/drawing/2010/main" val="0"/>
+              </a:ext>
+            </a:extLst>
+          </a:blip>
+          <a:stretch>
+            <a:fillRect/>
+          </a:stretch>
+        </p:blipFill>
+        <p:spPr>
+          <a:xfrm>
+            <a:off x="7083627" y="1023969"/>
+            <a:ext cx="544781" cy="653737"/>
+          </a:xfrm>
+          <a:prstGeom prst="rect">
+            <a:avLst/>
+          </a:prstGeom>
+        </p:spPr>
+      </p:pic>
+      <p:sp>
+        <p:nvSpPr>
+          <p:cNvPr id="23" name="TextBox 22">
+            <a:extLst>
+              <a:ext uri="{FF2B5EF4-FFF2-40B4-BE49-F238E27FC236}">
+                <a16:creationId xmlns:a16="http://schemas.microsoft.com/office/drawing/2014/main" id="{861917E9-52C3-BF4F-A357-2753D2889030}"/>
+              </a:ext>
+            </a:extLst>
+          </p:cNvPr>
+          <p:cNvSpPr txBox="1"/>
+          <p:nvPr/>
+        </p:nvSpPr>
+        <p:spPr>
+          <a:xfrm>
+            <a:off x="6943514" y="1704893"/>
+            <a:ext cx="825006" cy="155632"/>
+          </a:xfrm>
+          <a:prstGeom prst="rect">
+            <a:avLst/>
+          </a:prstGeom>
+          <a:noFill/>
+        </p:spPr>
+        <p:txBody>
+          <a:bodyPr wrap="square" lIns="0" tIns="0" rIns="0" bIns="0" rtlCol="0" anchor="t">
+            <a:noAutofit/>
+          </a:bodyPr>
+          <a:lstStyle/>
+          <a:p>
+            <a:pPr algn="ctr"/>
+            <a:r>
+              <a:rPr lang="en-US" sz="1000" b="1" dirty="0"/>
+              <a:t>AWS</a:t>
+            </a:r>
+          </a:p>
+          <a:p>
+            <a:pPr algn="ctr"/>
+            <a:r>
+              <a:rPr lang="en-US" sz="1000" b="1" dirty="0"/>
+              <a:t>Lambda</a:t>
+            </a:r>
+          </a:p>
+        </p:txBody>
+      </p:sp>
+      <p:sp>
+        <p:nvSpPr>
+          <p:cNvPr id="24" name="Rounded Rectangle 23">
+            <a:extLst>
+              <a:ext uri="{FF2B5EF4-FFF2-40B4-BE49-F238E27FC236}">
+                <a16:creationId xmlns:a16="http://schemas.microsoft.com/office/drawing/2014/main" id="{531291F4-3B34-2C4A-AABD-C4A14AF0B0BD}"/>
+              </a:ext>
+            </a:extLst>
+          </p:cNvPr>
+          <p:cNvSpPr/>
+          <p:nvPr/>
+        </p:nvSpPr>
+        <p:spPr>
+          <a:xfrm>
+            <a:off x="5089133" y="4176438"/>
+            <a:ext cx="4784333" cy="2091230"/>
+          </a:xfrm>
+          <a:prstGeom prst="roundRect">
+            <a:avLst/>
+          </a:prstGeom>
+          <a:noFill/>
+          <a:ln w="38100">
+            <a:solidFill>
+              <a:srgbClr val="FFC000"/>
+            </a:solidFill>
+          </a:ln>
+        </p:spPr>
+        <p:style>
+          <a:lnRef idx="2">
+            <a:schemeClr val="accent1">
+              <a:shade val="50000"/>
+            </a:schemeClr>
+          </a:lnRef>
+          <a:fillRef idx="1">
+            <a:schemeClr val="accent1"/>
+          </a:fillRef>
+          <a:effectRef idx="0">
+            <a:schemeClr val="accent1"/>
+          </a:effectRef>
+          <a:fontRef idx="minor">
+            <a:schemeClr val="lt1"/>
+          </a:fontRef>
+        </p:style>
+        <p:txBody>
+          <a:bodyPr rtlCol="0" anchor="ctr"/>
+          <a:lstStyle/>
+          <a:p>
+            <a:pPr algn="ctr"/>
+            <a:endParaRPr lang="en-US"/>
+          </a:p>
+        </p:txBody>
+      </p:sp>
+      <p:pic>
+        <p:nvPicPr>
+          <p:cNvPr id="25" name="Picture 24">
+            <a:extLst>
+              <a:ext uri="{FF2B5EF4-FFF2-40B4-BE49-F238E27FC236}">
+                <a16:creationId xmlns:a16="http://schemas.microsoft.com/office/drawing/2014/main" id="{6C3C4A50-D8A6-AD4A-A354-44625FE0AE95}"/>
+              </a:ext>
+            </a:extLst>
+          </p:cNvPr>
+          <p:cNvPicPr>
+            <a:picLocks noChangeAspect="1"/>
+          </p:cNvPicPr>
+          <p:nvPr/>
+        </p:nvPicPr>
+        <p:blipFill>
+          <a:blip r:embed="rId6">
+            <a:extLst>
+              <a:ext uri="{28A0092B-C50C-407E-A947-70E740481C1C}">
+                <a14:useLocalDpi xmlns:a14="http://schemas.microsoft.com/office/drawing/2010/main" val="0"/>
+              </a:ext>
+            </a:extLst>
+          </a:blip>
+          <a:stretch>
+            <a:fillRect/>
+          </a:stretch>
+        </p:blipFill>
+        <p:spPr>
+          <a:xfrm>
+            <a:off x="5626293" y="4566323"/>
+            <a:ext cx="544780" cy="653098"/>
+          </a:xfrm>
+          <a:prstGeom prst="rect">
+            <a:avLst/>
+          </a:prstGeom>
+        </p:spPr>
+      </p:pic>
+      <p:sp>
+        <p:nvSpPr>
+          <p:cNvPr id="26" name="TextBox 25">
+            <a:extLst>
+              <a:ext uri="{FF2B5EF4-FFF2-40B4-BE49-F238E27FC236}">
+                <a16:creationId xmlns:a16="http://schemas.microsoft.com/office/drawing/2014/main" id="{9F66391A-DB00-454C-8C1E-E2C37659FACA}"/>
+              </a:ext>
+            </a:extLst>
+          </p:cNvPr>
+          <p:cNvSpPr txBox="1"/>
+          <p:nvPr/>
+        </p:nvSpPr>
+        <p:spPr>
+          <a:xfrm>
+            <a:off x="5532923" y="5246255"/>
+            <a:ext cx="731520" cy="155632"/>
+          </a:xfrm>
+          <a:prstGeom prst="rect">
+            <a:avLst/>
+          </a:prstGeom>
+          <a:noFill/>
+        </p:spPr>
+        <p:txBody>
+          <a:bodyPr wrap="square" lIns="0" tIns="0" rIns="0" bIns="0" rtlCol="0" anchor="t">
+            <a:noAutofit/>
+          </a:bodyPr>
+          <a:lstStyle/>
+          <a:p>
+            <a:pPr algn="ctr"/>
+            <a:r>
+              <a:rPr lang="en-US" sz="1000" b="1" dirty="0"/>
+              <a:t>Amazon </a:t>
+            </a:r>
+            <a:r>
+              <a:rPr lang="en-US" sz="1000" b="1" dirty="0" err="1"/>
+              <a:t>CloudFront</a:t>
+            </a:r>
+            <a:endParaRPr lang="en-US" b="1" dirty="0"/>
+          </a:p>
+        </p:txBody>
+      </p:sp>
+      <p:pic>
+        <p:nvPicPr>
+          <p:cNvPr id="27" name="Picture 26">
+            <a:extLst>
+              <a:ext uri="{FF2B5EF4-FFF2-40B4-BE49-F238E27FC236}">
+                <a16:creationId xmlns:a16="http://schemas.microsoft.com/office/drawing/2014/main" id="{1EAD9C27-2362-DA43-96BA-B9A7DEFB7F2C}"/>
+              </a:ext>
+            </a:extLst>
+          </p:cNvPr>
+          <p:cNvPicPr>
+            <a:picLocks noChangeAspect="1"/>
+          </p:cNvPicPr>
+          <p:nvPr/>
+        </p:nvPicPr>
+        <p:blipFill>
+          <a:blip r:embed="rId7">
+            <a:extLst>
+              <a:ext uri="{28A0092B-C50C-407E-A947-70E740481C1C}">
+                <a14:useLocalDpi xmlns:a14="http://schemas.microsoft.com/office/drawing/2010/main" val="0"/>
+              </a:ext>
+            </a:extLst>
+          </a:blip>
+          <a:stretch>
+            <a:fillRect/>
+          </a:stretch>
+        </p:blipFill>
+        <p:spPr>
+          <a:xfrm>
+            <a:off x="8681766" y="1023969"/>
+            <a:ext cx="543466" cy="601994"/>
+          </a:xfrm>
+          <a:prstGeom prst="rect">
+            <a:avLst/>
+          </a:prstGeom>
+        </p:spPr>
+      </p:pic>
+      <p:sp>
+        <p:nvSpPr>
+          <p:cNvPr id="28" name="TextBox 27">
+            <a:extLst>
+              <a:ext uri="{FF2B5EF4-FFF2-40B4-BE49-F238E27FC236}">
+                <a16:creationId xmlns:a16="http://schemas.microsoft.com/office/drawing/2014/main" id="{248112C3-DC6B-3B4B-9DA8-3F113B57B059}"/>
+              </a:ext>
+            </a:extLst>
+          </p:cNvPr>
+          <p:cNvSpPr txBox="1"/>
+          <p:nvPr/>
+        </p:nvSpPr>
+        <p:spPr>
+          <a:xfrm>
+            <a:off x="8506124" y="1674372"/>
+            <a:ext cx="894752" cy="155632"/>
+          </a:xfrm>
+          <a:prstGeom prst="rect">
+            <a:avLst/>
+          </a:prstGeom>
+          <a:noFill/>
+        </p:spPr>
+        <p:txBody>
+          <a:bodyPr wrap="square" lIns="0" tIns="0" rIns="0" bIns="0" rtlCol="0" anchor="t">
+            <a:noAutofit/>
+          </a:bodyPr>
+          <a:lstStyle/>
+          <a:p>
+            <a:pPr algn="ctr"/>
+            <a:r>
+              <a:rPr lang="en-US" sz="1000" b="1" dirty="0"/>
+              <a:t>Amazon</a:t>
+            </a:r>
+            <a:br>
+              <a:rPr lang="en-US" sz="1000" b="1" dirty="0"/>
+            </a:br>
+            <a:r>
+              <a:rPr lang="en-US" sz="1000" b="1" dirty="0" err="1"/>
+              <a:t>DynamoDB</a:t>
+            </a:r>
+            <a:endParaRPr lang="en-US" b="1" dirty="0"/>
+          </a:p>
+        </p:txBody>
+      </p:sp>
+      <p:sp>
+        <p:nvSpPr>
+          <p:cNvPr id="29" name="TextBox 28">
+            <a:extLst>
+              <a:ext uri="{FF2B5EF4-FFF2-40B4-BE49-F238E27FC236}">
+                <a16:creationId xmlns:a16="http://schemas.microsoft.com/office/drawing/2014/main" id="{CA00FEFD-8243-0040-B3A2-F7D5AECB291C}"/>
+              </a:ext>
+            </a:extLst>
+          </p:cNvPr>
+          <p:cNvSpPr txBox="1"/>
+          <p:nvPr/>
+        </p:nvSpPr>
+        <p:spPr>
+          <a:xfrm>
+            <a:off x="8603917" y="3027749"/>
+            <a:ext cx="768159" cy="338554"/>
+          </a:xfrm>
+          <a:prstGeom prst="rect">
+            <a:avLst/>
+          </a:prstGeom>
+          <a:noFill/>
+        </p:spPr>
+        <p:txBody>
+          <a:bodyPr wrap="none" rtlCol="0">
+            <a:spAutoFit/>
+          </a:bodyPr>
+          <a:lstStyle/>
+          <a:p>
+            <a:pPr algn="ctr"/>
+            <a:r>
+              <a:rPr lang="en-US" sz="800" b="1" dirty="0">
+                <a:latin typeface="Helvetica Neue"/>
+                <a:cs typeface="Helvetica Neue"/>
+              </a:rPr>
+              <a:t>Amazon S3 </a:t>
+            </a:r>
+            <a:br>
+              <a:rPr lang="en-US" sz="800" b="1" dirty="0">
+                <a:latin typeface="Helvetica Neue"/>
+                <a:cs typeface="Helvetica Neue"/>
+              </a:rPr>
+            </a:br>
+            <a:r>
+              <a:rPr lang="en-US" sz="800" b="1" dirty="0">
+                <a:latin typeface="Helvetica Neue"/>
+                <a:cs typeface="Helvetica Neue"/>
+              </a:rPr>
+              <a:t>bucket</a:t>
+            </a:r>
+          </a:p>
+        </p:txBody>
+      </p:sp>
+      <p:pic>
+        <p:nvPicPr>
+          <p:cNvPr id="30" name="Picture 29">
+            <a:extLst>
+              <a:ext uri="{FF2B5EF4-FFF2-40B4-BE49-F238E27FC236}">
+                <a16:creationId xmlns:a16="http://schemas.microsoft.com/office/drawing/2014/main" id="{A2B5F8E6-C0CD-2841-83B2-287019773EED}"/>
+              </a:ext>
+            </a:extLst>
+          </p:cNvPr>
+          <p:cNvPicPr>
+            <a:picLocks noChangeAspect="1"/>
+          </p:cNvPicPr>
+          <p:nvPr/>
+        </p:nvPicPr>
+        <p:blipFill>
+          <a:blip r:embed="rId3">
+            <a:extLst>
+              <a:ext uri="{28A0092B-C50C-407E-A947-70E740481C1C}">
+                <a14:useLocalDpi xmlns:a14="http://schemas.microsoft.com/office/drawing/2010/main" val="0"/>
+              </a:ext>
+            </a:extLst>
+          </a:blip>
+          <a:stretch>
+            <a:fillRect/>
+          </a:stretch>
+        </p:blipFill>
+        <p:spPr>
+          <a:xfrm>
+            <a:off x="8733550" y="2522533"/>
+            <a:ext cx="468336" cy="485681"/>
+          </a:xfrm>
+          <a:prstGeom prst="rect">
+            <a:avLst/>
+          </a:prstGeom>
+        </p:spPr>
+      </p:pic>
+      <p:sp>
+        <p:nvSpPr>
+          <p:cNvPr id="34" name="TextBox 33">
+            <a:extLst>
+              <a:ext uri="{FF2B5EF4-FFF2-40B4-BE49-F238E27FC236}">
+                <a16:creationId xmlns:a16="http://schemas.microsoft.com/office/drawing/2014/main" id="{F4A3583D-6F24-F040-84EC-46AFBD477E43}"/>
+              </a:ext>
+            </a:extLst>
+          </p:cNvPr>
+          <p:cNvSpPr txBox="1"/>
+          <p:nvPr/>
+        </p:nvSpPr>
+        <p:spPr>
+          <a:xfrm>
+            <a:off x="5078059" y="3372035"/>
+            <a:ext cx="4784333" cy="369332"/>
+          </a:xfrm>
+          <a:prstGeom prst="rect">
+            <a:avLst/>
+          </a:prstGeom>
+          <a:noFill/>
+        </p:spPr>
+        <p:txBody>
+          <a:bodyPr wrap="square" rtlCol="0">
+            <a:spAutoFit/>
+          </a:bodyPr>
+          <a:lstStyle/>
+          <a:p>
+            <a:pPr algn="ctr"/>
+            <a:r>
+              <a:rPr lang="en-US" dirty="0"/>
+              <a:t>Computing &amp; Data resources</a:t>
+            </a:r>
+          </a:p>
+        </p:txBody>
+      </p:sp>
+      <p:sp>
+        <p:nvSpPr>
+          <p:cNvPr id="35" name="TextBox 34">
+            <a:extLst>
+              <a:ext uri="{FF2B5EF4-FFF2-40B4-BE49-F238E27FC236}">
+                <a16:creationId xmlns:a16="http://schemas.microsoft.com/office/drawing/2014/main" id="{0BBD4DDF-4571-C747-8394-0CEEA83D81DD}"/>
+              </a:ext>
+            </a:extLst>
+          </p:cNvPr>
+          <p:cNvSpPr txBox="1"/>
+          <p:nvPr/>
+        </p:nvSpPr>
+        <p:spPr>
+          <a:xfrm>
+            <a:off x="5089132" y="5608914"/>
+            <a:ext cx="4784333" cy="646331"/>
+          </a:xfrm>
+          <a:prstGeom prst="rect">
+            <a:avLst/>
+          </a:prstGeom>
+          <a:noFill/>
+        </p:spPr>
+        <p:txBody>
+          <a:bodyPr wrap="square" rtlCol="0">
+            <a:spAutoFit/>
+          </a:bodyPr>
+          <a:lstStyle/>
+          <a:p>
+            <a:pPr algn="ctr"/>
+            <a:r>
+              <a:rPr lang="en-US" dirty="0"/>
+              <a:t>Static webpage (html/</a:t>
+            </a:r>
+            <a:r>
+              <a:rPr lang="en-US" dirty="0" err="1"/>
+              <a:t>css</a:t>
+            </a:r>
+            <a:r>
+              <a:rPr lang="en-US" dirty="0"/>
+              <a:t>/</a:t>
+            </a:r>
+            <a:r>
+              <a:rPr lang="en-US" dirty="0" err="1"/>
+              <a:t>javascrip</a:t>
+            </a:r>
+            <a:r>
+              <a:rPr lang="en-US" dirty="0"/>
+              <a:t>)</a:t>
+            </a:r>
+          </a:p>
+          <a:p>
+            <a:pPr algn="ctr"/>
+            <a:r>
+              <a:rPr lang="en-US" dirty="0"/>
+              <a:t> as downloadable program</a:t>
+            </a:r>
+          </a:p>
+        </p:txBody>
+      </p:sp>
+      <p:sp>
+        <p:nvSpPr>
+          <p:cNvPr id="2" name="テキスト ボックス 1">
+            <a:extLst>
+              <a:ext uri="{FF2B5EF4-FFF2-40B4-BE49-F238E27FC236}">
+                <a16:creationId xmlns:a16="http://schemas.microsoft.com/office/drawing/2014/main" id="{727334F1-3609-4512-A307-4472AC0318BD}"/>
+              </a:ext>
+            </a:extLst>
+          </p:cNvPr>
+          <p:cNvSpPr txBox="1"/>
+          <p:nvPr/>
+        </p:nvSpPr>
+        <p:spPr>
+          <a:xfrm>
+            <a:off x="5171278" y="1468078"/>
+            <a:ext cx="1333378" cy="369332"/>
+          </a:xfrm>
+          <a:prstGeom prst="rect">
+            <a:avLst/>
+          </a:prstGeom>
+          <a:noFill/>
+        </p:spPr>
+        <p:txBody>
+          <a:bodyPr wrap="none" rtlCol="0">
+            <a:spAutoFit/>
+          </a:bodyPr>
+          <a:lstStyle/>
+          <a:p>
+            <a:r>
+              <a:rPr kumimoji="1" lang="en-US" altLang="ja-JP" dirty="0"/>
+              <a:t>RESTful APIs</a:t>
+            </a:r>
+            <a:endParaRPr kumimoji="1" lang="ja-JP" altLang="en-US" dirty="0"/>
+          </a:p>
+        </p:txBody>
+      </p:sp>
+      <p:sp>
+        <p:nvSpPr>
+          <p:cNvPr id="31" name="テキスト ボックス 30">
+            <a:extLst>
+              <a:ext uri="{FF2B5EF4-FFF2-40B4-BE49-F238E27FC236}">
+                <a16:creationId xmlns:a16="http://schemas.microsoft.com/office/drawing/2014/main" id="{86353896-446E-421E-AEA0-EF4514990CF4}"/>
+              </a:ext>
+            </a:extLst>
+          </p:cNvPr>
+          <p:cNvSpPr txBox="1"/>
+          <p:nvPr/>
+        </p:nvSpPr>
+        <p:spPr>
+          <a:xfrm>
+            <a:off x="5618247" y="4275463"/>
+            <a:ext cx="599844" cy="369332"/>
+          </a:xfrm>
+          <a:prstGeom prst="rect">
+            <a:avLst/>
+          </a:prstGeom>
+          <a:noFill/>
+        </p:spPr>
+        <p:txBody>
+          <a:bodyPr wrap="none" rtlCol="0">
+            <a:spAutoFit/>
+          </a:bodyPr>
+          <a:lstStyle/>
+          <a:p>
+            <a:r>
+              <a:rPr kumimoji="1" lang="en-US" altLang="ja-JP" dirty="0"/>
+              <a:t>CDN</a:t>
+            </a:r>
+            <a:endParaRPr kumimoji="1" lang="ja-JP" altLang="en-US" dirty="0"/>
+          </a:p>
+        </p:txBody>
+      </p:sp>
+      <p:cxnSp>
+        <p:nvCxnSpPr>
+          <p:cNvPr id="4" name="直線矢印コネクタ 3">
+            <a:extLst>
+              <a:ext uri="{FF2B5EF4-FFF2-40B4-BE49-F238E27FC236}">
+                <a16:creationId xmlns:a16="http://schemas.microsoft.com/office/drawing/2014/main" id="{537AD1F6-3C92-4886-BED4-61D71C6D19D4}"/>
+              </a:ext>
+            </a:extLst>
+          </p:cNvPr>
+          <p:cNvCxnSpPr>
+            <a:cxnSpLocks/>
+            <a:stCxn id="25" idx="1"/>
+            <a:endCxn id="13" idx="3"/>
+          </p:cNvCxnSpPr>
+          <p:nvPr/>
+        </p:nvCxnSpPr>
+        <p:spPr>
+          <a:xfrm flipH="1" flipV="1">
+            <a:off x="1774653" y="3806355"/>
+            <a:ext cx="3851640" cy="1086517"/>
+          </a:xfrm>
+          <a:prstGeom prst="straightConnector1">
+            <a:avLst/>
+          </a:prstGeom>
+          <a:ln w="38100">
+            <a:solidFill>
+              <a:srgbClr val="FFC000"/>
+            </a:solidFill>
+            <a:tailEnd type="triangle"/>
+          </a:ln>
+        </p:spPr>
+        <p:style>
+          <a:lnRef idx="1">
+            <a:schemeClr val="accent1"/>
+          </a:lnRef>
+          <a:fillRef idx="0">
+            <a:schemeClr val="accent1"/>
+          </a:fillRef>
+          <a:effectRef idx="0">
+            <a:schemeClr val="accent1"/>
+          </a:effectRef>
+          <a:fontRef idx="minor">
+            <a:schemeClr val="tx1"/>
+          </a:fontRef>
+        </p:style>
+      </p:cxnSp>
+      <p:cxnSp>
+        <p:nvCxnSpPr>
+          <p:cNvPr id="32" name="直線矢印コネクタ 31">
+            <a:extLst>
+              <a:ext uri="{FF2B5EF4-FFF2-40B4-BE49-F238E27FC236}">
+                <a16:creationId xmlns:a16="http://schemas.microsoft.com/office/drawing/2014/main" id="{0EF9CDA6-1C3C-4B7F-8C6E-2B0DD079E74C}"/>
+              </a:ext>
+            </a:extLst>
+          </p:cNvPr>
+          <p:cNvCxnSpPr>
+            <a:cxnSpLocks/>
+            <a:stCxn id="17" idx="1"/>
+            <a:endCxn id="25" idx="3"/>
+          </p:cNvCxnSpPr>
+          <p:nvPr/>
+        </p:nvCxnSpPr>
+        <p:spPr>
+          <a:xfrm flipH="1">
+            <a:off x="6171073" y="4877813"/>
+            <a:ext cx="2591277" cy="15059"/>
+          </a:xfrm>
+          <a:prstGeom prst="straightConnector1">
+            <a:avLst/>
+          </a:prstGeom>
+          <a:ln w="38100">
+            <a:solidFill>
+              <a:srgbClr val="FFC000"/>
+            </a:solidFill>
+            <a:tailEnd type="triangle"/>
+          </a:ln>
+        </p:spPr>
+        <p:style>
+          <a:lnRef idx="1">
+            <a:schemeClr val="accent1"/>
+          </a:lnRef>
+          <a:fillRef idx="0">
+            <a:schemeClr val="accent1"/>
+          </a:fillRef>
+          <a:effectRef idx="0">
+            <a:schemeClr val="accent1"/>
+          </a:effectRef>
+          <a:fontRef idx="minor">
+            <a:schemeClr val="tx1"/>
+          </a:fontRef>
+        </p:style>
+      </p:cxnSp>
+      <p:pic>
+        <p:nvPicPr>
+          <p:cNvPr id="13" name="図 12">
+            <a:extLst>
+              <a:ext uri="{FF2B5EF4-FFF2-40B4-BE49-F238E27FC236}">
+                <a16:creationId xmlns:a16="http://schemas.microsoft.com/office/drawing/2014/main" id="{9A12ED07-FB85-4F72-987E-AE9C178D6BF0}"/>
+              </a:ext>
+            </a:extLst>
+          </p:cNvPr>
+          <p:cNvPicPr>
+            <a:picLocks noChangeAspect="1"/>
+          </p:cNvPicPr>
+          <p:nvPr/>
+        </p:nvPicPr>
+        <p:blipFill>
+          <a:blip r:embed="rId8"/>
+          <a:stretch>
+            <a:fillRect/>
+          </a:stretch>
+        </p:blipFill>
+        <p:spPr>
+          <a:xfrm>
+            <a:off x="644154" y="3429000"/>
+            <a:ext cx="1130499" cy="754710"/>
+          </a:xfrm>
+          <a:prstGeom prst="rect">
+            <a:avLst/>
+          </a:prstGeom>
+        </p:spPr>
+      </p:pic>
+      <p:cxnSp>
+        <p:nvCxnSpPr>
+          <p:cNvPr id="37" name="直線矢印コネクタ 36">
+            <a:extLst>
+              <a:ext uri="{FF2B5EF4-FFF2-40B4-BE49-F238E27FC236}">
+                <a16:creationId xmlns:a16="http://schemas.microsoft.com/office/drawing/2014/main" id="{6F0D0DE8-0BFE-4880-86DD-DB262B89D35B}"/>
+              </a:ext>
+            </a:extLst>
+          </p:cNvPr>
+          <p:cNvCxnSpPr>
+            <a:cxnSpLocks/>
+            <a:endCxn id="14" idx="1"/>
+          </p:cNvCxnSpPr>
+          <p:nvPr/>
+        </p:nvCxnSpPr>
+        <p:spPr>
+          <a:xfrm flipV="1">
+            <a:off x="1823804" y="2090821"/>
+            <a:ext cx="3693837" cy="1481937"/>
+          </a:xfrm>
+          <a:prstGeom prst="straightConnector1">
+            <a:avLst/>
+          </a:prstGeom>
+          <a:ln w="38100">
+            <a:headEnd type="triangle" w="med" len="med"/>
+            <a:tailEnd type="triangle" w="med" len="med"/>
+          </a:ln>
+        </p:spPr>
+        <p:style>
+          <a:lnRef idx="1">
+            <a:schemeClr val="accent1"/>
+          </a:lnRef>
+          <a:fillRef idx="0">
+            <a:schemeClr val="accent1"/>
+          </a:fillRef>
+          <a:effectRef idx="0">
+            <a:schemeClr val="accent1"/>
+          </a:effectRef>
+          <a:fontRef idx="minor">
+            <a:schemeClr val="tx1"/>
+          </a:fontRef>
+        </p:style>
+      </p:cxnSp>
+      <p:sp>
+        <p:nvSpPr>
+          <p:cNvPr id="40" name="テキスト ボックス 39">
+            <a:extLst>
+              <a:ext uri="{FF2B5EF4-FFF2-40B4-BE49-F238E27FC236}">
+                <a16:creationId xmlns:a16="http://schemas.microsoft.com/office/drawing/2014/main" id="{4E384F71-7760-4FC1-A345-1759ECA46887}"/>
+              </a:ext>
+            </a:extLst>
+          </p:cNvPr>
+          <p:cNvSpPr txBox="1"/>
+          <p:nvPr/>
+        </p:nvSpPr>
+        <p:spPr>
+          <a:xfrm>
+            <a:off x="6766137" y="391945"/>
+            <a:ext cx="1218603" cy="646331"/>
+          </a:xfrm>
+          <a:prstGeom prst="rect">
+            <a:avLst/>
+          </a:prstGeom>
+          <a:noFill/>
+        </p:spPr>
+        <p:txBody>
+          <a:bodyPr wrap="none" rtlCol="0">
+            <a:spAutoFit/>
+          </a:bodyPr>
+          <a:lstStyle/>
+          <a:p>
+            <a:pPr algn="ctr"/>
+            <a:r>
+              <a:rPr kumimoji="1" lang="en-US" altLang="ja-JP" dirty="0"/>
+              <a:t>Computing</a:t>
+            </a:r>
+          </a:p>
+          <a:p>
+            <a:pPr algn="ctr"/>
+            <a:r>
+              <a:rPr kumimoji="1" lang="en-US" altLang="ja-JP" dirty="0"/>
+              <a:t>Functions</a:t>
+            </a:r>
+            <a:endParaRPr kumimoji="1" lang="ja-JP" altLang="en-US" dirty="0"/>
+          </a:p>
+        </p:txBody>
+      </p:sp>
+      <p:sp>
+        <p:nvSpPr>
+          <p:cNvPr id="41" name="テキスト ボックス 40">
+            <a:extLst>
+              <a:ext uri="{FF2B5EF4-FFF2-40B4-BE49-F238E27FC236}">
+                <a16:creationId xmlns:a16="http://schemas.microsoft.com/office/drawing/2014/main" id="{4FF9138F-6997-4E8E-9D48-F61143AB07AB}"/>
+              </a:ext>
+            </a:extLst>
+          </p:cNvPr>
+          <p:cNvSpPr txBox="1"/>
+          <p:nvPr/>
+        </p:nvSpPr>
+        <p:spPr>
+          <a:xfrm>
+            <a:off x="8400610" y="351204"/>
+            <a:ext cx="1134221" cy="646331"/>
+          </a:xfrm>
+          <a:prstGeom prst="rect">
+            <a:avLst/>
+          </a:prstGeom>
+          <a:noFill/>
+        </p:spPr>
+        <p:txBody>
+          <a:bodyPr wrap="none" rtlCol="0">
+            <a:spAutoFit/>
+          </a:bodyPr>
+          <a:lstStyle/>
+          <a:p>
+            <a:pPr algn="ctr"/>
+            <a:r>
+              <a:rPr kumimoji="1" lang="en-US" altLang="ja-JP" dirty="0"/>
+              <a:t>Data</a:t>
+            </a:r>
+            <a:br>
+              <a:rPr kumimoji="1" lang="en-US" altLang="ja-JP" dirty="0"/>
+            </a:br>
+            <a:r>
+              <a:rPr kumimoji="1" lang="en-US" altLang="ja-JP" dirty="0"/>
+              <a:t>Resources</a:t>
+            </a:r>
+            <a:endParaRPr kumimoji="1" lang="ja-JP" altLang="en-US" dirty="0"/>
+          </a:p>
+        </p:txBody>
+      </p:sp>
+      <p:cxnSp>
+        <p:nvCxnSpPr>
+          <p:cNvPr id="42" name="直線矢印コネクタ 41">
+            <a:extLst>
+              <a:ext uri="{FF2B5EF4-FFF2-40B4-BE49-F238E27FC236}">
+                <a16:creationId xmlns:a16="http://schemas.microsoft.com/office/drawing/2014/main" id="{83FE3D88-58AE-46A0-9004-D88BE4C03678}"/>
+              </a:ext>
+            </a:extLst>
+          </p:cNvPr>
+          <p:cNvCxnSpPr>
+            <a:cxnSpLocks/>
+            <a:stCxn id="14" idx="3"/>
+            <a:endCxn id="22" idx="1"/>
+          </p:cNvCxnSpPr>
+          <p:nvPr/>
+        </p:nvCxnSpPr>
+        <p:spPr>
+          <a:xfrm flipV="1">
+            <a:off x="6039007" y="1350838"/>
+            <a:ext cx="1044620" cy="739983"/>
+          </a:xfrm>
+          <a:prstGeom prst="straightConnector1">
+            <a:avLst/>
+          </a:prstGeom>
+          <a:ln w="38100">
+            <a:headEnd type="triangle" w="med" len="med"/>
+            <a:tailEnd type="triangle" w="med" len="med"/>
+          </a:ln>
+        </p:spPr>
+        <p:style>
+          <a:lnRef idx="1">
+            <a:schemeClr val="accent1"/>
+          </a:lnRef>
+          <a:fillRef idx="0">
+            <a:schemeClr val="accent1"/>
+          </a:fillRef>
+          <a:effectRef idx="0">
+            <a:schemeClr val="accent1"/>
+          </a:effectRef>
+          <a:fontRef idx="minor">
+            <a:schemeClr val="tx1"/>
+          </a:fontRef>
+        </p:style>
+      </p:cxnSp>
+      <p:cxnSp>
+        <p:nvCxnSpPr>
+          <p:cNvPr id="45" name="直線矢印コネクタ 44">
+            <a:extLst>
+              <a:ext uri="{FF2B5EF4-FFF2-40B4-BE49-F238E27FC236}">
+                <a16:creationId xmlns:a16="http://schemas.microsoft.com/office/drawing/2014/main" id="{66B3B0F4-119C-468D-9005-236BAA551BE5}"/>
+              </a:ext>
+            </a:extLst>
+          </p:cNvPr>
+          <p:cNvCxnSpPr>
+            <a:cxnSpLocks/>
+            <a:stCxn id="14" idx="3"/>
+            <a:endCxn id="20" idx="1"/>
+          </p:cNvCxnSpPr>
+          <p:nvPr/>
+        </p:nvCxnSpPr>
+        <p:spPr>
+          <a:xfrm>
+            <a:off x="6039007" y="2090821"/>
+            <a:ext cx="1044620" cy="639689"/>
+          </a:xfrm>
+          <a:prstGeom prst="straightConnector1">
+            <a:avLst/>
+          </a:prstGeom>
+          <a:ln w="38100">
+            <a:headEnd type="triangle" w="med" len="med"/>
+            <a:tailEnd type="triangle" w="med" len="med"/>
+          </a:ln>
+        </p:spPr>
+        <p:style>
+          <a:lnRef idx="1">
+            <a:schemeClr val="accent1"/>
+          </a:lnRef>
+          <a:fillRef idx="0">
+            <a:schemeClr val="accent1"/>
+          </a:fillRef>
+          <a:effectRef idx="0">
+            <a:schemeClr val="accent1"/>
+          </a:effectRef>
+          <a:fontRef idx="minor">
+            <a:schemeClr val="tx1"/>
+          </a:fontRef>
+        </p:style>
+      </p:cxnSp>
+      <p:cxnSp>
+        <p:nvCxnSpPr>
+          <p:cNvPr id="52" name="直線矢印コネクタ 51">
+            <a:extLst>
+              <a:ext uri="{FF2B5EF4-FFF2-40B4-BE49-F238E27FC236}">
+                <a16:creationId xmlns:a16="http://schemas.microsoft.com/office/drawing/2014/main" id="{CFC2C1FB-7A06-4253-97A5-04BC941673FF}"/>
+              </a:ext>
+            </a:extLst>
+          </p:cNvPr>
+          <p:cNvCxnSpPr>
+            <a:cxnSpLocks/>
+          </p:cNvCxnSpPr>
+          <p:nvPr/>
+        </p:nvCxnSpPr>
+        <p:spPr>
+          <a:xfrm>
+            <a:off x="7706256" y="1350838"/>
+            <a:ext cx="941540" cy="1300380"/>
+          </a:xfrm>
+          <a:prstGeom prst="straightConnector1">
+            <a:avLst/>
+          </a:prstGeom>
+          <a:ln w="38100">
+            <a:headEnd type="triangle" w="med" len="med"/>
+            <a:tailEnd type="triangle" w="med" len="med"/>
+          </a:ln>
+        </p:spPr>
+        <p:style>
+          <a:lnRef idx="1">
+            <a:schemeClr val="accent1"/>
+          </a:lnRef>
+          <a:fillRef idx="0">
+            <a:schemeClr val="accent1"/>
+          </a:fillRef>
+          <a:effectRef idx="0">
+            <a:schemeClr val="accent1"/>
+          </a:effectRef>
+          <a:fontRef idx="minor">
+            <a:schemeClr val="tx1"/>
+          </a:fontRef>
+        </p:style>
+      </p:cxnSp>
+      <p:cxnSp>
+        <p:nvCxnSpPr>
+          <p:cNvPr id="55" name="直線矢印コネクタ 54">
+            <a:extLst>
+              <a:ext uri="{FF2B5EF4-FFF2-40B4-BE49-F238E27FC236}">
+                <a16:creationId xmlns:a16="http://schemas.microsoft.com/office/drawing/2014/main" id="{2CBAC8D1-83D9-4A7D-905D-8ABEBEEDCBD8}"/>
+              </a:ext>
+            </a:extLst>
+          </p:cNvPr>
+          <p:cNvCxnSpPr>
+            <a:cxnSpLocks/>
+          </p:cNvCxnSpPr>
+          <p:nvPr/>
+        </p:nvCxnSpPr>
+        <p:spPr>
+          <a:xfrm flipH="1">
+            <a:off x="7710611" y="1379258"/>
+            <a:ext cx="893307" cy="1225174"/>
+          </a:xfrm>
+          <a:prstGeom prst="straightConnector1">
+            <a:avLst/>
+          </a:prstGeom>
+          <a:ln w="38100">
+            <a:headEnd type="triangle" w="med" len="med"/>
+            <a:tailEnd type="triangle" w="med" len="med"/>
+          </a:ln>
+        </p:spPr>
+        <p:style>
+          <a:lnRef idx="1">
+            <a:schemeClr val="accent1"/>
+          </a:lnRef>
+          <a:fillRef idx="0">
+            <a:schemeClr val="accent1"/>
+          </a:fillRef>
+          <a:effectRef idx="0">
+            <a:schemeClr val="accent1"/>
+          </a:effectRef>
+          <a:fontRef idx="minor">
+            <a:schemeClr val="tx1"/>
+          </a:fontRef>
+        </p:style>
+      </p:cxnSp>
+      <p:cxnSp>
+        <p:nvCxnSpPr>
+          <p:cNvPr id="58" name="直線矢印コネクタ 57">
+            <a:extLst>
+              <a:ext uri="{FF2B5EF4-FFF2-40B4-BE49-F238E27FC236}">
+                <a16:creationId xmlns:a16="http://schemas.microsoft.com/office/drawing/2014/main" id="{5B4584A1-7FAE-4069-8E67-A90889FC979C}"/>
+              </a:ext>
+            </a:extLst>
+          </p:cNvPr>
+          <p:cNvCxnSpPr>
+            <a:cxnSpLocks/>
+          </p:cNvCxnSpPr>
+          <p:nvPr/>
+        </p:nvCxnSpPr>
+        <p:spPr>
+          <a:xfrm flipH="1">
+            <a:off x="7650609" y="1296629"/>
+            <a:ext cx="973618" cy="1"/>
+          </a:xfrm>
+          <a:prstGeom prst="straightConnector1">
+            <a:avLst/>
+          </a:prstGeom>
+          <a:ln w="38100">
+            <a:headEnd type="triangle" w="med" len="med"/>
+            <a:tailEnd type="triangle" w="med" len="med"/>
+          </a:ln>
+        </p:spPr>
+        <p:style>
+          <a:lnRef idx="1">
+            <a:schemeClr val="accent1"/>
+          </a:lnRef>
+          <a:fillRef idx="0">
+            <a:schemeClr val="accent1"/>
+          </a:fillRef>
+          <a:effectRef idx="0">
+            <a:schemeClr val="accent1"/>
+          </a:effectRef>
+          <a:fontRef idx="minor">
+            <a:schemeClr val="tx1"/>
+          </a:fontRef>
+        </p:style>
+      </p:cxnSp>
+      <p:cxnSp>
+        <p:nvCxnSpPr>
+          <p:cNvPr id="69" name="直線矢印コネクタ 68">
+            <a:extLst>
+              <a:ext uri="{FF2B5EF4-FFF2-40B4-BE49-F238E27FC236}">
+                <a16:creationId xmlns:a16="http://schemas.microsoft.com/office/drawing/2014/main" id="{13DA2101-EE2A-4E20-A184-105F93835B2F}"/>
+              </a:ext>
+            </a:extLst>
+          </p:cNvPr>
+          <p:cNvCxnSpPr>
+            <a:cxnSpLocks/>
+          </p:cNvCxnSpPr>
+          <p:nvPr/>
+        </p:nvCxnSpPr>
+        <p:spPr>
+          <a:xfrm flipH="1">
+            <a:off x="7674178" y="2791461"/>
+            <a:ext cx="973618" cy="1"/>
+          </a:xfrm>
+          <a:prstGeom prst="straightConnector1">
+            <a:avLst/>
+          </a:prstGeom>
+          <a:ln w="38100">
+            <a:headEnd type="triangle" w="med" len="med"/>
+            <a:tailEnd type="triangle" w="med" len="med"/>
+          </a:ln>
+        </p:spPr>
+        <p:style>
+          <a:lnRef idx="1">
+            <a:schemeClr val="accent1"/>
+          </a:lnRef>
+          <a:fillRef idx="0">
+            <a:schemeClr val="accent1"/>
+          </a:fillRef>
+          <a:effectRef idx="0">
+            <a:schemeClr val="accent1"/>
+          </a:effectRef>
+          <a:fontRef idx="minor">
+            <a:schemeClr val="tx1"/>
+          </a:fontRef>
+        </p:style>
+      </p:cxnSp>
+      <p:sp>
+        <p:nvSpPr>
+          <p:cNvPr id="78" name="テキスト ボックス 77">
+            <a:extLst>
+              <a:ext uri="{FF2B5EF4-FFF2-40B4-BE49-F238E27FC236}">
+                <a16:creationId xmlns:a16="http://schemas.microsoft.com/office/drawing/2014/main" id="{27EA04E4-0F08-467D-8A53-FAFBD807261C}"/>
+              </a:ext>
+            </a:extLst>
+          </p:cNvPr>
+          <p:cNvSpPr txBox="1"/>
+          <p:nvPr/>
+        </p:nvSpPr>
+        <p:spPr>
+          <a:xfrm>
+            <a:off x="4880240" y="3999044"/>
+            <a:ext cx="1041952" cy="369332"/>
+          </a:xfrm>
+          <a:prstGeom prst="rect">
+            <a:avLst/>
+          </a:prstGeom>
+          <a:solidFill>
+            <a:schemeClr val="bg1"/>
+          </a:solidFill>
+        </p:spPr>
+        <p:txBody>
+          <a:bodyPr wrap="none" rtlCol="0">
+            <a:spAutoFit/>
+          </a:bodyPr>
+          <a:lstStyle/>
+          <a:p>
+            <a:r>
+              <a:rPr kumimoji="1" lang="en-US" altLang="ja-JP" dirty="0"/>
+              <a:t>Frontend</a:t>
+            </a:r>
+            <a:endParaRPr kumimoji="1" lang="ja-JP" altLang="en-US" dirty="0"/>
+          </a:p>
+        </p:txBody>
+      </p:sp>
+      <p:sp>
+        <p:nvSpPr>
+          <p:cNvPr id="81" name="テキスト ボックス 80">
+            <a:extLst>
+              <a:ext uri="{FF2B5EF4-FFF2-40B4-BE49-F238E27FC236}">
+                <a16:creationId xmlns:a16="http://schemas.microsoft.com/office/drawing/2014/main" id="{40A271E3-B5E8-41B7-9772-C9DE4F280367}"/>
+              </a:ext>
+            </a:extLst>
+          </p:cNvPr>
+          <p:cNvSpPr txBox="1"/>
+          <p:nvPr/>
+        </p:nvSpPr>
+        <p:spPr>
+          <a:xfrm>
+            <a:off x="5030680" y="178224"/>
+            <a:ext cx="973921" cy="369332"/>
+          </a:xfrm>
+          <a:prstGeom prst="rect">
+            <a:avLst/>
+          </a:prstGeom>
+          <a:solidFill>
+            <a:schemeClr val="bg1"/>
+          </a:solidFill>
+        </p:spPr>
+        <p:txBody>
+          <a:bodyPr wrap="none" rtlCol="0">
+            <a:spAutoFit/>
+          </a:bodyPr>
+          <a:lstStyle/>
+          <a:p>
+            <a:r>
+              <a:rPr kumimoji="1" lang="en-US" altLang="ja-JP" dirty="0"/>
+              <a:t>Backend</a:t>
+            </a:r>
+            <a:endParaRPr kumimoji="1" lang="ja-JP" altLang="en-US" dirty="0"/>
+          </a:p>
+        </p:txBody>
+      </p:sp>
+      <p:sp>
+        <p:nvSpPr>
+          <p:cNvPr id="3" name="TextBox 2">
+            <a:extLst>
+              <a:ext uri="{FF2B5EF4-FFF2-40B4-BE49-F238E27FC236}">
+                <a16:creationId xmlns:a16="http://schemas.microsoft.com/office/drawing/2014/main" id="{78A648DA-79C2-624D-AA63-57BA7351A567}"/>
+              </a:ext>
+            </a:extLst>
+          </p:cNvPr>
+          <p:cNvSpPr txBox="1"/>
+          <p:nvPr/>
+        </p:nvSpPr>
+        <p:spPr>
+          <a:xfrm>
+            <a:off x="418290" y="4126121"/>
+            <a:ext cx="1582228" cy="369332"/>
+          </a:xfrm>
+          <a:prstGeom prst="rect">
+            <a:avLst/>
+          </a:prstGeom>
+          <a:noFill/>
+        </p:spPr>
+        <p:txBody>
+          <a:bodyPr wrap="none" rtlCol="0">
+            <a:spAutoFit/>
+          </a:bodyPr>
+          <a:lstStyle/>
+          <a:p>
+            <a:r>
+              <a:rPr lang="en-US" dirty="0"/>
+              <a:t>User (Browser)</a:t>
+            </a:r>
+          </a:p>
+        </p:txBody>
+      </p:sp>
+      <p:sp>
+        <p:nvSpPr>
+          <p:cNvPr id="8" name="Can 7">
+            <a:extLst>
+              <a:ext uri="{FF2B5EF4-FFF2-40B4-BE49-F238E27FC236}">
+                <a16:creationId xmlns:a16="http://schemas.microsoft.com/office/drawing/2014/main" id="{6D389A55-F10C-984E-8955-FA4C4EF7DD1A}"/>
+              </a:ext>
+            </a:extLst>
+          </p:cNvPr>
+          <p:cNvSpPr/>
+          <p:nvPr/>
+        </p:nvSpPr>
+        <p:spPr>
+          <a:xfrm rot="14881054">
+            <a:off x="3492706" y="1899015"/>
+            <a:ext cx="278329" cy="1896656"/>
+          </a:xfrm>
+          <a:prstGeom prst="can">
+            <a:avLst/>
+          </a:prstGeom>
+        </p:spPr>
+        <p:style>
+          <a:lnRef idx="2">
+            <a:schemeClr val="accent1">
+              <a:shade val="50000"/>
+            </a:schemeClr>
+          </a:lnRef>
+          <a:fillRef idx="1">
+            <a:schemeClr val="accent1"/>
+          </a:fillRef>
+          <a:effectRef idx="0">
+            <a:schemeClr val="accent1"/>
+          </a:effectRef>
+          <a:fontRef idx="minor">
+            <a:schemeClr val="lt1"/>
+          </a:fontRef>
+        </p:style>
+        <p:txBody>
+          <a:bodyPr rtlCol="0" anchor="ctr"/>
+          <a:lstStyle/>
+          <a:p>
+            <a:pPr algn="ctr"/>
+            <a:endParaRPr lang="en-US"/>
+          </a:p>
+        </p:txBody>
+      </p:sp>
+      <p:sp>
+        <p:nvSpPr>
+          <p:cNvPr id="7" name="TextBox 6">
+            <a:extLst>
+              <a:ext uri="{FF2B5EF4-FFF2-40B4-BE49-F238E27FC236}">
+                <a16:creationId xmlns:a16="http://schemas.microsoft.com/office/drawing/2014/main" id="{48D8EA65-5000-D443-BCE5-866C3D75236C}"/>
+              </a:ext>
+            </a:extLst>
+          </p:cNvPr>
+          <p:cNvSpPr txBox="1"/>
+          <p:nvPr/>
+        </p:nvSpPr>
+        <p:spPr>
+          <a:xfrm rot="20323196">
+            <a:off x="2799694" y="2667198"/>
+            <a:ext cx="1636923" cy="369332"/>
+          </a:xfrm>
+          <a:prstGeom prst="rect">
+            <a:avLst/>
+          </a:prstGeom>
+          <a:noFill/>
+        </p:spPr>
+        <p:txBody>
+          <a:bodyPr wrap="none" rtlCol="0">
+            <a:spAutoFit/>
+          </a:bodyPr>
+          <a:lstStyle/>
+          <a:p>
+            <a:r>
+              <a:rPr lang="en-US" dirty="0">
+                <a:solidFill>
+                  <a:srgbClr val="FF0000"/>
+                </a:solidFill>
+              </a:rPr>
+              <a:t>HTTPS(SSL/TLS)</a:t>
+            </a:r>
+          </a:p>
+        </p:txBody>
+      </p:sp>
+      <p:sp>
+        <p:nvSpPr>
+          <p:cNvPr id="46" name="Can 45">
+            <a:extLst>
+              <a:ext uri="{FF2B5EF4-FFF2-40B4-BE49-F238E27FC236}">
+                <a16:creationId xmlns:a16="http://schemas.microsoft.com/office/drawing/2014/main" id="{C3326E1D-510B-1B4E-81B4-292DB72C72CB}"/>
+              </a:ext>
+            </a:extLst>
+          </p:cNvPr>
+          <p:cNvSpPr/>
+          <p:nvPr/>
+        </p:nvSpPr>
+        <p:spPr>
+          <a:xfrm rot="17145457">
+            <a:off x="3387875" y="3361786"/>
+            <a:ext cx="278329" cy="1896656"/>
+          </a:xfrm>
+          <a:prstGeom prst="can">
+            <a:avLst/>
+          </a:prstGeom>
+          <a:solidFill>
+            <a:srgbClr val="FFC000"/>
+          </a:solidFill>
+        </p:spPr>
+        <p:style>
+          <a:lnRef idx="2">
+            <a:schemeClr val="accent1">
+              <a:shade val="50000"/>
+            </a:schemeClr>
+          </a:lnRef>
+          <a:fillRef idx="1">
+            <a:schemeClr val="accent1"/>
+          </a:fillRef>
+          <a:effectRef idx="0">
+            <a:schemeClr val="accent1"/>
+          </a:effectRef>
+          <a:fontRef idx="minor">
+            <a:schemeClr val="lt1"/>
+          </a:fontRef>
+        </p:style>
+        <p:txBody>
+          <a:bodyPr rtlCol="0" anchor="ctr"/>
+          <a:lstStyle/>
+          <a:p>
+            <a:pPr algn="ctr"/>
+            <a:endParaRPr lang="en-US"/>
+          </a:p>
+        </p:txBody>
+      </p:sp>
+      <p:sp>
+        <p:nvSpPr>
+          <p:cNvPr id="47" name="TextBox 46">
+            <a:extLst>
+              <a:ext uri="{FF2B5EF4-FFF2-40B4-BE49-F238E27FC236}">
+                <a16:creationId xmlns:a16="http://schemas.microsoft.com/office/drawing/2014/main" id="{C4DC875C-F8AF-7247-BB11-C44C02CFB0F8}"/>
+              </a:ext>
+            </a:extLst>
+          </p:cNvPr>
+          <p:cNvSpPr txBox="1"/>
+          <p:nvPr/>
+        </p:nvSpPr>
+        <p:spPr>
+          <a:xfrm rot="987599">
+            <a:off x="2694863" y="4129969"/>
+            <a:ext cx="1636923" cy="369332"/>
+          </a:xfrm>
+          <a:prstGeom prst="rect">
+            <a:avLst/>
+          </a:prstGeom>
+          <a:noFill/>
+        </p:spPr>
+        <p:txBody>
+          <a:bodyPr wrap="none" rtlCol="0">
+            <a:spAutoFit/>
+          </a:bodyPr>
+          <a:lstStyle/>
+          <a:p>
+            <a:r>
+              <a:rPr lang="en-US" dirty="0">
+                <a:solidFill>
+                  <a:srgbClr val="FF0000"/>
+                </a:solidFill>
+              </a:rPr>
+              <a:t>HTTPS(SSL/TLS)</a:t>
+            </a:r>
+          </a:p>
+        </p:txBody>
+      </p:sp>
+      <p:pic>
+        <p:nvPicPr>
+          <p:cNvPr id="10" name="Picture 9">
+            <a:extLst>
+              <a:ext uri="{FF2B5EF4-FFF2-40B4-BE49-F238E27FC236}">
+                <a16:creationId xmlns:a16="http://schemas.microsoft.com/office/drawing/2014/main" id="{60533E61-6327-7D41-8705-4A8F7AE7B46E}"/>
+              </a:ext>
+            </a:extLst>
+          </p:cNvPr>
+          <p:cNvPicPr>
+            <a:picLocks noChangeAspect="1"/>
+          </p:cNvPicPr>
+          <p:nvPr/>
+        </p:nvPicPr>
+        <p:blipFill>
+          <a:blip r:embed="rId9"/>
+          <a:stretch>
+            <a:fillRect/>
+          </a:stretch>
+        </p:blipFill>
+        <p:spPr>
+          <a:xfrm>
+            <a:off x="4877412" y="550874"/>
+            <a:ext cx="1057298" cy="962260"/>
+          </a:xfrm>
+          <a:prstGeom prst="rect">
+            <a:avLst/>
+          </a:prstGeom>
+        </p:spPr>
+      </p:pic>
+      <p:sp>
+        <p:nvSpPr>
+          <p:cNvPr id="43" name="Rounded Rectangular Callout 42">
+            <a:extLst>
+              <a:ext uri="{FF2B5EF4-FFF2-40B4-BE49-F238E27FC236}">
+                <a16:creationId xmlns:a16="http://schemas.microsoft.com/office/drawing/2014/main" id="{49C0A9DF-B6E6-BA4F-B4A3-EEE46F2CEFA8}"/>
+              </a:ext>
+            </a:extLst>
+          </p:cNvPr>
+          <p:cNvSpPr/>
+          <p:nvPr/>
+        </p:nvSpPr>
+        <p:spPr>
+          <a:xfrm>
+            <a:off x="789171" y="91955"/>
+            <a:ext cx="3919193" cy="1033994"/>
+          </a:xfrm>
+          <a:prstGeom prst="wedgeRoundRectCallout">
+            <a:avLst>
+              <a:gd name="adj1" fmla="val 58603"/>
+              <a:gd name="adj2" fmla="val 37050"/>
+              <a:gd name="adj3" fmla="val 16667"/>
+            </a:avLst>
+          </a:prstGeom>
+          <a:noFill/>
+          <a:ln w="38100">
+            <a:solidFill>
+              <a:schemeClr val="tx1"/>
+            </a:solidFill>
+          </a:ln>
+        </p:spPr>
+        <p:style>
+          <a:lnRef idx="2">
+            <a:schemeClr val="accent1">
+              <a:shade val="50000"/>
+            </a:schemeClr>
+          </a:lnRef>
+          <a:fillRef idx="1">
+            <a:schemeClr val="accent1"/>
+          </a:fillRef>
+          <a:effectRef idx="0">
+            <a:schemeClr val="accent1"/>
+          </a:effectRef>
+          <a:fontRef idx="minor">
+            <a:schemeClr val="lt1"/>
+          </a:fontRef>
+        </p:style>
+        <p:txBody>
+          <a:bodyPr rtlCol="0" anchor="ctr"/>
+          <a:lstStyle/>
+          <a:p>
+            <a:r>
+              <a:rPr lang="en-US" dirty="0">
+                <a:solidFill>
+                  <a:schemeClr val="tx1"/>
+                </a:solidFill>
+              </a:rPr>
+              <a:t>But how about the user data in cloud platform? </a:t>
+            </a:r>
+            <a:r>
+              <a:rPr lang="en-US" b="1" dirty="0">
+                <a:solidFill>
+                  <a:srgbClr val="FF0000"/>
+                </a:solidFill>
+              </a:rPr>
+              <a:t>Are the app provider and cloud platform provider truly trusted?</a:t>
+            </a:r>
+          </a:p>
+        </p:txBody>
+      </p:sp>
+      <p:sp>
+        <p:nvSpPr>
+          <p:cNvPr id="48" name="Rounded Rectangular Callout 47">
+            <a:extLst>
+              <a:ext uri="{FF2B5EF4-FFF2-40B4-BE49-F238E27FC236}">
+                <a16:creationId xmlns:a16="http://schemas.microsoft.com/office/drawing/2014/main" id="{1E7CB0AE-EFD7-F14A-8CC5-A94C1E9E2BB5}"/>
+              </a:ext>
+            </a:extLst>
+          </p:cNvPr>
+          <p:cNvSpPr/>
+          <p:nvPr/>
+        </p:nvSpPr>
+        <p:spPr>
+          <a:xfrm>
+            <a:off x="651702" y="5041114"/>
+            <a:ext cx="3386838" cy="839399"/>
+          </a:xfrm>
+          <a:prstGeom prst="wedgeRoundRectCallout">
+            <a:avLst>
+              <a:gd name="adj1" fmla="val -40659"/>
+              <a:gd name="adj2" fmla="val -93225"/>
+              <a:gd name="adj3" fmla="val 16667"/>
+            </a:avLst>
+          </a:prstGeom>
+          <a:noFill/>
+          <a:ln w="38100">
+            <a:solidFill>
+              <a:schemeClr val="tx1"/>
+            </a:solidFill>
+          </a:ln>
+        </p:spPr>
+        <p:style>
+          <a:lnRef idx="2">
+            <a:schemeClr val="accent1">
+              <a:shade val="50000"/>
+            </a:schemeClr>
+          </a:lnRef>
+          <a:fillRef idx="1">
+            <a:schemeClr val="accent1"/>
+          </a:fillRef>
+          <a:effectRef idx="0">
+            <a:schemeClr val="accent1"/>
+          </a:effectRef>
+          <a:fontRef idx="minor">
+            <a:schemeClr val="lt1"/>
+          </a:fontRef>
+        </p:style>
+        <p:txBody>
+          <a:bodyPr rtlCol="0" anchor="ctr"/>
+          <a:lstStyle/>
+          <a:p>
+            <a:r>
+              <a:rPr lang="en-US" dirty="0">
+                <a:solidFill>
+                  <a:schemeClr val="tx1"/>
+                </a:solidFill>
+              </a:rPr>
+              <a:t>Also  how about the user data in browsers? This may be observed by malware?</a:t>
+            </a:r>
+          </a:p>
+        </p:txBody>
+      </p:sp>
+      <p:pic>
+        <p:nvPicPr>
+          <p:cNvPr id="49" name="Picture 48">
+            <a:extLst>
+              <a:ext uri="{FF2B5EF4-FFF2-40B4-BE49-F238E27FC236}">
+                <a16:creationId xmlns:a16="http://schemas.microsoft.com/office/drawing/2014/main" id="{EA7CB67F-EAAA-F046-A987-550537AE9C70}"/>
+              </a:ext>
+            </a:extLst>
+          </p:cNvPr>
+          <p:cNvPicPr>
+            <a:picLocks noChangeAspect="1"/>
+          </p:cNvPicPr>
+          <p:nvPr/>
+        </p:nvPicPr>
+        <p:blipFill>
+          <a:blip r:embed="rId9"/>
+          <a:stretch>
+            <a:fillRect/>
+          </a:stretch>
+        </p:blipFill>
+        <p:spPr>
+          <a:xfrm>
+            <a:off x="463719" y="4014323"/>
+            <a:ext cx="1057298" cy="962260"/>
+          </a:xfrm>
+          <a:prstGeom prst="rect">
+            <a:avLst/>
+          </a:prstGeom>
+        </p:spPr>
+      </p:pic>
+    </p:spTree>
+    <p:extLst>
+      <p:ext uri="{BB962C8B-B14F-4D97-AF65-F5344CB8AC3E}">
+        <p14:creationId xmlns:p14="http://schemas.microsoft.com/office/powerpoint/2010/main" val="2594138893"/>
       </p:ext>
     </p:extLst>
   </p:cSld>

--- a/slides/Figs/images.pptx
+++ b/slides/Figs/images.pptx
@@ -9,6 +9,7 @@
     <p:sldId id="257" r:id="rId3"/>
     <p:sldId id="258" r:id="rId4"/>
     <p:sldId id="259" r:id="rId5"/>
+    <p:sldId id="260" r:id="rId6"/>
   </p:sldIdLst>
   <p:sldSz cx="12192000" cy="6858000"/>
   <p:notesSz cx="6858000" cy="9144000"/>
@@ -262,7 +263,7 @@
           <a:p>
             <a:fld id="{ABB50B84-C221-BA49-B172-B6D4747B1BA4}" type="datetimeFigureOut">
               <a:rPr lang="en-US" smtClean="0"/>
-              <a:t>7/29/19</a:t>
+              <a:t>7/30/19</a:t>
             </a:fld>
             <a:endParaRPr lang="en-US"/>
           </a:p>
@@ -460,7 +461,7 @@
           <a:p>
             <a:fld id="{ABB50B84-C221-BA49-B172-B6D4747B1BA4}" type="datetimeFigureOut">
               <a:rPr lang="en-US" smtClean="0"/>
-              <a:t>7/29/19</a:t>
+              <a:t>7/30/19</a:t>
             </a:fld>
             <a:endParaRPr lang="en-US"/>
           </a:p>
@@ -668,7 +669,7 @@
           <a:p>
             <a:fld id="{ABB50B84-C221-BA49-B172-B6D4747B1BA4}" type="datetimeFigureOut">
               <a:rPr lang="en-US" smtClean="0"/>
-              <a:t>7/29/19</a:t>
+              <a:t>7/30/19</a:t>
             </a:fld>
             <a:endParaRPr lang="en-US"/>
           </a:p>
@@ -866,7 +867,7 @@
           <a:p>
             <a:fld id="{ABB50B84-C221-BA49-B172-B6D4747B1BA4}" type="datetimeFigureOut">
               <a:rPr lang="en-US" smtClean="0"/>
-              <a:t>7/29/19</a:t>
+              <a:t>7/30/19</a:t>
             </a:fld>
             <a:endParaRPr lang="en-US"/>
           </a:p>
@@ -1141,7 +1142,7 @@
           <a:p>
             <a:fld id="{ABB50B84-C221-BA49-B172-B6D4747B1BA4}" type="datetimeFigureOut">
               <a:rPr lang="en-US" smtClean="0"/>
-              <a:t>7/29/19</a:t>
+              <a:t>7/30/19</a:t>
             </a:fld>
             <a:endParaRPr lang="en-US"/>
           </a:p>
@@ -1406,7 +1407,7 @@
           <a:p>
             <a:fld id="{ABB50B84-C221-BA49-B172-B6D4747B1BA4}" type="datetimeFigureOut">
               <a:rPr lang="en-US" smtClean="0"/>
-              <a:t>7/29/19</a:t>
+              <a:t>7/30/19</a:t>
             </a:fld>
             <a:endParaRPr lang="en-US"/>
           </a:p>
@@ -1818,7 +1819,7 @@
           <a:p>
             <a:fld id="{ABB50B84-C221-BA49-B172-B6D4747B1BA4}" type="datetimeFigureOut">
               <a:rPr lang="en-US" smtClean="0"/>
-              <a:t>7/29/19</a:t>
+              <a:t>7/30/19</a:t>
             </a:fld>
             <a:endParaRPr lang="en-US"/>
           </a:p>
@@ -1959,7 +1960,7 @@
           <a:p>
             <a:fld id="{ABB50B84-C221-BA49-B172-B6D4747B1BA4}" type="datetimeFigureOut">
               <a:rPr lang="en-US" smtClean="0"/>
-              <a:t>7/29/19</a:t>
+              <a:t>7/30/19</a:t>
             </a:fld>
             <a:endParaRPr lang="en-US"/>
           </a:p>
@@ -2072,7 +2073,7 @@
           <a:p>
             <a:fld id="{ABB50B84-C221-BA49-B172-B6D4747B1BA4}" type="datetimeFigureOut">
               <a:rPr lang="en-US" smtClean="0"/>
-              <a:t>7/29/19</a:t>
+              <a:t>7/30/19</a:t>
             </a:fld>
             <a:endParaRPr lang="en-US"/>
           </a:p>
@@ -2383,7 +2384,7 @@
           <a:p>
             <a:fld id="{ABB50B84-C221-BA49-B172-B6D4747B1BA4}" type="datetimeFigureOut">
               <a:rPr lang="en-US" smtClean="0"/>
-              <a:t>7/29/19</a:t>
+              <a:t>7/30/19</a:t>
             </a:fld>
             <a:endParaRPr lang="en-US"/>
           </a:p>
@@ -2671,7 +2672,7 @@
           <a:p>
             <a:fld id="{ABB50B84-C221-BA49-B172-B6D4747B1BA4}" type="datetimeFigureOut">
               <a:rPr lang="en-US" smtClean="0"/>
-              <a:t>7/29/19</a:t>
+              <a:t>7/30/19</a:t>
             </a:fld>
             <a:endParaRPr lang="en-US"/>
           </a:p>
@@ -2912,7 +2913,7 @@
           <a:p>
             <a:fld id="{ABB50B84-C221-BA49-B172-B6D4747B1BA4}" type="datetimeFigureOut">
               <a:rPr lang="en-US" smtClean="0"/>
-              <a:t>7/29/19</a:t>
+              <a:t>7/30/19</a:t>
             </a:fld>
             <a:endParaRPr lang="en-US"/>
           </a:p>
@@ -9058,6 +9059,36 @@
 </p:sld>
 </file>
 
+<file path=ppt/slides/slide5.xml><?xml version="1.0" encoding="utf-8"?>
+<p:sld xmlns:a="http://schemas.openxmlformats.org/drawingml/2006/main" xmlns:r="http://schemas.openxmlformats.org/officeDocument/2006/relationships" xmlns:p="http://schemas.openxmlformats.org/presentationml/2006/main">
+  <p:cSld>
+    <p:spTree>
+      <p:nvGrpSpPr>
+        <p:cNvPr id="1" name=""/>
+        <p:cNvGrpSpPr/>
+        <p:nvPr/>
+      </p:nvGrpSpPr>
+      <p:grpSpPr>
+        <a:xfrm>
+          <a:off x="0" y="0"/>
+          <a:ext cx="0" cy="0"/>
+          <a:chOff x="0" y="0"/>
+          <a:chExt cx="0" cy="0"/>
+        </a:xfrm>
+      </p:grpSpPr>
+    </p:spTree>
+    <p:extLst>
+      <p:ext uri="{BB962C8B-B14F-4D97-AF65-F5344CB8AC3E}">
+        <p14:creationId xmlns:p14="http://schemas.microsoft.com/office/powerpoint/2010/main" val="1340345367"/>
+      </p:ext>
+    </p:extLst>
+  </p:cSld>
+  <p:clrMapOvr>
+    <a:masterClrMapping/>
+  </p:clrMapOvr>
+</p:sld>
+</file>
+
 <file path=ppt/theme/theme1.xml><?xml version="1.0" encoding="utf-8"?>
 <a:theme xmlns:a="http://schemas.openxmlformats.org/drawingml/2006/main" name="Office Theme">
   <a:themeElements>

--- a/slides/Figs/images.pptx
+++ b/slides/Figs/images.pptx
@@ -10,6 +10,7 @@
     <p:sldId id="258" r:id="rId4"/>
     <p:sldId id="259" r:id="rId5"/>
     <p:sldId id="260" r:id="rId6"/>
+    <p:sldId id="261" r:id="rId7"/>
   </p:sldIdLst>
   <p:sldSz cx="12192000" cy="6858000"/>
   <p:notesSz cx="6858000" cy="9144000"/>
@@ -263,7 +264,7 @@
           <a:p>
             <a:fld id="{ABB50B84-C221-BA49-B172-B6D4747B1BA4}" type="datetimeFigureOut">
               <a:rPr lang="en-US" smtClean="0"/>
-              <a:t>7/30/19</a:t>
+              <a:t>7/31/19</a:t>
             </a:fld>
             <a:endParaRPr lang="en-US"/>
           </a:p>
@@ -461,7 +462,7 @@
           <a:p>
             <a:fld id="{ABB50B84-C221-BA49-B172-B6D4747B1BA4}" type="datetimeFigureOut">
               <a:rPr lang="en-US" smtClean="0"/>
-              <a:t>7/30/19</a:t>
+              <a:t>7/31/19</a:t>
             </a:fld>
             <a:endParaRPr lang="en-US"/>
           </a:p>
@@ -669,7 +670,7 @@
           <a:p>
             <a:fld id="{ABB50B84-C221-BA49-B172-B6D4747B1BA4}" type="datetimeFigureOut">
               <a:rPr lang="en-US" smtClean="0"/>
-              <a:t>7/30/19</a:t>
+              <a:t>7/31/19</a:t>
             </a:fld>
             <a:endParaRPr lang="en-US"/>
           </a:p>
@@ -867,7 +868,7 @@
           <a:p>
             <a:fld id="{ABB50B84-C221-BA49-B172-B6D4747B1BA4}" type="datetimeFigureOut">
               <a:rPr lang="en-US" smtClean="0"/>
-              <a:t>7/30/19</a:t>
+              <a:t>7/31/19</a:t>
             </a:fld>
             <a:endParaRPr lang="en-US"/>
           </a:p>
@@ -1142,7 +1143,7 @@
           <a:p>
             <a:fld id="{ABB50B84-C221-BA49-B172-B6D4747B1BA4}" type="datetimeFigureOut">
               <a:rPr lang="en-US" smtClean="0"/>
-              <a:t>7/30/19</a:t>
+              <a:t>7/31/19</a:t>
             </a:fld>
             <a:endParaRPr lang="en-US"/>
           </a:p>
@@ -1407,7 +1408,7 @@
           <a:p>
             <a:fld id="{ABB50B84-C221-BA49-B172-B6D4747B1BA4}" type="datetimeFigureOut">
               <a:rPr lang="en-US" smtClean="0"/>
-              <a:t>7/30/19</a:t>
+              <a:t>7/31/19</a:t>
             </a:fld>
             <a:endParaRPr lang="en-US"/>
           </a:p>
@@ -1819,7 +1820,7 @@
           <a:p>
             <a:fld id="{ABB50B84-C221-BA49-B172-B6D4747B1BA4}" type="datetimeFigureOut">
               <a:rPr lang="en-US" smtClean="0"/>
-              <a:t>7/30/19</a:t>
+              <a:t>7/31/19</a:t>
             </a:fld>
             <a:endParaRPr lang="en-US"/>
           </a:p>
@@ -1960,7 +1961,7 @@
           <a:p>
             <a:fld id="{ABB50B84-C221-BA49-B172-B6D4747B1BA4}" type="datetimeFigureOut">
               <a:rPr lang="en-US" smtClean="0"/>
-              <a:t>7/30/19</a:t>
+              <a:t>7/31/19</a:t>
             </a:fld>
             <a:endParaRPr lang="en-US"/>
           </a:p>
@@ -2073,7 +2074,7 @@
           <a:p>
             <a:fld id="{ABB50B84-C221-BA49-B172-B6D4747B1BA4}" type="datetimeFigureOut">
               <a:rPr lang="en-US" smtClean="0"/>
-              <a:t>7/30/19</a:t>
+              <a:t>7/31/19</a:t>
             </a:fld>
             <a:endParaRPr lang="en-US"/>
           </a:p>
@@ -2384,7 +2385,7 @@
           <a:p>
             <a:fld id="{ABB50B84-C221-BA49-B172-B6D4747B1BA4}" type="datetimeFigureOut">
               <a:rPr lang="en-US" smtClean="0"/>
-              <a:t>7/30/19</a:t>
+              <a:t>7/31/19</a:t>
             </a:fld>
             <a:endParaRPr lang="en-US"/>
           </a:p>
@@ -2672,7 +2673,7 @@
           <a:p>
             <a:fld id="{ABB50B84-C221-BA49-B172-B6D4747B1BA4}" type="datetimeFigureOut">
               <a:rPr lang="en-US" smtClean="0"/>
-              <a:t>7/30/19</a:t>
+              <a:t>7/31/19</a:t>
             </a:fld>
             <a:endParaRPr lang="en-US"/>
           </a:p>
@@ -2913,7 +2914,7 @@
           <a:p>
             <a:fld id="{ABB50B84-C221-BA49-B172-B6D4747B1BA4}" type="datetimeFigureOut">
               <a:rPr lang="en-US" smtClean="0"/>
-              <a:t>7/30/19</a:t>
+              <a:t>7/31/19</a:t>
             </a:fld>
             <a:endParaRPr lang="en-US"/>
           </a:p>
@@ -9076,10 +9077,3084 @@
           <a:chExt cx="0" cy="0"/>
         </a:xfrm>
       </p:grpSpPr>
+      <p:sp>
+        <p:nvSpPr>
+          <p:cNvPr id="2" name="Rounded Rectangle 1">
+            <a:extLst>
+              <a:ext uri="{FF2B5EF4-FFF2-40B4-BE49-F238E27FC236}">
+                <a16:creationId xmlns:a16="http://schemas.microsoft.com/office/drawing/2014/main" id="{DCC1E156-DAB1-B74B-98CF-6C34E927154D}"/>
+              </a:ext>
+            </a:extLst>
+          </p:cNvPr>
+          <p:cNvSpPr/>
+          <p:nvPr/>
+        </p:nvSpPr>
+        <p:spPr>
+          <a:xfrm>
+            <a:off x="6579450" y="1422754"/>
+            <a:ext cx="2370039" cy="2270482"/>
+          </a:xfrm>
+          <a:prstGeom prst="roundRect">
+            <a:avLst/>
+          </a:prstGeom>
+          <a:noFill/>
+          <a:ln w="38100">
+            <a:solidFill>
+              <a:schemeClr val="accent1"/>
+            </a:solidFill>
+          </a:ln>
+        </p:spPr>
+        <p:style>
+          <a:lnRef idx="2">
+            <a:schemeClr val="accent1">
+              <a:shade val="50000"/>
+            </a:schemeClr>
+          </a:lnRef>
+          <a:fillRef idx="1">
+            <a:schemeClr val="accent1"/>
+          </a:fillRef>
+          <a:effectRef idx="0">
+            <a:schemeClr val="accent1"/>
+          </a:effectRef>
+          <a:fontRef idx="minor">
+            <a:schemeClr val="lt1"/>
+          </a:fontRef>
+        </p:style>
+        <p:txBody>
+          <a:bodyPr rtlCol="0" anchor="ctr"/>
+          <a:lstStyle/>
+          <a:p>
+            <a:pPr algn="ctr"/>
+            <a:endParaRPr lang="en-US"/>
+          </a:p>
+        </p:txBody>
+      </p:sp>
+      <p:sp>
+        <p:nvSpPr>
+          <p:cNvPr id="3" name="TextBox 2">
+            <a:extLst>
+              <a:ext uri="{FF2B5EF4-FFF2-40B4-BE49-F238E27FC236}">
+                <a16:creationId xmlns:a16="http://schemas.microsoft.com/office/drawing/2014/main" id="{E3A69EAC-D755-C447-B9F2-89F42FFE8C9B}"/>
+              </a:ext>
+            </a:extLst>
+          </p:cNvPr>
+          <p:cNvSpPr txBox="1"/>
+          <p:nvPr/>
+        </p:nvSpPr>
+        <p:spPr>
+          <a:xfrm>
+            <a:off x="6439920" y="5564462"/>
+            <a:ext cx="2674835" cy="369332"/>
+          </a:xfrm>
+          <a:prstGeom prst="rect">
+            <a:avLst/>
+          </a:prstGeom>
+          <a:noFill/>
+        </p:spPr>
+        <p:txBody>
+          <a:bodyPr wrap="none" rtlCol="0">
+            <a:spAutoFit/>
+          </a:bodyPr>
+          <a:lstStyle/>
+          <a:p>
+            <a:pPr algn="ctr"/>
+            <a:r>
+              <a:rPr lang="en-US" altLang="ja-JP" dirty="0"/>
+              <a:t>Cloud</a:t>
+            </a:r>
+            <a:r>
+              <a:rPr lang="ja-JP" altLang="en-US" dirty="0"/>
+              <a:t> </a:t>
+            </a:r>
+            <a:r>
+              <a:rPr lang="en-US" altLang="ja-JP" dirty="0"/>
+              <a:t>platform (e.g., AWS)</a:t>
+            </a:r>
+            <a:endParaRPr lang="en-US" dirty="0"/>
+          </a:p>
+        </p:txBody>
+      </p:sp>
+      <p:pic>
+        <p:nvPicPr>
+          <p:cNvPr id="4" name="Picture 3">
+            <a:extLst>
+              <a:ext uri="{FF2B5EF4-FFF2-40B4-BE49-F238E27FC236}">
+                <a16:creationId xmlns:a16="http://schemas.microsoft.com/office/drawing/2014/main" id="{DAE6D77A-4240-E446-B651-51CB81DE0365}"/>
+              </a:ext>
+            </a:extLst>
+          </p:cNvPr>
+          <p:cNvPicPr>
+            <a:picLocks noChangeAspect="1"/>
+          </p:cNvPicPr>
+          <p:nvPr/>
+        </p:nvPicPr>
+        <p:blipFill>
+          <a:blip r:embed="rId2">
+            <a:extLst>
+              <a:ext uri="{28A0092B-C50C-407E-A947-70E740481C1C}">
+                <a14:useLocalDpi xmlns:a14="http://schemas.microsoft.com/office/drawing/2010/main" val="0"/>
+              </a:ext>
+            </a:extLst>
+          </a:blip>
+          <a:stretch>
+            <a:fillRect/>
+          </a:stretch>
+        </p:blipFill>
+        <p:spPr>
+          <a:xfrm>
+            <a:off x="6911240" y="1983052"/>
+            <a:ext cx="521366" cy="625640"/>
+          </a:xfrm>
+          <a:prstGeom prst="rect">
+            <a:avLst/>
+          </a:prstGeom>
+        </p:spPr>
+      </p:pic>
+      <p:sp>
+        <p:nvSpPr>
+          <p:cNvPr id="5" name="TextBox 4">
+            <a:extLst>
+              <a:ext uri="{FF2B5EF4-FFF2-40B4-BE49-F238E27FC236}">
+                <a16:creationId xmlns:a16="http://schemas.microsoft.com/office/drawing/2014/main" id="{F767A5BC-C975-B446-B1FE-37FF9F2E4B99}"/>
+              </a:ext>
+            </a:extLst>
+          </p:cNvPr>
+          <p:cNvSpPr txBox="1"/>
+          <p:nvPr/>
+        </p:nvSpPr>
+        <p:spPr>
+          <a:xfrm>
+            <a:off x="6724547" y="2653851"/>
+            <a:ext cx="894752" cy="155632"/>
+          </a:xfrm>
+          <a:prstGeom prst="rect">
+            <a:avLst/>
+          </a:prstGeom>
+          <a:noFill/>
+        </p:spPr>
+        <p:txBody>
+          <a:bodyPr wrap="square" lIns="0" tIns="0" rIns="0" bIns="0" rtlCol="0" anchor="t">
+            <a:noAutofit/>
+          </a:bodyPr>
+          <a:lstStyle/>
+          <a:p>
+            <a:pPr algn="ctr"/>
+            <a:r>
+              <a:rPr lang="en-US" sz="1000" b="1" dirty="0"/>
+              <a:t>Amazon API Gateway*</a:t>
+            </a:r>
+            <a:endParaRPr lang="en-US" b="1" dirty="0"/>
+          </a:p>
+        </p:txBody>
+      </p:sp>
+      <p:sp>
+        <p:nvSpPr>
+          <p:cNvPr id="6" name="TextBox 5">
+            <a:extLst>
+              <a:ext uri="{FF2B5EF4-FFF2-40B4-BE49-F238E27FC236}">
+                <a16:creationId xmlns:a16="http://schemas.microsoft.com/office/drawing/2014/main" id="{B7017FEE-3B6D-9A42-99CC-4F2A4868752B}"/>
+              </a:ext>
+            </a:extLst>
+          </p:cNvPr>
+          <p:cNvSpPr txBox="1"/>
+          <p:nvPr/>
+        </p:nvSpPr>
+        <p:spPr>
+          <a:xfrm>
+            <a:off x="8240983" y="4951275"/>
+            <a:ext cx="768159" cy="338554"/>
+          </a:xfrm>
+          <a:prstGeom prst="rect">
+            <a:avLst/>
+          </a:prstGeom>
+          <a:noFill/>
+        </p:spPr>
+        <p:txBody>
+          <a:bodyPr wrap="none" rtlCol="0">
+            <a:spAutoFit/>
+          </a:bodyPr>
+          <a:lstStyle/>
+          <a:p>
+            <a:pPr algn="ctr"/>
+            <a:r>
+              <a:rPr lang="en-US" sz="800" b="1" dirty="0">
+                <a:latin typeface="Helvetica Neue"/>
+                <a:cs typeface="Helvetica Neue"/>
+              </a:rPr>
+              <a:t>Amazon S3 </a:t>
+            </a:r>
+            <a:br>
+              <a:rPr lang="en-US" sz="800" b="1" dirty="0">
+                <a:latin typeface="Helvetica Neue"/>
+                <a:cs typeface="Helvetica Neue"/>
+              </a:rPr>
+            </a:br>
+            <a:r>
+              <a:rPr lang="en-US" sz="800" b="1" dirty="0">
+                <a:latin typeface="Helvetica Neue"/>
+                <a:cs typeface="Helvetica Neue"/>
+              </a:rPr>
+              <a:t>bucket</a:t>
+            </a:r>
+          </a:p>
+        </p:txBody>
+      </p:sp>
+      <p:pic>
+        <p:nvPicPr>
+          <p:cNvPr id="7" name="Picture 6">
+            <a:extLst>
+              <a:ext uri="{FF2B5EF4-FFF2-40B4-BE49-F238E27FC236}">
+                <a16:creationId xmlns:a16="http://schemas.microsoft.com/office/drawing/2014/main" id="{AAF31200-29C0-D848-9032-48E29A2713C8}"/>
+              </a:ext>
+            </a:extLst>
+          </p:cNvPr>
+          <p:cNvPicPr>
+            <a:picLocks noChangeAspect="1"/>
+          </p:cNvPicPr>
+          <p:nvPr/>
+        </p:nvPicPr>
+        <p:blipFill>
+          <a:blip r:embed="rId3">
+            <a:extLst>
+              <a:ext uri="{28A0092B-C50C-407E-A947-70E740481C1C}">
+                <a14:useLocalDpi xmlns:a14="http://schemas.microsoft.com/office/drawing/2010/main" val="0"/>
+              </a:ext>
+            </a:extLst>
+          </a:blip>
+          <a:stretch>
+            <a:fillRect/>
+          </a:stretch>
+        </p:blipFill>
+        <p:spPr>
+          <a:xfrm>
+            <a:off x="8370616" y="4446059"/>
+            <a:ext cx="468336" cy="485681"/>
+          </a:xfrm>
+          <a:prstGeom prst="rect">
+            <a:avLst/>
+          </a:prstGeom>
+        </p:spPr>
+      </p:pic>
+      <p:pic>
+        <p:nvPicPr>
+          <p:cNvPr id="9" name="Picture 8">
+            <a:extLst>
+              <a:ext uri="{FF2B5EF4-FFF2-40B4-BE49-F238E27FC236}">
+                <a16:creationId xmlns:a16="http://schemas.microsoft.com/office/drawing/2014/main" id="{00BC64A1-0829-AB48-9E9B-F9CE81C1F80D}"/>
+              </a:ext>
+            </a:extLst>
+          </p:cNvPr>
+          <p:cNvPicPr>
+            <a:picLocks noChangeAspect="1"/>
+          </p:cNvPicPr>
+          <p:nvPr/>
+        </p:nvPicPr>
+        <p:blipFill>
+          <a:blip r:embed="rId4">
+            <a:extLst>
+              <a:ext uri="{28A0092B-C50C-407E-A947-70E740481C1C}">
+                <a14:useLocalDpi xmlns:a14="http://schemas.microsoft.com/office/drawing/2010/main" val="0"/>
+              </a:ext>
+            </a:extLst>
+          </a:blip>
+          <a:stretch>
+            <a:fillRect/>
+          </a:stretch>
+        </p:blipFill>
+        <p:spPr>
+          <a:xfrm>
+            <a:off x="3553503" y="3811106"/>
+            <a:ext cx="659718" cy="759675"/>
+          </a:xfrm>
+          <a:prstGeom prst="rect">
+            <a:avLst/>
+          </a:prstGeom>
+        </p:spPr>
+      </p:pic>
+      <p:pic>
+        <p:nvPicPr>
+          <p:cNvPr id="12" name="Picture 11">
+            <a:extLst>
+              <a:ext uri="{FF2B5EF4-FFF2-40B4-BE49-F238E27FC236}">
+                <a16:creationId xmlns:a16="http://schemas.microsoft.com/office/drawing/2014/main" id="{8E6CFC56-96E3-7945-9816-A66BA4BBCE47}"/>
+              </a:ext>
+            </a:extLst>
+          </p:cNvPr>
+          <p:cNvPicPr>
+            <a:picLocks noChangeAspect="1"/>
+          </p:cNvPicPr>
+          <p:nvPr/>
+        </p:nvPicPr>
+        <p:blipFill>
+          <a:blip r:embed="rId5">
+            <a:extLst>
+              <a:ext uri="{28A0092B-C50C-407E-A947-70E740481C1C}">
+                <a14:useLocalDpi xmlns:a14="http://schemas.microsoft.com/office/drawing/2010/main" val="0"/>
+              </a:ext>
+            </a:extLst>
+          </a:blip>
+          <a:stretch>
+            <a:fillRect/>
+          </a:stretch>
+        </p:blipFill>
+        <p:spPr>
+          <a:xfrm>
+            <a:off x="7611690" y="2572001"/>
+            <a:ext cx="544781" cy="653737"/>
+          </a:xfrm>
+          <a:prstGeom prst="rect">
+            <a:avLst/>
+          </a:prstGeom>
+        </p:spPr>
+      </p:pic>
+      <p:sp>
+        <p:nvSpPr>
+          <p:cNvPr id="13" name="TextBox 12">
+            <a:extLst>
+              <a:ext uri="{FF2B5EF4-FFF2-40B4-BE49-F238E27FC236}">
+                <a16:creationId xmlns:a16="http://schemas.microsoft.com/office/drawing/2014/main" id="{EDD82006-4796-6448-994A-2D90AE0E58B5}"/>
+              </a:ext>
+            </a:extLst>
+          </p:cNvPr>
+          <p:cNvSpPr txBox="1"/>
+          <p:nvPr/>
+        </p:nvSpPr>
+        <p:spPr>
+          <a:xfrm>
+            <a:off x="7471577" y="3252925"/>
+            <a:ext cx="825006" cy="155632"/>
+          </a:xfrm>
+          <a:prstGeom prst="rect">
+            <a:avLst/>
+          </a:prstGeom>
+          <a:noFill/>
+        </p:spPr>
+        <p:txBody>
+          <a:bodyPr wrap="square" lIns="0" tIns="0" rIns="0" bIns="0" rtlCol="0" anchor="t">
+            <a:noAutofit/>
+          </a:bodyPr>
+          <a:lstStyle/>
+          <a:p>
+            <a:pPr algn="ctr"/>
+            <a:r>
+              <a:rPr lang="en-US" sz="1000" b="1" dirty="0"/>
+              <a:t>AWS</a:t>
+            </a:r>
+          </a:p>
+          <a:p>
+            <a:pPr algn="ctr"/>
+            <a:r>
+              <a:rPr lang="en-US" sz="1000" b="1" dirty="0"/>
+              <a:t>Lambda</a:t>
+            </a:r>
+          </a:p>
+        </p:txBody>
+      </p:sp>
+      <p:sp>
+        <p:nvSpPr>
+          <p:cNvPr id="14" name="Rounded Rectangle 13">
+            <a:extLst>
+              <a:ext uri="{FF2B5EF4-FFF2-40B4-BE49-F238E27FC236}">
+                <a16:creationId xmlns:a16="http://schemas.microsoft.com/office/drawing/2014/main" id="{3410DA65-424E-EB43-BF7F-CD6C04A241C2}"/>
+              </a:ext>
+            </a:extLst>
+          </p:cNvPr>
+          <p:cNvSpPr/>
+          <p:nvPr/>
+        </p:nvSpPr>
+        <p:spPr>
+          <a:xfrm>
+            <a:off x="6579450" y="3972466"/>
+            <a:ext cx="2370040" cy="1602316"/>
+          </a:xfrm>
+          <a:prstGeom prst="roundRect">
+            <a:avLst/>
+          </a:prstGeom>
+          <a:noFill/>
+          <a:ln w="38100">
+            <a:solidFill>
+              <a:srgbClr val="FFC000"/>
+            </a:solidFill>
+          </a:ln>
+        </p:spPr>
+        <p:style>
+          <a:lnRef idx="2">
+            <a:schemeClr val="accent1">
+              <a:shade val="50000"/>
+            </a:schemeClr>
+          </a:lnRef>
+          <a:fillRef idx="1">
+            <a:schemeClr val="accent1"/>
+          </a:fillRef>
+          <a:effectRef idx="0">
+            <a:schemeClr val="accent1"/>
+          </a:effectRef>
+          <a:fontRef idx="minor">
+            <a:schemeClr val="lt1"/>
+          </a:fontRef>
+        </p:style>
+        <p:txBody>
+          <a:bodyPr rtlCol="0" anchor="ctr"/>
+          <a:lstStyle/>
+          <a:p>
+            <a:pPr algn="ctr"/>
+            <a:endParaRPr lang="en-US"/>
+          </a:p>
+        </p:txBody>
+      </p:sp>
+      <p:pic>
+        <p:nvPicPr>
+          <p:cNvPr id="15" name="Picture 14">
+            <a:extLst>
+              <a:ext uri="{FF2B5EF4-FFF2-40B4-BE49-F238E27FC236}">
+                <a16:creationId xmlns:a16="http://schemas.microsoft.com/office/drawing/2014/main" id="{F82BFBCD-3FAB-2B48-A279-CC9D2DC994C6}"/>
+              </a:ext>
+            </a:extLst>
+          </p:cNvPr>
+          <p:cNvPicPr>
+            <a:picLocks noChangeAspect="1"/>
+          </p:cNvPicPr>
+          <p:nvPr/>
+        </p:nvPicPr>
+        <p:blipFill>
+          <a:blip r:embed="rId6">
+            <a:extLst>
+              <a:ext uri="{28A0092B-C50C-407E-A947-70E740481C1C}">
+                <a14:useLocalDpi xmlns:a14="http://schemas.microsoft.com/office/drawing/2010/main" val="0"/>
+              </a:ext>
+            </a:extLst>
+          </a:blip>
+          <a:stretch>
+            <a:fillRect/>
+          </a:stretch>
+        </p:blipFill>
+        <p:spPr>
+          <a:xfrm>
+            <a:off x="6970893" y="4390526"/>
+            <a:ext cx="544780" cy="653098"/>
+          </a:xfrm>
+          <a:prstGeom prst="rect">
+            <a:avLst/>
+          </a:prstGeom>
+        </p:spPr>
+      </p:pic>
+      <p:sp>
+        <p:nvSpPr>
+          <p:cNvPr id="16" name="TextBox 15">
+            <a:extLst>
+              <a:ext uri="{FF2B5EF4-FFF2-40B4-BE49-F238E27FC236}">
+                <a16:creationId xmlns:a16="http://schemas.microsoft.com/office/drawing/2014/main" id="{8D5BC445-23E5-9B4E-A605-0F6368AA5949}"/>
+              </a:ext>
+            </a:extLst>
+          </p:cNvPr>
+          <p:cNvSpPr txBox="1"/>
+          <p:nvPr/>
+        </p:nvSpPr>
+        <p:spPr>
+          <a:xfrm>
+            <a:off x="6877523" y="5070458"/>
+            <a:ext cx="731520" cy="155632"/>
+          </a:xfrm>
+          <a:prstGeom prst="rect">
+            <a:avLst/>
+          </a:prstGeom>
+          <a:noFill/>
+        </p:spPr>
+        <p:txBody>
+          <a:bodyPr wrap="square" lIns="0" tIns="0" rIns="0" bIns="0" rtlCol="0" anchor="t">
+            <a:noAutofit/>
+          </a:bodyPr>
+          <a:lstStyle/>
+          <a:p>
+            <a:pPr algn="ctr"/>
+            <a:r>
+              <a:rPr lang="en-US" sz="1000" b="1" dirty="0"/>
+              <a:t>Amazon </a:t>
+            </a:r>
+            <a:r>
+              <a:rPr lang="en-US" sz="1000" b="1" dirty="0" err="1"/>
+              <a:t>CloudFront</a:t>
+            </a:r>
+            <a:endParaRPr lang="en-US" b="1" dirty="0"/>
+          </a:p>
+        </p:txBody>
+      </p:sp>
+      <p:pic>
+        <p:nvPicPr>
+          <p:cNvPr id="17" name="Picture 16">
+            <a:extLst>
+              <a:ext uri="{FF2B5EF4-FFF2-40B4-BE49-F238E27FC236}">
+                <a16:creationId xmlns:a16="http://schemas.microsoft.com/office/drawing/2014/main" id="{C0F6C861-2402-214C-AEE8-8193DE13E21A}"/>
+              </a:ext>
+            </a:extLst>
+          </p:cNvPr>
+          <p:cNvPicPr>
+            <a:picLocks noChangeAspect="1"/>
+          </p:cNvPicPr>
+          <p:nvPr/>
+        </p:nvPicPr>
+        <p:blipFill>
+          <a:blip r:embed="rId7">
+            <a:extLst>
+              <a:ext uri="{28A0092B-C50C-407E-A947-70E740481C1C}">
+                <a14:useLocalDpi xmlns:a14="http://schemas.microsoft.com/office/drawing/2010/main" val="0"/>
+              </a:ext>
+            </a:extLst>
+          </a:blip>
+          <a:stretch>
+            <a:fillRect/>
+          </a:stretch>
+        </p:blipFill>
+        <p:spPr>
+          <a:xfrm>
+            <a:off x="7628804" y="1484182"/>
+            <a:ext cx="543466" cy="601994"/>
+          </a:xfrm>
+          <a:prstGeom prst="rect">
+            <a:avLst/>
+          </a:prstGeom>
+        </p:spPr>
+      </p:pic>
+      <p:sp>
+        <p:nvSpPr>
+          <p:cNvPr id="18" name="TextBox 17">
+            <a:extLst>
+              <a:ext uri="{FF2B5EF4-FFF2-40B4-BE49-F238E27FC236}">
+                <a16:creationId xmlns:a16="http://schemas.microsoft.com/office/drawing/2014/main" id="{210C11D5-D235-864A-94CE-29D88786B8D7}"/>
+              </a:ext>
+            </a:extLst>
+          </p:cNvPr>
+          <p:cNvSpPr txBox="1"/>
+          <p:nvPr/>
+        </p:nvSpPr>
+        <p:spPr>
+          <a:xfrm>
+            <a:off x="7453162" y="2134585"/>
+            <a:ext cx="894752" cy="155632"/>
+          </a:xfrm>
+          <a:prstGeom prst="rect">
+            <a:avLst/>
+          </a:prstGeom>
+          <a:noFill/>
+        </p:spPr>
+        <p:txBody>
+          <a:bodyPr wrap="square" lIns="0" tIns="0" rIns="0" bIns="0" rtlCol="0" anchor="t">
+            <a:noAutofit/>
+          </a:bodyPr>
+          <a:lstStyle/>
+          <a:p>
+            <a:pPr algn="ctr"/>
+            <a:r>
+              <a:rPr lang="en-US" sz="1000" b="1" dirty="0"/>
+              <a:t>Amazon</a:t>
+            </a:r>
+            <a:br>
+              <a:rPr lang="en-US" sz="1000" b="1" dirty="0"/>
+            </a:br>
+            <a:r>
+              <a:rPr lang="en-US" sz="1000" b="1" dirty="0" err="1"/>
+              <a:t>DynamoDB</a:t>
+            </a:r>
+            <a:endParaRPr lang="en-US" b="1" dirty="0"/>
+          </a:p>
+        </p:txBody>
+      </p:sp>
+      <p:sp>
+        <p:nvSpPr>
+          <p:cNvPr id="19" name="TextBox 18">
+            <a:extLst>
+              <a:ext uri="{FF2B5EF4-FFF2-40B4-BE49-F238E27FC236}">
+                <a16:creationId xmlns:a16="http://schemas.microsoft.com/office/drawing/2014/main" id="{C9E3CA39-2C94-8F47-A5BC-144B6651FB81}"/>
+              </a:ext>
+            </a:extLst>
+          </p:cNvPr>
+          <p:cNvSpPr txBox="1"/>
+          <p:nvPr/>
+        </p:nvSpPr>
+        <p:spPr>
+          <a:xfrm>
+            <a:off x="8200299" y="2746632"/>
+            <a:ext cx="768159" cy="338554"/>
+          </a:xfrm>
+          <a:prstGeom prst="rect">
+            <a:avLst/>
+          </a:prstGeom>
+          <a:noFill/>
+        </p:spPr>
+        <p:txBody>
+          <a:bodyPr wrap="none" rtlCol="0">
+            <a:spAutoFit/>
+          </a:bodyPr>
+          <a:lstStyle/>
+          <a:p>
+            <a:pPr algn="ctr"/>
+            <a:r>
+              <a:rPr lang="en-US" sz="800" b="1" dirty="0">
+                <a:latin typeface="Helvetica Neue"/>
+                <a:cs typeface="Helvetica Neue"/>
+              </a:rPr>
+              <a:t>Amazon S3 </a:t>
+            </a:r>
+            <a:br>
+              <a:rPr lang="en-US" sz="800" b="1" dirty="0">
+                <a:latin typeface="Helvetica Neue"/>
+                <a:cs typeface="Helvetica Neue"/>
+              </a:rPr>
+            </a:br>
+            <a:r>
+              <a:rPr lang="en-US" sz="800" b="1" dirty="0">
+                <a:latin typeface="Helvetica Neue"/>
+                <a:cs typeface="Helvetica Neue"/>
+              </a:rPr>
+              <a:t>bucket</a:t>
+            </a:r>
+          </a:p>
+        </p:txBody>
+      </p:sp>
+      <p:pic>
+        <p:nvPicPr>
+          <p:cNvPr id="20" name="Picture 19">
+            <a:extLst>
+              <a:ext uri="{FF2B5EF4-FFF2-40B4-BE49-F238E27FC236}">
+                <a16:creationId xmlns:a16="http://schemas.microsoft.com/office/drawing/2014/main" id="{CF44E80D-AFD4-3446-A5EF-336CA30BBB98}"/>
+              </a:ext>
+            </a:extLst>
+          </p:cNvPr>
+          <p:cNvPicPr>
+            <a:picLocks noChangeAspect="1"/>
+          </p:cNvPicPr>
+          <p:nvPr/>
+        </p:nvPicPr>
+        <p:blipFill>
+          <a:blip r:embed="rId3">
+            <a:extLst>
+              <a:ext uri="{28A0092B-C50C-407E-A947-70E740481C1C}">
+                <a14:useLocalDpi xmlns:a14="http://schemas.microsoft.com/office/drawing/2010/main" val="0"/>
+              </a:ext>
+            </a:extLst>
+          </a:blip>
+          <a:stretch>
+            <a:fillRect/>
+          </a:stretch>
+        </p:blipFill>
+        <p:spPr>
+          <a:xfrm>
+            <a:off x="8329932" y="2241416"/>
+            <a:ext cx="468336" cy="485681"/>
+          </a:xfrm>
+          <a:prstGeom prst="rect">
+            <a:avLst/>
+          </a:prstGeom>
+        </p:spPr>
+      </p:pic>
+      <p:cxnSp>
+        <p:nvCxnSpPr>
+          <p:cNvPr id="25" name="直線矢印コネクタ 3">
+            <a:extLst>
+              <a:ext uri="{FF2B5EF4-FFF2-40B4-BE49-F238E27FC236}">
+                <a16:creationId xmlns:a16="http://schemas.microsoft.com/office/drawing/2014/main" id="{2374313C-66CC-EE49-A40B-1DF4080C2B08}"/>
+              </a:ext>
+            </a:extLst>
+          </p:cNvPr>
+          <p:cNvCxnSpPr>
+            <a:cxnSpLocks/>
+            <a:stCxn id="15" idx="1"/>
+            <a:endCxn id="27" idx="3"/>
+          </p:cNvCxnSpPr>
+          <p:nvPr/>
+        </p:nvCxnSpPr>
+        <p:spPr>
+          <a:xfrm flipH="1">
+            <a:off x="3959158" y="4717075"/>
+            <a:ext cx="3011735" cy="359264"/>
+          </a:xfrm>
+          <a:prstGeom prst="straightConnector1">
+            <a:avLst/>
+          </a:prstGeom>
+          <a:ln w="38100">
+            <a:solidFill>
+              <a:schemeClr val="tx1"/>
+            </a:solidFill>
+            <a:headEnd type="none" w="med" len="med"/>
+            <a:tailEnd type="none" w="med" len="med"/>
+          </a:ln>
+        </p:spPr>
+        <p:style>
+          <a:lnRef idx="1">
+            <a:schemeClr val="accent1"/>
+          </a:lnRef>
+          <a:fillRef idx="0">
+            <a:schemeClr val="accent1"/>
+          </a:fillRef>
+          <a:effectRef idx="0">
+            <a:schemeClr val="accent1"/>
+          </a:effectRef>
+          <a:fontRef idx="minor">
+            <a:schemeClr val="tx1"/>
+          </a:fontRef>
+        </p:style>
+      </p:cxnSp>
+      <p:pic>
+        <p:nvPicPr>
+          <p:cNvPr id="27" name="図 12">
+            <a:extLst>
+              <a:ext uri="{FF2B5EF4-FFF2-40B4-BE49-F238E27FC236}">
+                <a16:creationId xmlns:a16="http://schemas.microsoft.com/office/drawing/2014/main" id="{17C4C87B-7AC8-2745-88C5-BBD3B65CDB94}"/>
+              </a:ext>
+            </a:extLst>
+          </p:cNvPr>
+          <p:cNvPicPr>
+            <a:picLocks noChangeAspect="1"/>
+          </p:cNvPicPr>
+          <p:nvPr/>
+        </p:nvPicPr>
+        <p:blipFill>
+          <a:blip r:embed="rId8"/>
+          <a:stretch>
+            <a:fillRect/>
+          </a:stretch>
+        </p:blipFill>
+        <p:spPr>
+          <a:xfrm>
+            <a:off x="2828659" y="4698984"/>
+            <a:ext cx="1130499" cy="754710"/>
+          </a:xfrm>
+          <a:prstGeom prst="rect">
+            <a:avLst/>
+          </a:prstGeom>
+        </p:spPr>
+      </p:pic>
+      <p:cxnSp>
+        <p:nvCxnSpPr>
+          <p:cNvPr id="28" name="直線矢印コネクタ 36">
+            <a:extLst>
+              <a:ext uri="{FF2B5EF4-FFF2-40B4-BE49-F238E27FC236}">
+                <a16:creationId xmlns:a16="http://schemas.microsoft.com/office/drawing/2014/main" id="{77A7D8A3-DA24-9540-B626-B2749029DDB5}"/>
+              </a:ext>
+            </a:extLst>
+          </p:cNvPr>
+          <p:cNvCxnSpPr>
+            <a:cxnSpLocks/>
+            <a:stCxn id="27" idx="3"/>
+            <a:endCxn id="4" idx="1"/>
+          </p:cNvCxnSpPr>
+          <p:nvPr/>
+        </p:nvCxnSpPr>
+        <p:spPr>
+          <a:xfrm flipV="1">
+            <a:off x="3959158" y="2295872"/>
+            <a:ext cx="2952082" cy="2780467"/>
+          </a:xfrm>
+          <a:prstGeom prst="straightConnector1">
+            <a:avLst/>
+          </a:prstGeom>
+          <a:ln w="38100">
+            <a:solidFill>
+              <a:schemeClr val="tx1"/>
+            </a:solidFill>
+            <a:headEnd type="none" w="med" len="med"/>
+            <a:tailEnd type="none" w="med" len="med"/>
+          </a:ln>
+        </p:spPr>
+        <p:style>
+          <a:lnRef idx="1">
+            <a:schemeClr val="accent1"/>
+          </a:lnRef>
+          <a:fillRef idx="0">
+            <a:schemeClr val="accent1"/>
+          </a:fillRef>
+          <a:effectRef idx="0">
+            <a:schemeClr val="accent1"/>
+          </a:effectRef>
+          <a:fontRef idx="minor">
+            <a:schemeClr val="tx1"/>
+          </a:fontRef>
+        </p:style>
+      </p:cxnSp>
+      <p:sp>
+        <p:nvSpPr>
+          <p:cNvPr id="39" name="テキスト ボックス 77">
+            <a:extLst>
+              <a:ext uri="{FF2B5EF4-FFF2-40B4-BE49-F238E27FC236}">
+                <a16:creationId xmlns:a16="http://schemas.microsoft.com/office/drawing/2014/main" id="{A823E4D1-5EE4-6742-87A8-FA7F2F08B6B0}"/>
+              </a:ext>
+            </a:extLst>
+          </p:cNvPr>
+          <p:cNvSpPr txBox="1"/>
+          <p:nvPr/>
+        </p:nvSpPr>
+        <p:spPr>
+          <a:xfrm>
+            <a:off x="6439920" y="3795072"/>
+            <a:ext cx="1041952" cy="369332"/>
+          </a:xfrm>
+          <a:prstGeom prst="rect">
+            <a:avLst/>
+          </a:prstGeom>
+          <a:solidFill>
+            <a:schemeClr val="bg1"/>
+          </a:solidFill>
+        </p:spPr>
+        <p:txBody>
+          <a:bodyPr wrap="none" rtlCol="0">
+            <a:spAutoFit/>
+          </a:bodyPr>
+          <a:lstStyle/>
+          <a:p>
+            <a:r>
+              <a:rPr kumimoji="1" lang="en-US" altLang="ja-JP" dirty="0"/>
+              <a:t>Frontend</a:t>
+            </a:r>
+            <a:endParaRPr kumimoji="1" lang="ja-JP" altLang="en-US" dirty="0"/>
+          </a:p>
+        </p:txBody>
+      </p:sp>
+      <p:sp>
+        <p:nvSpPr>
+          <p:cNvPr id="40" name="テキスト ボックス 80">
+            <a:extLst>
+              <a:ext uri="{FF2B5EF4-FFF2-40B4-BE49-F238E27FC236}">
+                <a16:creationId xmlns:a16="http://schemas.microsoft.com/office/drawing/2014/main" id="{FAFAF5B1-37D3-B34F-883E-DE89F2EE9D04}"/>
+              </a:ext>
+            </a:extLst>
+          </p:cNvPr>
+          <p:cNvSpPr txBox="1"/>
+          <p:nvPr/>
+        </p:nvSpPr>
+        <p:spPr>
+          <a:xfrm>
+            <a:off x="6518674" y="1265932"/>
+            <a:ext cx="973921" cy="369332"/>
+          </a:xfrm>
+          <a:prstGeom prst="rect">
+            <a:avLst/>
+          </a:prstGeom>
+          <a:solidFill>
+            <a:schemeClr val="bg1"/>
+          </a:solidFill>
+        </p:spPr>
+        <p:txBody>
+          <a:bodyPr wrap="none" rtlCol="0">
+            <a:spAutoFit/>
+          </a:bodyPr>
+          <a:lstStyle/>
+          <a:p>
+            <a:r>
+              <a:rPr kumimoji="1" lang="en-US" altLang="ja-JP" dirty="0"/>
+              <a:t>Backend</a:t>
+            </a:r>
+            <a:endParaRPr kumimoji="1" lang="ja-JP" altLang="en-US" dirty="0"/>
+          </a:p>
+        </p:txBody>
+      </p:sp>
+      <p:sp>
+        <p:nvSpPr>
+          <p:cNvPr id="41" name="TextBox 40">
+            <a:extLst>
+              <a:ext uri="{FF2B5EF4-FFF2-40B4-BE49-F238E27FC236}">
+                <a16:creationId xmlns:a16="http://schemas.microsoft.com/office/drawing/2014/main" id="{6913B823-9E11-5247-9C56-0A51EF0D5622}"/>
+              </a:ext>
+            </a:extLst>
+          </p:cNvPr>
+          <p:cNvSpPr txBox="1"/>
+          <p:nvPr/>
+        </p:nvSpPr>
+        <p:spPr>
+          <a:xfrm>
+            <a:off x="2602795" y="5396105"/>
+            <a:ext cx="1582228" cy="369332"/>
+          </a:xfrm>
+          <a:prstGeom prst="rect">
+            <a:avLst/>
+          </a:prstGeom>
+          <a:noFill/>
+        </p:spPr>
+        <p:txBody>
+          <a:bodyPr wrap="none" rtlCol="0">
+            <a:spAutoFit/>
+          </a:bodyPr>
+          <a:lstStyle/>
+          <a:p>
+            <a:r>
+              <a:rPr lang="en-US" dirty="0"/>
+              <a:t>User (Browser)</a:t>
+            </a:r>
+          </a:p>
+        </p:txBody>
+      </p:sp>
+      <p:pic>
+        <p:nvPicPr>
+          <p:cNvPr id="50" name="図 12">
+            <a:extLst>
+              <a:ext uri="{FF2B5EF4-FFF2-40B4-BE49-F238E27FC236}">
+                <a16:creationId xmlns:a16="http://schemas.microsoft.com/office/drawing/2014/main" id="{12143ED7-1465-5E4D-8054-42550A815C13}"/>
+              </a:ext>
+            </a:extLst>
+          </p:cNvPr>
+          <p:cNvPicPr>
+            <a:picLocks noChangeAspect="1"/>
+          </p:cNvPicPr>
+          <p:nvPr/>
+        </p:nvPicPr>
+        <p:blipFill>
+          <a:blip r:embed="rId8"/>
+          <a:stretch>
+            <a:fillRect/>
+          </a:stretch>
+        </p:blipFill>
+        <p:spPr>
+          <a:xfrm>
+            <a:off x="2863401" y="1064262"/>
+            <a:ext cx="1130499" cy="754710"/>
+          </a:xfrm>
+          <a:prstGeom prst="rect">
+            <a:avLst/>
+          </a:prstGeom>
+        </p:spPr>
+      </p:pic>
+      <p:sp>
+        <p:nvSpPr>
+          <p:cNvPr id="51" name="TextBox 50">
+            <a:extLst>
+              <a:ext uri="{FF2B5EF4-FFF2-40B4-BE49-F238E27FC236}">
+                <a16:creationId xmlns:a16="http://schemas.microsoft.com/office/drawing/2014/main" id="{94363908-3F4C-8144-A89E-FD3E9974C503}"/>
+              </a:ext>
+            </a:extLst>
+          </p:cNvPr>
+          <p:cNvSpPr txBox="1"/>
+          <p:nvPr/>
+        </p:nvSpPr>
+        <p:spPr>
+          <a:xfrm>
+            <a:off x="2637537" y="1761383"/>
+            <a:ext cx="1582228" cy="369332"/>
+          </a:xfrm>
+          <a:prstGeom prst="rect">
+            <a:avLst/>
+          </a:prstGeom>
+          <a:noFill/>
+        </p:spPr>
+        <p:txBody>
+          <a:bodyPr wrap="none" rtlCol="0">
+            <a:spAutoFit/>
+          </a:bodyPr>
+          <a:lstStyle/>
+          <a:p>
+            <a:r>
+              <a:rPr lang="en-US" dirty="0"/>
+              <a:t>User (Browser)</a:t>
+            </a:r>
+          </a:p>
+        </p:txBody>
+      </p:sp>
+      <p:cxnSp>
+        <p:nvCxnSpPr>
+          <p:cNvPr id="52" name="直線矢印コネクタ 3">
+            <a:extLst>
+              <a:ext uri="{FF2B5EF4-FFF2-40B4-BE49-F238E27FC236}">
+                <a16:creationId xmlns:a16="http://schemas.microsoft.com/office/drawing/2014/main" id="{4EC3CB65-C0F2-294D-BAEF-23A798D51810}"/>
+              </a:ext>
+            </a:extLst>
+          </p:cNvPr>
+          <p:cNvCxnSpPr>
+            <a:cxnSpLocks/>
+            <a:stCxn id="15" idx="1"/>
+            <a:endCxn id="50" idx="3"/>
+          </p:cNvCxnSpPr>
+          <p:nvPr/>
+        </p:nvCxnSpPr>
+        <p:spPr>
+          <a:xfrm flipH="1" flipV="1">
+            <a:off x="3993900" y="1441617"/>
+            <a:ext cx="2976993" cy="3275458"/>
+          </a:xfrm>
+          <a:prstGeom prst="straightConnector1">
+            <a:avLst/>
+          </a:prstGeom>
+          <a:ln w="38100">
+            <a:solidFill>
+              <a:schemeClr val="tx1"/>
+            </a:solidFill>
+            <a:headEnd type="none" w="med" len="med"/>
+            <a:tailEnd type="none" w="med" len="med"/>
+          </a:ln>
+        </p:spPr>
+        <p:style>
+          <a:lnRef idx="1">
+            <a:schemeClr val="accent1"/>
+          </a:lnRef>
+          <a:fillRef idx="0">
+            <a:schemeClr val="accent1"/>
+          </a:fillRef>
+          <a:effectRef idx="0">
+            <a:schemeClr val="accent1"/>
+          </a:effectRef>
+          <a:fontRef idx="minor">
+            <a:schemeClr val="tx1"/>
+          </a:fontRef>
+        </p:style>
+      </p:cxnSp>
+      <p:sp>
+        <p:nvSpPr>
+          <p:cNvPr id="8" name="TextBox 7">
+            <a:extLst>
+              <a:ext uri="{FF2B5EF4-FFF2-40B4-BE49-F238E27FC236}">
+                <a16:creationId xmlns:a16="http://schemas.microsoft.com/office/drawing/2014/main" id="{C1158866-D82B-3B4A-B3B5-7BE842792A46}"/>
+              </a:ext>
+            </a:extLst>
+          </p:cNvPr>
+          <p:cNvSpPr txBox="1"/>
+          <p:nvPr/>
+        </p:nvSpPr>
+        <p:spPr>
+          <a:xfrm>
+            <a:off x="3471882" y="4570781"/>
+            <a:ext cx="822960" cy="165157"/>
+          </a:xfrm>
+          <a:prstGeom prst="rect">
+            <a:avLst/>
+          </a:prstGeom>
+          <a:solidFill>
+            <a:schemeClr val="bg1"/>
+          </a:solidFill>
+        </p:spPr>
+        <p:txBody>
+          <a:bodyPr wrap="none" lIns="0" tIns="0" rIns="0" bIns="0" rtlCol="0" anchor="t">
+            <a:noAutofit/>
+          </a:bodyPr>
+          <a:lstStyle/>
+          <a:p>
+            <a:pPr algn="ctr"/>
+            <a:r>
+              <a:rPr lang="en-US" sz="1100" dirty="0">
+                <a:latin typeface="Helvetica Neue"/>
+                <a:cs typeface="Helvetica Neue"/>
+              </a:rPr>
+              <a:t>JavaScript</a:t>
+            </a:r>
+          </a:p>
+        </p:txBody>
+      </p:sp>
+      <p:pic>
+        <p:nvPicPr>
+          <p:cNvPr id="56" name="Picture 55">
+            <a:extLst>
+              <a:ext uri="{FF2B5EF4-FFF2-40B4-BE49-F238E27FC236}">
+                <a16:creationId xmlns:a16="http://schemas.microsoft.com/office/drawing/2014/main" id="{227DA0B7-5BA2-2F42-986D-35469F792C6D}"/>
+              </a:ext>
+            </a:extLst>
+          </p:cNvPr>
+          <p:cNvPicPr>
+            <a:picLocks noChangeAspect="1"/>
+          </p:cNvPicPr>
+          <p:nvPr/>
+        </p:nvPicPr>
+        <p:blipFill>
+          <a:blip r:embed="rId4">
+            <a:extLst>
+              <a:ext uri="{28A0092B-C50C-407E-A947-70E740481C1C}">
+                <a14:useLocalDpi xmlns:a14="http://schemas.microsoft.com/office/drawing/2010/main" val="0"/>
+              </a:ext>
+            </a:extLst>
+          </a:blip>
+          <a:stretch>
+            <a:fillRect/>
+          </a:stretch>
+        </p:blipFill>
+        <p:spPr>
+          <a:xfrm>
+            <a:off x="3998491" y="418741"/>
+            <a:ext cx="659718" cy="759675"/>
+          </a:xfrm>
+          <a:prstGeom prst="rect">
+            <a:avLst/>
+          </a:prstGeom>
+        </p:spPr>
+      </p:pic>
+      <p:cxnSp>
+        <p:nvCxnSpPr>
+          <p:cNvPr id="58" name="直線矢印コネクタ 36">
+            <a:extLst>
+              <a:ext uri="{FF2B5EF4-FFF2-40B4-BE49-F238E27FC236}">
+                <a16:creationId xmlns:a16="http://schemas.microsoft.com/office/drawing/2014/main" id="{5816980A-E8D2-5D43-BB4C-A393EBCF2443}"/>
+              </a:ext>
+            </a:extLst>
+          </p:cNvPr>
+          <p:cNvCxnSpPr>
+            <a:cxnSpLocks/>
+            <a:endCxn id="4" idx="1"/>
+          </p:cNvCxnSpPr>
+          <p:nvPr/>
+        </p:nvCxnSpPr>
+        <p:spPr>
+          <a:xfrm>
+            <a:off x="3970379" y="1423011"/>
+            <a:ext cx="2940861" cy="872861"/>
+          </a:xfrm>
+          <a:prstGeom prst="straightConnector1">
+            <a:avLst/>
+          </a:prstGeom>
+          <a:ln w="38100">
+            <a:solidFill>
+              <a:schemeClr val="tx1"/>
+            </a:solidFill>
+            <a:headEnd type="none" w="med" len="med"/>
+            <a:tailEnd type="none" w="med" len="med"/>
+          </a:ln>
+        </p:spPr>
+        <p:style>
+          <a:lnRef idx="1">
+            <a:schemeClr val="accent1"/>
+          </a:lnRef>
+          <a:fillRef idx="0">
+            <a:schemeClr val="accent1"/>
+          </a:fillRef>
+          <a:effectRef idx="0">
+            <a:schemeClr val="accent1"/>
+          </a:effectRef>
+          <a:fontRef idx="minor">
+            <a:schemeClr val="tx1"/>
+          </a:fontRef>
+        </p:style>
+      </p:cxnSp>
+      <p:sp>
+        <p:nvSpPr>
+          <p:cNvPr id="57" name="TextBox 56">
+            <a:extLst>
+              <a:ext uri="{FF2B5EF4-FFF2-40B4-BE49-F238E27FC236}">
+                <a16:creationId xmlns:a16="http://schemas.microsoft.com/office/drawing/2014/main" id="{262B4BD3-25E2-1940-BAA4-3892AC96179C}"/>
+              </a:ext>
+            </a:extLst>
+          </p:cNvPr>
+          <p:cNvSpPr txBox="1"/>
+          <p:nvPr/>
+        </p:nvSpPr>
+        <p:spPr>
+          <a:xfrm>
+            <a:off x="3887060" y="1183552"/>
+            <a:ext cx="822960" cy="190552"/>
+          </a:xfrm>
+          <a:prstGeom prst="rect">
+            <a:avLst/>
+          </a:prstGeom>
+          <a:solidFill>
+            <a:schemeClr val="bg1"/>
+          </a:solidFill>
+        </p:spPr>
+        <p:txBody>
+          <a:bodyPr wrap="none" lIns="0" tIns="0" rIns="0" bIns="0" rtlCol="0" anchor="t">
+            <a:noAutofit/>
+          </a:bodyPr>
+          <a:lstStyle/>
+          <a:p>
+            <a:pPr algn="ctr"/>
+            <a:r>
+              <a:rPr lang="en-US" sz="1100" dirty="0">
+                <a:latin typeface="Helvetica Neue"/>
+                <a:cs typeface="Helvetica Neue"/>
+              </a:rPr>
+              <a:t>JavaScript</a:t>
+            </a:r>
+          </a:p>
+        </p:txBody>
+      </p:sp>
+      <p:sp>
+        <p:nvSpPr>
+          <p:cNvPr id="71" name="Freeform 70">
+            <a:extLst>
+              <a:ext uri="{FF2B5EF4-FFF2-40B4-BE49-F238E27FC236}">
+                <a16:creationId xmlns:a16="http://schemas.microsoft.com/office/drawing/2014/main" id="{328C6637-363B-5D42-84A8-2163A735873D}"/>
+              </a:ext>
+            </a:extLst>
+          </p:cNvPr>
+          <p:cNvSpPr/>
+          <p:nvPr/>
+        </p:nvSpPr>
+        <p:spPr>
+          <a:xfrm>
+            <a:off x="2602795" y="1530850"/>
+            <a:ext cx="4312340" cy="3539608"/>
+          </a:xfrm>
+          <a:custGeom>
+            <a:avLst/>
+            <a:gdLst>
+              <a:gd name="connsiteX0" fmla="*/ 0 w 2743523"/>
+              <a:gd name="connsiteY0" fmla="*/ 0 h 3462391"/>
+              <a:gd name="connsiteX1" fmla="*/ 2743200 w 2743523"/>
+              <a:gd name="connsiteY1" fmla="*/ 842481 h 3462391"/>
+              <a:gd name="connsiteX2" fmla="*/ 143838 w 2743523"/>
+              <a:gd name="connsiteY2" fmla="*/ 3462391 h 3462391"/>
+            </a:gdLst>
+            <a:ahLst/>
+            <a:cxnLst>
+              <a:cxn ang="0">
+                <a:pos x="connsiteX0" y="connsiteY0"/>
+              </a:cxn>
+              <a:cxn ang="0">
+                <a:pos x="connsiteX1" y="connsiteY1"/>
+              </a:cxn>
+              <a:cxn ang="0">
+                <a:pos x="connsiteX2" y="connsiteY2"/>
+              </a:cxn>
+            </a:cxnLst>
+            <a:rect l="l" t="t" r="r" b="b"/>
+            <a:pathLst>
+              <a:path w="2743523" h="3462391">
+                <a:moveTo>
+                  <a:pt x="0" y="0"/>
+                </a:moveTo>
+                <a:cubicBezTo>
+                  <a:pt x="1359613" y="132708"/>
+                  <a:pt x="2719227" y="265416"/>
+                  <a:pt x="2743200" y="842481"/>
+                </a:cubicBezTo>
+                <a:cubicBezTo>
+                  <a:pt x="2767173" y="1419546"/>
+                  <a:pt x="1455505" y="2440968"/>
+                  <a:pt x="143838" y="3462391"/>
+                </a:cubicBezTo>
+              </a:path>
+            </a:pathLst>
+          </a:custGeom>
+          <a:noFill/>
+          <a:ln w="76200">
+            <a:solidFill>
+              <a:srgbClr val="FF0000"/>
+            </a:solidFill>
+            <a:headEnd type="triangle" w="med" len="med"/>
+            <a:tailEnd type="triangle" w="med" len="med"/>
+          </a:ln>
+        </p:spPr>
+        <p:style>
+          <a:lnRef idx="2">
+            <a:schemeClr val="accent1">
+              <a:shade val="50000"/>
+            </a:schemeClr>
+          </a:lnRef>
+          <a:fillRef idx="1">
+            <a:schemeClr val="accent1"/>
+          </a:fillRef>
+          <a:effectRef idx="0">
+            <a:schemeClr val="accent1"/>
+          </a:effectRef>
+          <a:fontRef idx="minor">
+            <a:schemeClr val="lt1"/>
+          </a:fontRef>
+        </p:style>
+        <p:txBody>
+          <a:bodyPr rtlCol="0" anchor="ctr"/>
+          <a:lstStyle/>
+          <a:p>
+            <a:pPr algn="ctr"/>
+            <a:endParaRPr lang="en-US"/>
+          </a:p>
+        </p:txBody>
+      </p:sp>
+      <p:sp>
+        <p:nvSpPr>
+          <p:cNvPr id="72" name="Rounded Rectangular Callout 71">
+            <a:extLst>
+              <a:ext uri="{FF2B5EF4-FFF2-40B4-BE49-F238E27FC236}">
+                <a16:creationId xmlns:a16="http://schemas.microsoft.com/office/drawing/2014/main" id="{7EF9D729-B477-8343-9CED-E596CEC2D5F5}"/>
+              </a:ext>
+            </a:extLst>
+          </p:cNvPr>
+          <p:cNvSpPr/>
+          <p:nvPr/>
+        </p:nvSpPr>
+        <p:spPr>
+          <a:xfrm>
+            <a:off x="367866" y="75034"/>
+            <a:ext cx="3425524" cy="902872"/>
+          </a:xfrm>
+          <a:prstGeom prst="wedgeRoundRectCallout">
+            <a:avLst>
+              <a:gd name="adj1" fmla="val 2502"/>
+              <a:gd name="adj2" fmla="val 70221"/>
+              <a:gd name="adj3" fmla="val 16667"/>
+            </a:avLst>
+          </a:prstGeom>
+          <a:noFill/>
+          <a:ln w="38100">
+            <a:solidFill>
+              <a:schemeClr val="tx1"/>
+            </a:solidFill>
+          </a:ln>
+        </p:spPr>
+        <p:style>
+          <a:lnRef idx="2">
+            <a:schemeClr val="accent1">
+              <a:shade val="50000"/>
+            </a:schemeClr>
+          </a:lnRef>
+          <a:fillRef idx="1">
+            <a:schemeClr val="accent1"/>
+          </a:fillRef>
+          <a:effectRef idx="0">
+            <a:schemeClr val="accent1"/>
+          </a:effectRef>
+          <a:fontRef idx="minor">
+            <a:schemeClr val="lt1"/>
+          </a:fontRef>
+        </p:style>
+        <p:txBody>
+          <a:bodyPr rtlCol="0" anchor="ctr"/>
+          <a:lstStyle/>
+          <a:p>
+            <a:r>
+              <a:rPr lang="en-US" dirty="0">
+                <a:solidFill>
+                  <a:schemeClr val="tx1"/>
+                </a:solidFill>
+              </a:rPr>
+              <a:t>Data is shared </a:t>
+            </a:r>
+            <a:r>
+              <a:rPr lang="en-US" dirty="0">
+                <a:solidFill>
+                  <a:srgbClr val="FF0000"/>
+                </a:solidFill>
+              </a:rPr>
+              <a:t>between users </a:t>
+            </a:r>
+            <a:r>
+              <a:rPr lang="en-US" dirty="0">
+                <a:solidFill>
+                  <a:schemeClr val="tx1"/>
+                </a:solidFill>
+              </a:rPr>
+              <a:t>via a cloud platform like messenger, cloud storage…</a:t>
+            </a:r>
+          </a:p>
+        </p:txBody>
+      </p:sp>
+      <p:pic>
+        <p:nvPicPr>
+          <p:cNvPr id="76" name="Picture 75">
+            <a:extLst>
+              <a:ext uri="{FF2B5EF4-FFF2-40B4-BE49-F238E27FC236}">
+                <a16:creationId xmlns:a16="http://schemas.microsoft.com/office/drawing/2014/main" id="{8901BF6D-AA58-DB4C-8CB9-00825F3C4180}"/>
+              </a:ext>
+            </a:extLst>
+          </p:cNvPr>
+          <p:cNvPicPr>
+            <a:picLocks noChangeAspect="1"/>
+          </p:cNvPicPr>
+          <p:nvPr/>
+        </p:nvPicPr>
+        <p:blipFill>
+          <a:blip r:embed="rId9"/>
+          <a:stretch>
+            <a:fillRect/>
+          </a:stretch>
+        </p:blipFill>
+        <p:spPr>
+          <a:xfrm>
+            <a:off x="1889165" y="1122109"/>
+            <a:ext cx="811960" cy="811960"/>
+          </a:xfrm>
+          <a:prstGeom prst="rect">
+            <a:avLst/>
+          </a:prstGeom>
+        </p:spPr>
+      </p:pic>
+      <p:pic>
+        <p:nvPicPr>
+          <p:cNvPr id="77" name="Picture 76">
+            <a:extLst>
+              <a:ext uri="{FF2B5EF4-FFF2-40B4-BE49-F238E27FC236}">
+                <a16:creationId xmlns:a16="http://schemas.microsoft.com/office/drawing/2014/main" id="{C4ED0750-6471-6F40-AED6-BEC1E986C5E1}"/>
+              </a:ext>
+            </a:extLst>
+          </p:cNvPr>
+          <p:cNvPicPr>
+            <a:picLocks noChangeAspect="1"/>
+          </p:cNvPicPr>
+          <p:nvPr/>
+        </p:nvPicPr>
+        <p:blipFill>
+          <a:blip r:embed="rId9"/>
+          <a:stretch>
+            <a:fillRect/>
+          </a:stretch>
+        </p:blipFill>
+        <p:spPr>
+          <a:xfrm>
+            <a:off x="2010304" y="4682356"/>
+            <a:ext cx="811960" cy="811960"/>
+          </a:xfrm>
+          <a:prstGeom prst="rect">
+            <a:avLst/>
+          </a:prstGeom>
+        </p:spPr>
+      </p:pic>
     </p:spTree>
     <p:extLst>
       <p:ext uri="{BB962C8B-B14F-4D97-AF65-F5344CB8AC3E}">
         <p14:creationId xmlns:p14="http://schemas.microsoft.com/office/powerpoint/2010/main" val="1340345367"/>
+      </p:ext>
+    </p:extLst>
+  </p:cSld>
+  <p:clrMapOvr>
+    <a:masterClrMapping/>
+  </p:clrMapOvr>
+</p:sld>
+</file>
+
+<file path=ppt/slides/slide6.xml><?xml version="1.0" encoding="utf-8"?>
+<p:sld xmlns:a="http://schemas.openxmlformats.org/drawingml/2006/main" xmlns:r="http://schemas.openxmlformats.org/officeDocument/2006/relationships" xmlns:p="http://schemas.openxmlformats.org/presentationml/2006/main">
+  <p:cSld>
+    <p:spTree>
+      <p:nvGrpSpPr>
+        <p:cNvPr id="1" name=""/>
+        <p:cNvGrpSpPr/>
+        <p:nvPr/>
+      </p:nvGrpSpPr>
+      <p:grpSpPr>
+        <a:xfrm>
+          <a:off x="0" y="0"/>
+          <a:ext cx="0" cy="0"/>
+          <a:chOff x="0" y="0"/>
+          <a:chExt cx="0" cy="0"/>
+        </a:xfrm>
+      </p:grpSpPr>
+      <p:sp>
+        <p:nvSpPr>
+          <p:cNvPr id="35" name="Rounded Rectangular Callout 34">
+            <a:extLst>
+              <a:ext uri="{FF2B5EF4-FFF2-40B4-BE49-F238E27FC236}">
+                <a16:creationId xmlns:a16="http://schemas.microsoft.com/office/drawing/2014/main" id="{265DA36D-895B-F948-AFD5-D2BD651326C9}"/>
+              </a:ext>
+            </a:extLst>
+          </p:cNvPr>
+          <p:cNvSpPr/>
+          <p:nvPr/>
+        </p:nvSpPr>
+        <p:spPr>
+          <a:xfrm>
+            <a:off x="534255" y="3085186"/>
+            <a:ext cx="1808253" cy="243641"/>
+          </a:xfrm>
+          <a:prstGeom prst="wedgeRoundRectCallout">
+            <a:avLst>
+              <a:gd name="adj1" fmla="val 55640"/>
+              <a:gd name="adj2" fmla="val 618027"/>
+              <a:gd name="adj3" fmla="val 16667"/>
+            </a:avLst>
+          </a:prstGeom>
+          <a:solidFill>
+            <a:schemeClr val="bg1"/>
+          </a:solidFill>
+          <a:ln w="38100">
+            <a:solidFill>
+              <a:schemeClr val="tx1"/>
+            </a:solidFill>
+          </a:ln>
+        </p:spPr>
+        <p:style>
+          <a:lnRef idx="2">
+            <a:schemeClr val="accent1">
+              <a:shade val="50000"/>
+            </a:schemeClr>
+          </a:lnRef>
+          <a:fillRef idx="1">
+            <a:schemeClr val="accent1"/>
+          </a:fillRef>
+          <a:effectRef idx="0">
+            <a:schemeClr val="accent1"/>
+          </a:effectRef>
+          <a:fontRef idx="minor">
+            <a:schemeClr val="lt1"/>
+          </a:fontRef>
+        </p:style>
+        <p:txBody>
+          <a:bodyPr rtlCol="0" anchor="ctr"/>
+          <a:lstStyle/>
+          <a:p>
+            <a:endParaRPr lang="en-US" dirty="0">
+              <a:solidFill>
+                <a:srgbClr val="FF0000"/>
+              </a:solidFill>
+            </a:endParaRPr>
+          </a:p>
+        </p:txBody>
+      </p:sp>
+      <p:sp>
+        <p:nvSpPr>
+          <p:cNvPr id="2" name="Rounded Rectangle 1">
+            <a:extLst>
+              <a:ext uri="{FF2B5EF4-FFF2-40B4-BE49-F238E27FC236}">
+                <a16:creationId xmlns:a16="http://schemas.microsoft.com/office/drawing/2014/main" id="{DCC1E156-DAB1-B74B-98CF-6C34E927154D}"/>
+              </a:ext>
+            </a:extLst>
+          </p:cNvPr>
+          <p:cNvSpPr/>
+          <p:nvPr/>
+        </p:nvSpPr>
+        <p:spPr>
+          <a:xfrm>
+            <a:off x="6579450" y="1422754"/>
+            <a:ext cx="2370039" cy="2270482"/>
+          </a:xfrm>
+          <a:prstGeom prst="roundRect">
+            <a:avLst/>
+          </a:prstGeom>
+          <a:noFill/>
+          <a:ln w="38100">
+            <a:solidFill>
+              <a:schemeClr val="accent1"/>
+            </a:solidFill>
+          </a:ln>
+        </p:spPr>
+        <p:style>
+          <a:lnRef idx="2">
+            <a:schemeClr val="accent1">
+              <a:shade val="50000"/>
+            </a:schemeClr>
+          </a:lnRef>
+          <a:fillRef idx="1">
+            <a:schemeClr val="accent1"/>
+          </a:fillRef>
+          <a:effectRef idx="0">
+            <a:schemeClr val="accent1"/>
+          </a:effectRef>
+          <a:fontRef idx="minor">
+            <a:schemeClr val="lt1"/>
+          </a:fontRef>
+        </p:style>
+        <p:txBody>
+          <a:bodyPr rtlCol="0" anchor="ctr"/>
+          <a:lstStyle/>
+          <a:p>
+            <a:pPr algn="ctr"/>
+            <a:endParaRPr lang="en-US"/>
+          </a:p>
+        </p:txBody>
+      </p:sp>
+      <p:sp>
+        <p:nvSpPr>
+          <p:cNvPr id="3" name="TextBox 2">
+            <a:extLst>
+              <a:ext uri="{FF2B5EF4-FFF2-40B4-BE49-F238E27FC236}">
+                <a16:creationId xmlns:a16="http://schemas.microsoft.com/office/drawing/2014/main" id="{E3A69EAC-D755-C447-B9F2-89F42FFE8C9B}"/>
+              </a:ext>
+            </a:extLst>
+          </p:cNvPr>
+          <p:cNvSpPr txBox="1"/>
+          <p:nvPr/>
+        </p:nvSpPr>
+        <p:spPr>
+          <a:xfrm>
+            <a:off x="6439920" y="5564462"/>
+            <a:ext cx="2674835" cy="369332"/>
+          </a:xfrm>
+          <a:prstGeom prst="rect">
+            <a:avLst/>
+          </a:prstGeom>
+          <a:noFill/>
+        </p:spPr>
+        <p:txBody>
+          <a:bodyPr wrap="none" rtlCol="0">
+            <a:spAutoFit/>
+          </a:bodyPr>
+          <a:lstStyle/>
+          <a:p>
+            <a:pPr algn="ctr"/>
+            <a:r>
+              <a:rPr lang="en-US" altLang="ja-JP" dirty="0"/>
+              <a:t>Cloud</a:t>
+            </a:r>
+            <a:r>
+              <a:rPr lang="ja-JP" altLang="en-US" dirty="0"/>
+              <a:t> </a:t>
+            </a:r>
+            <a:r>
+              <a:rPr lang="en-US" altLang="ja-JP" dirty="0"/>
+              <a:t>platform (e.g., AWS)</a:t>
+            </a:r>
+            <a:endParaRPr lang="en-US" dirty="0"/>
+          </a:p>
+        </p:txBody>
+      </p:sp>
+      <p:pic>
+        <p:nvPicPr>
+          <p:cNvPr id="4" name="Picture 3">
+            <a:extLst>
+              <a:ext uri="{FF2B5EF4-FFF2-40B4-BE49-F238E27FC236}">
+                <a16:creationId xmlns:a16="http://schemas.microsoft.com/office/drawing/2014/main" id="{DAE6D77A-4240-E446-B651-51CB81DE0365}"/>
+              </a:ext>
+            </a:extLst>
+          </p:cNvPr>
+          <p:cNvPicPr>
+            <a:picLocks noChangeAspect="1"/>
+          </p:cNvPicPr>
+          <p:nvPr/>
+        </p:nvPicPr>
+        <p:blipFill>
+          <a:blip r:embed="rId2">
+            <a:extLst>
+              <a:ext uri="{28A0092B-C50C-407E-A947-70E740481C1C}">
+                <a14:useLocalDpi xmlns:a14="http://schemas.microsoft.com/office/drawing/2010/main" val="0"/>
+              </a:ext>
+            </a:extLst>
+          </a:blip>
+          <a:stretch>
+            <a:fillRect/>
+          </a:stretch>
+        </p:blipFill>
+        <p:spPr>
+          <a:xfrm>
+            <a:off x="6911240" y="1983052"/>
+            <a:ext cx="521366" cy="625640"/>
+          </a:xfrm>
+          <a:prstGeom prst="rect">
+            <a:avLst/>
+          </a:prstGeom>
+        </p:spPr>
+      </p:pic>
+      <p:sp>
+        <p:nvSpPr>
+          <p:cNvPr id="5" name="TextBox 4">
+            <a:extLst>
+              <a:ext uri="{FF2B5EF4-FFF2-40B4-BE49-F238E27FC236}">
+                <a16:creationId xmlns:a16="http://schemas.microsoft.com/office/drawing/2014/main" id="{F767A5BC-C975-B446-B1FE-37FF9F2E4B99}"/>
+              </a:ext>
+            </a:extLst>
+          </p:cNvPr>
+          <p:cNvSpPr txBox="1"/>
+          <p:nvPr/>
+        </p:nvSpPr>
+        <p:spPr>
+          <a:xfrm>
+            <a:off x="6724547" y="2653851"/>
+            <a:ext cx="894752" cy="155632"/>
+          </a:xfrm>
+          <a:prstGeom prst="rect">
+            <a:avLst/>
+          </a:prstGeom>
+          <a:noFill/>
+        </p:spPr>
+        <p:txBody>
+          <a:bodyPr wrap="square" lIns="0" tIns="0" rIns="0" bIns="0" rtlCol="0" anchor="t">
+            <a:noAutofit/>
+          </a:bodyPr>
+          <a:lstStyle/>
+          <a:p>
+            <a:pPr algn="ctr"/>
+            <a:r>
+              <a:rPr lang="en-US" sz="1000" b="1" dirty="0"/>
+              <a:t>Amazon API Gateway*</a:t>
+            </a:r>
+            <a:endParaRPr lang="en-US" b="1" dirty="0"/>
+          </a:p>
+        </p:txBody>
+      </p:sp>
+      <p:sp>
+        <p:nvSpPr>
+          <p:cNvPr id="6" name="TextBox 5">
+            <a:extLst>
+              <a:ext uri="{FF2B5EF4-FFF2-40B4-BE49-F238E27FC236}">
+                <a16:creationId xmlns:a16="http://schemas.microsoft.com/office/drawing/2014/main" id="{B7017FEE-3B6D-9A42-99CC-4F2A4868752B}"/>
+              </a:ext>
+            </a:extLst>
+          </p:cNvPr>
+          <p:cNvSpPr txBox="1"/>
+          <p:nvPr/>
+        </p:nvSpPr>
+        <p:spPr>
+          <a:xfrm>
+            <a:off x="8240983" y="4951275"/>
+            <a:ext cx="768159" cy="338554"/>
+          </a:xfrm>
+          <a:prstGeom prst="rect">
+            <a:avLst/>
+          </a:prstGeom>
+          <a:noFill/>
+        </p:spPr>
+        <p:txBody>
+          <a:bodyPr wrap="none" rtlCol="0">
+            <a:spAutoFit/>
+          </a:bodyPr>
+          <a:lstStyle/>
+          <a:p>
+            <a:pPr algn="ctr"/>
+            <a:r>
+              <a:rPr lang="en-US" sz="800" b="1" dirty="0">
+                <a:latin typeface="Helvetica Neue"/>
+                <a:cs typeface="Helvetica Neue"/>
+              </a:rPr>
+              <a:t>Amazon S3 </a:t>
+            </a:r>
+            <a:br>
+              <a:rPr lang="en-US" sz="800" b="1" dirty="0">
+                <a:latin typeface="Helvetica Neue"/>
+                <a:cs typeface="Helvetica Neue"/>
+              </a:rPr>
+            </a:br>
+            <a:r>
+              <a:rPr lang="en-US" sz="800" b="1" dirty="0">
+                <a:latin typeface="Helvetica Neue"/>
+                <a:cs typeface="Helvetica Neue"/>
+              </a:rPr>
+              <a:t>bucket</a:t>
+            </a:r>
+          </a:p>
+        </p:txBody>
+      </p:sp>
+      <p:pic>
+        <p:nvPicPr>
+          <p:cNvPr id="7" name="Picture 6">
+            <a:extLst>
+              <a:ext uri="{FF2B5EF4-FFF2-40B4-BE49-F238E27FC236}">
+                <a16:creationId xmlns:a16="http://schemas.microsoft.com/office/drawing/2014/main" id="{AAF31200-29C0-D848-9032-48E29A2713C8}"/>
+              </a:ext>
+            </a:extLst>
+          </p:cNvPr>
+          <p:cNvPicPr>
+            <a:picLocks noChangeAspect="1"/>
+          </p:cNvPicPr>
+          <p:nvPr/>
+        </p:nvPicPr>
+        <p:blipFill>
+          <a:blip r:embed="rId3">
+            <a:extLst>
+              <a:ext uri="{28A0092B-C50C-407E-A947-70E740481C1C}">
+                <a14:useLocalDpi xmlns:a14="http://schemas.microsoft.com/office/drawing/2010/main" val="0"/>
+              </a:ext>
+            </a:extLst>
+          </a:blip>
+          <a:stretch>
+            <a:fillRect/>
+          </a:stretch>
+        </p:blipFill>
+        <p:spPr>
+          <a:xfrm>
+            <a:off x="8370616" y="4446059"/>
+            <a:ext cx="468336" cy="485681"/>
+          </a:xfrm>
+          <a:prstGeom prst="rect">
+            <a:avLst/>
+          </a:prstGeom>
+        </p:spPr>
+      </p:pic>
+      <p:pic>
+        <p:nvPicPr>
+          <p:cNvPr id="9" name="Picture 8">
+            <a:extLst>
+              <a:ext uri="{FF2B5EF4-FFF2-40B4-BE49-F238E27FC236}">
+                <a16:creationId xmlns:a16="http://schemas.microsoft.com/office/drawing/2014/main" id="{00BC64A1-0829-AB48-9E9B-F9CE81C1F80D}"/>
+              </a:ext>
+            </a:extLst>
+          </p:cNvPr>
+          <p:cNvPicPr>
+            <a:picLocks noChangeAspect="1"/>
+          </p:cNvPicPr>
+          <p:nvPr/>
+        </p:nvPicPr>
+        <p:blipFill>
+          <a:blip r:embed="rId4">
+            <a:extLst>
+              <a:ext uri="{28A0092B-C50C-407E-A947-70E740481C1C}">
+                <a14:useLocalDpi xmlns:a14="http://schemas.microsoft.com/office/drawing/2010/main" val="0"/>
+              </a:ext>
+            </a:extLst>
+          </a:blip>
+          <a:stretch>
+            <a:fillRect/>
+          </a:stretch>
+        </p:blipFill>
+        <p:spPr>
+          <a:xfrm>
+            <a:off x="3553503" y="3811106"/>
+            <a:ext cx="659718" cy="759675"/>
+          </a:xfrm>
+          <a:prstGeom prst="rect">
+            <a:avLst/>
+          </a:prstGeom>
+        </p:spPr>
+      </p:pic>
+      <p:pic>
+        <p:nvPicPr>
+          <p:cNvPr id="12" name="Picture 11">
+            <a:extLst>
+              <a:ext uri="{FF2B5EF4-FFF2-40B4-BE49-F238E27FC236}">
+                <a16:creationId xmlns:a16="http://schemas.microsoft.com/office/drawing/2014/main" id="{8E6CFC56-96E3-7945-9816-A66BA4BBCE47}"/>
+              </a:ext>
+            </a:extLst>
+          </p:cNvPr>
+          <p:cNvPicPr>
+            <a:picLocks noChangeAspect="1"/>
+          </p:cNvPicPr>
+          <p:nvPr/>
+        </p:nvPicPr>
+        <p:blipFill>
+          <a:blip r:embed="rId5">
+            <a:extLst>
+              <a:ext uri="{28A0092B-C50C-407E-A947-70E740481C1C}">
+                <a14:useLocalDpi xmlns:a14="http://schemas.microsoft.com/office/drawing/2010/main" val="0"/>
+              </a:ext>
+            </a:extLst>
+          </a:blip>
+          <a:stretch>
+            <a:fillRect/>
+          </a:stretch>
+        </p:blipFill>
+        <p:spPr>
+          <a:xfrm>
+            <a:off x="7611690" y="2572001"/>
+            <a:ext cx="544781" cy="653737"/>
+          </a:xfrm>
+          <a:prstGeom prst="rect">
+            <a:avLst/>
+          </a:prstGeom>
+        </p:spPr>
+      </p:pic>
+      <p:sp>
+        <p:nvSpPr>
+          <p:cNvPr id="13" name="TextBox 12">
+            <a:extLst>
+              <a:ext uri="{FF2B5EF4-FFF2-40B4-BE49-F238E27FC236}">
+                <a16:creationId xmlns:a16="http://schemas.microsoft.com/office/drawing/2014/main" id="{EDD82006-4796-6448-994A-2D90AE0E58B5}"/>
+              </a:ext>
+            </a:extLst>
+          </p:cNvPr>
+          <p:cNvSpPr txBox="1"/>
+          <p:nvPr/>
+        </p:nvSpPr>
+        <p:spPr>
+          <a:xfrm>
+            <a:off x="7471577" y="3252925"/>
+            <a:ext cx="825006" cy="155632"/>
+          </a:xfrm>
+          <a:prstGeom prst="rect">
+            <a:avLst/>
+          </a:prstGeom>
+          <a:noFill/>
+        </p:spPr>
+        <p:txBody>
+          <a:bodyPr wrap="square" lIns="0" tIns="0" rIns="0" bIns="0" rtlCol="0" anchor="t">
+            <a:noAutofit/>
+          </a:bodyPr>
+          <a:lstStyle/>
+          <a:p>
+            <a:pPr algn="ctr"/>
+            <a:r>
+              <a:rPr lang="en-US" sz="1000" b="1" dirty="0"/>
+              <a:t>AWS</a:t>
+            </a:r>
+          </a:p>
+          <a:p>
+            <a:pPr algn="ctr"/>
+            <a:r>
+              <a:rPr lang="en-US" sz="1000" b="1" dirty="0"/>
+              <a:t>Lambda</a:t>
+            </a:r>
+          </a:p>
+        </p:txBody>
+      </p:sp>
+      <p:sp>
+        <p:nvSpPr>
+          <p:cNvPr id="14" name="Rounded Rectangle 13">
+            <a:extLst>
+              <a:ext uri="{FF2B5EF4-FFF2-40B4-BE49-F238E27FC236}">
+                <a16:creationId xmlns:a16="http://schemas.microsoft.com/office/drawing/2014/main" id="{3410DA65-424E-EB43-BF7F-CD6C04A241C2}"/>
+              </a:ext>
+            </a:extLst>
+          </p:cNvPr>
+          <p:cNvSpPr/>
+          <p:nvPr/>
+        </p:nvSpPr>
+        <p:spPr>
+          <a:xfrm>
+            <a:off x="6579450" y="3972466"/>
+            <a:ext cx="2370040" cy="1602316"/>
+          </a:xfrm>
+          <a:prstGeom prst="roundRect">
+            <a:avLst/>
+          </a:prstGeom>
+          <a:noFill/>
+          <a:ln w="38100">
+            <a:solidFill>
+              <a:srgbClr val="FFC000"/>
+            </a:solidFill>
+          </a:ln>
+        </p:spPr>
+        <p:style>
+          <a:lnRef idx="2">
+            <a:schemeClr val="accent1">
+              <a:shade val="50000"/>
+            </a:schemeClr>
+          </a:lnRef>
+          <a:fillRef idx="1">
+            <a:schemeClr val="accent1"/>
+          </a:fillRef>
+          <a:effectRef idx="0">
+            <a:schemeClr val="accent1"/>
+          </a:effectRef>
+          <a:fontRef idx="minor">
+            <a:schemeClr val="lt1"/>
+          </a:fontRef>
+        </p:style>
+        <p:txBody>
+          <a:bodyPr rtlCol="0" anchor="ctr"/>
+          <a:lstStyle/>
+          <a:p>
+            <a:pPr algn="ctr"/>
+            <a:endParaRPr lang="en-US"/>
+          </a:p>
+        </p:txBody>
+      </p:sp>
+      <p:pic>
+        <p:nvPicPr>
+          <p:cNvPr id="15" name="Picture 14">
+            <a:extLst>
+              <a:ext uri="{FF2B5EF4-FFF2-40B4-BE49-F238E27FC236}">
+                <a16:creationId xmlns:a16="http://schemas.microsoft.com/office/drawing/2014/main" id="{F82BFBCD-3FAB-2B48-A279-CC9D2DC994C6}"/>
+              </a:ext>
+            </a:extLst>
+          </p:cNvPr>
+          <p:cNvPicPr>
+            <a:picLocks noChangeAspect="1"/>
+          </p:cNvPicPr>
+          <p:nvPr/>
+        </p:nvPicPr>
+        <p:blipFill>
+          <a:blip r:embed="rId6">
+            <a:extLst>
+              <a:ext uri="{28A0092B-C50C-407E-A947-70E740481C1C}">
+                <a14:useLocalDpi xmlns:a14="http://schemas.microsoft.com/office/drawing/2010/main" val="0"/>
+              </a:ext>
+            </a:extLst>
+          </a:blip>
+          <a:stretch>
+            <a:fillRect/>
+          </a:stretch>
+        </p:blipFill>
+        <p:spPr>
+          <a:xfrm>
+            <a:off x="6970893" y="4390526"/>
+            <a:ext cx="544780" cy="653098"/>
+          </a:xfrm>
+          <a:prstGeom prst="rect">
+            <a:avLst/>
+          </a:prstGeom>
+        </p:spPr>
+      </p:pic>
+      <p:sp>
+        <p:nvSpPr>
+          <p:cNvPr id="16" name="TextBox 15">
+            <a:extLst>
+              <a:ext uri="{FF2B5EF4-FFF2-40B4-BE49-F238E27FC236}">
+                <a16:creationId xmlns:a16="http://schemas.microsoft.com/office/drawing/2014/main" id="{8D5BC445-23E5-9B4E-A605-0F6368AA5949}"/>
+              </a:ext>
+            </a:extLst>
+          </p:cNvPr>
+          <p:cNvSpPr txBox="1"/>
+          <p:nvPr/>
+        </p:nvSpPr>
+        <p:spPr>
+          <a:xfrm>
+            <a:off x="6877523" y="5070458"/>
+            <a:ext cx="731520" cy="155632"/>
+          </a:xfrm>
+          <a:prstGeom prst="rect">
+            <a:avLst/>
+          </a:prstGeom>
+          <a:noFill/>
+        </p:spPr>
+        <p:txBody>
+          <a:bodyPr wrap="square" lIns="0" tIns="0" rIns="0" bIns="0" rtlCol="0" anchor="t">
+            <a:noAutofit/>
+          </a:bodyPr>
+          <a:lstStyle/>
+          <a:p>
+            <a:pPr algn="ctr"/>
+            <a:r>
+              <a:rPr lang="en-US" sz="1000" b="1" dirty="0"/>
+              <a:t>Amazon </a:t>
+            </a:r>
+            <a:r>
+              <a:rPr lang="en-US" sz="1000" b="1" dirty="0" err="1"/>
+              <a:t>CloudFront</a:t>
+            </a:r>
+            <a:endParaRPr lang="en-US" b="1" dirty="0"/>
+          </a:p>
+        </p:txBody>
+      </p:sp>
+      <p:pic>
+        <p:nvPicPr>
+          <p:cNvPr id="17" name="Picture 16">
+            <a:extLst>
+              <a:ext uri="{FF2B5EF4-FFF2-40B4-BE49-F238E27FC236}">
+                <a16:creationId xmlns:a16="http://schemas.microsoft.com/office/drawing/2014/main" id="{C0F6C861-2402-214C-AEE8-8193DE13E21A}"/>
+              </a:ext>
+            </a:extLst>
+          </p:cNvPr>
+          <p:cNvPicPr>
+            <a:picLocks noChangeAspect="1"/>
+          </p:cNvPicPr>
+          <p:nvPr/>
+        </p:nvPicPr>
+        <p:blipFill>
+          <a:blip r:embed="rId7">
+            <a:extLst>
+              <a:ext uri="{28A0092B-C50C-407E-A947-70E740481C1C}">
+                <a14:useLocalDpi xmlns:a14="http://schemas.microsoft.com/office/drawing/2010/main" val="0"/>
+              </a:ext>
+            </a:extLst>
+          </a:blip>
+          <a:stretch>
+            <a:fillRect/>
+          </a:stretch>
+        </p:blipFill>
+        <p:spPr>
+          <a:xfrm>
+            <a:off x="7628804" y="1484182"/>
+            <a:ext cx="543466" cy="601994"/>
+          </a:xfrm>
+          <a:prstGeom prst="rect">
+            <a:avLst/>
+          </a:prstGeom>
+        </p:spPr>
+      </p:pic>
+      <p:sp>
+        <p:nvSpPr>
+          <p:cNvPr id="18" name="TextBox 17">
+            <a:extLst>
+              <a:ext uri="{FF2B5EF4-FFF2-40B4-BE49-F238E27FC236}">
+                <a16:creationId xmlns:a16="http://schemas.microsoft.com/office/drawing/2014/main" id="{210C11D5-D235-864A-94CE-29D88786B8D7}"/>
+              </a:ext>
+            </a:extLst>
+          </p:cNvPr>
+          <p:cNvSpPr txBox="1"/>
+          <p:nvPr/>
+        </p:nvSpPr>
+        <p:spPr>
+          <a:xfrm>
+            <a:off x="7453162" y="2134585"/>
+            <a:ext cx="894752" cy="155632"/>
+          </a:xfrm>
+          <a:prstGeom prst="rect">
+            <a:avLst/>
+          </a:prstGeom>
+          <a:noFill/>
+        </p:spPr>
+        <p:txBody>
+          <a:bodyPr wrap="square" lIns="0" tIns="0" rIns="0" bIns="0" rtlCol="0" anchor="t">
+            <a:noAutofit/>
+          </a:bodyPr>
+          <a:lstStyle/>
+          <a:p>
+            <a:pPr algn="ctr"/>
+            <a:r>
+              <a:rPr lang="en-US" sz="1000" b="1" dirty="0"/>
+              <a:t>Amazon</a:t>
+            </a:r>
+            <a:br>
+              <a:rPr lang="en-US" sz="1000" b="1" dirty="0"/>
+            </a:br>
+            <a:r>
+              <a:rPr lang="en-US" sz="1000" b="1" dirty="0" err="1"/>
+              <a:t>DynamoDB</a:t>
+            </a:r>
+            <a:endParaRPr lang="en-US" b="1" dirty="0"/>
+          </a:p>
+        </p:txBody>
+      </p:sp>
+      <p:sp>
+        <p:nvSpPr>
+          <p:cNvPr id="19" name="TextBox 18">
+            <a:extLst>
+              <a:ext uri="{FF2B5EF4-FFF2-40B4-BE49-F238E27FC236}">
+                <a16:creationId xmlns:a16="http://schemas.microsoft.com/office/drawing/2014/main" id="{C9E3CA39-2C94-8F47-A5BC-144B6651FB81}"/>
+              </a:ext>
+            </a:extLst>
+          </p:cNvPr>
+          <p:cNvSpPr txBox="1"/>
+          <p:nvPr/>
+        </p:nvSpPr>
+        <p:spPr>
+          <a:xfrm>
+            <a:off x="8200299" y="2746632"/>
+            <a:ext cx="768159" cy="338554"/>
+          </a:xfrm>
+          <a:prstGeom prst="rect">
+            <a:avLst/>
+          </a:prstGeom>
+          <a:noFill/>
+        </p:spPr>
+        <p:txBody>
+          <a:bodyPr wrap="none" rtlCol="0">
+            <a:spAutoFit/>
+          </a:bodyPr>
+          <a:lstStyle/>
+          <a:p>
+            <a:pPr algn="ctr"/>
+            <a:r>
+              <a:rPr lang="en-US" sz="800" b="1" dirty="0">
+                <a:latin typeface="Helvetica Neue"/>
+                <a:cs typeface="Helvetica Neue"/>
+              </a:rPr>
+              <a:t>Amazon S3 </a:t>
+            </a:r>
+            <a:br>
+              <a:rPr lang="en-US" sz="800" b="1" dirty="0">
+                <a:latin typeface="Helvetica Neue"/>
+                <a:cs typeface="Helvetica Neue"/>
+              </a:rPr>
+            </a:br>
+            <a:r>
+              <a:rPr lang="en-US" sz="800" b="1" dirty="0">
+                <a:latin typeface="Helvetica Neue"/>
+                <a:cs typeface="Helvetica Neue"/>
+              </a:rPr>
+              <a:t>bucket</a:t>
+            </a:r>
+          </a:p>
+        </p:txBody>
+      </p:sp>
+      <p:pic>
+        <p:nvPicPr>
+          <p:cNvPr id="20" name="Picture 19">
+            <a:extLst>
+              <a:ext uri="{FF2B5EF4-FFF2-40B4-BE49-F238E27FC236}">
+                <a16:creationId xmlns:a16="http://schemas.microsoft.com/office/drawing/2014/main" id="{CF44E80D-AFD4-3446-A5EF-336CA30BBB98}"/>
+              </a:ext>
+            </a:extLst>
+          </p:cNvPr>
+          <p:cNvPicPr>
+            <a:picLocks noChangeAspect="1"/>
+          </p:cNvPicPr>
+          <p:nvPr/>
+        </p:nvPicPr>
+        <p:blipFill>
+          <a:blip r:embed="rId3">
+            <a:extLst>
+              <a:ext uri="{28A0092B-C50C-407E-A947-70E740481C1C}">
+                <a14:useLocalDpi xmlns:a14="http://schemas.microsoft.com/office/drawing/2010/main" val="0"/>
+              </a:ext>
+            </a:extLst>
+          </a:blip>
+          <a:stretch>
+            <a:fillRect/>
+          </a:stretch>
+        </p:blipFill>
+        <p:spPr>
+          <a:xfrm>
+            <a:off x="8329932" y="2241416"/>
+            <a:ext cx="468336" cy="485681"/>
+          </a:xfrm>
+          <a:prstGeom prst="rect">
+            <a:avLst/>
+          </a:prstGeom>
+        </p:spPr>
+      </p:pic>
+      <p:cxnSp>
+        <p:nvCxnSpPr>
+          <p:cNvPr id="25" name="直線矢印コネクタ 3">
+            <a:extLst>
+              <a:ext uri="{FF2B5EF4-FFF2-40B4-BE49-F238E27FC236}">
+                <a16:creationId xmlns:a16="http://schemas.microsoft.com/office/drawing/2014/main" id="{2374313C-66CC-EE49-A40B-1DF4080C2B08}"/>
+              </a:ext>
+            </a:extLst>
+          </p:cNvPr>
+          <p:cNvCxnSpPr>
+            <a:cxnSpLocks/>
+            <a:stCxn id="15" idx="1"/>
+            <a:endCxn id="27" idx="3"/>
+          </p:cNvCxnSpPr>
+          <p:nvPr/>
+        </p:nvCxnSpPr>
+        <p:spPr>
+          <a:xfrm flipH="1">
+            <a:off x="3959158" y="4717075"/>
+            <a:ext cx="3011735" cy="359264"/>
+          </a:xfrm>
+          <a:prstGeom prst="straightConnector1">
+            <a:avLst/>
+          </a:prstGeom>
+          <a:ln w="38100">
+            <a:solidFill>
+              <a:schemeClr val="tx1"/>
+            </a:solidFill>
+            <a:headEnd type="none" w="med" len="med"/>
+            <a:tailEnd type="none" w="med" len="med"/>
+          </a:ln>
+        </p:spPr>
+        <p:style>
+          <a:lnRef idx="1">
+            <a:schemeClr val="accent1"/>
+          </a:lnRef>
+          <a:fillRef idx="0">
+            <a:schemeClr val="accent1"/>
+          </a:fillRef>
+          <a:effectRef idx="0">
+            <a:schemeClr val="accent1"/>
+          </a:effectRef>
+          <a:fontRef idx="minor">
+            <a:schemeClr val="tx1"/>
+          </a:fontRef>
+        </p:style>
+      </p:cxnSp>
+      <p:pic>
+        <p:nvPicPr>
+          <p:cNvPr id="27" name="図 12">
+            <a:extLst>
+              <a:ext uri="{FF2B5EF4-FFF2-40B4-BE49-F238E27FC236}">
+                <a16:creationId xmlns:a16="http://schemas.microsoft.com/office/drawing/2014/main" id="{17C4C87B-7AC8-2745-88C5-BBD3B65CDB94}"/>
+              </a:ext>
+            </a:extLst>
+          </p:cNvPr>
+          <p:cNvPicPr>
+            <a:picLocks noChangeAspect="1"/>
+          </p:cNvPicPr>
+          <p:nvPr/>
+        </p:nvPicPr>
+        <p:blipFill>
+          <a:blip r:embed="rId8"/>
+          <a:stretch>
+            <a:fillRect/>
+          </a:stretch>
+        </p:blipFill>
+        <p:spPr>
+          <a:xfrm>
+            <a:off x="2828659" y="4698984"/>
+            <a:ext cx="1130499" cy="754710"/>
+          </a:xfrm>
+          <a:prstGeom prst="rect">
+            <a:avLst/>
+          </a:prstGeom>
+        </p:spPr>
+      </p:pic>
+      <p:cxnSp>
+        <p:nvCxnSpPr>
+          <p:cNvPr id="28" name="直線矢印コネクタ 36">
+            <a:extLst>
+              <a:ext uri="{FF2B5EF4-FFF2-40B4-BE49-F238E27FC236}">
+                <a16:creationId xmlns:a16="http://schemas.microsoft.com/office/drawing/2014/main" id="{77A7D8A3-DA24-9540-B626-B2749029DDB5}"/>
+              </a:ext>
+            </a:extLst>
+          </p:cNvPr>
+          <p:cNvCxnSpPr>
+            <a:cxnSpLocks/>
+            <a:stCxn id="27" idx="3"/>
+            <a:endCxn id="4" idx="1"/>
+          </p:cNvCxnSpPr>
+          <p:nvPr/>
+        </p:nvCxnSpPr>
+        <p:spPr>
+          <a:xfrm flipV="1">
+            <a:off x="3959158" y="2295872"/>
+            <a:ext cx="2952082" cy="2780467"/>
+          </a:xfrm>
+          <a:prstGeom prst="straightConnector1">
+            <a:avLst/>
+          </a:prstGeom>
+          <a:ln w="38100">
+            <a:solidFill>
+              <a:schemeClr val="tx1"/>
+            </a:solidFill>
+            <a:headEnd type="none" w="med" len="med"/>
+            <a:tailEnd type="none" w="med" len="med"/>
+          </a:ln>
+        </p:spPr>
+        <p:style>
+          <a:lnRef idx="1">
+            <a:schemeClr val="accent1"/>
+          </a:lnRef>
+          <a:fillRef idx="0">
+            <a:schemeClr val="accent1"/>
+          </a:fillRef>
+          <a:effectRef idx="0">
+            <a:schemeClr val="accent1"/>
+          </a:effectRef>
+          <a:fontRef idx="minor">
+            <a:schemeClr val="tx1"/>
+          </a:fontRef>
+        </p:style>
+      </p:cxnSp>
+      <p:sp>
+        <p:nvSpPr>
+          <p:cNvPr id="39" name="テキスト ボックス 77">
+            <a:extLst>
+              <a:ext uri="{FF2B5EF4-FFF2-40B4-BE49-F238E27FC236}">
+                <a16:creationId xmlns:a16="http://schemas.microsoft.com/office/drawing/2014/main" id="{A823E4D1-5EE4-6742-87A8-FA7F2F08B6B0}"/>
+              </a:ext>
+            </a:extLst>
+          </p:cNvPr>
+          <p:cNvSpPr txBox="1"/>
+          <p:nvPr/>
+        </p:nvSpPr>
+        <p:spPr>
+          <a:xfrm>
+            <a:off x="6439920" y="3795072"/>
+            <a:ext cx="1041952" cy="369332"/>
+          </a:xfrm>
+          <a:prstGeom prst="rect">
+            <a:avLst/>
+          </a:prstGeom>
+          <a:solidFill>
+            <a:schemeClr val="bg1"/>
+          </a:solidFill>
+        </p:spPr>
+        <p:txBody>
+          <a:bodyPr wrap="none" rtlCol="0">
+            <a:spAutoFit/>
+          </a:bodyPr>
+          <a:lstStyle/>
+          <a:p>
+            <a:r>
+              <a:rPr kumimoji="1" lang="en-US" altLang="ja-JP" dirty="0"/>
+              <a:t>Frontend</a:t>
+            </a:r>
+            <a:endParaRPr kumimoji="1" lang="ja-JP" altLang="en-US" dirty="0"/>
+          </a:p>
+        </p:txBody>
+      </p:sp>
+      <p:sp>
+        <p:nvSpPr>
+          <p:cNvPr id="40" name="テキスト ボックス 80">
+            <a:extLst>
+              <a:ext uri="{FF2B5EF4-FFF2-40B4-BE49-F238E27FC236}">
+                <a16:creationId xmlns:a16="http://schemas.microsoft.com/office/drawing/2014/main" id="{FAFAF5B1-37D3-B34F-883E-DE89F2EE9D04}"/>
+              </a:ext>
+            </a:extLst>
+          </p:cNvPr>
+          <p:cNvSpPr txBox="1"/>
+          <p:nvPr/>
+        </p:nvSpPr>
+        <p:spPr>
+          <a:xfrm>
+            <a:off x="6518674" y="1265932"/>
+            <a:ext cx="973921" cy="369332"/>
+          </a:xfrm>
+          <a:prstGeom prst="rect">
+            <a:avLst/>
+          </a:prstGeom>
+          <a:solidFill>
+            <a:schemeClr val="bg1"/>
+          </a:solidFill>
+        </p:spPr>
+        <p:txBody>
+          <a:bodyPr wrap="none" rtlCol="0">
+            <a:spAutoFit/>
+          </a:bodyPr>
+          <a:lstStyle/>
+          <a:p>
+            <a:r>
+              <a:rPr kumimoji="1" lang="en-US" altLang="ja-JP" dirty="0"/>
+              <a:t>Backend</a:t>
+            </a:r>
+            <a:endParaRPr kumimoji="1" lang="ja-JP" altLang="en-US" dirty="0"/>
+          </a:p>
+        </p:txBody>
+      </p:sp>
+      <p:sp>
+        <p:nvSpPr>
+          <p:cNvPr id="41" name="TextBox 40">
+            <a:extLst>
+              <a:ext uri="{FF2B5EF4-FFF2-40B4-BE49-F238E27FC236}">
+                <a16:creationId xmlns:a16="http://schemas.microsoft.com/office/drawing/2014/main" id="{6913B823-9E11-5247-9C56-0A51EF0D5622}"/>
+              </a:ext>
+            </a:extLst>
+          </p:cNvPr>
+          <p:cNvSpPr txBox="1"/>
+          <p:nvPr/>
+        </p:nvSpPr>
+        <p:spPr>
+          <a:xfrm>
+            <a:off x="2602795" y="5396105"/>
+            <a:ext cx="1582228" cy="369332"/>
+          </a:xfrm>
+          <a:prstGeom prst="rect">
+            <a:avLst/>
+          </a:prstGeom>
+          <a:noFill/>
+        </p:spPr>
+        <p:txBody>
+          <a:bodyPr wrap="none" rtlCol="0">
+            <a:spAutoFit/>
+          </a:bodyPr>
+          <a:lstStyle/>
+          <a:p>
+            <a:r>
+              <a:rPr lang="en-US" dirty="0"/>
+              <a:t>User (Browser)</a:t>
+            </a:r>
+          </a:p>
+        </p:txBody>
+      </p:sp>
+      <p:pic>
+        <p:nvPicPr>
+          <p:cNvPr id="50" name="図 12">
+            <a:extLst>
+              <a:ext uri="{FF2B5EF4-FFF2-40B4-BE49-F238E27FC236}">
+                <a16:creationId xmlns:a16="http://schemas.microsoft.com/office/drawing/2014/main" id="{12143ED7-1465-5E4D-8054-42550A815C13}"/>
+              </a:ext>
+            </a:extLst>
+          </p:cNvPr>
+          <p:cNvPicPr>
+            <a:picLocks noChangeAspect="1"/>
+          </p:cNvPicPr>
+          <p:nvPr/>
+        </p:nvPicPr>
+        <p:blipFill>
+          <a:blip r:embed="rId8"/>
+          <a:stretch>
+            <a:fillRect/>
+          </a:stretch>
+        </p:blipFill>
+        <p:spPr>
+          <a:xfrm>
+            <a:off x="2863401" y="1064262"/>
+            <a:ext cx="1130499" cy="754710"/>
+          </a:xfrm>
+          <a:prstGeom prst="rect">
+            <a:avLst/>
+          </a:prstGeom>
+        </p:spPr>
+      </p:pic>
+      <p:sp>
+        <p:nvSpPr>
+          <p:cNvPr id="51" name="TextBox 50">
+            <a:extLst>
+              <a:ext uri="{FF2B5EF4-FFF2-40B4-BE49-F238E27FC236}">
+                <a16:creationId xmlns:a16="http://schemas.microsoft.com/office/drawing/2014/main" id="{94363908-3F4C-8144-A89E-FD3E9974C503}"/>
+              </a:ext>
+            </a:extLst>
+          </p:cNvPr>
+          <p:cNvSpPr txBox="1"/>
+          <p:nvPr/>
+        </p:nvSpPr>
+        <p:spPr>
+          <a:xfrm>
+            <a:off x="2637537" y="1761383"/>
+            <a:ext cx="1582228" cy="369332"/>
+          </a:xfrm>
+          <a:prstGeom prst="rect">
+            <a:avLst/>
+          </a:prstGeom>
+          <a:noFill/>
+        </p:spPr>
+        <p:txBody>
+          <a:bodyPr wrap="none" rtlCol="0">
+            <a:spAutoFit/>
+          </a:bodyPr>
+          <a:lstStyle/>
+          <a:p>
+            <a:r>
+              <a:rPr lang="en-US" dirty="0"/>
+              <a:t>User (Browser)</a:t>
+            </a:r>
+          </a:p>
+        </p:txBody>
+      </p:sp>
+      <p:cxnSp>
+        <p:nvCxnSpPr>
+          <p:cNvPr id="52" name="直線矢印コネクタ 3">
+            <a:extLst>
+              <a:ext uri="{FF2B5EF4-FFF2-40B4-BE49-F238E27FC236}">
+                <a16:creationId xmlns:a16="http://schemas.microsoft.com/office/drawing/2014/main" id="{4EC3CB65-C0F2-294D-BAEF-23A798D51810}"/>
+              </a:ext>
+            </a:extLst>
+          </p:cNvPr>
+          <p:cNvCxnSpPr>
+            <a:cxnSpLocks/>
+            <a:stCxn id="15" idx="1"/>
+            <a:endCxn id="50" idx="3"/>
+          </p:cNvCxnSpPr>
+          <p:nvPr/>
+        </p:nvCxnSpPr>
+        <p:spPr>
+          <a:xfrm flipH="1" flipV="1">
+            <a:off x="3993900" y="1441617"/>
+            <a:ext cx="2976993" cy="3275458"/>
+          </a:xfrm>
+          <a:prstGeom prst="straightConnector1">
+            <a:avLst/>
+          </a:prstGeom>
+          <a:ln w="38100">
+            <a:solidFill>
+              <a:schemeClr val="tx1"/>
+            </a:solidFill>
+            <a:headEnd type="none" w="med" len="med"/>
+            <a:tailEnd type="none" w="med" len="med"/>
+          </a:ln>
+        </p:spPr>
+        <p:style>
+          <a:lnRef idx="1">
+            <a:schemeClr val="accent1"/>
+          </a:lnRef>
+          <a:fillRef idx="0">
+            <a:schemeClr val="accent1"/>
+          </a:fillRef>
+          <a:effectRef idx="0">
+            <a:schemeClr val="accent1"/>
+          </a:effectRef>
+          <a:fontRef idx="minor">
+            <a:schemeClr val="tx1"/>
+          </a:fontRef>
+        </p:style>
+      </p:cxnSp>
+      <p:sp>
+        <p:nvSpPr>
+          <p:cNvPr id="8" name="TextBox 7">
+            <a:extLst>
+              <a:ext uri="{FF2B5EF4-FFF2-40B4-BE49-F238E27FC236}">
+                <a16:creationId xmlns:a16="http://schemas.microsoft.com/office/drawing/2014/main" id="{C1158866-D82B-3B4A-B3B5-7BE842792A46}"/>
+              </a:ext>
+            </a:extLst>
+          </p:cNvPr>
+          <p:cNvSpPr txBox="1"/>
+          <p:nvPr/>
+        </p:nvSpPr>
+        <p:spPr>
+          <a:xfrm>
+            <a:off x="3471882" y="4570781"/>
+            <a:ext cx="822960" cy="165157"/>
+          </a:xfrm>
+          <a:prstGeom prst="rect">
+            <a:avLst/>
+          </a:prstGeom>
+          <a:solidFill>
+            <a:schemeClr val="bg1"/>
+          </a:solidFill>
+        </p:spPr>
+        <p:txBody>
+          <a:bodyPr wrap="none" lIns="0" tIns="0" rIns="0" bIns="0" rtlCol="0" anchor="t">
+            <a:noAutofit/>
+          </a:bodyPr>
+          <a:lstStyle/>
+          <a:p>
+            <a:pPr algn="ctr"/>
+            <a:r>
+              <a:rPr lang="en-US" sz="1100" dirty="0">
+                <a:latin typeface="Helvetica Neue"/>
+                <a:cs typeface="Helvetica Neue"/>
+              </a:rPr>
+              <a:t>JavaScript</a:t>
+            </a:r>
+          </a:p>
+        </p:txBody>
+      </p:sp>
+      <p:pic>
+        <p:nvPicPr>
+          <p:cNvPr id="56" name="Picture 55">
+            <a:extLst>
+              <a:ext uri="{FF2B5EF4-FFF2-40B4-BE49-F238E27FC236}">
+                <a16:creationId xmlns:a16="http://schemas.microsoft.com/office/drawing/2014/main" id="{227DA0B7-5BA2-2F42-986D-35469F792C6D}"/>
+              </a:ext>
+            </a:extLst>
+          </p:cNvPr>
+          <p:cNvPicPr>
+            <a:picLocks noChangeAspect="1"/>
+          </p:cNvPicPr>
+          <p:nvPr/>
+        </p:nvPicPr>
+        <p:blipFill>
+          <a:blip r:embed="rId4">
+            <a:extLst>
+              <a:ext uri="{28A0092B-C50C-407E-A947-70E740481C1C}">
+                <a14:useLocalDpi xmlns:a14="http://schemas.microsoft.com/office/drawing/2010/main" val="0"/>
+              </a:ext>
+            </a:extLst>
+          </a:blip>
+          <a:stretch>
+            <a:fillRect/>
+          </a:stretch>
+        </p:blipFill>
+        <p:spPr>
+          <a:xfrm>
+            <a:off x="3998491" y="418741"/>
+            <a:ext cx="659718" cy="759675"/>
+          </a:xfrm>
+          <a:prstGeom prst="rect">
+            <a:avLst/>
+          </a:prstGeom>
+        </p:spPr>
+      </p:pic>
+      <p:cxnSp>
+        <p:nvCxnSpPr>
+          <p:cNvPr id="58" name="直線矢印コネクタ 36">
+            <a:extLst>
+              <a:ext uri="{FF2B5EF4-FFF2-40B4-BE49-F238E27FC236}">
+                <a16:creationId xmlns:a16="http://schemas.microsoft.com/office/drawing/2014/main" id="{5816980A-E8D2-5D43-BB4C-A393EBCF2443}"/>
+              </a:ext>
+            </a:extLst>
+          </p:cNvPr>
+          <p:cNvCxnSpPr>
+            <a:cxnSpLocks/>
+            <a:endCxn id="4" idx="1"/>
+          </p:cNvCxnSpPr>
+          <p:nvPr/>
+        </p:nvCxnSpPr>
+        <p:spPr>
+          <a:xfrm>
+            <a:off x="3970379" y="1423011"/>
+            <a:ext cx="2940861" cy="872861"/>
+          </a:xfrm>
+          <a:prstGeom prst="straightConnector1">
+            <a:avLst/>
+          </a:prstGeom>
+          <a:ln w="38100">
+            <a:solidFill>
+              <a:schemeClr val="tx1"/>
+            </a:solidFill>
+            <a:headEnd type="none" w="med" len="med"/>
+            <a:tailEnd type="none" w="med" len="med"/>
+          </a:ln>
+        </p:spPr>
+        <p:style>
+          <a:lnRef idx="1">
+            <a:schemeClr val="accent1"/>
+          </a:lnRef>
+          <a:fillRef idx="0">
+            <a:schemeClr val="accent1"/>
+          </a:fillRef>
+          <a:effectRef idx="0">
+            <a:schemeClr val="accent1"/>
+          </a:effectRef>
+          <a:fontRef idx="minor">
+            <a:schemeClr val="tx1"/>
+          </a:fontRef>
+        </p:style>
+      </p:cxnSp>
+      <p:sp>
+        <p:nvSpPr>
+          <p:cNvPr id="57" name="TextBox 56">
+            <a:extLst>
+              <a:ext uri="{FF2B5EF4-FFF2-40B4-BE49-F238E27FC236}">
+                <a16:creationId xmlns:a16="http://schemas.microsoft.com/office/drawing/2014/main" id="{262B4BD3-25E2-1940-BAA4-3892AC96179C}"/>
+              </a:ext>
+            </a:extLst>
+          </p:cNvPr>
+          <p:cNvSpPr txBox="1"/>
+          <p:nvPr/>
+        </p:nvSpPr>
+        <p:spPr>
+          <a:xfrm>
+            <a:off x="3887060" y="1183552"/>
+            <a:ext cx="822960" cy="190552"/>
+          </a:xfrm>
+          <a:prstGeom prst="rect">
+            <a:avLst/>
+          </a:prstGeom>
+          <a:solidFill>
+            <a:schemeClr val="bg1"/>
+          </a:solidFill>
+        </p:spPr>
+        <p:txBody>
+          <a:bodyPr wrap="none" lIns="0" tIns="0" rIns="0" bIns="0" rtlCol="0" anchor="t">
+            <a:noAutofit/>
+          </a:bodyPr>
+          <a:lstStyle/>
+          <a:p>
+            <a:pPr algn="ctr"/>
+            <a:r>
+              <a:rPr lang="en-US" sz="1100" dirty="0">
+                <a:latin typeface="Helvetica Neue"/>
+                <a:cs typeface="Helvetica Neue"/>
+              </a:rPr>
+              <a:t>JavaScript</a:t>
+            </a:r>
+          </a:p>
+        </p:txBody>
+      </p:sp>
+      <p:sp>
+        <p:nvSpPr>
+          <p:cNvPr id="71" name="Freeform 70">
+            <a:extLst>
+              <a:ext uri="{FF2B5EF4-FFF2-40B4-BE49-F238E27FC236}">
+                <a16:creationId xmlns:a16="http://schemas.microsoft.com/office/drawing/2014/main" id="{328C6637-363B-5D42-84A8-2163A735873D}"/>
+              </a:ext>
+            </a:extLst>
+          </p:cNvPr>
+          <p:cNvSpPr/>
+          <p:nvPr/>
+        </p:nvSpPr>
+        <p:spPr>
+          <a:xfrm>
+            <a:off x="2602795" y="1530850"/>
+            <a:ext cx="4312340" cy="3539608"/>
+          </a:xfrm>
+          <a:custGeom>
+            <a:avLst/>
+            <a:gdLst>
+              <a:gd name="connsiteX0" fmla="*/ 0 w 2743523"/>
+              <a:gd name="connsiteY0" fmla="*/ 0 h 3462391"/>
+              <a:gd name="connsiteX1" fmla="*/ 2743200 w 2743523"/>
+              <a:gd name="connsiteY1" fmla="*/ 842481 h 3462391"/>
+              <a:gd name="connsiteX2" fmla="*/ 143838 w 2743523"/>
+              <a:gd name="connsiteY2" fmla="*/ 3462391 h 3462391"/>
+            </a:gdLst>
+            <a:ahLst/>
+            <a:cxnLst>
+              <a:cxn ang="0">
+                <a:pos x="connsiteX0" y="connsiteY0"/>
+              </a:cxn>
+              <a:cxn ang="0">
+                <a:pos x="connsiteX1" y="connsiteY1"/>
+              </a:cxn>
+              <a:cxn ang="0">
+                <a:pos x="connsiteX2" y="connsiteY2"/>
+              </a:cxn>
+            </a:cxnLst>
+            <a:rect l="l" t="t" r="r" b="b"/>
+            <a:pathLst>
+              <a:path w="2743523" h="3462391">
+                <a:moveTo>
+                  <a:pt x="0" y="0"/>
+                </a:moveTo>
+                <a:cubicBezTo>
+                  <a:pt x="1359613" y="132708"/>
+                  <a:pt x="2719227" y="265416"/>
+                  <a:pt x="2743200" y="842481"/>
+                </a:cubicBezTo>
+                <a:cubicBezTo>
+                  <a:pt x="2767173" y="1419546"/>
+                  <a:pt x="1455505" y="2440968"/>
+                  <a:pt x="143838" y="3462391"/>
+                </a:cubicBezTo>
+              </a:path>
+            </a:pathLst>
+          </a:custGeom>
+          <a:noFill/>
+          <a:ln w="76200">
+            <a:solidFill>
+              <a:srgbClr val="FF0000"/>
+            </a:solidFill>
+            <a:headEnd type="triangle" w="med" len="med"/>
+            <a:tailEnd type="triangle" w="med" len="med"/>
+          </a:ln>
+        </p:spPr>
+        <p:style>
+          <a:lnRef idx="2">
+            <a:schemeClr val="accent1">
+              <a:shade val="50000"/>
+            </a:schemeClr>
+          </a:lnRef>
+          <a:fillRef idx="1">
+            <a:schemeClr val="accent1"/>
+          </a:fillRef>
+          <a:effectRef idx="0">
+            <a:schemeClr val="accent1"/>
+          </a:effectRef>
+          <a:fontRef idx="minor">
+            <a:schemeClr val="lt1"/>
+          </a:fontRef>
+        </p:style>
+        <p:txBody>
+          <a:bodyPr rtlCol="0" anchor="ctr"/>
+          <a:lstStyle/>
+          <a:p>
+            <a:pPr algn="ctr"/>
+            <a:endParaRPr lang="en-US"/>
+          </a:p>
+        </p:txBody>
+      </p:sp>
+      <p:sp>
+        <p:nvSpPr>
+          <p:cNvPr id="72" name="Rounded Rectangular Callout 71">
+            <a:extLst>
+              <a:ext uri="{FF2B5EF4-FFF2-40B4-BE49-F238E27FC236}">
+                <a16:creationId xmlns:a16="http://schemas.microsoft.com/office/drawing/2014/main" id="{7EF9D729-B477-8343-9CED-E596CEC2D5F5}"/>
+              </a:ext>
+            </a:extLst>
+          </p:cNvPr>
+          <p:cNvSpPr/>
+          <p:nvPr/>
+        </p:nvSpPr>
+        <p:spPr>
+          <a:xfrm>
+            <a:off x="45220" y="2842392"/>
+            <a:ext cx="2734096" cy="623419"/>
+          </a:xfrm>
+          <a:prstGeom prst="wedgeRoundRectCallout">
+            <a:avLst>
+              <a:gd name="adj1" fmla="val 36322"/>
+              <a:gd name="adj2" fmla="val -200057"/>
+              <a:gd name="adj3" fmla="val 16667"/>
+            </a:avLst>
+          </a:prstGeom>
+          <a:solidFill>
+            <a:schemeClr val="bg1"/>
+          </a:solidFill>
+          <a:ln w="38100">
+            <a:solidFill>
+              <a:schemeClr val="tx1"/>
+            </a:solidFill>
+          </a:ln>
+        </p:spPr>
+        <p:style>
+          <a:lnRef idx="2">
+            <a:schemeClr val="accent1">
+              <a:shade val="50000"/>
+            </a:schemeClr>
+          </a:lnRef>
+          <a:fillRef idx="1">
+            <a:schemeClr val="accent1"/>
+          </a:fillRef>
+          <a:effectRef idx="0">
+            <a:schemeClr val="accent1"/>
+          </a:effectRef>
+          <a:fontRef idx="minor">
+            <a:schemeClr val="lt1"/>
+          </a:fontRef>
+        </p:style>
+        <p:txBody>
+          <a:bodyPr rtlCol="0" anchor="ctr"/>
+          <a:lstStyle/>
+          <a:p>
+            <a:r>
+              <a:rPr lang="en-US" dirty="0">
+                <a:solidFill>
+                  <a:srgbClr val="002060"/>
+                </a:solidFill>
+              </a:rPr>
+              <a:t>Data should be disclosed only to authorized users.</a:t>
+            </a:r>
+          </a:p>
+        </p:txBody>
+      </p:sp>
+      <p:pic>
+        <p:nvPicPr>
+          <p:cNvPr id="76" name="Picture 75">
+            <a:extLst>
+              <a:ext uri="{FF2B5EF4-FFF2-40B4-BE49-F238E27FC236}">
+                <a16:creationId xmlns:a16="http://schemas.microsoft.com/office/drawing/2014/main" id="{8901BF6D-AA58-DB4C-8CB9-00825F3C4180}"/>
+              </a:ext>
+            </a:extLst>
+          </p:cNvPr>
+          <p:cNvPicPr>
+            <a:picLocks noChangeAspect="1"/>
+          </p:cNvPicPr>
+          <p:nvPr/>
+        </p:nvPicPr>
+        <p:blipFill>
+          <a:blip r:embed="rId9"/>
+          <a:stretch>
+            <a:fillRect/>
+          </a:stretch>
+        </p:blipFill>
+        <p:spPr>
+          <a:xfrm>
+            <a:off x="1889165" y="1122109"/>
+            <a:ext cx="811960" cy="811960"/>
+          </a:xfrm>
+          <a:prstGeom prst="rect">
+            <a:avLst/>
+          </a:prstGeom>
+        </p:spPr>
+      </p:pic>
+      <p:pic>
+        <p:nvPicPr>
+          <p:cNvPr id="77" name="Picture 76">
+            <a:extLst>
+              <a:ext uri="{FF2B5EF4-FFF2-40B4-BE49-F238E27FC236}">
+                <a16:creationId xmlns:a16="http://schemas.microsoft.com/office/drawing/2014/main" id="{C4ED0750-6471-6F40-AED6-BEC1E986C5E1}"/>
+              </a:ext>
+            </a:extLst>
+          </p:cNvPr>
+          <p:cNvPicPr>
+            <a:picLocks noChangeAspect="1"/>
+          </p:cNvPicPr>
+          <p:nvPr/>
+        </p:nvPicPr>
+        <p:blipFill>
+          <a:blip r:embed="rId9"/>
+          <a:stretch>
+            <a:fillRect/>
+          </a:stretch>
+        </p:blipFill>
+        <p:spPr>
+          <a:xfrm>
+            <a:off x="2010304" y="4682356"/>
+            <a:ext cx="811960" cy="811960"/>
+          </a:xfrm>
+          <a:prstGeom prst="rect">
+            <a:avLst/>
+          </a:prstGeom>
+        </p:spPr>
+      </p:pic>
+      <p:pic>
+        <p:nvPicPr>
+          <p:cNvPr id="36" name="Picture 35">
+            <a:extLst>
+              <a:ext uri="{FF2B5EF4-FFF2-40B4-BE49-F238E27FC236}">
+                <a16:creationId xmlns:a16="http://schemas.microsoft.com/office/drawing/2014/main" id="{861F2069-DDDB-9F48-9CCA-87F302EAD760}"/>
+              </a:ext>
+            </a:extLst>
+          </p:cNvPr>
+          <p:cNvPicPr>
+            <a:picLocks noChangeAspect="1"/>
+          </p:cNvPicPr>
+          <p:nvPr/>
+        </p:nvPicPr>
+        <p:blipFill>
+          <a:blip r:embed="rId10"/>
+          <a:stretch>
+            <a:fillRect/>
+          </a:stretch>
+        </p:blipFill>
+        <p:spPr>
+          <a:xfrm>
+            <a:off x="8967018" y="725614"/>
+            <a:ext cx="1057298" cy="962260"/>
+          </a:xfrm>
+          <a:prstGeom prst="rect">
+            <a:avLst/>
+          </a:prstGeom>
+        </p:spPr>
+      </p:pic>
+      <p:pic>
+        <p:nvPicPr>
+          <p:cNvPr id="37" name="Picture 36">
+            <a:extLst>
+              <a:ext uri="{FF2B5EF4-FFF2-40B4-BE49-F238E27FC236}">
+                <a16:creationId xmlns:a16="http://schemas.microsoft.com/office/drawing/2014/main" id="{4C2F5E0D-4B04-0B49-B02F-FF643889AF9C}"/>
+              </a:ext>
+            </a:extLst>
+          </p:cNvPr>
+          <p:cNvPicPr>
+            <a:picLocks noChangeAspect="1"/>
+          </p:cNvPicPr>
+          <p:nvPr/>
+        </p:nvPicPr>
+        <p:blipFill>
+          <a:blip r:embed="rId9"/>
+          <a:stretch>
+            <a:fillRect/>
+          </a:stretch>
+        </p:blipFill>
+        <p:spPr>
+          <a:xfrm>
+            <a:off x="8464263" y="1284631"/>
+            <a:ext cx="811960" cy="811960"/>
+          </a:xfrm>
+          <a:prstGeom prst="rect">
+            <a:avLst/>
+          </a:prstGeom>
+        </p:spPr>
+      </p:pic>
+      <p:sp>
+        <p:nvSpPr>
+          <p:cNvPr id="38" name="Cross 37">
+            <a:extLst>
+              <a:ext uri="{FF2B5EF4-FFF2-40B4-BE49-F238E27FC236}">
+                <a16:creationId xmlns:a16="http://schemas.microsoft.com/office/drawing/2014/main" id="{3A8D4A4A-BBE8-2846-8D97-9CAD9BD484E4}"/>
+              </a:ext>
+            </a:extLst>
+          </p:cNvPr>
+          <p:cNvSpPr/>
+          <p:nvPr/>
+        </p:nvSpPr>
+        <p:spPr>
+          <a:xfrm rot="18731972">
+            <a:off x="8325618" y="725845"/>
+            <a:ext cx="1396666" cy="1393816"/>
+          </a:xfrm>
+          <a:prstGeom prst="plus">
+            <a:avLst>
+              <a:gd name="adj" fmla="val 44101"/>
+            </a:avLst>
+          </a:prstGeom>
+          <a:solidFill>
+            <a:srgbClr val="FF0000"/>
+          </a:solidFill>
+        </p:spPr>
+        <p:style>
+          <a:lnRef idx="2">
+            <a:schemeClr val="accent1">
+              <a:shade val="50000"/>
+            </a:schemeClr>
+          </a:lnRef>
+          <a:fillRef idx="1">
+            <a:schemeClr val="accent1"/>
+          </a:fillRef>
+          <a:effectRef idx="0">
+            <a:schemeClr val="accent1"/>
+          </a:effectRef>
+          <a:fontRef idx="minor">
+            <a:schemeClr val="lt1"/>
+          </a:fontRef>
+        </p:style>
+        <p:txBody>
+          <a:bodyPr rtlCol="0" anchor="ctr"/>
+          <a:lstStyle/>
+          <a:p>
+            <a:pPr algn="ctr"/>
+            <a:endParaRPr lang="en-US" dirty="0"/>
+          </a:p>
+        </p:txBody>
+      </p:sp>
+      <p:sp>
+        <p:nvSpPr>
+          <p:cNvPr id="42" name="Rounded Rectangular Callout 41">
+            <a:extLst>
+              <a:ext uri="{FF2B5EF4-FFF2-40B4-BE49-F238E27FC236}">
+                <a16:creationId xmlns:a16="http://schemas.microsoft.com/office/drawing/2014/main" id="{A8E0C4FC-1565-6144-8962-768BA3C22890}"/>
+              </a:ext>
+            </a:extLst>
+          </p:cNvPr>
+          <p:cNvSpPr/>
+          <p:nvPr/>
+        </p:nvSpPr>
+        <p:spPr>
+          <a:xfrm>
+            <a:off x="9153676" y="2342141"/>
+            <a:ext cx="2734096" cy="883597"/>
+          </a:xfrm>
+          <a:prstGeom prst="wedgeRoundRectCallout">
+            <a:avLst>
+              <a:gd name="adj1" fmla="val -50483"/>
+              <a:gd name="adj2" fmla="val -89594"/>
+              <a:gd name="adj3" fmla="val 16667"/>
+            </a:avLst>
+          </a:prstGeom>
+          <a:solidFill>
+            <a:schemeClr val="bg1"/>
+          </a:solidFill>
+          <a:ln w="38100">
+            <a:solidFill>
+              <a:schemeClr val="tx1"/>
+            </a:solidFill>
+          </a:ln>
+        </p:spPr>
+        <p:style>
+          <a:lnRef idx="2">
+            <a:schemeClr val="accent1">
+              <a:shade val="50000"/>
+            </a:schemeClr>
+          </a:lnRef>
+          <a:fillRef idx="1">
+            <a:schemeClr val="accent1"/>
+          </a:fillRef>
+          <a:effectRef idx="0">
+            <a:schemeClr val="accent1"/>
+          </a:effectRef>
+          <a:fontRef idx="minor">
+            <a:schemeClr val="lt1"/>
+          </a:fontRef>
+        </p:style>
+        <p:txBody>
+          <a:bodyPr rtlCol="0" anchor="ctr"/>
+          <a:lstStyle/>
+          <a:p>
+            <a:r>
+              <a:rPr lang="en-US" dirty="0">
+                <a:solidFill>
+                  <a:srgbClr val="FF0000"/>
+                </a:solidFill>
+              </a:rPr>
+              <a:t>Data should NOT be disclosed even to platform provider…</a:t>
+            </a:r>
+          </a:p>
+        </p:txBody>
+      </p:sp>
+    </p:spTree>
+    <p:extLst>
+      <p:ext uri="{BB962C8B-B14F-4D97-AF65-F5344CB8AC3E}">
+        <p14:creationId xmlns:p14="http://schemas.microsoft.com/office/powerpoint/2010/main" val="1690195985"/>
       </p:ext>
     </p:extLst>
   </p:cSld>

--- a/slides/Figs/images.pptx
+++ b/slides/Figs/images.pptx
@@ -4,6 +4,9 @@
   <p:sldMasterIdLst>
     <p:sldMasterId id="2147483648" r:id="rId1"/>
   </p:sldMasterIdLst>
+  <p:notesMasterIdLst>
+    <p:notesMasterId r:id="rId10"/>
+  </p:notesMasterIdLst>
   <p:sldIdLst>
     <p:sldId id="256" r:id="rId2"/>
     <p:sldId id="257" r:id="rId3"/>
@@ -11,6 +14,8 @@
     <p:sldId id="259" r:id="rId5"/>
     <p:sldId id="260" r:id="rId6"/>
     <p:sldId id="261" r:id="rId7"/>
+    <p:sldId id="262" r:id="rId8"/>
+    <p:sldId id="263" r:id="rId9"/>
   </p:sldIdLst>
   <p:sldSz cx="12192000" cy="6858000"/>
   <p:notesSz cx="6858000" cy="9144000"/>
@@ -117,6 +122,439 @@
 </p:presentation>
 </file>
 
+<file path=ppt/notesMasters/notesMaster1.xml><?xml version="1.0" encoding="utf-8"?>
+<p:notesMaster xmlns:a="http://schemas.openxmlformats.org/drawingml/2006/main" xmlns:r="http://schemas.openxmlformats.org/officeDocument/2006/relationships" xmlns:p="http://schemas.openxmlformats.org/presentationml/2006/main">
+  <p:cSld>
+    <p:bg>
+      <p:bgRef idx="1001">
+        <a:schemeClr val="bg1"/>
+      </p:bgRef>
+    </p:bg>
+    <p:spTree>
+      <p:nvGrpSpPr>
+        <p:cNvPr id="1" name=""/>
+        <p:cNvGrpSpPr/>
+        <p:nvPr/>
+      </p:nvGrpSpPr>
+      <p:grpSpPr>
+        <a:xfrm>
+          <a:off x="0" y="0"/>
+          <a:ext cx="0" cy="0"/>
+          <a:chOff x="0" y="0"/>
+          <a:chExt cx="0" cy="0"/>
+        </a:xfrm>
+      </p:grpSpPr>
+      <p:sp>
+        <p:nvSpPr>
+          <p:cNvPr id="2" name="Header Placeholder 1"/>
+          <p:cNvSpPr>
+            <a:spLocks noGrp="1"/>
+          </p:cNvSpPr>
+          <p:nvPr>
+            <p:ph type="hdr" sz="quarter"/>
+          </p:nvPr>
+        </p:nvSpPr>
+        <p:spPr>
+          <a:xfrm>
+            <a:off x="0" y="0"/>
+            <a:ext cx="2971800" cy="458788"/>
+          </a:xfrm>
+          <a:prstGeom prst="rect">
+            <a:avLst/>
+          </a:prstGeom>
+        </p:spPr>
+        <p:txBody>
+          <a:bodyPr vert="horz" lIns="91440" tIns="45720" rIns="91440" bIns="45720" rtlCol="0"/>
+          <a:lstStyle>
+            <a:lvl1pPr algn="l">
+              <a:defRPr sz="1200"/>
+            </a:lvl1pPr>
+          </a:lstStyle>
+          <a:p>
+            <a:endParaRPr lang="en-US"/>
+          </a:p>
+        </p:txBody>
+      </p:sp>
+      <p:sp>
+        <p:nvSpPr>
+          <p:cNvPr id="3" name="Date Placeholder 2"/>
+          <p:cNvSpPr>
+            <a:spLocks noGrp="1"/>
+          </p:cNvSpPr>
+          <p:nvPr>
+            <p:ph type="dt" idx="1"/>
+          </p:nvPr>
+        </p:nvSpPr>
+        <p:spPr>
+          <a:xfrm>
+            <a:off x="3884613" y="0"/>
+            <a:ext cx="2971800" cy="458788"/>
+          </a:xfrm>
+          <a:prstGeom prst="rect">
+            <a:avLst/>
+          </a:prstGeom>
+        </p:spPr>
+        <p:txBody>
+          <a:bodyPr vert="horz" lIns="91440" tIns="45720" rIns="91440" bIns="45720" rtlCol="0"/>
+          <a:lstStyle>
+            <a:lvl1pPr algn="r">
+              <a:defRPr sz="1200"/>
+            </a:lvl1pPr>
+          </a:lstStyle>
+          <a:p>
+            <a:fld id="{7CEEDDC0-DF20-AC46-B752-4D05A37D4059}" type="datetimeFigureOut">
+              <a:rPr lang="en-US" smtClean="0"/>
+              <a:t>8/1/19</a:t>
+            </a:fld>
+            <a:endParaRPr lang="en-US"/>
+          </a:p>
+        </p:txBody>
+      </p:sp>
+      <p:sp>
+        <p:nvSpPr>
+          <p:cNvPr id="4" name="Slide Image Placeholder 3"/>
+          <p:cNvSpPr>
+            <a:spLocks noGrp="1" noRot="1" noChangeAspect="1"/>
+          </p:cNvSpPr>
+          <p:nvPr>
+            <p:ph type="sldImg" idx="2"/>
+          </p:nvPr>
+        </p:nvSpPr>
+        <p:spPr>
+          <a:xfrm>
+            <a:off x="685800" y="1143000"/>
+            <a:ext cx="5486400" cy="3086100"/>
+          </a:xfrm>
+          <a:prstGeom prst="rect">
+            <a:avLst/>
+          </a:prstGeom>
+          <a:noFill/>
+          <a:ln w="12700">
+            <a:solidFill>
+              <a:prstClr val="black"/>
+            </a:solidFill>
+          </a:ln>
+        </p:spPr>
+        <p:txBody>
+          <a:bodyPr vert="horz" lIns="91440" tIns="45720" rIns="91440" bIns="45720" rtlCol="0" anchor="ctr"/>
+          <a:lstStyle/>
+          <a:p>
+            <a:endParaRPr lang="en-US"/>
+          </a:p>
+        </p:txBody>
+      </p:sp>
+      <p:sp>
+        <p:nvSpPr>
+          <p:cNvPr id="5" name="Notes Placeholder 4"/>
+          <p:cNvSpPr>
+            <a:spLocks noGrp="1"/>
+          </p:cNvSpPr>
+          <p:nvPr>
+            <p:ph type="body" sz="quarter" idx="3"/>
+          </p:nvPr>
+        </p:nvSpPr>
+        <p:spPr>
+          <a:xfrm>
+            <a:off x="685800" y="4400550"/>
+            <a:ext cx="5486400" cy="3600450"/>
+          </a:xfrm>
+          <a:prstGeom prst="rect">
+            <a:avLst/>
+          </a:prstGeom>
+        </p:spPr>
+        <p:txBody>
+          <a:bodyPr vert="horz" lIns="91440" tIns="45720" rIns="91440" bIns="45720" rtlCol="0"/>
+          <a:lstStyle/>
+          <a:p>
+            <a:pPr lvl="0"/>
+            <a:r>
+              <a:rPr lang="en-US"/>
+              <a:t>Click to edit Master text styles</a:t>
+            </a:r>
+          </a:p>
+          <a:p>
+            <a:pPr lvl="1"/>
+            <a:r>
+              <a:rPr lang="en-US"/>
+              <a:t>Second level</a:t>
+            </a:r>
+          </a:p>
+          <a:p>
+            <a:pPr lvl="2"/>
+            <a:r>
+              <a:rPr lang="en-US"/>
+              <a:t>Third level</a:t>
+            </a:r>
+          </a:p>
+          <a:p>
+            <a:pPr lvl="3"/>
+            <a:r>
+              <a:rPr lang="en-US"/>
+              <a:t>Fourth level</a:t>
+            </a:r>
+          </a:p>
+          <a:p>
+            <a:pPr lvl="4"/>
+            <a:r>
+              <a:rPr lang="en-US"/>
+              <a:t>Fifth level</a:t>
+            </a:r>
+          </a:p>
+        </p:txBody>
+      </p:sp>
+      <p:sp>
+        <p:nvSpPr>
+          <p:cNvPr id="6" name="Footer Placeholder 5"/>
+          <p:cNvSpPr>
+            <a:spLocks noGrp="1"/>
+          </p:cNvSpPr>
+          <p:nvPr>
+            <p:ph type="ftr" sz="quarter" idx="4"/>
+          </p:nvPr>
+        </p:nvSpPr>
+        <p:spPr>
+          <a:xfrm>
+            <a:off x="0" y="8685213"/>
+            <a:ext cx="2971800" cy="458787"/>
+          </a:xfrm>
+          <a:prstGeom prst="rect">
+            <a:avLst/>
+          </a:prstGeom>
+        </p:spPr>
+        <p:txBody>
+          <a:bodyPr vert="horz" lIns="91440" tIns="45720" rIns="91440" bIns="45720" rtlCol="0" anchor="b"/>
+          <a:lstStyle>
+            <a:lvl1pPr algn="l">
+              <a:defRPr sz="1200"/>
+            </a:lvl1pPr>
+          </a:lstStyle>
+          <a:p>
+            <a:endParaRPr lang="en-US"/>
+          </a:p>
+        </p:txBody>
+      </p:sp>
+      <p:sp>
+        <p:nvSpPr>
+          <p:cNvPr id="7" name="Slide Number Placeholder 6"/>
+          <p:cNvSpPr>
+            <a:spLocks noGrp="1"/>
+          </p:cNvSpPr>
+          <p:nvPr>
+            <p:ph type="sldNum" sz="quarter" idx="5"/>
+          </p:nvPr>
+        </p:nvSpPr>
+        <p:spPr>
+          <a:xfrm>
+            <a:off x="3884613" y="8685213"/>
+            <a:ext cx="2971800" cy="458787"/>
+          </a:xfrm>
+          <a:prstGeom prst="rect">
+            <a:avLst/>
+          </a:prstGeom>
+        </p:spPr>
+        <p:txBody>
+          <a:bodyPr vert="horz" lIns="91440" tIns="45720" rIns="91440" bIns="45720" rtlCol="0" anchor="b"/>
+          <a:lstStyle>
+            <a:lvl1pPr algn="r">
+              <a:defRPr sz="1200"/>
+            </a:lvl1pPr>
+          </a:lstStyle>
+          <a:p>
+            <a:fld id="{65EEC5EA-871C-8443-843A-02E75F9C7A0B}" type="slidenum">
+              <a:rPr lang="en-US" smtClean="0"/>
+              <a:t>‹#›</a:t>
+            </a:fld>
+            <a:endParaRPr lang="en-US"/>
+          </a:p>
+        </p:txBody>
+      </p:sp>
+    </p:spTree>
+    <p:extLst>
+      <p:ext uri="{BB962C8B-B14F-4D97-AF65-F5344CB8AC3E}">
+        <p14:creationId xmlns:p14="http://schemas.microsoft.com/office/powerpoint/2010/main" val="797481810"/>
+      </p:ext>
+    </p:extLst>
+  </p:cSld>
+  <p:clrMap bg1="lt1" tx1="dk1" bg2="lt2" tx2="dk2" accent1="accent1" accent2="accent2" accent3="accent3" accent4="accent4" accent5="accent5" accent6="accent6" hlink="hlink" folHlink="folHlink"/>
+  <p:notesStyle>
+    <a:lvl1pPr marL="0" algn="l" defTabSz="914400" rtl="0" eaLnBrk="1" latinLnBrk="0" hangingPunct="1">
+      <a:defRPr sz="1200" kern="1200">
+        <a:solidFill>
+          <a:schemeClr val="tx1"/>
+        </a:solidFill>
+        <a:latin typeface="+mn-lt"/>
+        <a:ea typeface="+mn-ea"/>
+        <a:cs typeface="+mn-cs"/>
+      </a:defRPr>
+    </a:lvl1pPr>
+    <a:lvl2pPr marL="457200" algn="l" defTabSz="914400" rtl="0" eaLnBrk="1" latinLnBrk="0" hangingPunct="1">
+      <a:defRPr sz="1200" kern="1200">
+        <a:solidFill>
+          <a:schemeClr val="tx1"/>
+        </a:solidFill>
+        <a:latin typeface="+mn-lt"/>
+        <a:ea typeface="+mn-ea"/>
+        <a:cs typeface="+mn-cs"/>
+      </a:defRPr>
+    </a:lvl2pPr>
+    <a:lvl3pPr marL="914400" algn="l" defTabSz="914400" rtl="0" eaLnBrk="1" latinLnBrk="0" hangingPunct="1">
+      <a:defRPr sz="1200" kern="1200">
+        <a:solidFill>
+          <a:schemeClr val="tx1"/>
+        </a:solidFill>
+        <a:latin typeface="+mn-lt"/>
+        <a:ea typeface="+mn-ea"/>
+        <a:cs typeface="+mn-cs"/>
+      </a:defRPr>
+    </a:lvl3pPr>
+    <a:lvl4pPr marL="1371600" algn="l" defTabSz="914400" rtl="0" eaLnBrk="1" latinLnBrk="0" hangingPunct="1">
+      <a:defRPr sz="1200" kern="1200">
+        <a:solidFill>
+          <a:schemeClr val="tx1"/>
+        </a:solidFill>
+        <a:latin typeface="+mn-lt"/>
+        <a:ea typeface="+mn-ea"/>
+        <a:cs typeface="+mn-cs"/>
+      </a:defRPr>
+    </a:lvl4pPr>
+    <a:lvl5pPr marL="1828800" algn="l" defTabSz="914400" rtl="0" eaLnBrk="1" latinLnBrk="0" hangingPunct="1">
+      <a:defRPr sz="1200" kern="1200">
+        <a:solidFill>
+          <a:schemeClr val="tx1"/>
+        </a:solidFill>
+        <a:latin typeface="+mn-lt"/>
+        <a:ea typeface="+mn-ea"/>
+        <a:cs typeface="+mn-cs"/>
+      </a:defRPr>
+    </a:lvl5pPr>
+    <a:lvl6pPr marL="2286000" algn="l" defTabSz="914400" rtl="0" eaLnBrk="1" latinLnBrk="0" hangingPunct="1">
+      <a:defRPr sz="1200" kern="1200">
+        <a:solidFill>
+          <a:schemeClr val="tx1"/>
+        </a:solidFill>
+        <a:latin typeface="+mn-lt"/>
+        <a:ea typeface="+mn-ea"/>
+        <a:cs typeface="+mn-cs"/>
+      </a:defRPr>
+    </a:lvl6pPr>
+    <a:lvl7pPr marL="2743200" algn="l" defTabSz="914400" rtl="0" eaLnBrk="1" latinLnBrk="0" hangingPunct="1">
+      <a:defRPr sz="1200" kern="1200">
+        <a:solidFill>
+          <a:schemeClr val="tx1"/>
+        </a:solidFill>
+        <a:latin typeface="+mn-lt"/>
+        <a:ea typeface="+mn-ea"/>
+        <a:cs typeface="+mn-cs"/>
+      </a:defRPr>
+    </a:lvl7pPr>
+    <a:lvl8pPr marL="3200400" algn="l" defTabSz="914400" rtl="0" eaLnBrk="1" latinLnBrk="0" hangingPunct="1">
+      <a:defRPr sz="1200" kern="1200">
+        <a:solidFill>
+          <a:schemeClr val="tx1"/>
+        </a:solidFill>
+        <a:latin typeface="+mn-lt"/>
+        <a:ea typeface="+mn-ea"/>
+        <a:cs typeface="+mn-cs"/>
+      </a:defRPr>
+    </a:lvl8pPr>
+    <a:lvl9pPr marL="3657600" algn="l" defTabSz="914400" rtl="0" eaLnBrk="1" latinLnBrk="0" hangingPunct="1">
+      <a:defRPr sz="1200" kern="1200">
+        <a:solidFill>
+          <a:schemeClr val="tx1"/>
+        </a:solidFill>
+        <a:latin typeface="+mn-lt"/>
+        <a:ea typeface="+mn-ea"/>
+        <a:cs typeface="+mn-cs"/>
+      </a:defRPr>
+    </a:lvl9pPr>
+  </p:notesStyle>
+</p:notesMaster>
+</file>
+
+<file path=ppt/notesSlides/notesSlide1.xml><?xml version="1.0" encoding="utf-8"?>
+<p:notes xmlns:a="http://schemas.openxmlformats.org/drawingml/2006/main" xmlns:r="http://schemas.openxmlformats.org/officeDocument/2006/relationships" xmlns:p="http://schemas.openxmlformats.org/presentationml/2006/main">
+  <p:cSld>
+    <p:spTree>
+      <p:nvGrpSpPr>
+        <p:cNvPr id="1" name=""/>
+        <p:cNvGrpSpPr/>
+        <p:nvPr/>
+      </p:nvGrpSpPr>
+      <p:grpSpPr>
+        <a:xfrm>
+          <a:off x="0" y="0"/>
+          <a:ext cx="0" cy="0"/>
+          <a:chOff x="0" y="0"/>
+          <a:chExt cx="0" cy="0"/>
+        </a:xfrm>
+      </p:grpSpPr>
+      <p:sp>
+        <p:nvSpPr>
+          <p:cNvPr id="2" name="Slide Image Placeholder 1"/>
+          <p:cNvSpPr>
+            <a:spLocks noGrp="1" noRot="1" noChangeAspect="1"/>
+          </p:cNvSpPr>
+          <p:nvPr>
+            <p:ph type="sldImg"/>
+          </p:nvPr>
+        </p:nvSpPr>
+        <p:spPr/>
+      </p:sp>
+      <p:sp>
+        <p:nvSpPr>
+          <p:cNvPr id="3" name="Notes Placeholder 2"/>
+          <p:cNvSpPr>
+            <a:spLocks noGrp="1"/>
+          </p:cNvSpPr>
+          <p:nvPr>
+            <p:ph type="body" idx="1"/>
+          </p:nvPr>
+        </p:nvSpPr>
+        <p:spPr/>
+        <p:txBody>
+          <a:bodyPr/>
+          <a:lstStyle/>
+          <a:p>
+            <a:endParaRPr lang="en-US" dirty="0"/>
+          </a:p>
+        </p:txBody>
+      </p:sp>
+      <p:sp>
+        <p:nvSpPr>
+          <p:cNvPr id="4" name="Slide Number Placeholder 3"/>
+          <p:cNvSpPr>
+            <a:spLocks noGrp="1"/>
+          </p:cNvSpPr>
+          <p:nvPr>
+            <p:ph type="sldNum" sz="quarter" idx="5"/>
+          </p:nvPr>
+        </p:nvSpPr>
+        <p:spPr/>
+        <p:txBody>
+          <a:bodyPr/>
+          <a:lstStyle/>
+          <a:p>
+            <a:fld id="{65EEC5EA-871C-8443-843A-02E75F9C7A0B}" type="slidenum">
+              <a:rPr lang="en-US" smtClean="0"/>
+              <a:t>6</a:t>
+            </a:fld>
+            <a:endParaRPr lang="en-US"/>
+          </a:p>
+        </p:txBody>
+      </p:sp>
+    </p:spTree>
+    <p:extLst>
+      <p:ext uri="{BB962C8B-B14F-4D97-AF65-F5344CB8AC3E}">
+        <p14:creationId xmlns:p14="http://schemas.microsoft.com/office/powerpoint/2010/main" val="1757445626"/>
+      </p:ext>
+    </p:extLst>
+  </p:cSld>
+  <p:clrMapOvr>
+    <a:masterClrMapping/>
+  </p:clrMapOvr>
+</p:notes>
+</file>
+
 <file path=ppt/slideLayouts/slideLayout1.xml><?xml version="1.0" encoding="utf-8"?>
 <p:sldLayout xmlns:a="http://schemas.openxmlformats.org/drawingml/2006/main" xmlns:r="http://schemas.openxmlformats.org/officeDocument/2006/relationships" xmlns:p="http://schemas.openxmlformats.org/presentationml/2006/main" type="title" preserve="1">
   <p:cSld name="Title Slide">
@@ -264,7 +702,7 @@
           <a:p>
             <a:fld id="{ABB50B84-C221-BA49-B172-B6D4747B1BA4}" type="datetimeFigureOut">
               <a:rPr lang="en-US" smtClean="0"/>
-              <a:t>7/31/19</a:t>
+              <a:t>8/1/19</a:t>
             </a:fld>
             <a:endParaRPr lang="en-US"/>
           </a:p>
@@ -462,7 +900,7 @@
           <a:p>
             <a:fld id="{ABB50B84-C221-BA49-B172-B6D4747B1BA4}" type="datetimeFigureOut">
               <a:rPr lang="en-US" smtClean="0"/>
-              <a:t>7/31/19</a:t>
+              <a:t>8/1/19</a:t>
             </a:fld>
             <a:endParaRPr lang="en-US"/>
           </a:p>
@@ -670,7 +1108,7 @@
           <a:p>
             <a:fld id="{ABB50B84-C221-BA49-B172-B6D4747B1BA4}" type="datetimeFigureOut">
               <a:rPr lang="en-US" smtClean="0"/>
-              <a:t>7/31/19</a:t>
+              <a:t>8/1/19</a:t>
             </a:fld>
             <a:endParaRPr lang="en-US"/>
           </a:p>
@@ -868,7 +1306,7 @@
           <a:p>
             <a:fld id="{ABB50B84-C221-BA49-B172-B6D4747B1BA4}" type="datetimeFigureOut">
               <a:rPr lang="en-US" smtClean="0"/>
-              <a:t>7/31/19</a:t>
+              <a:t>8/1/19</a:t>
             </a:fld>
             <a:endParaRPr lang="en-US"/>
           </a:p>
@@ -1143,7 +1581,7 @@
           <a:p>
             <a:fld id="{ABB50B84-C221-BA49-B172-B6D4747B1BA4}" type="datetimeFigureOut">
               <a:rPr lang="en-US" smtClean="0"/>
-              <a:t>7/31/19</a:t>
+              <a:t>8/1/19</a:t>
             </a:fld>
             <a:endParaRPr lang="en-US"/>
           </a:p>
@@ -1408,7 +1846,7 @@
           <a:p>
             <a:fld id="{ABB50B84-C221-BA49-B172-B6D4747B1BA4}" type="datetimeFigureOut">
               <a:rPr lang="en-US" smtClean="0"/>
-              <a:t>7/31/19</a:t>
+              <a:t>8/1/19</a:t>
             </a:fld>
             <a:endParaRPr lang="en-US"/>
           </a:p>
@@ -1820,7 +2258,7 @@
           <a:p>
             <a:fld id="{ABB50B84-C221-BA49-B172-B6D4747B1BA4}" type="datetimeFigureOut">
               <a:rPr lang="en-US" smtClean="0"/>
-              <a:t>7/31/19</a:t>
+              <a:t>8/1/19</a:t>
             </a:fld>
             <a:endParaRPr lang="en-US"/>
           </a:p>
@@ -1961,7 +2399,7 @@
           <a:p>
             <a:fld id="{ABB50B84-C221-BA49-B172-B6D4747B1BA4}" type="datetimeFigureOut">
               <a:rPr lang="en-US" smtClean="0"/>
-              <a:t>7/31/19</a:t>
+              <a:t>8/1/19</a:t>
             </a:fld>
             <a:endParaRPr lang="en-US"/>
           </a:p>
@@ -2074,7 +2512,7 @@
           <a:p>
             <a:fld id="{ABB50B84-C221-BA49-B172-B6D4747B1BA4}" type="datetimeFigureOut">
               <a:rPr lang="en-US" smtClean="0"/>
-              <a:t>7/31/19</a:t>
+              <a:t>8/1/19</a:t>
             </a:fld>
             <a:endParaRPr lang="en-US"/>
           </a:p>
@@ -2385,7 +2823,7 @@
           <a:p>
             <a:fld id="{ABB50B84-C221-BA49-B172-B6D4747B1BA4}" type="datetimeFigureOut">
               <a:rPr lang="en-US" smtClean="0"/>
-              <a:t>7/31/19</a:t>
+              <a:t>8/1/19</a:t>
             </a:fld>
             <a:endParaRPr lang="en-US"/>
           </a:p>
@@ -2673,7 +3111,7 @@
           <a:p>
             <a:fld id="{ABB50B84-C221-BA49-B172-B6D4747B1BA4}" type="datetimeFigureOut">
               <a:rPr lang="en-US" smtClean="0"/>
-              <a:t>7/31/19</a:t>
+              <a:t>8/1/19</a:t>
             </a:fld>
             <a:endParaRPr lang="en-US"/>
           </a:p>
@@ -2914,7 +3352,7 @@
           <a:p>
             <a:fld id="{ABB50B84-C221-BA49-B172-B6D4747B1BA4}" type="datetimeFigureOut">
               <a:rPr lang="en-US" smtClean="0"/>
-              <a:t>7/31/19</a:t>
+              <a:t>8/1/19</a:t>
             </a:fld>
             <a:endParaRPr lang="en-US"/>
           </a:p>
@@ -10520,10 +10958,10 @@
       </p:grpSpPr>
       <p:sp>
         <p:nvSpPr>
-          <p:cNvPr id="35" name="Rounded Rectangular Callout 34">
-            <a:extLst>
-              <a:ext uri="{FF2B5EF4-FFF2-40B4-BE49-F238E27FC236}">
-                <a16:creationId xmlns:a16="http://schemas.microsoft.com/office/drawing/2014/main" id="{265DA36D-895B-F948-AFD5-D2BD651326C9}"/>
+          <p:cNvPr id="2" name="Rounded Rectangle 1">
+            <a:extLst>
+              <a:ext uri="{FF2B5EF4-FFF2-40B4-BE49-F238E27FC236}">
+                <a16:creationId xmlns:a16="http://schemas.microsoft.com/office/drawing/2014/main" id="{DCC1E156-DAB1-B74B-98CF-6C34E927154D}"/>
               </a:ext>
             </a:extLst>
           </p:cNvPr>
@@ -10532,22 +10970,16 @@
         </p:nvSpPr>
         <p:spPr>
           <a:xfrm>
-            <a:off x="534255" y="3085186"/>
-            <a:ext cx="1808253" cy="243641"/>
-          </a:xfrm>
-          <a:prstGeom prst="wedgeRoundRectCallout">
-            <a:avLst>
-              <a:gd name="adj1" fmla="val 55640"/>
-              <a:gd name="adj2" fmla="val 618027"/>
-              <a:gd name="adj3" fmla="val 16667"/>
-            </a:avLst>
-          </a:prstGeom>
-          <a:solidFill>
-            <a:schemeClr val="bg1"/>
-          </a:solidFill>
+            <a:off x="6579450" y="1422754"/>
+            <a:ext cx="2370039" cy="2270482"/>
+          </a:xfrm>
+          <a:prstGeom prst="roundRect">
+            <a:avLst/>
+          </a:prstGeom>
+          <a:noFill/>
           <a:ln w="38100">
             <a:solidFill>
-              <a:schemeClr val="tx1"/>
+              <a:schemeClr val="accent1"/>
             </a:solidFill>
           </a:ln>
         </p:spPr>
@@ -10571,20 +11003,338 @@
           <a:bodyPr rtlCol="0" anchor="ctr"/>
           <a:lstStyle/>
           <a:p>
-            <a:endParaRPr lang="en-US" dirty="0">
-              <a:solidFill>
-                <a:srgbClr val="FF0000"/>
-              </a:solidFill>
-            </a:endParaRPr>
-          </a:p>
-        </p:txBody>
-      </p:sp>
-      <p:sp>
-        <p:nvSpPr>
-          <p:cNvPr id="2" name="Rounded Rectangle 1">
-            <a:extLst>
-              <a:ext uri="{FF2B5EF4-FFF2-40B4-BE49-F238E27FC236}">
-                <a16:creationId xmlns:a16="http://schemas.microsoft.com/office/drawing/2014/main" id="{DCC1E156-DAB1-B74B-98CF-6C34E927154D}"/>
+            <a:pPr algn="ctr"/>
+            <a:endParaRPr lang="en-US"/>
+          </a:p>
+        </p:txBody>
+      </p:sp>
+      <p:sp>
+        <p:nvSpPr>
+          <p:cNvPr id="3" name="TextBox 2">
+            <a:extLst>
+              <a:ext uri="{FF2B5EF4-FFF2-40B4-BE49-F238E27FC236}">
+                <a16:creationId xmlns:a16="http://schemas.microsoft.com/office/drawing/2014/main" id="{E3A69EAC-D755-C447-B9F2-89F42FFE8C9B}"/>
+              </a:ext>
+            </a:extLst>
+          </p:cNvPr>
+          <p:cNvSpPr txBox="1"/>
+          <p:nvPr/>
+        </p:nvSpPr>
+        <p:spPr>
+          <a:xfrm>
+            <a:off x="6439920" y="5564462"/>
+            <a:ext cx="2674835" cy="369332"/>
+          </a:xfrm>
+          <a:prstGeom prst="rect">
+            <a:avLst/>
+          </a:prstGeom>
+          <a:noFill/>
+        </p:spPr>
+        <p:txBody>
+          <a:bodyPr wrap="none" rtlCol="0">
+            <a:spAutoFit/>
+          </a:bodyPr>
+          <a:lstStyle/>
+          <a:p>
+            <a:pPr algn="ctr"/>
+            <a:r>
+              <a:rPr lang="en-US" altLang="ja-JP" dirty="0"/>
+              <a:t>Cloud</a:t>
+            </a:r>
+            <a:r>
+              <a:rPr lang="ja-JP" altLang="en-US" dirty="0"/>
+              <a:t> </a:t>
+            </a:r>
+            <a:r>
+              <a:rPr lang="en-US" altLang="ja-JP" dirty="0"/>
+              <a:t>platform (e.g., AWS)</a:t>
+            </a:r>
+            <a:endParaRPr lang="en-US" dirty="0"/>
+          </a:p>
+        </p:txBody>
+      </p:sp>
+      <p:pic>
+        <p:nvPicPr>
+          <p:cNvPr id="4" name="Picture 3">
+            <a:extLst>
+              <a:ext uri="{FF2B5EF4-FFF2-40B4-BE49-F238E27FC236}">
+                <a16:creationId xmlns:a16="http://schemas.microsoft.com/office/drawing/2014/main" id="{DAE6D77A-4240-E446-B651-51CB81DE0365}"/>
+              </a:ext>
+            </a:extLst>
+          </p:cNvPr>
+          <p:cNvPicPr>
+            <a:picLocks noChangeAspect="1"/>
+          </p:cNvPicPr>
+          <p:nvPr/>
+        </p:nvPicPr>
+        <p:blipFill>
+          <a:blip r:embed="rId3">
+            <a:extLst>
+              <a:ext uri="{28A0092B-C50C-407E-A947-70E740481C1C}">
+                <a14:useLocalDpi xmlns:a14="http://schemas.microsoft.com/office/drawing/2010/main" val="0"/>
+              </a:ext>
+            </a:extLst>
+          </a:blip>
+          <a:stretch>
+            <a:fillRect/>
+          </a:stretch>
+        </p:blipFill>
+        <p:spPr>
+          <a:xfrm>
+            <a:off x="6911240" y="1983052"/>
+            <a:ext cx="521366" cy="625640"/>
+          </a:xfrm>
+          <a:prstGeom prst="rect">
+            <a:avLst/>
+          </a:prstGeom>
+        </p:spPr>
+      </p:pic>
+      <p:sp>
+        <p:nvSpPr>
+          <p:cNvPr id="5" name="TextBox 4">
+            <a:extLst>
+              <a:ext uri="{FF2B5EF4-FFF2-40B4-BE49-F238E27FC236}">
+                <a16:creationId xmlns:a16="http://schemas.microsoft.com/office/drawing/2014/main" id="{F767A5BC-C975-B446-B1FE-37FF9F2E4B99}"/>
+              </a:ext>
+            </a:extLst>
+          </p:cNvPr>
+          <p:cNvSpPr txBox="1"/>
+          <p:nvPr/>
+        </p:nvSpPr>
+        <p:spPr>
+          <a:xfrm>
+            <a:off x="6724547" y="2653851"/>
+            <a:ext cx="894752" cy="155632"/>
+          </a:xfrm>
+          <a:prstGeom prst="rect">
+            <a:avLst/>
+          </a:prstGeom>
+          <a:noFill/>
+        </p:spPr>
+        <p:txBody>
+          <a:bodyPr wrap="square" lIns="0" tIns="0" rIns="0" bIns="0" rtlCol="0" anchor="t">
+            <a:noAutofit/>
+          </a:bodyPr>
+          <a:lstStyle/>
+          <a:p>
+            <a:pPr algn="ctr"/>
+            <a:r>
+              <a:rPr lang="en-US" sz="1000" b="1" dirty="0"/>
+              <a:t>Amazon API Gateway*</a:t>
+            </a:r>
+            <a:endParaRPr lang="en-US" b="1" dirty="0"/>
+          </a:p>
+        </p:txBody>
+      </p:sp>
+      <p:sp>
+        <p:nvSpPr>
+          <p:cNvPr id="6" name="TextBox 5">
+            <a:extLst>
+              <a:ext uri="{FF2B5EF4-FFF2-40B4-BE49-F238E27FC236}">
+                <a16:creationId xmlns:a16="http://schemas.microsoft.com/office/drawing/2014/main" id="{B7017FEE-3B6D-9A42-99CC-4F2A4868752B}"/>
+              </a:ext>
+            </a:extLst>
+          </p:cNvPr>
+          <p:cNvSpPr txBox="1"/>
+          <p:nvPr/>
+        </p:nvSpPr>
+        <p:spPr>
+          <a:xfrm>
+            <a:off x="8240983" y="4951275"/>
+            <a:ext cx="768159" cy="338554"/>
+          </a:xfrm>
+          <a:prstGeom prst="rect">
+            <a:avLst/>
+          </a:prstGeom>
+          <a:noFill/>
+        </p:spPr>
+        <p:txBody>
+          <a:bodyPr wrap="none" rtlCol="0">
+            <a:spAutoFit/>
+          </a:bodyPr>
+          <a:lstStyle/>
+          <a:p>
+            <a:pPr algn="ctr"/>
+            <a:r>
+              <a:rPr lang="en-US" sz="800" b="1" dirty="0">
+                <a:latin typeface="Helvetica Neue"/>
+                <a:cs typeface="Helvetica Neue"/>
+              </a:rPr>
+              <a:t>Amazon S3 </a:t>
+            </a:r>
+            <a:br>
+              <a:rPr lang="en-US" sz="800" b="1" dirty="0">
+                <a:latin typeface="Helvetica Neue"/>
+                <a:cs typeface="Helvetica Neue"/>
+              </a:rPr>
+            </a:br>
+            <a:r>
+              <a:rPr lang="en-US" sz="800" b="1" dirty="0">
+                <a:latin typeface="Helvetica Neue"/>
+                <a:cs typeface="Helvetica Neue"/>
+              </a:rPr>
+              <a:t>bucket</a:t>
+            </a:r>
+          </a:p>
+        </p:txBody>
+      </p:sp>
+      <p:pic>
+        <p:nvPicPr>
+          <p:cNvPr id="7" name="Picture 6">
+            <a:extLst>
+              <a:ext uri="{FF2B5EF4-FFF2-40B4-BE49-F238E27FC236}">
+                <a16:creationId xmlns:a16="http://schemas.microsoft.com/office/drawing/2014/main" id="{AAF31200-29C0-D848-9032-48E29A2713C8}"/>
+              </a:ext>
+            </a:extLst>
+          </p:cNvPr>
+          <p:cNvPicPr>
+            <a:picLocks noChangeAspect="1"/>
+          </p:cNvPicPr>
+          <p:nvPr/>
+        </p:nvPicPr>
+        <p:blipFill>
+          <a:blip r:embed="rId4">
+            <a:extLst>
+              <a:ext uri="{28A0092B-C50C-407E-A947-70E740481C1C}">
+                <a14:useLocalDpi xmlns:a14="http://schemas.microsoft.com/office/drawing/2010/main" val="0"/>
+              </a:ext>
+            </a:extLst>
+          </a:blip>
+          <a:stretch>
+            <a:fillRect/>
+          </a:stretch>
+        </p:blipFill>
+        <p:spPr>
+          <a:xfrm>
+            <a:off x="8370616" y="4446059"/>
+            <a:ext cx="468336" cy="485681"/>
+          </a:xfrm>
+          <a:prstGeom prst="rect">
+            <a:avLst/>
+          </a:prstGeom>
+        </p:spPr>
+      </p:pic>
+      <p:pic>
+        <p:nvPicPr>
+          <p:cNvPr id="9" name="Picture 8">
+            <a:extLst>
+              <a:ext uri="{FF2B5EF4-FFF2-40B4-BE49-F238E27FC236}">
+                <a16:creationId xmlns:a16="http://schemas.microsoft.com/office/drawing/2014/main" id="{00BC64A1-0829-AB48-9E9B-F9CE81C1F80D}"/>
+              </a:ext>
+            </a:extLst>
+          </p:cNvPr>
+          <p:cNvPicPr>
+            <a:picLocks noChangeAspect="1"/>
+          </p:cNvPicPr>
+          <p:nvPr/>
+        </p:nvPicPr>
+        <p:blipFill>
+          <a:blip r:embed="rId5">
+            <a:extLst>
+              <a:ext uri="{28A0092B-C50C-407E-A947-70E740481C1C}">
+                <a14:useLocalDpi xmlns:a14="http://schemas.microsoft.com/office/drawing/2010/main" val="0"/>
+              </a:ext>
+            </a:extLst>
+          </a:blip>
+          <a:stretch>
+            <a:fillRect/>
+          </a:stretch>
+        </p:blipFill>
+        <p:spPr>
+          <a:xfrm>
+            <a:off x="3553503" y="3811106"/>
+            <a:ext cx="659718" cy="759675"/>
+          </a:xfrm>
+          <a:prstGeom prst="rect">
+            <a:avLst/>
+          </a:prstGeom>
+        </p:spPr>
+      </p:pic>
+      <p:pic>
+        <p:nvPicPr>
+          <p:cNvPr id="12" name="Picture 11">
+            <a:extLst>
+              <a:ext uri="{FF2B5EF4-FFF2-40B4-BE49-F238E27FC236}">
+                <a16:creationId xmlns:a16="http://schemas.microsoft.com/office/drawing/2014/main" id="{8E6CFC56-96E3-7945-9816-A66BA4BBCE47}"/>
+              </a:ext>
+            </a:extLst>
+          </p:cNvPr>
+          <p:cNvPicPr>
+            <a:picLocks noChangeAspect="1"/>
+          </p:cNvPicPr>
+          <p:nvPr/>
+        </p:nvPicPr>
+        <p:blipFill>
+          <a:blip r:embed="rId6">
+            <a:extLst>
+              <a:ext uri="{28A0092B-C50C-407E-A947-70E740481C1C}">
+                <a14:useLocalDpi xmlns:a14="http://schemas.microsoft.com/office/drawing/2010/main" val="0"/>
+              </a:ext>
+            </a:extLst>
+          </a:blip>
+          <a:stretch>
+            <a:fillRect/>
+          </a:stretch>
+        </p:blipFill>
+        <p:spPr>
+          <a:xfrm>
+            <a:off x="7611690" y="2572001"/>
+            <a:ext cx="544781" cy="653737"/>
+          </a:xfrm>
+          <a:prstGeom prst="rect">
+            <a:avLst/>
+          </a:prstGeom>
+        </p:spPr>
+      </p:pic>
+      <p:sp>
+        <p:nvSpPr>
+          <p:cNvPr id="13" name="TextBox 12">
+            <a:extLst>
+              <a:ext uri="{FF2B5EF4-FFF2-40B4-BE49-F238E27FC236}">
+                <a16:creationId xmlns:a16="http://schemas.microsoft.com/office/drawing/2014/main" id="{EDD82006-4796-6448-994A-2D90AE0E58B5}"/>
+              </a:ext>
+            </a:extLst>
+          </p:cNvPr>
+          <p:cNvSpPr txBox="1"/>
+          <p:nvPr/>
+        </p:nvSpPr>
+        <p:spPr>
+          <a:xfrm>
+            <a:off x="7471577" y="3252925"/>
+            <a:ext cx="825006" cy="155632"/>
+          </a:xfrm>
+          <a:prstGeom prst="rect">
+            <a:avLst/>
+          </a:prstGeom>
+          <a:noFill/>
+        </p:spPr>
+        <p:txBody>
+          <a:bodyPr wrap="square" lIns="0" tIns="0" rIns="0" bIns="0" rtlCol="0" anchor="t">
+            <a:noAutofit/>
+          </a:bodyPr>
+          <a:lstStyle/>
+          <a:p>
+            <a:pPr algn="ctr"/>
+            <a:r>
+              <a:rPr lang="en-US" sz="1000" b="1" dirty="0"/>
+              <a:t>AWS</a:t>
+            </a:r>
+          </a:p>
+          <a:p>
+            <a:pPr algn="ctr"/>
+            <a:r>
+              <a:rPr lang="en-US" sz="1000" b="1" dirty="0"/>
+              <a:t>Lambda</a:t>
+            </a:r>
+          </a:p>
+        </p:txBody>
+      </p:sp>
+      <p:sp>
+        <p:nvSpPr>
+          <p:cNvPr id="14" name="Rounded Rectangle 13">
+            <a:extLst>
+              <a:ext uri="{FF2B5EF4-FFF2-40B4-BE49-F238E27FC236}">
+                <a16:creationId xmlns:a16="http://schemas.microsoft.com/office/drawing/2014/main" id="{3410DA65-424E-EB43-BF7F-CD6C04A241C2}"/>
               </a:ext>
             </a:extLst>
           </p:cNvPr>
@@ -10593,8 +11343,8 @@
         </p:nvSpPr>
         <p:spPr>
           <a:xfrm>
-            <a:off x="6579450" y="1422754"/>
-            <a:ext cx="2370039" cy="2270482"/>
+            <a:off x="6579450" y="3972466"/>
+            <a:ext cx="2370040" cy="1602316"/>
           </a:xfrm>
           <a:prstGeom prst="roundRect">
             <a:avLst/>
@@ -10602,7 +11352,7 @@
           <a:noFill/>
           <a:ln w="38100">
             <a:solidFill>
-              <a:schemeClr val="accent1"/>
+              <a:srgbClr val="FFC000"/>
             </a:solidFill>
           </a:ln>
         </p:spPr>
@@ -10631,57 +11381,12 @@
           </a:p>
         </p:txBody>
       </p:sp>
-      <p:sp>
-        <p:nvSpPr>
-          <p:cNvPr id="3" name="TextBox 2">
-            <a:extLst>
-              <a:ext uri="{FF2B5EF4-FFF2-40B4-BE49-F238E27FC236}">
-                <a16:creationId xmlns:a16="http://schemas.microsoft.com/office/drawing/2014/main" id="{E3A69EAC-D755-C447-B9F2-89F42FFE8C9B}"/>
-              </a:ext>
-            </a:extLst>
-          </p:cNvPr>
-          <p:cNvSpPr txBox="1"/>
-          <p:nvPr/>
-        </p:nvSpPr>
-        <p:spPr>
-          <a:xfrm>
-            <a:off x="6439920" y="5564462"/>
-            <a:ext cx="2674835" cy="369332"/>
-          </a:xfrm>
-          <a:prstGeom prst="rect">
-            <a:avLst/>
-          </a:prstGeom>
-          <a:noFill/>
-        </p:spPr>
-        <p:txBody>
-          <a:bodyPr wrap="none" rtlCol="0">
-            <a:spAutoFit/>
-          </a:bodyPr>
-          <a:lstStyle/>
-          <a:p>
-            <a:pPr algn="ctr"/>
-            <a:r>
-              <a:rPr lang="en-US" altLang="ja-JP" dirty="0"/>
-              <a:t>Cloud</a:t>
-            </a:r>
-            <a:r>
-              <a:rPr lang="ja-JP" altLang="en-US" dirty="0"/>
-              <a:t> </a:t>
-            </a:r>
-            <a:r>
-              <a:rPr lang="en-US" altLang="ja-JP" dirty="0"/>
-              <a:t>platform (e.g., AWS)</a:t>
-            </a:r>
-            <a:endParaRPr lang="en-US" dirty="0"/>
-          </a:p>
-        </p:txBody>
-      </p:sp>
       <p:pic>
         <p:nvPicPr>
-          <p:cNvPr id="4" name="Picture 3">
-            <a:extLst>
-              <a:ext uri="{FF2B5EF4-FFF2-40B4-BE49-F238E27FC236}">
-                <a16:creationId xmlns:a16="http://schemas.microsoft.com/office/drawing/2014/main" id="{DAE6D77A-4240-E446-B651-51CB81DE0365}"/>
+          <p:cNvPr id="15" name="Picture 14">
+            <a:extLst>
+              <a:ext uri="{FF2B5EF4-FFF2-40B4-BE49-F238E27FC236}">
+                <a16:creationId xmlns:a16="http://schemas.microsoft.com/office/drawing/2014/main" id="{F82BFBCD-3FAB-2B48-A279-CC9D2DC994C6}"/>
               </a:ext>
             </a:extLst>
           </p:cNvPr>
@@ -10691,7 +11396,7 @@
           <p:nvPr/>
         </p:nvPicPr>
         <p:blipFill>
-          <a:blip r:embed="rId2">
+          <a:blip r:embed="rId7">
             <a:extLst>
               <a:ext uri="{28A0092B-C50C-407E-A947-70E740481C1C}">
                 <a14:useLocalDpi xmlns:a14="http://schemas.microsoft.com/office/drawing/2010/main" val="0"/>
@@ -10704,8 +11409,8 @@
         </p:blipFill>
         <p:spPr>
           <a:xfrm>
-            <a:off x="6911240" y="1983052"/>
-            <a:ext cx="521366" cy="625640"/>
+            <a:off x="6970893" y="4390526"/>
+            <a:ext cx="544780" cy="653098"/>
           </a:xfrm>
           <a:prstGeom prst="rect">
             <a:avLst/>
@@ -10714,10 +11419,10 @@
       </p:pic>
       <p:sp>
         <p:nvSpPr>
-          <p:cNvPr id="5" name="TextBox 4">
-            <a:extLst>
-              <a:ext uri="{FF2B5EF4-FFF2-40B4-BE49-F238E27FC236}">
-                <a16:creationId xmlns:a16="http://schemas.microsoft.com/office/drawing/2014/main" id="{F767A5BC-C975-B446-B1FE-37FF9F2E4B99}"/>
+          <p:cNvPr id="16" name="TextBox 15">
+            <a:extLst>
+              <a:ext uri="{FF2B5EF4-FFF2-40B4-BE49-F238E27FC236}">
+                <a16:creationId xmlns:a16="http://schemas.microsoft.com/office/drawing/2014/main" id="{8D5BC445-23E5-9B4E-A605-0F6368AA5949}"/>
               </a:ext>
             </a:extLst>
           </p:cNvPr>
@@ -10726,8 +11431,8 @@
         </p:nvSpPr>
         <p:spPr>
           <a:xfrm>
-            <a:off x="6724547" y="2653851"/>
-            <a:ext cx="894752" cy="155632"/>
+            <a:off x="6877523" y="5070458"/>
+            <a:ext cx="731520" cy="155632"/>
           </a:xfrm>
           <a:prstGeom prst="rect">
             <a:avLst/>
@@ -10743,18 +11448,58 @@
             <a:pPr algn="ctr"/>
             <a:r>
               <a:rPr lang="en-US" sz="1000" b="1" dirty="0"/>
-              <a:t>Amazon API Gateway*</a:t>
+              <a:t>Amazon </a:t>
+            </a:r>
+            <a:r>
+              <a:rPr lang="en-US" sz="1000" b="1" dirty="0" err="1"/>
+              <a:t>CloudFront</a:t>
             </a:r>
             <a:endParaRPr lang="en-US" b="1" dirty="0"/>
           </a:p>
         </p:txBody>
       </p:sp>
-      <p:sp>
-        <p:nvSpPr>
-          <p:cNvPr id="6" name="TextBox 5">
-            <a:extLst>
-              <a:ext uri="{FF2B5EF4-FFF2-40B4-BE49-F238E27FC236}">
-                <a16:creationId xmlns:a16="http://schemas.microsoft.com/office/drawing/2014/main" id="{B7017FEE-3B6D-9A42-99CC-4F2A4868752B}"/>
+      <p:pic>
+        <p:nvPicPr>
+          <p:cNvPr id="17" name="Picture 16">
+            <a:extLst>
+              <a:ext uri="{FF2B5EF4-FFF2-40B4-BE49-F238E27FC236}">
+                <a16:creationId xmlns:a16="http://schemas.microsoft.com/office/drawing/2014/main" id="{C0F6C861-2402-214C-AEE8-8193DE13E21A}"/>
+              </a:ext>
+            </a:extLst>
+          </p:cNvPr>
+          <p:cNvPicPr>
+            <a:picLocks noChangeAspect="1"/>
+          </p:cNvPicPr>
+          <p:nvPr/>
+        </p:nvPicPr>
+        <p:blipFill>
+          <a:blip r:embed="rId8">
+            <a:extLst>
+              <a:ext uri="{28A0092B-C50C-407E-A947-70E740481C1C}">
+                <a14:useLocalDpi xmlns:a14="http://schemas.microsoft.com/office/drawing/2010/main" val="0"/>
+              </a:ext>
+            </a:extLst>
+          </a:blip>
+          <a:stretch>
+            <a:fillRect/>
+          </a:stretch>
+        </p:blipFill>
+        <p:spPr>
+          <a:xfrm>
+            <a:off x="7628804" y="1484182"/>
+            <a:ext cx="543466" cy="601994"/>
+          </a:xfrm>
+          <a:prstGeom prst="rect">
+            <a:avLst/>
+          </a:prstGeom>
+        </p:spPr>
+      </p:pic>
+      <p:sp>
+        <p:nvSpPr>
+          <p:cNvPr id="18" name="TextBox 17">
+            <a:extLst>
+              <a:ext uri="{FF2B5EF4-FFF2-40B4-BE49-F238E27FC236}">
+                <a16:creationId xmlns:a16="http://schemas.microsoft.com/office/drawing/2014/main" id="{210C11D5-D235-864A-94CE-29D88786B8D7}"/>
               </a:ext>
             </a:extLst>
           </p:cNvPr>
@@ -10763,7 +11508,51 @@
         </p:nvSpPr>
         <p:spPr>
           <a:xfrm>
-            <a:off x="8240983" y="4951275"/>
+            <a:off x="7453162" y="2134585"/>
+            <a:ext cx="894752" cy="155632"/>
+          </a:xfrm>
+          <a:prstGeom prst="rect">
+            <a:avLst/>
+          </a:prstGeom>
+          <a:noFill/>
+        </p:spPr>
+        <p:txBody>
+          <a:bodyPr wrap="square" lIns="0" tIns="0" rIns="0" bIns="0" rtlCol="0" anchor="t">
+            <a:noAutofit/>
+          </a:bodyPr>
+          <a:lstStyle/>
+          <a:p>
+            <a:pPr algn="ctr"/>
+            <a:r>
+              <a:rPr lang="en-US" sz="1000" b="1" dirty="0"/>
+              <a:t>Amazon</a:t>
+            </a:r>
+            <a:br>
+              <a:rPr lang="en-US" sz="1000" b="1" dirty="0"/>
+            </a:br>
+            <a:r>
+              <a:rPr lang="en-US" sz="1000" b="1" dirty="0" err="1"/>
+              <a:t>DynamoDB</a:t>
+            </a:r>
+            <a:endParaRPr lang="en-US" b="1" dirty="0"/>
+          </a:p>
+        </p:txBody>
+      </p:sp>
+      <p:sp>
+        <p:nvSpPr>
+          <p:cNvPr id="19" name="TextBox 18">
+            <a:extLst>
+              <a:ext uri="{FF2B5EF4-FFF2-40B4-BE49-F238E27FC236}">
+                <a16:creationId xmlns:a16="http://schemas.microsoft.com/office/drawing/2014/main" id="{C9E3CA39-2C94-8F47-A5BC-144B6651FB81}"/>
+              </a:ext>
+            </a:extLst>
+          </p:cNvPr>
+          <p:cNvSpPr txBox="1"/>
+          <p:nvPr/>
+        </p:nvSpPr>
+        <p:spPr>
+          <a:xfrm>
+            <a:off x="8200299" y="2746632"/>
             <a:ext cx="768159" cy="338554"/>
           </a:xfrm>
           <a:prstGeom prst="rect">
@@ -10803,10 +11592,10 @@
       </p:sp>
       <p:pic>
         <p:nvPicPr>
-          <p:cNvPr id="7" name="Picture 6">
-            <a:extLst>
-              <a:ext uri="{FF2B5EF4-FFF2-40B4-BE49-F238E27FC236}">
-                <a16:creationId xmlns:a16="http://schemas.microsoft.com/office/drawing/2014/main" id="{AAF31200-29C0-D848-9032-48E29A2713C8}"/>
+          <p:cNvPr id="20" name="Picture 19">
+            <a:extLst>
+              <a:ext uri="{FF2B5EF4-FFF2-40B4-BE49-F238E27FC236}">
+                <a16:creationId xmlns:a16="http://schemas.microsoft.com/office/drawing/2014/main" id="{CF44E80D-AFD4-3446-A5EF-336CA30BBB98}"/>
               </a:ext>
             </a:extLst>
           </p:cNvPr>
@@ -10816,419 +11605,7 @@
           <p:nvPr/>
         </p:nvPicPr>
         <p:blipFill>
-          <a:blip r:embed="rId3">
-            <a:extLst>
-              <a:ext uri="{28A0092B-C50C-407E-A947-70E740481C1C}">
-                <a14:useLocalDpi xmlns:a14="http://schemas.microsoft.com/office/drawing/2010/main" val="0"/>
-              </a:ext>
-            </a:extLst>
-          </a:blip>
-          <a:stretch>
-            <a:fillRect/>
-          </a:stretch>
-        </p:blipFill>
-        <p:spPr>
-          <a:xfrm>
-            <a:off x="8370616" y="4446059"/>
-            <a:ext cx="468336" cy="485681"/>
-          </a:xfrm>
-          <a:prstGeom prst="rect">
-            <a:avLst/>
-          </a:prstGeom>
-        </p:spPr>
-      </p:pic>
-      <p:pic>
-        <p:nvPicPr>
-          <p:cNvPr id="9" name="Picture 8">
-            <a:extLst>
-              <a:ext uri="{FF2B5EF4-FFF2-40B4-BE49-F238E27FC236}">
-                <a16:creationId xmlns:a16="http://schemas.microsoft.com/office/drawing/2014/main" id="{00BC64A1-0829-AB48-9E9B-F9CE81C1F80D}"/>
-              </a:ext>
-            </a:extLst>
-          </p:cNvPr>
-          <p:cNvPicPr>
-            <a:picLocks noChangeAspect="1"/>
-          </p:cNvPicPr>
-          <p:nvPr/>
-        </p:nvPicPr>
-        <p:blipFill>
           <a:blip r:embed="rId4">
-            <a:extLst>
-              <a:ext uri="{28A0092B-C50C-407E-A947-70E740481C1C}">
-                <a14:useLocalDpi xmlns:a14="http://schemas.microsoft.com/office/drawing/2010/main" val="0"/>
-              </a:ext>
-            </a:extLst>
-          </a:blip>
-          <a:stretch>
-            <a:fillRect/>
-          </a:stretch>
-        </p:blipFill>
-        <p:spPr>
-          <a:xfrm>
-            <a:off x="3553503" y="3811106"/>
-            <a:ext cx="659718" cy="759675"/>
-          </a:xfrm>
-          <a:prstGeom prst="rect">
-            <a:avLst/>
-          </a:prstGeom>
-        </p:spPr>
-      </p:pic>
-      <p:pic>
-        <p:nvPicPr>
-          <p:cNvPr id="12" name="Picture 11">
-            <a:extLst>
-              <a:ext uri="{FF2B5EF4-FFF2-40B4-BE49-F238E27FC236}">
-                <a16:creationId xmlns:a16="http://schemas.microsoft.com/office/drawing/2014/main" id="{8E6CFC56-96E3-7945-9816-A66BA4BBCE47}"/>
-              </a:ext>
-            </a:extLst>
-          </p:cNvPr>
-          <p:cNvPicPr>
-            <a:picLocks noChangeAspect="1"/>
-          </p:cNvPicPr>
-          <p:nvPr/>
-        </p:nvPicPr>
-        <p:blipFill>
-          <a:blip r:embed="rId5">
-            <a:extLst>
-              <a:ext uri="{28A0092B-C50C-407E-A947-70E740481C1C}">
-                <a14:useLocalDpi xmlns:a14="http://schemas.microsoft.com/office/drawing/2010/main" val="0"/>
-              </a:ext>
-            </a:extLst>
-          </a:blip>
-          <a:stretch>
-            <a:fillRect/>
-          </a:stretch>
-        </p:blipFill>
-        <p:spPr>
-          <a:xfrm>
-            <a:off x="7611690" y="2572001"/>
-            <a:ext cx="544781" cy="653737"/>
-          </a:xfrm>
-          <a:prstGeom prst="rect">
-            <a:avLst/>
-          </a:prstGeom>
-        </p:spPr>
-      </p:pic>
-      <p:sp>
-        <p:nvSpPr>
-          <p:cNvPr id="13" name="TextBox 12">
-            <a:extLst>
-              <a:ext uri="{FF2B5EF4-FFF2-40B4-BE49-F238E27FC236}">
-                <a16:creationId xmlns:a16="http://schemas.microsoft.com/office/drawing/2014/main" id="{EDD82006-4796-6448-994A-2D90AE0E58B5}"/>
-              </a:ext>
-            </a:extLst>
-          </p:cNvPr>
-          <p:cNvSpPr txBox="1"/>
-          <p:nvPr/>
-        </p:nvSpPr>
-        <p:spPr>
-          <a:xfrm>
-            <a:off x="7471577" y="3252925"/>
-            <a:ext cx="825006" cy="155632"/>
-          </a:xfrm>
-          <a:prstGeom prst="rect">
-            <a:avLst/>
-          </a:prstGeom>
-          <a:noFill/>
-        </p:spPr>
-        <p:txBody>
-          <a:bodyPr wrap="square" lIns="0" tIns="0" rIns="0" bIns="0" rtlCol="0" anchor="t">
-            <a:noAutofit/>
-          </a:bodyPr>
-          <a:lstStyle/>
-          <a:p>
-            <a:pPr algn="ctr"/>
-            <a:r>
-              <a:rPr lang="en-US" sz="1000" b="1" dirty="0"/>
-              <a:t>AWS</a:t>
-            </a:r>
-          </a:p>
-          <a:p>
-            <a:pPr algn="ctr"/>
-            <a:r>
-              <a:rPr lang="en-US" sz="1000" b="1" dirty="0"/>
-              <a:t>Lambda</a:t>
-            </a:r>
-          </a:p>
-        </p:txBody>
-      </p:sp>
-      <p:sp>
-        <p:nvSpPr>
-          <p:cNvPr id="14" name="Rounded Rectangle 13">
-            <a:extLst>
-              <a:ext uri="{FF2B5EF4-FFF2-40B4-BE49-F238E27FC236}">
-                <a16:creationId xmlns:a16="http://schemas.microsoft.com/office/drawing/2014/main" id="{3410DA65-424E-EB43-BF7F-CD6C04A241C2}"/>
-              </a:ext>
-            </a:extLst>
-          </p:cNvPr>
-          <p:cNvSpPr/>
-          <p:nvPr/>
-        </p:nvSpPr>
-        <p:spPr>
-          <a:xfrm>
-            <a:off x="6579450" y="3972466"/>
-            <a:ext cx="2370040" cy="1602316"/>
-          </a:xfrm>
-          <a:prstGeom prst="roundRect">
-            <a:avLst/>
-          </a:prstGeom>
-          <a:noFill/>
-          <a:ln w="38100">
-            <a:solidFill>
-              <a:srgbClr val="FFC000"/>
-            </a:solidFill>
-          </a:ln>
-        </p:spPr>
-        <p:style>
-          <a:lnRef idx="2">
-            <a:schemeClr val="accent1">
-              <a:shade val="50000"/>
-            </a:schemeClr>
-          </a:lnRef>
-          <a:fillRef idx="1">
-            <a:schemeClr val="accent1"/>
-          </a:fillRef>
-          <a:effectRef idx="0">
-            <a:schemeClr val="accent1"/>
-          </a:effectRef>
-          <a:fontRef idx="minor">
-            <a:schemeClr val="lt1"/>
-          </a:fontRef>
-        </p:style>
-        <p:txBody>
-          <a:bodyPr rtlCol="0" anchor="ctr"/>
-          <a:lstStyle/>
-          <a:p>
-            <a:pPr algn="ctr"/>
-            <a:endParaRPr lang="en-US"/>
-          </a:p>
-        </p:txBody>
-      </p:sp>
-      <p:pic>
-        <p:nvPicPr>
-          <p:cNvPr id="15" name="Picture 14">
-            <a:extLst>
-              <a:ext uri="{FF2B5EF4-FFF2-40B4-BE49-F238E27FC236}">
-                <a16:creationId xmlns:a16="http://schemas.microsoft.com/office/drawing/2014/main" id="{F82BFBCD-3FAB-2B48-A279-CC9D2DC994C6}"/>
-              </a:ext>
-            </a:extLst>
-          </p:cNvPr>
-          <p:cNvPicPr>
-            <a:picLocks noChangeAspect="1"/>
-          </p:cNvPicPr>
-          <p:nvPr/>
-        </p:nvPicPr>
-        <p:blipFill>
-          <a:blip r:embed="rId6">
-            <a:extLst>
-              <a:ext uri="{28A0092B-C50C-407E-A947-70E740481C1C}">
-                <a14:useLocalDpi xmlns:a14="http://schemas.microsoft.com/office/drawing/2010/main" val="0"/>
-              </a:ext>
-            </a:extLst>
-          </a:blip>
-          <a:stretch>
-            <a:fillRect/>
-          </a:stretch>
-        </p:blipFill>
-        <p:spPr>
-          <a:xfrm>
-            <a:off x="6970893" y="4390526"/>
-            <a:ext cx="544780" cy="653098"/>
-          </a:xfrm>
-          <a:prstGeom prst="rect">
-            <a:avLst/>
-          </a:prstGeom>
-        </p:spPr>
-      </p:pic>
-      <p:sp>
-        <p:nvSpPr>
-          <p:cNvPr id="16" name="TextBox 15">
-            <a:extLst>
-              <a:ext uri="{FF2B5EF4-FFF2-40B4-BE49-F238E27FC236}">
-                <a16:creationId xmlns:a16="http://schemas.microsoft.com/office/drawing/2014/main" id="{8D5BC445-23E5-9B4E-A605-0F6368AA5949}"/>
-              </a:ext>
-            </a:extLst>
-          </p:cNvPr>
-          <p:cNvSpPr txBox="1"/>
-          <p:nvPr/>
-        </p:nvSpPr>
-        <p:spPr>
-          <a:xfrm>
-            <a:off x="6877523" y="5070458"/>
-            <a:ext cx="731520" cy="155632"/>
-          </a:xfrm>
-          <a:prstGeom prst="rect">
-            <a:avLst/>
-          </a:prstGeom>
-          <a:noFill/>
-        </p:spPr>
-        <p:txBody>
-          <a:bodyPr wrap="square" lIns="0" tIns="0" rIns="0" bIns="0" rtlCol="0" anchor="t">
-            <a:noAutofit/>
-          </a:bodyPr>
-          <a:lstStyle/>
-          <a:p>
-            <a:pPr algn="ctr"/>
-            <a:r>
-              <a:rPr lang="en-US" sz="1000" b="1" dirty="0"/>
-              <a:t>Amazon </a:t>
-            </a:r>
-            <a:r>
-              <a:rPr lang="en-US" sz="1000" b="1" dirty="0" err="1"/>
-              <a:t>CloudFront</a:t>
-            </a:r>
-            <a:endParaRPr lang="en-US" b="1" dirty="0"/>
-          </a:p>
-        </p:txBody>
-      </p:sp>
-      <p:pic>
-        <p:nvPicPr>
-          <p:cNvPr id="17" name="Picture 16">
-            <a:extLst>
-              <a:ext uri="{FF2B5EF4-FFF2-40B4-BE49-F238E27FC236}">
-                <a16:creationId xmlns:a16="http://schemas.microsoft.com/office/drawing/2014/main" id="{C0F6C861-2402-214C-AEE8-8193DE13E21A}"/>
-              </a:ext>
-            </a:extLst>
-          </p:cNvPr>
-          <p:cNvPicPr>
-            <a:picLocks noChangeAspect="1"/>
-          </p:cNvPicPr>
-          <p:nvPr/>
-        </p:nvPicPr>
-        <p:blipFill>
-          <a:blip r:embed="rId7">
-            <a:extLst>
-              <a:ext uri="{28A0092B-C50C-407E-A947-70E740481C1C}">
-                <a14:useLocalDpi xmlns:a14="http://schemas.microsoft.com/office/drawing/2010/main" val="0"/>
-              </a:ext>
-            </a:extLst>
-          </a:blip>
-          <a:stretch>
-            <a:fillRect/>
-          </a:stretch>
-        </p:blipFill>
-        <p:spPr>
-          <a:xfrm>
-            <a:off x="7628804" y="1484182"/>
-            <a:ext cx="543466" cy="601994"/>
-          </a:xfrm>
-          <a:prstGeom prst="rect">
-            <a:avLst/>
-          </a:prstGeom>
-        </p:spPr>
-      </p:pic>
-      <p:sp>
-        <p:nvSpPr>
-          <p:cNvPr id="18" name="TextBox 17">
-            <a:extLst>
-              <a:ext uri="{FF2B5EF4-FFF2-40B4-BE49-F238E27FC236}">
-                <a16:creationId xmlns:a16="http://schemas.microsoft.com/office/drawing/2014/main" id="{210C11D5-D235-864A-94CE-29D88786B8D7}"/>
-              </a:ext>
-            </a:extLst>
-          </p:cNvPr>
-          <p:cNvSpPr txBox="1"/>
-          <p:nvPr/>
-        </p:nvSpPr>
-        <p:spPr>
-          <a:xfrm>
-            <a:off x="7453162" y="2134585"/>
-            <a:ext cx="894752" cy="155632"/>
-          </a:xfrm>
-          <a:prstGeom prst="rect">
-            <a:avLst/>
-          </a:prstGeom>
-          <a:noFill/>
-        </p:spPr>
-        <p:txBody>
-          <a:bodyPr wrap="square" lIns="0" tIns="0" rIns="0" bIns="0" rtlCol="0" anchor="t">
-            <a:noAutofit/>
-          </a:bodyPr>
-          <a:lstStyle/>
-          <a:p>
-            <a:pPr algn="ctr"/>
-            <a:r>
-              <a:rPr lang="en-US" sz="1000" b="1" dirty="0"/>
-              <a:t>Amazon</a:t>
-            </a:r>
-            <a:br>
-              <a:rPr lang="en-US" sz="1000" b="1" dirty="0"/>
-            </a:br>
-            <a:r>
-              <a:rPr lang="en-US" sz="1000" b="1" dirty="0" err="1"/>
-              <a:t>DynamoDB</a:t>
-            </a:r>
-            <a:endParaRPr lang="en-US" b="1" dirty="0"/>
-          </a:p>
-        </p:txBody>
-      </p:sp>
-      <p:sp>
-        <p:nvSpPr>
-          <p:cNvPr id="19" name="TextBox 18">
-            <a:extLst>
-              <a:ext uri="{FF2B5EF4-FFF2-40B4-BE49-F238E27FC236}">
-                <a16:creationId xmlns:a16="http://schemas.microsoft.com/office/drawing/2014/main" id="{C9E3CA39-2C94-8F47-A5BC-144B6651FB81}"/>
-              </a:ext>
-            </a:extLst>
-          </p:cNvPr>
-          <p:cNvSpPr txBox="1"/>
-          <p:nvPr/>
-        </p:nvSpPr>
-        <p:spPr>
-          <a:xfrm>
-            <a:off x="8200299" y="2746632"/>
-            <a:ext cx="768159" cy="338554"/>
-          </a:xfrm>
-          <a:prstGeom prst="rect">
-            <a:avLst/>
-          </a:prstGeom>
-          <a:noFill/>
-        </p:spPr>
-        <p:txBody>
-          <a:bodyPr wrap="none" rtlCol="0">
-            <a:spAutoFit/>
-          </a:bodyPr>
-          <a:lstStyle/>
-          <a:p>
-            <a:pPr algn="ctr"/>
-            <a:r>
-              <a:rPr lang="en-US" sz="800" b="1" dirty="0">
-                <a:latin typeface="Helvetica Neue"/>
-                <a:cs typeface="Helvetica Neue"/>
-              </a:rPr>
-              <a:t>Amazon S3 </a:t>
-            </a:r>
-            <a:br>
-              <a:rPr lang="en-US" sz="800" b="1" dirty="0">
-                <a:latin typeface="Helvetica Neue"/>
-                <a:cs typeface="Helvetica Neue"/>
-              </a:rPr>
-            </a:br>
-            <a:r>
-              <a:rPr lang="en-US" sz="800" b="1" dirty="0">
-                <a:latin typeface="Helvetica Neue"/>
-                <a:cs typeface="Helvetica Neue"/>
-              </a:rPr>
-              <a:t>bucket</a:t>
-            </a:r>
-          </a:p>
-        </p:txBody>
-      </p:sp>
-      <p:pic>
-        <p:nvPicPr>
-          <p:cNvPr id="20" name="Picture 19">
-            <a:extLst>
-              <a:ext uri="{FF2B5EF4-FFF2-40B4-BE49-F238E27FC236}">
-                <a16:creationId xmlns:a16="http://schemas.microsoft.com/office/drawing/2014/main" id="{CF44E80D-AFD4-3446-A5EF-336CA30BBB98}"/>
-              </a:ext>
-            </a:extLst>
-          </p:cNvPr>
-          <p:cNvPicPr>
-            <a:picLocks noChangeAspect="1"/>
-          </p:cNvPicPr>
-          <p:nvPr/>
-        </p:nvPicPr>
-        <p:blipFill>
-          <a:blip r:embed="rId3">
             <a:extLst>
               <a:ext uri="{28A0092B-C50C-407E-A947-70E740481C1C}">
                 <a14:useLocalDpi xmlns:a14="http://schemas.microsoft.com/office/drawing/2010/main" val="0"/>
@@ -11311,7 +11688,7 @@
           <p:nvPr/>
         </p:nvPicPr>
         <p:blipFill>
-          <a:blip r:embed="rId8"/>
+          <a:blip r:embed="rId9"/>
           <a:stretch>
             <a:fillRect/>
           </a:stretch>
@@ -11499,7 +11876,7 @@
           <p:nvPr/>
         </p:nvPicPr>
         <p:blipFill>
-          <a:blip r:embed="rId8"/>
+          <a:blip r:embed="rId9"/>
           <a:stretch>
             <a:fillRect/>
           </a:stretch>
@@ -11652,7 +12029,7 @@
           <p:nvPr/>
         </p:nvPicPr>
         <p:blipFill>
-          <a:blip r:embed="rId4">
+          <a:blip r:embed="rId5">
             <a:extLst>
               <a:ext uri="{28A0092B-C50C-407E-A947-70E740481C1C}">
                 <a14:useLocalDpi xmlns:a14="http://schemas.microsoft.com/office/drawing/2010/main" val="0"/>
@@ -11760,12 +12137,132 @@
           </a:p>
         </p:txBody>
       </p:sp>
-      <p:sp>
-        <p:nvSpPr>
-          <p:cNvPr id="71" name="Freeform 70">
-            <a:extLst>
-              <a:ext uri="{FF2B5EF4-FFF2-40B4-BE49-F238E27FC236}">
-                <a16:creationId xmlns:a16="http://schemas.microsoft.com/office/drawing/2014/main" id="{328C6637-363B-5D42-84A8-2163A735873D}"/>
+      <p:pic>
+        <p:nvPicPr>
+          <p:cNvPr id="76" name="Picture 75">
+            <a:extLst>
+              <a:ext uri="{FF2B5EF4-FFF2-40B4-BE49-F238E27FC236}">
+                <a16:creationId xmlns:a16="http://schemas.microsoft.com/office/drawing/2014/main" id="{8901BF6D-AA58-DB4C-8CB9-00825F3C4180}"/>
+              </a:ext>
+            </a:extLst>
+          </p:cNvPr>
+          <p:cNvPicPr>
+            <a:picLocks noChangeAspect="1"/>
+          </p:cNvPicPr>
+          <p:nvPr/>
+        </p:nvPicPr>
+        <p:blipFill>
+          <a:blip r:embed="rId10"/>
+          <a:stretch>
+            <a:fillRect/>
+          </a:stretch>
+        </p:blipFill>
+        <p:spPr>
+          <a:xfrm>
+            <a:off x="1889165" y="1122109"/>
+            <a:ext cx="811960" cy="811960"/>
+          </a:xfrm>
+          <a:prstGeom prst="rect">
+            <a:avLst/>
+          </a:prstGeom>
+        </p:spPr>
+      </p:pic>
+      <p:pic>
+        <p:nvPicPr>
+          <p:cNvPr id="77" name="Picture 76">
+            <a:extLst>
+              <a:ext uri="{FF2B5EF4-FFF2-40B4-BE49-F238E27FC236}">
+                <a16:creationId xmlns:a16="http://schemas.microsoft.com/office/drawing/2014/main" id="{C4ED0750-6471-6F40-AED6-BEC1E986C5E1}"/>
+              </a:ext>
+            </a:extLst>
+          </p:cNvPr>
+          <p:cNvPicPr>
+            <a:picLocks noChangeAspect="1"/>
+          </p:cNvPicPr>
+          <p:nvPr/>
+        </p:nvPicPr>
+        <p:blipFill>
+          <a:blip r:embed="rId10"/>
+          <a:stretch>
+            <a:fillRect/>
+          </a:stretch>
+        </p:blipFill>
+        <p:spPr>
+          <a:xfrm>
+            <a:off x="2010304" y="4682356"/>
+            <a:ext cx="811960" cy="811960"/>
+          </a:xfrm>
+          <a:prstGeom prst="rect">
+            <a:avLst/>
+          </a:prstGeom>
+        </p:spPr>
+      </p:pic>
+      <p:pic>
+        <p:nvPicPr>
+          <p:cNvPr id="36" name="Picture 35">
+            <a:extLst>
+              <a:ext uri="{FF2B5EF4-FFF2-40B4-BE49-F238E27FC236}">
+                <a16:creationId xmlns:a16="http://schemas.microsoft.com/office/drawing/2014/main" id="{861F2069-DDDB-9F48-9CCA-87F302EAD760}"/>
+              </a:ext>
+            </a:extLst>
+          </p:cNvPr>
+          <p:cNvPicPr>
+            <a:picLocks noChangeAspect="1"/>
+          </p:cNvPicPr>
+          <p:nvPr/>
+        </p:nvPicPr>
+        <p:blipFill>
+          <a:blip r:embed="rId11"/>
+          <a:stretch>
+            <a:fillRect/>
+          </a:stretch>
+        </p:blipFill>
+        <p:spPr>
+          <a:xfrm>
+            <a:off x="8967018" y="725614"/>
+            <a:ext cx="1057298" cy="962260"/>
+          </a:xfrm>
+          <a:prstGeom prst="rect">
+            <a:avLst/>
+          </a:prstGeom>
+        </p:spPr>
+      </p:pic>
+      <p:pic>
+        <p:nvPicPr>
+          <p:cNvPr id="37" name="Picture 36">
+            <a:extLst>
+              <a:ext uri="{FF2B5EF4-FFF2-40B4-BE49-F238E27FC236}">
+                <a16:creationId xmlns:a16="http://schemas.microsoft.com/office/drawing/2014/main" id="{4C2F5E0D-4B04-0B49-B02F-FF643889AF9C}"/>
+              </a:ext>
+            </a:extLst>
+          </p:cNvPr>
+          <p:cNvPicPr>
+            <a:picLocks noChangeAspect="1"/>
+          </p:cNvPicPr>
+          <p:nvPr/>
+        </p:nvPicPr>
+        <p:blipFill>
+          <a:blip r:embed="rId10"/>
+          <a:stretch>
+            <a:fillRect/>
+          </a:stretch>
+        </p:blipFill>
+        <p:spPr>
+          <a:xfrm>
+            <a:off x="8464263" y="1284631"/>
+            <a:ext cx="811960" cy="811960"/>
+          </a:xfrm>
+          <a:prstGeom prst="rect">
+            <a:avLst/>
+          </a:prstGeom>
+        </p:spPr>
+      </p:pic>
+      <p:sp>
+        <p:nvSpPr>
+          <p:cNvPr id="38" name="Cross 37">
+            <a:extLst>
+              <a:ext uri="{FF2B5EF4-FFF2-40B4-BE49-F238E27FC236}">
+                <a16:creationId xmlns:a16="http://schemas.microsoft.com/office/drawing/2014/main" id="{3A8D4A4A-BBE8-2846-8D97-9CAD9BD484E4}"/>
               </a:ext>
             </a:extLst>
           </p:cNvPr>
@@ -11773,59 +12270,18 @@
           <p:nvPr/>
         </p:nvSpPr>
         <p:spPr>
-          <a:xfrm>
-            <a:off x="2602795" y="1530850"/>
-            <a:ext cx="4312340" cy="3539608"/>
-          </a:xfrm>
-          <a:custGeom>
-            <a:avLst/>
-            <a:gdLst>
-              <a:gd name="connsiteX0" fmla="*/ 0 w 2743523"/>
-              <a:gd name="connsiteY0" fmla="*/ 0 h 3462391"/>
-              <a:gd name="connsiteX1" fmla="*/ 2743200 w 2743523"/>
-              <a:gd name="connsiteY1" fmla="*/ 842481 h 3462391"/>
-              <a:gd name="connsiteX2" fmla="*/ 143838 w 2743523"/>
-              <a:gd name="connsiteY2" fmla="*/ 3462391 h 3462391"/>
-            </a:gdLst>
-            <a:ahLst/>
-            <a:cxnLst>
-              <a:cxn ang="0">
-                <a:pos x="connsiteX0" y="connsiteY0"/>
-              </a:cxn>
-              <a:cxn ang="0">
-                <a:pos x="connsiteX1" y="connsiteY1"/>
-              </a:cxn>
-              <a:cxn ang="0">
-                <a:pos x="connsiteX2" y="connsiteY2"/>
-              </a:cxn>
-            </a:cxnLst>
-            <a:rect l="l" t="t" r="r" b="b"/>
-            <a:pathLst>
-              <a:path w="2743523" h="3462391">
-                <a:moveTo>
-                  <a:pt x="0" y="0"/>
-                </a:moveTo>
-                <a:cubicBezTo>
-                  <a:pt x="1359613" y="132708"/>
-                  <a:pt x="2719227" y="265416"/>
-                  <a:pt x="2743200" y="842481"/>
-                </a:cubicBezTo>
-                <a:cubicBezTo>
-                  <a:pt x="2767173" y="1419546"/>
-                  <a:pt x="1455505" y="2440968"/>
-                  <a:pt x="143838" y="3462391"/>
-                </a:cubicBezTo>
-              </a:path>
-            </a:pathLst>
-          </a:custGeom>
-          <a:noFill/>
-          <a:ln w="76200">
-            <a:solidFill>
-              <a:srgbClr val="FF0000"/>
-            </a:solidFill>
-            <a:headEnd type="triangle" w="med" len="med"/>
-            <a:tailEnd type="triangle" w="med" len="med"/>
-          </a:ln>
+          <a:xfrm rot="18731972">
+            <a:off x="8325618" y="725845"/>
+            <a:ext cx="1396666" cy="1393816"/>
+          </a:xfrm>
+          <a:prstGeom prst="plus">
+            <a:avLst>
+              <a:gd name="adj" fmla="val 44101"/>
+            </a:avLst>
+          </a:prstGeom>
+          <a:solidFill>
+            <a:srgbClr val="FF0000"/>
+          </a:solidFill>
         </p:spPr>
         <p:style>
           <a:lnRef idx="2">
@@ -11848,16 +12304,816 @@
           <a:lstStyle/>
           <a:p>
             <a:pPr algn="ctr"/>
-            <a:endParaRPr lang="en-US"/>
-          </a:p>
-        </p:txBody>
-      </p:sp>
-      <p:sp>
-        <p:nvSpPr>
-          <p:cNvPr id="72" name="Rounded Rectangular Callout 71">
-            <a:extLst>
-              <a:ext uri="{FF2B5EF4-FFF2-40B4-BE49-F238E27FC236}">
-                <a16:creationId xmlns:a16="http://schemas.microsoft.com/office/drawing/2014/main" id="{7EF9D729-B477-8343-9CED-E596CEC2D5F5}"/>
+            <a:endParaRPr lang="en-US" dirty="0"/>
+          </a:p>
+        </p:txBody>
+      </p:sp>
+      <p:grpSp>
+        <p:nvGrpSpPr>
+          <p:cNvPr id="44" name="Group 43">
+            <a:extLst>
+              <a:ext uri="{FF2B5EF4-FFF2-40B4-BE49-F238E27FC236}">
+                <a16:creationId xmlns:a16="http://schemas.microsoft.com/office/drawing/2014/main" id="{1BD8881A-1EE9-6E4C-84CD-487C28D9F715}"/>
+              </a:ext>
+            </a:extLst>
+          </p:cNvPr>
+          <p:cNvGrpSpPr/>
+          <p:nvPr/>
+        </p:nvGrpSpPr>
+        <p:grpSpPr>
+          <a:xfrm>
+            <a:off x="2967361" y="1342145"/>
+            <a:ext cx="4045873" cy="3728313"/>
+            <a:chOff x="3707842" y="1564843"/>
+            <a:chExt cx="4083492" cy="3728313"/>
+          </a:xfrm>
+        </p:grpSpPr>
+        <p:sp>
+          <p:nvSpPr>
+            <p:cNvPr id="45" name="Rectangle 8">
+              <a:extLst>
+                <a:ext uri="{FF2B5EF4-FFF2-40B4-BE49-F238E27FC236}">
+                  <a16:creationId xmlns:a16="http://schemas.microsoft.com/office/drawing/2014/main" id="{310060BA-FFE8-7143-98DE-32B4C1DB8856}"/>
+                </a:ext>
+              </a:extLst>
+            </p:cNvPr>
+            <p:cNvSpPr/>
+            <p:nvPr/>
+          </p:nvSpPr>
+          <p:spPr>
+            <a:xfrm>
+              <a:off x="3842074" y="1564843"/>
+              <a:ext cx="3949260" cy="3728313"/>
+            </a:xfrm>
+            <a:custGeom>
+              <a:avLst/>
+              <a:gdLst>
+                <a:gd name="connsiteX0" fmla="*/ 0 w 361743"/>
+                <a:gd name="connsiteY0" fmla="*/ 0 h 5596932"/>
+                <a:gd name="connsiteX1" fmla="*/ 361743 w 361743"/>
+                <a:gd name="connsiteY1" fmla="*/ 0 h 5596932"/>
+                <a:gd name="connsiteX2" fmla="*/ 361743 w 361743"/>
+                <a:gd name="connsiteY2" fmla="*/ 5596932 h 5596932"/>
+                <a:gd name="connsiteX3" fmla="*/ 0 w 361743"/>
+                <a:gd name="connsiteY3" fmla="*/ 5596932 h 5596932"/>
+                <a:gd name="connsiteX4" fmla="*/ 0 w 361743"/>
+                <a:gd name="connsiteY4" fmla="*/ 0 h 5596932"/>
+                <a:gd name="connsiteX0" fmla="*/ 0 w 4391133"/>
+                <a:gd name="connsiteY0" fmla="*/ 0 h 5596932"/>
+                <a:gd name="connsiteX1" fmla="*/ 361743 w 4391133"/>
+                <a:gd name="connsiteY1" fmla="*/ 0 h 5596932"/>
+                <a:gd name="connsiteX2" fmla="*/ 4391131 w 4391133"/>
+                <a:gd name="connsiteY2" fmla="*/ 2883877 h 5596932"/>
+                <a:gd name="connsiteX3" fmla="*/ 361743 w 4391133"/>
+                <a:gd name="connsiteY3" fmla="*/ 5596932 h 5596932"/>
+                <a:gd name="connsiteX4" fmla="*/ 0 w 4391133"/>
+                <a:gd name="connsiteY4" fmla="*/ 5596932 h 5596932"/>
+                <a:gd name="connsiteX5" fmla="*/ 0 w 4391133"/>
+                <a:gd name="connsiteY5" fmla="*/ 0 h 5596932"/>
+                <a:gd name="connsiteX0" fmla="*/ 0 w 4391134"/>
+                <a:gd name="connsiteY0" fmla="*/ 0 h 5596932"/>
+                <a:gd name="connsiteX1" fmla="*/ 361743 w 4391134"/>
+                <a:gd name="connsiteY1" fmla="*/ 0 h 5596932"/>
+                <a:gd name="connsiteX2" fmla="*/ 4391131 w 4391134"/>
+                <a:gd name="connsiteY2" fmla="*/ 2883877 h 5596932"/>
+                <a:gd name="connsiteX3" fmla="*/ 361743 w 4391134"/>
+                <a:gd name="connsiteY3" fmla="*/ 5596932 h 5596932"/>
+                <a:gd name="connsiteX4" fmla="*/ 0 w 4391134"/>
+                <a:gd name="connsiteY4" fmla="*/ 5596932 h 5596932"/>
+                <a:gd name="connsiteX5" fmla="*/ 0 w 4391134"/>
+                <a:gd name="connsiteY5" fmla="*/ 0 h 5596932"/>
+                <a:gd name="connsiteX0" fmla="*/ 8 w 4391142"/>
+                <a:gd name="connsiteY0" fmla="*/ 0 h 5596932"/>
+                <a:gd name="connsiteX1" fmla="*/ 361751 w 4391142"/>
+                <a:gd name="connsiteY1" fmla="*/ 0 h 5596932"/>
+                <a:gd name="connsiteX2" fmla="*/ 4391139 w 4391142"/>
+                <a:gd name="connsiteY2" fmla="*/ 2883877 h 5596932"/>
+                <a:gd name="connsiteX3" fmla="*/ 361751 w 4391142"/>
+                <a:gd name="connsiteY3" fmla="*/ 5596932 h 5596932"/>
+                <a:gd name="connsiteX4" fmla="*/ 8 w 4391142"/>
+                <a:gd name="connsiteY4" fmla="*/ 5596932 h 5596932"/>
+                <a:gd name="connsiteX5" fmla="*/ 3959058 w 4391142"/>
+                <a:gd name="connsiteY5" fmla="*/ 2873829 h 5596932"/>
+                <a:gd name="connsiteX6" fmla="*/ 8 w 4391142"/>
+                <a:gd name="connsiteY6" fmla="*/ 0 h 5596932"/>
+                <a:gd name="connsiteX0" fmla="*/ 8 w 4391142"/>
+                <a:gd name="connsiteY0" fmla="*/ 0 h 5596932"/>
+                <a:gd name="connsiteX1" fmla="*/ 361751 w 4391142"/>
+                <a:gd name="connsiteY1" fmla="*/ 0 h 5596932"/>
+                <a:gd name="connsiteX2" fmla="*/ 4391139 w 4391142"/>
+                <a:gd name="connsiteY2" fmla="*/ 2883877 h 5596932"/>
+                <a:gd name="connsiteX3" fmla="*/ 361751 w 4391142"/>
+                <a:gd name="connsiteY3" fmla="*/ 5596932 h 5596932"/>
+                <a:gd name="connsiteX4" fmla="*/ 8 w 4391142"/>
+                <a:gd name="connsiteY4" fmla="*/ 5596932 h 5596932"/>
+                <a:gd name="connsiteX5" fmla="*/ 3959058 w 4391142"/>
+                <a:gd name="connsiteY5" fmla="*/ 2873829 h 5596932"/>
+                <a:gd name="connsiteX6" fmla="*/ 8 w 4391142"/>
+                <a:gd name="connsiteY6" fmla="*/ 0 h 5596932"/>
+                <a:gd name="connsiteX0" fmla="*/ 361749 w 4391142"/>
+                <a:gd name="connsiteY0" fmla="*/ 562708 h 5596932"/>
+                <a:gd name="connsiteX1" fmla="*/ 361751 w 4391142"/>
+                <a:gd name="connsiteY1" fmla="*/ 0 h 5596932"/>
+                <a:gd name="connsiteX2" fmla="*/ 4391139 w 4391142"/>
+                <a:gd name="connsiteY2" fmla="*/ 2883877 h 5596932"/>
+                <a:gd name="connsiteX3" fmla="*/ 361751 w 4391142"/>
+                <a:gd name="connsiteY3" fmla="*/ 5596932 h 5596932"/>
+                <a:gd name="connsiteX4" fmla="*/ 8 w 4391142"/>
+                <a:gd name="connsiteY4" fmla="*/ 5596932 h 5596932"/>
+                <a:gd name="connsiteX5" fmla="*/ 3959058 w 4391142"/>
+                <a:gd name="connsiteY5" fmla="*/ 2873829 h 5596932"/>
+                <a:gd name="connsiteX6" fmla="*/ 361749 w 4391142"/>
+                <a:gd name="connsiteY6" fmla="*/ 562708 h 5596932"/>
+                <a:gd name="connsiteX0" fmla="*/ 361749 w 4391142"/>
+                <a:gd name="connsiteY0" fmla="*/ 562708 h 5596932"/>
+                <a:gd name="connsiteX1" fmla="*/ 361751 w 4391142"/>
+                <a:gd name="connsiteY1" fmla="*/ 0 h 5596932"/>
+                <a:gd name="connsiteX2" fmla="*/ 4391139 w 4391142"/>
+                <a:gd name="connsiteY2" fmla="*/ 2883877 h 5596932"/>
+                <a:gd name="connsiteX3" fmla="*/ 361751 w 4391142"/>
+                <a:gd name="connsiteY3" fmla="*/ 5596932 h 5596932"/>
+                <a:gd name="connsiteX4" fmla="*/ 8 w 4391142"/>
+                <a:gd name="connsiteY4" fmla="*/ 5596932 h 5596932"/>
+                <a:gd name="connsiteX5" fmla="*/ 3959058 w 4391142"/>
+                <a:gd name="connsiteY5" fmla="*/ 2873829 h 5596932"/>
+                <a:gd name="connsiteX6" fmla="*/ 361749 w 4391142"/>
+                <a:gd name="connsiteY6" fmla="*/ 562708 h 5596932"/>
+                <a:gd name="connsiteX0" fmla="*/ 361749 w 4391142"/>
+                <a:gd name="connsiteY0" fmla="*/ 562708 h 5596932"/>
+                <a:gd name="connsiteX1" fmla="*/ 361751 w 4391142"/>
+                <a:gd name="connsiteY1" fmla="*/ 0 h 5596932"/>
+                <a:gd name="connsiteX2" fmla="*/ 4391139 w 4391142"/>
+                <a:gd name="connsiteY2" fmla="*/ 2883877 h 5596932"/>
+                <a:gd name="connsiteX3" fmla="*/ 361751 w 4391142"/>
+                <a:gd name="connsiteY3" fmla="*/ 5596932 h 5596932"/>
+                <a:gd name="connsiteX4" fmla="*/ 8 w 4391142"/>
+                <a:gd name="connsiteY4" fmla="*/ 5596932 h 5596932"/>
+                <a:gd name="connsiteX5" fmla="*/ 3959058 w 4391142"/>
+                <a:gd name="connsiteY5" fmla="*/ 2873829 h 5596932"/>
+                <a:gd name="connsiteX6" fmla="*/ 361749 w 4391142"/>
+                <a:gd name="connsiteY6" fmla="*/ 562708 h 5596932"/>
+                <a:gd name="connsiteX0" fmla="*/ 361749 w 4391142"/>
+                <a:gd name="connsiteY0" fmla="*/ 633047 h 5667271"/>
+                <a:gd name="connsiteX1" fmla="*/ 623008 w 4391142"/>
+                <a:gd name="connsiteY1" fmla="*/ 0 h 5667271"/>
+                <a:gd name="connsiteX2" fmla="*/ 4391139 w 4391142"/>
+                <a:gd name="connsiteY2" fmla="*/ 2954216 h 5667271"/>
+                <a:gd name="connsiteX3" fmla="*/ 361751 w 4391142"/>
+                <a:gd name="connsiteY3" fmla="*/ 5667271 h 5667271"/>
+                <a:gd name="connsiteX4" fmla="*/ 8 w 4391142"/>
+                <a:gd name="connsiteY4" fmla="*/ 5667271 h 5667271"/>
+                <a:gd name="connsiteX5" fmla="*/ 3959058 w 4391142"/>
+                <a:gd name="connsiteY5" fmla="*/ 2944168 h 5667271"/>
+                <a:gd name="connsiteX6" fmla="*/ 361749 w 4391142"/>
+                <a:gd name="connsiteY6" fmla="*/ 633047 h 5667271"/>
+                <a:gd name="connsiteX0" fmla="*/ 361749 w 4391142"/>
+                <a:gd name="connsiteY0" fmla="*/ 658559 h 5692783"/>
+                <a:gd name="connsiteX1" fmla="*/ 623008 w 4391142"/>
+                <a:gd name="connsiteY1" fmla="*/ 25512 h 5692783"/>
+                <a:gd name="connsiteX2" fmla="*/ 4391139 w 4391142"/>
+                <a:gd name="connsiteY2" fmla="*/ 2979728 h 5692783"/>
+                <a:gd name="connsiteX3" fmla="*/ 361751 w 4391142"/>
+                <a:gd name="connsiteY3" fmla="*/ 5692783 h 5692783"/>
+                <a:gd name="connsiteX4" fmla="*/ 8 w 4391142"/>
+                <a:gd name="connsiteY4" fmla="*/ 5692783 h 5692783"/>
+                <a:gd name="connsiteX5" fmla="*/ 3959058 w 4391142"/>
+                <a:gd name="connsiteY5" fmla="*/ 2969680 h 5692783"/>
+                <a:gd name="connsiteX6" fmla="*/ 361749 w 4391142"/>
+                <a:gd name="connsiteY6" fmla="*/ 658559 h 5692783"/>
+                <a:gd name="connsiteX0" fmla="*/ 361749 w 4391142"/>
+                <a:gd name="connsiteY0" fmla="*/ 449821 h 5484045"/>
+                <a:gd name="connsiteX1" fmla="*/ 361751 w 4391142"/>
+                <a:gd name="connsiteY1" fmla="*/ 27789 h 5484045"/>
+                <a:gd name="connsiteX2" fmla="*/ 4391139 w 4391142"/>
+                <a:gd name="connsiteY2" fmla="*/ 2770990 h 5484045"/>
+                <a:gd name="connsiteX3" fmla="*/ 361751 w 4391142"/>
+                <a:gd name="connsiteY3" fmla="*/ 5484045 h 5484045"/>
+                <a:gd name="connsiteX4" fmla="*/ 8 w 4391142"/>
+                <a:gd name="connsiteY4" fmla="*/ 5484045 h 5484045"/>
+                <a:gd name="connsiteX5" fmla="*/ 3959058 w 4391142"/>
+                <a:gd name="connsiteY5" fmla="*/ 2760942 h 5484045"/>
+                <a:gd name="connsiteX6" fmla="*/ 361749 w 4391142"/>
+                <a:gd name="connsiteY6" fmla="*/ 449821 h 5484045"/>
+                <a:gd name="connsiteX0" fmla="*/ 361749 w 4391142"/>
+                <a:gd name="connsiteY0" fmla="*/ 449821 h 5484045"/>
+                <a:gd name="connsiteX1" fmla="*/ 361751 w 4391142"/>
+                <a:gd name="connsiteY1" fmla="*/ 27789 h 5484045"/>
+                <a:gd name="connsiteX2" fmla="*/ 4391139 w 4391142"/>
+                <a:gd name="connsiteY2" fmla="*/ 2770990 h 5484045"/>
+                <a:gd name="connsiteX3" fmla="*/ 361751 w 4391142"/>
+                <a:gd name="connsiteY3" fmla="*/ 5484045 h 5484045"/>
+                <a:gd name="connsiteX4" fmla="*/ 8 w 4391142"/>
+                <a:gd name="connsiteY4" fmla="*/ 5484045 h 5484045"/>
+                <a:gd name="connsiteX5" fmla="*/ 3959058 w 4391142"/>
+                <a:gd name="connsiteY5" fmla="*/ 2760942 h 5484045"/>
+                <a:gd name="connsiteX6" fmla="*/ 361749 w 4391142"/>
+                <a:gd name="connsiteY6" fmla="*/ 449821 h 5484045"/>
+                <a:gd name="connsiteX0" fmla="*/ 361749 w 4391142"/>
+                <a:gd name="connsiteY0" fmla="*/ 449821 h 5484045"/>
+                <a:gd name="connsiteX1" fmla="*/ 361751 w 4391142"/>
+                <a:gd name="connsiteY1" fmla="*/ 27789 h 5484045"/>
+                <a:gd name="connsiteX2" fmla="*/ 4391139 w 4391142"/>
+                <a:gd name="connsiteY2" fmla="*/ 2770990 h 5484045"/>
+                <a:gd name="connsiteX3" fmla="*/ 361751 w 4391142"/>
+                <a:gd name="connsiteY3" fmla="*/ 5484045 h 5484045"/>
+                <a:gd name="connsiteX4" fmla="*/ 8 w 4391142"/>
+                <a:gd name="connsiteY4" fmla="*/ 5484045 h 5484045"/>
+                <a:gd name="connsiteX5" fmla="*/ 3959058 w 4391142"/>
+                <a:gd name="connsiteY5" fmla="*/ 2760942 h 5484045"/>
+                <a:gd name="connsiteX6" fmla="*/ 361749 w 4391142"/>
+                <a:gd name="connsiteY6" fmla="*/ 449821 h 5484045"/>
+                <a:gd name="connsiteX0" fmla="*/ 361749 w 4391142"/>
+                <a:gd name="connsiteY0" fmla="*/ 449821 h 5484045"/>
+                <a:gd name="connsiteX1" fmla="*/ 361751 w 4391142"/>
+                <a:gd name="connsiteY1" fmla="*/ 27789 h 5484045"/>
+                <a:gd name="connsiteX2" fmla="*/ 4391139 w 4391142"/>
+                <a:gd name="connsiteY2" fmla="*/ 2770990 h 5484045"/>
+                <a:gd name="connsiteX3" fmla="*/ 361751 w 4391142"/>
+                <a:gd name="connsiteY3" fmla="*/ 5484045 h 5484045"/>
+                <a:gd name="connsiteX4" fmla="*/ 8 w 4391142"/>
+                <a:gd name="connsiteY4" fmla="*/ 5484045 h 5484045"/>
+                <a:gd name="connsiteX5" fmla="*/ 3959058 w 4391142"/>
+                <a:gd name="connsiteY5" fmla="*/ 2760942 h 5484045"/>
+                <a:gd name="connsiteX6" fmla="*/ 361749 w 4391142"/>
+                <a:gd name="connsiteY6" fmla="*/ 449821 h 5484045"/>
+                <a:gd name="connsiteX0" fmla="*/ 361749 w 4391142"/>
+                <a:gd name="connsiteY0" fmla="*/ 449821 h 5484045"/>
+                <a:gd name="connsiteX1" fmla="*/ 361751 w 4391142"/>
+                <a:gd name="connsiteY1" fmla="*/ 27789 h 5484045"/>
+                <a:gd name="connsiteX2" fmla="*/ 4391139 w 4391142"/>
+                <a:gd name="connsiteY2" fmla="*/ 2770990 h 5484045"/>
+                <a:gd name="connsiteX3" fmla="*/ 361751 w 4391142"/>
+                <a:gd name="connsiteY3" fmla="*/ 5484045 h 5484045"/>
+                <a:gd name="connsiteX4" fmla="*/ 8 w 4391142"/>
+                <a:gd name="connsiteY4" fmla="*/ 5484045 h 5484045"/>
+                <a:gd name="connsiteX5" fmla="*/ 3959058 w 4391142"/>
+                <a:gd name="connsiteY5" fmla="*/ 2760942 h 5484045"/>
+                <a:gd name="connsiteX6" fmla="*/ 361749 w 4391142"/>
+                <a:gd name="connsiteY6" fmla="*/ 449821 h 5484045"/>
+                <a:gd name="connsiteX0" fmla="*/ 32 w 4029425"/>
+                <a:gd name="connsiteY0" fmla="*/ 449821 h 5484045"/>
+                <a:gd name="connsiteX1" fmla="*/ 34 w 4029425"/>
+                <a:gd name="connsiteY1" fmla="*/ 27789 h 5484045"/>
+                <a:gd name="connsiteX2" fmla="*/ 4029422 w 4029425"/>
+                <a:gd name="connsiteY2" fmla="*/ 2770990 h 5484045"/>
+                <a:gd name="connsiteX3" fmla="*/ 34 w 4029425"/>
+                <a:gd name="connsiteY3" fmla="*/ 5484045 h 5484045"/>
+                <a:gd name="connsiteX4" fmla="*/ 32 w 4029425"/>
+                <a:gd name="connsiteY4" fmla="*/ 5001724 h 5484045"/>
+                <a:gd name="connsiteX5" fmla="*/ 3597341 w 4029425"/>
+                <a:gd name="connsiteY5" fmla="*/ 2760942 h 5484045"/>
+                <a:gd name="connsiteX6" fmla="*/ 32 w 4029425"/>
+                <a:gd name="connsiteY6" fmla="*/ 449821 h 5484045"/>
+                <a:gd name="connsiteX0" fmla="*/ 32 w 4029425"/>
+                <a:gd name="connsiteY0" fmla="*/ 449821 h 5484045"/>
+                <a:gd name="connsiteX1" fmla="*/ 34 w 4029425"/>
+                <a:gd name="connsiteY1" fmla="*/ 27789 h 5484045"/>
+                <a:gd name="connsiteX2" fmla="*/ 4029422 w 4029425"/>
+                <a:gd name="connsiteY2" fmla="*/ 2770990 h 5484045"/>
+                <a:gd name="connsiteX3" fmla="*/ 34 w 4029425"/>
+                <a:gd name="connsiteY3" fmla="*/ 5484045 h 5484045"/>
+                <a:gd name="connsiteX4" fmla="*/ 32 w 4029425"/>
+                <a:gd name="connsiteY4" fmla="*/ 5001724 h 5484045"/>
+                <a:gd name="connsiteX5" fmla="*/ 3597341 w 4029425"/>
+                <a:gd name="connsiteY5" fmla="*/ 2760942 h 5484045"/>
+                <a:gd name="connsiteX6" fmla="*/ 32 w 4029425"/>
+                <a:gd name="connsiteY6" fmla="*/ 449821 h 5484045"/>
+                <a:gd name="connsiteX0" fmla="*/ 32 w 4029424"/>
+                <a:gd name="connsiteY0" fmla="*/ 449821 h 5484045"/>
+                <a:gd name="connsiteX1" fmla="*/ 34 w 4029424"/>
+                <a:gd name="connsiteY1" fmla="*/ 27789 h 5484045"/>
+                <a:gd name="connsiteX2" fmla="*/ 4029422 w 4029424"/>
+                <a:gd name="connsiteY2" fmla="*/ 2770990 h 5484045"/>
+                <a:gd name="connsiteX3" fmla="*/ 34 w 4029424"/>
+                <a:gd name="connsiteY3" fmla="*/ 5484045 h 5484045"/>
+                <a:gd name="connsiteX4" fmla="*/ 32 w 4029424"/>
+                <a:gd name="connsiteY4" fmla="*/ 5001724 h 5484045"/>
+                <a:gd name="connsiteX5" fmla="*/ 3597341 w 4029424"/>
+                <a:gd name="connsiteY5" fmla="*/ 2760942 h 5484045"/>
+                <a:gd name="connsiteX6" fmla="*/ 32 w 4029424"/>
+                <a:gd name="connsiteY6" fmla="*/ 449821 h 5484045"/>
+                <a:gd name="connsiteX0" fmla="*/ 32 w 4029424"/>
+                <a:gd name="connsiteY0" fmla="*/ 449821 h 5484045"/>
+                <a:gd name="connsiteX1" fmla="*/ 34 w 4029424"/>
+                <a:gd name="connsiteY1" fmla="*/ 27789 h 5484045"/>
+                <a:gd name="connsiteX2" fmla="*/ 4029422 w 4029424"/>
+                <a:gd name="connsiteY2" fmla="*/ 2770990 h 5484045"/>
+                <a:gd name="connsiteX3" fmla="*/ 34 w 4029424"/>
+                <a:gd name="connsiteY3" fmla="*/ 5484045 h 5484045"/>
+                <a:gd name="connsiteX4" fmla="*/ 32 w 4029424"/>
+                <a:gd name="connsiteY4" fmla="*/ 5001724 h 5484045"/>
+                <a:gd name="connsiteX5" fmla="*/ 3597341 w 4029424"/>
+                <a:gd name="connsiteY5" fmla="*/ 2760942 h 5484045"/>
+                <a:gd name="connsiteX6" fmla="*/ 32 w 4029424"/>
+                <a:gd name="connsiteY6" fmla="*/ 449821 h 5484045"/>
+                <a:gd name="connsiteX0" fmla="*/ 10 w 4029402"/>
+                <a:gd name="connsiteY0" fmla="*/ 422032 h 5456256"/>
+                <a:gd name="connsiteX1" fmla="*/ 12 w 4029402"/>
+                <a:gd name="connsiteY1" fmla="*/ 0 h 5456256"/>
+                <a:gd name="connsiteX2" fmla="*/ 4029400 w 4029402"/>
+                <a:gd name="connsiteY2" fmla="*/ 2743201 h 5456256"/>
+                <a:gd name="connsiteX3" fmla="*/ 12 w 4029402"/>
+                <a:gd name="connsiteY3" fmla="*/ 5456256 h 5456256"/>
+                <a:gd name="connsiteX4" fmla="*/ 10 w 4029402"/>
+                <a:gd name="connsiteY4" fmla="*/ 4973935 h 5456256"/>
+                <a:gd name="connsiteX5" fmla="*/ 3597319 w 4029402"/>
+                <a:gd name="connsiteY5" fmla="*/ 2733153 h 5456256"/>
+                <a:gd name="connsiteX6" fmla="*/ 10 w 4029402"/>
+                <a:gd name="connsiteY6" fmla="*/ 422032 h 5456256"/>
+                <a:gd name="connsiteX0" fmla="*/ 10 w 4029402"/>
+                <a:gd name="connsiteY0" fmla="*/ 422032 h 6454785"/>
+                <a:gd name="connsiteX1" fmla="*/ 12 w 4029402"/>
+                <a:gd name="connsiteY1" fmla="*/ 0 h 6454785"/>
+                <a:gd name="connsiteX2" fmla="*/ 4029400 w 4029402"/>
+                <a:gd name="connsiteY2" fmla="*/ 2743201 h 6454785"/>
+                <a:gd name="connsiteX3" fmla="*/ 180883 w 4029402"/>
+                <a:gd name="connsiteY3" fmla="*/ 6454785 h 6454785"/>
+                <a:gd name="connsiteX4" fmla="*/ 10 w 4029402"/>
+                <a:gd name="connsiteY4" fmla="*/ 4973935 h 6454785"/>
+                <a:gd name="connsiteX5" fmla="*/ 3597319 w 4029402"/>
+                <a:gd name="connsiteY5" fmla="*/ 2733153 h 6454785"/>
+                <a:gd name="connsiteX6" fmla="*/ 10 w 4029402"/>
+                <a:gd name="connsiteY6" fmla="*/ 422032 h 6454785"/>
+                <a:gd name="connsiteX0" fmla="*/ 10 w 4029402"/>
+                <a:gd name="connsiteY0" fmla="*/ 422032 h 6454785"/>
+                <a:gd name="connsiteX1" fmla="*/ 12 w 4029402"/>
+                <a:gd name="connsiteY1" fmla="*/ 0 h 6454785"/>
+                <a:gd name="connsiteX2" fmla="*/ 4029400 w 4029402"/>
+                <a:gd name="connsiteY2" fmla="*/ 2743201 h 6454785"/>
+                <a:gd name="connsiteX3" fmla="*/ 180883 w 4029402"/>
+                <a:gd name="connsiteY3" fmla="*/ 6454785 h 6454785"/>
+                <a:gd name="connsiteX4" fmla="*/ 160783 w 4029402"/>
+                <a:gd name="connsiteY4" fmla="*/ 5562356 h 6454785"/>
+                <a:gd name="connsiteX5" fmla="*/ 3597319 w 4029402"/>
+                <a:gd name="connsiteY5" fmla="*/ 2733153 h 6454785"/>
+                <a:gd name="connsiteX6" fmla="*/ 10 w 4029402"/>
+                <a:gd name="connsiteY6" fmla="*/ 422032 h 6454785"/>
+                <a:gd name="connsiteX0" fmla="*/ 10 w 4029402"/>
+                <a:gd name="connsiteY0" fmla="*/ 422032 h 6454785"/>
+                <a:gd name="connsiteX1" fmla="*/ 12 w 4029402"/>
+                <a:gd name="connsiteY1" fmla="*/ 0 h 6454785"/>
+                <a:gd name="connsiteX2" fmla="*/ 4029400 w 4029402"/>
+                <a:gd name="connsiteY2" fmla="*/ 2743201 h 6454785"/>
+                <a:gd name="connsiteX3" fmla="*/ 180883 w 4029402"/>
+                <a:gd name="connsiteY3" fmla="*/ 6454785 h 6454785"/>
+                <a:gd name="connsiteX4" fmla="*/ 160783 w 4029402"/>
+                <a:gd name="connsiteY4" fmla="*/ 5562356 h 6454785"/>
+                <a:gd name="connsiteX5" fmla="*/ 3567174 w 4029402"/>
+                <a:gd name="connsiteY5" fmla="*/ 1681129 h 6454785"/>
+                <a:gd name="connsiteX6" fmla="*/ 10 w 4029402"/>
+                <a:gd name="connsiteY6" fmla="*/ 422032 h 6454785"/>
+                <a:gd name="connsiteX0" fmla="*/ 10 w 3949015"/>
+                <a:gd name="connsiteY0" fmla="*/ 422032 h 6454785"/>
+                <a:gd name="connsiteX1" fmla="*/ 12 w 3949015"/>
+                <a:gd name="connsiteY1" fmla="*/ 0 h 6454785"/>
+                <a:gd name="connsiteX2" fmla="*/ 3949013 w 3949015"/>
+                <a:gd name="connsiteY2" fmla="*/ 1459376 h 6454785"/>
+                <a:gd name="connsiteX3" fmla="*/ 180883 w 3949015"/>
+                <a:gd name="connsiteY3" fmla="*/ 6454785 h 6454785"/>
+                <a:gd name="connsiteX4" fmla="*/ 160783 w 3949015"/>
+                <a:gd name="connsiteY4" fmla="*/ 5562356 h 6454785"/>
+                <a:gd name="connsiteX5" fmla="*/ 3567174 w 3949015"/>
+                <a:gd name="connsiteY5" fmla="*/ 1681129 h 6454785"/>
+                <a:gd name="connsiteX6" fmla="*/ 10 w 3949015"/>
+                <a:gd name="connsiteY6" fmla="*/ 422032 h 6454785"/>
+                <a:gd name="connsiteX0" fmla="*/ 10 w 3949015"/>
+                <a:gd name="connsiteY0" fmla="*/ 422032 h 6454785"/>
+                <a:gd name="connsiteX1" fmla="*/ 12 w 3949015"/>
+                <a:gd name="connsiteY1" fmla="*/ 0 h 6454785"/>
+                <a:gd name="connsiteX2" fmla="*/ 3949013 w 3949015"/>
+                <a:gd name="connsiteY2" fmla="*/ 1459376 h 6454785"/>
+                <a:gd name="connsiteX3" fmla="*/ 180883 w 3949015"/>
+                <a:gd name="connsiteY3" fmla="*/ 6454785 h 6454785"/>
+                <a:gd name="connsiteX4" fmla="*/ 160783 w 3949015"/>
+                <a:gd name="connsiteY4" fmla="*/ 5562356 h 6454785"/>
+                <a:gd name="connsiteX5" fmla="*/ 3466691 w 3949015"/>
+                <a:gd name="connsiteY5" fmla="*/ 1627637 h 6454785"/>
+                <a:gd name="connsiteX6" fmla="*/ 10 w 3949015"/>
+                <a:gd name="connsiteY6" fmla="*/ 422032 h 6454785"/>
+                <a:gd name="connsiteX0" fmla="*/ 10 w 3949015"/>
+                <a:gd name="connsiteY0" fmla="*/ 618172 h 6454785"/>
+                <a:gd name="connsiteX1" fmla="*/ 12 w 3949015"/>
+                <a:gd name="connsiteY1" fmla="*/ 0 h 6454785"/>
+                <a:gd name="connsiteX2" fmla="*/ 3949013 w 3949015"/>
+                <a:gd name="connsiteY2" fmla="*/ 1459376 h 6454785"/>
+                <a:gd name="connsiteX3" fmla="*/ 180883 w 3949015"/>
+                <a:gd name="connsiteY3" fmla="*/ 6454785 h 6454785"/>
+                <a:gd name="connsiteX4" fmla="*/ 160783 w 3949015"/>
+                <a:gd name="connsiteY4" fmla="*/ 5562356 h 6454785"/>
+                <a:gd name="connsiteX5" fmla="*/ 3466691 w 3949015"/>
+                <a:gd name="connsiteY5" fmla="*/ 1627637 h 6454785"/>
+                <a:gd name="connsiteX6" fmla="*/ 10 w 3949015"/>
+                <a:gd name="connsiteY6" fmla="*/ 618172 h 6454785"/>
+                <a:gd name="connsiteX0" fmla="*/ 10 w 3949015"/>
+                <a:gd name="connsiteY0" fmla="*/ 778650 h 6615263"/>
+                <a:gd name="connsiteX1" fmla="*/ 12 w 3949015"/>
+                <a:gd name="connsiteY1" fmla="*/ 0 h 6615263"/>
+                <a:gd name="connsiteX2" fmla="*/ 3949013 w 3949015"/>
+                <a:gd name="connsiteY2" fmla="*/ 1619854 h 6615263"/>
+                <a:gd name="connsiteX3" fmla="*/ 180883 w 3949015"/>
+                <a:gd name="connsiteY3" fmla="*/ 6615263 h 6615263"/>
+                <a:gd name="connsiteX4" fmla="*/ 160783 w 3949015"/>
+                <a:gd name="connsiteY4" fmla="*/ 5722834 h 6615263"/>
+                <a:gd name="connsiteX5" fmla="*/ 3466691 w 3949015"/>
+                <a:gd name="connsiteY5" fmla="*/ 1788115 h 6615263"/>
+                <a:gd name="connsiteX6" fmla="*/ 10 w 3949015"/>
+                <a:gd name="connsiteY6" fmla="*/ 778650 h 6615263"/>
+                <a:gd name="connsiteX0" fmla="*/ 10 w 3949015"/>
+                <a:gd name="connsiteY0" fmla="*/ 779047 h 6615660"/>
+                <a:gd name="connsiteX1" fmla="*/ 12 w 3949015"/>
+                <a:gd name="connsiteY1" fmla="*/ 397 h 6615660"/>
+                <a:gd name="connsiteX2" fmla="*/ 3949013 w 3949015"/>
+                <a:gd name="connsiteY2" fmla="*/ 1620251 h 6615660"/>
+                <a:gd name="connsiteX3" fmla="*/ 180883 w 3949015"/>
+                <a:gd name="connsiteY3" fmla="*/ 6615660 h 6615660"/>
+                <a:gd name="connsiteX4" fmla="*/ 160783 w 3949015"/>
+                <a:gd name="connsiteY4" fmla="*/ 5723231 h 6615660"/>
+                <a:gd name="connsiteX5" fmla="*/ 3466691 w 3949015"/>
+                <a:gd name="connsiteY5" fmla="*/ 1788512 h 6615660"/>
+                <a:gd name="connsiteX6" fmla="*/ 10 w 3949015"/>
+                <a:gd name="connsiteY6" fmla="*/ 779047 h 6615660"/>
+                <a:gd name="connsiteX0" fmla="*/ 10 w 3949260"/>
+                <a:gd name="connsiteY0" fmla="*/ 779311 h 6615924"/>
+                <a:gd name="connsiteX1" fmla="*/ 12 w 3949260"/>
+                <a:gd name="connsiteY1" fmla="*/ 661 h 6615924"/>
+                <a:gd name="connsiteX2" fmla="*/ 3949013 w 3949260"/>
+                <a:gd name="connsiteY2" fmla="*/ 1620515 h 6615924"/>
+                <a:gd name="connsiteX3" fmla="*/ 180883 w 3949260"/>
+                <a:gd name="connsiteY3" fmla="*/ 6615924 h 6615924"/>
+                <a:gd name="connsiteX4" fmla="*/ 160783 w 3949260"/>
+                <a:gd name="connsiteY4" fmla="*/ 5723495 h 6615924"/>
+                <a:gd name="connsiteX5" fmla="*/ 3466691 w 3949260"/>
+                <a:gd name="connsiteY5" fmla="*/ 1788776 h 6615924"/>
+                <a:gd name="connsiteX6" fmla="*/ 10 w 3949260"/>
+                <a:gd name="connsiteY6" fmla="*/ 779311 h 6615924"/>
+                <a:gd name="connsiteX0" fmla="*/ 10 w 3949260"/>
+                <a:gd name="connsiteY0" fmla="*/ 779313 h 6615926"/>
+                <a:gd name="connsiteX1" fmla="*/ 12 w 3949260"/>
+                <a:gd name="connsiteY1" fmla="*/ 663 h 6615926"/>
+                <a:gd name="connsiteX2" fmla="*/ 3949013 w 3949260"/>
+                <a:gd name="connsiteY2" fmla="*/ 1620517 h 6615926"/>
+                <a:gd name="connsiteX3" fmla="*/ 180883 w 3949260"/>
+                <a:gd name="connsiteY3" fmla="*/ 6615926 h 6615926"/>
+                <a:gd name="connsiteX4" fmla="*/ 160783 w 3949260"/>
+                <a:gd name="connsiteY4" fmla="*/ 5723497 h 6615926"/>
+                <a:gd name="connsiteX5" fmla="*/ 3466691 w 3949260"/>
+                <a:gd name="connsiteY5" fmla="*/ 1788778 h 6615926"/>
+                <a:gd name="connsiteX6" fmla="*/ 10 w 3949260"/>
+                <a:gd name="connsiteY6" fmla="*/ 779313 h 6615926"/>
+                <a:gd name="connsiteX0" fmla="*/ 10 w 3949260"/>
+                <a:gd name="connsiteY0" fmla="*/ 779313 h 6615926"/>
+                <a:gd name="connsiteX1" fmla="*/ 12 w 3949260"/>
+                <a:gd name="connsiteY1" fmla="*/ 663 h 6615926"/>
+                <a:gd name="connsiteX2" fmla="*/ 3949013 w 3949260"/>
+                <a:gd name="connsiteY2" fmla="*/ 1620517 h 6615926"/>
+                <a:gd name="connsiteX3" fmla="*/ 180883 w 3949260"/>
+                <a:gd name="connsiteY3" fmla="*/ 6615926 h 6615926"/>
+                <a:gd name="connsiteX4" fmla="*/ 160783 w 3949260"/>
+                <a:gd name="connsiteY4" fmla="*/ 5723497 h 6615926"/>
+                <a:gd name="connsiteX5" fmla="*/ 3466691 w 3949260"/>
+                <a:gd name="connsiteY5" fmla="*/ 1788778 h 6615926"/>
+                <a:gd name="connsiteX6" fmla="*/ 10 w 3949260"/>
+                <a:gd name="connsiteY6" fmla="*/ 779313 h 6615926"/>
+                <a:gd name="connsiteX0" fmla="*/ 10 w 3949260"/>
+                <a:gd name="connsiteY0" fmla="*/ 779313 h 6615926"/>
+                <a:gd name="connsiteX1" fmla="*/ 12 w 3949260"/>
+                <a:gd name="connsiteY1" fmla="*/ 663 h 6615926"/>
+                <a:gd name="connsiteX2" fmla="*/ 3949013 w 3949260"/>
+                <a:gd name="connsiteY2" fmla="*/ 1620517 h 6615926"/>
+                <a:gd name="connsiteX3" fmla="*/ 180883 w 3949260"/>
+                <a:gd name="connsiteY3" fmla="*/ 6615926 h 6615926"/>
+                <a:gd name="connsiteX4" fmla="*/ 160783 w 3949260"/>
+                <a:gd name="connsiteY4" fmla="*/ 5723497 h 6615926"/>
+                <a:gd name="connsiteX5" fmla="*/ 3466691 w 3949260"/>
+                <a:gd name="connsiteY5" fmla="*/ 1788778 h 6615926"/>
+                <a:gd name="connsiteX6" fmla="*/ 10 w 3949260"/>
+                <a:gd name="connsiteY6" fmla="*/ 779313 h 6615926"/>
+              </a:gdLst>
+              <a:ahLst/>
+              <a:cxnLst>
+                <a:cxn ang="0">
+                  <a:pos x="connsiteX0" y="connsiteY0"/>
+                </a:cxn>
+                <a:cxn ang="0">
+                  <a:pos x="connsiteX1" y="connsiteY1"/>
+                </a:cxn>
+                <a:cxn ang="0">
+                  <a:pos x="connsiteX2" y="connsiteY2"/>
+                </a:cxn>
+                <a:cxn ang="0">
+                  <a:pos x="connsiteX3" y="connsiteY3"/>
+                </a:cxn>
+                <a:cxn ang="0">
+                  <a:pos x="connsiteX4" y="connsiteY4"/>
+                </a:cxn>
+                <a:cxn ang="0">
+                  <a:pos x="connsiteX5" y="connsiteY5"/>
+                </a:cxn>
+                <a:cxn ang="0">
+                  <a:pos x="connsiteX6" y="connsiteY6"/>
+                </a:cxn>
+              </a:cxnLst>
+              <a:rect l="l" t="t" r="r" b="b"/>
+              <a:pathLst>
+                <a:path w="3949260" h="6615926">
+                  <a:moveTo>
+                    <a:pt x="10" y="779313"/>
+                  </a:moveTo>
+                  <a:cubicBezTo>
+                    <a:pt x="11" y="370680"/>
+                    <a:pt x="10059" y="429393"/>
+                    <a:pt x="12" y="663"/>
+                  </a:cubicBezTo>
+                  <a:cubicBezTo>
+                    <a:pt x="599563" y="-19235"/>
+                    <a:pt x="3982508" y="406341"/>
+                    <a:pt x="3949013" y="1620517"/>
+                  </a:cubicBezTo>
+                  <a:cubicBezTo>
+                    <a:pt x="3962411" y="3275047"/>
+                    <a:pt x="921111" y="6324524"/>
+                    <a:pt x="180883" y="6615926"/>
+                  </a:cubicBezTo>
+                  <a:cubicBezTo>
+                    <a:pt x="180882" y="6455152"/>
+                    <a:pt x="160784" y="5884271"/>
+                    <a:pt x="160783" y="5723497"/>
+                  </a:cubicBezTo>
+                  <a:cubicBezTo>
+                    <a:pt x="154084" y="5740244"/>
+                    <a:pt x="3563826" y="2987289"/>
+                    <a:pt x="3466691" y="1788778"/>
+                  </a:cubicBezTo>
+                  <a:cubicBezTo>
+                    <a:pt x="3473390" y="980278"/>
+                    <a:pt x="-6689" y="782662"/>
+                    <a:pt x="10" y="779313"/>
+                  </a:cubicBezTo>
+                  <a:close/>
+                </a:path>
+              </a:pathLst>
+            </a:custGeom>
+          </p:spPr>
+          <p:style>
+            <a:lnRef idx="2">
+              <a:schemeClr val="accent1">
+                <a:shade val="50000"/>
+              </a:schemeClr>
+            </a:lnRef>
+            <a:fillRef idx="1">
+              <a:schemeClr val="accent1"/>
+            </a:fillRef>
+            <a:effectRef idx="0">
+              <a:schemeClr val="accent1"/>
+            </a:effectRef>
+            <a:fontRef idx="minor">
+              <a:schemeClr val="lt1"/>
+            </a:fontRef>
+          </p:style>
+          <p:txBody>
+            <a:bodyPr rtlCol="0" anchor="ctr"/>
+            <a:lstStyle/>
+            <a:p>
+              <a:pPr algn="ctr"/>
+              <a:endParaRPr lang="en-US" dirty="0"/>
+            </a:p>
+          </p:txBody>
+        </p:sp>
+        <p:sp>
+          <p:nvSpPr>
+            <p:cNvPr id="46" name="Oval 45">
+              <a:extLst>
+                <a:ext uri="{FF2B5EF4-FFF2-40B4-BE49-F238E27FC236}">
+                  <a16:creationId xmlns:a16="http://schemas.microsoft.com/office/drawing/2014/main" id="{B9AC409B-A205-344B-B3C0-5FFB0211D050}"/>
+                </a:ext>
+              </a:extLst>
+            </p:cNvPr>
+            <p:cNvSpPr/>
+            <p:nvPr/>
+          </p:nvSpPr>
+          <p:spPr>
+            <a:xfrm>
+              <a:off x="3707842" y="1574591"/>
+              <a:ext cx="277403" cy="418591"/>
+            </a:xfrm>
+            <a:prstGeom prst="ellipse">
+              <a:avLst/>
+            </a:prstGeom>
+            <a:solidFill>
+              <a:schemeClr val="bg1"/>
+            </a:solidFill>
+            <a:ln>
+              <a:solidFill>
+                <a:srgbClr val="0070C0"/>
+              </a:solidFill>
+            </a:ln>
+          </p:spPr>
+          <p:style>
+            <a:lnRef idx="2">
+              <a:schemeClr val="accent1">
+                <a:shade val="50000"/>
+              </a:schemeClr>
+            </a:lnRef>
+            <a:fillRef idx="1">
+              <a:schemeClr val="accent1"/>
+            </a:fillRef>
+            <a:effectRef idx="0">
+              <a:schemeClr val="accent1"/>
+            </a:effectRef>
+            <a:fontRef idx="minor">
+              <a:schemeClr val="lt1"/>
+            </a:fontRef>
+          </p:style>
+          <p:txBody>
+            <a:bodyPr rtlCol="0" anchor="ctr"/>
+            <a:lstStyle/>
+            <a:p>
+              <a:pPr algn="ctr"/>
+              <a:endParaRPr lang="en-US" dirty="0"/>
+            </a:p>
+          </p:txBody>
+        </p:sp>
+        <p:sp>
+          <p:nvSpPr>
+            <p:cNvPr id="47" name="Oval 46">
+              <a:extLst>
+                <a:ext uri="{FF2B5EF4-FFF2-40B4-BE49-F238E27FC236}">
+                  <a16:creationId xmlns:a16="http://schemas.microsoft.com/office/drawing/2014/main" id="{F75B1717-775A-674C-8018-48023FC65536}"/>
+                </a:ext>
+              </a:extLst>
+            </p:cNvPr>
+            <p:cNvSpPr/>
+            <p:nvPr/>
+          </p:nvSpPr>
+          <p:spPr>
+            <a:xfrm>
+              <a:off x="3880401" y="4787752"/>
+              <a:ext cx="281873" cy="505404"/>
+            </a:xfrm>
+            <a:prstGeom prst="ellipse">
+              <a:avLst/>
+            </a:prstGeom>
+            <a:solidFill>
+              <a:schemeClr val="bg1"/>
+            </a:solidFill>
+            <a:ln>
+              <a:solidFill>
+                <a:srgbClr val="0070C0"/>
+              </a:solidFill>
+            </a:ln>
+          </p:spPr>
+          <p:style>
+            <a:lnRef idx="2">
+              <a:schemeClr val="accent1">
+                <a:shade val="50000"/>
+              </a:schemeClr>
+            </a:lnRef>
+            <a:fillRef idx="1">
+              <a:schemeClr val="accent1"/>
+            </a:fillRef>
+            <a:effectRef idx="0">
+              <a:schemeClr val="accent1"/>
+            </a:effectRef>
+            <a:fontRef idx="minor">
+              <a:schemeClr val="lt1"/>
+            </a:fontRef>
+          </p:style>
+          <p:txBody>
+            <a:bodyPr rtlCol="0" anchor="ctr"/>
+            <a:lstStyle/>
+            <a:p>
+              <a:pPr algn="ctr"/>
+              <a:endParaRPr lang="en-US" dirty="0"/>
+            </a:p>
+          </p:txBody>
+        </p:sp>
+      </p:grpSp>
+      <p:cxnSp>
+        <p:nvCxnSpPr>
+          <p:cNvPr id="21" name="Straight Arrow Connector 20">
+            <a:extLst>
+              <a:ext uri="{FF2B5EF4-FFF2-40B4-BE49-F238E27FC236}">
+                <a16:creationId xmlns:a16="http://schemas.microsoft.com/office/drawing/2014/main" id="{106CBF57-252E-A140-9468-DE6AE57014AA}"/>
+              </a:ext>
+            </a:extLst>
+          </p:cNvPr>
+          <p:cNvCxnSpPr>
+            <a:stCxn id="46" idx="6"/>
+            <a:endCxn id="76" idx="3"/>
+          </p:cNvCxnSpPr>
+          <p:nvPr/>
+        </p:nvCxnSpPr>
+        <p:spPr>
+          <a:xfrm flipH="1" flipV="1">
+            <a:off x="2701125" y="1528089"/>
+            <a:ext cx="541083" cy="33100"/>
+          </a:xfrm>
+          <a:prstGeom prst="straightConnector1">
+            <a:avLst/>
+          </a:prstGeom>
+          <a:ln w="76200">
+            <a:solidFill>
+              <a:srgbClr val="FF0000"/>
+            </a:solidFill>
+            <a:tailEnd type="triangle"/>
+          </a:ln>
+        </p:spPr>
+        <p:style>
+          <a:lnRef idx="1">
+            <a:schemeClr val="accent1"/>
+          </a:lnRef>
+          <a:fillRef idx="0">
+            <a:schemeClr val="accent1"/>
+          </a:fillRef>
+          <a:effectRef idx="0">
+            <a:schemeClr val="accent1"/>
+          </a:effectRef>
+          <a:fontRef idx="minor">
+            <a:schemeClr val="tx1"/>
+          </a:fontRef>
+        </p:style>
+      </p:cxnSp>
+      <p:cxnSp>
+        <p:nvCxnSpPr>
+          <p:cNvPr id="48" name="Straight Arrow Connector 47">
+            <a:extLst>
+              <a:ext uri="{FF2B5EF4-FFF2-40B4-BE49-F238E27FC236}">
+                <a16:creationId xmlns:a16="http://schemas.microsoft.com/office/drawing/2014/main" id="{A928251B-33C0-AF45-9C84-E154856B3FB2}"/>
+              </a:ext>
+            </a:extLst>
+          </p:cNvPr>
+          <p:cNvCxnSpPr>
+            <a:cxnSpLocks/>
+            <a:endCxn id="77" idx="3"/>
+          </p:cNvCxnSpPr>
+          <p:nvPr/>
+        </p:nvCxnSpPr>
+        <p:spPr>
+          <a:xfrm flipH="1">
+            <a:off x="2822264" y="4773624"/>
+            <a:ext cx="606386" cy="314712"/>
+          </a:xfrm>
+          <a:prstGeom prst="straightConnector1">
+            <a:avLst/>
+          </a:prstGeom>
+          <a:ln w="76200">
+            <a:solidFill>
+              <a:srgbClr val="FF0000"/>
+            </a:solidFill>
+            <a:tailEnd type="triangle"/>
+          </a:ln>
+        </p:spPr>
+        <p:style>
+          <a:lnRef idx="1">
+            <a:schemeClr val="accent1"/>
+          </a:lnRef>
+          <a:fillRef idx="0">
+            <a:schemeClr val="accent1"/>
+          </a:fillRef>
+          <a:effectRef idx="0">
+            <a:schemeClr val="accent1"/>
+          </a:effectRef>
+          <a:fontRef idx="minor">
+            <a:schemeClr val="tx1"/>
+          </a:fontRef>
+        </p:style>
+      </p:cxnSp>
+      <p:pic>
+        <p:nvPicPr>
+          <p:cNvPr id="30" name="Picture 29">
+            <a:extLst>
+              <a:ext uri="{FF2B5EF4-FFF2-40B4-BE49-F238E27FC236}">
+                <a16:creationId xmlns:a16="http://schemas.microsoft.com/office/drawing/2014/main" id="{92CC3A60-E513-FB41-9E4A-2F6E6CEF9BA7}"/>
+              </a:ext>
+            </a:extLst>
+          </p:cNvPr>
+          <p:cNvPicPr>
+            <a:picLocks noChangeAspect="1"/>
+          </p:cNvPicPr>
+          <p:nvPr/>
+        </p:nvPicPr>
+        <p:blipFill>
+          <a:blip r:embed="rId12"/>
+          <a:stretch>
+            <a:fillRect/>
+          </a:stretch>
+        </p:blipFill>
+        <p:spPr>
+          <a:xfrm>
+            <a:off x="5818579" y="1561188"/>
+            <a:ext cx="814759" cy="866165"/>
+          </a:xfrm>
+          <a:prstGeom prst="rect">
+            <a:avLst/>
+          </a:prstGeom>
+        </p:spPr>
+      </p:pic>
+      <p:sp>
+        <p:nvSpPr>
+          <p:cNvPr id="55" name="Rounded Rectangular Callout 54">
+            <a:extLst>
+              <a:ext uri="{FF2B5EF4-FFF2-40B4-BE49-F238E27FC236}">
+                <a16:creationId xmlns:a16="http://schemas.microsoft.com/office/drawing/2014/main" id="{72543C33-2030-A443-B70F-A7F60A9DD9A8}"/>
               </a:ext>
             </a:extLst>
           </p:cNvPr>
@@ -11866,19 +13122,17 @@
         </p:nvSpPr>
         <p:spPr>
           <a:xfrm>
-            <a:off x="45220" y="2842392"/>
-            <a:ext cx="2734096" cy="623419"/>
+            <a:off x="4904408" y="63105"/>
+            <a:ext cx="3425524" cy="902872"/>
           </a:xfrm>
           <a:prstGeom prst="wedgeRoundRectCallout">
             <a:avLst>
-              <a:gd name="adj1" fmla="val 36322"/>
-              <a:gd name="adj2" fmla="val -200057"/>
+              <a:gd name="adj1" fmla="val -7765"/>
+              <a:gd name="adj2" fmla="val 114738"/>
               <a:gd name="adj3" fmla="val 16667"/>
             </a:avLst>
           </a:prstGeom>
-          <a:solidFill>
-            <a:schemeClr val="bg1"/>
-          </a:solidFill>
+          <a:noFill/>
           <a:ln w="38100">
             <a:solidFill>
               <a:schemeClr val="tx1"/>
@@ -11908,245 +13162,164 @@
             <a:r>
               <a:rPr lang="en-US" dirty="0">
                 <a:solidFill>
-                  <a:srgbClr val="002060"/>
+                  <a:schemeClr val="tx1"/>
                 </a:solidFill>
               </a:rPr>
-              <a:t>Data should be disclosed only to authorized users.</a:t>
-            </a:r>
-          </a:p>
-        </p:txBody>
-      </p:sp>
-      <p:pic>
-        <p:nvPicPr>
-          <p:cNvPr id="76" name="Picture 75">
-            <a:extLst>
-              <a:ext uri="{FF2B5EF4-FFF2-40B4-BE49-F238E27FC236}">
-                <a16:creationId xmlns:a16="http://schemas.microsoft.com/office/drawing/2014/main" id="{8901BF6D-AA58-DB4C-8CB9-00825F3C4180}"/>
-              </a:ext>
-            </a:extLst>
-          </p:cNvPr>
-          <p:cNvPicPr>
-            <a:picLocks noChangeAspect="1"/>
-          </p:cNvPicPr>
-          <p:nvPr/>
-        </p:nvPicPr>
-        <p:blipFill>
-          <a:blip r:embed="rId9"/>
-          <a:stretch>
-            <a:fillRect/>
-          </a:stretch>
-        </p:blipFill>
-        <p:spPr>
-          <a:xfrm>
-            <a:off x="1889165" y="1122109"/>
-            <a:ext cx="811960" cy="811960"/>
-          </a:xfrm>
-          <a:prstGeom prst="rect">
-            <a:avLst/>
-          </a:prstGeom>
-        </p:spPr>
-      </p:pic>
-      <p:pic>
-        <p:nvPicPr>
-          <p:cNvPr id="77" name="Picture 76">
-            <a:extLst>
-              <a:ext uri="{FF2B5EF4-FFF2-40B4-BE49-F238E27FC236}">
-                <a16:creationId xmlns:a16="http://schemas.microsoft.com/office/drawing/2014/main" id="{C4ED0750-6471-6F40-AED6-BEC1E986C5E1}"/>
-              </a:ext>
-            </a:extLst>
-          </p:cNvPr>
-          <p:cNvPicPr>
-            <a:picLocks noChangeAspect="1"/>
-          </p:cNvPicPr>
-          <p:nvPr/>
-        </p:nvPicPr>
-        <p:blipFill>
-          <a:blip r:embed="rId9"/>
-          <a:stretch>
-            <a:fillRect/>
-          </a:stretch>
-        </p:blipFill>
-        <p:spPr>
-          <a:xfrm>
-            <a:off x="2010304" y="4682356"/>
-            <a:ext cx="811960" cy="811960"/>
-          </a:xfrm>
-          <a:prstGeom prst="rect">
-            <a:avLst/>
-          </a:prstGeom>
-        </p:spPr>
-      </p:pic>
-      <p:pic>
-        <p:nvPicPr>
-          <p:cNvPr id="36" name="Picture 35">
-            <a:extLst>
-              <a:ext uri="{FF2B5EF4-FFF2-40B4-BE49-F238E27FC236}">
-                <a16:creationId xmlns:a16="http://schemas.microsoft.com/office/drawing/2014/main" id="{861F2069-DDDB-9F48-9CCA-87F302EAD760}"/>
-              </a:ext>
-            </a:extLst>
-          </p:cNvPr>
-          <p:cNvPicPr>
-            <a:picLocks noChangeAspect="1"/>
-          </p:cNvPicPr>
-          <p:nvPr/>
-        </p:nvPicPr>
-        <p:blipFill>
-          <a:blip r:embed="rId10"/>
-          <a:stretch>
-            <a:fillRect/>
-          </a:stretch>
-        </p:blipFill>
-        <p:spPr>
-          <a:xfrm>
-            <a:off x="8967018" y="725614"/>
-            <a:ext cx="1057298" cy="962260"/>
-          </a:xfrm>
-          <a:prstGeom prst="rect">
-            <a:avLst/>
-          </a:prstGeom>
-        </p:spPr>
-      </p:pic>
-      <p:pic>
-        <p:nvPicPr>
-          <p:cNvPr id="37" name="Picture 36">
-            <a:extLst>
-              <a:ext uri="{FF2B5EF4-FFF2-40B4-BE49-F238E27FC236}">
-                <a16:creationId xmlns:a16="http://schemas.microsoft.com/office/drawing/2014/main" id="{4C2F5E0D-4B04-0B49-B02F-FF643889AF9C}"/>
-              </a:ext>
-            </a:extLst>
-          </p:cNvPr>
-          <p:cNvPicPr>
-            <a:picLocks noChangeAspect="1"/>
-          </p:cNvPicPr>
-          <p:nvPr/>
-        </p:nvPicPr>
-        <p:blipFill>
-          <a:blip r:embed="rId9"/>
-          <a:stretch>
-            <a:fillRect/>
-          </a:stretch>
-        </p:blipFill>
-        <p:spPr>
-          <a:xfrm>
-            <a:off x="8464263" y="1284631"/>
-            <a:ext cx="811960" cy="811960"/>
-          </a:xfrm>
-          <a:prstGeom prst="rect">
-            <a:avLst/>
-          </a:prstGeom>
-        </p:spPr>
-      </p:pic>
-      <p:sp>
-        <p:nvSpPr>
-          <p:cNvPr id="38" name="Cross 37">
-            <a:extLst>
-              <a:ext uri="{FF2B5EF4-FFF2-40B4-BE49-F238E27FC236}">
-                <a16:creationId xmlns:a16="http://schemas.microsoft.com/office/drawing/2014/main" id="{3A8D4A4A-BBE8-2846-8D97-9CAD9BD484E4}"/>
-              </a:ext>
-            </a:extLst>
-          </p:cNvPr>
-          <p:cNvSpPr/>
-          <p:nvPr/>
-        </p:nvSpPr>
-        <p:spPr>
-          <a:xfrm rot="18731972">
-            <a:off x="8325618" y="725845"/>
-            <a:ext cx="1396666" cy="1393816"/>
-          </a:xfrm>
-          <a:prstGeom prst="plus">
-            <a:avLst>
-              <a:gd name="adj" fmla="val 44101"/>
-            </a:avLst>
-          </a:prstGeom>
-          <a:solidFill>
-            <a:srgbClr val="FF0000"/>
-          </a:solidFill>
-        </p:spPr>
-        <p:style>
-          <a:lnRef idx="2">
-            <a:schemeClr val="accent1">
-              <a:shade val="50000"/>
-            </a:schemeClr>
-          </a:lnRef>
-          <a:fillRef idx="1">
-            <a:schemeClr val="accent1"/>
-          </a:fillRef>
-          <a:effectRef idx="0">
-            <a:schemeClr val="accent1"/>
-          </a:effectRef>
-          <a:fontRef idx="minor">
-            <a:schemeClr val="lt1"/>
-          </a:fontRef>
-        </p:style>
-        <p:txBody>
-          <a:bodyPr rtlCol="0" anchor="ctr"/>
-          <a:lstStyle/>
-          <a:p>
-            <a:pPr algn="ctr"/>
-            <a:endParaRPr lang="en-US" dirty="0"/>
-          </a:p>
-        </p:txBody>
-      </p:sp>
-      <p:sp>
-        <p:nvSpPr>
-          <p:cNvPr id="42" name="Rounded Rectangular Callout 41">
-            <a:extLst>
-              <a:ext uri="{FF2B5EF4-FFF2-40B4-BE49-F238E27FC236}">
-                <a16:creationId xmlns:a16="http://schemas.microsoft.com/office/drawing/2014/main" id="{A8E0C4FC-1565-6144-8962-768BA3C22890}"/>
-              </a:ext>
-            </a:extLst>
-          </p:cNvPr>
-          <p:cNvSpPr/>
-          <p:nvPr/>
-        </p:nvSpPr>
-        <p:spPr>
-          <a:xfrm>
-            <a:off x="9153676" y="2342141"/>
-            <a:ext cx="2734096" cy="883597"/>
-          </a:xfrm>
-          <a:prstGeom prst="wedgeRoundRectCallout">
-            <a:avLst>
-              <a:gd name="adj1" fmla="val -50483"/>
-              <a:gd name="adj2" fmla="val -89594"/>
-              <a:gd name="adj3" fmla="val 16667"/>
-            </a:avLst>
-          </a:prstGeom>
-          <a:solidFill>
-            <a:schemeClr val="bg1"/>
-          </a:solidFill>
-          <a:ln w="38100">
-            <a:solidFill>
-              <a:schemeClr val="tx1"/>
-            </a:solidFill>
-          </a:ln>
-        </p:spPr>
-        <p:style>
-          <a:lnRef idx="2">
-            <a:schemeClr val="accent1">
-              <a:shade val="50000"/>
-            </a:schemeClr>
-          </a:lnRef>
-          <a:fillRef idx="1">
-            <a:schemeClr val="accent1"/>
-          </a:fillRef>
-          <a:effectRef idx="0">
-            <a:schemeClr val="accent1"/>
-          </a:effectRef>
-          <a:fontRef idx="minor">
-            <a:schemeClr val="lt1"/>
-          </a:fontRef>
-        </p:style>
-        <p:txBody>
-          <a:bodyPr rtlCol="0" anchor="ctr"/>
-          <a:lstStyle/>
-          <a:p>
+              <a:t>Data is encrypted in such a way that </a:t>
+            </a:r>
             <a:r>
               <a:rPr lang="en-US" dirty="0">
                 <a:solidFill>
                   <a:srgbClr val="FF0000"/>
                 </a:solidFill>
               </a:rPr>
-              <a:t>Data should NOT be disclosed even to platform provider…</a:t>
+              <a:t>only recipient can decrypt it in the context of </a:t>
+            </a:r>
+            <a:r>
+              <a:rPr lang="en-US" b="1" u="sng" dirty="0">
+                <a:solidFill>
+                  <a:srgbClr val="FF0000"/>
+                </a:solidFill>
+              </a:rPr>
+              <a:t>E2E Encryption</a:t>
+            </a:r>
+            <a:r>
+              <a:rPr lang="en-US" dirty="0">
+                <a:solidFill>
+                  <a:srgbClr val="FF0000"/>
+                </a:solidFill>
+              </a:rPr>
+              <a:t>.</a:t>
+            </a:r>
+          </a:p>
+        </p:txBody>
+      </p:sp>
+      <p:pic>
+        <p:nvPicPr>
+          <p:cNvPr id="32" name="Picture 31">
+            <a:extLst>
+              <a:ext uri="{FF2B5EF4-FFF2-40B4-BE49-F238E27FC236}">
+                <a16:creationId xmlns:a16="http://schemas.microsoft.com/office/drawing/2014/main" id="{235A51AF-0E41-2D46-A541-C1213C732EE2}"/>
+              </a:ext>
+            </a:extLst>
+          </p:cNvPr>
+          <p:cNvPicPr>
+            <a:picLocks noChangeAspect="1"/>
+          </p:cNvPicPr>
+          <p:nvPr/>
+        </p:nvPicPr>
+        <p:blipFill>
+          <a:blip r:embed="rId13"/>
+          <a:stretch>
+            <a:fillRect/>
+          </a:stretch>
+        </p:blipFill>
+        <p:spPr>
+          <a:xfrm>
+            <a:off x="2135051" y="5490782"/>
+            <a:ext cx="502486" cy="460956"/>
+          </a:xfrm>
+          <a:prstGeom prst="rect">
+            <a:avLst/>
+          </a:prstGeom>
+        </p:spPr>
+      </p:pic>
+      <p:pic>
+        <p:nvPicPr>
+          <p:cNvPr id="59" name="Picture 58">
+            <a:extLst>
+              <a:ext uri="{FF2B5EF4-FFF2-40B4-BE49-F238E27FC236}">
+                <a16:creationId xmlns:a16="http://schemas.microsoft.com/office/drawing/2014/main" id="{47CD9F1E-7780-0349-B1DD-7DBFE53ABE6D}"/>
+              </a:ext>
+            </a:extLst>
+          </p:cNvPr>
+          <p:cNvPicPr>
+            <a:picLocks noChangeAspect="1"/>
+          </p:cNvPicPr>
+          <p:nvPr/>
+        </p:nvPicPr>
+        <p:blipFill>
+          <a:blip r:embed="rId13"/>
+          <a:stretch>
+            <a:fillRect/>
+          </a:stretch>
+        </p:blipFill>
+        <p:spPr>
+          <a:xfrm>
+            <a:off x="2097024" y="1900237"/>
+            <a:ext cx="502486" cy="460956"/>
+          </a:xfrm>
+          <a:prstGeom prst="rect">
+            <a:avLst/>
+          </a:prstGeom>
+        </p:spPr>
+      </p:pic>
+      <p:sp>
+        <p:nvSpPr>
+          <p:cNvPr id="33" name="TextBox 32">
+            <a:extLst>
+              <a:ext uri="{FF2B5EF4-FFF2-40B4-BE49-F238E27FC236}">
+                <a16:creationId xmlns:a16="http://schemas.microsoft.com/office/drawing/2014/main" id="{E1BC2DF5-6330-7A46-958F-4F4E065AB8FB}"/>
+              </a:ext>
+            </a:extLst>
+          </p:cNvPr>
+          <p:cNvSpPr txBox="1"/>
+          <p:nvPr/>
+        </p:nvSpPr>
+        <p:spPr>
+          <a:xfrm>
+            <a:off x="1317354" y="2276363"/>
+            <a:ext cx="2668679" cy="369332"/>
+          </a:xfrm>
+          <a:prstGeom prst="rect">
+            <a:avLst/>
+          </a:prstGeom>
+          <a:noFill/>
+        </p:spPr>
+        <p:txBody>
+          <a:bodyPr wrap="none" rtlCol="0">
+            <a:spAutoFit/>
+          </a:bodyPr>
+          <a:lstStyle/>
+          <a:p>
+            <a:r>
+              <a:rPr lang="en-US" dirty="0"/>
+              <a:t>Encryption/decryption key</a:t>
+            </a:r>
+          </a:p>
+        </p:txBody>
+      </p:sp>
+      <p:sp>
+        <p:nvSpPr>
+          <p:cNvPr id="60" name="TextBox 59">
+            <a:extLst>
+              <a:ext uri="{FF2B5EF4-FFF2-40B4-BE49-F238E27FC236}">
+                <a16:creationId xmlns:a16="http://schemas.microsoft.com/office/drawing/2014/main" id="{9E6529F6-256E-AA4C-BFD3-BDD3A7EEED3A}"/>
+              </a:ext>
+            </a:extLst>
+          </p:cNvPr>
+          <p:cNvSpPr txBox="1"/>
+          <p:nvPr/>
+        </p:nvSpPr>
+        <p:spPr>
+          <a:xfrm>
+            <a:off x="1219236" y="5835064"/>
+            <a:ext cx="2668679" cy="369332"/>
+          </a:xfrm>
+          <a:prstGeom prst="rect">
+            <a:avLst/>
+          </a:prstGeom>
+          <a:noFill/>
+        </p:spPr>
+        <p:txBody>
+          <a:bodyPr wrap="none" rtlCol="0">
+            <a:spAutoFit/>
+          </a:bodyPr>
+          <a:lstStyle/>
+          <a:p>
+            <a:r>
+              <a:rPr lang="en-US" dirty="0"/>
+              <a:t>Encryption/decryption key</a:t>
             </a:r>
           </a:p>
         </p:txBody>
@@ -12155,6 +13328,746 @@
     <p:extLst>
       <p:ext uri="{BB962C8B-B14F-4D97-AF65-F5344CB8AC3E}">
         <p14:creationId xmlns:p14="http://schemas.microsoft.com/office/powerpoint/2010/main" val="1690195985"/>
+      </p:ext>
+    </p:extLst>
+  </p:cSld>
+  <p:clrMapOvr>
+    <a:masterClrMapping/>
+  </p:clrMapOvr>
+</p:sld>
+</file>
+
+<file path=ppt/slides/slide7.xml><?xml version="1.0" encoding="utf-8"?>
+<p:sld xmlns:a="http://schemas.openxmlformats.org/drawingml/2006/main" xmlns:r="http://schemas.openxmlformats.org/officeDocument/2006/relationships" xmlns:p="http://schemas.openxmlformats.org/presentationml/2006/main">
+  <p:cSld>
+    <p:spTree>
+      <p:nvGrpSpPr>
+        <p:cNvPr id="1" name=""/>
+        <p:cNvGrpSpPr/>
+        <p:nvPr/>
+      </p:nvGrpSpPr>
+      <p:grpSpPr>
+        <a:xfrm>
+          <a:off x="0" y="0"/>
+          <a:ext cx="0" cy="0"/>
+          <a:chOff x="0" y="0"/>
+          <a:chExt cx="0" cy="0"/>
+        </a:xfrm>
+      </p:grpSpPr>
+      <p:grpSp>
+        <p:nvGrpSpPr>
+          <p:cNvPr id="42" name="Group 41">
+            <a:extLst>
+              <a:ext uri="{FF2B5EF4-FFF2-40B4-BE49-F238E27FC236}">
+                <a16:creationId xmlns:a16="http://schemas.microsoft.com/office/drawing/2014/main" id="{764B14E3-F458-284D-B723-EEF3BAA1751A}"/>
+              </a:ext>
+            </a:extLst>
+          </p:cNvPr>
+          <p:cNvGrpSpPr/>
+          <p:nvPr/>
+        </p:nvGrpSpPr>
+        <p:grpSpPr>
+          <a:xfrm>
+            <a:off x="3707842" y="1564843"/>
+            <a:ext cx="4083492" cy="3728313"/>
+            <a:chOff x="3707842" y="1564843"/>
+            <a:chExt cx="4083492" cy="3728313"/>
+          </a:xfrm>
+        </p:grpSpPr>
+        <p:sp>
+          <p:nvSpPr>
+            <p:cNvPr id="41" name="Rectangle 8">
+              <a:extLst>
+                <a:ext uri="{FF2B5EF4-FFF2-40B4-BE49-F238E27FC236}">
+                  <a16:creationId xmlns:a16="http://schemas.microsoft.com/office/drawing/2014/main" id="{F7C1AD42-186E-2048-87E8-B95C9165E0C7}"/>
+                </a:ext>
+              </a:extLst>
+            </p:cNvPr>
+            <p:cNvSpPr/>
+            <p:nvPr/>
+          </p:nvSpPr>
+          <p:spPr>
+            <a:xfrm>
+              <a:off x="3842074" y="1564843"/>
+              <a:ext cx="3949260" cy="3728313"/>
+            </a:xfrm>
+            <a:custGeom>
+              <a:avLst/>
+              <a:gdLst>
+                <a:gd name="connsiteX0" fmla="*/ 0 w 361743"/>
+                <a:gd name="connsiteY0" fmla="*/ 0 h 5596932"/>
+                <a:gd name="connsiteX1" fmla="*/ 361743 w 361743"/>
+                <a:gd name="connsiteY1" fmla="*/ 0 h 5596932"/>
+                <a:gd name="connsiteX2" fmla="*/ 361743 w 361743"/>
+                <a:gd name="connsiteY2" fmla="*/ 5596932 h 5596932"/>
+                <a:gd name="connsiteX3" fmla="*/ 0 w 361743"/>
+                <a:gd name="connsiteY3" fmla="*/ 5596932 h 5596932"/>
+                <a:gd name="connsiteX4" fmla="*/ 0 w 361743"/>
+                <a:gd name="connsiteY4" fmla="*/ 0 h 5596932"/>
+                <a:gd name="connsiteX0" fmla="*/ 0 w 4391133"/>
+                <a:gd name="connsiteY0" fmla="*/ 0 h 5596932"/>
+                <a:gd name="connsiteX1" fmla="*/ 361743 w 4391133"/>
+                <a:gd name="connsiteY1" fmla="*/ 0 h 5596932"/>
+                <a:gd name="connsiteX2" fmla="*/ 4391131 w 4391133"/>
+                <a:gd name="connsiteY2" fmla="*/ 2883877 h 5596932"/>
+                <a:gd name="connsiteX3" fmla="*/ 361743 w 4391133"/>
+                <a:gd name="connsiteY3" fmla="*/ 5596932 h 5596932"/>
+                <a:gd name="connsiteX4" fmla="*/ 0 w 4391133"/>
+                <a:gd name="connsiteY4" fmla="*/ 5596932 h 5596932"/>
+                <a:gd name="connsiteX5" fmla="*/ 0 w 4391133"/>
+                <a:gd name="connsiteY5" fmla="*/ 0 h 5596932"/>
+                <a:gd name="connsiteX0" fmla="*/ 0 w 4391134"/>
+                <a:gd name="connsiteY0" fmla="*/ 0 h 5596932"/>
+                <a:gd name="connsiteX1" fmla="*/ 361743 w 4391134"/>
+                <a:gd name="connsiteY1" fmla="*/ 0 h 5596932"/>
+                <a:gd name="connsiteX2" fmla="*/ 4391131 w 4391134"/>
+                <a:gd name="connsiteY2" fmla="*/ 2883877 h 5596932"/>
+                <a:gd name="connsiteX3" fmla="*/ 361743 w 4391134"/>
+                <a:gd name="connsiteY3" fmla="*/ 5596932 h 5596932"/>
+                <a:gd name="connsiteX4" fmla="*/ 0 w 4391134"/>
+                <a:gd name="connsiteY4" fmla="*/ 5596932 h 5596932"/>
+                <a:gd name="connsiteX5" fmla="*/ 0 w 4391134"/>
+                <a:gd name="connsiteY5" fmla="*/ 0 h 5596932"/>
+                <a:gd name="connsiteX0" fmla="*/ 8 w 4391142"/>
+                <a:gd name="connsiteY0" fmla="*/ 0 h 5596932"/>
+                <a:gd name="connsiteX1" fmla="*/ 361751 w 4391142"/>
+                <a:gd name="connsiteY1" fmla="*/ 0 h 5596932"/>
+                <a:gd name="connsiteX2" fmla="*/ 4391139 w 4391142"/>
+                <a:gd name="connsiteY2" fmla="*/ 2883877 h 5596932"/>
+                <a:gd name="connsiteX3" fmla="*/ 361751 w 4391142"/>
+                <a:gd name="connsiteY3" fmla="*/ 5596932 h 5596932"/>
+                <a:gd name="connsiteX4" fmla="*/ 8 w 4391142"/>
+                <a:gd name="connsiteY4" fmla="*/ 5596932 h 5596932"/>
+                <a:gd name="connsiteX5" fmla="*/ 3959058 w 4391142"/>
+                <a:gd name="connsiteY5" fmla="*/ 2873829 h 5596932"/>
+                <a:gd name="connsiteX6" fmla="*/ 8 w 4391142"/>
+                <a:gd name="connsiteY6" fmla="*/ 0 h 5596932"/>
+                <a:gd name="connsiteX0" fmla="*/ 8 w 4391142"/>
+                <a:gd name="connsiteY0" fmla="*/ 0 h 5596932"/>
+                <a:gd name="connsiteX1" fmla="*/ 361751 w 4391142"/>
+                <a:gd name="connsiteY1" fmla="*/ 0 h 5596932"/>
+                <a:gd name="connsiteX2" fmla="*/ 4391139 w 4391142"/>
+                <a:gd name="connsiteY2" fmla="*/ 2883877 h 5596932"/>
+                <a:gd name="connsiteX3" fmla="*/ 361751 w 4391142"/>
+                <a:gd name="connsiteY3" fmla="*/ 5596932 h 5596932"/>
+                <a:gd name="connsiteX4" fmla="*/ 8 w 4391142"/>
+                <a:gd name="connsiteY4" fmla="*/ 5596932 h 5596932"/>
+                <a:gd name="connsiteX5" fmla="*/ 3959058 w 4391142"/>
+                <a:gd name="connsiteY5" fmla="*/ 2873829 h 5596932"/>
+                <a:gd name="connsiteX6" fmla="*/ 8 w 4391142"/>
+                <a:gd name="connsiteY6" fmla="*/ 0 h 5596932"/>
+                <a:gd name="connsiteX0" fmla="*/ 361749 w 4391142"/>
+                <a:gd name="connsiteY0" fmla="*/ 562708 h 5596932"/>
+                <a:gd name="connsiteX1" fmla="*/ 361751 w 4391142"/>
+                <a:gd name="connsiteY1" fmla="*/ 0 h 5596932"/>
+                <a:gd name="connsiteX2" fmla="*/ 4391139 w 4391142"/>
+                <a:gd name="connsiteY2" fmla="*/ 2883877 h 5596932"/>
+                <a:gd name="connsiteX3" fmla="*/ 361751 w 4391142"/>
+                <a:gd name="connsiteY3" fmla="*/ 5596932 h 5596932"/>
+                <a:gd name="connsiteX4" fmla="*/ 8 w 4391142"/>
+                <a:gd name="connsiteY4" fmla="*/ 5596932 h 5596932"/>
+                <a:gd name="connsiteX5" fmla="*/ 3959058 w 4391142"/>
+                <a:gd name="connsiteY5" fmla="*/ 2873829 h 5596932"/>
+                <a:gd name="connsiteX6" fmla="*/ 361749 w 4391142"/>
+                <a:gd name="connsiteY6" fmla="*/ 562708 h 5596932"/>
+                <a:gd name="connsiteX0" fmla="*/ 361749 w 4391142"/>
+                <a:gd name="connsiteY0" fmla="*/ 562708 h 5596932"/>
+                <a:gd name="connsiteX1" fmla="*/ 361751 w 4391142"/>
+                <a:gd name="connsiteY1" fmla="*/ 0 h 5596932"/>
+                <a:gd name="connsiteX2" fmla="*/ 4391139 w 4391142"/>
+                <a:gd name="connsiteY2" fmla="*/ 2883877 h 5596932"/>
+                <a:gd name="connsiteX3" fmla="*/ 361751 w 4391142"/>
+                <a:gd name="connsiteY3" fmla="*/ 5596932 h 5596932"/>
+                <a:gd name="connsiteX4" fmla="*/ 8 w 4391142"/>
+                <a:gd name="connsiteY4" fmla="*/ 5596932 h 5596932"/>
+                <a:gd name="connsiteX5" fmla="*/ 3959058 w 4391142"/>
+                <a:gd name="connsiteY5" fmla="*/ 2873829 h 5596932"/>
+                <a:gd name="connsiteX6" fmla="*/ 361749 w 4391142"/>
+                <a:gd name="connsiteY6" fmla="*/ 562708 h 5596932"/>
+                <a:gd name="connsiteX0" fmla="*/ 361749 w 4391142"/>
+                <a:gd name="connsiteY0" fmla="*/ 562708 h 5596932"/>
+                <a:gd name="connsiteX1" fmla="*/ 361751 w 4391142"/>
+                <a:gd name="connsiteY1" fmla="*/ 0 h 5596932"/>
+                <a:gd name="connsiteX2" fmla="*/ 4391139 w 4391142"/>
+                <a:gd name="connsiteY2" fmla="*/ 2883877 h 5596932"/>
+                <a:gd name="connsiteX3" fmla="*/ 361751 w 4391142"/>
+                <a:gd name="connsiteY3" fmla="*/ 5596932 h 5596932"/>
+                <a:gd name="connsiteX4" fmla="*/ 8 w 4391142"/>
+                <a:gd name="connsiteY4" fmla="*/ 5596932 h 5596932"/>
+                <a:gd name="connsiteX5" fmla="*/ 3959058 w 4391142"/>
+                <a:gd name="connsiteY5" fmla="*/ 2873829 h 5596932"/>
+                <a:gd name="connsiteX6" fmla="*/ 361749 w 4391142"/>
+                <a:gd name="connsiteY6" fmla="*/ 562708 h 5596932"/>
+                <a:gd name="connsiteX0" fmla="*/ 361749 w 4391142"/>
+                <a:gd name="connsiteY0" fmla="*/ 633047 h 5667271"/>
+                <a:gd name="connsiteX1" fmla="*/ 623008 w 4391142"/>
+                <a:gd name="connsiteY1" fmla="*/ 0 h 5667271"/>
+                <a:gd name="connsiteX2" fmla="*/ 4391139 w 4391142"/>
+                <a:gd name="connsiteY2" fmla="*/ 2954216 h 5667271"/>
+                <a:gd name="connsiteX3" fmla="*/ 361751 w 4391142"/>
+                <a:gd name="connsiteY3" fmla="*/ 5667271 h 5667271"/>
+                <a:gd name="connsiteX4" fmla="*/ 8 w 4391142"/>
+                <a:gd name="connsiteY4" fmla="*/ 5667271 h 5667271"/>
+                <a:gd name="connsiteX5" fmla="*/ 3959058 w 4391142"/>
+                <a:gd name="connsiteY5" fmla="*/ 2944168 h 5667271"/>
+                <a:gd name="connsiteX6" fmla="*/ 361749 w 4391142"/>
+                <a:gd name="connsiteY6" fmla="*/ 633047 h 5667271"/>
+                <a:gd name="connsiteX0" fmla="*/ 361749 w 4391142"/>
+                <a:gd name="connsiteY0" fmla="*/ 658559 h 5692783"/>
+                <a:gd name="connsiteX1" fmla="*/ 623008 w 4391142"/>
+                <a:gd name="connsiteY1" fmla="*/ 25512 h 5692783"/>
+                <a:gd name="connsiteX2" fmla="*/ 4391139 w 4391142"/>
+                <a:gd name="connsiteY2" fmla="*/ 2979728 h 5692783"/>
+                <a:gd name="connsiteX3" fmla="*/ 361751 w 4391142"/>
+                <a:gd name="connsiteY3" fmla="*/ 5692783 h 5692783"/>
+                <a:gd name="connsiteX4" fmla="*/ 8 w 4391142"/>
+                <a:gd name="connsiteY4" fmla="*/ 5692783 h 5692783"/>
+                <a:gd name="connsiteX5" fmla="*/ 3959058 w 4391142"/>
+                <a:gd name="connsiteY5" fmla="*/ 2969680 h 5692783"/>
+                <a:gd name="connsiteX6" fmla="*/ 361749 w 4391142"/>
+                <a:gd name="connsiteY6" fmla="*/ 658559 h 5692783"/>
+                <a:gd name="connsiteX0" fmla="*/ 361749 w 4391142"/>
+                <a:gd name="connsiteY0" fmla="*/ 449821 h 5484045"/>
+                <a:gd name="connsiteX1" fmla="*/ 361751 w 4391142"/>
+                <a:gd name="connsiteY1" fmla="*/ 27789 h 5484045"/>
+                <a:gd name="connsiteX2" fmla="*/ 4391139 w 4391142"/>
+                <a:gd name="connsiteY2" fmla="*/ 2770990 h 5484045"/>
+                <a:gd name="connsiteX3" fmla="*/ 361751 w 4391142"/>
+                <a:gd name="connsiteY3" fmla="*/ 5484045 h 5484045"/>
+                <a:gd name="connsiteX4" fmla="*/ 8 w 4391142"/>
+                <a:gd name="connsiteY4" fmla="*/ 5484045 h 5484045"/>
+                <a:gd name="connsiteX5" fmla="*/ 3959058 w 4391142"/>
+                <a:gd name="connsiteY5" fmla="*/ 2760942 h 5484045"/>
+                <a:gd name="connsiteX6" fmla="*/ 361749 w 4391142"/>
+                <a:gd name="connsiteY6" fmla="*/ 449821 h 5484045"/>
+                <a:gd name="connsiteX0" fmla="*/ 361749 w 4391142"/>
+                <a:gd name="connsiteY0" fmla="*/ 449821 h 5484045"/>
+                <a:gd name="connsiteX1" fmla="*/ 361751 w 4391142"/>
+                <a:gd name="connsiteY1" fmla="*/ 27789 h 5484045"/>
+                <a:gd name="connsiteX2" fmla="*/ 4391139 w 4391142"/>
+                <a:gd name="connsiteY2" fmla="*/ 2770990 h 5484045"/>
+                <a:gd name="connsiteX3" fmla="*/ 361751 w 4391142"/>
+                <a:gd name="connsiteY3" fmla="*/ 5484045 h 5484045"/>
+                <a:gd name="connsiteX4" fmla="*/ 8 w 4391142"/>
+                <a:gd name="connsiteY4" fmla="*/ 5484045 h 5484045"/>
+                <a:gd name="connsiteX5" fmla="*/ 3959058 w 4391142"/>
+                <a:gd name="connsiteY5" fmla="*/ 2760942 h 5484045"/>
+                <a:gd name="connsiteX6" fmla="*/ 361749 w 4391142"/>
+                <a:gd name="connsiteY6" fmla="*/ 449821 h 5484045"/>
+                <a:gd name="connsiteX0" fmla="*/ 361749 w 4391142"/>
+                <a:gd name="connsiteY0" fmla="*/ 449821 h 5484045"/>
+                <a:gd name="connsiteX1" fmla="*/ 361751 w 4391142"/>
+                <a:gd name="connsiteY1" fmla="*/ 27789 h 5484045"/>
+                <a:gd name="connsiteX2" fmla="*/ 4391139 w 4391142"/>
+                <a:gd name="connsiteY2" fmla="*/ 2770990 h 5484045"/>
+                <a:gd name="connsiteX3" fmla="*/ 361751 w 4391142"/>
+                <a:gd name="connsiteY3" fmla="*/ 5484045 h 5484045"/>
+                <a:gd name="connsiteX4" fmla="*/ 8 w 4391142"/>
+                <a:gd name="connsiteY4" fmla="*/ 5484045 h 5484045"/>
+                <a:gd name="connsiteX5" fmla="*/ 3959058 w 4391142"/>
+                <a:gd name="connsiteY5" fmla="*/ 2760942 h 5484045"/>
+                <a:gd name="connsiteX6" fmla="*/ 361749 w 4391142"/>
+                <a:gd name="connsiteY6" fmla="*/ 449821 h 5484045"/>
+                <a:gd name="connsiteX0" fmla="*/ 361749 w 4391142"/>
+                <a:gd name="connsiteY0" fmla="*/ 449821 h 5484045"/>
+                <a:gd name="connsiteX1" fmla="*/ 361751 w 4391142"/>
+                <a:gd name="connsiteY1" fmla="*/ 27789 h 5484045"/>
+                <a:gd name="connsiteX2" fmla="*/ 4391139 w 4391142"/>
+                <a:gd name="connsiteY2" fmla="*/ 2770990 h 5484045"/>
+                <a:gd name="connsiteX3" fmla="*/ 361751 w 4391142"/>
+                <a:gd name="connsiteY3" fmla="*/ 5484045 h 5484045"/>
+                <a:gd name="connsiteX4" fmla="*/ 8 w 4391142"/>
+                <a:gd name="connsiteY4" fmla="*/ 5484045 h 5484045"/>
+                <a:gd name="connsiteX5" fmla="*/ 3959058 w 4391142"/>
+                <a:gd name="connsiteY5" fmla="*/ 2760942 h 5484045"/>
+                <a:gd name="connsiteX6" fmla="*/ 361749 w 4391142"/>
+                <a:gd name="connsiteY6" fmla="*/ 449821 h 5484045"/>
+                <a:gd name="connsiteX0" fmla="*/ 361749 w 4391142"/>
+                <a:gd name="connsiteY0" fmla="*/ 449821 h 5484045"/>
+                <a:gd name="connsiteX1" fmla="*/ 361751 w 4391142"/>
+                <a:gd name="connsiteY1" fmla="*/ 27789 h 5484045"/>
+                <a:gd name="connsiteX2" fmla="*/ 4391139 w 4391142"/>
+                <a:gd name="connsiteY2" fmla="*/ 2770990 h 5484045"/>
+                <a:gd name="connsiteX3" fmla="*/ 361751 w 4391142"/>
+                <a:gd name="connsiteY3" fmla="*/ 5484045 h 5484045"/>
+                <a:gd name="connsiteX4" fmla="*/ 8 w 4391142"/>
+                <a:gd name="connsiteY4" fmla="*/ 5484045 h 5484045"/>
+                <a:gd name="connsiteX5" fmla="*/ 3959058 w 4391142"/>
+                <a:gd name="connsiteY5" fmla="*/ 2760942 h 5484045"/>
+                <a:gd name="connsiteX6" fmla="*/ 361749 w 4391142"/>
+                <a:gd name="connsiteY6" fmla="*/ 449821 h 5484045"/>
+                <a:gd name="connsiteX0" fmla="*/ 32 w 4029425"/>
+                <a:gd name="connsiteY0" fmla="*/ 449821 h 5484045"/>
+                <a:gd name="connsiteX1" fmla="*/ 34 w 4029425"/>
+                <a:gd name="connsiteY1" fmla="*/ 27789 h 5484045"/>
+                <a:gd name="connsiteX2" fmla="*/ 4029422 w 4029425"/>
+                <a:gd name="connsiteY2" fmla="*/ 2770990 h 5484045"/>
+                <a:gd name="connsiteX3" fmla="*/ 34 w 4029425"/>
+                <a:gd name="connsiteY3" fmla="*/ 5484045 h 5484045"/>
+                <a:gd name="connsiteX4" fmla="*/ 32 w 4029425"/>
+                <a:gd name="connsiteY4" fmla="*/ 5001724 h 5484045"/>
+                <a:gd name="connsiteX5" fmla="*/ 3597341 w 4029425"/>
+                <a:gd name="connsiteY5" fmla="*/ 2760942 h 5484045"/>
+                <a:gd name="connsiteX6" fmla="*/ 32 w 4029425"/>
+                <a:gd name="connsiteY6" fmla="*/ 449821 h 5484045"/>
+                <a:gd name="connsiteX0" fmla="*/ 32 w 4029425"/>
+                <a:gd name="connsiteY0" fmla="*/ 449821 h 5484045"/>
+                <a:gd name="connsiteX1" fmla="*/ 34 w 4029425"/>
+                <a:gd name="connsiteY1" fmla="*/ 27789 h 5484045"/>
+                <a:gd name="connsiteX2" fmla="*/ 4029422 w 4029425"/>
+                <a:gd name="connsiteY2" fmla="*/ 2770990 h 5484045"/>
+                <a:gd name="connsiteX3" fmla="*/ 34 w 4029425"/>
+                <a:gd name="connsiteY3" fmla="*/ 5484045 h 5484045"/>
+                <a:gd name="connsiteX4" fmla="*/ 32 w 4029425"/>
+                <a:gd name="connsiteY4" fmla="*/ 5001724 h 5484045"/>
+                <a:gd name="connsiteX5" fmla="*/ 3597341 w 4029425"/>
+                <a:gd name="connsiteY5" fmla="*/ 2760942 h 5484045"/>
+                <a:gd name="connsiteX6" fmla="*/ 32 w 4029425"/>
+                <a:gd name="connsiteY6" fmla="*/ 449821 h 5484045"/>
+                <a:gd name="connsiteX0" fmla="*/ 32 w 4029424"/>
+                <a:gd name="connsiteY0" fmla="*/ 449821 h 5484045"/>
+                <a:gd name="connsiteX1" fmla="*/ 34 w 4029424"/>
+                <a:gd name="connsiteY1" fmla="*/ 27789 h 5484045"/>
+                <a:gd name="connsiteX2" fmla="*/ 4029422 w 4029424"/>
+                <a:gd name="connsiteY2" fmla="*/ 2770990 h 5484045"/>
+                <a:gd name="connsiteX3" fmla="*/ 34 w 4029424"/>
+                <a:gd name="connsiteY3" fmla="*/ 5484045 h 5484045"/>
+                <a:gd name="connsiteX4" fmla="*/ 32 w 4029424"/>
+                <a:gd name="connsiteY4" fmla="*/ 5001724 h 5484045"/>
+                <a:gd name="connsiteX5" fmla="*/ 3597341 w 4029424"/>
+                <a:gd name="connsiteY5" fmla="*/ 2760942 h 5484045"/>
+                <a:gd name="connsiteX6" fmla="*/ 32 w 4029424"/>
+                <a:gd name="connsiteY6" fmla="*/ 449821 h 5484045"/>
+                <a:gd name="connsiteX0" fmla="*/ 32 w 4029424"/>
+                <a:gd name="connsiteY0" fmla="*/ 449821 h 5484045"/>
+                <a:gd name="connsiteX1" fmla="*/ 34 w 4029424"/>
+                <a:gd name="connsiteY1" fmla="*/ 27789 h 5484045"/>
+                <a:gd name="connsiteX2" fmla="*/ 4029422 w 4029424"/>
+                <a:gd name="connsiteY2" fmla="*/ 2770990 h 5484045"/>
+                <a:gd name="connsiteX3" fmla="*/ 34 w 4029424"/>
+                <a:gd name="connsiteY3" fmla="*/ 5484045 h 5484045"/>
+                <a:gd name="connsiteX4" fmla="*/ 32 w 4029424"/>
+                <a:gd name="connsiteY4" fmla="*/ 5001724 h 5484045"/>
+                <a:gd name="connsiteX5" fmla="*/ 3597341 w 4029424"/>
+                <a:gd name="connsiteY5" fmla="*/ 2760942 h 5484045"/>
+                <a:gd name="connsiteX6" fmla="*/ 32 w 4029424"/>
+                <a:gd name="connsiteY6" fmla="*/ 449821 h 5484045"/>
+                <a:gd name="connsiteX0" fmla="*/ 10 w 4029402"/>
+                <a:gd name="connsiteY0" fmla="*/ 422032 h 5456256"/>
+                <a:gd name="connsiteX1" fmla="*/ 12 w 4029402"/>
+                <a:gd name="connsiteY1" fmla="*/ 0 h 5456256"/>
+                <a:gd name="connsiteX2" fmla="*/ 4029400 w 4029402"/>
+                <a:gd name="connsiteY2" fmla="*/ 2743201 h 5456256"/>
+                <a:gd name="connsiteX3" fmla="*/ 12 w 4029402"/>
+                <a:gd name="connsiteY3" fmla="*/ 5456256 h 5456256"/>
+                <a:gd name="connsiteX4" fmla="*/ 10 w 4029402"/>
+                <a:gd name="connsiteY4" fmla="*/ 4973935 h 5456256"/>
+                <a:gd name="connsiteX5" fmla="*/ 3597319 w 4029402"/>
+                <a:gd name="connsiteY5" fmla="*/ 2733153 h 5456256"/>
+                <a:gd name="connsiteX6" fmla="*/ 10 w 4029402"/>
+                <a:gd name="connsiteY6" fmla="*/ 422032 h 5456256"/>
+                <a:gd name="connsiteX0" fmla="*/ 10 w 4029402"/>
+                <a:gd name="connsiteY0" fmla="*/ 422032 h 6454785"/>
+                <a:gd name="connsiteX1" fmla="*/ 12 w 4029402"/>
+                <a:gd name="connsiteY1" fmla="*/ 0 h 6454785"/>
+                <a:gd name="connsiteX2" fmla="*/ 4029400 w 4029402"/>
+                <a:gd name="connsiteY2" fmla="*/ 2743201 h 6454785"/>
+                <a:gd name="connsiteX3" fmla="*/ 180883 w 4029402"/>
+                <a:gd name="connsiteY3" fmla="*/ 6454785 h 6454785"/>
+                <a:gd name="connsiteX4" fmla="*/ 10 w 4029402"/>
+                <a:gd name="connsiteY4" fmla="*/ 4973935 h 6454785"/>
+                <a:gd name="connsiteX5" fmla="*/ 3597319 w 4029402"/>
+                <a:gd name="connsiteY5" fmla="*/ 2733153 h 6454785"/>
+                <a:gd name="connsiteX6" fmla="*/ 10 w 4029402"/>
+                <a:gd name="connsiteY6" fmla="*/ 422032 h 6454785"/>
+                <a:gd name="connsiteX0" fmla="*/ 10 w 4029402"/>
+                <a:gd name="connsiteY0" fmla="*/ 422032 h 6454785"/>
+                <a:gd name="connsiteX1" fmla="*/ 12 w 4029402"/>
+                <a:gd name="connsiteY1" fmla="*/ 0 h 6454785"/>
+                <a:gd name="connsiteX2" fmla="*/ 4029400 w 4029402"/>
+                <a:gd name="connsiteY2" fmla="*/ 2743201 h 6454785"/>
+                <a:gd name="connsiteX3" fmla="*/ 180883 w 4029402"/>
+                <a:gd name="connsiteY3" fmla="*/ 6454785 h 6454785"/>
+                <a:gd name="connsiteX4" fmla="*/ 160783 w 4029402"/>
+                <a:gd name="connsiteY4" fmla="*/ 5562356 h 6454785"/>
+                <a:gd name="connsiteX5" fmla="*/ 3597319 w 4029402"/>
+                <a:gd name="connsiteY5" fmla="*/ 2733153 h 6454785"/>
+                <a:gd name="connsiteX6" fmla="*/ 10 w 4029402"/>
+                <a:gd name="connsiteY6" fmla="*/ 422032 h 6454785"/>
+                <a:gd name="connsiteX0" fmla="*/ 10 w 4029402"/>
+                <a:gd name="connsiteY0" fmla="*/ 422032 h 6454785"/>
+                <a:gd name="connsiteX1" fmla="*/ 12 w 4029402"/>
+                <a:gd name="connsiteY1" fmla="*/ 0 h 6454785"/>
+                <a:gd name="connsiteX2" fmla="*/ 4029400 w 4029402"/>
+                <a:gd name="connsiteY2" fmla="*/ 2743201 h 6454785"/>
+                <a:gd name="connsiteX3" fmla="*/ 180883 w 4029402"/>
+                <a:gd name="connsiteY3" fmla="*/ 6454785 h 6454785"/>
+                <a:gd name="connsiteX4" fmla="*/ 160783 w 4029402"/>
+                <a:gd name="connsiteY4" fmla="*/ 5562356 h 6454785"/>
+                <a:gd name="connsiteX5" fmla="*/ 3567174 w 4029402"/>
+                <a:gd name="connsiteY5" fmla="*/ 1681129 h 6454785"/>
+                <a:gd name="connsiteX6" fmla="*/ 10 w 4029402"/>
+                <a:gd name="connsiteY6" fmla="*/ 422032 h 6454785"/>
+                <a:gd name="connsiteX0" fmla="*/ 10 w 3949015"/>
+                <a:gd name="connsiteY0" fmla="*/ 422032 h 6454785"/>
+                <a:gd name="connsiteX1" fmla="*/ 12 w 3949015"/>
+                <a:gd name="connsiteY1" fmla="*/ 0 h 6454785"/>
+                <a:gd name="connsiteX2" fmla="*/ 3949013 w 3949015"/>
+                <a:gd name="connsiteY2" fmla="*/ 1459376 h 6454785"/>
+                <a:gd name="connsiteX3" fmla="*/ 180883 w 3949015"/>
+                <a:gd name="connsiteY3" fmla="*/ 6454785 h 6454785"/>
+                <a:gd name="connsiteX4" fmla="*/ 160783 w 3949015"/>
+                <a:gd name="connsiteY4" fmla="*/ 5562356 h 6454785"/>
+                <a:gd name="connsiteX5" fmla="*/ 3567174 w 3949015"/>
+                <a:gd name="connsiteY5" fmla="*/ 1681129 h 6454785"/>
+                <a:gd name="connsiteX6" fmla="*/ 10 w 3949015"/>
+                <a:gd name="connsiteY6" fmla="*/ 422032 h 6454785"/>
+                <a:gd name="connsiteX0" fmla="*/ 10 w 3949015"/>
+                <a:gd name="connsiteY0" fmla="*/ 422032 h 6454785"/>
+                <a:gd name="connsiteX1" fmla="*/ 12 w 3949015"/>
+                <a:gd name="connsiteY1" fmla="*/ 0 h 6454785"/>
+                <a:gd name="connsiteX2" fmla="*/ 3949013 w 3949015"/>
+                <a:gd name="connsiteY2" fmla="*/ 1459376 h 6454785"/>
+                <a:gd name="connsiteX3" fmla="*/ 180883 w 3949015"/>
+                <a:gd name="connsiteY3" fmla="*/ 6454785 h 6454785"/>
+                <a:gd name="connsiteX4" fmla="*/ 160783 w 3949015"/>
+                <a:gd name="connsiteY4" fmla="*/ 5562356 h 6454785"/>
+                <a:gd name="connsiteX5" fmla="*/ 3466691 w 3949015"/>
+                <a:gd name="connsiteY5" fmla="*/ 1627637 h 6454785"/>
+                <a:gd name="connsiteX6" fmla="*/ 10 w 3949015"/>
+                <a:gd name="connsiteY6" fmla="*/ 422032 h 6454785"/>
+                <a:gd name="connsiteX0" fmla="*/ 10 w 3949015"/>
+                <a:gd name="connsiteY0" fmla="*/ 618172 h 6454785"/>
+                <a:gd name="connsiteX1" fmla="*/ 12 w 3949015"/>
+                <a:gd name="connsiteY1" fmla="*/ 0 h 6454785"/>
+                <a:gd name="connsiteX2" fmla="*/ 3949013 w 3949015"/>
+                <a:gd name="connsiteY2" fmla="*/ 1459376 h 6454785"/>
+                <a:gd name="connsiteX3" fmla="*/ 180883 w 3949015"/>
+                <a:gd name="connsiteY3" fmla="*/ 6454785 h 6454785"/>
+                <a:gd name="connsiteX4" fmla="*/ 160783 w 3949015"/>
+                <a:gd name="connsiteY4" fmla="*/ 5562356 h 6454785"/>
+                <a:gd name="connsiteX5" fmla="*/ 3466691 w 3949015"/>
+                <a:gd name="connsiteY5" fmla="*/ 1627637 h 6454785"/>
+                <a:gd name="connsiteX6" fmla="*/ 10 w 3949015"/>
+                <a:gd name="connsiteY6" fmla="*/ 618172 h 6454785"/>
+                <a:gd name="connsiteX0" fmla="*/ 10 w 3949015"/>
+                <a:gd name="connsiteY0" fmla="*/ 778650 h 6615263"/>
+                <a:gd name="connsiteX1" fmla="*/ 12 w 3949015"/>
+                <a:gd name="connsiteY1" fmla="*/ 0 h 6615263"/>
+                <a:gd name="connsiteX2" fmla="*/ 3949013 w 3949015"/>
+                <a:gd name="connsiteY2" fmla="*/ 1619854 h 6615263"/>
+                <a:gd name="connsiteX3" fmla="*/ 180883 w 3949015"/>
+                <a:gd name="connsiteY3" fmla="*/ 6615263 h 6615263"/>
+                <a:gd name="connsiteX4" fmla="*/ 160783 w 3949015"/>
+                <a:gd name="connsiteY4" fmla="*/ 5722834 h 6615263"/>
+                <a:gd name="connsiteX5" fmla="*/ 3466691 w 3949015"/>
+                <a:gd name="connsiteY5" fmla="*/ 1788115 h 6615263"/>
+                <a:gd name="connsiteX6" fmla="*/ 10 w 3949015"/>
+                <a:gd name="connsiteY6" fmla="*/ 778650 h 6615263"/>
+                <a:gd name="connsiteX0" fmla="*/ 10 w 3949015"/>
+                <a:gd name="connsiteY0" fmla="*/ 779047 h 6615660"/>
+                <a:gd name="connsiteX1" fmla="*/ 12 w 3949015"/>
+                <a:gd name="connsiteY1" fmla="*/ 397 h 6615660"/>
+                <a:gd name="connsiteX2" fmla="*/ 3949013 w 3949015"/>
+                <a:gd name="connsiteY2" fmla="*/ 1620251 h 6615660"/>
+                <a:gd name="connsiteX3" fmla="*/ 180883 w 3949015"/>
+                <a:gd name="connsiteY3" fmla="*/ 6615660 h 6615660"/>
+                <a:gd name="connsiteX4" fmla="*/ 160783 w 3949015"/>
+                <a:gd name="connsiteY4" fmla="*/ 5723231 h 6615660"/>
+                <a:gd name="connsiteX5" fmla="*/ 3466691 w 3949015"/>
+                <a:gd name="connsiteY5" fmla="*/ 1788512 h 6615660"/>
+                <a:gd name="connsiteX6" fmla="*/ 10 w 3949015"/>
+                <a:gd name="connsiteY6" fmla="*/ 779047 h 6615660"/>
+                <a:gd name="connsiteX0" fmla="*/ 10 w 3949260"/>
+                <a:gd name="connsiteY0" fmla="*/ 779311 h 6615924"/>
+                <a:gd name="connsiteX1" fmla="*/ 12 w 3949260"/>
+                <a:gd name="connsiteY1" fmla="*/ 661 h 6615924"/>
+                <a:gd name="connsiteX2" fmla="*/ 3949013 w 3949260"/>
+                <a:gd name="connsiteY2" fmla="*/ 1620515 h 6615924"/>
+                <a:gd name="connsiteX3" fmla="*/ 180883 w 3949260"/>
+                <a:gd name="connsiteY3" fmla="*/ 6615924 h 6615924"/>
+                <a:gd name="connsiteX4" fmla="*/ 160783 w 3949260"/>
+                <a:gd name="connsiteY4" fmla="*/ 5723495 h 6615924"/>
+                <a:gd name="connsiteX5" fmla="*/ 3466691 w 3949260"/>
+                <a:gd name="connsiteY5" fmla="*/ 1788776 h 6615924"/>
+                <a:gd name="connsiteX6" fmla="*/ 10 w 3949260"/>
+                <a:gd name="connsiteY6" fmla="*/ 779311 h 6615924"/>
+                <a:gd name="connsiteX0" fmla="*/ 10 w 3949260"/>
+                <a:gd name="connsiteY0" fmla="*/ 779313 h 6615926"/>
+                <a:gd name="connsiteX1" fmla="*/ 12 w 3949260"/>
+                <a:gd name="connsiteY1" fmla="*/ 663 h 6615926"/>
+                <a:gd name="connsiteX2" fmla="*/ 3949013 w 3949260"/>
+                <a:gd name="connsiteY2" fmla="*/ 1620517 h 6615926"/>
+                <a:gd name="connsiteX3" fmla="*/ 180883 w 3949260"/>
+                <a:gd name="connsiteY3" fmla="*/ 6615926 h 6615926"/>
+                <a:gd name="connsiteX4" fmla="*/ 160783 w 3949260"/>
+                <a:gd name="connsiteY4" fmla="*/ 5723497 h 6615926"/>
+                <a:gd name="connsiteX5" fmla="*/ 3466691 w 3949260"/>
+                <a:gd name="connsiteY5" fmla="*/ 1788778 h 6615926"/>
+                <a:gd name="connsiteX6" fmla="*/ 10 w 3949260"/>
+                <a:gd name="connsiteY6" fmla="*/ 779313 h 6615926"/>
+                <a:gd name="connsiteX0" fmla="*/ 10 w 3949260"/>
+                <a:gd name="connsiteY0" fmla="*/ 779313 h 6615926"/>
+                <a:gd name="connsiteX1" fmla="*/ 12 w 3949260"/>
+                <a:gd name="connsiteY1" fmla="*/ 663 h 6615926"/>
+                <a:gd name="connsiteX2" fmla="*/ 3949013 w 3949260"/>
+                <a:gd name="connsiteY2" fmla="*/ 1620517 h 6615926"/>
+                <a:gd name="connsiteX3" fmla="*/ 180883 w 3949260"/>
+                <a:gd name="connsiteY3" fmla="*/ 6615926 h 6615926"/>
+                <a:gd name="connsiteX4" fmla="*/ 160783 w 3949260"/>
+                <a:gd name="connsiteY4" fmla="*/ 5723497 h 6615926"/>
+                <a:gd name="connsiteX5" fmla="*/ 3466691 w 3949260"/>
+                <a:gd name="connsiteY5" fmla="*/ 1788778 h 6615926"/>
+                <a:gd name="connsiteX6" fmla="*/ 10 w 3949260"/>
+                <a:gd name="connsiteY6" fmla="*/ 779313 h 6615926"/>
+                <a:gd name="connsiteX0" fmla="*/ 10 w 3949260"/>
+                <a:gd name="connsiteY0" fmla="*/ 779313 h 6615926"/>
+                <a:gd name="connsiteX1" fmla="*/ 12 w 3949260"/>
+                <a:gd name="connsiteY1" fmla="*/ 663 h 6615926"/>
+                <a:gd name="connsiteX2" fmla="*/ 3949013 w 3949260"/>
+                <a:gd name="connsiteY2" fmla="*/ 1620517 h 6615926"/>
+                <a:gd name="connsiteX3" fmla="*/ 180883 w 3949260"/>
+                <a:gd name="connsiteY3" fmla="*/ 6615926 h 6615926"/>
+                <a:gd name="connsiteX4" fmla="*/ 160783 w 3949260"/>
+                <a:gd name="connsiteY4" fmla="*/ 5723497 h 6615926"/>
+                <a:gd name="connsiteX5" fmla="*/ 3466691 w 3949260"/>
+                <a:gd name="connsiteY5" fmla="*/ 1788778 h 6615926"/>
+                <a:gd name="connsiteX6" fmla="*/ 10 w 3949260"/>
+                <a:gd name="connsiteY6" fmla="*/ 779313 h 6615926"/>
+              </a:gdLst>
+              <a:ahLst/>
+              <a:cxnLst>
+                <a:cxn ang="0">
+                  <a:pos x="connsiteX0" y="connsiteY0"/>
+                </a:cxn>
+                <a:cxn ang="0">
+                  <a:pos x="connsiteX1" y="connsiteY1"/>
+                </a:cxn>
+                <a:cxn ang="0">
+                  <a:pos x="connsiteX2" y="connsiteY2"/>
+                </a:cxn>
+                <a:cxn ang="0">
+                  <a:pos x="connsiteX3" y="connsiteY3"/>
+                </a:cxn>
+                <a:cxn ang="0">
+                  <a:pos x="connsiteX4" y="connsiteY4"/>
+                </a:cxn>
+                <a:cxn ang="0">
+                  <a:pos x="connsiteX5" y="connsiteY5"/>
+                </a:cxn>
+                <a:cxn ang="0">
+                  <a:pos x="connsiteX6" y="connsiteY6"/>
+                </a:cxn>
+              </a:cxnLst>
+              <a:rect l="l" t="t" r="r" b="b"/>
+              <a:pathLst>
+                <a:path w="3949260" h="6615926">
+                  <a:moveTo>
+                    <a:pt x="10" y="779313"/>
+                  </a:moveTo>
+                  <a:cubicBezTo>
+                    <a:pt x="11" y="370680"/>
+                    <a:pt x="10059" y="429393"/>
+                    <a:pt x="12" y="663"/>
+                  </a:cubicBezTo>
+                  <a:cubicBezTo>
+                    <a:pt x="599563" y="-19235"/>
+                    <a:pt x="3982508" y="406341"/>
+                    <a:pt x="3949013" y="1620517"/>
+                  </a:cubicBezTo>
+                  <a:cubicBezTo>
+                    <a:pt x="3962411" y="3275047"/>
+                    <a:pt x="921111" y="6324524"/>
+                    <a:pt x="180883" y="6615926"/>
+                  </a:cubicBezTo>
+                  <a:cubicBezTo>
+                    <a:pt x="180882" y="6455152"/>
+                    <a:pt x="160784" y="5884271"/>
+                    <a:pt x="160783" y="5723497"/>
+                  </a:cubicBezTo>
+                  <a:cubicBezTo>
+                    <a:pt x="154084" y="5740244"/>
+                    <a:pt x="3563826" y="2987289"/>
+                    <a:pt x="3466691" y="1788778"/>
+                  </a:cubicBezTo>
+                  <a:cubicBezTo>
+                    <a:pt x="3473390" y="980278"/>
+                    <a:pt x="-6689" y="782662"/>
+                    <a:pt x="10" y="779313"/>
+                  </a:cubicBezTo>
+                  <a:close/>
+                </a:path>
+              </a:pathLst>
+            </a:custGeom>
+          </p:spPr>
+          <p:style>
+            <a:lnRef idx="2">
+              <a:schemeClr val="accent1">
+                <a:shade val="50000"/>
+              </a:schemeClr>
+            </a:lnRef>
+            <a:fillRef idx="1">
+              <a:schemeClr val="accent1"/>
+            </a:fillRef>
+            <a:effectRef idx="0">
+              <a:schemeClr val="accent1"/>
+            </a:effectRef>
+            <a:fontRef idx="minor">
+              <a:schemeClr val="lt1"/>
+            </a:fontRef>
+          </p:style>
+          <p:txBody>
+            <a:bodyPr rtlCol="0" anchor="ctr"/>
+            <a:lstStyle/>
+            <a:p>
+              <a:pPr algn="ctr"/>
+              <a:endParaRPr lang="en-US" dirty="0"/>
+            </a:p>
+          </p:txBody>
+        </p:sp>
+        <p:sp>
+          <p:nvSpPr>
+            <p:cNvPr id="23" name="Oval 22">
+              <a:extLst>
+                <a:ext uri="{FF2B5EF4-FFF2-40B4-BE49-F238E27FC236}">
+                  <a16:creationId xmlns:a16="http://schemas.microsoft.com/office/drawing/2014/main" id="{1707D558-9335-AE46-955A-F8BF59319441}"/>
+                </a:ext>
+              </a:extLst>
+            </p:cNvPr>
+            <p:cNvSpPr/>
+            <p:nvPr/>
+          </p:nvSpPr>
+          <p:spPr>
+            <a:xfrm>
+              <a:off x="3707842" y="1574591"/>
+              <a:ext cx="277403" cy="418591"/>
+            </a:xfrm>
+            <a:prstGeom prst="ellipse">
+              <a:avLst/>
+            </a:prstGeom>
+            <a:solidFill>
+              <a:schemeClr val="bg1"/>
+            </a:solidFill>
+            <a:ln>
+              <a:solidFill>
+                <a:srgbClr val="0070C0"/>
+              </a:solidFill>
+            </a:ln>
+          </p:spPr>
+          <p:style>
+            <a:lnRef idx="2">
+              <a:schemeClr val="accent1">
+                <a:shade val="50000"/>
+              </a:schemeClr>
+            </a:lnRef>
+            <a:fillRef idx="1">
+              <a:schemeClr val="accent1"/>
+            </a:fillRef>
+            <a:effectRef idx="0">
+              <a:schemeClr val="accent1"/>
+            </a:effectRef>
+            <a:fontRef idx="minor">
+              <a:schemeClr val="lt1"/>
+            </a:fontRef>
+          </p:style>
+          <p:txBody>
+            <a:bodyPr rtlCol="0" anchor="ctr"/>
+            <a:lstStyle/>
+            <a:p>
+              <a:pPr algn="ctr"/>
+              <a:endParaRPr lang="en-US" dirty="0"/>
+            </a:p>
+          </p:txBody>
+        </p:sp>
+        <p:sp>
+          <p:nvSpPr>
+            <p:cNvPr id="24" name="Oval 23">
+              <a:extLst>
+                <a:ext uri="{FF2B5EF4-FFF2-40B4-BE49-F238E27FC236}">
+                  <a16:creationId xmlns:a16="http://schemas.microsoft.com/office/drawing/2014/main" id="{8DAC3534-573C-9E47-AD51-7C9B2ED63F0B}"/>
+                </a:ext>
+              </a:extLst>
+            </p:cNvPr>
+            <p:cNvSpPr/>
+            <p:nvPr/>
+          </p:nvSpPr>
+          <p:spPr>
+            <a:xfrm>
+              <a:off x="3880401" y="4787752"/>
+              <a:ext cx="281873" cy="505404"/>
+            </a:xfrm>
+            <a:prstGeom prst="ellipse">
+              <a:avLst/>
+            </a:prstGeom>
+            <a:solidFill>
+              <a:schemeClr val="bg1"/>
+            </a:solidFill>
+            <a:ln>
+              <a:solidFill>
+                <a:srgbClr val="0070C0"/>
+              </a:solidFill>
+            </a:ln>
+          </p:spPr>
+          <p:style>
+            <a:lnRef idx="2">
+              <a:schemeClr val="accent1">
+                <a:shade val="50000"/>
+              </a:schemeClr>
+            </a:lnRef>
+            <a:fillRef idx="1">
+              <a:schemeClr val="accent1"/>
+            </a:fillRef>
+            <a:effectRef idx="0">
+              <a:schemeClr val="accent1"/>
+            </a:effectRef>
+            <a:fontRef idx="minor">
+              <a:schemeClr val="lt1"/>
+            </a:fontRef>
+          </p:style>
+          <p:txBody>
+            <a:bodyPr rtlCol="0" anchor="ctr"/>
+            <a:lstStyle/>
+            <a:p>
+              <a:pPr algn="ctr"/>
+              <a:endParaRPr lang="en-US" dirty="0"/>
+            </a:p>
+          </p:txBody>
+        </p:sp>
+      </p:grpSp>
+    </p:spTree>
+    <p:extLst>
+      <p:ext uri="{BB962C8B-B14F-4D97-AF65-F5344CB8AC3E}">
+        <p14:creationId xmlns:p14="http://schemas.microsoft.com/office/powerpoint/2010/main" val="3656465223"/>
+      </p:ext>
+    </p:extLst>
+  </p:cSld>
+  <p:clrMapOvr>
+    <a:masterClrMapping/>
+  </p:clrMapOvr>
+</p:sld>
+</file>
+
+<file path=ppt/slides/slide8.xml><?xml version="1.0" encoding="utf-8"?>
+<p:sld xmlns:a="http://schemas.openxmlformats.org/drawingml/2006/main" xmlns:r="http://schemas.openxmlformats.org/officeDocument/2006/relationships" xmlns:p="http://schemas.openxmlformats.org/presentationml/2006/main">
+  <p:cSld>
+    <p:spTree>
+      <p:nvGrpSpPr>
+        <p:cNvPr id="1" name=""/>
+        <p:cNvGrpSpPr/>
+        <p:nvPr/>
+      </p:nvGrpSpPr>
+      <p:grpSpPr>
+        <a:xfrm>
+          <a:off x="0" y="0"/>
+          <a:ext cx="0" cy="0"/>
+          <a:chOff x="0" y="0"/>
+          <a:chExt cx="0" cy="0"/>
+        </a:xfrm>
+      </p:grpSpPr>
+    </p:spTree>
+    <p:extLst>
+      <p:ext uri="{BB962C8B-B14F-4D97-AF65-F5344CB8AC3E}">
+        <p14:creationId xmlns:p14="http://schemas.microsoft.com/office/powerpoint/2010/main" val="2684005847"/>
       </p:ext>
     </p:extLst>
   </p:cSld>
@@ -12457,4 +14370,299 @@
     </a:ext>
   </a:extLst>
 </a:theme>
+</file>
+
+<file path=ppt/theme/theme2.xml><?xml version="1.0" encoding="utf-8"?>
+<a:theme xmlns:a="http://schemas.openxmlformats.org/drawingml/2006/main" name="Office Theme">
+  <a:themeElements>
+    <a:clrScheme name="Office">
+      <a:dk1>
+        <a:sysClr val="windowText" lastClr="000000"/>
+      </a:dk1>
+      <a:lt1>
+        <a:sysClr val="window" lastClr="FFFFFF"/>
+      </a:lt1>
+      <a:dk2>
+        <a:srgbClr val="44546A"/>
+      </a:dk2>
+      <a:lt2>
+        <a:srgbClr val="E7E6E6"/>
+      </a:lt2>
+      <a:accent1>
+        <a:srgbClr val="4472C4"/>
+      </a:accent1>
+      <a:accent2>
+        <a:srgbClr val="ED7D31"/>
+      </a:accent2>
+      <a:accent3>
+        <a:srgbClr val="A5A5A5"/>
+      </a:accent3>
+      <a:accent4>
+        <a:srgbClr val="FFC000"/>
+      </a:accent4>
+      <a:accent5>
+        <a:srgbClr val="5B9BD5"/>
+      </a:accent5>
+      <a:accent6>
+        <a:srgbClr val="70AD47"/>
+      </a:accent6>
+      <a:hlink>
+        <a:srgbClr val="0563C1"/>
+      </a:hlink>
+      <a:folHlink>
+        <a:srgbClr val="954F72"/>
+      </a:folHlink>
+    </a:clrScheme>
+    <a:fontScheme name="Office">
+      <a:majorFont>
+        <a:latin typeface="Calibri Light" panose="020F0302020204030204"/>
+        <a:ea typeface=""/>
+        <a:cs typeface=""/>
+        <a:font script="Jpan" typeface="游ゴシック Light"/>
+        <a:font script="Hang" typeface="맑은 고딕"/>
+        <a:font script="Hans" typeface="等线 Light"/>
+        <a:font script="Hant" typeface="新細明體"/>
+        <a:font script="Arab" typeface="Times New Roman"/>
+        <a:font script="Hebr" typeface="Times New Roman"/>
+        <a:font script="Thai" typeface="Angsana New"/>
+        <a:font script="Ethi" typeface="Nyala"/>
+        <a:font script="Beng" typeface="Vrinda"/>
+        <a:font script="Gujr" typeface="Shruti"/>
+        <a:font script="Khmr" typeface="MoolBoran"/>
+        <a:font script="Knda" typeface="Tunga"/>
+        <a:font script="Guru" typeface="Raavi"/>
+        <a:font script="Cans" typeface="Euphemia"/>
+        <a:font script="Cher" typeface="Plantagenet Cherokee"/>
+        <a:font script="Yiii" typeface="Microsoft Yi Baiti"/>
+        <a:font script="Tibt" typeface="Microsoft Himalaya"/>
+        <a:font script="Thaa" typeface="MV Boli"/>
+        <a:font script="Deva" typeface="Mangal"/>
+        <a:font script="Telu" typeface="Gautami"/>
+        <a:font script="Taml" typeface="Latha"/>
+        <a:font script="Syrc" typeface="Estrangelo Edessa"/>
+        <a:font script="Orya" typeface="Kalinga"/>
+        <a:font script="Mlym" typeface="Kartika"/>
+        <a:font script="Laoo" typeface="DokChampa"/>
+        <a:font script="Sinh" typeface="Iskoola Pota"/>
+        <a:font script="Mong" typeface="Mongolian Baiti"/>
+        <a:font script="Viet" typeface="Times New Roman"/>
+        <a:font script="Uigh" typeface="Microsoft Uighur"/>
+        <a:font script="Geor" typeface="Sylfaen"/>
+        <a:font script="Armn" typeface="Arial"/>
+        <a:font script="Bugi" typeface="Leelawadee UI"/>
+        <a:font script="Bopo" typeface="Microsoft JhengHei"/>
+        <a:font script="Java" typeface="Javanese Text"/>
+        <a:font script="Lisu" typeface="Segoe UI"/>
+        <a:font script="Mymr" typeface="Myanmar Text"/>
+        <a:font script="Nkoo" typeface="Ebrima"/>
+        <a:font script="Olck" typeface="Nirmala UI"/>
+        <a:font script="Osma" typeface="Ebrima"/>
+        <a:font script="Phag" typeface="Phagspa"/>
+        <a:font script="Syrn" typeface="Estrangelo Edessa"/>
+        <a:font script="Syrj" typeface="Estrangelo Edessa"/>
+        <a:font script="Syre" typeface="Estrangelo Edessa"/>
+        <a:font script="Sora" typeface="Nirmala UI"/>
+        <a:font script="Tale" typeface="Microsoft Tai Le"/>
+        <a:font script="Talu" typeface="Microsoft New Tai Lue"/>
+        <a:font script="Tfng" typeface="Ebrima"/>
+      </a:majorFont>
+      <a:minorFont>
+        <a:latin typeface="Calibri" panose="020F0502020204030204"/>
+        <a:ea typeface=""/>
+        <a:cs typeface=""/>
+        <a:font script="Jpan" typeface="游ゴシック"/>
+        <a:font script="Hang" typeface="맑은 고딕"/>
+        <a:font script="Hans" typeface="等线"/>
+        <a:font script="Hant" typeface="新細明體"/>
+        <a:font script="Arab" typeface="Arial"/>
+        <a:font script="Hebr" typeface="Arial"/>
+        <a:font script="Thai" typeface="Cordia New"/>
+        <a:font script="Ethi" typeface="Nyala"/>
+        <a:font script="Beng" typeface="Vrinda"/>
+        <a:font script="Gujr" typeface="Shruti"/>
+        <a:font script="Khmr" typeface="DaunPenh"/>
+        <a:font script="Knda" typeface="Tunga"/>
+        <a:font script="Guru" typeface="Raavi"/>
+        <a:font script="Cans" typeface="Euphemia"/>
+        <a:font script="Cher" typeface="Plantagenet Cherokee"/>
+        <a:font script="Yiii" typeface="Microsoft Yi Baiti"/>
+        <a:font script="Tibt" typeface="Microsoft Himalaya"/>
+        <a:font script="Thaa" typeface="MV Boli"/>
+        <a:font script="Deva" typeface="Mangal"/>
+        <a:font script="Telu" typeface="Gautami"/>
+        <a:font script="Taml" typeface="Latha"/>
+        <a:font script="Syrc" typeface="Estrangelo Edessa"/>
+        <a:font script="Orya" typeface="Kalinga"/>
+        <a:font script="Mlym" typeface="Kartika"/>
+        <a:font script="Laoo" typeface="DokChampa"/>
+        <a:font script="Sinh" typeface="Iskoola Pota"/>
+        <a:font script="Mong" typeface="Mongolian Baiti"/>
+        <a:font script="Viet" typeface="Arial"/>
+        <a:font script="Uigh" typeface="Microsoft Uighur"/>
+        <a:font script="Geor" typeface="Sylfaen"/>
+        <a:font script="Armn" typeface="Arial"/>
+        <a:font script="Bugi" typeface="Leelawadee UI"/>
+        <a:font script="Bopo" typeface="Microsoft JhengHei"/>
+        <a:font script="Java" typeface="Javanese Text"/>
+        <a:font script="Lisu" typeface="Segoe UI"/>
+        <a:font script="Mymr" typeface="Myanmar Text"/>
+        <a:font script="Nkoo" typeface="Ebrima"/>
+        <a:font script="Olck" typeface="Nirmala UI"/>
+        <a:font script="Osma" typeface="Ebrima"/>
+        <a:font script="Phag" typeface="Phagspa"/>
+        <a:font script="Syrn" typeface="Estrangelo Edessa"/>
+        <a:font script="Syrj" typeface="Estrangelo Edessa"/>
+        <a:font script="Syre" typeface="Estrangelo Edessa"/>
+        <a:font script="Sora" typeface="Nirmala UI"/>
+        <a:font script="Tale" typeface="Microsoft Tai Le"/>
+        <a:font script="Talu" typeface="Microsoft New Tai Lue"/>
+        <a:font script="Tfng" typeface="Ebrima"/>
+      </a:minorFont>
+    </a:fontScheme>
+    <a:fmtScheme name="Office">
+      <a:fillStyleLst>
+        <a:solidFill>
+          <a:schemeClr val="phClr"/>
+        </a:solidFill>
+        <a:gradFill rotWithShape="1">
+          <a:gsLst>
+            <a:gs pos="0">
+              <a:schemeClr val="phClr">
+                <a:lumMod val="110000"/>
+                <a:satMod val="105000"/>
+                <a:tint val="67000"/>
+              </a:schemeClr>
+            </a:gs>
+            <a:gs pos="50000">
+              <a:schemeClr val="phClr">
+                <a:lumMod val="105000"/>
+                <a:satMod val="103000"/>
+                <a:tint val="73000"/>
+              </a:schemeClr>
+            </a:gs>
+            <a:gs pos="100000">
+              <a:schemeClr val="phClr">
+                <a:lumMod val="105000"/>
+                <a:satMod val="109000"/>
+                <a:tint val="81000"/>
+              </a:schemeClr>
+            </a:gs>
+          </a:gsLst>
+          <a:lin ang="5400000" scaled="0"/>
+        </a:gradFill>
+        <a:gradFill rotWithShape="1">
+          <a:gsLst>
+            <a:gs pos="0">
+              <a:schemeClr val="phClr">
+                <a:satMod val="103000"/>
+                <a:lumMod val="102000"/>
+                <a:tint val="94000"/>
+              </a:schemeClr>
+            </a:gs>
+            <a:gs pos="50000">
+              <a:schemeClr val="phClr">
+                <a:satMod val="110000"/>
+                <a:lumMod val="100000"/>
+                <a:shade val="100000"/>
+              </a:schemeClr>
+            </a:gs>
+            <a:gs pos="100000">
+              <a:schemeClr val="phClr">
+                <a:lumMod val="99000"/>
+                <a:satMod val="120000"/>
+                <a:shade val="78000"/>
+              </a:schemeClr>
+            </a:gs>
+          </a:gsLst>
+          <a:lin ang="5400000" scaled="0"/>
+        </a:gradFill>
+      </a:fillStyleLst>
+      <a:lnStyleLst>
+        <a:ln w="6350" cap="flat" cmpd="sng" algn="ctr">
+          <a:solidFill>
+            <a:schemeClr val="phClr"/>
+          </a:solidFill>
+          <a:prstDash val="solid"/>
+          <a:miter lim="800000"/>
+        </a:ln>
+        <a:ln w="12700" cap="flat" cmpd="sng" algn="ctr">
+          <a:solidFill>
+            <a:schemeClr val="phClr"/>
+          </a:solidFill>
+          <a:prstDash val="solid"/>
+          <a:miter lim="800000"/>
+        </a:ln>
+        <a:ln w="19050" cap="flat" cmpd="sng" algn="ctr">
+          <a:solidFill>
+            <a:schemeClr val="phClr"/>
+          </a:solidFill>
+          <a:prstDash val="solid"/>
+          <a:miter lim="800000"/>
+        </a:ln>
+      </a:lnStyleLst>
+      <a:effectStyleLst>
+        <a:effectStyle>
+          <a:effectLst/>
+        </a:effectStyle>
+        <a:effectStyle>
+          <a:effectLst/>
+        </a:effectStyle>
+        <a:effectStyle>
+          <a:effectLst>
+            <a:outerShdw blurRad="57150" dist="19050" dir="5400000" algn="ctr" rotWithShape="0">
+              <a:srgbClr val="000000">
+                <a:alpha val="63000"/>
+              </a:srgbClr>
+            </a:outerShdw>
+          </a:effectLst>
+        </a:effectStyle>
+      </a:effectStyleLst>
+      <a:bgFillStyleLst>
+        <a:solidFill>
+          <a:schemeClr val="phClr"/>
+        </a:solidFill>
+        <a:solidFill>
+          <a:schemeClr val="phClr">
+            <a:tint val="95000"/>
+            <a:satMod val="170000"/>
+          </a:schemeClr>
+        </a:solidFill>
+        <a:gradFill rotWithShape="1">
+          <a:gsLst>
+            <a:gs pos="0">
+              <a:schemeClr val="phClr">
+                <a:tint val="93000"/>
+                <a:satMod val="150000"/>
+                <a:shade val="98000"/>
+                <a:lumMod val="102000"/>
+              </a:schemeClr>
+            </a:gs>
+            <a:gs pos="50000">
+              <a:schemeClr val="phClr">
+                <a:tint val="98000"/>
+                <a:satMod val="130000"/>
+                <a:shade val="90000"/>
+                <a:lumMod val="103000"/>
+              </a:schemeClr>
+            </a:gs>
+            <a:gs pos="100000">
+              <a:schemeClr val="phClr">
+                <a:shade val="63000"/>
+                <a:satMod val="120000"/>
+              </a:schemeClr>
+            </a:gs>
+          </a:gsLst>
+          <a:lin ang="5400000" scaled="0"/>
+        </a:gradFill>
+      </a:bgFillStyleLst>
+    </a:fmtScheme>
+  </a:themeElements>
+  <a:objectDefaults/>
+  <a:extraClrSchemeLst/>
+  <a:extLst>
+    <a:ext uri="{05A4C25C-085E-4340-85A3-A5531E510DB2}">
+      <thm15:themeFamily xmlns:thm15="http://schemas.microsoft.com/office/thememl/2012/main" name="Office Theme" id="{62F939B6-93AF-4DB8-9C6B-D6C7DFDC589F}" vid="{4A3C46E8-61CC-4603-A589-7422A47A8E4A}"/>
+    </a:ext>
+  </a:extLst>
+</a:theme>
 </file>
--- a/slides/Figs/images.pptx
+++ b/slides/Figs/images.pptx
@@ -204,7 +204,7 @@
           <a:p>
             <a:fld id="{7CEEDDC0-DF20-AC46-B752-4D05A37D4059}" type="datetimeFigureOut">
               <a:rPr lang="en-US" smtClean="0"/>
-              <a:t>8/1/19</a:t>
+              <a:t>8/2/19</a:t>
             </a:fld>
             <a:endParaRPr lang="en-US"/>
           </a:p>
@@ -702,7 +702,7 @@
           <a:p>
             <a:fld id="{ABB50B84-C221-BA49-B172-B6D4747B1BA4}" type="datetimeFigureOut">
               <a:rPr lang="en-US" smtClean="0"/>
-              <a:t>8/1/19</a:t>
+              <a:t>8/2/19</a:t>
             </a:fld>
             <a:endParaRPr lang="en-US"/>
           </a:p>
@@ -900,7 +900,7 @@
           <a:p>
             <a:fld id="{ABB50B84-C221-BA49-B172-B6D4747B1BA4}" type="datetimeFigureOut">
               <a:rPr lang="en-US" smtClean="0"/>
-              <a:t>8/1/19</a:t>
+              <a:t>8/2/19</a:t>
             </a:fld>
             <a:endParaRPr lang="en-US"/>
           </a:p>
@@ -1108,7 +1108,7 @@
           <a:p>
             <a:fld id="{ABB50B84-C221-BA49-B172-B6D4747B1BA4}" type="datetimeFigureOut">
               <a:rPr lang="en-US" smtClean="0"/>
-              <a:t>8/1/19</a:t>
+              <a:t>8/2/19</a:t>
             </a:fld>
             <a:endParaRPr lang="en-US"/>
           </a:p>
@@ -1306,7 +1306,7 @@
           <a:p>
             <a:fld id="{ABB50B84-C221-BA49-B172-B6D4747B1BA4}" type="datetimeFigureOut">
               <a:rPr lang="en-US" smtClean="0"/>
-              <a:t>8/1/19</a:t>
+              <a:t>8/2/19</a:t>
             </a:fld>
             <a:endParaRPr lang="en-US"/>
           </a:p>
@@ -1581,7 +1581,7 @@
           <a:p>
             <a:fld id="{ABB50B84-C221-BA49-B172-B6D4747B1BA4}" type="datetimeFigureOut">
               <a:rPr lang="en-US" smtClean="0"/>
-              <a:t>8/1/19</a:t>
+              <a:t>8/2/19</a:t>
             </a:fld>
             <a:endParaRPr lang="en-US"/>
           </a:p>
@@ -1846,7 +1846,7 @@
           <a:p>
             <a:fld id="{ABB50B84-C221-BA49-B172-B6D4747B1BA4}" type="datetimeFigureOut">
               <a:rPr lang="en-US" smtClean="0"/>
-              <a:t>8/1/19</a:t>
+              <a:t>8/2/19</a:t>
             </a:fld>
             <a:endParaRPr lang="en-US"/>
           </a:p>
@@ -2258,7 +2258,7 @@
           <a:p>
             <a:fld id="{ABB50B84-C221-BA49-B172-B6D4747B1BA4}" type="datetimeFigureOut">
               <a:rPr lang="en-US" smtClean="0"/>
-              <a:t>8/1/19</a:t>
+              <a:t>8/2/19</a:t>
             </a:fld>
             <a:endParaRPr lang="en-US"/>
           </a:p>
@@ -2399,7 +2399,7 @@
           <a:p>
             <a:fld id="{ABB50B84-C221-BA49-B172-B6D4747B1BA4}" type="datetimeFigureOut">
               <a:rPr lang="en-US" smtClean="0"/>
-              <a:t>8/1/19</a:t>
+              <a:t>8/2/19</a:t>
             </a:fld>
             <a:endParaRPr lang="en-US"/>
           </a:p>
@@ -2512,7 +2512,7 @@
           <a:p>
             <a:fld id="{ABB50B84-C221-BA49-B172-B6D4747B1BA4}" type="datetimeFigureOut">
               <a:rPr lang="en-US" smtClean="0"/>
-              <a:t>8/1/19</a:t>
+              <a:t>8/2/19</a:t>
             </a:fld>
             <a:endParaRPr lang="en-US"/>
           </a:p>
@@ -2823,7 +2823,7 @@
           <a:p>
             <a:fld id="{ABB50B84-C221-BA49-B172-B6D4747B1BA4}" type="datetimeFigureOut">
               <a:rPr lang="en-US" smtClean="0"/>
-              <a:t>8/1/19</a:t>
+              <a:t>8/2/19</a:t>
             </a:fld>
             <a:endParaRPr lang="en-US"/>
           </a:p>
@@ -3111,7 +3111,7 @@
           <a:p>
             <a:fld id="{ABB50B84-C221-BA49-B172-B6D4747B1BA4}" type="datetimeFigureOut">
               <a:rPr lang="en-US" smtClean="0"/>
-              <a:t>8/1/19</a:t>
+              <a:t>8/2/19</a:t>
             </a:fld>
             <a:endParaRPr lang="en-US"/>
           </a:p>
@@ -3352,7 +3352,7 @@
           <a:p>
             <a:fld id="{ABB50B84-C221-BA49-B172-B6D4747B1BA4}" type="datetimeFigureOut">
               <a:rPr lang="en-US" smtClean="0"/>
-              <a:t>8/1/19</a:t>
+              <a:t>8/2/19</a:t>
             </a:fld>
             <a:endParaRPr lang="en-US"/>
           </a:p>
@@ -14064,6 +14064,694 @@
           <a:chExt cx="0" cy="0"/>
         </a:xfrm>
       </p:grpSpPr>
+      <p:sp>
+        <p:nvSpPr>
+          <p:cNvPr id="2" name="Rounded Rectangle 1">
+            <a:extLst>
+              <a:ext uri="{FF2B5EF4-FFF2-40B4-BE49-F238E27FC236}">
+                <a16:creationId xmlns:a16="http://schemas.microsoft.com/office/drawing/2014/main" id="{96E0A1AB-B63B-4645-80D4-858A42FF5224}"/>
+              </a:ext>
+            </a:extLst>
+          </p:cNvPr>
+          <p:cNvSpPr/>
+          <p:nvPr/>
+        </p:nvSpPr>
+        <p:spPr>
+          <a:xfrm>
+            <a:off x="2381459" y="2105869"/>
+            <a:ext cx="1296238" cy="914400"/>
+          </a:xfrm>
+          <a:prstGeom prst="roundRect">
+            <a:avLst/>
+          </a:prstGeom>
+          <a:noFill/>
+          <a:ln w="38100">
+            <a:solidFill>
+              <a:srgbClr val="FF0000"/>
+            </a:solidFill>
+          </a:ln>
+        </p:spPr>
+        <p:style>
+          <a:lnRef idx="2">
+            <a:schemeClr val="accent1">
+              <a:shade val="50000"/>
+            </a:schemeClr>
+          </a:lnRef>
+          <a:fillRef idx="1">
+            <a:schemeClr val="accent1"/>
+          </a:fillRef>
+          <a:effectRef idx="0">
+            <a:schemeClr val="accent1"/>
+          </a:effectRef>
+          <a:fontRef idx="minor">
+            <a:schemeClr val="lt1"/>
+          </a:fontRef>
+        </p:style>
+        <p:txBody>
+          <a:bodyPr rtlCol="0" anchor="ctr"/>
+          <a:lstStyle/>
+          <a:p>
+            <a:pPr algn="ctr"/>
+            <a:r>
+              <a:rPr lang="en-US" sz="1600" b="1" dirty="0">
+                <a:solidFill>
+                  <a:schemeClr val="tx1"/>
+                </a:solidFill>
+              </a:rPr>
+              <a:t>AES</a:t>
+            </a:r>
+          </a:p>
+          <a:p>
+            <a:pPr algn="ctr"/>
+            <a:r>
+              <a:rPr lang="en-US" altLang="ja-JP" sz="1600" b="1" dirty="0">
+                <a:solidFill>
+                  <a:srgbClr val="FF0000"/>
+                </a:solidFill>
+              </a:rPr>
+              <a:t>Encryption</a:t>
+            </a:r>
+            <a:endParaRPr lang="en-US" sz="1600" b="1" dirty="0">
+              <a:solidFill>
+                <a:srgbClr val="FF0000"/>
+              </a:solidFill>
+            </a:endParaRPr>
+          </a:p>
+        </p:txBody>
+      </p:sp>
+      <p:pic>
+        <p:nvPicPr>
+          <p:cNvPr id="3" name="Picture 2">
+            <a:extLst>
+              <a:ext uri="{FF2B5EF4-FFF2-40B4-BE49-F238E27FC236}">
+                <a16:creationId xmlns:a16="http://schemas.microsoft.com/office/drawing/2014/main" id="{581F77C7-E42B-B940-982F-820429C78E15}"/>
+              </a:ext>
+            </a:extLst>
+          </p:cNvPr>
+          <p:cNvPicPr>
+            <a:picLocks noChangeAspect="1"/>
+          </p:cNvPicPr>
+          <p:nvPr/>
+        </p:nvPicPr>
+        <p:blipFill>
+          <a:blip r:embed="rId2"/>
+          <a:stretch>
+            <a:fillRect/>
+          </a:stretch>
+        </p:blipFill>
+        <p:spPr>
+          <a:xfrm>
+            <a:off x="534856" y="2157089"/>
+            <a:ext cx="811960" cy="811960"/>
+          </a:xfrm>
+          <a:prstGeom prst="rect">
+            <a:avLst/>
+          </a:prstGeom>
+        </p:spPr>
+      </p:pic>
+      <p:pic>
+        <p:nvPicPr>
+          <p:cNvPr id="4" name="Picture 3">
+            <a:extLst>
+              <a:ext uri="{FF2B5EF4-FFF2-40B4-BE49-F238E27FC236}">
+                <a16:creationId xmlns:a16="http://schemas.microsoft.com/office/drawing/2014/main" id="{FF319A7D-F6ED-DB49-810F-49A169528C39}"/>
+              </a:ext>
+            </a:extLst>
+          </p:cNvPr>
+          <p:cNvPicPr>
+            <a:picLocks noChangeAspect="1"/>
+          </p:cNvPicPr>
+          <p:nvPr/>
+        </p:nvPicPr>
+        <p:blipFill>
+          <a:blip r:embed="rId3"/>
+          <a:stretch>
+            <a:fillRect/>
+          </a:stretch>
+        </p:blipFill>
+        <p:spPr>
+          <a:xfrm>
+            <a:off x="4712340" y="2129986"/>
+            <a:ext cx="814759" cy="866165"/>
+          </a:xfrm>
+          <a:prstGeom prst="rect">
+            <a:avLst/>
+          </a:prstGeom>
+        </p:spPr>
+      </p:pic>
+      <p:pic>
+        <p:nvPicPr>
+          <p:cNvPr id="5" name="Picture 4">
+            <a:extLst>
+              <a:ext uri="{FF2B5EF4-FFF2-40B4-BE49-F238E27FC236}">
+                <a16:creationId xmlns:a16="http://schemas.microsoft.com/office/drawing/2014/main" id="{575205B1-6ED0-AC4E-B25E-5D9C1587BB38}"/>
+              </a:ext>
+            </a:extLst>
+          </p:cNvPr>
+          <p:cNvPicPr>
+            <a:picLocks noChangeAspect="1"/>
+          </p:cNvPicPr>
+          <p:nvPr/>
+        </p:nvPicPr>
+        <p:blipFill>
+          <a:blip r:embed="rId4"/>
+          <a:stretch>
+            <a:fillRect/>
+          </a:stretch>
+        </p:blipFill>
+        <p:spPr>
+          <a:xfrm>
+            <a:off x="4868476" y="812504"/>
+            <a:ext cx="502486" cy="460956"/>
+          </a:xfrm>
+          <a:prstGeom prst="rect">
+            <a:avLst/>
+          </a:prstGeom>
+        </p:spPr>
+      </p:pic>
+      <p:cxnSp>
+        <p:nvCxnSpPr>
+          <p:cNvPr id="7" name="Straight Arrow Connector 6">
+            <a:extLst>
+              <a:ext uri="{FF2B5EF4-FFF2-40B4-BE49-F238E27FC236}">
+                <a16:creationId xmlns:a16="http://schemas.microsoft.com/office/drawing/2014/main" id="{BF0049E1-F5A2-7D48-A0C1-F11AE9235CB4}"/>
+              </a:ext>
+            </a:extLst>
+          </p:cNvPr>
+          <p:cNvCxnSpPr>
+            <a:stCxn id="3" idx="3"/>
+            <a:endCxn id="2" idx="1"/>
+          </p:cNvCxnSpPr>
+          <p:nvPr/>
+        </p:nvCxnSpPr>
+        <p:spPr>
+          <a:xfrm>
+            <a:off x="1346816" y="2563069"/>
+            <a:ext cx="1034643" cy="0"/>
+          </a:xfrm>
+          <a:prstGeom prst="straightConnector1">
+            <a:avLst/>
+          </a:prstGeom>
+          <a:ln w="38100">
+            <a:solidFill>
+              <a:schemeClr val="tx1"/>
+            </a:solidFill>
+            <a:tailEnd type="triangle"/>
+          </a:ln>
+        </p:spPr>
+        <p:style>
+          <a:lnRef idx="1">
+            <a:schemeClr val="accent1"/>
+          </a:lnRef>
+          <a:fillRef idx="0">
+            <a:schemeClr val="accent1"/>
+          </a:fillRef>
+          <a:effectRef idx="0">
+            <a:schemeClr val="accent1"/>
+          </a:effectRef>
+          <a:fontRef idx="minor">
+            <a:schemeClr val="tx1"/>
+          </a:fontRef>
+        </p:style>
+      </p:cxnSp>
+      <p:cxnSp>
+        <p:nvCxnSpPr>
+          <p:cNvPr id="12" name="Straight Arrow Connector 11">
+            <a:extLst>
+              <a:ext uri="{FF2B5EF4-FFF2-40B4-BE49-F238E27FC236}">
+                <a16:creationId xmlns:a16="http://schemas.microsoft.com/office/drawing/2014/main" id="{117BD53F-2BB6-F446-AD27-6BF7A0E655DD}"/>
+              </a:ext>
+            </a:extLst>
+          </p:cNvPr>
+          <p:cNvCxnSpPr>
+            <a:cxnSpLocks/>
+            <a:stCxn id="2" idx="3"/>
+            <a:endCxn id="4" idx="1"/>
+          </p:cNvCxnSpPr>
+          <p:nvPr/>
+        </p:nvCxnSpPr>
+        <p:spPr>
+          <a:xfrm>
+            <a:off x="3677697" y="2563069"/>
+            <a:ext cx="1034643" cy="0"/>
+          </a:xfrm>
+          <a:prstGeom prst="straightConnector1">
+            <a:avLst/>
+          </a:prstGeom>
+          <a:ln w="38100">
+            <a:solidFill>
+              <a:schemeClr val="tx1"/>
+            </a:solidFill>
+            <a:tailEnd type="triangle"/>
+          </a:ln>
+        </p:spPr>
+        <p:style>
+          <a:lnRef idx="1">
+            <a:schemeClr val="accent1"/>
+          </a:lnRef>
+          <a:fillRef idx="0">
+            <a:schemeClr val="accent1"/>
+          </a:fillRef>
+          <a:effectRef idx="0">
+            <a:schemeClr val="accent1"/>
+          </a:effectRef>
+          <a:fontRef idx="minor">
+            <a:schemeClr val="tx1"/>
+          </a:fontRef>
+        </p:style>
+      </p:cxnSp>
+      <p:sp>
+        <p:nvSpPr>
+          <p:cNvPr id="18" name="TextBox 17">
+            <a:extLst>
+              <a:ext uri="{FF2B5EF4-FFF2-40B4-BE49-F238E27FC236}">
+                <a16:creationId xmlns:a16="http://schemas.microsoft.com/office/drawing/2014/main" id="{C6699D69-739D-F24D-BD9E-F742896FF962}"/>
+              </a:ext>
+            </a:extLst>
+          </p:cNvPr>
+          <p:cNvSpPr txBox="1"/>
+          <p:nvPr/>
+        </p:nvSpPr>
+        <p:spPr>
+          <a:xfrm>
+            <a:off x="4249929" y="419055"/>
+            <a:ext cx="1739579" cy="369332"/>
+          </a:xfrm>
+          <a:prstGeom prst="rect">
+            <a:avLst/>
+          </a:prstGeom>
+          <a:noFill/>
+        </p:spPr>
+        <p:txBody>
+          <a:bodyPr wrap="none" rtlCol="0">
+            <a:spAutoFit/>
+          </a:bodyPr>
+          <a:lstStyle/>
+          <a:p>
+            <a:r>
+              <a:rPr lang="en-US" dirty="0"/>
+              <a:t>128/192/256-bit</a:t>
+            </a:r>
+          </a:p>
+        </p:txBody>
+      </p:sp>
+      <p:sp>
+        <p:nvSpPr>
+          <p:cNvPr id="19" name="Rounded Rectangle 18">
+            <a:extLst>
+              <a:ext uri="{FF2B5EF4-FFF2-40B4-BE49-F238E27FC236}">
+                <a16:creationId xmlns:a16="http://schemas.microsoft.com/office/drawing/2014/main" id="{CAEA64A7-5326-8443-A22D-2444CDA76161}"/>
+              </a:ext>
+            </a:extLst>
+          </p:cNvPr>
+          <p:cNvSpPr/>
+          <p:nvPr/>
+        </p:nvSpPr>
+        <p:spPr>
+          <a:xfrm>
+            <a:off x="6561740" y="2105869"/>
+            <a:ext cx="1296238" cy="914400"/>
+          </a:xfrm>
+          <a:prstGeom prst="roundRect">
+            <a:avLst/>
+          </a:prstGeom>
+          <a:noFill/>
+          <a:ln w="38100">
+            <a:solidFill>
+              <a:srgbClr val="0070C0"/>
+            </a:solidFill>
+          </a:ln>
+        </p:spPr>
+        <p:style>
+          <a:lnRef idx="2">
+            <a:schemeClr val="accent1">
+              <a:shade val="50000"/>
+            </a:schemeClr>
+          </a:lnRef>
+          <a:fillRef idx="1">
+            <a:schemeClr val="accent1"/>
+          </a:fillRef>
+          <a:effectRef idx="0">
+            <a:schemeClr val="accent1"/>
+          </a:effectRef>
+          <a:fontRef idx="minor">
+            <a:schemeClr val="lt1"/>
+          </a:fontRef>
+        </p:style>
+        <p:txBody>
+          <a:bodyPr rtlCol="0" anchor="ctr"/>
+          <a:lstStyle/>
+          <a:p>
+            <a:pPr algn="ctr"/>
+            <a:r>
+              <a:rPr lang="en-US" sz="1600" b="1" dirty="0">
+                <a:solidFill>
+                  <a:schemeClr val="tx1"/>
+                </a:solidFill>
+              </a:rPr>
+              <a:t>AES</a:t>
+            </a:r>
+          </a:p>
+          <a:p>
+            <a:pPr algn="ctr"/>
+            <a:r>
+              <a:rPr lang="en-US" altLang="ja-JP" sz="1600" b="1" dirty="0">
+                <a:solidFill>
+                  <a:srgbClr val="0070C0"/>
+                </a:solidFill>
+              </a:rPr>
+              <a:t>Decryption</a:t>
+            </a:r>
+            <a:endParaRPr lang="en-US" sz="1600" b="1" dirty="0">
+              <a:solidFill>
+                <a:srgbClr val="0070C0"/>
+              </a:solidFill>
+            </a:endParaRPr>
+          </a:p>
+        </p:txBody>
+      </p:sp>
+      <p:cxnSp>
+        <p:nvCxnSpPr>
+          <p:cNvPr id="21" name="Straight Arrow Connector 20">
+            <a:extLst>
+              <a:ext uri="{FF2B5EF4-FFF2-40B4-BE49-F238E27FC236}">
+                <a16:creationId xmlns:a16="http://schemas.microsoft.com/office/drawing/2014/main" id="{BA4A18BA-CB7A-E841-B643-D68D6A6FB353}"/>
+              </a:ext>
+            </a:extLst>
+          </p:cNvPr>
+          <p:cNvCxnSpPr>
+            <a:cxnSpLocks/>
+            <a:endCxn id="19" idx="1"/>
+          </p:cNvCxnSpPr>
+          <p:nvPr/>
+        </p:nvCxnSpPr>
+        <p:spPr>
+          <a:xfrm flipV="1">
+            <a:off x="5527099" y="2563069"/>
+            <a:ext cx="1034641" cy="1"/>
+          </a:xfrm>
+          <a:prstGeom prst="straightConnector1">
+            <a:avLst/>
+          </a:prstGeom>
+          <a:ln w="38100">
+            <a:solidFill>
+              <a:schemeClr val="tx1"/>
+            </a:solidFill>
+            <a:tailEnd type="triangle"/>
+          </a:ln>
+        </p:spPr>
+        <p:style>
+          <a:lnRef idx="1">
+            <a:schemeClr val="accent1"/>
+          </a:lnRef>
+          <a:fillRef idx="0">
+            <a:schemeClr val="accent1"/>
+          </a:fillRef>
+          <a:effectRef idx="0">
+            <a:schemeClr val="accent1"/>
+          </a:effectRef>
+          <a:fontRef idx="minor">
+            <a:schemeClr val="tx1"/>
+          </a:fontRef>
+        </p:style>
+      </p:cxnSp>
+      <p:cxnSp>
+        <p:nvCxnSpPr>
+          <p:cNvPr id="22" name="Straight Arrow Connector 21">
+            <a:extLst>
+              <a:ext uri="{FF2B5EF4-FFF2-40B4-BE49-F238E27FC236}">
+                <a16:creationId xmlns:a16="http://schemas.microsoft.com/office/drawing/2014/main" id="{9AB57E1D-E09B-6341-8DAB-280D4B224987}"/>
+              </a:ext>
+            </a:extLst>
+          </p:cNvPr>
+          <p:cNvCxnSpPr>
+            <a:cxnSpLocks/>
+            <a:stCxn id="19" idx="3"/>
+            <a:endCxn id="23" idx="1"/>
+          </p:cNvCxnSpPr>
+          <p:nvPr/>
+        </p:nvCxnSpPr>
+        <p:spPr>
+          <a:xfrm>
+            <a:off x="7857978" y="2563069"/>
+            <a:ext cx="1034643" cy="2460"/>
+          </a:xfrm>
+          <a:prstGeom prst="straightConnector1">
+            <a:avLst/>
+          </a:prstGeom>
+          <a:ln w="38100">
+            <a:solidFill>
+              <a:schemeClr val="tx1"/>
+            </a:solidFill>
+            <a:tailEnd type="triangle"/>
+          </a:ln>
+        </p:spPr>
+        <p:style>
+          <a:lnRef idx="1">
+            <a:schemeClr val="accent1"/>
+          </a:lnRef>
+          <a:fillRef idx="0">
+            <a:schemeClr val="accent1"/>
+          </a:fillRef>
+          <a:effectRef idx="0">
+            <a:schemeClr val="accent1"/>
+          </a:effectRef>
+          <a:fontRef idx="minor">
+            <a:schemeClr val="tx1"/>
+          </a:fontRef>
+        </p:style>
+      </p:cxnSp>
+      <p:pic>
+        <p:nvPicPr>
+          <p:cNvPr id="23" name="Picture 22">
+            <a:extLst>
+              <a:ext uri="{FF2B5EF4-FFF2-40B4-BE49-F238E27FC236}">
+                <a16:creationId xmlns:a16="http://schemas.microsoft.com/office/drawing/2014/main" id="{4BAB0829-211F-7E4B-AD37-E9E9D20781D4}"/>
+              </a:ext>
+            </a:extLst>
+          </p:cNvPr>
+          <p:cNvPicPr>
+            <a:picLocks noChangeAspect="1"/>
+          </p:cNvPicPr>
+          <p:nvPr/>
+        </p:nvPicPr>
+        <p:blipFill>
+          <a:blip r:embed="rId2"/>
+          <a:stretch>
+            <a:fillRect/>
+          </a:stretch>
+        </p:blipFill>
+        <p:spPr>
+          <a:xfrm>
+            <a:off x="8892621" y="2159549"/>
+            <a:ext cx="811960" cy="811960"/>
+          </a:xfrm>
+          <a:prstGeom prst="rect">
+            <a:avLst/>
+          </a:prstGeom>
+        </p:spPr>
+      </p:pic>
+      <p:cxnSp>
+        <p:nvCxnSpPr>
+          <p:cNvPr id="35" name="Elbow Connector 34">
+            <a:extLst>
+              <a:ext uri="{FF2B5EF4-FFF2-40B4-BE49-F238E27FC236}">
+                <a16:creationId xmlns:a16="http://schemas.microsoft.com/office/drawing/2014/main" id="{0821EF96-8881-8A41-B8F4-D7FE427B1E2B}"/>
+              </a:ext>
+            </a:extLst>
+          </p:cNvPr>
+          <p:cNvCxnSpPr>
+            <a:stCxn id="5" idx="2"/>
+            <a:endCxn id="2" idx="0"/>
+          </p:cNvCxnSpPr>
+          <p:nvPr/>
+        </p:nvCxnSpPr>
+        <p:spPr>
+          <a:xfrm rot="5400000">
+            <a:off x="3658445" y="644594"/>
+            <a:ext cx="832409" cy="2090141"/>
+          </a:xfrm>
+          <a:prstGeom prst="bentConnector3">
+            <a:avLst/>
+          </a:prstGeom>
+          <a:ln w="38100">
+            <a:solidFill>
+              <a:schemeClr val="tx1"/>
+            </a:solidFill>
+            <a:tailEnd type="triangle"/>
+          </a:ln>
+        </p:spPr>
+        <p:style>
+          <a:lnRef idx="1">
+            <a:schemeClr val="accent1"/>
+          </a:lnRef>
+          <a:fillRef idx="0">
+            <a:schemeClr val="accent1"/>
+          </a:fillRef>
+          <a:effectRef idx="0">
+            <a:schemeClr val="accent1"/>
+          </a:effectRef>
+          <a:fontRef idx="minor">
+            <a:schemeClr val="tx1"/>
+          </a:fontRef>
+        </p:style>
+      </p:cxnSp>
+      <p:cxnSp>
+        <p:nvCxnSpPr>
+          <p:cNvPr id="37" name="Elbow Connector 36">
+            <a:extLst>
+              <a:ext uri="{FF2B5EF4-FFF2-40B4-BE49-F238E27FC236}">
+                <a16:creationId xmlns:a16="http://schemas.microsoft.com/office/drawing/2014/main" id="{B248BDD9-3982-B14B-8AFB-E51E90DCA6AE}"/>
+              </a:ext>
+            </a:extLst>
+          </p:cNvPr>
+          <p:cNvCxnSpPr>
+            <a:cxnSpLocks/>
+            <a:stCxn id="5" idx="2"/>
+            <a:endCxn id="19" idx="0"/>
+          </p:cNvCxnSpPr>
+          <p:nvPr/>
+        </p:nvCxnSpPr>
+        <p:spPr>
+          <a:xfrm rot="16200000" flipH="1">
+            <a:off x="5748585" y="644594"/>
+            <a:ext cx="832409" cy="2090140"/>
+          </a:xfrm>
+          <a:prstGeom prst="bentConnector3">
+            <a:avLst>
+              <a:gd name="adj1" fmla="val 50000"/>
+            </a:avLst>
+          </a:prstGeom>
+          <a:ln w="38100">
+            <a:solidFill>
+              <a:schemeClr val="tx1"/>
+            </a:solidFill>
+            <a:tailEnd type="triangle"/>
+          </a:ln>
+        </p:spPr>
+        <p:style>
+          <a:lnRef idx="1">
+            <a:schemeClr val="accent1"/>
+          </a:lnRef>
+          <a:fillRef idx="0">
+            <a:schemeClr val="accent1"/>
+          </a:fillRef>
+          <a:effectRef idx="0">
+            <a:schemeClr val="accent1"/>
+          </a:effectRef>
+          <a:fontRef idx="minor">
+            <a:schemeClr val="tx1"/>
+          </a:fontRef>
+        </p:style>
+      </p:cxnSp>
+      <p:sp>
+        <p:nvSpPr>
+          <p:cNvPr id="40" name="TextBox 39">
+            <a:extLst>
+              <a:ext uri="{FF2B5EF4-FFF2-40B4-BE49-F238E27FC236}">
+                <a16:creationId xmlns:a16="http://schemas.microsoft.com/office/drawing/2014/main" id="{E0693DF6-5B91-DA41-BE57-09EDA960F2AB}"/>
+              </a:ext>
+            </a:extLst>
+          </p:cNvPr>
+          <p:cNvSpPr txBox="1"/>
+          <p:nvPr/>
+        </p:nvSpPr>
+        <p:spPr>
+          <a:xfrm>
+            <a:off x="383099" y="3012982"/>
+            <a:ext cx="1112677" cy="369332"/>
+          </a:xfrm>
+          <a:prstGeom prst="rect">
+            <a:avLst/>
+          </a:prstGeom>
+          <a:noFill/>
+        </p:spPr>
+        <p:txBody>
+          <a:bodyPr wrap="none" rtlCol="0">
+            <a:spAutoFit/>
+          </a:bodyPr>
+          <a:lstStyle/>
+          <a:p>
+            <a:pPr algn="ctr"/>
+            <a:r>
+              <a:rPr lang="en-US" dirty="0"/>
+              <a:t>plain data</a:t>
+            </a:r>
+          </a:p>
+        </p:txBody>
+      </p:sp>
+      <p:sp>
+        <p:nvSpPr>
+          <p:cNvPr id="41" name="TextBox 40">
+            <a:extLst>
+              <a:ext uri="{FF2B5EF4-FFF2-40B4-BE49-F238E27FC236}">
+                <a16:creationId xmlns:a16="http://schemas.microsoft.com/office/drawing/2014/main" id="{14C07A22-9957-2F44-80E4-99D997E74001}"/>
+              </a:ext>
+            </a:extLst>
+          </p:cNvPr>
+          <p:cNvSpPr txBox="1"/>
+          <p:nvPr/>
+        </p:nvSpPr>
+        <p:spPr>
+          <a:xfrm>
+            <a:off x="4316902" y="3012982"/>
+            <a:ext cx="1605632" cy="369332"/>
+          </a:xfrm>
+          <a:prstGeom prst="rect">
+            <a:avLst/>
+          </a:prstGeom>
+          <a:noFill/>
+        </p:spPr>
+        <p:txBody>
+          <a:bodyPr wrap="none" rtlCol="0">
+            <a:spAutoFit/>
+          </a:bodyPr>
+          <a:lstStyle/>
+          <a:p>
+            <a:pPr algn="ctr"/>
+            <a:r>
+              <a:rPr lang="en-US" dirty="0"/>
+              <a:t>encrypted data</a:t>
+            </a:r>
+          </a:p>
+        </p:txBody>
+      </p:sp>
+      <p:sp>
+        <p:nvSpPr>
+          <p:cNvPr id="42" name="TextBox 41">
+            <a:extLst>
+              <a:ext uri="{FF2B5EF4-FFF2-40B4-BE49-F238E27FC236}">
+                <a16:creationId xmlns:a16="http://schemas.microsoft.com/office/drawing/2014/main" id="{8934248A-E8C3-C94F-82D0-A63F5C5686C4}"/>
+              </a:ext>
+            </a:extLst>
+          </p:cNvPr>
+          <p:cNvSpPr txBox="1"/>
+          <p:nvPr/>
+        </p:nvSpPr>
+        <p:spPr>
+          <a:xfrm>
+            <a:off x="8742263" y="2974509"/>
+            <a:ext cx="1112677" cy="369332"/>
+          </a:xfrm>
+          <a:prstGeom prst="rect">
+            <a:avLst/>
+          </a:prstGeom>
+          <a:noFill/>
+        </p:spPr>
+        <p:txBody>
+          <a:bodyPr wrap="none" rtlCol="0">
+            <a:spAutoFit/>
+          </a:bodyPr>
+          <a:lstStyle/>
+          <a:p>
+            <a:pPr algn="ctr"/>
+            <a:r>
+              <a:rPr lang="en-US" dirty="0"/>
+              <a:t>plain data</a:t>
+            </a:r>
+          </a:p>
+        </p:txBody>
+      </p:sp>
     </p:spTree>
     <p:extLst>
       <p:ext uri="{BB962C8B-B14F-4D97-AF65-F5344CB8AC3E}">

--- a/slides/Figs/images.pptx
+++ b/slides/Figs/images.pptx
@@ -5,7 +5,7 @@
     <p:sldMasterId id="2147483648" r:id="rId1"/>
   </p:sldMasterIdLst>
   <p:notesMasterIdLst>
-    <p:notesMasterId r:id="rId10"/>
+    <p:notesMasterId r:id="rId11"/>
   </p:notesMasterIdLst>
   <p:sldIdLst>
     <p:sldId id="256" r:id="rId2"/>
@@ -16,6 +16,7 @@
     <p:sldId id="261" r:id="rId7"/>
     <p:sldId id="262" r:id="rId8"/>
     <p:sldId id="263" r:id="rId9"/>
+    <p:sldId id="264" r:id="rId10"/>
   </p:sldIdLst>
   <p:sldSz cx="12192000" cy="6858000"/>
   <p:notesSz cx="6858000" cy="9144000"/>
@@ -546,6 +547,90 @@
     <p:extLst>
       <p:ext uri="{BB962C8B-B14F-4D97-AF65-F5344CB8AC3E}">
         <p14:creationId xmlns:p14="http://schemas.microsoft.com/office/powerpoint/2010/main" val="1757445626"/>
+      </p:ext>
+    </p:extLst>
+  </p:cSld>
+  <p:clrMapOvr>
+    <a:masterClrMapping/>
+  </p:clrMapOvr>
+</p:notes>
+</file>
+
+<file path=ppt/notesSlides/notesSlide2.xml><?xml version="1.0" encoding="utf-8"?>
+<p:notes xmlns:a="http://schemas.openxmlformats.org/drawingml/2006/main" xmlns:r="http://schemas.openxmlformats.org/officeDocument/2006/relationships" xmlns:p="http://schemas.openxmlformats.org/presentationml/2006/main">
+  <p:cSld>
+    <p:spTree>
+      <p:nvGrpSpPr>
+        <p:cNvPr id="1" name=""/>
+        <p:cNvGrpSpPr/>
+        <p:nvPr/>
+      </p:nvGrpSpPr>
+      <p:grpSpPr>
+        <a:xfrm>
+          <a:off x="0" y="0"/>
+          <a:ext cx="0" cy="0"/>
+          <a:chOff x="0" y="0"/>
+          <a:chExt cx="0" cy="0"/>
+        </a:xfrm>
+      </p:grpSpPr>
+      <p:sp>
+        <p:nvSpPr>
+          <p:cNvPr id="2" name="Slide Image Placeholder 1"/>
+          <p:cNvSpPr>
+            <a:spLocks noGrp="1" noRot="1" noChangeAspect="1"/>
+          </p:cNvSpPr>
+          <p:nvPr>
+            <p:ph type="sldImg"/>
+          </p:nvPr>
+        </p:nvSpPr>
+        <p:spPr/>
+      </p:sp>
+      <p:sp>
+        <p:nvSpPr>
+          <p:cNvPr id="3" name="Notes Placeholder 2"/>
+          <p:cNvSpPr>
+            <a:spLocks noGrp="1"/>
+          </p:cNvSpPr>
+          <p:nvPr>
+            <p:ph type="body" idx="1"/>
+          </p:nvPr>
+        </p:nvSpPr>
+        <p:spPr/>
+        <p:txBody>
+          <a:bodyPr/>
+          <a:lstStyle/>
+          <a:p>
+            <a:endParaRPr lang="en-US" dirty="0"/>
+          </a:p>
+        </p:txBody>
+      </p:sp>
+      <p:sp>
+        <p:nvSpPr>
+          <p:cNvPr id="4" name="Slide Number Placeholder 3"/>
+          <p:cNvSpPr>
+            <a:spLocks noGrp="1"/>
+          </p:cNvSpPr>
+          <p:nvPr>
+            <p:ph type="sldNum" sz="quarter" idx="5"/>
+          </p:nvPr>
+        </p:nvSpPr>
+        <p:spPr/>
+        <p:txBody>
+          <a:bodyPr/>
+          <a:lstStyle/>
+          <a:p>
+            <a:fld id="{65EEC5EA-871C-8443-843A-02E75F9C7A0B}" type="slidenum">
+              <a:rPr lang="en-US" smtClean="0"/>
+              <a:t>9</a:t>
+            </a:fld>
+            <a:endParaRPr lang="en-US"/>
+          </a:p>
+        </p:txBody>
+      </p:sp>
+    </p:spTree>
+    <p:extLst>
+      <p:ext uri="{BB962C8B-B14F-4D97-AF65-F5344CB8AC3E}">
+        <p14:creationId xmlns:p14="http://schemas.microsoft.com/office/powerpoint/2010/main" val="641864233"/>
       </p:ext>
     </p:extLst>
   </p:cSld>
@@ -14765,6 +14850,989 @@
 </p:sld>
 </file>
 
+<file path=ppt/slides/slide9.xml><?xml version="1.0" encoding="utf-8"?>
+<p:sld xmlns:a="http://schemas.openxmlformats.org/drawingml/2006/main" xmlns:r="http://schemas.openxmlformats.org/officeDocument/2006/relationships" xmlns:p="http://schemas.openxmlformats.org/presentationml/2006/main">
+  <p:cSld>
+    <p:spTree>
+      <p:nvGrpSpPr>
+        <p:cNvPr id="1" name=""/>
+        <p:cNvGrpSpPr/>
+        <p:nvPr/>
+      </p:nvGrpSpPr>
+      <p:grpSpPr>
+        <a:xfrm>
+          <a:off x="0" y="0"/>
+          <a:ext cx="0" cy="0"/>
+          <a:chOff x="0" y="0"/>
+          <a:chExt cx="0" cy="0"/>
+        </a:xfrm>
+      </p:grpSpPr>
+      <p:pic>
+        <p:nvPicPr>
+          <p:cNvPr id="34" name="Picture 33">
+            <a:extLst>
+              <a:ext uri="{FF2B5EF4-FFF2-40B4-BE49-F238E27FC236}">
+                <a16:creationId xmlns:a16="http://schemas.microsoft.com/office/drawing/2014/main" id="{7722DAF6-61E6-4D43-9F23-8D69679DC4E5}"/>
+              </a:ext>
+            </a:extLst>
+          </p:cNvPr>
+          <p:cNvPicPr>
+            <a:picLocks noChangeAspect="1"/>
+          </p:cNvPicPr>
+          <p:nvPr/>
+        </p:nvPicPr>
+        <p:blipFill>
+          <a:blip r:embed="rId3"/>
+          <a:stretch>
+            <a:fillRect/>
+          </a:stretch>
+        </p:blipFill>
+        <p:spPr>
+          <a:xfrm>
+            <a:off x="1869068" y="2617040"/>
+            <a:ext cx="811960" cy="811960"/>
+          </a:xfrm>
+          <a:prstGeom prst="rect">
+            <a:avLst/>
+          </a:prstGeom>
+        </p:spPr>
+      </p:pic>
+      <p:sp>
+        <p:nvSpPr>
+          <p:cNvPr id="36" name="Rounded Rectangle 35">
+            <a:extLst>
+              <a:ext uri="{FF2B5EF4-FFF2-40B4-BE49-F238E27FC236}">
+                <a16:creationId xmlns:a16="http://schemas.microsoft.com/office/drawing/2014/main" id="{637E0E65-14BA-2E49-BCB1-6DE75E352044}"/>
+              </a:ext>
+            </a:extLst>
+          </p:cNvPr>
+          <p:cNvSpPr/>
+          <p:nvPr/>
+        </p:nvSpPr>
+        <p:spPr>
+          <a:xfrm>
+            <a:off x="8224968" y="3460642"/>
+            <a:ext cx="1446964" cy="988046"/>
+          </a:xfrm>
+          <a:prstGeom prst="roundRect">
+            <a:avLst/>
+          </a:prstGeom>
+        </p:spPr>
+        <p:style>
+          <a:lnRef idx="1">
+            <a:schemeClr val="accent5"/>
+          </a:lnRef>
+          <a:fillRef idx="2">
+            <a:schemeClr val="accent5"/>
+          </a:fillRef>
+          <a:effectRef idx="1">
+            <a:schemeClr val="accent5"/>
+          </a:effectRef>
+          <a:fontRef idx="minor">
+            <a:schemeClr val="dk1"/>
+          </a:fontRef>
+        </p:style>
+        <p:txBody>
+          <a:bodyPr rtlCol="0" anchor="ctr"/>
+          <a:lstStyle/>
+          <a:p>
+            <a:pPr algn="ctr"/>
+            <a:r>
+              <a:rPr lang="en-US" dirty="0"/>
+              <a:t>REST API</a:t>
+            </a:r>
+            <a:br>
+              <a:rPr lang="en-US" dirty="0"/>
+            </a:br>
+            <a:r>
+              <a:rPr lang="en-US" dirty="0"/>
+              <a:t>Mock Server</a:t>
+            </a:r>
+          </a:p>
+        </p:txBody>
+      </p:sp>
+      <p:sp>
+        <p:nvSpPr>
+          <p:cNvPr id="37" name="Rounded Rectangle 36">
+            <a:extLst>
+              <a:ext uri="{FF2B5EF4-FFF2-40B4-BE49-F238E27FC236}">
+                <a16:creationId xmlns:a16="http://schemas.microsoft.com/office/drawing/2014/main" id="{758C28E5-547A-894C-A9C0-BEE6B042BFB7}"/>
+              </a:ext>
+            </a:extLst>
+          </p:cNvPr>
+          <p:cNvSpPr/>
+          <p:nvPr/>
+        </p:nvSpPr>
+        <p:spPr>
+          <a:xfrm>
+            <a:off x="1797321" y="2339571"/>
+            <a:ext cx="5045606" cy="1418514"/>
+          </a:xfrm>
+          <a:prstGeom prst="roundRect">
+            <a:avLst/>
+          </a:prstGeom>
+          <a:noFill/>
+          <a:ln w="38100">
+            <a:solidFill>
+              <a:schemeClr val="accent1"/>
+            </a:solidFill>
+          </a:ln>
+        </p:spPr>
+        <p:style>
+          <a:lnRef idx="2">
+            <a:schemeClr val="accent1">
+              <a:shade val="50000"/>
+            </a:schemeClr>
+          </a:lnRef>
+          <a:fillRef idx="1">
+            <a:schemeClr val="accent1"/>
+          </a:fillRef>
+          <a:effectRef idx="0">
+            <a:schemeClr val="accent1"/>
+          </a:effectRef>
+          <a:fontRef idx="minor">
+            <a:schemeClr val="lt1"/>
+          </a:fontRef>
+        </p:style>
+        <p:txBody>
+          <a:bodyPr rtlCol="0" anchor="ctr"/>
+          <a:lstStyle/>
+          <a:p>
+            <a:pPr algn="ctr"/>
+            <a:endParaRPr lang="en-US"/>
+          </a:p>
+        </p:txBody>
+      </p:sp>
+      <p:sp>
+        <p:nvSpPr>
+          <p:cNvPr id="38" name="TextBox 37">
+            <a:extLst>
+              <a:ext uri="{FF2B5EF4-FFF2-40B4-BE49-F238E27FC236}">
+                <a16:creationId xmlns:a16="http://schemas.microsoft.com/office/drawing/2014/main" id="{C36FE139-8322-2440-BE41-95F4E5551C6B}"/>
+              </a:ext>
+            </a:extLst>
+          </p:cNvPr>
+          <p:cNvSpPr txBox="1"/>
+          <p:nvPr/>
+        </p:nvSpPr>
+        <p:spPr>
+          <a:xfrm>
+            <a:off x="1938557" y="2111510"/>
+            <a:ext cx="955454" cy="369332"/>
+          </a:xfrm>
+          <a:prstGeom prst="rect">
+            <a:avLst/>
+          </a:prstGeom>
+          <a:solidFill>
+            <a:schemeClr val="bg1"/>
+          </a:solidFill>
+        </p:spPr>
+        <p:txBody>
+          <a:bodyPr wrap="none" rtlCol="0">
+            <a:spAutoFit/>
+          </a:bodyPr>
+          <a:lstStyle/>
+          <a:p>
+            <a:r>
+              <a:rPr lang="en-US" dirty="0"/>
+              <a:t>Browser</a:t>
+            </a:r>
+          </a:p>
+        </p:txBody>
+      </p:sp>
+      <p:sp>
+        <p:nvSpPr>
+          <p:cNvPr id="39" name="Rounded Rectangle 38">
+            <a:extLst>
+              <a:ext uri="{FF2B5EF4-FFF2-40B4-BE49-F238E27FC236}">
+                <a16:creationId xmlns:a16="http://schemas.microsoft.com/office/drawing/2014/main" id="{030CF7EB-9613-8B47-8D90-720CDD6AEB3A}"/>
+              </a:ext>
+            </a:extLst>
+          </p:cNvPr>
+          <p:cNvSpPr/>
+          <p:nvPr/>
+        </p:nvSpPr>
+        <p:spPr>
+          <a:xfrm>
+            <a:off x="3179362" y="2519346"/>
+            <a:ext cx="1597688" cy="1007347"/>
+          </a:xfrm>
+          <a:prstGeom prst="roundRect">
+            <a:avLst/>
+          </a:prstGeom>
+        </p:spPr>
+        <p:style>
+          <a:lnRef idx="1">
+            <a:schemeClr val="accent6"/>
+          </a:lnRef>
+          <a:fillRef idx="2">
+            <a:schemeClr val="accent6"/>
+          </a:fillRef>
+          <a:effectRef idx="1">
+            <a:schemeClr val="accent6"/>
+          </a:effectRef>
+          <a:fontRef idx="minor">
+            <a:schemeClr val="dk1"/>
+          </a:fontRef>
+        </p:style>
+        <p:txBody>
+          <a:bodyPr rtlCol="0" anchor="ctr"/>
+          <a:lstStyle/>
+          <a:p>
+            <a:pPr algn="ctr"/>
+            <a:r>
+              <a:rPr lang="en-US" dirty="0">
+                <a:solidFill>
+                  <a:srgbClr val="FF0000"/>
+                </a:solidFill>
+              </a:rPr>
+              <a:t>AES Encryption</a:t>
+            </a:r>
+            <a:br>
+              <a:rPr lang="en-US" dirty="0">
+                <a:solidFill>
+                  <a:srgbClr val="FF0000"/>
+                </a:solidFill>
+              </a:rPr>
+            </a:br>
+            <a:r>
+              <a:rPr lang="en-US" dirty="0">
+                <a:solidFill>
+                  <a:srgbClr val="FF0000"/>
+                </a:solidFill>
+              </a:rPr>
+              <a:t>/Decryption</a:t>
+            </a:r>
+          </a:p>
+        </p:txBody>
+      </p:sp>
+      <p:cxnSp>
+        <p:nvCxnSpPr>
+          <p:cNvPr id="41" name="Straight Arrow Connector 40">
+            <a:extLst>
+              <a:ext uri="{FF2B5EF4-FFF2-40B4-BE49-F238E27FC236}">
+                <a16:creationId xmlns:a16="http://schemas.microsoft.com/office/drawing/2014/main" id="{A9E79B95-0190-C248-AE49-ADD35E940BD3}"/>
+              </a:ext>
+            </a:extLst>
+          </p:cNvPr>
+          <p:cNvCxnSpPr>
+            <a:stCxn id="34" idx="3"/>
+            <a:endCxn id="39" idx="1"/>
+          </p:cNvCxnSpPr>
+          <p:nvPr/>
+        </p:nvCxnSpPr>
+        <p:spPr>
+          <a:xfrm>
+            <a:off x="2681028" y="3023020"/>
+            <a:ext cx="498334" cy="0"/>
+          </a:xfrm>
+          <a:prstGeom prst="straightConnector1">
+            <a:avLst/>
+          </a:prstGeom>
+          <a:ln w="38100">
+            <a:headEnd type="triangle" w="med" len="med"/>
+            <a:tailEnd type="triangle" w="med" len="med"/>
+          </a:ln>
+        </p:spPr>
+        <p:style>
+          <a:lnRef idx="1">
+            <a:schemeClr val="accent1"/>
+          </a:lnRef>
+          <a:fillRef idx="0">
+            <a:schemeClr val="accent1"/>
+          </a:fillRef>
+          <a:effectRef idx="0">
+            <a:schemeClr val="accent1"/>
+          </a:effectRef>
+          <a:fontRef idx="minor">
+            <a:schemeClr val="tx1"/>
+          </a:fontRef>
+        </p:style>
+      </p:cxnSp>
+      <p:cxnSp>
+        <p:nvCxnSpPr>
+          <p:cNvPr id="42" name="Straight Arrow Connector 41">
+            <a:extLst>
+              <a:ext uri="{FF2B5EF4-FFF2-40B4-BE49-F238E27FC236}">
+                <a16:creationId xmlns:a16="http://schemas.microsoft.com/office/drawing/2014/main" id="{F32FB1F1-5064-0A40-AD7F-591AA57659B6}"/>
+              </a:ext>
+            </a:extLst>
+          </p:cNvPr>
+          <p:cNvCxnSpPr>
+            <a:cxnSpLocks/>
+            <a:endCxn id="43" idx="1"/>
+          </p:cNvCxnSpPr>
+          <p:nvPr/>
+        </p:nvCxnSpPr>
+        <p:spPr>
+          <a:xfrm>
+            <a:off x="4777050" y="3023019"/>
+            <a:ext cx="568672" cy="0"/>
+          </a:xfrm>
+          <a:prstGeom prst="straightConnector1">
+            <a:avLst/>
+          </a:prstGeom>
+          <a:ln w="38100">
+            <a:headEnd type="triangle" w="med" len="med"/>
+            <a:tailEnd type="triangle" w="med" len="med"/>
+          </a:ln>
+        </p:spPr>
+        <p:style>
+          <a:lnRef idx="1">
+            <a:schemeClr val="accent1"/>
+          </a:lnRef>
+          <a:fillRef idx="0">
+            <a:schemeClr val="accent1"/>
+          </a:fillRef>
+          <a:effectRef idx="0">
+            <a:schemeClr val="accent1"/>
+          </a:effectRef>
+          <a:fontRef idx="minor">
+            <a:schemeClr val="tx1"/>
+          </a:fontRef>
+        </p:style>
+      </p:cxnSp>
+      <p:sp>
+        <p:nvSpPr>
+          <p:cNvPr id="43" name="Rounded Rectangle 42">
+            <a:extLst>
+              <a:ext uri="{FF2B5EF4-FFF2-40B4-BE49-F238E27FC236}">
+                <a16:creationId xmlns:a16="http://schemas.microsoft.com/office/drawing/2014/main" id="{04756220-7284-C441-A221-180D4C32D604}"/>
+              </a:ext>
+            </a:extLst>
+          </p:cNvPr>
+          <p:cNvSpPr/>
+          <p:nvPr/>
+        </p:nvSpPr>
+        <p:spPr>
+          <a:xfrm>
+            <a:off x="5345722" y="2565819"/>
+            <a:ext cx="1245996" cy="914400"/>
+          </a:xfrm>
+          <a:prstGeom prst="roundRect">
+            <a:avLst/>
+          </a:prstGeom>
+        </p:spPr>
+        <p:style>
+          <a:lnRef idx="2">
+            <a:schemeClr val="accent1">
+              <a:shade val="50000"/>
+            </a:schemeClr>
+          </a:lnRef>
+          <a:fillRef idx="1">
+            <a:schemeClr val="accent1"/>
+          </a:fillRef>
+          <a:effectRef idx="0">
+            <a:schemeClr val="accent1"/>
+          </a:effectRef>
+          <a:fontRef idx="minor">
+            <a:schemeClr val="lt1"/>
+          </a:fontRef>
+        </p:style>
+        <p:txBody>
+          <a:bodyPr rtlCol="0" anchor="ctr"/>
+          <a:lstStyle/>
+          <a:p>
+            <a:pPr algn="ctr"/>
+            <a:r>
+              <a:rPr lang="en-US" dirty="0"/>
+              <a:t>HTTP PUT/GET</a:t>
+            </a:r>
+          </a:p>
+        </p:txBody>
+      </p:sp>
+      <p:cxnSp>
+        <p:nvCxnSpPr>
+          <p:cNvPr id="45" name="Straight Arrow Connector 44">
+            <a:extLst>
+              <a:ext uri="{FF2B5EF4-FFF2-40B4-BE49-F238E27FC236}">
+                <a16:creationId xmlns:a16="http://schemas.microsoft.com/office/drawing/2014/main" id="{A66EADBC-BA26-B646-9648-5674CD7447B2}"/>
+              </a:ext>
+            </a:extLst>
+          </p:cNvPr>
+          <p:cNvCxnSpPr>
+            <a:cxnSpLocks/>
+            <a:stCxn id="43" idx="3"/>
+            <a:endCxn id="36" idx="1"/>
+          </p:cNvCxnSpPr>
+          <p:nvPr/>
+        </p:nvCxnSpPr>
+        <p:spPr>
+          <a:xfrm>
+            <a:off x="6591718" y="3023019"/>
+            <a:ext cx="1633250" cy="931646"/>
+          </a:xfrm>
+          <a:prstGeom prst="straightConnector1">
+            <a:avLst/>
+          </a:prstGeom>
+          <a:ln w="38100">
+            <a:headEnd type="triangle" w="med" len="med"/>
+            <a:tailEnd type="triangle" w="med" len="med"/>
+          </a:ln>
+        </p:spPr>
+        <p:style>
+          <a:lnRef idx="1">
+            <a:schemeClr val="accent1"/>
+          </a:lnRef>
+          <a:fillRef idx="0">
+            <a:schemeClr val="accent1"/>
+          </a:fillRef>
+          <a:effectRef idx="0">
+            <a:schemeClr val="accent1"/>
+          </a:effectRef>
+          <a:fontRef idx="minor">
+            <a:schemeClr val="tx1"/>
+          </a:fontRef>
+        </p:style>
+      </p:cxnSp>
+      <p:pic>
+        <p:nvPicPr>
+          <p:cNvPr id="49" name="Picture 48">
+            <a:extLst>
+              <a:ext uri="{FF2B5EF4-FFF2-40B4-BE49-F238E27FC236}">
+                <a16:creationId xmlns:a16="http://schemas.microsoft.com/office/drawing/2014/main" id="{343739C9-D3F0-E64F-85FC-C51CF74A4E09}"/>
+              </a:ext>
+            </a:extLst>
+          </p:cNvPr>
+          <p:cNvPicPr>
+            <a:picLocks noChangeAspect="1"/>
+          </p:cNvPicPr>
+          <p:nvPr/>
+        </p:nvPicPr>
+        <p:blipFill>
+          <a:blip r:embed="rId3"/>
+          <a:stretch>
+            <a:fillRect/>
+          </a:stretch>
+        </p:blipFill>
+        <p:spPr>
+          <a:xfrm>
+            <a:off x="1869068" y="4379480"/>
+            <a:ext cx="811960" cy="811960"/>
+          </a:xfrm>
+          <a:prstGeom prst="rect">
+            <a:avLst/>
+          </a:prstGeom>
+        </p:spPr>
+      </p:pic>
+      <p:sp>
+        <p:nvSpPr>
+          <p:cNvPr id="50" name="Rounded Rectangle 49">
+            <a:extLst>
+              <a:ext uri="{FF2B5EF4-FFF2-40B4-BE49-F238E27FC236}">
+                <a16:creationId xmlns:a16="http://schemas.microsoft.com/office/drawing/2014/main" id="{F0876F74-3EB6-DE4E-9784-B3A80AD6B522}"/>
+              </a:ext>
+            </a:extLst>
+          </p:cNvPr>
+          <p:cNvSpPr/>
+          <p:nvPr/>
+        </p:nvSpPr>
+        <p:spPr>
+          <a:xfrm>
+            <a:off x="1797321" y="4102011"/>
+            <a:ext cx="5045606" cy="1418514"/>
+          </a:xfrm>
+          <a:prstGeom prst="roundRect">
+            <a:avLst/>
+          </a:prstGeom>
+          <a:noFill/>
+          <a:ln w="38100">
+            <a:solidFill>
+              <a:schemeClr val="accent1"/>
+            </a:solidFill>
+          </a:ln>
+        </p:spPr>
+        <p:style>
+          <a:lnRef idx="2">
+            <a:schemeClr val="accent1">
+              <a:shade val="50000"/>
+            </a:schemeClr>
+          </a:lnRef>
+          <a:fillRef idx="1">
+            <a:schemeClr val="accent1"/>
+          </a:fillRef>
+          <a:effectRef idx="0">
+            <a:schemeClr val="accent1"/>
+          </a:effectRef>
+          <a:fontRef idx="minor">
+            <a:schemeClr val="lt1"/>
+          </a:fontRef>
+        </p:style>
+        <p:txBody>
+          <a:bodyPr rtlCol="0" anchor="ctr"/>
+          <a:lstStyle/>
+          <a:p>
+            <a:pPr algn="ctr"/>
+            <a:endParaRPr lang="en-US"/>
+          </a:p>
+        </p:txBody>
+      </p:sp>
+      <p:sp>
+        <p:nvSpPr>
+          <p:cNvPr id="51" name="TextBox 50">
+            <a:extLst>
+              <a:ext uri="{FF2B5EF4-FFF2-40B4-BE49-F238E27FC236}">
+                <a16:creationId xmlns:a16="http://schemas.microsoft.com/office/drawing/2014/main" id="{06E4F78A-1163-764B-B153-950D801F421C}"/>
+              </a:ext>
+            </a:extLst>
+          </p:cNvPr>
+          <p:cNvSpPr txBox="1"/>
+          <p:nvPr/>
+        </p:nvSpPr>
+        <p:spPr>
+          <a:xfrm>
+            <a:off x="1938557" y="3873950"/>
+            <a:ext cx="894797" cy="369332"/>
+          </a:xfrm>
+          <a:prstGeom prst="rect">
+            <a:avLst/>
+          </a:prstGeom>
+          <a:solidFill>
+            <a:schemeClr val="bg1"/>
+          </a:solidFill>
+        </p:spPr>
+        <p:txBody>
+          <a:bodyPr wrap="none" rtlCol="0">
+            <a:spAutoFit/>
+          </a:bodyPr>
+          <a:lstStyle/>
+          <a:p>
+            <a:r>
+              <a:rPr lang="en-US" dirty="0"/>
+              <a:t>Node.js</a:t>
+            </a:r>
+          </a:p>
+        </p:txBody>
+      </p:sp>
+      <p:sp>
+        <p:nvSpPr>
+          <p:cNvPr id="52" name="Rounded Rectangle 51">
+            <a:extLst>
+              <a:ext uri="{FF2B5EF4-FFF2-40B4-BE49-F238E27FC236}">
+                <a16:creationId xmlns:a16="http://schemas.microsoft.com/office/drawing/2014/main" id="{F80C57BC-C346-2B4E-9E61-245F8C6C9B19}"/>
+              </a:ext>
+            </a:extLst>
+          </p:cNvPr>
+          <p:cNvSpPr/>
+          <p:nvPr/>
+        </p:nvSpPr>
+        <p:spPr>
+          <a:xfrm>
+            <a:off x="3179362" y="4281786"/>
+            <a:ext cx="1597688" cy="1007347"/>
+          </a:xfrm>
+          <a:prstGeom prst="roundRect">
+            <a:avLst/>
+          </a:prstGeom>
+        </p:spPr>
+        <p:style>
+          <a:lnRef idx="1">
+            <a:schemeClr val="accent6"/>
+          </a:lnRef>
+          <a:fillRef idx="2">
+            <a:schemeClr val="accent6"/>
+          </a:fillRef>
+          <a:effectRef idx="1">
+            <a:schemeClr val="accent6"/>
+          </a:effectRef>
+          <a:fontRef idx="minor">
+            <a:schemeClr val="dk1"/>
+          </a:fontRef>
+        </p:style>
+        <p:txBody>
+          <a:bodyPr rtlCol="0" anchor="ctr"/>
+          <a:lstStyle/>
+          <a:p>
+            <a:pPr algn="ctr"/>
+            <a:r>
+              <a:rPr lang="en-US" dirty="0">
+                <a:solidFill>
+                  <a:srgbClr val="FF0000"/>
+                </a:solidFill>
+              </a:rPr>
+              <a:t>AES Encryption</a:t>
+            </a:r>
+            <a:br>
+              <a:rPr lang="en-US" dirty="0">
+                <a:solidFill>
+                  <a:srgbClr val="FF0000"/>
+                </a:solidFill>
+              </a:rPr>
+            </a:br>
+            <a:r>
+              <a:rPr lang="en-US" dirty="0">
+                <a:solidFill>
+                  <a:srgbClr val="FF0000"/>
+                </a:solidFill>
+              </a:rPr>
+              <a:t>/Decryption</a:t>
+            </a:r>
+          </a:p>
+        </p:txBody>
+      </p:sp>
+      <p:cxnSp>
+        <p:nvCxnSpPr>
+          <p:cNvPr id="53" name="Straight Arrow Connector 52">
+            <a:extLst>
+              <a:ext uri="{FF2B5EF4-FFF2-40B4-BE49-F238E27FC236}">
+                <a16:creationId xmlns:a16="http://schemas.microsoft.com/office/drawing/2014/main" id="{F443150F-93D0-B74A-880E-601CE59C9F2A}"/>
+              </a:ext>
+            </a:extLst>
+          </p:cNvPr>
+          <p:cNvCxnSpPr>
+            <a:stCxn id="49" idx="3"/>
+            <a:endCxn id="52" idx="1"/>
+          </p:cNvCxnSpPr>
+          <p:nvPr/>
+        </p:nvCxnSpPr>
+        <p:spPr>
+          <a:xfrm>
+            <a:off x="2681028" y="4785460"/>
+            <a:ext cx="498334" cy="0"/>
+          </a:xfrm>
+          <a:prstGeom prst="straightConnector1">
+            <a:avLst/>
+          </a:prstGeom>
+          <a:ln w="38100">
+            <a:headEnd type="triangle" w="med" len="med"/>
+            <a:tailEnd type="triangle" w="med" len="med"/>
+          </a:ln>
+        </p:spPr>
+        <p:style>
+          <a:lnRef idx="1">
+            <a:schemeClr val="accent1"/>
+          </a:lnRef>
+          <a:fillRef idx="0">
+            <a:schemeClr val="accent1"/>
+          </a:fillRef>
+          <a:effectRef idx="0">
+            <a:schemeClr val="accent1"/>
+          </a:effectRef>
+          <a:fontRef idx="minor">
+            <a:schemeClr val="tx1"/>
+          </a:fontRef>
+        </p:style>
+      </p:cxnSp>
+      <p:cxnSp>
+        <p:nvCxnSpPr>
+          <p:cNvPr id="54" name="Straight Arrow Connector 53">
+            <a:extLst>
+              <a:ext uri="{FF2B5EF4-FFF2-40B4-BE49-F238E27FC236}">
+                <a16:creationId xmlns:a16="http://schemas.microsoft.com/office/drawing/2014/main" id="{3DF130E7-A91C-D14C-AE7B-00E257D2975E}"/>
+              </a:ext>
+            </a:extLst>
+          </p:cNvPr>
+          <p:cNvCxnSpPr>
+            <a:cxnSpLocks/>
+            <a:endCxn id="55" idx="1"/>
+          </p:cNvCxnSpPr>
+          <p:nvPr/>
+        </p:nvCxnSpPr>
+        <p:spPr>
+          <a:xfrm>
+            <a:off x="4777050" y="4785459"/>
+            <a:ext cx="568672" cy="0"/>
+          </a:xfrm>
+          <a:prstGeom prst="straightConnector1">
+            <a:avLst/>
+          </a:prstGeom>
+          <a:ln w="38100">
+            <a:headEnd type="triangle" w="med" len="med"/>
+            <a:tailEnd type="triangle" w="med" len="med"/>
+          </a:ln>
+        </p:spPr>
+        <p:style>
+          <a:lnRef idx="1">
+            <a:schemeClr val="accent1"/>
+          </a:lnRef>
+          <a:fillRef idx="0">
+            <a:schemeClr val="accent1"/>
+          </a:fillRef>
+          <a:effectRef idx="0">
+            <a:schemeClr val="accent1"/>
+          </a:effectRef>
+          <a:fontRef idx="minor">
+            <a:schemeClr val="tx1"/>
+          </a:fontRef>
+        </p:style>
+      </p:cxnSp>
+      <p:sp>
+        <p:nvSpPr>
+          <p:cNvPr id="55" name="Rounded Rectangle 54">
+            <a:extLst>
+              <a:ext uri="{FF2B5EF4-FFF2-40B4-BE49-F238E27FC236}">
+                <a16:creationId xmlns:a16="http://schemas.microsoft.com/office/drawing/2014/main" id="{2C3E7BFC-B9FD-DF48-9A5C-BA9FC3A903B1}"/>
+              </a:ext>
+            </a:extLst>
+          </p:cNvPr>
+          <p:cNvSpPr/>
+          <p:nvPr/>
+        </p:nvSpPr>
+        <p:spPr>
+          <a:xfrm>
+            <a:off x="5345722" y="4328259"/>
+            <a:ext cx="1245996" cy="914400"/>
+          </a:xfrm>
+          <a:prstGeom prst="roundRect">
+            <a:avLst/>
+          </a:prstGeom>
+        </p:spPr>
+        <p:style>
+          <a:lnRef idx="2">
+            <a:schemeClr val="accent1">
+              <a:shade val="50000"/>
+            </a:schemeClr>
+          </a:lnRef>
+          <a:fillRef idx="1">
+            <a:schemeClr val="accent1"/>
+          </a:fillRef>
+          <a:effectRef idx="0">
+            <a:schemeClr val="accent1"/>
+          </a:effectRef>
+          <a:fontRef idx="minor">
+            <a:schemeClr val="lt1"/>
+          </a:fontRef>
+        </p:style>
+        <p:txBody>
+          <a:bodyPr rtlCol="0" anchor="ctr"/>
+          <a:lstStyle/>
+          <a:p>
+            <a:pPr algn="ctr"/>
+            <a:r>
+              <a:rPr lang="en-US" dirty="0"/>
+              <a:t>HTTP PUT/GET</a:t>
+            </a:r>
+          </a:p>
+        </p:txBody>
+      </p:sp>
+      <p:cxnSp>
+        <p:nvCxnSpPr>
+          <p:cNvPr id="56" name="Straight Arrow Connector 55">
+            <a:extLst>
+              <a:ext uri="{FF2B5EF4-FFF2-40B4-BE49-F238E27FC236}">
+                <a16:creationId xmlns:a16="http://schemas.microsoft.com/office/drawing/2014/main" id="{9451A0E1-EEDC-EE41-9C20-3F08B94231C1}"/>
+              </a:ext>
+            </a:extLst>
+          </p:cNvPr>
+          <p:cNvCxnSpPr>
+            <a:cxnSpLocks/>
+            <a:stCxn id="55" idx="3"/>
+            <a:endCxn id="36" idx="1"/>
+          </p:cNvCxnSpPr>
+          <p:nvPr/>
+        </p:nvCxnSpPr>
+        <p:spPr>
+          <a:xfrm flipV="1">
+            <a:off x="6591718" y="3954665"/>
+            <a:ext cx="1633250" cy="830794"/>
+          </a:xfrm>
+          <a:prstGeom prst="straightConnector1">
+            <a:avLst/>
+          </a:prstGeom>
+          <a:ln w="38100">
+            <a:headEnd type="triangle" w="med" len="med"/>
+            <a:tailEnd type="triangle" w="med" len="med"/>
+          </a:ln>
+        </p:spPr>
+        <p:style>
+          <a:lnRef idx="1">
+            <a:schemeClr val="accent1"/>
+          </a:lnRef>
+          <a:fillRef idx="0">
+            <a:schemeClr val="accent1"/>
+          </a:fillRef>
+          <a:effectRef idx="0">
+            <a:schemeClr val="accent1"/>
+          </a:effectRef>
+          <a:fontRef idx="minor">
+            <a:schemeClr val="tx1"/>
+          </a:fontRef>
+        </p:style>
+      </p:cxnSp>
+      <p:pic>
+        <p:nvPicPr>
+          <p:cNvPr id="61" name="Picture 60">
+            <a:extLst>
+              <a:ext uri="{FF2B5EF4-FFF2-40B4-BE49-F238E27FC236}">
+                <a16:creationId xmlns:a16="http://schemas.microsoft.com/office/drawing/2014/main" id="{2E57251A-E750-AD47-A23F-A94EA7189784}"/>
+              </a:ext>
+            </a:extLst>
+          </p:cNvPr>
+          <p:cNvPicPr>
+            <a:picLocks noChangeAspect="1"/>
+          </p:cNvPicPr>
+          <p:nvPr/>
+        </p:nvPicPr>
+        <p:blipFill>
+          <a:blip r:embed="rId4"/>
+          <a:stretch>
+            <a:fillRect/>
+          </a:stretch>
+        </p:blipFill>
+        <p:spPr>
+          <a:xfrm>
+            <a:off x="10039636" y="3231460"/>
+            <a:ext cx="814759" cy="866165"/>
+          </a:xfrm>
+          <a:prstGeom prst="rect">
+            <a:avLst/>
+          </a:prstGeom>
+        </p:spPr>
+      </p:pic>
+      <p:sp>
+        <p:nvSpPr>
+          <p:cNvPr id="62" name="Left Brace 61">
+            <a:extLst>
+              <a:ext uri="{FF2B5EF4-FFF2-40B4-BE49-F238E27FC236}">
+                <a16:creationId xmlns:a16="http://schemas.microsoft.com/office/drawing/2014/main" id="{7916F562-C63D-B547-8F16-D1C6A47CC798}"/>
+              </a:ext>
+            </a:extLst>
+          </p:cNvPr>
+          <p:cNvSpPr/>
+          <p:nvPr/>
+        </p:nvSpPr>
+        <p:spPr>
+          <a:xfrm>
+            <a:off x="9677734" y="3123871"/>
+            <a:ext cx="323442" cy="1661588"/>
+          </a:xfrm>
+          <a:prstGeom prst="leftBrace">
+            <a:avLst>
+              <a:gd name="adj1" fmla="val 54933"/>
+              <a:gd name="adj2" fmla="val 50000"/>
+            </a:avLst>
+          </a:prstGeom>
+        </p:spPr>
+        <p:style>
+          <a:lnRef idx="1">
+            <a:schemeClr val="accent1"/>
+          </a:lnRef>
+          <a:fillRef idx="0">
+            <a:schemeClr val="accent1"/>
+          </a:fillRef>
+          <a:effectRef idx="0">
+            <a:schemeClr val="accent1"/>
+          </a:effectRef>
+          <a:fontRef idx="minor">
+            <a:schemeClr val="tx1"/>
+          </a:fontRef>
+        </p:style>
+        <p:txBody>
+          <a:bodyPr rtlCol="0" anchor="ctr"/>
+          <a:lstStyle/>
+          <a:p>
+            <a:pPr algn="ctr"/>
+            <a:endParaRPr lang="en-US"/>
+          </a:p>
+        </p:txBody>
+      </p:sp>
+      <p:sp>
+        <p:nvSpPr>
+          <p:cNvPr id="63" name="TextBox 62">
+            <a:extLst>
+              <a:ext uri="{FF2B5EF4-FFF2-40B4-BE49-F238E27FC236}">
+                <a16:creationId xmlns:a16="http://schemas.microsoft.com/office/drawing/2014/main" id="{7756A6A9-669C-7741-B072-931DC173CC94}"/>
+              </a:ext>
+            </a:extLst>
+          </p:cNvPr>
+          <p:cNvSpPr txBox="1"/>
+          <p:nvPr/>
+        </p:nvSpPr>
+        <p:spPr>
+          <a:xfrm>
+            <a:off x="9914995" y="4035024"/>
+            <a:ext cx="1663212" cy="369332"/>
+          </a:xfrm>
+          <a:prstGeom prst="rect">
+            <a:avLst/>
+          </a:prstGeom>
+          <a:noFill/>
+        </p:spPr>
+        <p:txBody>
+          <a:bodyPr wrap="none" rtlCol="0">
+            <a:spAutoFit/>
+          </a:bodyPr>
+          <a:lstStyle/>
+          <a:p>
+            <a:r>
+              <a:rPr lang="en-US" dirty="0"/>
+              <a:t>Registered Data</a:t>
+            </a:r>
+          </a:p>
+        </p:txBody>
+      </p:sp>
+      <p:sp>
+        <p:nvSpPr>
+          <p:cNvPr id="64" name="Rounded Rectangular Callout 63">
+            <a:extLst>
+              <a:ext uri="{FF2B5EF4-FFF2-40B4-BE49-F238E27FC236}">
+                <a16:creationId xmlns:a16="http://schemas.microsoft.com/office/drawing/2014/main" id="{047DD333-8FCD-EF49-9615-4F915733B52D}"/>
+              </a:ext>
+            </a:extLst>
+          </p:cNvPr>
+          <p:cNvSpPr/>
+          <p:nvPr/>
+        </p:nvSpPr>
+        <p:spPr>
+          <a:xfrm>
+            <a:off x="7278361" y="2235006"/>
+            <a:ext cx="3576034" cy="689723"/>
+          </a:xfrm>
+          <a:prstGeom prst="wedgeRoundRectCallout">
+            <a:avLst>
+              <a:gd name="adj1" fmla="val 35523"/>
+              <a:gd name="adj2" fmla="val 85091"/>
+              <a:gd name="adj3" fmla="val 16667"/>
+            </a:avLst>
+          </a:prstGeom>
+          <a:solidFill>
+            <a:schemeClr val="bg1"/>
+          </a:solidFill>
+        </p:spPr>
+        <p:style>
+          <a:lnRef idx="2">
+            <a:schemeClr val="accent1">
+              <a:shade val="50000"/>
+            </a:schemeClr>
+          </a:lnRef>
+          <a:fillRef idx="1">
+            <a:schemeClr val="accent1"/>
+          </a:fillRef>
+          <a:effectRef idx="0">
+            <a:schemeClr val="accent1"/>
+          </a:effectRef>
+          <a:fontRef idx="minor">
+            <a:schemeClr val="lt1"/>
+          </a:fontRef>
+        </p:style>
+        <p:txBody>
+          <a:bodyPr rtlCol="0" anchor="ctr"/>
+          <a:lstStyle/>
+          <a:p>
+            <a:r>
+              <a:rPr lang="en-US" dirty="0">
+                <a:solidFill>
+                  <a:srgbClr val="FF0000"/>
+                </a:solidFill>
+              </a:rPr>
+              <a:t>We shall check if the original data is not disclosed at the server.</a:t>
+            </a:r>
+          </a:p>
+        </p:txBody>
+      </p:sp>
+    </p:spTree>
+    <p:extLst>
+      <p:ext uri="{BB962C8B-B14F-4D97-AF65-F5344CB8AC3E}">
+        <p14:creationId xmlns:p14="http://schemas.microsoft.com/office/powerpoint/2010/main" val="2786249625"/>
+      </p:ext>
+    </p:extLst>
+  </p:cSld>
+  <p:clrMapOvr>
+    <a:masterClrMapping/>
+  </p:clrMapOvr>
+</p:sld>
+</file>
+
 <file path=ppt/theme/theme1.xml><?xml version="1.0" encoding="utf-8"?>
 <a:theme xmlns:a="http://schemas.openxmlformats.org/drawingml/2006/main" name="Office Theme">
   <a:themeElements>

--- a/slides/Figs/images.pptx
+++ b/slides/Figs/images.pptx
@@ -5,18 +5,21 @@
     <p:sldMasterId id="2147483648" r:id="rId1"/>
   </p:sldMasterIdLst>
   <p:notesMasterIdLst>
-    <p:notesMasterId r:id="rId11"/>
+    <p:notesMasterId r:id="rId14"/>
   </p:notesMasterIdLst>
   <p:sldIdLst>
-    <p:sldId id="256" r:id="rId2"/>
-    <p:sldId id="257" r:id="rId3"/>
-    <p:sldId id="258" r:id="rId4"/>
-    <p:sldId id="259" r:id="rId5"/>
-    <p:sldId id="260" r:id="rId6"/>
-    <p:sldId id="261" r:id="rId7"/>
-    <p:sldId id="262" r:id="rId8"/>
-    <p:sldId id="263" r:id="rId9"/>
-    <p:sldId id="264" r:id="rId10"/>
+    <p:sldId id="257" r:id="rId2"/>
+    <p:sldId id="258" r:id="rId3"/>
+    <p:sldId id="259" r:id="rId4"/>
+    <p:sldId id="260" r:id="rId5"/>
+    <p:sldId id="261" r:id="rId6"/>
+    <p:sldId id="262" r:id="rId7"/>
+    <p:sldId id="263" r:id="rId8"/>
+    <p:sldId id="264" r:id="rId9"/>
+    <p:sldId id="256" r:id="rId10"/>
+    <p:sldId id="265" r:id="rId11"/>
+    <p:sldId id="266" r:id="rId12"/>
+    <p:sldId id="267" r:id="rId13"/>
   </p:sldIdLst>
   <p:sldSz cx="12192000" cy="6858000"/>
   <p:notesSz cx="6858000" cy="9144000"/>
@@ -205,7 +208,7 @@
           <a:p>
             <a:fld id="{7CEEDDC0-DF20-AC46-B752-4D05A37D4059}" type="datetimeFigureOut">
               <a:rPr lang="en-US" smtClean="0"/>
-              <a:t>8/2/19</a:t>
+              <a:t>8/14/19</a:t>
             </a:fld>
             <a:endParaRPr lang="en-US"/>
           </a:p>
@@ -537,7 +540,7 @@
           <a:p>
             <a:fld id="{65EEC5EA-871C-8443-843A-02E75F9C7A0B}" type="slidenum">
               <a:rPr lang="en-US" smtClean="0"/>
-              <a:t>6</a:t>
+              <a:t>5</a:t>
             </a:fld>
             <a:endParaRPr lang="en-US"/>
           </a:p>
@@ -621,7 +624,7 @@
           <a:p>
             <a:fld id="{65EEC5EA-871C-8443-843A-02E75F9C7A0B}" type="slidenum">
               <a:rPr lang="en-US" smtClean="0"/>
-              <a:t>9</a:t>
+              <a:t>8</a:t>
             </a:fld>
             <a:endParaRPr lang="en-US"/>
           </a:p>
@@ -787,7 +790,7 @@
           <a:p>
             <a:fld id="{ABB50B84-C221-BA49-B172-B6D4747B1BA4}" type="datetimeFigureOut">
               <a:rPr lang="en-US" smtClean="0"/>
-              <a:t>8/2/19</a:t>
+              <a:t>8/14/19</a:t>
             </a:fld>
             <a:endParaRPr lang="en-US"/>
           </a:p>
@@ -985,7 +988,7 @@
           <a:p>
             <a:fld id="{ABB50B84-C221-BA49-B172-B6D4747B1BA4}" type="datetimeFigureOut">
               <a:rPr lang="en-US" smtClean="0"/>
-              <a:t>8/2/19</a:t>
+              <a:t>8/14/19</a:t>
             </a:fld>
             <a:endParaRPr lang="en-US"/>
           </a:p>
@@ -1193,7 +1196,7 @@
           <a:p>
             <a:fld id="{ABB50B84-C221-BA49-B172-B6D4747B1BA4}" type="datetimeFigureOut">
               <a:rPr lang="en-US" smtClean="0"/>
-              <a:t>8/2/19</a:t>
+              <a:t>8/14/19</a:t>
             </a:fld>
             <a:endParaRPr lang="en-US"/>
           </a:p>
@@ -1391,7 +1394,7 @@
           <a:p>
             <a:fld id="{ABB50B84-C221-BA49-B172-B6D4747B1BA4}" type="datetimeFigureOut">
               <a:rPr lang="en-US" smtClean="0"/>
-              <a:t>8/2/19</a:t>
+              <a:t>8/14/19</a:t>
             </a:fld>
             <a:endParaRPr lang="en-US"/>
           </a:p>
@@ -1666,7 +1669,7 @@
           <a:p>
             <a:fld id="{ABB50B84-C221-BA49-B172-B6D4747B1BA4}" type="datetimeFigureOut">
               <a:rPr lang="en-US" smtClean="0"/>
-              <a:t>8/2/19</a:t>
+              <a:t>8/14/19</a:t>
             </a:fld>
             <a:endParaRPr lang="en-US"/>
           </a:p>
@@ -1931,7 +1934,7 @@
           <a:p>
             <a:fld id="{ABB50B84-C221-BA49-B172-B6D4747B1BA4}" type="datetimeFigureOut">
               <a:rPr lang="en-US" smtClean="0"/>
-              <a:t>8/2/19</a:t>
+              <a:t>8/14/19</a:t>
             </a:fld>
             <a:endParaRPr lang="en-US"/>
           </a:p>
@@ -2343,7 +2346,7 @@
           <a:p>
             <a:fld id="{ABB50B84-C221-BA49-B172-B6D4747B1BA4}" type="datetimeFigureOut">
               <a:rPr lang="en-US" smtClean="0"/>
-              <a:t>8/2/19</a:t>
+              <a:t>8/14/19</a:t>
             </a:fld>
             <a:endParaRPr lang="en-US"/>
           </a:p>
@@ -2484,7 +2487,7 @@
           <a:p>
             <a:fld id="{ABB50B84-C221-BA49-B172-B6D4747B1BA4}" type="datetimeFigureOut">
               <a:rPr lang="en-US" smtClean="0"/>
-              <a:t>8/2/19</a:t>
+              <a:t>8/14/19</a:t>
             </a:fld>
             <a:endParaRPr lang="en-US"/>
           </a:p>
@@ -2597,7 +2600,7 @@
           <a:p>
             <a:fld id="{ABB50B84-C221-BA49-B172-B6D4747B1BA4}" type="datetimeFigureOut">
               <a:rPr lang="en-US" smtClean="0"/>
-              <a:t>8/2/19</a:t>
+              <a:t>8/14/19</a:t>
             </a:fld>
             <a:endParaRPr lang="en-US"/>
           </a:p>
@@ -2908,7 +2911,7 @@
           <a:p>
             <a:fld id="{ABB50B84-C221-BA49-B172-B6D4747B1BA4}" type="datetimeFigureOut">
               <a:rPr lang="en-US" smtClean="0"/>
-              <a:t>8/2/19</a:t>
+              <a:t>8/14/19</a:t>
             </a:fld>
             <a:endParaRPr lang="en-US"/>
           </a:p>
@@ -3196,7 +3199,7 @@
           <a:p>
             <a:fld id="{ABB50B84-C221-BA49-B172-B6D4747B1BA4}" type="datetimeFigureOut">
               <a:rPr lang="en-US" smtClean="0"/>
-              <a:t>8/2/19</a:t>
+              <a:t>8/14/19</a:t>
             </a:fld>
             <a:endParaRPr lang="en-US"/>
           </a:p>
@@ -3437,7 +3440,7 @@
           <a:p>
             <a:fld id="{ABB50B84-C221-BA49-B172-B6D4747B1BA4}" type="datetimeFigureOut">
               <a:rPr lang="en-US" smtClean="0"/>
-              <a:t>8/2/19</a:t>
+              <a:t>8/14/19</a:t>
             </a:fld>
             <a:endParaRPr lang="en-US"/>
           </a:p>
@@ -3856,58 +3859,2642 @@
       </p:grpSpPr>
       <p:sp>
         <p:nvSpPr>
-          <p:cNvPr id="2" name="Title 1">
-            <a:extLst>
-              <a:ext uri="{FF2B5EF4-FFF2-40B4-BE49-F238E27FC236}">
-                <a16:creationId xmlns:a16="http://schemas.microsoft.com/office/drawing/2014/main" id="{F0B6F230-0944-7B41-8854-AD1BB47275DC}"/>
-              </a:ext>
-            </a:extLst>
-          </p:cNvPr>
-          <p:cNvSpPr>
-            <a:spLocks noGrp="1"/>
-          </p:cNvSpPr>
-          <p:nvPr>
-            <p:ph type="ctrTitle"/>
-          </p:nvPr>
-        </p:nvSpPr>
-        <p:spPr/>
-        <p:txBody>
-          <a:bodyPr/>
-          <a:lstStyle/>
-          <a:p>
+          <p:cNvPr id="5" name="Rounded Rectangle 4">
+            <a:extLst>
+              <a:ext uri="{FF2B5EF4-FFF2-40B4-BE49-F238E27FC236}">
+                <a16:creationId xmlns:a16="http://schemas.microsoft.com/office/drawing/2014/main" id="{6E531449-230A-7148-A6E5-B91A61DBBAF9}"/>
+              </a:ext>
+            </a:extLst>
+          </p:cNvPr>
+          <p:cNvSpPr/>
+          <p:nvPr/>
+        </p:nvSpPr>
+        <p:spPr>
+          <a:xfrm>
+            <a:off x="5089132" y="342900"/>
+            <a:ext cx="4784333" cy="3440995"/>
+          </a:xfrm>
+          <a:prstGeom prst="roundRect">
+            <a:avLst/>
+          </a:prstGeom>
+          <a:noFill/>
+          <a:ln w="38100">
+            <a:solidFill>
+              <a:schemeClr val="accent1"/>
+            </a:solidFill>
+          </a:ln>
+        </p:spPr>
+        <p:style>
+          <a:lnRef idx="2">
+            <a:schemeClr val="accent1">
+              <a:shade val="50000"/>
+            </a:schemeClr>
+          </a:lnRef>
+          <a:fillRef idx="1">
+            <a:schemeClr val="accent1"/>
+          </a:fillRef>
+          <a:effectRef idx="0">
+            <a:schemeClr val="accent1"/>
+          </a:effectRef>
+          <a:fontRef idx="minor">
+            <a:schemeClr val="lt1"/>
+          </a:fontRef>
+        </p:style>
+        <p:txBody>
+          <a:bodyPr rtlCol="0" anchor="ctr"/>
+          <a:lstStyle/>
+          <a:p>
+            <a:pPr algn="ctr"/>
             <a:endParaRPr lang="en-US"/>
           </a:p>
         </p:txBody>
       </p:sp>
       <p:sp>
         <p:nvSpPr>
-          <p:cNvPr id="3" name="Subtitle 2">
-            <a:extLst>
-              <a:ext uri="{FF2B5EF4-FFF2-40B4-BE49-F238E27FC236}">
-                <a16:creationId xmlns:a16="http://schemas.microsoft.com/office/drawing/2014/main" id="{548700AB-A9E5-1943-8DFE-EB5F484A21A8}"/>
-              </a:ext>
-            </a:extLst>
-          </p:cNvPr>
-          <p:cNvSpPr>
-            <a:spLocks noGrp="1"/>
-          </p:cNvSpPr>
-          <p:nvPr>
-            <p:ph type="subTitle" idx="1"/>
-          </p:nvPr>
-        </p:nvSpPr>
-        <p:spPr/>
-        <p:txBody>
-          <a:bodyPr/>
-          <a:lstStyle/>
-          <a:p>
+          <p:cNvPr id="6" name="TextBox 5">
+            <a:extLst>
+              <a:ext uri="{FF2B5EF4-FFF2-40B4-BE49-F238E27FC236}">
+                <a16:creationId xmlns:a16="http://schemas.microsoft.com/office/drawing/2014/main" id="{4A08E93B-DF74-5341-BB01-46A4380C760F}"/>
+              </a:ext>
+            </a:extLst>
+          </p:cNvPr>
+          <p:cNvSpPr txBox="1"/>
+          <p:nvPr/>
+        </p:nvSpPr>
+        <p:spPr>
+          <a:xfrm>
+            <a:off x="6379943" y="6351508"/>
+            <a:ext cx="2674835" cy="369332"/>
+          </a:xfrm>
+          <a:prstGeom prst="rect">
+            <a:avLst/>
+          </a:prstGeom>
+          <a:noFill/>
+        </p:spPr>
+        <p:txBody>
+          <a:bodyPr wrap="none" rtlCol="0">
+            <a:spAutoFit/>
+          </a:bodyPr>
+          <a:lstStyle/>
+          <a:p>
+            <a:pPr algn="ctr"/>
+            <a:r>
+              <a:rPr lang="en-US" altLang="ja-JP" dirty="0"/>
+              <a:t>Cloud</a:t>
+            </a:r>
+            <a:r>
+              <a:rPr lang="ja-JP" altLang="en-US" dirty="0"/>
+              <a:t> </a:t>
+            </a:r>
+            <a:r>
+              <a:rPr lang="en-US" altLang="ja-JP" dirty="0"/>
+              <a:t>platform (e.g., AWS)</a:t>
+            </a:r>
+            <a:endParaRPr lang="en-US" dirty="0"/>
+          </a:p>
+        </p:txBody>
+      </p:sp>
+      <p:pic>
+        <p:nvPicPr>
+          <p:cNvPr id="14" name="Picture 13">
+            <a:extLst>
+              <a:ext uri="{FF2B5EF4-FFF2-40B4-BE49-F238E27FC236}">
+                <a16:creationId xmlns:a16="http://schemas.microsoft.com/office/drawing/2014/main" id="{4C9C6CFB-A5CA-2B47-8998-2F59B37E6832}"/>
+              </a:ext>
+            </a:extLst>
+          </p:cNvPr>
+          <p:cNvPicPr>
+            <a:picLocks noChangeAspect="1"/>
+          </p:cNvPicPr>
+          <p:nvPr/>
+        </p:nvPicPr>
+        <p:blipFill>
+          <a:blip r:embed="rId2">
+            <a:extLst>
+              <a:ext uri="{28A0092B-C50C-407E-A947-70E740481C1C}">
+                <a14:useLocalDpi xmlns:a14="http://schemas.microsoft.com/office/drawing/2010/main" val="0"/>
+              </a:ext>
+            </a:extLst>
+          </a:blip>
+          <a:stretch>
+            <a:fillRect/>
+          </a:stretch>
+        </p:blipFill>
+        <p:spPr>
+          <a:xfrm>
+            <a:off x="5517641" y="1778001"/>
+            <a:ext cx="521366" cy="625640"/>
+          </a:xfrm>
+          <a:prstGeom prst="rect">
+            <a:avLst/>
+          </a:prstGeom>
+        </p:spPr>
+      </p:pic>
+      <p:sp>
+        <p:nvSpPr>
+          <p:cNvPr id="15" name="TextBox 14">
+            <a:extLst>
+              <a:ext uri="{FF2B5EF4-FFF2-40B4-BE49-F238E27FC236}">
+                <a16:creationId xmlns:a16="http://schemas.microsoft.com/office/drawing/2014/main" id="{90737ECB-BA51-494D-B878-65C5981552AC}"/>
+              </a:ext>
+            </a:extLst>
+          </p:cNvPr>
+          <p:cNvSpPr txBox="1"/>
+          <p:nvPr/>
+        </p:nvSpPr>
+        <p:spPr>
+          <a:xfrm>
+            <a:off x="5330948" y="2448800"/>
+            <a:ext cx="894752" cy="155632"/>
+          </a:xfrm>
+          <a:prstGeom prst="rect">
+            <a:avLst/>
+          </a:prstGeom>
+          <a:noFill/>
+        </p:spPr>
+        <p:txBody>
+          <a:bodyPr wrap="square" lIns="0" tIns="0" rIns="0" bIns="0" rtlCol="0" anchor="t">
+            <a:noAutofit/>
+          </a:bodyPr>
+          <a:lstStyle/>
+          <a:p>
+            <a:pPr algn="ctr"/>
+            <a:r>
+              <a:rPr lang="en-US" sz="1000" b="1" dirty="0"/>
+              <a:t>Amazon API Gateway*</a:t>
+            </a:r>
+            <a:endParaRPr lang="en-US" b="1" dirty="0"/>
+          </a:p>
+        </p:txBody>
+      </p:sp>
+      <p:sp>
+        <p:nvSpPr>
+          <p:cNvPr id="16" name="TextBox 15">
+            <a:extLst>
+              <a:ext uri="{FF2B5EF4-FFF2-40B4-BE49-F238E27FC236}">
+                <a16:creationId xmlns:a16="http://schemas.microsoft.com/office/drawing/2014/main" id="{F445D0C1-83C0-B94A-8C46-368940D430C1}"/>
+              </a:ext>
+            </a:extLst>
+          </p:cNvPr>
+          <p:cNvSpPr txBox="1"/>
+          <p:nvPr/>
+        </p:nvSpPr>
+        <p:spPr>
+          <a:xfrm>
+            <a:off x="8632717" y="5140188"/>
+            <a:ext cx="768159" cy="338554"/>
+          </a:xfrm>
+          <a:prstGeom prst="rect">
+            <a:avLst/>
+          </a:prstGeom>
+          <a:noFill/>
+        </p:spPr>
+        <p:txBody>
+          <a:bodyPr wrap="none" rtlCol="0">
+            <a:spAutoFit/>
+          </a:bodyPr>
+          <a:lstStyle/>
+          <a:p>
+            <a:pPr algn="ctr"/>
+            <a:r>
+              <a:rPr lang="en-US" sz="800" b="1" dirty="0">
+                <a:latin typeface="Helvetica Neue"/>
+                <a:cs typeface="Helvetica Neue"/>
+              </a:rPr>
+              <a:t>Amazon S3 </a:t>
+            </a:r>
+            <a:br>
+              <a:rPr lang="en-US" sz="800" b="1" dirty="0">
+                <a:latin typeface="Helvetica Neue"/>
+                <a:cs typeface="Helvetica Neue"/>
+              </a:rPr>
+            </a:br>
+            <a:r>
+              <a:rPr lang="en-US" sz="800" b="1" dirty="0">
+                <a:latin typeface="Helvetica Neue"/>
+                <a:cs typeface="Helvetica Neue"/>
+              </a:rPr>
+              <a:t>bucket</a:t>
+            </a:r>
+          </a:p>
+        </p:txBody>
+      </p:sp>
+      <p:pic>
+        <p:nvPicPr>
+          <p:cNvPr id="17" name="Picture 16">
+            <a:extLst>
+              <a:ext uri="{FF2B5EF4-FFF2-40B4-BE49-F238E27FC236}">
+                <a16:creationId xmlns:a16="http://schemas.microsoft.com/office/drawing/2014/main" id="{7D17C7D3-6C5D-D541-AA07-AA3F2994110A}"/>
+              </a:ext>
+            </a:extLst>
+          </p:cNvPr>
+          <p:cNvPicPr>
+            <a:picLocks noChangeAspect="1"/>
+          </p:cNvPicPr>
+          <p:nvPr/>
+        </p:nvPicPr>
+        <p:blipFill>
+          <a:blip r:embed="rId3">
+            <a:extLst>
+              <a:ext uri="{28A0092B-C50C-407E-A947-70E740481C1C}">
+                <a14:useLocalDpi xmlns:a14="http://schemas.microsoft.com/office/drawing/2010/main" val="0"/>
+              </a:ext>
+            </a:extLst>
+          </a:blip>
+          <a:stretch>
+            <a:fillRect/>
+          </a:stretch>
+        </p:blipFill>
+        <p:spPr>
+          <a:xfrm>
+            <a:off x="8762350" y="4634972"/>
+            <a:ext cx="468336" cy="485681"/>
+          </a:xfrm>
+          <a:prstGeom prst="rect">
+            <a:avLst/>
+          </a:prstGeom>
+        </p:spPr>
+      </p:pic>
+      <p:sp>
+        <p:nvSpPr>
+          <p:cNvPr id="18" name="TextBox 17">
+            <a:extLst>
+              <a:ext uri="{FF2B5EF4-FFF2-40B4-BE49-F238E27FC236}">
+                <a16:creationId xmlns:a16="http://schemas.microsoft.com/office/drawing/2014/main" id="{1AF4C9ED-AE65-F947-B5DC-5DF6F5AF23EE}"/>
+              </a:ext>
+            </a:extLst>
+          </p:cNvPr>
+          <p:cNvSpPr txBox="1"/>
+          <p:nvPr/>
+        </p:nvSpPr>
+        <p:spPr>
+          <a:xfrm>
+            <a:off x="1326570" y="3260420"/>
+            <a:ext cx="822960" cy="320040"/>
+          </a:xfrm>
+          <a:prstGeom prst="rect">
+            <a:avLst/>
+          </a:prstGeom>
+          <a:noFill/>
+        </p:spPr>
+        <p:txBody>
+          <a:bodyPr wrap="none" lIns="0" tIns="0" rIns="0" bIns="0" rtlCol="0" anchor="t">
+            <a:noAutofit/>
+          </a:bodyPr>
+          <a:lstStyle/>
+          <a:p>
+            <a:pPr algn="ctr"/>
+            <a:r>
+              <a:rPr lang="en-US" sz="1100" dirty="0">
+                <a:latin typeface="Helvetica Neue"/>
+                <a:cs typeface="Helvetica Neue"/>
+              </a:rPr>
+              <a:t>JavaScript</a:t>
+            </a:r>
+          </a:p>
+        </p:txBody>
+      </p:sp>
+      <p:pic>
+        <p:nvPicPr>
+          <p:cNvPr id="19" name="Picture 18">
+            <a:extLst>
+              <a:ext uri="{FF2B5EF4-FFF2-40B4-BE49-F238E27FC236}">
+                <a16:creationId xmlns:a16="http://schemas.microsoft.com/office/drawing/2014/main" id="{2A2D865E-3AF3-3A4A-B33F-6D4703908574}"/>
+              </a:ext>
+            </a:extLst>
+          </p:cNvPr>
+          <p:cNvPicPr>
+            <a:picLocks noChangeAspect="1"/>
+          </p:cNvPicPr>
+          <p:nvPr/>
+        </p:nvPicPr>
+        <p:blipFill>
+          <a:blip r:embed="rId4">
+            <a:extLst>
+              <a:ext uri="{28A0092B-C50C-407E-A947-70E740481C1C}">
+                <a14:useLocalDpi xmlns:a14="http://schemas.microsoft.com/office/drawing/2010/main" val="0"/>
+              </a:ext>
+            </a:extLst>
+          </a:blip>
+          <a:stretch>
+            <a:fillRect/>
+          </a:stretch>
+        </p:blipFill>
+        <p:spPr>
+          <a:xfrm>
+            <a:off x="1408191" y="2500745"/>
+            <a:ext cx="659718" cy="759675"/>
+          </a:xfrm>
+          <a:prstGeom prst="rect">
+            <a:avLst/>
+          </a:prstGeom>
+        </p:spPr>
+      </p:pic>
+      <p:pic>
+        <p:nvPicPr>
+          <p:cNvPr id="20" name="Picture 19">
+            <a:extLst>
+              <a:ext uri="{FF2B5EF4-FFF2-40B4-BE49-F238E27FC236}">
+                <a16:creationId xmlns:a16="http://schemas.microsoft.com/office/drawing/2014/main" id="{EDD31DA4-F4CC-1647-AC75-104DA91972AB}"/>
+              </a:ext>
+            </a:extLst>
+          </p:cNvPr>
+          <p:cNvPicPr>
+            <a:picLocks noChangeAspect="1"/>
+          </p:cNvPicPr>
+          <p:nvPr/>
+        </p:nvPicPr>
+        <p:blipFill>
+          <a:blip r:embed="rId5">
+            <a:extLst>
+              <a:ext uri="{28A0092B-C50C-407E-A947-70E740481C1C}">
+                <a14:useLocalDpi xmlns:a14="http://schemas.microsoft.com/office/drawing/2010/main" val="0"/>
+              </a:ext>
+            </a:extLst>
+          </a:blip>
+          <a:stretch>
+            <a:fillRect/>
+          </a:stretch>
+        </p:blipFill>
+        <p:spPr>
+          <a:xfrm>
+            <a:off x="7083627" y="2403641"/>
+            <a:ext cx="544781" cy="653737"/>
+          </a:xfrm>
+          <a:prstGeom prst="rect">
+            <a:avLst/>
+          </a:prstGeom>
+        </p:spPr>
+      </p:pic>
+      <p:sp>
+        <p:nvSpPr>
+          <p:cNvPr id="21" name="TextBox 20">
+            <a:extLst>
+              <a:ext uri="{FF2B5EF4-FFF2-40B4-BE49-F238E27FC236}">
+                <a16:creationId xmlns:a16="http://schemas.microsoft.com/office/drawing/2014/main" id="{D39F4622-C3A9-8041-BE1F-C6EF103DBA55}"/>
+              </a:ext>
+            </a:extLst>
+          </p:cNvPr>
+          <p:cNvSpPr txBox="1"/>
+          <p:nvPr/>
+        </p:nvSpPr>
+        <p:spPr>
+          <a:xfrm>
+            <a:off x="6943514" y="3084565"/>
+            <a:ext cx="825006" cy="155632"/>
+          </a:xfrm>
+          <a:prstGeom prst="rect">
+            <a:avLst/>
+          </a:prstGeom>
+          <a:noFill/>
+        </p:spPr>
+        <p:txBody>
+          <a:bodyPr wrap="square" lIns="0" tIns="0" rIns="0" bIns="0" rtlCol="0" anchor="t">
+            <a:noAutofit/>
+          </a:bodyPr>
+          <a:lstStyle/>
+          <a:p>
+            <a:pPr algn="ctr"/>
+            <a:r>
+              <a:rPr lang="en-US" sz="1000" b="1" dirty="0"/>
+              <a:t>AWS</a:t>
+            </a:r>
+          </a:p>
+          <a:p>
+            <a:pPr algn="ctr"/>
+            <a:r>
+              <a:rPr lang="en-US" sz="1000" b="1" dirty="0"/>
+              <a:t>Lambda</a:t>
+            </a:r>
+          </a:p>
+        </p:txBody>
+      </p:sp>
+      <p:pic>
+        <p:nvPicPr>
+          <p:cNvPr id="22" name="Picture 21">
+            <a:extLst>
+              <a:ext uri="{FF2B5EF4-FFF2-40B4-BE49-F238E27FC236}">
+                <a16:creationId xmlns:a16="http://schemas.microsoft.com/office/drawing/2014/main" id="{D0BD14A0-199D-1D42-A7D9-8D431C87AC85}"/>
+              </a:ext>
+            </a:extLst>
+          </p:cNvPr>
+          <p:cNvPicPr>
+            <a:picLocks noChangeAspect="1"/>
+          </p:cNvPicPr>
+          <p:nvPr/>
+        </p:nvPicPr>
+        <p:blipFill>
+          <a:blip r:embed="rId5">
+            <a:extLst>
+              <a:ext uri="{28A0092B-C50C-407E-A947-70E740481C1C}">
+                <a14:useLocalDpi xmlns:a14="http://schemas.microsoft.com/office/drawing/2010/main" val="0"/>
+              </a:ext>
+            </a:extLst>
+          </a:blip>
+          <a:stretch>
+            <a:fillRect/>
+          </a:stretch>
+        </p:blipFill>
+        <p:spPr>
+          <a:xfrm>
+            <a:off x="7083627" y="1023969"/>
+            <a:ext cx="544781" cy="653737"/>
+          </a:xfrm>
+          <a:prstGeom prst="rect">
+            <a:avLst/>
+          </a:prstGeom>
+        </p:spPr>
+      </p:pic>
+      <p:sp>
+        <p:nvSpPr>
+          <p:cNvPr id="23" name="TextBox 22">
+            <a:extLst>
+              <a:ext uri="{FF2B5EF4-FFF2-40B4-BE49-F238E27FC236}">
+                <a16:creationId xmlns:a16="http://schemas.microsoft.com/office/drawing/2014/main" id="{861917E9-52C3-BF4F-A357-2753D2889030}"/>
+              </a:ext>
+            </a:extLst>
+          </p:cNvPr>
+          <p:cNvSpPr txBox="1"/>
+          <p:nvPr/>
+        </p:nvSpPr>
+        <p:spPr>
+          <a:xfrm>
+            <a:off x="6943514" y="1704893"/>
+            <a:ext cx="825006" cy="155632"/>
+          </a:xfrm>
+          <a:prstGeom prst="rect">
+            <a:avLst/>
+          </a:prstGeom>
+          <a:noFill/>
+        </p:spPr>
+        <p:txBody>
+          <a:bodyPr wrap="square" lIns="0" tIns="0" rIns="0" bIns="0" rtlCol="0" anchor="t">
+            <a:noAutofit/>
+          </a:bodyPr>
+          <a:lstStyle/>
+          <a:p>
+            <a:pPr algn="ctr"/>
+            <a:r>
+              <a:rPr lang="en-US" sz="1000" b="1" dirty="0"/>
+              <a:t>AWS</a:t>
+            </a:r>
+          </a:p>
+          <a:p>
+            <a:pPr algn="ctr"/>
+            <a:r>
+              <a:rPr lang="en-US" sz="1000" b="1" dirty="0"/>
+              <a:t>Lambda</a:t>
+            </a:r>
+          </a:p>
+        </p:txBody>
+      </p:sp>
+      <p:sp>
+        <p:nvSpPr>
+          <p:cNvPr id="24" name="Rounded Rectangle 23">
+            <a:extLst>
+              <a:ext uri="{FF2B5EF4-FFF2-40B4-BE49-F238E27FC236}">
+                <a16:creationId xmlns:a16="http://schemas.microsoft.com/office/drawing/2014/main" id="{531291F4-3B34-2C4A-AABD-C4A14AF0B0BD}"/>
+              </a:ext>
+            </a:extLst>
+          </p:cNvPr>
+          <p:cNvSpPr/>
+          <p:nvPr/>
+        </p:nvSpPr>
+        <p:spPr>
+          <a:xfrm>
+            <a:off x="5089133" y="4176438"/>
+            <a:ext cx="4784333" cy="2091230"/>
+          </a:xfrm>
+          <a:prstGeom prst="roundRect">
+            <a:avLst/>
+          </a:prstGeom>
+          <a:noFill/>
+          <a:ln w="38100">
+            <a:solidFill>
+              <a:srgbClr val="FFC000"/>
+            </a:solidFill>
+          </a:ln>
+        </p:spPr>
+        <p:style>
+          <a:lnRef idx="2">
+            <a:schemeClr val="accent1">
+              <a:shade val="50000"/>
+            </a:schemeClr>
+          </a:lnRef>
+          <a:fillRef idx="1">
+            <a:schemeClr val="accent1"/>
+          </a:fillRef>
+          <a:effectRef idx="0">
+            <a:schemeClr val="accent1"/>
+          </a:effectRef>
+          <a:fontRef idx="minor">
+            <a:schemeClr val="lt1"/>
+          </a:fontRef>
+        </p:style>
+        <p:txBody>
+          <a:bodyPr rtlCol="0" anchor="ctr"/>
+          <a:lstStyle/>
+          <a:p>
+            <a:pPr algn="ctr"/>
             <a:endParaRPr lang="en-US"/>
+          </a:p>
+        </p:txBody>
+      </p:sp>
+      <p:pic>
+        <p:nvPicPr>
+          <p:cNvPr id="25" name="Picture 24">
+            <a:extLst>
+              <a:ext uri="{FF2B5EF4-FFF2-40B4-BE49-F238E27FC236}">
+                <a16:creationId xmlns:a16="http://schemas.microsoft.com/office/drawing/2014/main" id="{6C3C4A50-D8A6-AD4A-A354-44625FE0AE95}"/>
+              </a:ext>
+            </a:extLst>
+          </p:cNvPr>
+          <p:cNvPicPr>
+            <a:picLocks noChangeAspect="1"/>
+          </p:cNvPicPr>
+          <p:nvPr/>
+        </p:nvPicPr>
+        <p:blipFill>
+          <a:blip r:embed="rId6">
+            <a:extLst>
+              <a:ext uri="{28A0092B-C50C-407E-A947-70E740481C1C}">
+                <a14:useLocalDpi xmlns:a14="http://schemas.microsoft.com/office/drawing/2010/main" val="0"/>
+              </a:ext>
+            </a:extLst>
+          </a:blip>
+          <a:stretch>
+            <a:fillRect/>
+          </a:stretch>
+        </p:blipFill>
+        <p:spPr>
+          <a:xfrm>
+            <a:off x="5626293" y="4566323"/>
+            <a:ext cx="544780" cy="653098"/>
+          </a:xfrm>
+          <a:prstGeom prst="rect">
+            <a:avLst/>
+          </a:prstGeom>
+        </p:spPr>
+      </p:pic>
+      <p:sp>
+        <p:nvSpPr>
+          <p:cNvPr id="26" name="TextBox 25">
+            <a:extLst>
+              <a:ext uri="{FF2B5EF4-FFF2-40B4-BE49-F238E27FC236}">
+                <a16:creationId xmlns:a16="http://schemas.microsoft.com/office/drawing/2014/main" id="{9F66391A-DB00-454C-8C1E-E2C37659FACA}"/>
+              </a:ext>
+            </a:extLst>
+          </p:cNvPr>
+          <p:cNvSpPr txBox="1"/>
+          <p:nvPr/>
+        </p:nvSpPr>
+        <p:spPr>
+          <a:xfrm>
+            <a:off x="5532923" y="5246255"/>
+            <a:ext cx="731520" cy="155632"/>
+          </a:xfrm>
+          <a:prstGeom prst="rect">
+            <a:avLst/>
+          </a:prstGeom>
+          <a:noFill/>
+        </p:spPr>
+        <p:txBody>
+          <a:bodyPr wrap="square" lIns="0" tIns="0" rIns="0" bIns="0" rtlCol="0" anchor="t">
+            <a:noAutofit/>
+          </a:bodyPr>
+          <a:lstStyle/>
+          <a:p>
+            <a:pPr algn="ctr"/>
+            <a:r>
+              <a:rPr lang="en-US" sz="1000" b="1" dirty="0"/>
+              <a:t>Amazon </a:t>
+            </a:r>
+            <a:r>
+              <a:rPr lang="en-US" sz="1000" b="1" dirty="0" err="1"/>
+              <a:t>CloudFront</a:t>
+            </a:r>
+            <a:endParaRPr lang="en-US" b="1" dirty="0"/>
+          </a:p>
+        </p:txBody>
+      </p:sp>
+      <p:pic>
+        <p:nvPicPr>
+          <p:cNvPr id="27" name="Picture 26">
+            <a:extLst>
+              <a:ext uri="{FF2B5EF4-FFF2-40B4-BE49-F238E27FC236}">
+                <a16:creationId xmlns:a16="http://schemas.microsoft.com/office/drawing/2014/main" id="{1EAD9C27-2362-DA43-96BA-B9A7DEFB7F2C}"/>
+              </a:ext>
+            </a:extLst>
+          </p:cNvPr>
+          <p:cNvPicPr>
+            <a:picLocks noChangeAspect="1"/>
+          </p:cNvPicPr>
+          <p:nvPr/>
+        </p:nvPicPr>
+        <p:blipFill>
+          <a:blip r:embed="rId7">
+            <a:extLst>
+              <a:ext uri="{28A0092B-C50C-407E-A947-70E740481C1C}">
+                <a14:useLocalDpi xmlns:a14="http://schemas.microsoft.com/office/drawing/2010/main" val="0"/>
+              </a:ext>
+            </a:extLst>
+          </a:blip>
+          <a:stretch>
+            <a:fillRect/>
+          </a:stretch>
+        </p:blipFill>
+        <p:spPr>
+          <a:xfrm>
+            <a:off x="8681766" y="1023969"/>
+            <a:ext cx="543466" cy="601994"/>
+          </a:xfrm>
+          <a:prstGeom prst="rect">
+            <a:avLst/>
+          </a:prstGeom>
+        </p:spPr>
+      </p:pic>
+      <p:sp>
+        <p:nvSpPr>
+          <p:cNvPr id="28" name="TextBox 27">
+            <a:extLst>
+              <a:ext uri="{FF2B5EF4-FFF2-40B4-BE49-F238E27FC236}">
+                <a16:creationId xmlns:a16="http://schemas.microsoft.com/office/drawing/2014/main" id="{248112C3-DC6B-3B4B-9DA8-3F113B57B059}"/>
+              </a:ext>
+            </a:extLst>
+          </p:cNvPr>
+          <p:cNvSpPr txBox="1"/>
+          <p:nvPr/>
+        </p:nvSpPr>
+        <p:spPr>
+          <a:xfrm>
+            <a:off x="8506124" y="1674372"/>
+            <a:ext cx="894752" cy="155632"/>
+          </a:xfrm>
+          <a:prstGeom prst="rect">
+            <a:avLst/>
+          </a:prstGeom>
+          <a:noFill/>
+        </p:spPr>
+        <p:txBody>
+          <a:bodyPr wrap="square" lIns="0" tIns="0" rIns="0" bIns="0" rtlCol="0" anchor="t">
+            <a:noAutofit/>
+          </a:bodyPr>
+          <a:lstStyle/>
+          <a:p>
+            <a:pPr algn="ctr"/>
+            <a:r>
+              <a:rPr lang="en-US" sz="1000" b="1" dirty="0"/>
+              <a:t>Amazon</a:t>
+            </a:r>
+            <a:br>
+              <a:rPr lang="en-US" sz="1000" b="1" dirty="0"/>
+            </a:br>
+            <a:r>
+              <a:rPr lang="en-US" sz="1000" b="1" dirty="0" err="1"/>
+              <a:t>DynamoDB</a:t>
+            </a:r>
+            <a:endParaRPr lang="en-US" b="1" dirty="0"/>
+          </a:p>
+        </p:txBody>
+      </p:sp>
+      <p:sp>
+        <p:nvSpPr>
+          <p:cNvPr id="29" name="TextBox 28">
+            <a:extLst>
+              <a:ext uri="{FF2B5EF4-FFF2-40B4-BE49-F238E27FC236}">
+                <a16:creationId xmlns:a16="http://schemas.microsoft.com/office/drawing/2014/main" id="{CA00FEFD-8243-0040-B3A2-F7D5AECB291C}"/>
+              </a:ext>
+            </a:extLst>
+          </p:cNvPr>
+          <p:cNvSpPr txBox="1"/>
+          <p:nvPr/>
+        </p:nvSpPr>
+        <p:spPr>
+          <a:xfrm>
+            <a:off x="8603917" y="3027749"/>
+            <a:ext cx="768159" cy="338554"/>
+          </a:xfrm>
+          <a:prstGeom prst="rect">
+            <a:avLst/>
+          </a:prstGeom>
+          <a:noFill/>
+        </p:spPr>
+        <p:txBody>
+          <a:bodyPr wrap="none" rtlCol="0">
+            <a:spAutoFit/>
+          </a:bodyPr>
+          <a:lstStyle/>
+          <a:p>
+            <a:pPr algn="ctr"/>
+            <a:r>
+              <a:rPr lang="en-US" sz="800" b="1" dirty="0">
+                <a:latin typeface="Helvetica Neue"/>
+                <a:cs typeface="Helvetica Neue"/>
+              </a:rPr>
+              <a:t>Amazon S3 </a:t>
+            </a:r>
+            <a:br>
+              <a:rPr lang="en-US" sz="800" b="1" dirty="0">
+                <a:latin typeface="Helvetica Neue"/>
+                <a:cs typeface="Helvetica Neue"/>
+              </a:rPr>
+            </a:br>
+            <a:r>
+              <a:rPr lang="en-US" sz="800" b="1" dirty="0">
+                <a:latin typeface="Helvetica Neue"/>
+                <a:cs typeface="Helvetica Neue"/>
+              </a:rPr>
+              <a:t>bucket</a:t>
+            </a:r>
+          </a:p>
+        </p:txBody>
+      </p:sp>
+      <p:pic>
+        <p:nvPicPr>
+          <p:cNvPr id="30" name="Picture 29">
+            <a:extLst>
+              <a:ext uri="{FF2B5EF4-FFF2-40B4-BE49-F238E27FC236}">
+                <a16:creationId xmlns:a16="http://schemas.microsoft.com/office/drawing/2014/main" id="{A2B5F8E6-C0CD-2841-83B2-287019773EED}"/>
+              </a:ext>
+            </a:extLst>
+          </p:cNvPr>
+          <p:cNvPicPr>
+            <a:picLocks noChangeAspect="1"/>
+          </p:cNvPicPr>
+          <p:nvPr/>
+        </p:nvPicPr>
+        <p:blipFill>
+          <a:blip r:embed="rId3">
+            <a:extLst>
+              <a:ext uri="{28A0092B-C50C-407E-A947-70E740481C1C}">
+                <a14:useLocalDpi xmlns:a14="http://schemas.microsoft.com/office/drawing/2010/main" val="0"/>
+              </a:ext>
+            </a:extLst>
+          </a:blip>
+          <a:stretch>
+            <a:fillRect/>
+          </a:stretch>
+        </p:blipFill>
+        <p:spPr>
+          <a:xfrm>
+            <a:off x="8733550" y="2522533"/>
+            <a:ext cx="468336" cy="485681"/>
+          </a:xfrm>
+          <a:prstGeom prst="rect">
+            <a:avLst/>
+          </a:prstGeom>
+        </p:spPr>
+      </p:pic>
+      <p:sp>
+        <p:nvSpPr>
+          <p:cNvPr id="34" name="TextBox 33">
+            <a:extLst>
+              <a:ext uri="{FF2B5EF4-FFF2-40B4-BE49-F238E27FC236}">
+                <a16:creationId xmlns:a16="http://schemas.microsoft.com/office/drawing/2014/main" id="{F4A3583D-6F24-F040-84EC-46AFBD477E43}"/>
+              </a:ext>
+            </a:extLst>
+          </p:cNvPr>
+          <p:cNvSpPr txBox="1"/>
+          <p:nvPr/>
+        </p:nvSpPr>
+        <p:spPr>
+          <a:xfrm>
+            <a:off x="5078059" y="3372035"/>
+            <a:ext cx="4784333" cy="369332"/>
+          </a:xfrm>
+          <a:prstGeom prst="rect">
+            <a:avLst/>
+          </a:prstGeom>
+          <a:noFill/>
+        </p:spPr>
+        <p:txBody>
+          <a:bodyPr wrap="square" rtlCol="0">
+            <a:spAutoFit/>
+          </a:bodyPr>
+          <a:lstStyle/>
+          <a:p>
+            <a:pPr algn="ctr"/>
+            <a:r>
+              <a:rPr lang="en-US" dirty="0"/>
+              <a:t>Computing &amp; Data resources</a:t>
+            </a:r>
+          </a:p>
+        </p:txBody>
+      </p:sp>
+      <p:sp>
+        <p:nvSpPr>
+          <p:cNvPr id="35" name="TextBox 34">
+            <a:extLst>
+              <a:ext uri="{FF2B5EF4-FFF2-40B4-BE49-F238E27FC236}">
+                <a16:creationId xmlns:a16="http://schemas.microsoft.com/office/drawing/2014/main" id="{0BBD4DDF-4571-C747-8394-0CEEA83D81DD}"/>
+              </a:ext>
+            </a:extLst>
+          </p:cNvPr>
+          <p:cNvSpPr txBox="1"/>
+          <p:nvPr/>
+        </p:nvSpPr>
+        <p:spPr>
+          <a:xfrm>
+            <a:off x="5089132" y="5608914"/>
+            <a:ext cx="4784333" cy="646331"/>
+          </a:xfrm>
+          <a:prstGeom prst="rect">
+            <a:avLst/>
+          </a:prstGeom>
+          <a:noFill/>
+        </p:spPr>
+        <p:txBody>
+          <a:bodyPr wrap="square" rtlCol="0">
+            <a:spAutoFit/>
+          </a:bodyPr>
+          <a:lstStyle/>
+          <a:p>
+            <a:pPr algn="ctr"/>
+            <a:r>
+              <a:rPr lang="en-US" dirty="0"/>
+              <a:t>Static webpage (html/</a:t>
+            </a:r>
+            <a:r>
+              <a:rPr lang="en-US" dirty="0" err="1"/>
+              <a:t>css</a:t>
+            </a:r>
+            <a:r>
+              <a:rPr lang="en-US" dirty="0"/>
+              <a:t>/</a:t>
+            </a:r>
+            <a:r>
+              <a:rPr lang="en-US" dirty="0" err="1"/>
+              <a:t>javascrip</a:t>
+            </a:r>
+            <a:r>
+              <a:rPr lang="en-US" dirty="0"/>
+              <a:t>)</a:t>
+            </a:r>
+          </a:p>
+          <a:p>
+            <a:pPr algn="ctr"/>
+            <a:r>
+              <a:rPr lang="en-US" dirty="0"/>
+              <a:t> as downloadable program</a:t>
+            </a:r>
+          </a:p>
+        </p:txBody>
+      </p:sp>
+      <p:sp>
+        <p:nvSpPr>
+          <p:cNvPr id="2" name="テキスト ボックス 1">
+            <a:extLst>
+              <a:ext uri="{FF2B5EF4-FFF2-40B4-BE49-F238E27FC236}">
+                <a16:creationId xmlns:a16="http://schemas.microsoft.com/office/drawing/2014/main" id="{727334F1-3609-4512-A307-4472AC0318BD}"/>
+              </a:ext>
+            </a:extLst>
+          </p:cNvPr>
+          <p:cNvSpPr txBox="1"/>
+          <p:nvPr/>
+        </p:nvSpPr>
+        <p:spPr>
+          <a:xfrm>
+            <a:off x="5171278" y="1468078"/>
+            <a:ext cx="1333378" cy="369332"/>
+          </a:xfrm>
+          <a:prstGeom prst="rect">
+            <a:avLst/>
+          </a:prstGeom>
+          <a:noFill/>
+        </p:spPr>
+        <p:txBody>
+          <a:bodyPr wrap="none" rtlCol="0">
+            <a:spAutoFit/>
+          </a:bodyPr>
+          <a:lstStyle/>
+          <a:p>
+            <a:r>
+              <a:rPr kumimoji="1" lang="en-US" altLang="ja-JP" dirty="0"/>
+              <a:t>RESTful APIs</a:t>
+            </a:r>
+            <a:endParaRPr kumimoji="1" lang="ja-JP" altLang="en-US" dirty="0"/>
+          </a:p>
+        </p:txBody>
+      </p:sp>
+      <p:sp>
+        <p:nvSpPr>
+          <p:cNvPr id="31" name="テキスト ボックス 30">
+            <a:extLst>
+              <a:ext uri="{FF2B5EF4-FFF2-40B4-BE49-F238E27FC236}">
+                <a16:creationId xmlns:a16="http://schemas.microsoft.com/office/drawing/2014/main" id="{86353896-446E-421E-AEA0-EF4514990CF4}"/>
+              </a:ext>
+            </a:extLst>
+          </p:cNvPr>
+          <p:cNvSpPr txBox="1"/>
+          <p:nvPr/>
+        </p:nvSpPr>
+        <p:spPr>
+          <a:xfrm>
+            <a:off x="5618247" y="4275463"/>
+            <a:ext cx="599844" cy="369332"/>
+          </a:xfrm>
+          <a:prstGeom prst="rect">
+            <a:avLst/>
+          </a:prstGeom>
+          <a:noFill/>
+        </p:spPr>
+        <p:txBody>
+          <a:bodyPr wrap="none" rtlCol="0">
+            <a:spAutoFit/>
+          </a:bodyPr>
+          <a:lstStyle/>
+          <a:p>
+            <a:r>
+              <a:rPr kumimoji="1" lang="en-US" altLang="ja-JP" dirty="0"/>
+              <a:t>CDN</a:t>
+            </a:r>
+            <a:endParaRPr kumimoji="1" lang="ja-JP" altLang="en-US" dirty="0"/>
+          </a:p>
+        </p:txBody>
+      </p:sp>
+      <p:cxnSp>
+        <p:nvCxnSpPr>
+          <p:cNvPr id="4" name="直線矢印コネクタ 3">
+            <a:extLst>
+              <a:ext uri="{FF2B5EF4-FFF2-40B4-BE49-F238E27FC236}">
+                <a16:creationId xmlns:a16="http://schemas.microsoft.com/office/drawing/2014/main" id="{537AD1F6-3C92-4886-BED4-61D71C6D19D4}"/>
+              </a:ext>
+            </a:extLst>
+          </p:cNvPr>
+          <p:cNvCxnSpPr>
+            <a:cxnSpLocks/>
+            <a:stCxn id="25" idx="1"/>
+            <a:endCxn id="13" idx="3"/>
+          </p:cNvCxnSpPr>
+          <p:nvPr/>
+        </p:nvCxnSpPr>
+        <p:spPr>
+          <a:xfrm flipH="1" flipV="1">
+            <a:off x="1774653" y="3806355"/>
+            <a:ext cx="3851640" cy="1086517"/>
+          </a:xfrm>
+          <a:prstGeom prst="straightConnector1">
+            <a:avLst/>
+          </a:prstGeom>
+          <a:ln w="38100">
+            <a:solidFill>
+              <a:srgbClr val="FFC000"/>
+            </a:solidFill>
+            <a:tailEnd type="triangle"/>
+          </a:ln>
+        </p:spPr>
+        <p:style>
+          <a:lnRef idx="1">
+            <a:schemeClr val="accent1"/>
+          </a:lnRef>
+          <a:fillRef idx="0">
+            <a:schemeClr val="accent1"/>
+          </a:fillRef>
+          <a:effectRef idx="0">
+            <a:schemeClr val="accent1"/>
+          </a:effectRef>
+          <a:fontRef idx="minor">
+            <a:schemeClr val="tx1"/>
+          </a:fontRef>
+        </p:style>
+      </p:cxnSp>
+      <p:cxnSp>
+        <p:nvCxnSpPr>
+          <p:cNvPr id="32" name="直線矢印コネクタ 31">
+            <a:extLst>
+              <a:ext uri="{FF2B5EF4-FFF2-40B4-BE49-F238E27FC236}">
+                <a16:creationId xmlns:a16="http://schemas.microsoft.com/office/drawing/2014/main" id="{0EF9CDA6-1C3C-4B7F-8C6E-2B0DD079E74C}"/>
+              </a:ext>
+            </a:extLst>
+          </p:cNvPr>
+          <p:cNvCxnSpPr>
+            <a:cxnSpLocks/>
+            <a:stCxn id="17" idx="1"/>
+            <a:endCxn id="25" idx="3"/>
+          </p:cNvCxnSpPr>
+          <p:nvPr/>
+        </p:nvCxnSpPr>
+        <p:spPr>
+          <a:xfrm flipH="1">
+            <a:off x="6171073" y="4877813"/>
+            <a:ext cx="2591277" cy="15059"/>
+          </a:xfrm>
+          <a:prstGeom prst="straightConnector1">
+            <a:avLst/>
+          </a:prstGeom>
+          <a:ln w="38100">
+            <a:solidFill>
+              <a:srgbClr val="FFC000"/>
+            </a:solidFill>
+            <a:tailEnd type="triangle"/>
+          </a:ln>
+        </p:spPr>
+        <p:style>
+          <a:lnRef idx="1">
+            <a:schemeClr val="accent1"/>
+          </a:lnRef>
+          <a:fillRef idx="0">
+            <a:schemeClr val="accent1"/>
+          </a:fillRef>
+          <a:effectRef idx="0">
+            <a:schemeClr val="accent1"/>
+          </a:effectRef>
+          <a:fontRef idx="minor">
+            <a:schemeClr val="tx1"/>
+          </a:fontRef>
+        </p:style>
+      </p:cxnSp>
+      <p:pic>
+        <p:nvPicPr>
+          <p:cNvPr id="13" name="図 12">
+            <a:extLst>
+              <a:ext uri="{FF2B5EF4-FFF2-40B4-BE49-F238E27FC236}">
+                <a16:creationId xmlns:a16="http://schemas.microsoft.com/office/drawing/2014/main" id="{9A12ED07-FB85-4F72-987E-AE9C178D6BF0}"/>
+              </a:ext>
+            </a:extLst>
+          </p:cNvPr>
+          <p:cNvPicPr>
+            <a:picLocks noChangeAspect="1"/>
+          </p:cNvPicPr>
+          <p:nvPr/>
+        </p:nvPicPr>
+        <p:blipFill>
+          <a:blip r:embed="rId8"/>
+          <a:stretch>
+            <a:fillRect/>
+          </a:stretch>
+        </p:blipFill>
+        <p:spPr>
+          <a:xfrm>
+            <a:off x="644154" y="3429000"/>
+            <a:ext cx="1130499" cy="754710"/>
+          </a:xfrm>
+          <a:prstGeom prst="rect">
+            <a:avLst/>
+          </a:prstGeom>
+        </p:spPr>
+      </p:pic>
+      <p:cxnSp>
+        <p:nvCxnSpPr>
+          <p:cNvPr id="37" name="直線矢印コネクタ 36">
+            <a:extLst>
+              <a:ext uri="{FF2B5EF4-FFF2-40B4-BE49-F238E27FC236}">
+                <a16:creationId xmlns:a16="http://schemas.microsoft.com/office/drawing/2014/main" id="{6F0D0DE8-0BFE-4880-86DD-DB262B89D35B}"/>
+              </a:ext>
+            </a:extLst>
+          </p:cNvPr>
+          <p:cNvCxnSpPr>
+            <a:cxnSpLocks/>
+            <a:endCxn id="14" idx="1"/>
+          </p:cNvCxnSpPr>
+          <p:nvPr/>
+        </p:nvCxnSpPr>
+        <p:spPr>
+          <a:xfrm flipV="1">
+            <a:off x="1823804" y="2090821"/>
+            <a:ext cx="3693837" cy="1481937"/>
+          </a:xfrm>
+          <a:prstGeom prst="straightConnector1">
+            <a:avLst/>
+          </a:prstGeom>
+          <a:ln w="38100">
+            <a:headEnd type="triangle" w="med" len="med"/>
+            <a:tailEnd type="triangle" w="med" len="med"/>
+          </a:ln>
+        </p:spPr>
+        <p:style>
+          <a:lnRef idx="1">
+            <a:schemeClr val="accent1"/>
+          </a:lnRef>
+          <a:fillRef idx="0">
+            <a:schemeClr val="accent1"/>
+          </a:fillRef>
+          <a:effectRef idx="0">
+            <a:schemeClr val="accent1"/>
+          </a:effectRef>
+          <a:fontRef idx="minor">
+            <a:schemeClr val="tx1"/>
+          </a:fontRef>
+        </p:style>
+      </p:cxnSp>
+      <p:sp>
+        <p:nvSpPr>
+          <p:cNvPr id="40" name="テキスト ボックス 39">
+            <a:extLst>
+              <a:ext uri="{FF2B5EF4-FFF2-40B4-BE49-F238E27FC236}">
+                <a16:creationId xmlns:a16="http://schemas.microsoft.com/office/drawing/2014/main" id="{4E384F71-7760-4FC1-A345-1759ECA46887}"/>
+              </a:ext>
+            </a:extLst>
+          </p:cNvPr>
+          <p:cNvSpPr txBox="1"/>
+          <p:nvPr/>
+        </p:nvSpPr>
+        <p:spPr>
+          <a:xfrm>
+            <a:off x="6766137" y="391945"/>
+            <a:ext cx="1218603" cy="646331"/>
+          </a:xfrm>
+          <a:prstGeom prst="rect">
+            <a:avLst/>
+          </a:prstGeom>
+          <a:noFill/>
+        </p:spPr>
+        <p:txBody>
+          <a:bodyPr wrap="none" rtlCol="0">
+            <a:spAutoFit/>
+          </a:bodyPr>
+          <a:lstStyle/>
+          <a:p>
+            <a:pPr algn="ctr"/>
+            <a:r>
+              <a:rPr kumimoji="1" lang="en-US" altLang="ja-JP" dirty="0"/>
+              <a:t>Computing</a:t>
+            </a:r>
+          </a:p>
+          <a:p>
+            <a:pPr algn="ctr"/>
+            <a:r>
+              <a:rPr kumimoji="1" lang="en-US" altLang="ja-JP" dirty="0"/>
+              <a:t>Functions</a:t>
+            </a:r>
+            <a:endParaRPr kumimoji="1" lang="ja-JP" altLang="en-US" dirty="0"/>
+          </a:p>
+        </p:txBody>
+      </p:sp>
+      <p:sp>
+        <p:nvSpPr>
+          <p:cNvPr id="41" name="テキスト ボックス 40">
+            <a:extLst>
+              <a:ext uri="{FF2B5EF4-FFF2-40B4-BE49-F238E27FC236}">
+                <a16:creationId xmlns:a16="http://schemas.microsoft.com/office/drawing/2014/main" id="{4FF9138F-6997-4E8E-9D48-F61143AB07AB}"/>
+              </a:ext>
+            </a:extLst>
+          </p:cNvPr>
+          <p:cNvSpPr txBox="1"/>
+          <p:nvPr/>
+        </p:nvSpPr>
+        <p:spPr>
+          <a:xfrm>
+            <a:off x="8400610" y="351204"/>
+            <a:ext cx="1134221" cy="646331"/>
+          </a:xfrm>
+          <a:prstGeom prst="rect">
+            <a:avLst/>
+          </a:prstGeom>
+          <a:noFill/>
+        </p:spPr>
+        <p:txBody>
+          <a:bodyPr wrap="none" rtlCol="0">
+            <a:spAutoFit/>
+          </a:bodyPr>
+          <a:lstStyle/>
+          <a:p>
+            <a:pPr algn="ctr"/>
+            <a:r>
+              <a:rPr kumimoji="1" lang="en-US" altLang="ja-JP" dirty="0"/>
+              <a:t>Data</a:t>
+            </a:r>
+            <a:br>
+              <a:rPr kumimoji="1" lang="en-US" altLang="ja-JP" dirty="0"/>
+            </a:br>
+            <a:r>
+              <a:rPr kumimoji="1" lang="en-US" altLang="ja-JP" dirty="0"/>
+              <a:t>Resources</a:t>
+            </a:r>
+            <a:endParaRPr kumimoji="1" lang="ja-JP" altLang="en-US" dirty="0"/>
+          </a:p>
+        </p:txBody>
+      </p:sp>
+      <p:cxnSp>
+        <p:nvCxnSpPr>
+          <p:cNvPr id="42" name="直線矢印コネクタ 41">
+            <a:extLst>
+              <a:ext uri="{FF2B5EF4-FFF2-40B4-BE49-F238E27FC236}">
+                <a16:creationId xmlns:a16="http://schemas.microsoft.com/office/drawing/2014/main" id="{83FE3D88-58AE-46A0-9004-D88BE4C03678}"/>
+              </a:ext>
+            </a:extLst>
+          </p:cNvPr>
+          <p:cNvCxnSpPr>
+            <a:cxnSpLocks/>
+            <a:stCxn id="14" idx="3"/>
+            <a:endCxn id="22" idx="1"/>
+          </p:cNvCxnSpPr>
+          <p:nvPr/>
+        </p:nvCxnSpPr>
+        <p:spPr>
+          <a:xfrm flipV="1">
+            <a:off x="6039007" y="1350838"/>
+            <a:ext cx="1044620" cy="739983"/>
+          </a:xfrm>
+          <a:prstGeom prst="straightConnector1">
+            <a:avLst/>
+          </a:prstGeom>
+          <a:ln w="38100">
+            <a:headEnd type="triangle" w="med" len="med"/>
+            <a:tailEnd type="triangle" w="med" len="med"/>
+          </a:ln>
+        </p:spPr>
+        <p:style>
+          <a:lnRef idx="1">
+            <a:schemeClr val="accent1"/>
+          </a:lnRef>
+          <a:fillRef idx="0">
+            <a:schemeClr val="accent1"/>
+          </a:fillRef>
+          <a:effectRef idx="0">
+            <a:schemeClr val="accent1"/>
+          </a:effectRef>
+          <a:fontRef idx="minor">
+            <a:schemeClr val="tx1"/>
+          </a:fontRef>
+        </p:style>
+      </p:cxnSp>
+      <p:cxnSp>
+        <p:nvCxnSpPr>
+          <p:cNvPr id="45" name="直線矢印コネクタ 44">
+            <a:extLst>
+              <a:ext uri="{FF2B5EF4-FFF2-40B4-BE49-F238E27FC236}">
+                <a16:creationId xmlns:a16="http://schemas.microsoft.com/office/drawing/2014/main" id="{66B3B0F4-119C-468D-9005-236BAA551BE5}"/>
+              </a:ext>
+            </a:extLst>
+          </p:cNvPr>
+          <p:cNvCxnSpPr>
+            <a:cxnSpLocks/>
+            <a:stCxn id="14" idx="3"/>
+            <a:endCxn id="20" idx="1"/>
+          </p:cNvCxnSpPr>
+          <p:nvPr/>
+        </p:nvCxnSpPr>
+        <p:spPr>
+          <a:xfrm>
+            <a:off x="6039007" y="2090821"/>
+            <a:ext cx="1044620" cy="639689"/>
+          </a:xfrm>
+          <a:prstGeom prst="straightConnector1">
+            <a:avLst/>
+          </a:prstGeom>
+          <a:ln w="38100">
+            <a:headEnd type="triangle" w="med" len="med"/>
+            <a:tailEnd type="triangle" w="med" len="med"/>
+          </a:ln>
+        </p:spPr>
+        <p:style>
+          <a:lnRef idx="1">
+            <a:schemeClr val="accent1"/>
+          </a:lnRef>
+          <a:fillRef idx="0">
+            <a:schemeClr val="accent1"/>
+          </a:fillRef>
+          <a:effectRef idx="0">
+            <a:schemeClr val="accent1"/>
+          </a:effectRef>
+          <a:fontRef idx="minor">
+            <a:schemeClr val="tx1"/>
+          </a:fontRef>
+        </p:style>
+      </p:cxnSp>
+      <p:cxnSp>
+        <p:nvCxnSpPr>
+          <p:cNvPr id="52" name="直線矢印コネクタ 51">
+            <a:extLst>
+              <a:ext uri="{FF2B5EF4-FFF2-40B4-BE49-F238E27FC236}">
+                <a16:creationId xmlns:a16="http://schemas.microsoft.com/office/drawing/2014/main" id="{CFC2C1FB-7A06-4253-97A5-04BC941673FF}"/>
+              </a:ext>
+            </a:extLst>
+          </p:cNvPr>
+          <p:cNvCxnSpPr>
+            <a:cxnSpLocks/>
+          </p:cNvCxnSpPr>
+          <p:nvPr/>
+        </p:nvCxnSpPr>
+        <p:spPr>
+          <a:xfrm>
+            <a:off x="7706256" y="1350838"/>
+            <a:ext cx="941540" cy="1300380"/>
+          </a:xfrm>
+          <a:prstGeom prst="straightConnector1">
+            <a:avLst/>
+          </a:prstGeom>
+          <a:ln w="38100">
+            <a:headEnd type="triangle" w="med" len="med"/>
+            <a:tailEnd type="triangle" w="med" len="med"/>
+          </a:ln>
+        </p:spPr>
+        <p:style>
+          <a:lnRef idx="1">
+            <a:schemeClr val="accent1"/>
+          </a:lnRef>
+          <a:fillRef idx="0">
+            <a:schemeClr val="accent1"/>
+          </a:fillRef>
+          <a:effectRef idx="0">
+            <a:schemeClr val="accent1"/>
+          </a:effectRef>
+          <a:fontRef idx="minor">
+            <a:schemeClr val="tx1"/>
+          </a:fontRef>
+        </p:style>
+      </p:cxnSp>
+      <p:cxnSp>
+        <p:nvCxnSpPr>
+          <p:cNvPr id="55" name="直線矢印コネクタ 54">
+            <a:extLst>
+              <a:ext uri="{FF2B5EF4-FFF2-40B4-BE49-F238E27FC236}">
+                <a16:creationId xmlns:a16="http://schemas.microsoft.com/office/drawing/2014/main" id="{2CBAC8D1-83D9-4A7D-905D-8ABEBEEDCBD8}"/>
+              </a:ext>
+            </a:extLst>
+          </p:cNvPr>
+          <p:cNvCxnSpPr>
+            <a:cxnSpLocks/>
+          </p:cNvCxnSpPr>
+          <p:nvPr/>
+        </p:nvCxnSpPr>
+        <p:spPr>
+          <a:xfrm flipH="1">
+            <a:off x="7710611" y="1379258"/>
+            <a:ext cx="893307" cy="1225174"/>
+          </a:xfrm>
+          <a:prstGeom prst="straightConnector1">
+            <a:avLst/>
+          </a:prstGeom>
+          <a:ln w="38100">
+            <a:headEnd type="triangle" w="med" len="med"/>
+            <a:tailEnd type="triangle" w="med" len="med"/>
+          </a:ln>
+        </p:spPr>
+        <p:style>
+          <a:lnRef idx="1">
+            <a:schemeClr val="accent1"/>
+          </a:lnRef>
+          <a:fillRef idx="0">
+            <a:schemeClr val="accent1"/>
+          </a:fillRef>
+          <a:effectRef idx="0">
+            <a:schemeClr val="accent1"/>
+          </a:effectRef>
+          <a:fontRef idx="minor">
+            <a:schemeClr val="tx1"/>
+          </a:fontRef>
+        </p:style>
+      </p:cxnSp>
+      <p:cxnSp>
+        <p:nvCxnSpPr>
+          <p:cNvPr id="58" name="直線矢印コネクタ 57">
+            <a:extLst>
+              <a:ext uri="{FF2B5EF4-FFF2-40B4-BE49-F238E27FC236}">
+                <a16:creationId xmlns:a16="http://schemas.microsoft.com/office/drawing/2014/main" id="{5B4584A1-7FAE-4069-8E67-A90889FC979C}"/>
+              </a:ext>
+            </a:extLst>
+          </p:cNvPr>
+          <p:cNvCxnSpPr>
+            <a:cxnSpLocks/>
+          </p:cNvCxnSpPr>
+          <p:nvPr/>
+        </p:nvCxnSpPr>
+        <p:spPr>
+          <a:xfrm flipH="1">
+            <a:off x="7650609" y="1296629"/>
+            <a:ext cx="973618" cy="1"/>
+          </a:xfrm>
+          <a:prstGeom prst="straightConnector1">
+            <a:avLst/>
+          </a:prstGeom>
+          <a:ln w="38100">
+            <a:headEnd type="triangle" w="med" len="med"/>
+            <a:tailEnd type="triangle" w="med" len="med"/>
+          </a:ln>
+        </p:spPr>
+        <p:style>
+          <a:lnRef idx="1">
+            <a:schemeClr val="accent1"/>
+          </a:lnRef>
+          <a:fillRef idx="0">
+            <a:schemeClr val="accent1"/>
+          </a:fillRef>
+          <a:effectRef idx="0">
+            <a:schemeClr val="accent1"/>
+          </a:effectRef>
+          <a:fontRef idx="minor">
+            <a:schemeClr val="tx1"/>
+          </a:fontRef>
+        </p:style>
+      </p:cxnSp>
+      <p:cxnSp>
+        <p:nvCxnSpPr>
+          <p:cNvPr id="69" name="直線矢印コネクタ 68">
+            <a:extLst>
+              <a:ext uri="{FF2B5EF4-FFF2-40B4-BE49-F238E27FC236}">
+                <a16:creationId xmlns:a16="http://schemas.microsoft.com/office/drawing/2014/main" id="{13DA2101-EE2A-4E20-A184-105F93835B2F}"/>
+              </a:ext>
+            </a:extLst>
+          </p:cNvPr>
+          <p:cNvCxnSpPr>
+            <a:cxnSpLocks/>
+          </p:cNvCxnSpPr>
+          <p:nvPr/>
+        </p:nvCxnSpPr>
+        <p:spPr>
+          <a:xfrm flipH="1">
+            <a:off x="7674178" y="2791461"/>
+            <a:ext cx="973618" cy="1"/>
+          </a:xfrm>
+          <a:prstGeom prst="straightConnector1">
+            <a:avLst/>
+          </a:prstGeom>
+          <a:ln w="38100">
+            <a:headEnd type="triangle" w="med" len="med"/>
+            <a:tailEnd type="triangle" w="med" len="med"/>
+          </a:ln>
+        </p:spPr>
+        <p:style>
+          <a:lnRef idx="1">
+            <a:schemeClr val="accent1"/>
+          </a:lnRef>
+          <a:fillRef idx="0">
+            <a:schemeClr val="accent1"/>
+          </a:fillRef>
+          <a:effectRef idx="0">
+            <a:schemeClr val="accent1"/>
+          </a:effectRef>
+          <a:fontRef idx="minor">
+            <a:schemeClr val="tx1"/>
+          </a:fontRef>
+        </p:style>
+      </p:cxnSp>
+      <p:sp>
+        <p:nvSpPr>
+          <p:cNvPr id="76" name="吹き出し: 角を丸めた四角形 75">
+            <a:extLst>
+              <a:ext uri="{FF2B5EF4-FFF2-40B4-BE49-F238E27FC236}">
+                <a16:creationId xmlns:a16="http://schemas.microsoft.com/office/drawing/2014/main" id="{664AEE1C-7049-40C0-BFA7-44ADB2600158}"/>
+              </a:ext>
+            </a:extLst>
+          </p:cNvPr>
+          <p:cNvSpPr/>
+          <p:nvPr/>
+        </p:nvSpPr>
+        <p:spPr>
+          <a:xfrm>
+            <a:off x="248131" y="4503476"/>
+            <a:ext cx="2659436" cy="789762"/>
+          </a:xfrm>
+          <a:prstGeom prst="wedgeRoundRectCallout">
+            <a:avLst>
+              <a:gd name="adj1" fmla="val 36423"/>
+              <a:gd name="adj2" fmla="val -71829"/>
+              <a:gd name="adj3" fmla="val 16667"/>
+            </a:avLst>
+          </a:prstGeom>
+          <a:noFill/>
+          <a:ln w="38100">
+            <a:solidFill>
+              <a:srgbClr val="FFC000"/>
+            </a:solidFill>
+          </a:ln>
+        </p:spPr>
+        <p:style>
+          <a:lnRef idx="2">
+            <a:schemeClr val="accent1">
+              <a:shade val="50000"/>
+            </a:schemeClr>
+          </a:lnRef>
+          <a:fillRef idx="1">
+            <a:schemeClr val="accent1"/>
+          </a:fillRef>
+          <a:effectRef idx="0">
+            <a:schemeClr val="accent1"/>
+          </a:effectRef>
+          <a:fontRef idx="minor">
+            <a:schemeClr val="lt1"/>
+          </a:fontRef>
+        </p:style>
+        <p:txBody>
+          <a:bodyPr rtlCol="0" anchor="ctr"/>
+          <a:lstStyle/>
+          <a:p>
+            <a:r>
+              <a:rPr kumimoji="1" lang="en-US" altLang="ja-JP" dirty="0">
+                <a:solidFill>
+                  <a:schemeClr val="tx1"/>
+                </a:solidFill>
+              </a:rPr>
+              <a:t>1) Download webpage and application code</a:t>
+            </a:r>
+            <a:endParaRPr kumimoji="1" lang="ja-JP" altLang="en-US" dirty="0">
+              <a:solidFill>
+                <a:schemeClr val="tx1"/>
+              </a:solidFill>
+            </a:endParaRPr>
+          </a:p>
+        </p:txBody>
+      </p:sp>
+      <p:sp>
+        <p:nvSpPr>
+          <p:cNvPr id="77" name="吹き出し: 角を丸めた四角形 76">
+            <a:extLst>
+              <a:ext uri="{FF2B5EF4-FFF2-40B4-BE49-F238E27FC236}">
+                <a16:creationId xmlns:a16="http://schemas.microsoft.com/office/drawing/2014/main" id="{58BE95E1-B661-40AA-9634-CE410256CE2E}"/>
+              </a:ext>
+            </a:extLst>
+          </p:cNvPr>
+          <p:cNvSpPr/>
+          <p:nvPr/>
+        </p:nvSpPr>
+        <p:spPr>
+          <a:xfrm>
+            <a:off x="379352" y="1031040"/>
+            <a:ext cx="2659436" cy="1255803"/>
+          </a:xfrm>
+          <a:prstGeom prst="wedgeRoundRectCallout">
+            <a:avLst>
+              <a:gd name="adj1" fmla="val -609"/>
+              <a:gd name="adj2" fmla="val 74015"/>
+              <a:gd name="adj3" fmla="val 16667"/>
+            </a:avLst>
+          </a:prstGeom>
+          <a:noFill/>
+          <a:ln w="38100"/>
+        </p:spPr>
+        <p:style>
+          <a:lnRef idx="2">
+            <a:schemeClr val="accent1">
+              <a:shade val="50000"/>
+            </a:schemeClr>
+          </a:lnRef>
+          <a:fillRef idx="1">
+            <a:schemeClr val="accent1"/>
+          </a:fillRef>
+          <a:effectRef idx="0">
+            <a:schemeClr val="accent1"/>
+          </a:effectRef>
+          <a:fontRef idx="minor">
+            <a:schemeClr val="lt1"/>
+          </a:fontRef>
+        </p:style>
+        <p:txBody>
+          <a:bodyPr rtlCol="0" anchor="ctr"/>
+          <a:lstStyle/>
+          <a:p>
+            <a:r>
+              <a:rPr kumimoji="1" lang="en-US" altLang="ja-JP" dirty="0">
+                <a:solidFill>
+                  <a:schemeClr val="tx1"/>
+                </a:solidFill>
+              </a:rPr>
+              <a:t>2) Execute the app code and communicate with computing and data resources in backend.</a:t>
+            </a:r>
+            <a:endParaRPr kumimoji="1" lang="ja-JP" altLang="en-US" dirty="0">
+              <a:solidFill>
+                <a:schemeClr val="tx1"/>
+              </a:solidFill>
+            </a:endParaRPr>
+          </a:p>
+        </p:txBody>
+      </p:sp>
+      <p:sp>
+        <p:nvSpPr>
+          <p:cNvPr id="78" name="テキスト ボックス 77">
+            <a:extLst>
+              <a:ext uri="{FF2B5EF4-FFF2-40B4-BE49-F238E27FC236}">
+                <a16:creationId xmlns:a16="http://schemas.microsoft.com/office/drawing/2014/main" id="{27EA04E4-0F08-467D-8A53-FAFBD807261C}"/>
+              </a:ext>
+            </a:extLst>
+          </p:cNvPr>
+          <p:cNvSpPr txBox="1"/>
+          <p:nvPr/>
+        </p:nvSpPr>
+        <p:spPr>
+          <a:xfrm>
+            <a:off x="4880240" y="3999044"/>
+            <a:ext cx="1041952" cy="369332"/>
+          </a:xfrm>
+          <a:prstGeom prst="rect">
+            <a:avLst/>
+          </a:prstGeom>
+          <a:solidFill>
+            <a:schemeClr val="bg1"/>
+          </a:solidFill>
+        </p:spPr>
+        <p:txBody>
+          <a:bodyPr wrap="none" rtlCol="0">
+            <a:spAutoFit/>
+          </a:bodyPr>
+          <a:lstStyle/>
+          <a:p>
+            <a:r>
+              <a:rPr kumimoji="1" lang="en-US" altLang="ja-JP" dirty="0"/>
+              <a:t>Frontend</a:t>
+            </a:r>
+            <a:endParaRPr kumimoji="1" lang="ja-JP" altLang="en-US" dirty="0"/>
+          </a:p>
+        </p:txBody>
+      </p:sp>
+      <p:sp>
+        <p:nvSpPr>
+          <p:cNvPr id="81" name="テキスト ボックス 80">
+            <a:extLst>
+              <a:ext uri="{FF2B5EF4-FFF2-40B4-BE49-F238E27FC236}">
+                <a16:creationId xmlns:a16="http://schemas.microsoft.com/office/drawing/2014/main" id="{40A271E3-B5E8-41B7-9772-C9DE4F280367}"/>
+              </a:ext>
+            </a:extLst>
+          </p:cNvPr>
+          <p:cNvSpPr txBox="1"/>
+          <p:nvPr/>
+        </p:nvSpPr>
+        <p:spPr>
+          <a:xfrm>
+            <a:off x="5030680" y="178224"/>
+            <a:ext cx="973921" cy="369332"/>
+          </a:xfrm>
+          <a:prstGeom prst="rect">
+            <a:avLst/>
+          </a:prstGeom>
+          <a:solidFill>
+            <a:schemeClr val="bg1"/>
+          </a:solidFill>
+        </p:spPr>
+        <p:txBody>
+          <a:bodyPr wrap="none" rtlCol="0">
+            <a:spAutoFit/>
+          </a:bodyPr>
+          <a:lstStyle/>
+          <a:p>
+            <a:r>
+              <a:rPr kumimoji="1" lang="en-US" altLang="ja-JP" dirty="0"/>
+              <a:t>Backend</a:t>
+            </a:r>
+            <a:endParaRPr kumimoji="1" lang="ja-JP" altLang="en-US" dirty="0"/>
+          </a:p>
+        </p:txBody>
+      </p:sp>
+      <p:sp>
+        <p:nvSpPr>
+          <p:cNvPr id="3" name="TextBox 2">
+            <a:extLst>
+              <a:ext uri="{FF2B5EF4-FFF2-40B4-BE49-F238E27FC236}">
+                <a16:creationId xmlns:a16="http://schemas.microsoft.com/office/drawing/2014/main" id="{78A648DA-79C2-624D-AA63-57BA7351A567}"/>
+              </a:ext>
+            </a:extLst>
+          </p:cNvPr>
+          <p:cNvSpPr txBox="1"/>
+          <p:nvPr/>
+        </p:nvSpPr>
+        <p:spPr>
+          <a:xfrm>
+            <a:off x="418290" y="4126121"/>
+            <a:ext cx="1582228" cy="369332"/>
+          </a:xfrm>
+          <a:prstGeom prst="rect">
+            <a:avLst/>
+          </a:prstGeom>
+          <a:noFill/>
+        </p:spPr>
+        <p:txBody>
+          <a:bodyPr wrap="none" rtlCol="0">
+            <a:spAutoFit/>
+          </a:bodyPr>
+          <a:lstStyle/>
+          <a:p>
+            <a:r>
+              <a:rPr lang="en-US" dirty="0"/>
+              <a:t>User (Browser)</a:t>
+            </a:r>
           </a:p>
         </p:txBody>
       </p:sp>
     </p:spTree>
     <p:extLst>
       <p:ext uri="{BB962C8B-B14F-4D97-AF65-F5344CB8AC3E}">
-        <p14:creationId xmlns:p14="http://schemas.microsoft.com/office/powerpoint/2010/main" val="4248068114"/>
+        <p14:creationId xmlns:p14="http://schemas.microsoft.com/office/powerpoint/2010/main" val="1461578525"/>
+      </p:ext>
+    </p:extLst>
+  </p:cSld>
+  <p:clrMapOvr>
+    <a:masterClrMapping/>
+  </p:clrMapOvr>
+</p:sld>
+</file>
+
+<file path=ppt/slides/slide10.xml><?xml version="1.0" encoding="utf-8"?>
+<p:sld xmlns:a="http://schemas.openxmlformats.org/drawingml/2006/main" xmlns:r="http://schemas.openxmlformats.org/officeDocument/2006/relationships" xmlns:p="http://schemas.openxmlformats.org/presentationml/2006/main">
+  <p:cSld>
+    <p:spTree>
+      <p:nvGrpSpPr>
+        <p:cNvPr id="1" name=""/>
+        <p:cNvGrpSpPr/>
+        <p:nvPr/>
+      </p:nvGrpSpPr>
+      <p:grpSpPr>
+        <a:xfrm>
+          <a:off x="0" y="0"/>
+          <a:ext cx="0" cy="0"/>
+          <a:chOff x="0" y="0"/>
+          <a:chExt cx="0" cy="0"/>
+        </a:xfrm>
+      </p:grpSpPr>
+      <p:pic>
+        <p:nvPicPr>
+          <p:cNvPr id="5" name="Picture 4">
+            <a:extLst>
+              <a:ext uri="{FF2B5EF4-FFF2-40B4-BE49-F238E27FC236}">
+                <a16:creationId xmlns:a16="http://schemas.microsoft.com/office/drawing/2014/main" id="{EC07A04E-4F70-E649-A1A1-73F4B6E7567E}"/>
+              </a:ext>
+            </a:extLst>
+          </p:cNvPr>
+          <p:cNvPicPr>
+            <a:picLocks noChangeAspect="1"/>
+          </p:cNvPicPr>
+          <p:nvPr/>
+        </p:nvPicPr>
+        <p:blipFill>
+          <a:blip r:embed="rId2"/>
+          <a:stretch>
+            <a:fillRect/>
+          </a:stretch>
+        </p:blipFill>
+        <p:spPr>
+          <a:xfrm>
+            <a:off x="0" y="1791852"/>
+            <a:ext cx="12192000" cy="3274295"/>
+          </a:xfrm>
+          <a:prstGeom prst="rect">
+            <a:avLst/>
+          </a:prstGeom>
+        </p:spPr>
+      </p:pic>
+      <p:sp>
+        <p:nvSpPr>
+          <p:cNvPr id="6" name="Rectangle 5">
+            <a:extLst>
+              <a:ext uri="{FF2B5EF4-FFF2-40B4-BE49-F238E27FC236}">
+                <a16:creationId xmlns:a16="http://schemas.microsoft.com/office/drawing/2014/main" id="{1982C68C-EE7A-D241-8043-6038535A7D7B}"/>
+              </a:ext>
+            </a:extLst>
+          </p:cNvPr>
+          <p:cNvSpPr/>
+          <p:nvPr/>
+        </p:nvSpPr>
+        <p:spPr>
+          <a:xfrm>
+            <a:off x="2180491" y="2789305"/>
+            <a:ext cx="6250075" cy="396022"/>
+          </a:xfrm>
+          <a:prstGeom prst="rect">
+            <a:avLst/>
+          </a:prstGeom>
+          <a:noFill/>
+          <a:ln w="38100">
+            <a:solidFill>
+              <a:srgbClr val="0070C0"/>
+            </a:solidFill>
+          </a:ln>
+        </p:spPr>
+        <p:style>
+          <a:lnRef idx="2">
+            <a:schemeClr val="accent1">
+              <a:shade val="50000"/>
+            </a:schemeClr>
+          </a:lnRef>
+          <a:fillRef idx="1">
+            <a:schemeClr val="accent1"/>
+          </a:fillRef>
+          <a:effectRef idx="0">
+            <a:schemeClr val="accent1"/>
+          </a:effectRef>
+          <a:fontRef idx="minor">
+            <a:schemeClr val="lt1"/>
+          </a:fontRef>
+        </p:style>
+        <p:txBody>
+          <a:bodyPr rtlCol="0" anchor="ctr"/>
+          <a:lstStyle/>
+          <a:p>
+            <a:pPr algn="ctr"/>
+            <a:endParaRPr lang="en-US"/>
+          </a:p>
+        </p:txBody>
+      </p:sp>
+      <p:sp>
+        <p:nvSpPr>
+          <p:cNvPr id="7" name="Rectangle 6">
+            <a:extLst>
+              <a:ext uri="{FF2B5EF4-FFF2-40B4-BE49-F238E27FC236}">
+                <a16:creationId xmlns:a16="http://schemas.microsoft.com/office/drawing/2014/main" id="{62BD6D41-2634-F24A-ABA2-F9D20331F826}"/>
+              </a:ext>
+            </a:extLst>
+          </p:cNvPr>
+          <p:cNvSpPr/>
+          <p:nvPr/>
+        </p:nvSpPr>
+        <p:spPr>
+          <a:xfrm>
+            <a:off x="2180492" y="3429000"/>
+            <a:ext cx="6250074" cy="396022"/>
+          </a:xfrm>
+          <a:prstGeom prst="rect">
+            <a:avLst/>
+          </a:prstGeom>
+          <a:noFill/>
+          <a:ln w="38100">
+            <a:solidFill>
+              <a:srgbClr val="FF0000"/>
+            </a:solidFill>
+          </a:ln>
+        </p:spPr>
+        <p:style>
+          <a:lnRef idx="2">
+            <a:schemeClr val="accent1">
+              <a:shade val="50000"/>
+            </a:schemeClr>
+          </a:lnRef>
+          <a:fillRef idx="1">
+            <a:schemeClr val="accent1"/>
+          </a:fillRef>
+          <a:effectRef idx="0">
+            <a:schemeClr val="accent1"/>
+          </a:effectRef>
+          <a:fontRef idx="minor">
+            <a:schemeClr val="lt1"/>
+          </a:fontRef>
+        </p:style>
+        <p:txBody>
+          <a:bodyPr rtlCol="0" anchor="ctr"/>
+          <a:lstStyle/>
+          <a:p>
+            <a:pPr algn="ctr"/>
+            <a:endParaRPr lang="en-US"/>
+          </a:p>
+        </p:txBody>
+      </p:sp>
+      <p:sp>
+        <p:nvSpPr>
+          <p:cNvPr id="8" name="Line Callout 2 (Accent Bar) 7">
+            <a:extLst>
+              <a:ext uri="{FF2B5EF4-FFF2-40B4-BE49-F238E27FC236}">
+                <a16:creationId xmlns:a16="http://schemas.microsoft.com/office/drawing/2014/main" id="{3E7D8E90-D886-1041-A19F-299BEF5E0463}"/>
+              </a:ext>
+            </a:extLst>
+          </p:cNvPr>
+          <p:cNvSpPr/>
+          <p:nvPr/>
+        </p:nvSpPr>
+        <p:spPr>
+          <a:xfrm>
+            <a:off x="7723632" y="2080374"/>
+            <a:ext cx="3749040" cy="612648"/>
+          </a:xfrm>
+          <a:prstGeom prst="accentCallout2">
+            <a:avLst/>
+          </a:prstGeom>
+          <a:solidFill>
+            <a:schemeClr val="bg1"/>
+          </a:solidFill>
+          <a:ln w="38100"/>
+        </p:spPr>
+        <p:style>
+          <a:lnRef idx="2">
+            <a:schemeClr val="accent1">
+              <a:shade val="50000"/>
+            </a:schemeClr>
+          </a:lnRef>
+          <a:fillRef idx="1">
+            <a:schemeClr val="accent1"/>
+          </a:fillRef>
+          <a:effectRef idx="0">
+            <a:schemeClr val="accent1"/>
+          </a:effectRef>
+          <a:fontRef idx="minor">
+            <a:schemeClr val="lt1"/>
+          </a:fontRef>
+        </p:style>
+        <p:txBody>
+          <a:bodyPr rtlCol="0" anchor="ctr"/>
+          <a:lstStyle/>
+          <a:p>
+            <a:pPr algn="ctr"/>
+            <a:r>
+              <a:rPr lang="ja-JP" altLang="en-US" b="1">
+                <a:solidFill>
+                  <a:srgbClr val="0070C0"/>
+                </a:solidFill>
+              </a:rPr>
+              <a:t>初期設定のデータを、初期設定の鍵で暗号化して</a:t>
+            </a:r>
+            <a:r>
+              <a:rPr lang="en-US" altLang="ja-JP" b="1" dirty="0">
+                <a:solidFill>
+                  <a:srgbClr val="0070C0"/>
+                </a:solidFill>
+              </a:rPr>
+              <a:t>id=3</a:t>
+            </a:r>
+            <a:r>
+              <a:rPr lang="ja-JP" altLang="en-US" b="1">
+                <a:solidFill>
+                  <a:srgbClr val="0070C0"/>
+                </a:solidFill>
+              </a:rPr>
+              <a:t>で登録</a:t>
+            </a:r>
+            <a:endParaRPr lang="en-US" b="1" dirty="0">
+              <a:solidFill>
+                <a:srgbClr val="0070C0"/>
+              </a:solidFill>
+            </a:endParaRPr>
+          </a:p>
+        </p:txBody>
+      </p:sp>
+      <p:sp>
+        <p:nvSpPr>
+          <p:cNvPr id="9" name="Line Callout 2 (Accent Bar) 8">
+            <a:extLst>
+              <a:ext uri="{FF2B5EF4-FFF2-40B4-BE49-F238E27FC236}">
+                <a16:creationId xmlns:a16="http://schemas.microsoft.com/office/drawing/2014/main" id="{1B76D20E-5A9B-8C43-8DE9-EDF30BBCCCB5}"/>
+              </a:ext>
+            </a:extLst>
+          </p:cNvPr>
+          <p:cNvSpPr/>
+          <p:nvPr/>
+        </p:nvSpPr>
+        <p:spPr>
+          <a:xfrm>
+            <a:off x="6437376" y="3876456"/>
+            <a:ext cx="3749040" cy="612648"/>
+          </a:xfrm>
+          <a:prstGeom prst="accentCallout2">
+            <a:avLst>
+              <a:gd name="adj1" fmla="val 18750"/>
+              <a:gd name="adj2" fmla="val -8333"/>
+              <a:gd name="adj3" fmla="val 18750"/>
+              <a:gd name="adj4" fmla="val -16667"/>
+              <a:gd name="adj5" fmla="val -26803"/>
+              <a:gd name="adj6" fmla="val -38537"/>
+            </a:avLst>
+          </a:prstGeom>
+          <a:solidFill>
+            <a:schemeClr val="bg1"/>
+          </a:solidFill>
+          <a:ln w="38100">
+            <a:solidFill>
+              <a:srgbClr val="FF0000"/>
+            </a:solidFill>
+          </a:ln>
+        </p:spPr>
+        <p:style>
+          <a:lnRef idx="2">
+            <a:schemeClr val="accent1">
+              <a:shade val="50000"/>
+            </a:schemeClr>
+          </a:lnRef>
+          <a:fillRef idx="1">
+            <a:schemeClr val="accent1"/>
+          </a:fillRef>
+          <a:effectRef idx="0">
+            <a:schemeClr val="accent1"/>
+          </a:effectRef>
+          <a:fontRef idx="minor">
+            <a:schemeClr val="lt1"/>
+          </a:fontRef>
+        </p:style>
+        <p:txBody>
+          <a:bodyPr rtlCol="0" anchor="ctr"/>
+          <a:lstStyle/>
+          <a:p>
+            <a:pPr algn="ctr"/>
+            <a:r>
+              <a:rPr lang="en-US" altLang="ja-JP" b="1" dirty="0">
+                <a:solidFill>
+                  <a:srgbClr val="FF0000"/>
+                </a:solidFill>
+              </a:rPr>
+              <a:t>id=3</a:t>
+            </a:r>
+            <a:r>
+              <a:rPr lang="ja-JP" altLang="en-US" b="1">
+                <a:solidFill>
+                  <a:srgbClr val="FF0000"/>
+                </a:solidFill>
+              </a:rPr>
+              <a:t>で登録されたデータを、初期設定の鍵で復号した</a:t>
+            </a:r>
+            <a:endParaRPr lang="en-US" b="1" dirty="0">
+              <a:solidFill>
+                <a:srgbClr val="FF0000"/>
+              </a:solidFill>
+            </a:endParaRPr>
+          </a:p>
+        </p:txBody>
+      </p:sp>
+    </p:spTree>
+    <p:extLst>
+      <p:ext uri="{BB962C8B-B14F-4D97-AF65-F5344CB8AC3E}">
+        <p14:creationId xmlns:p14="http://schemas.microsoft.com/office/powerpoint/2010/main" val="3776374730"/>
+      </p:ext>
+    </p:extLst>
+  </p:cSld>
+  <p:clrMapOvr>
+    <a:masterClrMapping/>
+  </p:clrMapOvr>
+</p:sld>
+</file>
+
+<file path=ppt/slides/slide11.xml><?xml version="1.0" encoding="utf-8"?>
+<p:sld xmlns:a="http://schemas.openxmlformats.org/drawingml/2006/main" xmlns:r="http://schemas.openxmlformats.org/officeDocument/2006/relationships" xmlns:p="http://schemas.openxmlformats.org/presentationml/2006/main">
+  <p:cSld>
+    <p:spTree>
+      <p:nvGrpSpPr>
+        <p:cNvPr id="1" name=""/>
+        <p:cNvGrpSpPr/>
+        <p:nvPr/>
+      </p:nvGrpSpPr>
+      <p:grpSpPr>
+        <a:xfrm>
+          <a:off x="0" y="0"/>
+          <a:ext cx="0" cy="0"/>
+          <a:chOff x="0" y="0"/>
+          <a:chExt cx="0" cy="0"/>
+        </a:xfrm>
+      </p:grpSpPr>
+      <p:pic>
+        <p:nvPicPr>
+          <p:cNvPr id="3" name="Picture 2">
+            <a:extLst>
+              <a:ext uri="{FF2B5EF4-FFF2-40B4-BE49-F238E27FC236}">
+                <a16:creationId xmlns:a16="http://schemas.microsoft.com/office/drawing/2014/main" id="{6E5CC8C3-EAF2-4844-9CBF-85DE2245B488}"/>
+              </a:ext>
+            </a:extLst>
+          </p:cNvPr>
+          <p:cNvPicPr>
+            <a:picLocks noChangeAspect="1"/>
+          </p:cNvPicPr>
+          <p:nvPr/>
+        </p:nvPicPr>
+        <p:blipFill>
+          <a:blip r:embed="rId2"/>
+          <a:stretch>
+            <a:fillRect/>
+          </a:stretch>
+        </p:blipFill>
+        <p:spPr>
+          <a:xfrm>
+            <a:off x="445479" y="2457450"/>
+            <a:ext cx="8801100" cy="1930400"/>
+          </a:xfrm>
+          <a:prstGeom prst="rect">
+            <a:avLst/>
+          </a:prstGeom>
+        </p:spPr>
+      </p:pic>
+      <p:sp>
+        <p:nvSpPr>
+          <p:cNvPr id="6" name="Rectangle 5">
+            <a:extLst>
+              <a:ext uri="{FF2B5EF4-FFF2-40B4-BE49-F238E27FC236}">
+                <a16:creationId xmlns:a16="http://schemas.microsoft.com/office/drawing/2014/main" id="{29F78497-D6E4-6A4B-A56C-06D09C636681}"/>
+              </a:ext>
+            </a:extLst>
+          </p:cNvPr>
+          <p:cNvSpPr/>
+          <p:nvPr/>
+        </p:nvSpPr>
+        <p:spPr>
+          <a:xfrm>
+            <a:off x="482321" y="2470150"/>
+            <a:ext cx="3999244" cy="1158980"/>
+          </a:xfrm>
+          <a:prstGeom prst="rect">
+            <a:avLst/>
+          </a:prstGeom>
+          <a:noFill/>
+          <a:ln w="38100">
+            <a:solidFill>
+              <a:srgbClr val="002060"/>
+            </a:solidFill>
+          </a:ln>
+        </p:spPr>
+        <p:style>
+          <a:lnRef idx="2">
+            <a:schemeClr val="accent1">
+              <a:shade val="50000"/>
+            </a:schemeClr>
+          </a:lnRef>
+          <a:fillRef idx="1">
+            <a:schemeClr val="accent1"/>
+          </a:fillRef>
+          <a:effectRef idx="0">
+            <a:schemeClr val="accent1"/>
+          </a:effectRef>
+          <a:fontRef idx="minor">
+            <a:schemeClr val="lt1"/>
+          </a:fontRef>
+        </p:style>
+        <p:txBody>
+          <a:bodyPr rtlCol="0" anchor="ctr"/>
+          <a:lstStyle/>
+          <a:p>
+            <a:pPr algn="ctr"/>
+            <a:endParaRPr lang="en-US"/>
+          </a:p>
+        </p:txBody>
+      </p:sp>
+      <p:sp>
+        <p:nvSpPr>
+          <p:cNvPr id="7" name="Rectangle 6">
+            <a:extLst>
+              <a:ext uri="{FF2B5EF4-FFF2-40B4-BE49-F238E27FC236}">
+                <a16:creationId xmlns:a16="http://schemas.microsoft.com/office/drawing/2014/main" id="{153449C2-53BA-174C-A3F4-860208361468}"/>
+              </a:ext>
+            </a:extLst>
+          </p:cNvPr>
+          <p:cNvSpPr/>
+          <p:nvPr/>
+        </p:nvSpPr>
+        <p:spPr>
+          <a:xfrm>
+            <a:off x="482322" y="4004205"/>
+            <a:ext cx="1557494" cy="383645"/>
+          </a:xfrm>
+          <a:prstGeom prst="rect">
+            <a:avLst/>
+          </a:prstGeom>
+          <a:noFill/>
+          <a:ln w="38100">
+            <a:solidFill>
+              <a:srgbClr val="FF0000"/>
+            </a:solidFill>
+          </a:ln>
+        </p:spPr>
+        <p:style>
+          <a:lnRef idx="2">
+            <a:schemeClr val="accent1">
+              <a:shade val="50000"/>
+            </a:schemeClr>
+          </a:lnRef>
+          <a:fillRef idx="1">
+            <a:schemeClr val="accent1"/>
+          </a:fillRef>
+          <a:effectRef idx="0">
+            <a:schemeClr val="accent1"/>
+          </a:effectRef>
+          <a:fontRef idx="minor">
+            <a:schemeClr val="lt1"/>
+          </a:fontRef>
+        </p:style>
+        <p:txBody>
+          <a:bodyPr rtlCol="0" anchor="ctr"/>
+          <a:lstStyle/>
+          <a:p>
+            <a:pPr algn="ctr"/>
+            <a:endParaRPr lang="en-US"/>
+          </a:p>
+        </p:txBody>
+      </p:sp>
+      <p:sp>
+        <p:nvSpPr>
+          <p:cNvPr id="8" name="Line Callout 2 (Accent Bar) 7">
+            <a:extLst>
+              <a:ext uri="{FF2B5EF4-FFF2-40B4-BE49-F238E27FC236}">
+                <a16:creationId xmlns:a16="http://schemas.microsoft.com/office/drawing/2014/main" id="{A9DC3DBB-ECB9-D942-956B-2A3C36F61AA0}"/>
+              </a:ext>
+            </a:extLst>
+          </p:cNvPr>
+          <p:cNvSpPr/>
+          <p:nvPr/>
+        </p:nvSpPr>
+        <p:spPr>
+          <a:xfrm>
+            <a:off x="5187845" y="2318206"/>
+            <a:ext cx="1982875" cy="612648"/>
+          </a:xfrm>
+          <a:prstGeom prst="accentCallout2">
+            <a:avLst/>
+          </a:prstGeom>
+          <a:solidFill>
+            <a:schemeClr val="bg1"/>
+          </a:solidFill>
+          <a:ln w="38100"/>
+        </p:spPr>
+        <p:style>
+          <a:lnRef idx="2">
+            <a:schemeClr val="accent1">
+              <a:shade val="50000"/>
+            </a:schemeClr>
+          </a:lnRef>
+          <a:fillRef idx="1">
+            <a:schemeClr val="accent1"/>
+          </a:fillRef>
+          <a:effectRef idx="0">
+            <a:schemeClr val="accent1"/>
+          </a:effectRef>
+          <a:fontRef idx="minor">
+            <a:schemeClr val="lt1"/>
+          </a:fontRef>
+        </p:style>
+        <p:txBody>
+          <a:bodyPr rtlCol="0" anchor="ctr"/>
+          <a:lstStyle/>
+          <a:p>
+            <a:pPr algn="ctr"/>
+            <a:r>
+              <a:rPr lang="ja-JP" altLang="en-US" b="1">
+                <a:solidFill>
+                  <a:srgbClr val="002060"/>
+                </a:solidFill>
+              </a:rPr>
+              <a:t>この部分を入力</a:t>
+            </a:r>
+            <a:endParaRPr lang="en-US" b="1" dirty="0">
+              <a:solidFill>
+                <a:srgbClr val="002060"/>
+              </a:solidFill>
+            </a:endParaRPr>
+          </a:p>
+        </p:txBody>
+      </p:sp>
+      <p:sp>
+        <p:nvSpPr>
+          <p:cNvPr id="9" name="Line Callout 2 (Accent Bar) 8">
+            <a:extLst>
+              <a:ext uri="{FF2B5EF4-FFF2-40B4-BE49-F238E27FC236}">
+                <a16:creationId xmlns:a16="http://schemas.microsoft.com/office/drawing/2014/main" id="{7EB49E88-7FB8-0C45-AC79-D3DCEF8DE3A7}"/>
+              </a:ext>
+            </a:extLst>
+          </p:cNvPr>
+          <p:cNvSpPr/>
+          <p:nvPr/>
+        </p:nvSpPr>
+        <p:spPr>
+          <a:xfrm>
+            <a:off x="2699388" y="4460886"/>
+            <a:ext cx="2304690" cy="612648"/>
+          </a:xfrm>
+          <a:prstGeom prst="accentCallout2">
+            <a:avLst>
+              <a:gd name="adj1" fmla="val 18750"/>
+              <a:gd name="adj2" fmla="val -8333"/>
+              <a:gd name="adj3" fmla="val 18750"/>
+              <a:gd name="adj4" fmla="val -16667"/>
+              <a:gd name="adj5" fmla="val -26803"/>
+              <a:gd name="adj6" fmla="val -38537"/>
+            </a:avLst>
+          </a:prstGeom>
+          <a:solidFill>
+            <a:schemeClr val="bg1"/>
+          </a:solidFill>
+          <a:ln w="38100">
+            <a:solidFill>
+              <a:srgbClr val="FF0000"/>
+            </a:solidFill>
+          </a:ln>
+        </p:spPr>
+        <p:style>
+          <a:lnRef idx="2">
+            <a:schemeClr val="accent1">
+              <a:shade val="50000"/>
+            </a:schemeClr>
+          </a:lnRef>
+          <a:fillRef idx="1">
+            <a:schemeClr val="accent1"/>
+          </a:fillRef>
+          <a:effectRef idx="0">
+            <a:schemeClr val="accent1"/>
+          </a:effectRef>
+          <a:fontRef idx="minor">
+            <a:schemeClr val="lt1"/>
+          </a:fontRef>
+        </p:style>
+        <p:txBody>
+          <a:bodyPr rtlCol="0" anchor="ctr"/>
+          <a:lstStyle/>
+          <a:p>
+            <a:pPr algn="ctr"/>
+            <a:r>
+              <a:rPr lang="en-US" altLang="ja-JP" b="1" dirty="0">
+                <a:solidFill>
+                  <a:srgbClr val="FF0000"/>
+                </a:solidFill>
+              </a:rPr>
+              <a:t>id=5</a:t>
+            </a:r>
+            <a:r>
+              <a:rPr lang="ja-JP" altLang="en-US" b="1">
+                <a:solidFill>
+                  <a:srgbClr val="FF0000"/>
+                </a:solidFill>
+              </a:rPr>
+              <a:t>で登録された</a:t>
+            </a:r>
+            <a:endParaRPr lang="en-US" b="1" dirty="0">
+              <a:solidFill>
+                <a:srgbClr val="FF0000"/>
+              </a:solidFill>
+            </a:endParaRPr>
+          </a:p>
+        </p:txBody>
+      </p:sp>
+    </p:spTree>
+    <p:extLst>
+      <p:ext uri="{BB962C8B-B14F-4D97-AF65-F5344CB8AC3E}">
+        <p14:creationId xmlns:p14="http://schemas.microsoft.com/office/powerpoint/2010/main" val="4057580875"/>
+      </p:ext>
+    </p:extLst>
+  </p:cSld>
+  <p:clrMapOvr>
+    <a:masterClrMapping/>
+  </p:clrMapOvr>
+</p:sld>
+</file>
+
+<file path=ppt/slides/slide12.xml><?xml version="1.0" encoding="utf-8"?>
+<p:sld xmlns:a="http://schemas.openxmlformats.org/drawingml/2006/main" xmlns:r="http://schemas.openxmlformats.org/officeDocument/2006/relationships" xmlns:p="http://schemas.openxmlformats.org/presentationml/2006/main">
+  <p:cSld>
+    <p:spTree>
+      <p:nvGrpSpPr>
+        <p:cNvPr id="1" name=""/>
+        <p:cNvGrpSpPr/>
+        <p:nvPr/>
+      </p:nvGrpSpPr>
+      <p:grpSpPr>
+        <a:xfrm>
+          <a:off x="0" y="0"/>
+          <a:ext cx="0" cy="0"/>
+          <a:chOff x="0" y="0"/>
+          <a:chExt cx="0" cy="0"/>
+        </a:xfrm>
+      </p:grpSpPr>
+      <p:pic>
+        <p:nvPicPr>
+          <p:cNvPr id="3" name="Picture 2">
+            <a:extLst>
+              <a:ext uri="{FF2B5EF4-FFF2-40B4-BE49-F238E27FC236}">
+                <a16:creationId xmlns:a16="http://schemas.microsoft.com/office/drawing/2014/main" id="{1DBB2030-9988-394F-9168-3C6F139FEEFC}"/>
+              </a:ext>
+            </a:extLst>
+          </p:cNvPr>
+          <p:cNvPicPr>
+            <a:picLocks noChangeAspect="1"/>
+          </p:cNvPicPr>
+          <p:nvPr/>
+        </p:nvPicPr>
+        <p:blipFill>
+          <a:blip r:embed="rId2"/>
+          <a:stretch>
+            <a:fillRect/>
+          </a:stretch>
+        </p:blipFill>
+        <p:spPr>
+          <a:xfrm>
+            <a:off x="733530" y="2387576"/>
+            <a:ext cx="8890000" cy="1816100"/>
+          </a:xfrm>
+          <a:prstGeom prst="rect">
+            <a:avLst/>
+          </a:prstGeom>
+        </p:spPr>
+      </p:pic>
+      <p:sp>
+        <p:nvSpPr>
+          <p:cNvPr id="6" name="Rectangle 5">
+            <a:extLst>
+              <a:ext uri="{FF2B5EF4-FFF2-40B4-BE49-F238E27FC236}">
+                <a16:creationId xmlns:a16="http://schemas.microsoft.com/office/drawing/2014/main" id="{9D754CCD-49F4-4142-9E2A-82E93EF861B1}"/>
+              </a:ext>
+            </a:extLst>
+          </p:cNvPr>
+          <p:cNvSpPr/>
+          <p:nvPr/>
+        </p:nvSpPr>
+        <p:spPr>
+          <a:xfrm>
+            <a:off x="733530" y="2381250"/>
+            <a:ext cx="3999244" cy="1047750"/>
+          </a:xfrm>
+          <a:prstGeom prst="rect">
+            <a:avLst/>
+          </a:prstGeom>
+          <a:noFill/>
+          <a:ln w="38100">
+            <a:solidFill>
+              <a:srgbClr val="002060"/>
+            </a:solidFill>
+          </a:ln>
+        </p:spPr>
+        <p:style>
+          <a:lnRef idx="2">
+            <a:schemeClr val="accent1">
+              <a:shade val="50000"/>
+            </a:schemeClr>
+          </a:lnRef>
+          <a:fillRef idx="1">
+            <a:schemeClr val="accent1"/>
+          </a:fillRef>
+          <a:effectRef idx="0">
+            <a:schemeClr val="accent1"/>
+          </a:effectRef>
+          <a:fontRef idx="minor">
+            <a:schemeClr val="lt1"/>
+          </a:fontRef>
+        </p:style>
+        <p:txBody>
+          <a:bodyPr rtlCol="0" anchor="ctr"/>
+          <a:lstStyle/>
+          <a:p>
+            <a:pPr algn="ctr"/>
+            <a:endParaRPr lang="en-US"/>
+          </a:p>
+        </p:txBody>
+      </p:sp>
+      <p:sp>
+        <p:nvSpPr>
+          <p:cNvPr id="7" name="Rectangle 6">
+            <a:extLst>
+              <a:ext uri="{FF2B5EF4-FFF2-40B4-BE49-F238E27FC236}">
+                <a16:creationId xmlns:a16="http://schemas.microsoft.com/office/drawing/2014/main" id="{5361F7E6-AB8D-A14D-8B4D-65E1752150C0}"/>
+              </a:ext>
+            </a:extLst>
+          </p:cNvPr>
+          <p:cNvSpPr/>
+          <p:nvPr/>
+        </p:nvSpPr>
+        <p:spPr>
+          <a:xfrm>
+            <a:off x="733531" y="3915306"/>
+            <a:ext cx="2491990" cy="335148"/>
+          </a:xfrm>
+          <a:prstGeom prst="rect">
+            <a:avLst/>
+          </a:prstGeom>
+          <a:noFill/>
+          <a:ln w="38100">
+            <a:solidFill>
+              <a:srgbClr val="FF0000"/>
+            </a:solidFill>
+          </a:ln>
+        </p:spPr>
+        <p:style>
+          <a:lnRef idx="2">
+            <a:schemeClr val="accent1">
+              <a:shade val="50000"/>
+            </a:schemeClr>
+          </a:lnRef>
+          <a:fillRef idx="1">
+            <a:schemeClr val="accent1"/>
+          </a:fillRef>
+          <a:effectRef idx="0">
+            <a:schemeClr val="accent1"/>
+          </a:effectRef>
+          <a:fontRef idx="minor">
+            <a:schemeClr val="lt1"/>
+          </a:fontRef>
+        </p:style>
+        <p:txBody>
+          <a:bodyPr rtlCol="0" anchor="ctr"/>
+          <a:lstStyle/>
+          <a:p>
+            <a:pPr algn="ctr"/>
+            <a:endParaRPr lang="en-US"/>
+          </a:p>
+        </p:txBody>
+      </p:sp>
+      <p:sp>
+        <p:nvSpPr>
+          <p:cNvPr id="8" name="Line Callout 2 (Accent Bar) 7">
+            <a:extLst>
+              <a:ext uri="{FF2B5EF4-FFF2-40B4-BE49-F238E27FC236}">
+                <a16:creationId xmlns:a16="http://schemas.microsoft.com/office/drawing/2014/main" id="{39925A68-E4CF-254B-9503-5C6C1E505F4B}"/>
+              </a:ext>
+            </a:extLst>
+          </p:cNvPr>
+          <p:cNvSpPr/>
+          <p:nvPr/>
+        </p:nvSpPr>
+        <p:spPr>
+          <a:xfrm>
+            <a:off x="5439054" y="2229306"/>
+            <a:ext cx="1982875" cy="612648"/>
+          </a:xfrm>
+          <a:prstGeom prst="accentCallout2">
+            <a:avLst/>
+          </a:prstGeom>
+          <a:solidFill>
+            <a:schemeClr val="bg1"/>
+          </a:solidFill>
+          <a:ln w="38100"/>
+        </p:spPr>
+        <p:style>
+          <a:lnRef idx="2">
+            <a:schemeClr val="accent1">
+              <a:shade val="50000"/>
+            </a:schemeClr>
+          </a:lnRef>
+          <a:fillRef idx="1">
+            <a:schemeClr val="accent1"/>
+          </a:fillRef>
+          <a:effectRef idx="0">
+            <a:schemeClr val="accent1"/>
+          </a:effectRef>
+          <a:fontRef idx="minor">
+            <a:schemeClr val="lt1"/>
+          </a:fontRef>
+        </p:style>
+        <p:txBody>
+          <a:bodyPr rtlCol="0" anchor="ctr"/>
+          <a:lstStyle/>
+          <a:p>
+            <a:pPr algn="ctr"/>
+            <a:r>
+              <a:rPr lang="ja-JP" altLang="en-US" b="1">
+                <a:solidFill>
+                  <a:srgbClr val="002060"/>
+                </a:solidFill>
+              </a:rPr>
+              <a:t>この部分を入力</a:t>
+            </a:r>
+            <a:endParaRPr lang="en-US" b="1" dirty="0">
+              <a:solidFill>
+                <a:srgbClr val="002060"/>
+              </a:solidFill>
+            </a:endParaRPr>
+          </a:p>
+        </p:txBody>
+      </p:sp>
+      <p:sp>
+        <p:nvSpPr>
+          <p:cNvPr id="9" name="Line Callout 2 (Accent Bar) 8">
+            <a:extLst>
+              <a:ext uri="{FF2B5EF4-FFF2-40B4-BE49-F238E27FC236}">
+                <a16:creationId xmlns:a16="http://schemas.microsoft.com/office/drawing/2014/main" id="{4BC6140B-C6CB-1A4A-A25E-F81CD2F0740F}"/>
+              </a:ext>
+            </a:extLst>
+          </p:cNvPr>
+          <p:cNvSpPr/>
+          <p:nvPr/>
+        </p:nvSpPr>
+        <p:spPr>
+          <a:xfrm>
+            <a:off x="2950597" y="4371986"/>
+            <a:ext cx="2304690" cy="612648"/>
+          </a:xfrm>
+          <a:prstGeom prst="accentCallout2">
+            <a:avLst>
+              <a:gd name="adj1" fmla="val 18750"/>
+              <a:gd name="adj2" fmla="val -8333"/>
+              <a:gd name="adj3" fmla="val 18750"/>
+              <a:gd name="adj4" fmla="val -16667"/>
+              <a:gd name="adj5" fmla="val -26803"/>
+              <a:gd name="adj6" fmla="val -38537"/>
+            </a:avLst>
+          </a:prstGeom>
+          <a:solidFill>
+            <a:schemeClr val="bg1"/>
+          </a:solidFill>
+          <a:ln w="38100">
+            <a:solidFill>
+              <a:srgbClr val="FF0000"/>
+            </a:solidFill>
+          </a:ln>
+        </p:spPr>
+        <p:style>
+          <a:lnRef idx="2">
+            <a:schemeClr val="accent1">
+              <a:shade val="50000"/>
+            </a:schemeClr>
+          </a:lnRef>
+          <a:fillRef idx="1">
+            <a:schemeClr val="accent1"/>
+          </a:fillRef>
+          <a:effectRef idx="0">
+            <a:schemeClr val="accent1"/>
+          </a:effectRef>
+          <a:fontRef idx="minor">
+            <a:schemeClr val="lt1"/>
+          </a:fontRef>
+        </p:style>
+        <p:txBody>
+          <a:bodyPr rtlCol="0" anchor="ctr"/>
+          <a:lstStyle/>
+          <a:p>
+            <a:pPr algn="ctr"/>
+            <a:r>
+              <a:rPr lang="ja-JP" altLang="en-US" b="1">
+                <a:solidFill>
+                  <a:srgbClr val="FF0000"/>
+                </a:solidFill>
+              </a:rPr>
+              <a:t>取得して正しく復号できた</a:t>
+            </a:r>
+            <a:endParaRPr lang="en-US" b="1" dirty="0">
+              <a:solidFill>
+                <a:srgbClr val="FF0000"/>
+              </a:solidFill>
+            </a:endParaRPr>
+          </a:p>
+        </p:txBody>
+      </p:sp>
+    </p:spTree>
+    <p:extLst>
+      <p:ext uri="{BB962C8B-B14F-4D97-AF65-F5344CB8AC3E}">
+        <p14:creationId xmlns:p14="http://schemas.microsoft.com/office/powerpoint/2010/main" val="4212005061"/>
       </p:ext>
     </p:extLst>
   </p:cSld>
@@ -5400,10 +7987,121 @@
       </p:cxnSp>
       <p:sp>
         <p:nvSpPr>
-          <p:cNvPr id="76" name="吹き出し: 角を丸めた四角形 75">
-            <a:extLst>
-              <a:ext uri="{FF2B5EF4-FFF2-40B4-BE49-F238E27FC236}">
-                <a16:creationId xmlns:a16="http://schemas.microsoft.com/office/drawing/2014/main" id="{664AEE1C-7049-40C0-BFA7-44ADB2600158}"/>
+          <p:cNvPr id="78" name="テキスト ボックス 77">
+            <a:extLst>
+              <a:ext uri="{FF2B5EF4-FFF2-40B4-BE49-F238E27FC236}">
+                <a16:creationId xmlns:a16="http://schemas.microsoft.com/office/drawing/2014/main" id="{27EA04E4-0F08-467D-8A53-FAFBD807261C}"/>
+              </a:ext>
+            </a:extLst>
+          </p:cNvPr>
+          <p:cNvSpPr txBox="1"/>
+          <p:nvPr/>
+        </p:nvSpPr>
+        <p:spPr>
+          <a:xfrm>
+            <a:off x="4880240" y="3999044"/>
+            <a:ext cx="1041952" cy="369332"/>
+          </a:xfrm>
+          <a:prstGeom prst="rect">
+            <a:avLst/>
+          </a:prstGeom>
+          <a:solidFill>
+            <a:schemeClr val="bg1"/>
+          </a:solidFill>
+        </p:spPr>
+        <p:txBody>
+          <a:bodyPr wrap="none" rtlCol="0">
+            <a:spAutoFit/>
+          </a:bodyPr>
+          <a:lstStyle/>
+          <a:p>
+            <a:r>
+              <a:rPr kumimoji="1" lang="en-US" altLang="ja-JP" dirty="0"/>
+              <a:t>Frontend</a:t>
+            </a:r>
+            <a:endParaRPr kumimoji="1" lang="ja-JP" altLang="en-US" dirty="0"/>
+          </a:p>
+        </p:txBody>
+      </p:sp>
+      <p:sp>
+        <p:nvSpPr>
+          <p:cNvPr id="81" name="テキスト ボックス 80">
+            <a:extLst>
+              <a:ext uri="{FF2B5EF4-FFF2-40B4-BE49-F238E27FC236}">
+                <a16:creationId xmlns:a16="http://schemas.microsoft.com/office/drawing/2014/main" id="{40A271E3-B5E8-41B7-9772-C9DE4F280367}"/>
+              </a:ext>
+            </a:extLst>
+          </p:cNvPr>
+          <p:cNvSpPr txBox="1"/>
+          <p:nvPr/>
+        </p:nvSpPr>
+        <p:spPr>
+          <a:xfrm>
+            <a:off x="5030680" y="178224"/>
+            <a:ext cx="973921" cy="369332"/>
+          </a:xfrm>
+          <a:prstGeom prst="rect">
+            <a:avLst/>
+          </a:prstGeom>
+          <a:solidFill>
+            <a:schemeClr val="bg1"/>
+          </a:solidFill>
+        </p:spPr>
+        <p:txBody>
+          <a:bodyPr wrap="none" rtlCol="0">
+            <a:spAutoFit/>
+          </a:bodyPr>
+          <a:lstStyle/>
+          <a:p>
+            <a:r>
+              <a:rPr kumimoji="1" lang="en-US" altLang="ja-JP" dirty="0"/>
+              <a:t>Backend</a:t>
+            </a:r>
+            <a:endParaRPr kumimoji="1" lang="ja-JP" altLang="en-US" dirty="0"/>
+          </a:p>
+        </p:txBody>
+      </p:sp>
+      <p:sp>
+        <p:nvSpPr>
+          <p:cNvPr id="3" name="TextBox 2">
+            <a:extLst>
+              <a:ext uri="{FF2B5EF4-FFF2-40B4-BE49-F238E27FC236}">
+                <a16:creationId xmlns:a16="http://schemas.microsoft.com/office/drawing/2014/main" id="{78A648DA-79C2-624D-AA63-57BA7351A567}"/>
+              </a:ext>
+            </a:extLst>
+          </p:cNvPr>
+          <p:cNvSpPr txBox="1"/>
+          <p:nvPr/>
+        </p:nvSpPr>
+        <p:spPr>
+          <a:xfrm>
+            <a:off x="418290" y="4126121"/>
+            <a:ext cx="1582228" cy="369332"/>
+          </a:xfrm>
+          <a:prstGeom prst="rect">
+            <a:avLst/>
+          </a:prstGeom>
+          <a:noFill/>
+        </p:spPr>
+        <p:txBody>
+          <a:bodyPr wrap="none" rtlCol="0">
+            <a:spAutoFit/>
+          </a:bodyPr>
+          <a:lstStyle/>
+          <a:p>
+            <a:r>
+              <a:rPr lang="en-US" dirty="0"/>
+              <a:t>User (Browser)</a:t>
+            </a:r>
+          </a:p>
+        </p:txBody>
+      </p:sp>
+      <p:sp>
+        <p:nvSpPr>
+          <p:cNvPr id="8" name="Can 7">
+            <a:extLst>
+              <a:ext uri="{FF2B5EF4-FFF2-40B4-BE49-F238E27FC236}">
+                <a16:creationId xmlns:a16="http://schemas.microsoft.com/office/drawing/2014/main" id="{6D389A55-F10C-984E-8955-FA4C4EF7DD1A}"/>
               </a:ext>
             </a:extLst>
           </p:cNvPr>
@@ -5411,23 +8109,13 @@
           <p:nvPr/>
         </p:nvSpPr>
         <p:spPr>
-          <a:xfrm>
-            <a:off x="248131" y="4503476"/>
-            <a:ext cx="2659436" cy="789762"/>
-          </a:xfrm>
-          <a:prstGeom prst="wedgeRoundRectCallout">
-            <a:avLst>
-              <a:gd name="adj1" fmla="val 36423"/>
-              <a:gd name="adj2" fmla="val -71829"/>
-              <a:gd name="adj3" fmla="val 16667"/>
-            </a:avLst>
-          </a:prstGeom>
-          <a:noFill/>
-          <a:ln w="38100">
-            <a:solidFill>
-              <a:srgbClr val="FFC000"/>
-            </a:solidFill>
-          </a:ln>
+          <a:xfrm rot="14881054">
+            <a:off x="3492706" y="1899015"/>
+            <a:ext cx="278329" cy="1896656"/>
+          </a:xfrm>
+          <a:prstGeom prst="can">
+            <a:avLst/>
+          </a:prstGeom>
         </p:spPr>
         <p:style>
           <a:lnRef idx="2">
@@ -5449,28 +8137,56 @@
           <a:bodyPr rtlCol="0" anchor="ctr"/>
           <a:lstStyle/>
           <a:p>
-            <a:r>
-              <a:rPr kumimoji="1" lang="en-US" altLang="ja-JP" dirty="0">
+            <a:pPr algn="ctr"/>
+            <a:endParaRPr lang="en-US"/>
+          </a:p>
+        </p:txBody>
+      </p:sp>
+      <p:sp>
+        <p:nvSpPr>
+          <p:cNvPr id="7" name="TextBox 6">
+            <a:extLst>
+              <a:ext uri="{FF2B5EF4-FFF2-40B4-BE49-F238E27FC236}">
+                <a16:creationId xmlns:a16="http://schemas.microsoft.com/office/drawing/2014/main" id="{48D8EA65-5000-D443-BCE5-866C3D75236C}"/>
+              </a:ext>
+            </a:extLst>
+          </p:cNvPr>
+          <p:cNvSpPr txBox="1"/>
+          <p:nvPr/>
+        </p:nvSpPr>
+        <p:spPr>
+          <a:xfrm rot="20323196">
+            <a:off x="2799694" y="2667198"/>
+            <a:ext cx="1636923" cy="369332"/>
+          </a:xfrm>
+          <a:prstGeom prst="rect">
+            <a:avLst/>
+          </a:prstGeom>
+          <a:noFill/>
+        </p:spPr>
+        <p:txBody>
+          <a:bodyPr wrap="none" rtlCol="0">
+            <a:spAutoFit/>
+          </a:bodyPr>
+          <a:lstStyle/>
+          <a:p>
+            <a:r>
+              <a:rPr lang="en-US" dirty="0">
                 <a:solidFill>
-                  <a:schemeClr val="tx1"/>
+                  <a:srgbClr val="FF0000"/>
                 </a:solidFill>
               </a:rPr>
-              <a:t>1) Download webpage and application code</a:t>
-            </a:r>
-            <a:endParaRPr kumimoji="1" lang="ja-JP" altLang="en-US" dirty="0">
-              <a:solidFill>
-                <a:schemeClr val="tx1"/>
-              </a:solidFill>
-            </a:endParaRPr>
-          </a:p>
-        </p:txBody>
-      </p:sp>
-      <p:sp>
-        <p:nvSpPr>
-          <p:cNvPr id="77" name="吹き出し: 角を丸めた四角形 76">
-            <a:extLst>
-              <a:ext uri="{FF2B5EF4-FFF2-40B4-BE49-F238E27FC236}">
-                <a16:creationId xmlns:a16="http://schemas.microsoft.com/office/drawing/2014/main" id="{58BE95E1-B661-40AA-9634-CE410256CE2E}"/>
+              <a:t>HTTPS(SSL/TLS)</a:t>
+            </a:r>
+          </a:p>
+        </p:txBody>
+      </p:sp>
+      <p:sp>
+        <p:nvSpPr>
+          <p:cNvPr id="46" name="Can 45">
+            <a:extLst>
+              <a:ext uri="{FF2B5EF4-FFF2-40B4-BE49-F238E27FC236}">
+                <a16:creationId xmlns:a16="http://schemas.microsoft.com/office/drawing/2014/main" id="{C3326E1D-510B-1B4E-81B4-292DB72C72CB}"/>
               </a:ext>
             </a:extLst>
           </p:cNvPr>
@@ -5478,19 +8194,16 @@
           <p:nvPr/>
         </p:nvSpPr>
         <p:spPr>
-          <a:xfrm>
-            <a:off x="379352" y="1031040"/>
-            <a:ext cx="2659436" cy="1255803"/>
-          </a:xfrm>
-          <a:prstGeom prst="wedgeRoundRectCallout">
-            <a:avLst>
-              <a:gd name="adj1" fmla="val -609"/>
-              <a:gd name="adj2" fmla="val 74015"/>
-              <a:gd name="adj3" fmla="val 16667"/>
-            </a:avLst>
-          </a:prstGeom>
-          <a:noFill/>
-          <a:ln w="38100"/>
+          <a:xfrm rot="17145457">
+            <a:off x="3387875" y="3361786"/>
+            <a:ext cx="278329" cy="1896656"/>
+          </a:xfrm>
+          <a:prstGeom prst="can">
+            <a:avLst/>
+          </a:prstGeom>
+          <a:solidFill>
+            <a:srgbClr val="FFC000"/>
+          </a:solidFill>
         </p:spPr>
         <p:style>
           <a:lnRef idx="2">
@@ -5512,129 +8225,229 @@
           <a:bodyPr rtlCol="0" anchor="ctr"/>
           <a:lstStyle/>
           <a:p>
-            <a:r>
-              <a:rPr kumimoji="1" lang="en-US" altLang="ja-JP" dirty="0">
+            <a:pPr algn="ctr"/>
+            <a:endParaRPr lang="en-US"/>
+          </a:p>
+        </p:txBody>
+      </p:sp>
+      <p:sp>
+        <p:nvSpPr>
+          <p:cNvPr id="47" name="TextBox 46">
+            <a:extLst>
+              <a:ext uri="{FF2B5EF4-FFF2-40B4-BE49-F238E27FC236}">
+                <a16:creationId xmlns:a16="http://schemas.microsoft.com/office/drawing/2014/main" id="{C4DC875C-F8AF-7247-BB11-C44C02CFB0F8}"/>
+              </a:ext>
+            </a:extLst>
+          </p:cNvPr>
+          <p:cNvSpPr txBox="1"/>
+          <p:nvPr/>
+        </p:nvSpPr>
+        <p:spPr>
+          <a:xfrm rot="987599">
+            <a:off x="2694863" y="4129969"/>
+            <a:ext cx="1636923" cy="369332"/>
+          </a:xfrm>
+          <a:prstGeom prst="rect">
+            <a:avLst/>
+          </a:prstGeom>
+          <a:noFill/>
+        </p:spPr>
+        <p:txBody>
+          <a:bodyPr wrap="none" rtlCol="0">
+            <a:spAutoFit/>
+          </a:bodyPr>
+          <a:lstStyle/>
+          <a:p>
+            <a:r>
+              <a:rPr lang="en-US" dirty="0">
+                <a:solidFill>
+                  <a:srgbClr val="FF0000"/>
+                </a:solidFill>
+              </a:rPr>
+              <a:t>HTTPS(SSL/TLS)</a:t>
+            </a:r>
+          </a:p>
+        </p:txBody>
+      </p:sp>
+      <p:pic>
+        <p:nvPicPr>
+          <p:cNvPr id="10" name="Picture 9">
+            <a:extLst>
+              <a:ext uri="{FF2B5EF4-FFF2-40B4-BE49-F238E27FC236}">
+                <a16:creationId xmlns:a16="http://schemas.microsoft.com/office/drawing/2014/main" id="{60533E61-6327-7D41-8705-4A8F7AE7B46E}"/>
+              </a:ext>
+            </a:extLst>
+          </p:cNvPr>
+          <p:cNvPicPr>
+            <a:picLocks noChangeAspect="1"/>
+          </p:cNvPicPr>
+          <p:nvPr/>
+        </p:nvPicPr>
+        <p:blipFill>
+          <a:blip r:embed="rId9"/>
+          <a:stretch>
+            <a:fillRect/>
+          </a:stretch>
+        </p:blipFill>
+        <p:spPr>
+          <a:xfrm>
+            <a:off x="2387327" y="716919"/>
+            <a:ext cx="1057298" cy="962260"/>
+          </a:xfrm>
+          <a:prstGeom prst="rect">
+            <a:avLst/>
+          </a:prstGeom>
+        </p:spPr>
+      </p:pic>
+      <p:cxnSp>
+        <p:nvCxnSpPr>
+          <p:cNvPr id="12" name="Straight Arrow Connector 11">
+            <a:extLst>
+              <a:ext uri="{FF2B5EF4-FFF2-40B4-BE49-F238E27FC236}">
+                <a16:creationId xmlns:a16="http://schemas.microsoft.com/office/drawing/2014/main" id="{055ED6DC-36A2-6043-BEBF-854814B7D022}"/>
+              </a:ext>
+            </a:extLst>
+          </p:cNvPr>
+          <p:cNvCxnSpPr>
+            <a:stCxn id="10" idx="2"/>
+          </p:cNvCxnSpPr>
+          <p:nvPr/>
+        </p:nvCxnSpPr>
+        <p:spPr>
+          <a:xfrm>
+            <a:off x="2915976" y="1679179"/>
+            <a:ext cx="446503" cy="972039"/>
+          </a:xfrm>
+          <a:prstGeom prst="straightConnector1">
+            <a:avLst/>
+          </a:prstGeom>
+          <a:ln w="38100">
+            <a:solidFill>
+              <a:schemeClr val="tx1"/>
+            </a:solidFill>
+            <a:tailEnd type="triangle"/>
+          </a:ln>
+        </p:spPr>
+        <p:style>
+          <a:lnRef idx="1">
+            <a:schemeClr val="accent1"/>
+          </a:lnRef>
+          <a:fillRef idx="0">
+            <a:schemeClr val="accent1"/>
+          </a:fillRef>
+          <a:effectRef idx="0">
+            <a:schemeClr val="accent1"/>
+          </a:effectRef>
+          <a:fontRef idx="minor">
+            <a:schemeClr val="tx1"/>
+          </a:fontRef>
+        </p:style>
+      </p:cxnSp>
+      <p:sp>
+        <p:nvSpPr>
+          <p:cNvPr id="39" name="Cross 38">
+            <a:extLst>
+              <a:ext uri="{FF2B5EF4-FFF2-40B4-BE49-F238E27FC236}">
+                <a16:creationId xmlns:a16="http://schemas.microsoft.com/office/drawing/2014/main" id="{8A19A62D-9902-0B46-AECE-BF2E4D401AE1}"/>
+              </a:ext>
+            </a:extLst>
+          </p:cNvPr>
+          <p:cNvSpPr/>
+          <p:nvPr/>
+        </p:nvSpPr>
+        <p:spPr>
+          <a:xfrm rot="17943525">
+            <a:off x="2268434" y="986123"/>
+            <a:ext cx="1396666" cy="1393816"/>
+          </a:xfrm>
+          <a:prstGeom prst="plus">
+            <a:avLst>
+              <a:gd name="adj" fmla="val 44101"/>
+            </a:avLst>
+          </a:prstGeom>
+          <a:solidFill>
+            <a:srgbClr val="FF0000"/>
+          </a:solidFill>
+        </p:spPr>
+        <p:style>
+          <a:lnRef idx="2">
+            <a:schemeClr val="accent1">
+              <a:shade val="50000"/>
+            </a:schemeClr>
+          </a:lnRef>
+          <a:fillRef idx="1">
+            <a:schemeClr val="accent1"/>
+          </a:fillRef>
+          <a:effectRef idx="0">
+            <a:schemeClr val="accent1"/>
+          </a:effectRef>
+          <a:fontRef idx="minor">
+            <a:schemeClr val="lt1"/>
+          </a:fontRef>
+        </p:style>
+        <p:txBody>
+          <a:bodyPr rtlCol="0" anchor="ctr"/>
+          <a:lstStyle/>
+          <a:p>
+            <a:pPr algn="ctr"/>
+            <a:endParaRPr lang="en-US" dirty="0"/>
+          </a:p>
+        </p:txBody>
+      </p:sp>
+      <p:sp>
+        <p:nvSpPr>
+          <p:cNvPr id="43" name="Rounded Rectangular Callout 42">
+            <a:extLst>
+              <a:ext uri="{FF2B5EF4-FFF2-40B4-BE49-F238E27FC236}">
+                <a16:creationId xmlns:a16="http://schemas.microsoft.com/office/drawing/2014/main" id="{49C0A9DF-B6E6-BA4F-B4A3-EEE46F2CEFA8}"/>
+              </a:ext>
+            </a:extLst>
+          </p:cNvPr>
+          <p:cNvSpPr/>
+          <p:nvPr/>
+        </p:nvSpPr>
+        <p:spPr>
+          <a:xfrm>
+            <a:off x="418291" y="54741"/>
+            <a:ext cx="4029542" cy="612648"/>
+          </a:xfrm>
+          <a:prstGeom prst="wedgeRoundRectCallout">
+            <a:avLst>
+              <a:gd name="adj1" fmla="val -288"/>
+              <a:gd name="adj2" fmla="val 77593"/>
+              <a:gd name="adj3" fmla="val 16667"/>
+            </a:avLst>
+          </a:prstGeom>
+          <a:noFill/>
+          <a:ln w="38100"/>
+        </p:spPr>
+        <p:style>
+          <a:lnRef idx="2">
+            <a:schemeClr val="accent1">
+              <a:shade val="50000"/>
+            </a:schemeClr>
+          </a:lnRef>
+          <a:fillRef idx="1">
+            <a:schemeClr val="accent1"/>
+          </a:fillRef>
+          <a:effectRef idx="0">
+            <a:schemeClr val="accent1"/>
+          </a:effectRef>
+          <a:fontRef idx="minor">
+            <a:schemeClr val="lt1"/>
+          </a:fontRef>
+        </p:style>
+        <p:txBody>
+          <a:bodyPr rtlCol="0" anchor="ctr"/>
+          <a:lstStyle/>
+          <a:p>
+            <a:r>
+              <a:rPr lang="en-US" dirty="0">
                 <a:solidFill>
                   <a:schemeClr val="tx1"/>
                 </a:solidFill>
               </a:rPr>
-              <a:t>2) Execute the app code and communicate with computing and data resources in backend.</a:t>
-            </a:r>
-            <a:endParaRPr kumimoji="1" lang="ja-JP" altLang="en-US" dirty="0">
-              <a:solidFill>
-                <a:schemeClr val="tx1"/>
-              </a:solidFill>
-            </a:endParaRPr>
-          </a:p>
-        </p:txBody>
-      </p:sp>
-      <p:sp>
-        <p:nvSpPr>
-          <p:cNvPr id="78" name="テキスト ボックス 77">
-            <a:extLst>
-              <a:ext uri="{FF2B5EF4-FFF2-40B4-BE49-F238E27FC236}">
-                <a16:creationId xmlns:a16="http://schemas.microsoft.com/office/drawing/2014/main" id="{27EA04E4-0F08-467D-8A53-FAFBD807261C}"/>
-              </a:ext>
-            </a:extLst>
-          </p:cNvPr>
-          <p:cNvSpPr txBox="1"/>
-          <p:nvPr/>
-        </p:nvSpPr>
-        <p:spPr>
-          <a:xfrm>
-            <a:off x="4880240" y="3999044"/>
-            <a:ext cx="1041952" cy="369332"/>
-          </a:xfrm>
-          <a:prstGeom prst="rect">
-            <a:avLst/>
-          </a:prstGeom>
-          <a:solidFill>
-            <a:schemeClr val="bg1"/>
-          </a:solidFill>
-        </p:spPr>
-        <p:txBody>
-          <a:bodyPr wrap="none" rtlCol="0">
-            <a:spAutoFit/>
-          </a:bodyPr>
-          <a:lstStyle/>
-          <a:p>
-            <a:r>
-              <a:rPr kumimoji="1" lang="en-US" altLang="ja-JP" dirty="0"/>
-              <a:t>Frontend</a:t>
-            </a:r>
-            <a:endParaRPr kumimoji="1" lang="ja-JP" altLang="en-US" dirty="0"/>
-          </a:p>
-        </p:txBody>
-      </p:sp>
-      <p:sp>
-        <p:nvSpPr>
-          <p:cNvPr id="81" name="テキスト ボックス 80">
-            <a:extLst>
-              <a:ext uri="{FF2B5EF4-FFF2-40B4-BE49-F238E27FC236}">
-                <a16:creationId xmlns:a16="http://schemas.microsoft.com/office/drawing/2014/main" id="{40A271E3-B5E8-41B7-9772-C9DE4F280367}"/>
-              </a:ext>
-            </a:extLst>
-          </p:cNvPr>
-          <p:cNvSpPr txBox="1"/>
-          <p:nvPr/>
-        </p:nvSpPr>
-        <p:spPr>
-          <a:xfrm>
-            <a:off x="5030680" y="178224"/>
-            <a:ext cx="973921" cy="369332"/>
-          </a:xfrm>
-          <a:prstGeom prst="rect">
-            <a:avLst/>
-          </a:prstGeom>
-          <a:solidFill>
-            <a:schemeClr val="bg1"/>
-          </a:solidFill>
-        </p:spPr>
-        <p:txBody>
-          <a:bodyPr wrap="none" rtlCol="0">
-            <a:spAutoFit/>
-          </a:bodyPr>
-          <a:lstStyle/>
-          <a:p>
-            <a:r>
-              <a:rPr kumimoji="1" lang="en-US" altLang="ja-JP" dirty="0"/>
-              <a:t>Backend</a:t>
-            </a:r>
-            <a:endParaRPr kumimoji="1" lang="ja-JP" altLang="en-US" dirty="0"/>
-          </a:p>
-        </p:txBody>
-      </p:sp>
-      <p:sp>
-        <p:nvSpPr>
-          <p:cNvPr id="3" name="TextBox 2">
-            <a:extLst>
-              <a:ext uri="{FF2B5EF4-FFF2-40B4-BE49-F238E27FC236}">
-                <a16:creationId xmlns:a16="http://schemas.microsoft.com/office/drawing/2014/main" id="{78A648DA-79C2-624D-AA63-57BA7351A567}"/>
-              </a:ext>
-            </a:extLst>
-          </p:cNvPr>
-          <p:cNvSpPr txBox="1"/>
-          <p:nvPr/>
-        </p:nvSpPr>
-        <p:spPr>
-          <a:xfrm>
-            <a:off x="418290" y="4126121"/>
-            <a:ext cx="1582228" cy="369332"/>
-          </a:xfrm>
-          <a:prstGeom prst="rect">
-            <a:avLst/>
-          </a:prstGeom>
-          <a:noFill/>
-        </p:spPr>
-        <p:txBody>
-          <a:bodyPr wrap="none" rtlCol="0">
-            <a:spAutoFit/>
-          </a:bodyPr>
-          <a:lstStyle/>
-          <a:p>
-            <a:r>
-              <a:rPr lang="en-US" dirty="0"/>
-              <a:t>User (Browser)</a:t>
+              <a:t>SSL/TLS prevent protect user data from being eavesdropped on a public channel</a:t>
             </a:r>
           </a:p>
         </p:txBody>
@@ -5642,7 +8455,7 @@
     </p:spTree>
     <p:extLst>
       <p:ext uri="{BB962C8B-B14F-4D97-AF65-F5344CB8AC3E}">
-        <p14:creationId xmlns:p14="http://schemas.microsoft.com/office/powerpoint/2010/main" val="1461578525"/>
+        <p14:creationId xmlns:p14="http://schemas.microsoft.com/office/powerpoint/2010/main" val="1424230873"/>
       </p:ext>
     </p:extLst>
   </p:cSld>
@@ -7439,1967 +10252,6 @@
         </p:blipFill>
         <p:spPr>
           <a:xfrm>
-            <a:off x="2387327" y="716919"/>
-            <a:ext cx="1057298" cy="962260"/>
-          </a:xfrm>
-          <a:prstGeom prst="rect">
-            <a:avLst/>
-          </a:prstGeom>
-        </p:spPr>
-      </p:pic>
-      <p:cxnSp>
-        <p:nvCxnSpPr>
-          <p:cNvPr id="12" name="Straight Arrow Connector 11">
-            <a:extLst>
-              <a:ext uri="{FF2B5EF4-FFF2-40B4-BE49-F238E27FC236}">
-                <a16:creationId xmlns:a16="http://schemas.microsoft.com/office/drawing/2014/main" id="{055ED6DC-36A2-6043-BEBF-854814B7D022}"/>
-              </a:ext>
-            </a:extLst>
-          </p:cNvPr>
-          <p:cNvCxnSpPr>
-            <a:stCxn id="10" idx="2"/>
-          </p:cNvCxnSpPr>
-          <p:nvPr/>
-        </p:nvCxnSpPr>
-        <p:spPr>
-          <a:xfrm>
-            <a:off x="2915976" y="1679179"/>
-            <a:ext cx="446503" cy="972039"/>
-          </a:xfrm>
-          <a:prstGeom prst="straightConnector1">
-            <a:avLst/>
-          </a:prstGeom>
-          <a:ln w="38100">
-            <a:solidFill>
-              <a:schemeClr val="tx1"/>
-            </a:solidFill>
-            <a:tailEnd type="triangle"/>
-          </a:ln>
-        </p:spPr>
-        <p:style>
-          <a:lnRef idx="1">
-            <a:schemeClr val="accent1"/>
-          </a:lnRef>
-          <a:fillRef idx="0">
-            <a:schemeClr val="accent1"/>
-          </a:fillRef>
-          <a:effectRef idx="0">
-            <a:schemeClr val="accent1"/>
-          </a:effectRef>
-          <a:fontRef idx="minor">
-            <a:schemeClr val="tx1"/>
-          </a:fontRef>
-        </p:style>
-      </p:cxnSp>
-      <p:sp>
-        <p:nvSpPr>
-          <p:cNvPr id="39" name="Cross 38">
-            <a:extLst>
-              <a:ext uri="{FF2B5EF4-FFF2-40B4-BE49-F238E27FC236}">
-                <a16:creationId xmlns:a16="http://schemas.microsoft.com/office/drawing/2014/main" id="{8A19A62D-9902-0B46-AECE-BF2E4D401AE1}"/>
-              </a:ext>
-            </a:extLst>
-          </p:cNvPr>
-          <p:cNvSpPr/>
-          <p:nvPr/>
-        </p:nvSpPr>
-        <p:spPr>
-          <a:xfrm rot="17943525">
-            <a:off x="2268434" y="986123"/>
-            <a:ext cx="1396666" cy="1393816"/>
-          </a:xfrm>
-          <a:prstGeom prst="plus">
-            <a:avLst>
-              <a:gd name="adj" fmla="val 44101"/>
-            </a:avLst>
-          </a:prstGeom>
-          <a:solidFill>
-            <a:srgbClr val="FF0000"/>
-          </a:solidFill>
-        </p:spPr>
-        <p:style>
-          <a:lnRef idx="2">
-            <a:schemeClr val="accent1">
-              <a:shade val="50000"/>
-            </a:schemeClr>
-          </a:lnRef>
-          <a:fillRef idx="1">
-            <a:schemeClr val="accent1"/>
-          </a:fillRef>
-          <a:effectRef idx="0">
-            <a:schemeClr val="accent1"/>
-          </a:effectRef>
-          <a:fontRef idx="minor">
-            <a:schemeClr val="lt1"/>
-          </a:fontRef>
-        </p:style>
-        <p:txBody>
-          <a:bodyPr rtlCol="0" anchor="ctr"/>
-          <a:lstStyle/>
-          <a:p>
-            <a:pPr algn="ctr"/>
-            <a:endParaRPr lang="en-US" dirty="0"/>
-          </a:p>
-        </p:txBody>
-      </p:sp>
-      <p:sp>
-        <p:nvSpPr>
-          <p:cNvPr id="43" name="Rounded Rectangular Callout 42">
-            <a:extLst>
-              <a:ext uri="{FF2B5EF4-FFF2-40B4-BE49-F238E27FC236}">
-                <a16:creationId xmlns:a16="http://schemas.microsoft.com/office/drawing/2014/main" id="{49C0A9DF-B6E6-BA4F-B4A3-EEE46F2CEFA8}"/>
-              </a:ext>
-            </a:extLst>
-          </p:cNvPr>
-          <p:cNvSpPr/>
-          <p:nvPr/>
-        </p:nvSpPr>
-        <p:spPr>
-          <a:xfrm>
-            <a:off x="418291" y="54741"/>
-            <a:ext cx="4029542" cy="612648"/>
-          </a:xfrm>
-          <a:prstGeom prst="wedgeRoundRectCallout">
-            <a:avLst>
-              <a:gd name="adj1" fmla="val -288"/>
-              <a:gd name="adj2" fmla="val 77593"/>
-              <a:gd name="adj3" fmla="val 16667"/>
-            </a:avLst>
-          </a:prstGeom>
-          <a:noFill/>
-          <a:ln w="38100"/>
-        </p:spPr>
-        <p:style>
-          <a:lnRef idx="2">
-            <a:schemeClr val="accent1">
-              <a:shade val="50000"/>
-            </a:schemeClr>
-          </a:lnRef>
-          <a:fillRef idx="1">
-            <a:schemeClr val="accent1"/>
-          </a:fillRef>
-          <a:effectRef idx="0">
-            <a:schemeClr val="accent1"/>
-          </a:effectRef>
-          <a:fontRef idx="minor">
-            <a:schemeClr val="lt1"/>
-          </a:fontRef>
-        </p:style>
-        <p:txBody>
-          <a:bodyPr rtlCol="0" anchor="ctr"/>
-          <a:lstStyle/>
-          <a:p>
-            <a:r>
-              <a:rPr lang="en-US" dirty="0">
-                <a:solidFill>
-                  <a:schemeClr val="tx1"/>
-                </a:solidFill>
-              </a:rPr>
-              <a:t>SSL/TLS prevent protect user data from being eavesdropped on a public channel</a:t>
-            </a:r>
-          </a:p>
-        </p:txBody>
-      </p:sp>
-    </p:spTree>
-    <p:extLst>
-      <p:ext uri="{BB962C8B-B14F-4D97-AF65-F5344CB8AC3E}">
-        <p14:creationId xmlns:p14="http://schemas.microsoft.com/office/powerpoint/2010/main" val="1424230873"/>
-      </p:ext>
-    </p:extLst>
-  </p:cSld>
-  <p:clrMapOvr>
-    <a:masterClrMapping/>
-  </p:clrMapOvr>
-</p:sld>
-</file>
-
-<file path=ppt/slides/slide4.xml><?xml version="1.0" encoding="utf-8"?>
-<p:sld xmlns:a="http://schemas.openxmlformats.org/drawingml/2006/main" xmlns:r="http://schemas.openxmlformats.org/officeDocument/2006/relationships" xmlns:p="http://schemas.openxmlformats.org/presentationml/2006/main">
-  <p:cSld>
-    <p:spTree>
-      <p:nvGrpSpPr>
-        <p:cNvPr id="1" name=""/>
-        <p:cNvGrpSpPr/>
-        <p:nvPr/>
-      </p:nvGrpSpPr>
-      <p:grpSpPr>
-        <a:xfrm>
-          <a:off x="0" y="0"/>
-          <a:ext cx="0" cy="0"/>
-          <a:chOff x="0" y="0"/>
-          <a:chExt cx="0" cy="0"/>
-        </a:xfrm>
-      </p:grpSpPr>
-      <p:sp>
-        <p:nvSpPr>
-          <p:cNvPr id="5" name="Rounded Rectangle 4">
-            <a:extLst>
-              <a:ext uri="{FF2B5EF4-FFF2-40B4-BE49-F238E27FC236}">
-                <a16:creationId xmlns:a16="http://schemas.microsoft.com/office/drawing/2014/main" id="{6E531449-230A-7148-A6E5-B91A61DBBAF9}"/>
-              </a:ext>
-            </a:extLst>
-          </p:cNvPr>
-          <p:cNvSpPr/>
-          <p:nvPr/>
-        </p:nvSpPr>
-        <p:spPr>
-          <a:xfrm>
-            <a:off x="5089132" y="342900"/>
-            <a:ext cx="4784333" cy="3440995"/>
-          </a:xfrm>
-          <a:prstGeom prst="roundRect">
-            <a:avLst/>
-          </a:prstGeom>
-          <a:noFill/>
-          <a:ln w="38100">
-            <a:solidFill>
-              <a:schemeClr val="accent1"/>
-            </a:solidFill>
-          </a:ln>
-        </p:spPr>
-        <p:style>
-          <a:lnRef idx="2">
-            <a:schemeClr val="accent1">
-              <a:shade val="50000"/>
-            </a:schemeClr>
-          </a:lnRef>
-          <a:fillRef idx="1">
-            <a:schemeClr val="accent1"/>
-          </a:fillRef>
-          <a:effectRef idx="0">
-            <a:schemeClr val="accent1"/>
-          </a:effectRef>
-          <a:fontRef idx="minor">
-            <a:schemeClr val="lt1"/>
-          </a:fontRef>
-        </p:style>
-        <p:txBody>
-          <a:bodyPr rtlCol="0" anchor="ctr"/>
-          <a:lstStyle/>
-          <a:p>
-            <a:pPr algn="ctr"/>
-            <a:endParaRPr lang="en-US"/>
-          </a:p>
-        </p:txBody>
-      </p:sp>
-      <p:sp>
-        <p:nvSpPr>
-          <p:cNvPr id="6" name="TextBox 5">
-            <a:extLst>
-              <a:ext uri="{FF2B5EF4-FFF2-40B4-BE49-F238E27FC236}">
-                <a16:creationId xmlns:a16="http://schemas.microsoft.com/office/drawing/2014/main" id="{4A08E93B-DF74-5341-BB01-46A4380C760F}"/>
-              </a:ext>
-            </a:extLst>
-          </p:cNvPr>
-          <p:cNvSpPr txBox="1"/>
-          <p:nvPr/>
-        </p:nvSpPr>
-        <p:spPr>
-          <a:xfrm>
-            <a:off x="6379943" y="6351508"/>
-            <a:ext cx="2674835" cy="369332"/>
-          </a:xfrm>
-          <a:prstGeom prst="rect">
-            <a:avLst/>
-          </a:prstGeom>
-          <a:noFill/>
-        </p:spPr>
-        <p:txBody>
-          <a:bodyPr wrap="none" rtlCol="0">
-            <a:spAutoFit/>
-          </a:bodyPr>
-          <a:lstStyle/>
-          <a:p>
-            <a:pPr algn="ctr"/>
-            <a:r>
-              <a:rPr lang="en-US" altLang="ja-JP" dirty="0"/>
-              <a:t>Cloud</a:t>
-            </a:r>
-            <a:r>
-              <a:rPr lang="ja-JP" altLang="en-US" dirty="0"/>
-              <a:t> </a:t>
-            </a:r>
-            <a:r>
-              <a:rPr lang="en-US" altLang="ja-JP" dirty="0"/>
-              <a:t>platform (e.g., AWS)</a:t>
-            </a:r>
-            <a:endParaRPr lang="en-US" dirty="0"/>
-          </a:p>
-        </p:txBody>
-      </p:sp>
-      <p:pic>
-        <p:nvPicPr>
-          <p:cNvPr id="14" name="Picture 13">
-            <a:extLst>
-              <a:ext uri="{FF2B5EF4-FFF2-40B4-BE49-F238E27FC236}">
-                <a16:creationId xmlns:a16="http://schemas.microsoft.com/office/drawing/2014/main" id="{4C9C6CFB-A5CA-2B47-8998-2F59B37E6832}"/>
-              </a:ext>
-            </a:extLst>
-          </p:cNvPr>
-          <p:cNvPicPr>
-            <a:picLocks noChangeAspect="1"/>
-          </p:cNvPicPr>
-          <p:nvPr/>
-        </p:nvPicPr>
-        <p:blipFill>
-          <a:blip r:embed="rId2">
-            <a:extLst>
-              <a:ext uri="{28A0092B-C50C-407E-A947-70E740481C1C}">
-                <a14:useLocalDpi xmlns:a14="http://schemas.microsoft.com/office/drawing/2010/main" val="0"/>
-              </a:ext>
-            </a:extLst>
-          </a:blip>
-          <a:stretch>
-            <a:fillRect/>
-          </a:stretch>
-        </p:blipFill>
-        <p:spPr>
-          <a:xfrm>
-            <a:off x="5517641" y="1778001"/>
-            <a:ext cx="521366" cy="625640"/>
-          </a:xfrm>
-          <a:prstGeom prst="rect">
-            <a:avLst/>
-          </a:prstGeom>
-        </p:spPr>
-      </p:pic>
-      <p:sp>
-        <p:nvSpPr>
-          <p:cNvPr id="15" name="TextBox 14">
-            <a:extLst>
-              <a:ext uri="{FF2B5EF4-FFF2-40B4-BE49-F238E27FC236}">
-                <a16:creationId xmlns:a16="http://schemas.microsoft.com/office/drawing/2014/main" id="{90737ECB-BA51-494D-B878-65C5981552AC}"/>
-              </a:ext>
-            </a:extLst>
-          </p:cNvPr>
-          <p:cNvSpPr txBox="1"/>
-          <p:nvPr/>
-        </p:nvSpPr>
-        <p:spPr>
-          <a:xfrm>
-            <a:off x="5330948" y="2448800"/>
-            <a:ext cx="894752" cy="155632"/>
-          </a:xfrm>
-          <a:prstGeom prst="rect">
-            <a:avLst/>
-          </a:prstGeom>
-          <a:noFill/>
-        </p:spPr>
-        <p:txBody>
-          <a:bodyPr wrap="square" lIns="0" tIns="0" rIns="0" bIns="0" rtlCol="0" anchor="t">
-            <a:noAutofit/>
-          </a:bodyPr>
-          <a:lstStyle/>
-          <a:p>
-            <a:pPr algn="ctr"/>
-            <a:r>
-              <a:rPr lang="en-US" sz="1000" b="1" dirty="0"/>
-              <a:t>Amazon API Gateway*</a:t>
-            </a:r>
-            <a:endParaRPr lang="en-US" b="1" dirty="0"/>
-          </a:p>
-        </p:txBody>
-      </p:sp>
-      <p:sp>
-        <p:nvSpPr>
-          <p:cNvPr id="16" name="TextBox 15">
-            <a:extLst>
-              <a:ext uri="{FF2B5EF4-FFF2-40B4-BE49-F238E27FC236}">
-                <a16:creationId xmlns:a16="http://schemas.microsoft.com/office/drawing/2014/main" id="{F445D0C1-83C0-B94A-8C46-368940D430C1}"/>
-              </a:ext>
-            </a:extLst>
-          </p:cNvPr>
-          <p:cNvSpPr txBox="1"/>
-          <p:nvPr/>
-        </p:nvSpPr>
-        <p:spPr>
-          <a:xfrm>
-            <a:off x="8632717" y="5140188"/>
-            <a:ext cx="768159" cy="338554"/>
-          </a:xfrm>
-          <a:prstGeom prst="rect">
-            <a:avLst/>
-          </a:prstGeom>
-          <a:noFill/>
-        </p:spPr>
-        <p:txBody>
-          <a:bodyPr wrap="none" rtlCol="0">
-            <a:spAutoFit/>
-          </a:bodyPr>
-          <a:lstStyle/>
-          <a:p>
-            <a:pPr algn="ctr"/>
-            <a:r>
-              <a:rPr lang="en-US" sz="800" b="1" dirty="0">
-                <a:latin typeface="Helvetica Neue"/>
-                <a:cs typeface="Helvetica Neue"/>
-              </a:rPr>
-              <a:t>Amazon S3 </a:t>
-            </a:r>
-            <a:br>
-              <a:rPr lang="en-US" sz="800" b="1" dirty="0">
-                <a:latin typeface="Helvetica Neue"/>
-                <a:cs typeface="Helvetica Neue"/>
-              </a:rPr>
-            </a:br>
-            <a:r>
-              <a:rPr lang="en-US" sz="800" b="1" dirty="0">
-                <a:latin typeface="Helvetica Neue"/>
-                <a:cs typeface="Helvetica Neue"/>
-              </a:rPr>
-              <a:t>bucket</a:t>
-            </a:r>
-          </a:p>
-        </p:txBody>
-      </p:sp>
-      <p:pic>
-        <p:nvPicPr>
-          <p:cNvPr id="17" name="Picture 16">
-            <a:extLst>
-              <a:ext uri="{FF2B5EF4-FFF2-40B4-BE49-F238E27FC236}">
-                <a16:creationId xmlns:a16="http://schemas.microsoft.com/office/drawing/2014/main" id="{7D17C7D3-6C5D-D541-AA07-AA3F2994110A}"/>
-              </a:ext>
-            </a:extLst>
-          </p:cNvPr>
-          <p:cNvPicPr>
-            <a:picLocks noChangeAspect="1"/>
-          </p:cNvPicPr>
-          <p:nvPr/>
-        </p:nvPicPr>
-        <p:blipFill>
-          <a:blip r:embed="rId3">
-            <a:extLst>
-              <a:ext uri="{28A0092B-C50C-407E-A947-70E740481C1C}">
-                <a14:useLocalDpi xmlns:a14="http://schemas.microsoft.com/office/drawing/2010/main" val="0"/>
-              </a:ext>
-            </a:extLst>
-          </a:blip>
-          <a:stretch>
-            <a:fillRect/>
-          </a:stretch>
-        </p:blipFill>
-        <p:spPr>
-          <a:xfrm>
-            <a:off x="8762350" y="4634972"/>
-            <a:ext cx="468336" cy="485681"/>
-          </a:xfrm>
-          <a:prstGeom prst="rect">
-            <a:avLst/>
-          </a:prstGeom>
-        </p:spPr>
-      </p:pic>
-      <p:sp>
-        <p:nvSpPr>
-          <p:cNvPr id="18" name="TextBox 17">
-            <a:extLst>
-              <a:ext uri="{FF2B5EF4-FFF2-40B4-BE49-F238E27FC236}">
-                <a16:creationId xmlns:a16="http://schemas.microsoft.com/office/drawing/2014/main" id="{1AF4C9ED-AE65-F947-B5DC-5DF6F5AF23EE}"/>
-              </a:ext>
-            </a:extLst>
-          </p:cNvPr>
-          <p:cNvSpPr txBox="1"/>
-          <p:nvPr/>
-        </p:nvSpPr>
-        <p:spPr>
-          <a:xfrm>
-            <a:off x="1326570" y="3260420"/>
-            <a:ext cx="822960" cy="320040"/>
-          </a:xfrm>
-          <a:prstGeom prst="rect">
-            <a:avLst/>
-          </a:prstGeom>
-          <a:noFill/>
-        </p:spPr>
-        <p:txBody>
-          <a:bodyPr wrap="none" lIns="0" tIns="0" rIns="0" bIns="0" rtlCol="0" anchor="t">
-            <a:noAutofit/>
-          </a:bodyPr>
-          <a:lstStyle/>
-          <a:p>
-            <a:pPr algn="ctr"/>
-            <a:r>
-              <a:rPr lang="en-US" sz="1100" dirty="0">
-                <a:latin typeface="Helvetica Neue"/>
-                <a:cs typeface="Helvetica Neue"/>
-              </a:rPr>
-              <a:t>JavaScript</a:t>
-            </a:r>
-          </a:p>
-        </p:txBody>
-      </p:sp>
-      <p:pic>
-        <p:nvPicPr>
-          <p:cNvPr id="19" name="Picture 18">
-            <a:extLst>
-              <a:ext uri="{FF2B5EF4-FFF2-40B4-BE49-F238E27FC236}">
-                <a16:creationId xmlns:a16="http://schemas.microsoft.com/office/drawing/2014/main" id="{2A2D865E-3AF3-3A4A-B33F-6D4703908574}"/>
-              </a:ext>
-            </a:extLst>
-          </p:cNvPr>
-          <p:cNvPicPr>
-            <a:picLocks noChangeAspect="1"/>
-          </p:cNvPicPr>
-          <p:nvPr/>
-        </p:nvPicPr>
-        <p:blipFill>
-          <a:blip r:embed="rId4">
-            <a:extLst>
-              <a:ext uri="{28A0092B-C50C-407E-A947-70E740481C1C}">
-                <a14:useLocalDpi xmlns:a14="http://schemas.microsoft.com/office/drawing/2010/main" val="0"/>
-              </a:ext>
-            </a:extLst>
-          </a:blip>
-          <a:stretch>
-            <a:fillRect/>
-          </a:stretch>
-        </p:blipFill>
-        <p:spPr>
-          <a:xfrm>
-            <a:off x="1408191" y="2500745"/>
-            <a:ext cx="659718" cy="759675"/>
-          </a:xfrm>
-          <a:prstGeom prst="rect">
-            <a:avLst/>
-          </a:prstGeom>
-        </p:spPr>
-      </p:pic>
-      <p:pic>
-        <p:nvPicPr>
-          <p:cNvPr id="20" name="Picture 19">
-            <a:extLst>
-              <a:ext uri="{FF2B5EF4-FFF2-40B4-BE49-F238E27FC236}">
-                <a16:creationId xmlns:a16="http://schemas.microsoft.com/office/drawing/2014/main" id="{EDD31DA4-F4CC-1647-AC75-104DA91972AB}"/>
-              </a:ext>
-            </a:extLst>
-          </p:cNvPr>
-          <p:cNvPicPr>
-            <a:picLocks noChangeAspect="1"/>
-          </p:cNvPicPr>
-          <p:nvPr/>
-        </p:nvPicPr>
-        <p:blipFill>
-          <a:blip r:embed="rId5">
-            <a:extLst>
-              <a:ext uri="{28A0092B-C50C-407E-A947-70E740481C1C}">
-                <a14:useLocalDpi xmlns:a14="http://schemas.microsoft.com/office/drawing/2010/main" val="0"/>
-              </a:ext>
-            </a:extLst>
-          </a:blip>
-          <a:stretch>
-            <a:fillRect/>
-          </a:stretch>
-        </p:blipFill>
-        <p:spPr>
-          <a:xfrm>
-            <a:off x="7083627" y="2403641"/>
-            <a:ext cx="544781" cy="653737"/>
-          </a:xfrm>
-          <a:prstGeom prst="rect">
-            <a:avLst/>
-          </a:prstGeom>
-        </p:spPr>
-      </p:pic>
-      <p:sp>
-        <p:nvSpPr>
-          <p:cNvPr id="21" name="TextBox 20">
-            <a:extLst>
-              <a:ext uri="{FF2B5EF4-FFF2-40B4-BE49-F238E27FC236}">
-                <a16:creationId xmlns:a16="http://schemas.microsoft.com/office/drawing/2014/main" id="{D39F4622-C3A9-8041-BE1F-C6EF103DBA55}"/>
-              </a:ext>
-            </a:extLst>
-          </p:cNvPr>
-          <p:cNvSpPr txBox="1"/>
-          <p:nvPr/>
-        </p:nvSpPr>
-        <p:spPr>
-          <a:xfrm>
-            <a:off x="6943514" y="3084565"/>
-            <a:ext cx="825006" cy="155632"/>
-          </a:xfrm>
-          <a:prstGeom prst="rect">
-            <a:avLst/>
-          </a:prstGeom>
-          <a:noFill/>
-        </p:spPr>
-        <p:txBody>
-          <a:bodyPr wrap="square" lIns="0" tIns="0" rIns="0" bIns="0" rtlCol="0" anchor="t">
-            <a:noAutofit/>
-          </a:bodyPr>
-          <a:lstStyle/>
-          <a:p>
-            <a:pPr algn="ctr"/>
-            <a:r>
-              <a:rPr lang="en-US" sz="1000" b="1" dirty="0"/>
-              <a:t>AWS</a:t>
-            </a:r>
-          </a:p>
-          <a:p>
-            <a:pPr algn="ctr"/>
-            <a:r>
-              <a:rPr lang="en-US" sz="1000" b="1" dirty="0"/>
-              <a:t>Lambda</a:t>
-            </a:r>
-          </a:p>
-        </p:txBody>
-      </p:sp>
-      <p:pic>
-        <p:nvPicPr>
-          <p:cNvPr id="22" name="Picture 21">
-            <a:extLst>
-              <a:ext uri="{FF2B5EF4-FFF2-40B4-BE49-F238E27FC236}">
-                <a16:creationId xmlns:a16="http://schemas.microsoft.com/office/drawing/2014/main" id="{D0BD14A0-199D-1D42-A7D9-8D431C87AC85}"/>
-              </a:ext>
-            </a:extLst>
-          </p:cNvPr>
-          <p:cNvPicPr>
-            <a:picLocks noChangeAspect="1"/>
-          </p:cNvPicPr>
-          <p:nvPr/>
-        </p:nvPicPr>
-        <p:blipFill>
-          <a:blip r:embed="rId5">
-            <a:extLst>
-              <a:ext uri="{28A0092B-C50C-407E-A947-70E740481C1C}">
-                <a14:useLocalDpi xmlns:a14="http://schemas.microsoft.com/office/drawing/2010/main" val="0"/>
-              </a:ext>
-            </a:extLst>
-          </a:blip>
-          <a:stretch>
-            <a:fillRect/>
-          </a:stretch>
-        </p:blipFill>
-        <p:spPr>
-          <a:xfrm>
-            <a:off x="7083627" y="1023969"/>
-            <a:ext cx="544781" cy="653737"/>
-          </a:xfrm>
-          <a:prstGeom prst="rect">
-            <a:avLst/>
-          </a:prstGeom>
-        </p:spPr>
-      </p:pic>
-      <p:sp>
-        <p:nvSpPr>
-          <p:cNvPr id="23" name="TextBox 22">
-            <a:extLst>
-              <a:ext uri="{FF2B5EF4-FFF2-40B4-BE49-F238E27FC236}">
-                <a16:creationId xmlns:a16="http://schemas.microsoft.com/office/drawing/2014/main" id="{861917E9-52C3-BF4F-A357-2753D2889030}"/>
-              </a:ext>
-            </a:extLst>
-          </p:cNvPr>
-          <p:cNvSpPr txBox="1"/>
-          <p:nvPr/>
-        </p:nvSpPr>
-        <p:spPr>
-          <a:xfrm>
-            <a:off x="6943514" y="1704893"/>
-            <a:ext cx="825006" cy="155632"/>
-          </a:xfrm>
-          <a:prstGeom prst="rect">
-            <a:avLst/>
-          </a:prstGeom>
-          <a:noFill/>
-        </p:spPr>
-        <p:txBody>
-          <a:bodyPr wrap="square" lIns="0" tIns="0" rIns="0" bIns="0" rtlCol="0" anchor="t">
-            <a:noAutofit/>
-          </a:bodyPr>
-          <a:lstStyle/>
-          <a:p>
-            <a:pPr algn="ctr"/>
-            <a:r>
-              <a:rPr lang="en-US" sz="1000" b="1" dirty="0"/>
-              <a:t>AWS</a:t>
-            </a:r>
-          </a:p>
-          <a:p>
-            <a:pPr algn="ctr"/>
-            <a:r>
-              <a:rPr lang="en-US" sz="1000" b="1" dirty="0"/>
-              <a:t>Lambda</a:t>
-            </a:r>
-          </a:p>
-        </p:txBody>
-      </p:sp>
-      <p:sp>
-        <p:nvSpPr>
-          <p:cNvPr id="24" name="Rounded Rectangle 23">
-            <a:extLst>
-              <a:ext uri="{FF2B5EF4-FFF2-40B4-BE49-F238E27FC236}">
-                <a16:creationId xmlns:a16="http://schemas.microsoft.com/office/drawing/2014/main" id="{531291F4-3B34-2C4A-AABD-C4A14AF0B0BD}"/>
-              </a:ext>
-            </a:extLst>
-          </p:cNvPr>
-          <p:cNvSpPr/>
-          <p:nvPr/>
-        </p:nvSpPr>
-        <p:spPr>
-          <a:xfrm>
-            <a:off x="5089133" y="4176438"/>
-            <a:ext cx="4784333" cy="2091230"/>
-          </a:xfrm>
-          <a:prstGeom prst="roundRect">
-            <a:avLst/>
-          </a:prstGeom>
-          <a:noFill/>
-          <a:ln w="38100">
-            <a:solidFill>
-              <a:srgbClr val="FFC000"/>
-            </a:solidFill>
-          </a:ln>
-        </p:spPr>
-        <p:style>
-          <a:lnRef idx="2">
-            <a:schemeClr val="accent1">
-              <a:shade val="50000"/>
-            </a:schemeClr>
-          </a:lnRef>
-          <a:fillRef idx="1">
-            <a:schemeClr val="accent1"/>
-          </a:fillRef>
-          <a:effectRef idx="0">
-            <a:schemeClr val="accent1"/>
-          </a:effectRef>
-          <a:fontRef idx="minor">
-            <a:schemeClr val="lt1"/>
-          </a:fontRef>
-        </p:style>
-        <p:txBody>
-          <a:bodyPr rtlCol="0" anchor="ctr"/>
-          <a:lstStyle/>
-          <a:p>
-            <a:pPr algn="ctr"/>
-            <a:endParaRPr lang="en-US"/>
-          </a:p>
-        </p:txBody>
-      </p:sp>
-      <p:pic>
-        <p:nvPicPr>
-          <p:cNvPr id="25" name="Picture 24">
-            <a:extLst>
-              <a:ext uri="{FF2B5EF4-FFF2-40B4-BE49-F238E27FC236}">
-                <a16:creationId xmlns:a16="http://schemas.microsoft.com/office/drawing/2014/main" id="{6C3C4A50-D8A6-AD4A-A354-44625FE0AE95}"/>
-              </a:ext>
-            </a:extLst>
-          </p:cNvPr>
-          <p:cNvPicPr>
-            <a:picLocks noChangeAspect="1"/>
-          </p:cNvPicPr>
-          <p:nvPr/>
-        </p:nvPicPr>
-        <p:blipFill>
-          <a:blip r:embed="rId6">
-            <a:extLst>
-              <a:ext uri="{28A0092B-C50C-407E-A947-70E740481C1C}">
-                <a14:useLocalDpi xmlns:a14="http://schemas.microsoft.com/office/drawing/2010/main" val="0"/>
-              </a:ext>
-            </a:extLst>
-          </a:blip>
-          <a:stretch>
-            <a:fillRect/>
-          </a:stretch>
-        </p:blipFill>
-        <p:spPr>
-          <a:xfrm>
-            <a:off x="5626293" y="4566323"/>
-            <a:ext cx="544780" cy="653098"/>
-          </a:xfrm>
-          <a:prstGeom prst="rect">
-            <a:avLst/>
-          </a:prstGeom>
-        </p:spPr>
-      </p:pic>
-      <p:sp>
-        <p:nvSpPr>
-          <p:cNvPr id="26" name="TextBox 25">
-            <a:extLst>
-              <a:ext uri="{FF2B5EF4-FFF2-40B4-BE49-F238E27FC236}">
-                <a16:creationId xmlns:a16="http://schemas.microsoft.com/office/drawing/2014/main" id="{9F66391A-DB00-454C-8C1E-E2C37659FACA}"/>
-              </a:ext>
-            </a:extLst>
-          </p:cNvPr>
-          <p:cNvSpPr txBox="1"/>
-          <p:nvPr/>
-        </p:nvSpPr>
-        <p:spPr>
-          <a:xfrm>
-            <a:off x="5532923" y="5246255"/>
-            <a:ext cx="731520" cy="155632"/>
-          </a:xfrm>
-          <a:prstGeom prst="rect">
-            <a:avLst/>
-          </a:prstGeom>
-          <a:noFill/>
-        </p:spPr>
-        <p:txBody>
-          <a:bodyPr wrap="square" lIns="0" tIns="0" rIns="0" bIns="0" rtlCol="0" anchor="t">
-            <a:noAutofit/>
-          </a:bodyPr>
-          <a:lstStyle/>
-          <a:p>
-            <a:pPr algn="ctr"/>
-            <a:r>
-              <a:rPr lang="en-US" sz="1000" b="1" dirty="0"/>
-              <a:t>Amazon </a:t>
-            </a:r>
-            <a:r>
-              <a:rPr lang="en-US" sz="1000" b="1" dirty="0" err="1"/>
-              <a:t>CloudFront</a:t>
-            </a:r>
-            <a:endParaRPr lang="en-US" b="1" dirty="0"/>
-          </a:p>
-        </p:txBody>
-      </p:sp>
-      <p:pic>
-        <p:nvPicPr>
-          <p:cNvPr id="27" name="Picture 26">
-            <a:extLst>
-              <a:ext uri="{FF2B5EF4-FFF2-40B4-BE49-F238E27FC236}">
-                <a16:creationId xmlns:a16="http://schemas.microsoft.com/office/drawing/2014/main" id="{1EAD9C27-2362-DA43-96BA-B9A7DEFB7F2C}"/>
-              </a:ext>
-            </a:extLst>
-          </p:cNvPr>
-          <p:cNvPicPr>
-            <a:picLocks noChangeAspect="1"/>
-          </p:cNvPicPr>
-          <p:nvPr/>
-        </p:nvPicPr>
-        <p:blipFill>
-          <a:blip r:embed="rId7">
-            <a:extLst>
-              <a:ext uri="{28A0092B-C50C-407E-A947-70E740481C1C}">
-                <a14:useLocalDpi xmlns:a14="http://schemas.microsoft.com/office/drawing/2010/main" val="0"/>
-              </a:ext>
-            </a:extLst>
-          </a:blip>
-          <a:stretch>
-            <a:fillRect/>
-          </a:stretch>
-        </p:blipFill>
-        <p:spPr>
-          <a:xfrm>
-            <a:off x="8681766" y="1023969"/>
-            <a:ext cx="543466" cy="601994"/>
-          </a:xfrm>
-          <a:prstGeom prst="rect">
-            <a:avLst/>
-          </a:prstGeom>
-        </p:spPr>
-      </p:pic>
-      <p:sp>
-        <p:nvSpPr>
-          <p:cNvPr id="28" name="TextBox 27">
-            <a:extLst>
-              <a:ext uri="{FF2B5EF4-FFF2-40B4-BE49-F238E27FC236}">
-                <a16:creationId xmlns:a16="http://schemas.microsoft.com/office/drawing/2014/main" id="{248112C3-DC6B-3B4B-9DA8-3F113B57B059}"/>
-              </a:ext>
-            </a:extLst>
-          </p:cNvPr>
-          <p:cNvSpPr txBox="1"/>
-          <p:nvPr/>
-        </p:nvSpPr>
-        <p:spPr>
-          <a:xfrm>
-            <a:off x="8506124" y="1674372"/>
-            <a:ext cx="894752" cy="155632"/>
-          </a:xfrm>
-          <a:prstGeom prst="rect">
-            <a:avLst/>
-          </a:prstGeom>
-          <a:noFill/>
-        </p:spPr>
-        <p:txBody>
-          <a:bodyPr wrap="square" lIns="0" tIns="0" rIns="0" bIns="0" rtlCol="0" anchor="t">
-            <a:noAutofit/>
-          </a:bodyPr>
-          <a:lstStyle/>
-          <a:p>
-            <a:pPr algn="ctr"/>
-            <a:r>
-              <a:rPr lang="en-US" sz="1000" b="1" dirty="0"/>
-              <a:t>Amazon</a:t>
-            </a:r>
-            <a:br>
-              <a:rPr lang="en-US" sz="1000" b="1" dirty="0"/>
-            </a:br>
-            <a:r>
-              <a:rPr lang="en-US" sz="1000" b="1" dirty="0" err="1"/>
-              <a:t>DynamoDB</a:t>
-            </a:r>
-            <a:endParaRPr lang="en-US" b="1" dirty="0"/>
-          </a:p>
-        </p:txBody>
-      </p:sp>
-      <p:sp>
-        <p:nvSpPr>
-          <p:cNvPr id="29" name="TextBox 28">
-            <a:extLst>
-              <a:ext uri="{FF2B5EF4-FFF2-40B4-BE49-F238E27FC236}">
-                <a16:creationId xmlns:a16="http://schemas.microsoft.com/office/drawing/2014/main" id="{CA00FEFD-8243-0040-B3A2-F7D5AECB291C}"/>
-              </a:ext>
-            </a:extLst>
-          </p:cNvPr>
-          <p:cNvSpPr txBox="1"/>
-          <p:nvPr/>
-        </p:nvSpPr>
-        <p:spPr>
-          <a:xfrm>
-            <a:off x="8603917" y="3027749"/>
-            <a:ext cx="768159" cy="338554"/>
-          </a:xfrm>
-          <a:prstGeom prst="rect">
-            <a:avLst/>
-          </a:prstGeom>
-          <a:noFill/>
-        </p:spPr>
-        <p:txBody>
-          <a:bodyPr wrap="none" rtlCol="0">
-            <a:spAutoFit/>
-          </a:bodyPr>
-          <a:lstStyle/>
-          <a:p>
-            <a:pPr algn="ctr"/>
-            <a:r>
-              <a:rPr lang="en-US" sz="800" b="1" dirty="0">
-                <a:latin typeface="Helvetica Neue"/>
-                <a:cs typeface="Helvetica Neue"/>
-              </a:rPr>
-              <a:t>Amazon S3 </a:t>
-            </a:r>
-            <a:br>
-              <a:rPr lang="en-US" sz="800" b="1" dirty="0">
-                <a:latin typeface="Helvetica Neue"/>
-                <a:cs typeface="Helvetica Neue"/>
-              </a:rPr>
-            </a:br>
-            <a:r>
-              <a:rPr lang="en-US" sz="800" b="1" dirty="0">
-                <a:latin typeface="Helvetica Neue"/>
-                <a:cs typeface="Helvetica Neue"/>
-              </a:rPr>
-              <a:t>bucket</a:t>
-            </a:r>
-          </a:p>
-        </p:txBody>
-      </p:sp>
-      <p:pic>
-        <p:nvPicPr>
-          <p:cNvPr id="30" name="Picture 29">
-            <a:extLst>
-              <a:ext uri="{FF2B5EF4-FFF2-40B4-BE49-F238E27FC236}">
-                <a16:creationId xmlns:a16="http://schemas.microsoft.com/office/drawing/2014/main" id="{A2B5F8E6-C0CD-2841-83B2-287019773EED}"/>
-              </a:ext>
-            </a:extLst>
-          </p:cNvPr>
-          <p:cNvPicPr>
-            <a:picLocks noChangeAspect="1"/>
-          </p:cNvPicPr>
-          <p:nvPr/>
-        </p:nvPicPr>
-        <p:blipFill>
-          <a:blip r:embed="rId3">
-            <a:extLst>
-              <a:ext uri="{28A0092B-C50C-407E-A947-70E740481C1C}">
-                <a14:useLocalDpi xmlns:a14="http://schemas.microsoft.com/office/drawing/2010/main" val="0"/>
-              </a:ext>
-            </a:extLst>
-          </a:blip>
-          <a:stretch>
-            <a:fillRect/>
-          </a:stretch>
-        </p:blipFill>
-        <p:spPr>
-          <a:xfrm>
-            <a:off x="8733550" y="2522533"/>
-            <a:ext cx="468336" cy="485681"/>
-          </a:xfrm>
-          <a:prstGeom prst="rect">
-            <a:avLst/>
-          </a:prstGeom>
-        </p:spPr>
-      </p:pic>
-      <p:sp>
-        <p:nvSpPr>
-          <p:cNvPr id="34" name="TextBox 33">
-            <a:extLst>
-              <a:ext uri="{FF2B5EF4-FFF2-40B4-BE49-F238E27FC236}">
-                <a16:creationId xmlns:a16="http://schemas.microsoft.com/office/drawing/2014/main" id="{F4A3583D-6F24-F040-84EC-46AFBD477E43}"/>
-              </a:ext>
-            </a:extLst>
-          </p:cNvPr>
-          <p:cNvSpPr txBox="1"/>
-          <p:nvPr/>
-        </p:nvSpPr>
-        <p:spPr>
-          <a:xfrm>
-            <a:off x="5078059" y="3372035"/>
-            <a:ext cx="4784333" cy="369332"/>
-          </a:xfrm>
-          <a:prstGeom prst="rect">
-            <a:avLst/>
-          </a:prstGeom>
-          <a:noFill/>
-        </p:spPr>
-        <p:txBody>
-          <a:bodyPr wrap="square" rtlCol="0">
-            <a:spAutoFit/>
-          </a:bodyPr>
-          <a:lstStyle/>
-          <a:p>
-            <a:pPr algn="ctr"/>
-            <a:r>
-              <a:rPr lang="en-US" dirty="0"/>
-              <a:t>Computing &amp; Data resources</a:t>
-            </a:r>
-          </a:p>
-        </p:txBody>
-      </p:sp>
-      <p:sp>
-        <p:nvSpPr>
-          <p:cNvPr id="35" name="TextBox 34">
-            <a:extLst>
-              <a:ext uri="{FF2B5EF4-FFF2-40B4-BE49-F238E27FC236}">
-                <a16:creationId xmlns:a16="http://schemas.microsoft.com/office/drawing/2014/main" id="{0BBD4DDF-4571-C747-8394-0CEEA83D81DD}"/>
-              </a:ext>
-            </a:extLst>
-          </p:cNvPr>
-          <p:cNvSpPr txBox="1"/>
-          <p:nvPr/>
-        </p:nvSpPr>
-        <p:spPr>
-          <a:xfrm>
-            <a:off x="5089132" y="5608914"/>
-            <a:ext cx="4784333" cy="646331"/>
-          </a:xfrm>
-          <a:prstGeom prst="rect">
-            <a:avLst/>
-          </a:prstGeom>
-          <a:noFill/>
-        </p:spPr>
-        <p:txBody>
-          <a:bodyPr wrap="square" rtlCol="0">
-            <a:spAutoFit/>
-          </a:bodyPr>
-          <a:lstStyle/>
-          <a:p>
-            <a:pPr algn="ctr"/>
-            <a:r>
-              <a:rPr lang="en-US" dirty="0"/>
-              <a:t>Static webpage (html/</a:t>
-            </a:r>
-            <a:r>
-              <a:rPr lang="en-US" dirty="0" err="1"/>
-              <a:t>css</a:t>
-            </a:r>
-            <a:r>
-              <a:rPr lang="en-US" dirty="0"/>
-              <a:t>/</a:t>
-            </a:r>
-            <a:r>
-              <a:rPr lang="en-US" dirty="0" err="1"/>
-              <a:t>javascrip</a:t>
-            </a:r>
-            <a:r>
-              <a:rPr lang="en-US" dirty="0"/>
-              <a:t>)</a:t>
-            </a:r>
-          </a:p>
-          <a:p>
-            <a:pPr algn="ctr"/>
-            <a:r>
-              <a:rPr lang="en-US" dirty="0"/>
-              <a:t> as downloadable program</a:t>
-            </a:r>
-          </a:p>
-        </p:txBody>
-      </p:sp>
-      <p:sp>
-        <p:nvSpPr>
-          <p:cNvPr id="2" name="テキスト ボックス 1">
-            <a:extLst>
-              <a:ext uri="{FF2B5EF4-FFF2-40B4-BE49-F238E27FC236}">
-                <a16:creationId xmlns:a16="http://schemas.microsoft.com/office/drawing/2014/main" id="{727334F1-3609-4512-A307-4472AC0318BD}"/>
-              </a:ext>
-            </a:extLst>
-          </p:cNvPr>
-          <p:cNvSpPr txBox="1"/>
-          <p:nvPr/>
-        </p:nvSpPr>
-        <p:spPr>
-          <a:xfrm>
-            <a:off x="5171278" y="1468078"/>
-            <a:ext cx="1333378" cy="369332"/>
-          </a:xfrm>
-          <a:prstGeom prst="rect">
-            <a:avLst/>
-          </a:prstGeom>
-          <a:noFill/>
-        </p:spPr>
-        <p:txBody>
-          <a:bodyPr wrap="none" rtlCol="0">
-            <a:spAutoFit/>
-          </a:bodyPr>
-          <a:lstStyle/>
-          <a:p>
-            <a:r>
-              <a:rPr kumimoji="1" lang="en-US" altLang="ja-JP" dirty="0"/>
-              <a:t>RESTful APIs</a:t>
-            </a:r>
-            <a:endParaRPr kumimoji="1" lang="ja-JP" altLang="en-US" dirty="0"/>
-          </a:p>
-        </p:txBody>
-      </p:sp>
-      <p:sp>
-        <p:nvSpPr>
-          <p:cNvPr id="31" name="テキスト ボックス 30">
-            <a:extLst>
-              <a:ext uri="{FF2B5EF4-FFF2-40B4-BE49-F238E27FC236}">
-                <a16:creationId xmlns:a16="http://schemas.microsoft.com/office/drawing/2014/main" id="{86353896-446E-421E-AEA0-EF4514990CF4}"/>
-              </a:ext>
-            </a:extLst>
-          </p:cNvPr>
-          <p:cNvSpPr txBox="1"/>
-          <p:nvPr/>
-        </p:nvSpPr>
-        <p:spPr>
-          <a:xfrm>
-            <a:off x="5618247" y="4275463"/>
-            <a:ext cx="599844" cy="369332"/>
-          </a:xfrm>
-          <a:prstGeom prst="rect">
-            <a:avLst/>
-          </a:prstGeom>
-          <a:noFill/>
-        </p:spPr>
-        <p:txBody>
-          <a:bodyPr wrap="none" rtlCol="0">
-            <a:spAutoFit/>
-          </a:bodyPr>
-          <a:lstStyle/>
-          <a:p>
-            <a:r>
-              <a:rPr kumimoji="1" lang="en-US" altLang="ja-JP" dirty="0"/>
-              <a:t>CDN</a:t>
-            </a:r>
-            <a:endParaRPr kumimoji="1" lang="ja-JP" altLang="en-US" dirty="0"/>
-          </a:p>
-        </p:txBody>
-      </p:sp>
-      <p:cxnSp>
-        <p:nvCxnSpPr>
-          <p:cNvPr id="4" name="直線矢印コネクタ 3">
-            <a:extLst>
-              <a:ext uri="{FF2B5EF4-FFF2-40B4-BE49-F238E27FC236}">
-                <a16:creationId xmlns:a16="http://schemas.microsoft.com/office/drawing/2014/main" id="{537AD1F6-3C92-4886-BED4-61D71C6D19D4}"/>
-              </a:ext>
-            </a:extLst>
-          </p:cNvPr>
-          <p:cNvCxnSpPr>
-            <a:cxnSpLocks/>
-            <a:stCxn id="25" idx="1"/>
-            <a:endCxn id="13" idx="3"/>
-          </p:cNvCxnSpPr>
-          <p:nvPr/>
-        </p:nvCxnSpPr>
-        <p:spPr>
-          <a:xfrm flipH="1" flipV="1">
-            <a:off x="1774653" y="3806355"/>
-            <a:ext cx="3851640" cy="1086517"/>
-          </a:xfrm>
-          <a:prstGeom prst="straightConnector1">
-            <a:avLst/>
-          </a:prstGeom>
-          <a:ln w="38100">
-            <a:solidFill>
-              <a:srgbClr val="FFC000"/>
-            </a:solidFill>
-            <a:tailEnd type="triangle"/>
-          </a:ln>
-        </p:spPr>
-        <p:style>
-          <a:lnRef idx="1">
-            <a:schemeClr val="accent1"/>
-          </a:lnRef>
-          <a:fillRef idx="0">
-            <a:schemeClr val="accent1"/>
-          </a:fillRef>
-          <a:effectRef idx="0">
-            <a:schemeClr val="accent1"/>
-          </a:effectRef>
-          <a:fontRef idx="minor">
-            <a:schemeClr val="tx1"/>
-          </a:fontRef>
-        </p:style>
-      </p:cxnSp>
-      <p:cxnSp>
-        <p:nvCxnSpPr>
-          <p:cNvPr id="32" name="直線矢印コネクタ 31">
-            <a:extLst>
-              <a:ext uri="{FF2B5EF4-FFF2-40B4-BE49-F238E27FC236}">
-                <a16:creationId xmlns:a16="http://schemas.microsoft.com/office/drawing/2014/main" id="{0EF9CDA6-1C3C-4B7F-8C6E-2B0DD079E74C}"/>
-              </a:ext>
-            </a:extLst>
-          </p:cNvPr>
-          <p:cNvCxnSpPr>
-            <a:cxnSpLocks/>
-            <a:stCxn id="17" idx="1"/>
-            <a:endCxn id="25" idx="3"/>
-          </p:cNvCxnSpPr>
-          <p:nvPr/>
-        </p:nvCxnSpPr>
-        <p:spPr>
-          <a:xfrm flipH="1">
-            <a:off x="6171073" y="4877813"/>
-            <a:ext cx="2591277" cy="15059"/>
-          </a:xfrm>
-          <a:prstGeom prst="straightConnector1">
-            <a:avLst/>
-          </a:prstGeom>
-          <a:ln w="38100">
-            <a:solidFill>
-              <a:srgbClr val="FFC000"/>
-            </a:solidFill>
-            <a:tailEnd type="triangle"/>
-          </a:ln>
-        </p:spPr>
-        <p:style>
-          <a:lnRef idx="1">
-            <a:schemeClr val="accent1"/>
-          </a:lnRef>
-          <a:fillRef idx="0">
-            <a:schemeClr val="accent1"/>
-          </a:fillRef>
-          <a:effectRef idx="0">
-            <a:schemeClr val="accent1"/>
-          </a:effectRef>
-          <a:fontRef idx="minor">
-            <a:schemeClr val="tx1"/>
-          </a:fontRef>
-        </p:style>
-      </p:cxnSp>
-      <p:pic>
-        <p:nvPicPr>
-          <p:cNvPr id="13" name="図 12">
-            <a:extLst>
-              <a:ext uri="{FF2B5EF4-FFF2-40B4-BE49-F238E27FC236}">
-                <a16:creationId xmlns:a16="http://schemas.microsoft.com/office/drawing/2014/main" id="{9A12ED07-FB85-4F72-987E-AE9C178D6BF0}"/>
-              </a:ext>
-            </a:extLst>
-          </p:cNvPr>
-          <p:cNvPicPr>
-            <a:picLocks noChangeAspect="1"/>
-          </p:cNvPicPr>
-          <p:nvPr/>
-        </p:nvPicPr>
-        <p:blipFill>
-          <a:blip r:embed="rId8"/>
-          <a:stretch>
-            <a:fillRect/>
-          </a:stretch>
-        </p:blipFill>
-        <p:spPr>
-          <a:xfrm>
-            <a:off x="644154" y="3429000"/>
-            <a:ext cx="1130499" cy="754710"/>
-          </a:xfrm>
-          <a:prstGeom prst="rect">
-            <a:avLst/>
-          </a:prstGeom>
-        </p:spPr>
-      </p:pic>
-      <p:cxnSp>
-        <p:nvCxnSpPr>
-          <p:cNvPr id="37" name="直線矢印コネクタ 36">
-            <a:extLst>
-              <a:ext uri="{FF2B5EF4-FFF2-40B4-BE49-F238E27FC236}">
-                <a16:creationId xmlns:a16="http://schemas.microsoft.com/office/drawing/2014/main" id="{6F0D0DE8-0BFE-4880-86DD-DB262B89D35B}"/>
-              </a:ext>
-            </a:extLst>
-          </p:cNvPr>
-          <p:cNvCxnSpPr>
-            <a:cxnSpLocks/>
-            <a:endCxn id="14" idx="1"/>
-          </p:cNvCxnSpPr>
-          <p:nvPr/>
-        </p:nvCxnSpPr>
-        <p:spPr>
-          <a:xfrm flipV="1">
-            <a:off x="1823804" y="2090821"/>
-            <a:ext cx="3693837" cy="1481937"/>
-          </a:xfrm>
-          <a:prstGeom prst="straightConnector1">
-            <a:avLst/>
-          </a:prstGeom>
-          <a:ln w="38100">
-            <a:headEnd type="triangle" w="med" len="med"/>
-            <a:tailEnd type="triangle" w="med" len="med"/>
-          </a:ln>
-        </p:spPr>
-        <p:style>
-          <a:lnRef idx="1">
-            <a:schemeClr val="accent1"/>
-          </a:lnRef>
-          <a:fillRef idx="0">
-            <a:schemeClr val="accent1"/>
-          </a:fillRef>
-          <a:effectRef idx="0">
-            <a:schemeClr val="accent1"/>
-          </a:effectRef>
-          <a:fontRef idx="minor">
-            <a:schemeClr val="tx1"/>
-          </a:fontRef>
-        </p:style>
-      </p:cxnSp>
-      <p:sp>
-        <p:nvSpPr>
-          <p:cNvPr id="40" name="テキスト ボックス 39">
-            <a:extLst>
-              <a:ext uri="{FF2B5EF4-FFF2-40B4-BE49-F238E27FC236}">
-                <a16:creationId xmlns:a16="http://schemas.microsoft.com/office/drawing/2014/main" id="{4E384F71-7760-4FC1-A345-1759ECA46887}"/>
-              </a:ext>
-            </a:extLst>
-          </p:cNvPr>
-          <p:cNvSpPr txBox="1"/>
-          <p:nvPr/>
-        </p:nvSpPr>
-        <p:spPr>
-          <a:xfrm>
-            <a:off x="6766137" y="391945"/>
-            <a:ext cx="1218603" cy="646331"/>
-          </a:xfrm>
-          <a:prstGeom prst="rect">
-            <a:avLst/>
-          </a:prstGeom>
-          <a:noFill/>
-        </p:spPr>
-        <p:txBody>
-          <a:bodyPr wrap="none" rtlCol="0">
-            <a:spAutoFit/>
-          </a:bodyPr>
-          <a:lstStyle/>
-          <a:p>
-            <a:pPr algn="ctr"/>
-            <a:r>
-              <a:rPr kumimoji="1" lang="en-US" altLang="ja-JP" dirty="0"/>
-              <a:t>Computing</a:t>
-            </a:r>
-          </a:p>
-          <a:p>
-            <a:pPr algn="ctr"/>
-            <a:r>
-              <a:rPr kumimoji="1" lang="en-US" altLang="ja-JP" dirty="0"/>
-              <a:t>Functions</a:t>
-            </a:r>
-            <a:endParaRPr kumimoji="1" lang="ja-JP" altLang="en-US" dirty="0"/>
-          </a:p>
-        </p:txBody>
-      </p:sp>
-      <p:sp>
-        <p:nvSpPr>
-          <p:cNvPr id="41" name="テキスト ボックス 40">
-            <a:extLst>
-              <a:ext uri="{FF2B5EF4-FFF2-40B4-BE49-F238E27FC236}">
-                <a16:creationId xmlns:a16="http://schemas.microsoft.com/office/drawing/2014/main" id="{4FF9138F-6997-4E8E-9D48-F61143AB07AB}"/>
-              </a:ext>
-            </a:extLst>
-          </p:cNvPr>
-          <p:cNvSpPr txBox="1"/>
-          <p:nvPr/>
-        </p:nvSpPr>
-        <p:spPr>
-          <a:xfrm>
-            <a:off x="8400610" y="351204"/>
-            <a:ext cx="1134221" cy="646331"/>
-          </a:xfrm>
-          <a:prstGeom prst="rect">
-            <a:avLst/>
-          </a:prstGeom>
-          <a:noFill/>
-        </p:spPr>
-        <p:txBody>
-          <a:bodyPr wrap="none" rtlCol="0">
-            <a:spAutoFit/>
-          </a:bodyPr>
-          <a:lstStyle/>
-          <a:p>
-            <a:pPr algn="ctr"/>
-            <a:r>
-              <a:rPr kumimoji="1" lang="en-US" altLang="ja-JP" dirty="0"/>
-              <a:t>Data</a:t>
-            </a:r>
-            <a:br>
-              <a:rPr kumimoji="1" lang="en-US" altLang="ja-JP" dirty="0"/>
-            </a:br>
-            <a:r>
-              <a:rPr kumimoji="1" lang="en-US" altLang="ja-JP" dirty="0"/>
-              <a:t>Resources</a:t>
-            </a:r>
-            <a:endParaRPr kumimoji="1" lang="ja-JP" altLang="en-US" dirty="0"/>
-          </a:p>
-        </p:txBody>
-      </p:sp>
-      <p:cxnSp>
-        <p:nvCxnSpPr>
-          <p:cNvPr id="42" name="直線矢印コネクタ 41">
-            <a:extLst>
-              <a:ext uri="{FF2B5EF4-FFF2-40B4-BE49-F238E27FC236}">
-                <a16:creationId xmlns:a16="http://schemas.microsoft.com/office/drawing/2014/main" id="{83FE3D88-58AE-46A0-9004-D88BE4C03678}"/>
-              </a:ext>
-            </a:extLst>
-          </p:cNvPr>
-          <p:cNvCxnSpPr>
-            <a:cxnSpLocks/>
-            <a:stCxn id="14" idx="3"/>
-            <a:endCxn id="22" idx="1"/>
-          </p:cNvCxnSpPr>
-          <p:nvPr/>
-        </p:nvCxnSpPr>
-        <p:spPr>
-          <a:xfrm flipV="1">
-            <a:off x="6039007" y="1350838"/>
-            <a:ext cx="1044620" cy="739983"/>
-          </a:xfrm>
-          <a:prstGeom prst="straightConnector1">
-            <a:avLst/>
-          </a:prstGeom>
-          <a:ln w="38100">
-            <a:headEnd type="triangle" w="med" len="med"/>
-            <a:tailEnd type="triangle" w="med" len="med"/>
-          </a:ln>
-        </p:spPr>
-        <p:style>
-          <a:lnRef idx="1">
-            <a:schemeClr val="accent1"/>
-          </a:lnRef>
-          <a:fillRef idx="0">
-            <a:schemeClr val="accent1"/>
-          </a:fillRef>
-          <a:effectRef idx="0">
-            <a:schemeClr val="accent1"/>
-          </a:effectRef>
-          <a:fontRef idx="minor">
-            <a:schemeClr val="tx1"/>
-          </a:fontRef>
-        </p:style>
-      </p:cxnSp>
-      <p:cxnSp>
-        <p:nvCxnSpPr>
-          <p:cNvPr id="45" name="直線矢印コネクタ 44">
-            <a:extLst>
-              <a:ext uri="{FF2B5EF4-FFF2-40B4-BE49-F238E27FC236}">
-                <a16:creationId xmlns:a16="http://schemas.microsoft.com/office/drawing/2014/main" id="{66B3B0F4-119C-468D-9005-236BAA551BE5}"/>
-              </a:ext>
-            </a:extLst>
-          </p:cNvPr>
-          <p:cNvCxnSpPr>
-            <a:cxnSpLocks/>
-            <a:stCxn id="14" idx="3"/>
-            <a:endCxn id="20" idx="1"/>
-          </p:cNvCxnSpPr>
-          <p:nvPr/>
-        </p:nvCxnSpPr>
-        <p:spPr>
-          <a:xfrm>
-            <a:off x="6039007" y="2090821"/>
-            <a:ext cx="1044620" cy="639689"/>
-          </a:xfrm>
-          <a:prstGeom prst="straightConnector1">
-            <a:avLst/>
-          </a:prstGeom>
-          <a:ln w="38100">
-            <a:headEnd type="triangle" w="med" len="med"/>
-            <a:tailEnd type="triangle" w="med" len="med"/>
-          </a:ln>
-        </p:spPr>
-        <p:style>
-          <a:lnRef idx="1">
-            <a:schemeClr val="accent1"/>
-          </a:lnRef>
-          <a:fillRef idx="0">
-            <a:schemeClr val="accent1"/>
-          </a:fillRef>
-          <a:effectRef idx="0">
-            <a:schemeClr val="accent1"/>
-          </a:effectRef>
-          <a:fontRef idx="minor">
-            <a:schemeClr val="tx1"/>
-          </a:fontRef>
-        </p:style>
-      </p:cxnSp>
-      <p:cxnSp>
-        <p:nvCxnSpPr>
-          <p:cNvPr id="52" name="直線矢印コネクタ 51">
-            <a:extLst>
-              <a:ext uri="{FF2B5EF4-FFF2-40B4-BE49-F238E27FC236}">
-                <a16:creationId xmlns:a16="http://schemas.microsoft.com/office/drawing/2014/main" id="{CFC2C1FB-7A06-4253-97A5-04BC941673FF}"/>
-              </a:ext>
-            </a:extLst>
-          </p:cNvPr>
-          <p:cNvCxnSpPr>
-            <a:cxnSpLocks/>
-          </p:cNvCxnSpPr>
-          <p:nvPr/>
-        </p:nvCxnSpPr>
-        <p:spPr>
-          <a:xfrm>
-            <a:off x="7706256" y="1350838"/>
-            <a:ext cx="941540" cy="1300380"/>
-          </a:xfrm>
-          <a:prstGeom prst="straightConnector1">
-            <a:avLst/>
-          </a:prstGeom>
-          <a:ln w="38100">
-            <a:headEnd type="triangle" w="med" len="med"/>
-            <a:tailEnd type="triangle" w="med" len="med"/>
-          </a:ln>
-        </p:spPr>
-        <p:style>
-          <a:lnRef idx="1">
-            <a:schemeClr val="accent1"/>
-          </a:lnRef>
-          <a:fillRef idx="0">
-            <a:schemeClr val="accent1"/>
-          </a:fillRef>
-          <a:effectRef idx="0">
-            <a:schemeClr val="accent1"/>
-          </a:effectRef>
-          <a:fontRef idx="minor">
-            <a:schemeClr val="tx1"/>
-          </a:fontRef>
-        </p:style>
-      </p:cxnSp>
-      <p:cxnSp>
-        <p:nvCxnSpPr>
-          <p:cNvPr id="55" name="直線矢印コネクタ 54">
-            <a:extLst>
-              <a:ext uri="{FF2B5EF4-FFF2-40B4-BE49-F238E27FC236}">
-                <a16:creationId xmlns:a16="http://schemas.microsoft.com/office/drawing/2014/main" id="{2CBAC8D1-83D9-4A7D-905D-8ABEBEEDCBD8}"/>
-              </a:ext>
-            </a:extLst>
-          </p:cNvPr>
-          <p:cNvCxnSpPr>
-            <a:cxnSpLocks/>
-          </p:cNvCxnSpPr>
-          <p:nvPr/>
-        </p:nvCxnSpPr>
-        <p:spPr>
-          <a:xfrm flipH="1">
-            <a:off x="7710611" y="1379258"/>
-            <a:ext cx="893307" cy="1225174"/>
-          </a:xfrm>
-          <a:prstGeom prst="straightConnector1">
-            <a:avLst/>
-          </a:prstGeom>
-          <a:ln w="38100">
-            <a:headEnd type="triangle" w="med" len="med"/>
-            <a:tailEnd type="triangle" w="med" len="med"/>
-          </a:ln>
-        </p:spPr>
-        <p:style>
-          <a:lnRef idx="1">
-            <a:schemeClr val="accent1"/>
-          </a:lnRef>
-          <a:fillRef idx="0">
-            <a:schemeClr val="accent1"/>
-          </a:fillRef>
-          <a:effectRef idx="0">
-            <a:schemeClr val="accent1"/>
-          </a:effectRef>
-          <a:fontRef idx="minor">
-            <a:schemeClr val="tx1"/>
-          </a:fontRef>
-        </p:style>
-      </p:cxnSp>
-      <p:cxnSp>
-        <p:nvCxnSpPr>
-          <p:cNvPr id="58" name="直線矢印コネクタ 57">
-            <a:extLst>
-              <a:ext uri="{FF2B5EF4-FFF2-40B4-BE49-F238E27FC236}">
-                <a16:creationId xmlns:a16="http://schemas.microsoft.com/office/drawing/2014/main" id="{5B4584A1-7FAE-4069-8E67-A90889FC979C}"/>
-              </a:ext>
-            </a:extLst>
-          </p:cNvPr>
-          <p:cNvCxnSpPr>
-            <a:cxnSpLocks/>
-          </p:cNvCxnSpPr>
-          <p:nvPr/>
-        </p:nvCxnSpPr>
-        <p:spPr>
-          <a:xfrm flipH="1">
-            <a:off x="7650609" y="1296629"/>
-            <a:ext cx="973618" cy="1"/>
-          </a:xfrm>
-          <a:prstGeom prst="straightConnector1">
-            <a:avLst/>
-          </a:prstGeom>
-          <a:ln w="38100">
-            <a:headEnd type="triangle" w="med" len="med"/>
-            <a:tailEnd type="triangle" w="med" len="med"/>
-          </a:ln>
-        </p:spPr>
-        <p:style>
-          <a:lnRef idx="1">
-            <a:schemeClr val="accent1"/>
-          </a:lnRef>
-          <a:fillRef idx="0">
-            <a:schemeClr val="accent1"/>
-          </a:fillRef>
-          <a:effectRef idx="0">
-            <a:schemeClr val="accent1"/>
-          </a:effectRef>
-          <a:fontRef idx="minor">
-            <a:schemeClr val="tx1"/>
-          </a:fontRef>
-        </p:style>
-      </p:cxnSp>
-      <p:cxnSp>
-        <p:nvCxnSpPr>
-          <p:cNvPr id="69" name="直線矢印コネクタ 68">
-            <a:extLst>
-              <a:ext uri="{FF2B5EF4-FFF2-40B4-BE49-F238E27FC236}">
-                <a16:creationId xmlns:a16="http://schemas.microsoft.com/office/drawing/2014/main" id="{13DA2101-EE2A-4E20-A184-105F93835B2F}"/>
-              </a:ext>
-            </a:extLst>
-          </p:cNvPr>
-          <p:cNvCxnSpPr>
-            <a:cxnSpLocks/>
-          </p:cNvCxnSpPr>
-          <p:nvPr/>
-        </p:nvCxnSpPr>
-        <p:spPr>
-          <a:xfrm flipH="1">
-            <a:off x="7674178" y="2791461"/>
-            <a:ext cx="973618" cy="1"/>
-          </a:xfrm>
-          <a:prstGeom prst="straightConnector1">
-            <a:avLst/>
-          </a:prstGeom>
-          <a:ln w="38100">
-            <a:headEnd type="triangle" w="med" len="med"/>
-            <a:tailEnd type="triangle" w="med" len="med"/>
-          </a:ln>
-        </p:spPr>
-        <p:style>
-          <a:lnRef idx="1">
-            <a:schemeClr val="accent1"/>
-          </a:lnRef>
-          <a:fillRef idx="0">
-            <a:schemeClr val="accent1"/>
-          </a:fillRef>
-          <a:effectRef idx="0">
-            <a:schemeClr val="accent1"/>
-          </a:effectRef>
-          <a:fontRef idx="minor">
-            <a:schemeClr val="tx1"/>
-          </a:fontRef>
-        </p:style>
-      </p:cxnSp>
-      <p:sp>
-        <p:nvSpPr>
-          <p:cNvPr id="78" name="テキスト ボックス 77">
-            <a:extLst>
-              <a:ext uri="{FF2B5EF4-FFF2-40B4-BE49-F238E27FC236}">
-                <a16:creationId xmlns:a16="http://schemas.microsoft.com/office/drawing/2014/main" id="{27EA04E4-0F08-467D-8A53-FAFBD807261C}"/>
-              </a:ext>
-            </a:extLst>
-          </p:cNvPr>
-          <p:cNvSpPr txBox="1"/>
-          <p:nvPr/>
-        </p:nvSpPr>
-        <p:spPr>
-          <a:xfrm>
-            <a:off x="4880240" y="3999044"/>
-            <a:ext cx="1041952" cy="369332"/>
-          </a:xfrm>
-          <a:prstGeom prst="rect">
-            <a:avLst/>
-          </a:prstGeom>
-          <a:solidFill>
-            <a:schemeClr val="bg1"/>
-          </a:solidFill>
-        </p:spPr>
-        <p:txBody>
-          <a:bodyPr wrap="none" rtlCol="0">
-            <a:spAutoFit/>
-          </a:bodyPr>
-          <a:lstStyle/>
-          <a:p>
-            <a:r>
-              <a:rPr kumimoji="1" lang="en-US" altLang="ja-JP" dirty="0"/>
-              <a:t>Frontend</a:t>
-            </a:r>
-            <a:endParaRPr kumimoji="1" lang="ja-JP" altLang="en-US" dirty="0"/>
-          </a:p>
-        </p:txBody>
-      </p:sp>
-      <p:sp>
-        <p:nvSpPr>
-          <p:cNvPr id="81" name="テキスト ボックス 80">
-            <a:extLst>
-              <a:ext uri="{FF2B5EF4-FFF2-40B4-BE49-F238E27FC236}">
-                <a16:creationId xmlns:a16="http://schemas.microsoft.com/office/drawing/2014/main" id="{40A271E3-B5E8-41B7-9772-C9DE4F280367}"/>
-              </a:ext>
-            </a:extLst>
-          </p:cNvPr>
-          <p:cNvSpPr txBox="1"/>
-          <p:nvPr/>
-        </p:nvSpPr>
-        <p:spPr>
-          <a:xfrm>
-            <a:off x="5030680" y="178224"/>
-            <a:ext cx="973921" cy="369332"/>
-          </a:xfrm>
-          <a:prstGeom prst="rect">
-            <a:avLst/>
-          </a:prstGeom>
-          <a:solidFill>
-            <a:schemeClr val="bg1"/>
-          </a:solidFill>
-        </p:spPr>
-        <p:txBody>
-          <a:bodyPr wrap="none" rtlCol="0">
-            <a:spAutoFit/>
-          </a:bodyPr>
-          <a:lstStyle/>
-          <a:p>
-            <a:r>
-              <a:rPr kumimoji="1" lang="en-US" altLang="ja-JP" dirty="0"/>
-              <a:t>Backend</a:t>
-            </a:r>
-            <a:endParaRPr kumimoji="1" lang="ja-JP" altLang="en-US" dirty="0"/>
-          </a:p>
-        </p:txBody>
-      </p:sp>
-      <p:sp>
-        <p:nvSpPr>
-          <p:cNvPr id="3" name="TextBox 2">
-            <a:extLst>
-              <a:ext uri="{FF2B5EF4-FFF2-40B4-BE49-F238E27FC236}">
-                <a16:creationId xmlns:a16="http://schemas.microsoft.com/office/drawing/2014/main" id="{78A648DA-79C2-624D-AA63-57BA7351A567}"/>
-              </a:ext>
-            </a:extLst>
-          </p:cNvPr>
-          <p:cNvSpPr txBox="1"/>
-          <p:nvPr/>
-        </p:nvSpPr>
-        <p:spPr>
-          <a:xfrm>
-            <a:off x="418290" y="4126121"/>
-            <a:ext cx="1582228" cy="369332"/>
-          </a:xfrm>
-          <a:prstGeom prst="rect">
-            <a:avLst/>
-          </a:prstGeom>
-          <a:noFill/>
-        </p:spPr>
-        <p:txBody>
-          <a:bodyPr wrap="none" rtlCol="0">
-            <a:spAutoFit/>
-          </a:bodyPr>
-          <a:lstStyle/>
-          <a:p>
-            <a:r>
-              <a:rPr lang="en-US" dirty="0"/>
-              <a:t>User (Browser)</a:t>
-            </a:r>
-          </a:p>
-        </p:txBody>
-      </p:sp>
-      <p:sp>
-        <p:nvSpPr>
-          <p:cNvPr id="8" name="Can 7">
-            <a:extLst>
-              <a:ext uri="{FF2B5EF4-FFF2-40B4-BE49-F238E27FC236}">
-                <a16:creationId xmlns:a16="http://schemas.microsoft.com/office/drawing/2014/main" id="{6D389A55-F10C-984E-8955-FA4C4EF7DD1A}"/>
-              </a:ext>
-            </a:extLst>
-          </p:cNvPr>
-          <p:cNvSpPr/>
-          <p:nvPr/>
-        </p:nvSpPr>
-        <p:spPr>
-          <a:xfrm rot="14881054">
-            <a:off x="3492706" y="1899015"/>
-            <a:ext cx="278329" cy="1896656"/>
-          </a:xfrm>
-          <a:prstGeom prst="can">
-            <a:avLst/>
-          </a:prstGeom>
-        </p:spPr>
-        <p:style>
-          <a:lnRef idx="2">
-            <a:schemeClr val="accent1">
-              <a:shade val="50000"/>
-            </a:schemeClr>
-          </a:lnRef>
-          <a:fillRef idx="1">
-            <a:schemeClr val="accent1"/>
-          </a:fillRef>
-          <a:effectRef idx="0">
-            <a:schemeClr val="accent1"/>
-          </a:effectRef>
-          <a:fontRef idx="minor">
-            <a:schemeClr val="lt1"/>
-          </a:fontRef>
-        </p:style>
-        <p:txBody>
-          <a:bodyPr rtlCol="0" anchor="ctr"/>
-          <a:lstStyle/>
-          <a:p>
-            <a:pPr algn="ctr"/>
-            <a:endParaRPr lang="en-US"/>
-          </a:p>
-        </p:txBody>
-      </p:sp>
-      <p:sp>
-        <p:nvSpPr>
-          <p:cNvPr id="7" name="TextBox 6">
-            <a:extLst>
-              <a:ext uri="{FF2B5EF4-FFF2-40B4-BE49-F238E27FC236}">
-                <a16:creationId xmlns:a16="http://schemas.microsoft.com/office/drawing/2014/main" id="{48D8EA65-5000-D443-BCE5-866C3D75236C}"/>
-              </a:ext>
-            </a:extLst>
-          </p:cNvPr>
-          <p:cNvSpPr txBox="1"/>
-          <p:nvPr/>
-        </p:nvSpPr>
-        <p:spPr>
-          <a:xfrm rot="20323196">
-            <a:off x="2799694" y="2667198"/>
-            <a:ext cx="1636923" cy="369332"/>
-          </a:xfrm>
-          <a:prstGeom prst="rect">
-            <a:avLst/>
-          </a:prstGeom>
-          <a:noFill/>
-        </p:spPr>
-        <p:txBody>
-          <a:bodyPr wrap="none" rtlCol="0">
-            <a:spAutoFit/>
-          </a:bodyPr>
-          <a:lstStyle/>
-          <a:p>
-            <a:r>
-              <a:rPr lang="en-US" dirty="0">
-                <a:solidFill>
-                  <a:srgbClr val="FF0000"/>
-                </a:solidFill>
-              </a:rPr>
-              <a:t>HTTPS(SSL/TLS)</a:t>
-            </a:r>
-          </a:p>
-        </p:txBody>
-      </p:sp>
-      <p:sp>
-        <p:nvSpPr>
-          <p:cNvPr id="46" name="Can 45">
-            <a:extLst>
-              <a:ext uri="{FF2B5EF4-FFF2-40B4-BE49-F238E27FC236}">
-                <a16:creationId xmlns:a16="http://schemas.microsoft.com/office/drawing/2014/main" id="{C3326E1D-510B-1B4E-81B4-292DB72C72CB}"/>
-              </a:ext>
-            </a:extLst>
-          </p:cNvPr>
-          <p:cNvSpPr/>
-          <p:nvPr/>
-        </p:nvSpPr>
-        <p:spPr>
-          <a:xfrm rot="17145457">
-            <a:off x="3387875" y="3361786"/>
-            <a:ext cx="278329" cy="1896656"/>
-          </a:xfrm>
-          <a:prstGeom prst="can">
-            <a:avLst/>
-          </a:prstGeom>
-          <a:solidFill>
-            <a:srgbClr val="FFC000"/>
-          </a:solidFill>
-        </p:spPr>
-        <p:style>
-          <a:lnRef idx="2">
-            <a:schemeClr val="accent1">
-              <a:shade val="50000"/>
-            </a:schemeClr>
-          </a:lnRef>
-          <a:fillRef idx="1">
-            <a:schemeClr val="accent1"/>
-          </a:fillRef>
-          <a:effectRef idx="0">
-            <a:schemeClr val="accent1"/>
-          </a:effectRef>
-          <a:fontRef idx="minor">
-            <a:schemeClr val="lt1"/>
-          </a:fontRef>
-        </p:style>
-        <p:txBody>
-          <a:bodyPr rtlCol="0" anchor="ctr"/>
-          <a:lstStyle/>
-          <a:p>
-            <a:pPr algn="ctr"/>
-            <a:endParaRPr lang="en-US"/>
-          </a:p>
-        </p:txBody>
-      </p:sp>
-      <p:sp>
-        <p:nvSpPr>
-          <p:cNvPr id="47" name="TextBox 46">
-            <a:extLst>
-              <a:ext uri="{FF2B5EF4-FFF2-40B4-BE49-F238E27FC236}">
-                <a16:creationId xmlns:a16="http://schemas.microsoft.com/office/drawing/2014/main" id="{C4DC875C-F8AF-7247-BB11-C44C02CFB0F8}"/>
-              </a:ext>
-            </a:extLst>
-          </p:cNvPr>
-          <p:cNvSpPr txBox="1"/>
-          <p:nvPr/>
-        </p:nvSpPr>
-        <p:spPr>
-          <a:xfrm rot="987599">
-            <a:off x="2694863" y="4129969"/>
-            <a:ext cx="1636923" cy="369332"/>
-          </a:xfrm>
-          <a:prstGeom prst="rect">
-            <a:avLst/>
-          </a:prstGeom>
-          <a:noFill/>
-        </p:spPr>
-        <p:txBody>
-          <a:bodyPr wrap="none" rtlCol="0">
-            <a:spAutoFit/>
-          </a:bodyPr>
-          <a:lstStyle/>
-          <a:p>
-            <a:r>
-              <a:rPr lang="en-US" dirty="0">
-                <a:solidFill>
-                  <a:srgbClr val="FF0000"/>
-                </a:solidFill>
-              </a:rPr>
-              <a:t>HTTPS(SSL/TLS)</a:t>
-            </a:r>
-          </a:p>
-        </p:txBody>
-      </p:sp>
-      <p:pic>
-        <p:nvPicPr>
-          <p:cNvPr id="10" name="Picture 9">
-            <a:extLst>
-              <a:ext uri="{FF2B5EF4-FFF2-40B4-BE49-F238E27FC236}">
-                <a16:creationId xmlns:a16="http://schemas.microsoft.com/office/drawing/2014/main" id="{60533E61-6327-7D41-8705-4A8F7AE7B46E}"/>
-              </a:ext>
-            </a:extLst>
-          </p:cNvPr>
-          <p:cNvPicPr>
-            <a:picLocks noChangeAspect="1"/>
-          </p:cNvPicPr>
-          <p:nvPr/>
-        </p:nvPicPr>
-        <p:blipFill>
-          <a:blip r:embed="rId9"/>
-          <a:stretch>
-            <a:fillRect/>
-          </a:stretch>
-        </p:blipFill>
-        <p:spPr>
-          <a:xfrm>
             <a:off x="4877412" y="550874"/>
             <a:ext cx="1057298" cy="962260"/>
           </a:xfrm>
@@ -9583,7 +10435,7 @@
 </p:sld>
 </file>
 
-<file path=ppt/slides/slide5.xml><?xml version="1.0" encoding="utf-8"?>
+<file path=ppt/slides/slide4.xml><?xml version="1.0" encoding="utf-8"?>
 <p:sld xmlns:a="http://schemas.openxmlformats.org/drawingml/2006/main" xmlns:r="http://schemas.openxmlformats.org/officeDocument/2006/relationships" xmlns:p="http://schemas.openxmlformats.org/presentationml/2006/main">
   <p:cSld>
     <p:spTree>
@@ -11024,7 +11876,7 @@
 </p:sld>
 </file>
 
-<file path=ppt/slides/slide6.xml><?xml version="1.0" encoding="utf-8"?>
+<file path=ppt/slides/slide5.xml><?xml version="1.0" encoding="utf-8"?>
 <p:sld xmlns:a="http://schemas.openxmlformats.org/drawingml/2006/main" xmlns:r="http://schemas.openxmlformats.org/officeDocument/2006/relationships" xmlns:p="http://schemas.openxmlformats.org/presentationml/2006/main">
   <p:cSld>
     <p:spTree>
@@ -13422,7 +14274,7 @@
 </p:sld>
 </file>
 
-<file path=ppt/slides/slide7.xml><?xml version="1.0" encoding="utf-8"?>
+<file path=ppt/slides/slide6.xml><?xml version="1.0" encoding="utf-8"?>
 <p:sld xmlns:a="http://schemas.openxmlformats.org/drawingml/2006/main" xmlns:r="http://schemas.openxmlformats.org/officeDocument/2006/relationships" xmlns:p="http://schemas.openxmlformats.org/presentationml/2006/main">
   <p:cSld>
     <p:spTree>
@@ -14132,6 +14984,724 @@
 </p:sld>
 </file>
 
+<file path=ppt/slides/slide7.xml><?xml version="1.0" encoding="utf-8"?>
+<p:sld xmlns:a="http://schemas.openxmlformats.org/drawingml/2006/main" xmlns:r="http://schemas.openxmlformats.org/officeDocument/2006/relationships" xmlns:p="http://schemas.openxmlformats.org/presentationml/2006/main">
+  <p:cSld>
+    <p:spTree>
+      <p:nvGrpSpPr>
+        <p:cNvPr id="1" name=""/>
+        <p:cNvGrpSpPr/>
+        <p:nvPr/>
+      </p:nvGrpSpPr>
+      <p:grpSpPr>
+        <a:xfrm>
+          <a:off x="0" y="0"/>
+          <a:ext cx="0" cy="0"/>
+          <a:chOff x="0" y="0"/>
+          <a:chExt cx="0" cy="0"/>
+        </a:xfrm>
+      </p:grpSpPr>
+      <p:sp>
+        <p:nvSpPr>
+          <p:cNvPr id="2" name="Rounded Rectangle 1">
+            <a:extLst>
+              <a:ext uri="{FF2B5EF4-FFF2-40B4-BE49-F238E27FC236}">
+                <a16:creationId xmlns:a16="http://schemas.microsoft.com/office/drawing/2014/main" id="{96E0A1AB-B63B-4645-80D4-858A42FF5224}"/>
+              </a:ext>
+            </a:extLst>
+          </p:cNvPr>
+          <p:cNvSpPr/>
+          <p:nvPr/>
+        </p:nvSpPr>
+        <p:spPr>
+          <a:xfrm>
+            <a:off x="2381459" y="2105869"/>
+            <a:ext cx="1296238" cy="914400"/>
+          </a:xfrm>
+          <a:prstGeom prst="roundRect">
+            <a:avLst/>
+          </a:prstGeom>
+          <a:noFill/>
+          <a:ln w="38100">
+            <a:solidFill>
+              <a:srgbClr val="FF0000"/>
+            </a:solidFill>
+          </a:ln>
+        </p:spPr>
+        <p:style>
+          <a:lnRef idx="2">
+            <a:schemeClr val="accent1">
+              <a:shade val="50000"/>
+            </a:schemeClr>
+          </a:lnRef>
+          <a:fillRef idx="1">
+            <a:schemeClr val="accent1"/>
+          </a:fillRef>
+          <a:effectRef idx="0">
+            <a:schemeClr val="accent1"/>
+          </a:effectRef>
+          <a:fontRef idx="minor">
+            <a:schemeClr val="lt1"/>
+          </a:fontRef>
+        </p:style>
+        <p:txBody>
+          <a:bodyPr rtlCol="0" anchor="ctr"/>
+          <a:lstStyle/>
+          <a:p>
+            <a:pPr algn="ctr"/>
+            <a:r>
+              <a:rPr lang="en-US" sz="1600" b="1" dirty="0">
+                <a:solidFill>
+                  <a:schemeClr val="tx1"/>
+                </a:solidFill>
+              </a:rPr>
+              <a:t>AES</a:t>
+            </a:r>
+          </a:p>
+          <a:p>
+            <a:pPr algn="ctr"/>
+            <a:r>
+              <a:rPr lang="en-US" altLang="ja-JP" sz="1600" b="1" dirty="0">
+                <a:solidFill>
+                  <a:srgbClr val="FF0000"/>
+                </a:solidFill>
+              </a:rPr>
+              <a:t>Encryption</a:t>
+            </a:r>
+            <a:endParaRPr lang="en-US" sz="1600" b="1" dirty="0">
+              <a:solidFill>
+                <a:srgbClr val="FF0000"/>
+              </a:solidFill>
+            </a:endParaRPr>
+          </a:p>
+        </p:txBody>
+      </p:sp>
+      <p:pic>
+        <p:nvPicPr>
+          <p:cNvPr id="3" name="Picture 2">
+            <a:extLst>
+              <a:ext uri="{FF2B5EF4-FFF2-40B4-BE49-F238E27FC236}">
+                <a16:creationId xmlns:a16="http://schemas.microsoft.com/office/drawing/2014/main" id="{581F77C7-E42B-B940-982F-820429C78E15}"/>
+              </a:ext>
+            </a:extLst>
+          </p:cNvPr>
+          <p:cNvPicPr>
+            <a:picLocks noChangeAspect="1"/>
+          </p:cNvPicPr>
+          <p:nvPr/>
+        </p:nvPicPr>
+        <p:blipFill>
+          <a:blip r:embed="rId2"/>
+          <a:stretch>
+            <a:fillRect/>
+          </a:stretch>
+        </p:blipFill>
+        <p:spPr>
+          <a:xfrm>
+            <a:off x="534856" y="2157089"/>
+            <a:ext cx="811960" cy="811960"/>
+          </a:xfrm>
+          <a:prstGeom prst="rect">
+            <a:avLst/>
+          </a:prstGeom>
+        </p:spPr>
+      </p:pic>
+      <p:pic>
+        <p:nvPicPr>
+          <p:cNvPr id="4" name="Picture 3">
+            <a:extLst>
+              <a:ext uri="{FF2B5EF4-FFF2-40B4-BE49-F238E27FC236}">
+                <a16:creationId xmlns:a16="http://schemas.microsoft.com/office/drawing/2014/main" id="{FF319A7D-F6ED-DB49-810F-49A169528C39}"/>
+              </a:ext>
+            </a:extLst>
+          </p:cNvPr>
+          <p:cNvPicPr>
+            <a:picLocks noChangeAspect="1"/>
+          </p:cNvPicPr>
+          <p:nvPr/>
+        </p:nvPicPr>
+        <p:blipFill>
+          <a:blip r:embed="rId3"/>
+          <a:stretch>
+            <a:fillRect/>
+          </a:stretch>
+        </p:blipFill>
+        <p:spPr>
+          <a:xfrm>
+            <a:off x="4712340" y="2129986"/>
+            <a:ext cx="814759" cy="866165"/>
+          </a:xfrm>
+          <a:prstGeom prst="rect">
+            <a:avLst/>
+          </a:prstGeom>
+        </p:spPr>
+      </p:pic>
+      <p:pic>
+        <p:nvPicPr>
+          <p:cNvPr id="5" name="Picture 4">
+            <a:extLst>
+              <a:ext uri="{FF2B5EF4-FFF2-40B4-BE49-F238E27FC236}">
+                <a16:creationId xmlns:a16="http://schemas.microsoft.com/office/drawing/2014/main" id="{575205B1-6ED0-AC4E-B25E-5D9C1587BB38}"/>
+              </a:ext>
+            </a:extLst>
+          </p:cNvPr>
+          <p:cNvPicPr>
+            <a:picLocks noChangeAspect="1"/>
+          </p:cNvPicPr>
+          <p:nvPr/>
+        </p:nvPicPr>
+        <p:blipFill>
+          <a:blip r:embed="rId4"/>
+          <a:stretch>
+            <a:fillRect/>
+          </a:stretch>
+        </p:blipFill>
+        <p:spPr>
+          <a:xfrm>
+            <a:off x="4868476" y="812504"/>
+            <a:ext cx="502486" cy="460956"/>
+          </a:xfrm>
+          <a:prstGeom prst="rect">
+            <a:avLst/>
+          </a:prstGeom>
+        </p:spPr>
+      </p:pic>
+      <p:cxnSp>
+        <p:nvCxnSpPr>
+          <p:cNvPr id="7" name="Straight Arrow Connector 6">
+            <a:extLst>
+              <a:ext uri="{FF2B5EF4-FFF2-40B4-BE49-F238E27FC236}">
+                <a16:creationId xmlns:a16="http://schemas.microsoft.com/office/drawing/2014/main" id="{BF0049E1-F5A2-7D48-A0C1-F11AE9235CB4}"/>
+              </a:ext>
+            </a:extLst>
+          </p:cNvPr>
+          <p:cNvCxnSpPr>
+            <a:stCxn id="3" idx="3"/>
+            <a:endCxn id="2" idx="1"/>
+          </p:cNvCxnSpPr>
+          <p:nvPr/>
+        </p:nvCxnSpPr>
+        <p:spPr>
+          <a:xfrm>
+            <a:off x="1346816" y="2563069"/>
+            <a:ext cx="1034643" cy="0"/>
+          </a:xfrm>
+          <a:prstGeom prst="straightConnector1">
+            <a:avLst/>
+          </a:prstGeom>
+          <a:ln w="38100">
+            <a:solidFill>
+              <a:schemeClr val="tx1"/>
+            </a:solidFill>
+            <a:tailEnd type="triangle"/>
+          </a:ln>
+        </p:spPr>
+        <p:style>
+          <a:lnRef idx="1">
+            <a:schemeClr val="accent1"/>
+          </a:lnRef>
+          <a:fillRef idx="0">
+            <a:schemeClr val="accent1"/>
+          </a:fillRef>
+          <a:effectRef idx="0">
+            <a:schemeClr val="accent1"/>
+          </a:effectRef>
+          <a:fontRef idx="minor">
+            <a:schemeClr val="tx1"/>
+          </a:fontRef>
+        </p:style>
+      </p:cxnSp>
+      <p:cxnSp>
+        <p:nvCxnSpPr>
+          <p:cNvPr id="12" name="Straight Arrow Connector 11">
+            <a:extLst>
+              <a:ext uri="{FF2B5EF4-FFF2-40B4-BE49-F238E27FC236}">
+                <a16:creationId xmlns:a16="http://schemas.microsoft.com/office/drawing/2014/main" id="{117BD53F-2BB6-F446-AD27-6BF7A0E655DD}"/>
+              </a:ext>
+            </a:extLst>
+          </p:cNvPr>
+          <p:cNvCxnSpPr>
+            <a:cxnSpLocks/>
+            <a:stCxn id="2" idx="3"/>
+            <a:endCxn id="4" idx="1"/>
+          </p:cNvCxnSpPr>
+          <p:nvPr/>
+        </p:nvCxnSpPr>
+        <p:spPr>
+          <a:xfrm>
+            <a:off x="3677697" y="2563069"/>
+            <a:ext cx="1034643" cy="0"/>
+          </a:xfrm>
+          <a:prstGeom prst="straightConnector1">
+            <a:avLst/>
+          </a:prstGeom>
+          <a:ln w="38100">
+            <a:solidFill>
+              <a:schemeClr val="tx1"/>
+            </a:solidFill>
+            <a:tailEnd type="triangle"/>
+          </a:ln>
+        </p:spPr>
+        <p:style>
+          <a:lnRef idx="1">
+            <a:schemeClr val="accent1"/>
+          </a:lnRef>
+          <a:fillRef idx="0">
+            <a:schemeClr val="accent1"/>
+          </a:fillRef>
+          <a:effectRef idx="0">
+            <a:schemeClr val="accent1"/>
+          </a:effectRef>
+          <a:fontRef idx="minor">
+            <a:schemeClr val="tx1"/>
+          </a:fontRef>
+        </p:style>
+      </p:cxnSp>
+      <p:sp>
+        <p:nvSpPr>
+          <p:cNvPr id="18" name="TextBox 17">
+            <a:extLst>
+              <a:ext uri="{FF2B5EF4-FFF2-40B4-BE49-F238E27FC236}">
+                <a16:creationId xmlns:a16="http://schemas.microsoft.com/office/drawing/2014/main" id="{C6699D69-739D-F24D-BD9E-F742896FF962}"/>
+              </a:ext>
+            </a:extLst>
+          </p:cNvPr>
+          <p:cNvSpPr txBox="1"/>
+          <p:nvPr/>
+        </p:nvSpPr>
+        <p:spPr>
+          <a:xfrm>
+            <a:off x="4249929" y="419055"/>
+            <a:ext cx="1739579" cy="369332"/>
+          </a:xfrm>
+          <a:prstGeom prst="rect">
+            <a:avLst/>
+          </a:prstGeom>
+          <a:noFill/>
+        </p:spPr>
+        <p:txBody>
+          <a:bodyPr wrap="none" rtlCol="0">
+            <a:spAutoFit/>
+          </a:bodyPr>
+          <a:lstStyle/>
+          <a:p>
+            <a:r>
+              <a:rPr lang="en-US" dirty="0"/>
+              <a:t>128/192/256-bit</a:t>
+            </a:r>
+          </a:p>
+        </p:txBody>
+      </p:sp>
+      <p:sp>
+        <p:nvSpPr>
+          <p:cNvPr id="19" name="Rounded Rectangle 18">
+            <a:extLst>
+              <a:ext uri="{FF2B5EF4-FFF2-40B4-BE49-F238E27FC236}">
+                <a16:creationId xmlns:a16="http://schemas.microsoft.com/office/drawing/2014/main" id="{CAEA64A7-5326-8443-A22D-2444CDA76161}"/>
+              </a:ext>
+            </a:extLst>
+          </p:cNvPr>
+          <p:cNvSpPr/>
+          <p:nvPr/>
+        </p:nvSpPr>
+        <p:spPr>
+          <a:xfrm>
+            <a:off x="6561740" y="2105869"/>
+            <a:ext cx="1296238" cy="914400"/>
+          </a:xfrm>
+          <a:prstGeom prst="roundRect">
+            <a:avLst/>
+          </a:prstGeom>
+          <a:noFill/>
+          <a:ln w="38100">
+            <a:solidFill>
+              <a:srgbClr val="0070C0"/>
+            </a:solidFill>
+          </a:ln>
+        </p:spPr>
+        <p:style>
+          <a:lnRef idx="2">
+            <a:schemeClr val="accent1">
+              <a:shade val="50000"/>
+            </a:schemeClr>
+          </a:lnRef>
+          <a:fillRef idx="1">
+            <a:schemeClr val="accent1"/>
+          </a:fillRef>
+          <a:effectRef idx="0">
+            <a:schemeClr val="accent1"/>
+          </a:effectRef>
+          <a:fontRef idx="minor">
+            <a:schemeClr val="lt1"/>
+          </a:fontRef>
+        </p:style>
+        <p:txBody>
+          <a:bodyPr rtlCol="0" anchor="ctr"/>
+          <a:lstStyle/>
+          <a:p>
+            <a:pPr algn="ctr"/>
+            <a:r>
+              <a:rPr lang="en-US" sz="1600" b="1" dirty="0">
+                <a:solidFill>
+                  <a:schemeClr val="tx1"/>
+                </a:solidFill>
+              </a:rPr>
+              <a:t>AES</a:t>
+            </a:r>
+          </a:p>
+          <a:p>
+            <a:pPr algn="ctr"/>
+            <a:r>
+              <a:rPr lang="en-US" altLang="ja-JP" sz="1600" b="1" dirty="0">
+                <a:solidFill>
+                  <a:srgbClr val="0070C0"/>
+                </a:solidFill>
+              </a:rPr>
+              <a:t>Decryption</a:t>
+            </a:r>
+            <a:endParaRPr lang="en-US" sz="1600" b="1" dirty="0">
+              <a:solidFill>
+                <a:srgbClr val="0070C0"/>
+              </a:solidFill>
+            </a:endParaRPr>
+          </a:p>
+        </p:txBody>
+      </p:sp>
+      <p:cxnSp>
+        <p:nvCxnSpPr>
+          <p:cNvPr id="21" name="Straight Arrow Connector 20">
+            <a:extLst>
+              <a:ext uri="{FF2B5EF4-FFF2-40B4-BE49-F238E27FC236}">
+                <a16:creationId xmlns:a16="http://schemas.microsoft.com/office/drawing/2014/main" id="{BA4A18BA-CB7A-E841-B643-D68D6A6FB353}"/>
+              </a:ext>
+            </a:extLst>
+          </p:cNvPr>
+          <p:cNvCxnSpPr>
+            <a:cxnSpLocks/>
+            <a:endCxn id="19" idx="1"/>
+          </p:cNvCxnSpPr>
+          <p:nvPr/>
+        </p:nvCxnSpPr>
+        <p:spPr>
+          <a:xfrm flipV="1">
+            <a:off x="5527099" y="2563069"/>
+            <a:ext cx="1034641" cy="1"/>
+          </a:xfrm>
+          <a:prstGeom prst="straightConnector1">
+            <a:avLst/>
+          </a:prstGeom>
+          <a:ln w="38100">
+            <a:solidFill>
+              <a:schemeClr val="tx1"/>
+            </a:solidFill>
+            <a:tailEnd type="triangle"/>
+          </a:ln>
+        </p:spPr>
+        <p:style>
+          <a:lnRef idx="1">
+            <a:schemeClr val="accent1"/>
+          </a:lnRef>
+          <a:fillRef idx="0">
+            <a:schemeClr val="accent1"/>
+          </a:fillRef>
+          <a:effectRef idx="0">
+            <a:schemeClr val="accent1"/>
+          </a:effectRef>
+          <a:fontRef idx="minor">
+            <a:schemeClr val="tx1"/>
+          </a:fontRef>
+        </p:style>
+      </p:cxnSp>
+      <p:cxnSp>
+        <p:nvCxnSpPr>
+          <p:cNvPr id="22" name="Straight Arrow Connector 21">
+            <a:extLst>
+              <a:ext uri="{FF2B5EF4-FFF2-40B4-BE49-F238E27FC236}">
+                <a16:creationId xmlns:a16="http://schemas.microsoft.com/office/drawing/2014/main" id="{9AB57E1D-E09B-6341-8DAB-280D4B224987}"/>
+              </a:ext>
+            </a:extLst>
+          </p:cNvPr>
+          <p:cNvCxnSpPr>
+            <a:cxnSpLocks/>
+            <a:stCxn id="19" idx="3"/>
+            <a:endCxn id="23" idx="1"/>
+          </p:cNvCxnSpPr>
+          <p:nvPr/>
+        </p:nvCxnSpPr>
+        <p:spPr>
+          <a:xfrm>
+            <a:off x="7857978" y="2563069"/>
+            <a:ext cx="1034643" cy="2460"/>
+          </a:xfrm>
+          <a:prstGeom prst="straightConnector1">
+            <a:avLst/>
+          </a:prstGeom>
+          <a:ln w="38100">
+            <a:solidFill>
+              <a:schemeClr val="tx1"/>
+            </a:solidFill>
+            <a:tailEnd type="triangle"/>
+          </a:ln>
+        </p:spPr>
+        <p:style>
+          <a:lnRef idx="1">
+            <a:schemeClr val="accent1"/>
+          </a:lnRef>
+          <a:fillRef idx="0">
+            <a:schemeClr val="accent1"/>
+          </a:fillRef>
+          <a:effectRef idx="0">
+            <a:schemeClr val="accent1"/>
+          </a:effectRef>
+          <a:fontRef idx="minor">
+            <a:schemeClr val="tx1"/>
+          </a:fontRef>
+        </p:style>
+      </p:cxnSp>
+      <p:pic>
+        <p:nvPicPr>
+          <p:cNvPr id="23" name="Picture 22">
+            <a:extLst>
+              <a:ext uri="{FF2B5EF4-FFF2-40B4-BE49-F238E27FC236}">
+                <a16:creationId xmlns:a16="http://schemas.microsoft.com/office/drawing/2014/main" id="{4BAB0829-211F-7E4B-AD37-E9E9D20781D4}"/>
+              </a:ext>
+            </a:extLst>
+          </p:cNvPr>
+          <p:cNvPicPr>
+            <a:picLocks noChangeAspect="1"/>
+          </p:cNvPicPr>
+          <p:nvPr/>
+        </p:nvPicPr>
+        <p:blipFill>
+          <a:blip r:embed="rId2"/>
+          <a:stretch>
+            <a:fillRect/>
+          </a:stretch>
+        </p:blipFill>
+        <p:spPr>
+          <a:xfrm>
+            <a:off x="8892621" y="2159549"/>
+            <a:ext cx="811960" cy="811960"/>
+          </a:xfrm>
+          <a:prstGeom prst="rect">
+            <a:avLst/>
+          </a:prstGeom>
+        </p:spPr>
+      </p:pic>
+      <p:cxnSp>
+        <p:nvCxnSpPr>
+          <p:cNvPr id="35" name="Elbow Connector 34">
+            <a:extLst>
+              <a:ext uri="{FF2B5EF4-FFF2-40B4-BE49-F238E27FC236}">
+                <a16:creationId xmlns:a16="http://schemas.microsoft.com/office/drawing/2014/main" id="{0821EF96-8881-8A41-B8F4-D7FE427B1E2B}"/>
+              </a:ext>
+            </a:extLst>
+          </p:cNvPr>
+          <p:cNvCxnSpPr>
+            <a:stCxn id="5" idx="2"/>
+            <a:endCxn id="2" idx="0"/>
+          </p:cNvCxnSpPr>
+          <p:nvPr/>
+        </p:nvCxnSpPr>
+        <p:spPr>
+          <a:xfrm rot="5400000">
+            <a:off x="3658445" y="644594"/>
+            <a:ext cx="832409" cy="2090141"/>
+          </a:xfrm>
+          <a:prstGeom prst="bentConnector3">
+            <a:avLst/>
+          </a:prstGeom>
+          <a:ln w="38100">
+            <a:solidFill>
+              <a:schemeClr val="tx1"/>
+            </a:solidFill>
+            <a:tailEnd type="triangle"/>
+          </a:ln>
+        </p:spPr>
+        <p:style>
+          <a:lnRef idx="1">
+            <a:schemeClr val="accent1"/>
+          </a:lnRef>
+          <a:fillRef idx="0">
+            <a:schemeClr val="accent1"/>
+          </a:fillRef>
+          <a:effectRef idx="0">
+            <a:schemeClr val="accent1"/>
+          </a:effectRef>
+          <a:fontRef idx="minor">
+            <a:schemeClr val="tx1"/>
+          </a:fontRef>
+        </p:style>
+      </p:cxnSp>
+      <p:cxnSp>
+        <p:nvCxnSpPr>
+          <p:cNvPr id="37" name="Elbow Connector 36">
+            <a:extLst>
+              <a:ext uri="{FF2B5EF4-FFF2-40B4-BE49-F238E27FC236}">
+                <a16:creationId xmlns:a16="http://schemas.microsoft.com/office/drawing/2014/main" id="{B248BDD9-3982-B14B-8AFB-E51E90DCA6AE}"/>
+              </a:ext>
+            </a:extLst>
+          </p:cNvPr>
+          <p:cNvCxnSpPr>
+            <a:cxnSpLocks/>
+            <a:stCxn id="5" idx="2"/>
+            <a:endCxn id="19" idx="0"/>
+          </p:cNvCxnSpPr>
+          <p:nvPr/>
+        </p:nvCxnSpPr>
+        <p:spPr>
+          <a:xfrm rot="16200000" flipH="1">
+            <a:off x="5748585" y="644594"/>
+            <a:ext cx="832409" cy="2090140"/>
+          </a:xfrm>
+          <a:prstGeom prst="bentConnector3">
+            <a:avLst>
+              <a:gd name="adj1" fmla="val 50000"/>
+            </a:avLst>
+          </a:prstGeom>
+          <a:ln w="38100">
+            <a:solidFill>
+              <a:schemeClr val="tx1"/>
+            </a:solidFill>
+            <a:tailEnd type="triangle"/>
+          </a:ln>
+        </p:spPr>
+        <p:style>
+          <a:lnRef idx="1">
+            <a:schemeClr val="accent1"/>
+          </a:lnRef>
+          <a:fillRef idx="0">
+            <a:schemeClr val="accent1"/>
+          </a:fillRef>
+          <a:effectRef idx="0">
+            <a:schemeClr val="accent1"/>
+          </a:effectRef>
+          <a:fontRef idx="minor">
+            <a:schemeClr val="tx1"/>
+          </a:fontRef>
+        </p:style>
+      </p:cxnSp>
+      <p:sp>
+        <p:nvSpPr>
+          <p:cNvPr id="40" name="TextBox 39">
+            <a:extLst>
+              <a:ext uri="{FF2B5EF4-FFF2-40B4-BE49-F238E27FC236}">
+                <a16:creationId xmlns:a16="http://schemas.microsoft.com/office/drawing/2014/main" id="{E0693DF6-5B91-DA41-BE57-09EDA960F2AB}"/>
+              </a:ext>
+            </a:extLst>
+          </p:cNvPr>
+          <p:cNvSpPr txBox="1"/>
+          <p:nvPr/>
+        </p:nvSpPr>
+        <p:spPr>
+          <a:xfrm>
+            <a:off x="383099" y="3012982"/>
+            <a:ext cx="1112677" cy="369332"/>
+          </a:xfrm>
+          <a:prstGeom prst="rect">
+            <a:avLst/>
+          </a:prstGeom>
+          <a:noFill/>
+        </p:spPr>
+        <p:txBody>
+          <a:bodyPr wrap="none" rtlCol="0">
+            <a:spAutoFit/>
+          </a:bodyPr>
+          <a:lstStyle/>
+          <a:p>
+            <a:pPr algn="ctr"/>
+            <a:r>
+              <a:rPr lang="en-US" dirty="0"/>
+              <a:t>plain data</a:t>
+            </a:r>
+          </a:p>
+        </p:txBody>
+      </p:sp>
+      <p:sp>
+        <p:nvSpPr>
+          <p:cNvPr id="41" name="TextBox 40">
+            <a:extLst>
+              <a:ext uri="{FF2B5EF4-FFF2-40B4-BE49-F238E27FC236}">
+                <a16:creationId xmlns:a16="http://schemas.microsoft.com/office/drawing/2014/main" id="{14C07A22-9957-2F44-80E4-99D997E74001}"/>
+              </a:ext>
+            </a:extLst>
+          </p:cNvPr>
+          <p:cNvSpPr txBox="1"/>
+          <p:nvPr/>
+        </p:nvSpPr>
+        <p:spPr>
+          <a:xfrm>
+            <a:off x="4316902" y="3012982"/>
+            <a:ext cx="1605632" cy="369332"/>
+          </a:xfrm>
+          <a:prstGeom prst="rect">
+            <a:avLst/>
+          </a:prstGeom>
+          <a:noFill/>
+        </p:spPr>
+        <p:txBody>
+          <a:bodyPr wrap="none" rtlCol="0">
+            <a:spAutoFit/>
+          </a:bodyPr>
+          <a:lstStyle/>
+          <a:p>
+            <a:pPr algn="ctr"/>
+            <a:r>
+              <a:rPr lang="en-US" dirty="0"/>
+              <a:t>encrypted data</a:t>
+            </a:r>
+          </a:p>
+        </p:txBody>
+      </p:sp>
+      <p:sp>
+        <p:nvSpPr>
+          <p:cNvPr id="42" name="TextBox 41">
+            <a:extLst>
+              <a:ext uri="{FF2B5EF4-FFF2-40B4-BE49-F238E27FC236}">
+                <a16:creationId xmlns:a16="http://schemas.microsoft.com/office/drawing/2014/main" id="{8934248A-E8C3-C94F-82D0-A63F5C5686C4}"/>
+              </a:ext>
+            </a:extLst>
+          </p:cNvPr>
+          <p:cNvSpPr txBox="1"/>
+          <p:nvPr/>
+        </p:nvSpPr>
+        <p:spPr>
+          <a:xfrm>
+            <a:off x="8742263" y="2974509"/>
+            <a:ext cx="1112677" cy="369332"/>
+          </a:xfrm>
+          <a:prstGeom prst="rect">
+            <a:avLst/>
+          </a:prstGeom>
+          <a:noFill/>
+        </p:spPr>
+        <p:txBody>
+          <a:bodyPr wrap="none" rtlCol="0">
+            <a:spAutoFit/>
+          </a:bodyPr>
+          <a:lstStyle/>
+          <a:p>
+            <a:pPr algn="ctr"/>
+            <a:r>
+              <a:rPr lang="en-US" dirty="0"/>
+              <a:t>plain data</a:t>
+            </a:r>
+          </a:p>
+        </p:txBody>
+      </p:sp>
+    </p:spTree>
+    <p:extLst>
+      <p:ext uri="{BB962C8B-B14F-4D97-AF65-F5344CB8AC3E}">
+        <p14:creationId xmlns:p14="http://schemas.microsoft.com/office/powerpoint/2010/main" val="2684005847"/>
+      </p:ext>
+    </p:extLst>
+  </p:cSld>
+  <p:clrMapOvr>
+    <a:masterClrMapping/>
+  </p:clrMapOvr>
+</p:sld>
+</file>
+
 <file path=ppt/slides/slide8.xml><?xml version="1.0" encoding="utf-8"?>
 <p:sld xmlns:a="http://schemas.openxmlformats.org/drawingml/2006/main" xmlns:r="http://schemas.openxmlformats.org/officeDocument/2006/relationships" xmlns:p="http://schemas.openxmlformats.org/presentationml/2006/main">
   <p:cSld>
@@ -14149,12 +15719,42 @@
           <a:chExt cx="0" cy="0"/>
         </a:xfrm>
       </p:grpSpPr>
-      <p:sp>
-        <p:nvSpPr>
-          <p:cNvPr id="2" name="Rounded Rectangle 1">
-            <a:extLst>
-              <a:ext uri="{FF2B5EF4-FFF2-40B4-BE49-F238E27FC236}">
-                <a16:creationId xmlns:a16="http://schemas.microsoft.com/office/drawing/2014/main" id="{96E0A1AB-B63B-4645-80D4-858A42FF5224}"/>
+      <p:pic>
+        <p:nvPicPr>
+          <p:cNvPr id="34" name="Picture 33">
+            <a:extLst>
+              <a:ext uri="{FF2B5EF4-FFF2-40B4-BE49-F238E27FC236}">
+                <a16:creationId xmlns:a16="http://schemas.microsoft.com/office/drawing/2014/main" id="{7722DAF6-61E6-4D43-9F23-8D69679DC4E5}"/>
+              </a:ext>
+            </a:extLst>
+          </p:cNvPr>
+          <p:cNvPicPr>
+            <a:picLocks noChangeAspect="1"/>
+          </p:cNvPicPr>
+          <p:nvPr/>
+        </p:nvPicPr>
+        <p:blipFill>
+          <a:blip r:embed="rId3"/>
+          <a:stretch>
+            <a:fillRect/>
+          </a:stretch>
+        </p:blipFill>
+        <p:spPr>
+          <a:xfrm>
+            <a:off x="1869068" y="2617040"/>
+            <a:ext cx="811960" cy="811960"/>
+          </a:xfrm>
+          <a:prstGeom prst="rect">
+            <a:avLst/>
+          </a:prstGeom>
+        </p:spPr>
+      </p:pic>
+      <p:sp>
+        <p:nvSpPr>
+          <p:cNvPr id="36" name="Rounded Rectangle 35">
+            <a:extLst>
+              <a:ext uri="{FF2B5EF4-FFF2-40B4-BE49-F238E27FC236}">
+                <a16:creationId xmlns:a16="http://schemas.microsoft.com/office/drawing/2014/main" id="{637E0E65-14BA-2E49-BCB1-6DE75E352044}"/>
               </a:ext>
             </a:extLst>
           </p:cNvPr>
@@ -14163,8 +15763,62 @@
         </p:nvSpPr>
         <p:spPr>
           <a:xfrm>
-            <a:off x="2381459" y="2105869"/>
-            <a:ext cx="1296238" cy="914400"/>
+            <a:off x="8224968" y="3460642"/>
+            <a:ext cx="1446964" cy="988046"/>
+          </a:xfrm>
+          <a:prstGeom prst="roundRect">
+            <a:avLst/>
+          </a:prstGeom>
+        </p:spPr>
+        <p:style>
+          <a:lnRef idx="1">
+            <a:schemeClr val="accent5"/>
+          </a:lnRef>
+          <a:fillRef idx="2">
+            <a:schemeClr val="accent5"/>
+          </a:fillRef>
+          <a:effectRef idx="1">
+            <a:schemeClr val="accent5"/>
+          </a:effectRef>
+          <a:fontRef idx="minor">
+            <a:schemeClr val="dk1"/>
+          </a:fontRef>
+        </p:style>
+        <p:txBody>
+          <a:bodyPr rtlCol="0" anchor="ctr"/>
+          <a:lstStyle/>
+          <a:p>
+            <a:pPr algn="ctr"/>
+            <a:r>
+              <a:rPr lang="en-US" dirty="0"/>
+              <a:t>REST API</a:t>
+            </a:r>
+            <a:br>
+              <a:rPr lang="en-US" dirty="0"/>
+            </a:br>
+            <a:r>
+              <a:rPr lang="en-US" dirty="0"/>
+              <a:t>Mock Server</a:t>
+            </a:r>
+          </a:p>
+        </p:txBody>
+      </p:sp>
+      <p:sp>
+        <p:nvSpPr>
+          <p:cNvPr id="37" name="Rounded Rectangle 36">
+            <a:extLst>
+              <a:ext uri="{FF2B5EF4-FFF2-40B4-BE49-F238E27FC236}">
+                <a16:creationId xmlns:a16="http://schemas.microsoft.com/office/drawing/2014/main" id="{758C28E5-547A-894C-A9C0-BEE6B042BFB7}"/>
+              </a:ext>
+            </a:extLst>
+          </p:cNvPr>
+          <p:cNvSpPr/>
+          <p:nvPr/>
+        </p:nvSpPr>
+        <p:spPr>
+          <a:xfrm>
+            <a:off x="1797321" y="2339571"/>
+            <a:ext cx="5045606" cy="1418514"/>
           </a:xfrm>
           <a:prstGeom prst="roundRect">
             <a:avLst/>
@@ -14172,7 +15826,7 @@
           <a:noFill/>
           <a:ln w="38100">
             <a:solidFill>
-              <a:srgbClr val="FF0000"/>
+              <a:schemeClr val="accent1"/>
             </a:solidFill>
           </a:ln>
         </p:spPr>
@@ -14197,151 +15851,139 @@
           <a:lstStyle/>
           <a:p>
             <a:pPr algn="ctr"/>
-            <a:r>
-              <a:rPr lang="en-US" sz="1600" b="1" dirty="0">
-                <a:solidFill>
-                  <a:schemeClr val="tx1"/>
-                </a:solidFill>
-              </a:rPr>
-              <a:t>AES</a:t>
-            </a:r>
-          </a:p>
+            <a:endParaRPr lang="en-US"/>
+          </a:p>
+        </p:txBody>
+      </p:sp>
+      <p:sp>
+        <p:nvSpPr>
+          <p:cNvPr id="38" name="TextBox 37">
+            <a:extLst>
+              <a:ext uri="{FF2B5EF4-FFF2-40B4-BE49-F238E27FC236}">
+                <a16:creationId xmlns:a16="http://schemas.microsoft.com/office/drawing/2014/main" id="{C36FE139-8322-2440-BE41-95F4E5551C6B}"/>
+              </a:ext>
+            </a:extLst>
+          </p:cNvPr>
+          <p:cNvSpPr txBox="1"/>
+          <p:nvPr/>
+        </p:nvSpPr>
+        <p:spPr>
+          <a:xfrm>
+            <a:off x="1938557" y="2111510"/>
+            <a:ext cx="955454" cy="369332"/>
+          </a:xfrm>
+          <a:prstGeom prst="rect">
+            <a:avLst/>
+          </a:prstGeom>
+          <a:solidFill>
+            <a:schemeClr val="bg1"/>
+          </a:solidFill>
+        </p:spPr>
+        <p:txBody>
+          <a:bodyPr wrap="none" rtlCol="0">
+            <a:spAutoFit/>
+          </a:bodyPr>
+          <a:lstStyle/>
+          <a:p>
+            <a:r>
+              <a:rPr lang="en-US" dirty="0"/>
+              <a:t>Browser</a:t>
+            </a:r>
+          </a:p>
+        </p:txBody>
+      </p:sp>
+      <p:sp>
+        <p:nvSpPr>
+          <p:cNvPr id="39" name="Rounded Rectangle 38">
+            <a:extLst>
+              <a:ext uri="{FF2B5EF4-FFF2-40B4-BE49-F238E27FC236}">
+                <a16:creationId xmlns:a16="http://schemas.microsoft.com/office/drawing/2014/main" id="{030CF7EB-9613-8B47-8D90-720CDD6AEB3A}"/>
+              </a:ext>
+            </a:extLst>
+          </p:cNvPr>
+          <p:cNvSpPr/>
+          <p:nvPr/>
+        </p:nvSpPr>
+        <p:spPr>
+          <a:xfrm>
+            <a:off x="3179362" y="2519346"/>
+            <a:ext cx="1597688" cy="1007347"/>
+          </a:xfrm>
+          <a:prstGeom prst="roundRect">
+            <a:avLst/>
+          </a:prstGeom>
+        </p:spPr>
+        <p:style>
+          <a:lnRef idx="1">
+            <a:schemeClr val="accent6"/>
+          </a:lnRef>
+          <a:fillRef idx="2">
+            <a:schemeClr val="accent6"/>
+          </a:fillRef>
+          <a:effectRef idx="1">
+            <a:schemeClr val="accent6"/>
+          </a:effectRef>
+          <a:fontRef idx="minor">
+            <a:schemeClr val="dk1"/>
+          </a:fontRef>
+        </p:style>
+        <p:txBody>
+          <a:bodyPr rtlCol="0" anchor="ctr"/>
+          <a:lstStyle/>
           <a:p>
             <a:pPr algn="ctr"/>
             <a:r>
-              <a:rPr lang="en-US" altLang="ja-JP" sz="1600" b="1" dirty="0">
+              <a:rPr lang="en-US" dirty="0">
                 <a:solidFill>
                   <a:srgbClr val="FF0000"/>
                 </a:solidFill>
               </a:rPr>
-              <a:t>Encryption</a:t>
-            </a:r>
-            <a:endParaRPr lang="en-US" sz="1600" b="1" dirty="0">
-              <a:solidFill>
-                <a:srgbClr val="FF0000"/>
-              </a:solidFill>
-            </a:endParaRPr>
-          </a:p>
-        </p:txBody>
-      </p:sp>
-      <p:pic>
-        <p:nvPicPr>
-          <p:cNvPr id="3" name="Picture 2">
-            <a:extLst>
-              <a:ext uri="{FF2B5EF4-FFF2-40B4-BE49-F238E27FC236}">
-                <a16:creationId xmlns:a16="http://schemas.microsoft.com/office/drawing/2014/main" id="{581F77C7-E42B-B940-982F-820429C78E15}"/>
-              </a:ext>
-            </a:extLst>
-          </p:cNvPr>
-          <p:cNvPicPr>
-            <a:picLocks noChangeAspect="1"/>
-          </p:cNvPicPr>
-          <p:nvPr/>
-        </p:nvPicPr>
-        <p:blipFill>
-          <a:blip r:embed="rId2"/>
-          <a:stretch>
-            <a:fillRect/>
-          </a:stretch>
-        </p:blipFill>
-        <p:spPr>
-          <a:xfrm>
-            <a:off x="534856" y="2157089"/>
-            <a:ext cx="811960" cy="811960"/>
-          </a:xfrm>
-          <a:prstGeom prst="rect">
-            <a:avLst/>
-          </a:prstGeom>
-        </p:spPr>
-      </p:pic>
-      <p:pic>
-        <p:nvPicPr>
-          <p:cNvPr id="4" name="Picture 3">
-            <a:extLst>
-              <a:ext uri="{FF2B5EF4-FFF2-40B4-BE49-F238E27FC236}">
-                <a16:creationId xmlns:a16="http://schemas.microsoft.com/office/drawing/2014/main" id="{FF319A7D-F6ED-DB49-810F-49A169528C39}"/>
-              </a:ext>
-            </a:extLst>
-          </p:cNvPr>
-          <p:cNvPicPr>
-            <a:picLocks noChangeAspect="1"/>
-          </p:cNvPicPr>
-          <p:nvPr/>
-        </p:nvPicPr>
-        <p:blipFill>
-          <a:blip r:embed="rId3"/>
-          <a:stretch>
-            <a:fillRect/>
-          </a:stretch>
-        </p:blipFill>
-        <p:spPr>
-          <a:xfrm>
-            <a:off x="4712340" y="2129986"/>
-            <a:ext cx="814759" cy="866165"/>
-          </a:xfrm>
-          <a:prstGeom prst="rect">
-            <a:avLst/>
-          </a:prstGeom>
-        </p:spPr>
-      </p:pic>
-      <p:pic>
-        <p:nvPicPr>
-          <p:cNvPr id="5" name="Picture 4">
-            <a:extLst>
-              <a:ext uri="{FF2B5EF4-FFF2-40B4-BE49-F238E27FC236}">
-                <a16:creationId xmlns:a16="http://schemas.microsoft.com/office/drawing/2014/main" id="{575205B1-6ED0-AC4E-B25E-5D9C1587BB38}"/>
-              </a:ext>
-            </a:extLst>
-          </p:cNvPr>
-          <p:cNvPicPr>
-            <a:picLocks noChangeAspect="1"/>
-          </p:cNvPicPr>
-          <p:nvPr/>
-        </p:nvPicPr>
-        <p:blipFill>
-          <a:blip r:embed="rId4"/>
-          <a:stretch>
-            <a:fillRect/>
-          </a:stretch>
-        </p:blipFill>
-        <p:spPr>
-          <a:xfrm>
-            <a:off x="4868476" y="812504"/>
-            <a:ext cx="502486" cy="460956"/>
-          </a:xfrm>
-          <a:prstGeom prst="rect">
-            <a:avLst/>
-          </a:prstGeom>
-        </p:spPr>
-      </p:pic>
+              <a:t>AES Encryption</a:t>
+            </a:r>
+            <a:br>
+              <a:rPr lang="en-US" dirty="0">
+                <a:solidFill>
+                  <a:srgbClr val="FF0000"/>
+                </a:solidFill>
+              </a:rPr>
+            </a:br>
+            <a:r>
+              <a:rPr lang="en-US" dirty="0">
+                <a:solidFill>
+                  <a:srgbClr val="FF0000"/>
+                </a:solidFill>
+              </a:rPr>
+              <a:t>/Decryption</a:t>
+            </a:r>
+          </a:p>
+        </p:txBody>
+      </p:sp>
       <p:cxnSp>
         <p:nvCxnSpPr>
-          <p:cNvPr id="7" name="Straight Arrow Connector 6">
-            <a:extLst>
-              <a:ext uri="{FF2B5EF4-FFF2-40B4-BE49-F238E27FC236}">
-                <a16:creationId xmlns:a16="http://schemas.microsoft.com/office/drawing/2014/main" id="{BF0049E1-F5A2-7D48-A0C1-F11AE9235CB4}"/>
+          <p:cNvPr id="41" name="Straight Arrow Connector 40">
+            <a:extLst>
+              <a:ext uri="{FF2B5EF4-FFF2-40B4-BE49-F238E27FC236}">
+                <a16:creationId xmlns:a16="http://schemas.microsoft.com/office/drawing/2014/main" id="{A9E79B95-0190-C248-AE49-ADD35E940BD3}"/>
               </a:ext>
             </a:extLst>
           </p:cNvPr>
           <p:cNvCxnSpPr>
-            <a:stCxn id="3" idx="3"/>
-            <a:endCxn id="2" idx="1"/>
+            <a:stCxn id="34" idx="3"/>
+            <a:endCxn id="39" idx="1"/>
           </p:cNvCxnSpPr>
           <p:nvPr/>
         </p:nvCxnSpPr>
         <p:spPr>
           <a:xfrm>
-            <a:off x="1346816" y="2563069"/>
-            <a:ext cx="1034643" cy="0"/>
+            <a:off x="2681028" y="3023020"/>
+            <a:ext cx="498334" cy="0"/>
           </a:xfrm>
           <a:prstGeom prst="straightConnector1">
             <a:avLst/>
           </a:prstGeom>
           <a:ln w="38100">
-            <a:solidFill>
-              <a:schemeClr val="tx1"/>
-            </a:solidFill>
-            <a:tailEnd type="triangle"/>
+            <a:headEnd type="triangle" w="med" len="med"/>
+            <a:tailEnd type="triangle" w="med" len="med"/>
           </a:ln>
         </p:spPr>
         <p:style>
@@ -14361,33 +16003,30 @@
       </p:cxnSp>
       <p:cxnSp>
         <p:nvCxnSpPr>
-          <p:cNvPr id="12" name="Straight Arrow Connector 11">
-            <a:extLst>
-              <a:ext uri="{FF2B5EF4-FFF2-40B4-BE49-F238E27FC236}">
-                <a16:creationId xmlns:a16="http://schemas.microsoft.com/office/drawing/2014/main" id="{117BD53F-2BB6-F446-AD27-6BF7A0E655DD}"/>
+          <p:cNvPr id="42" name="Straight Arrow Connector 41">
+            <a:extLst>
+              <a:ext uri="{FF2B5EF4-FFF2-40B4-BE49-F238E27FC236}">
+                <a16:creationId xmlns:a16="http://schemas.microsoft.com/office/drawing/2014/main" id="{F32FB1F1-5064-0A40-AD7F-591AA57659B6}"/>
               </a:ext>
             </a:extLst>
           </p:cNvPr>
           <p:cNvCxnSpPr>
             <a:cxnSpLocks/>
-            <a:stCxn id="2" idx="3"/>
-            <a:endCxn id="4" idx="1"/>
+            <a:endCxn id="43" idx="1"/>
           </p:cNvCxnSpPr>
           <p:nvPr/>
         </p:nvCxnSpPr>
         <p:spPr>
           <a:xfrm>
-            <a:off x="3677697" y="2563069"/>
-            <a:ext cx="1034643" cy="0"/>
+            <a:off x="4777050" y="3023019"/>
+            <a:ext cx="568672" cy="0"/>
           </a:xfrm>
           <a:prstGeom prst="straightConnector1">
             <a:avLst/>
           </a:prstGeom>
           <a:ln w="38100">
-            <a:solidFill>
-              <a:schemeClr val="tx1"/>
-            </a:solidFill>
-            <a:tailEnd type="triangle"/>
+            <a:headEnd type="triangle" w="med" len="med"/>
+            <a:tailEnd type="triangle" w="med" len="med"/>
           </a:ln>
         </p:spPr>
         <p:style>
@@ -14407,45 +16046,10 @@
       </p:cxnSp>
       <p:sp>
         <p:nvSpPr>
-          <p:cNvPr id="18" name="TextBox 17">
-            <a:extLst>
-              <a:ext uri="{FF2B5EF4-FFF2-40B4-BE49-F238E27FC236}">
-                <a16:creationId xmlns:a16="http://schemas.microsoft.com/office/drawing/2014/main" id="{C6699D69-739D-F24D-BD9E-F742896FF962}"/>
-              </a:ext>
-            </a:extLst>
-          </p:cNvPr>
-          <p:cNvSpPr txBox="1"/>
-          <p:nvPr/>
-        </p:nvSpPr>
-        <p:spPr>
-          <a:xfrm>
-            <a:off x="4249929" y="419055"/>
-            <a:ext cx="1739579" cy="369332"/>
-          </a:xfrm>
-          <a:prstGeom prst="rect">
-            <a:avLst/>
-          </a:prstGeom>
-          <a:noFill/>
-        </p:spPr>
-        <p:txBody>
-          <a:bodyPr wrap="none" rtlCol="0">
-            <a:spAutoFit/>
-          </a:bodyPr>
-          <a:lstStyle/>
-          <a:p>
-            <a:r>
-              <a:rPr lang="en-US" dirty="0"/>
-              <a:t>128/192/256-bit</a:t>
-            </a:r>
-          </a:p>
-        </p:txBody>
-      </p:sp>
-      <p:sp>
-        <p:nvSpPr>
-          <p:cNvPr id="19" name="Rounded Rectangle 18">
-            <a:extLst>
-              <a:ext uri="{FF2B5EF4-FFF2-40B4-BE49-F238E27FC236}">
-                <a16:creationId xmlns:a16="http://schemas.microsoft.com/office/drawing/2014/main" id="{CAEA64A7-5326-8443-A22D-2444CDA76161}"/>
+          <p:cNvPr id="43" name="Rounded Rectangle 42">
+            <a:extLst>
+              <a:ext uri="{FF2B5EF4-FFF2-40B4-BE49-F238E27FC236}">
+                <a16:creationId xmlns:a16="http://schemas.microsoft.com/office/drawing/2014/main" id="{04756220-7284-C441-A221-180D4C32D604}"/>
               </a:ext>
             </a:extLst>
           </p:cNvPr>
@@ -14454,18 +16058,12 @@
         </p:nvSpPr>
         <p:spPr>
           <a:xfrm>
-            <a:off x="6561740" y="2105869"/>
-            <a:ext cx="1296238" cy="914400"/>
+            <a:off x="5345722" y="2565819"/>
+            <a:ext cx="1245996" cy="914400"/>
           </a:xfrm>
           <a:prstGeom prst="roundRect">
             <a:avLst/>
           </a:prstGeom>
-          <a:noFill/>
-          <a:ln w="38100">
-            <a:solidFill>
-              <a:srgbClr val="0070C0"/>
-            </a:solidFill>
-          </a:ln>
         </p:spPr>
         <p:style>
           <a:lnRef idx="2">
@@ -14489,60 +16087,267 @@
           <a:p>
             <a:pPr algn="ctr"/>
             <a:r>
-              <a:rPr lang="en-US" sz="1600" b="1" dirty="0">
+              <a:rPr lang="en-US" dirty="0"/>
+              <a:t>HTTP PUT/GET</a:t>
+            </a:r>
+          </a:p>
+        </p:txBody>
+      </p:sp>
+      <p:cxnSp>
+        <p:nvCxnSpPr>
+          <p:cNvPr id="45" name="Straight Arrow Connector 44">
+            <a:extLst>
+              <a:ext uri="{FF2B5EF4-FFF2-40B4-BE49-F238E27FC236}">
+                <a16:creationId xmlns:a16="http://schemas.microsoft.com/office/drawing/2014/main" id="{A66EADBC-BA26-B646-9648-5674CD7447B2}"/>
+              </a:ext>
+            </a:extLst>
+          </p:cNvPr>
+          <p:cNvCxnSpPr>
+            <a:cxnSpLocks/>
+            <a:stCxn id="43" idx="3"/>
+            <a:endCxn id="36" idx="1"/>
+          </p:cNvCxnSpPr>
+          <p:nvPr/>
+        </p:nvCxnSpPr>
+        <p:spPr>
+          <a:xfrm>
+            <a:off x="6591718" y="3023019"/>
+            <a:ext cx="1633250" cy="931646"/>
+          </a:xfrm>
+          <a:prstGeom prst="straightConnector1">
+            <a:avLst/>
+          </a:prstGeom>
+          <a:ln w="38100">
+            <a:headEnd type="triangle" w="med" len="med"/>
+            <a:tailEnd type="triangle" w="med" len="med"/>
+          </a:ln>
+        </p:spPr>
+        <p:style>
+          <a:lnRef idx="1">
+            <a:schemeClr val="accent1"/>
+          </a:lnRef>
+          <a:fillRef idx="0">
+            <a:schemeClr val="accent1"/>
+          </a:fillRef>
+          <a:effectRef idx="0">
+            <a:schemeClr val="accent1"/>
+          </a:effectRef>
+          <a:fontRef idx="minor">
+            <a:schemeClr val="tx1"/>
+          </a:fontRef>
+        </p:style>
+      </p:cxnSp>
+      <p:pic>
+        <p:nvPicPr>
+          <p:cNvPr id="49" name="Picture 48">
+            <a:extLst>
+              <a:ext uri="{FF2B5EF4-FFF2-40B4-BE49-F238E27FC236}">
+                <a16:creationId xmlns:a16="http://schemas.microsoft.com/office/drawing/2014/main" id="{343739C9-D3F0-E64F-85FC-C51CF74A4E09}"/>
+              </a:ext>
+            </a:extLst>
+          </p:cNvPr>
+          <p:cNvPicPr>
+            <a:picLocks noChangeAspect="1"/>
+          </p:cNvPicPr>
+          <p:nvPr/>
+        </p:nvPicPr>
+        <p:blipFill>
+          <a:blip r:embed="rId3"/>
+          <a:stretch>
+            <a:fillRect/>
+          </a:stretch>
+        </p:blipFill>
+        <p:spPr>
+          <a:xfrm>
+            <a:off x="1869068" y="4379480"/>
+            <a:ext cx="811960" cy="811960"/>
+          </a:xfrm>
+          <a:prstGeom prst="rect">
+            <a:avLst/>
+          </a:prstGeom>
+        </p:spPr>
+      </p:pic>
+      <p:sp>
+        <p:nvSpPr>
+          <p:cNvPr id="50" name="Rounded Rectangle 49">
+            <a:extLst>
+              <a:ext uri="{FF2B5EF4-FFF2-40B4-BE49-F238E27FC236}">
+                <a16:creationId xmlns:a16="http://schemas.microsoft.com/office/drawing/2014/main" id="{F0876F74-3EB6-DE4E-9784-B3A80AD6B522}"/>
+              </a:ext>
+            </a:extLst>
+          </p:cNvPr>
+          <p:cNvSpPr/>
+          <p:nvPr/>
+        </p:nvSpPr>
+        <p:spPr>
+          <a:xfrm>
+            <a:off x="1797321" y="4102011"/>
+            <a:ext cx="5045606" cy="1418514"/>
+          </a:xfrm>
+          <a:prstGeom prst="roundRect">
+            <a:avLst/>
+          </a:prstGeom>
+          <a:noFill/>
+          <a:ln w="38100">
+            <a:solidFill>
+              <a:schemeClr val="accent1"/>
+            </a:solidFill>
+          </a:ln>
+        </p:spPr>
+        <p:style>
+          <a:lnRef idx="2">
+            <a:schemeClr val="accent1">
+              <a:shade val="50000"/>
+            </a:schemeClr>
+          </a:lnRef>
+          <a:fillRef idx="1">
+            <a:schemeClr val="accent1"/>
+          </a:fillRef>
+          <a:effectRef idx="0">
+            <a:schemeClr val="accent1"/>
+          </a:effectRef>
+          <a:fontRef idx="minor">
+            <a:schemeClr val="lt1"/>
+          </a:fontRef>
+        </p:style>
+        <p:txBody>
+          <a:bodyPr rtlCol="0" anchor="ctr"/>
+          <a:lstStyle/>
+          <a:p>
+            <a:pPr algn="ctr"/>
+            <a:endParaRPr lang="en-US"/>
+          </a:p>
+        </p:txBody>
+      </p:sp>
+      <p:sp>
+        <p:nvSpPr>
+          <p:cNvPr id="51" name="TextBox 50">
+            <a:extLst>
+              <a:ext uri="{FF2B5EF4-FFF2-40B4-BE49-F238E27FC236}">
+                <a16:creationId xmlns:a16="http://schemas.microsoft.com/office/drawing/2014/main" id="{06E4F78A-1163-764B-B153-950D801F421C}"/>
+              </a:ext>
+            </a:extLst>
+          </p:cNvPr>
+          <p:cNvSpPr txBox="1"/>
+          <p:nvPr/>
+        </p:nvSpPr>
+        <p:spPr>
+          <a:xfrm>
+            <a:off x="1938557" y="3873950"/>
+            <a:ext cx="894797" cy="369332"/>
+          </a:xfrm>
+          <a:prstGeom prst="rect">
+            <a:avLst/>
+          </a:prstGeom>
+          <a:solidFill>
+            <a:schemeClr val="bg1"/>
+          </a:solidFill>
+        </p:spPr>
+        <p:txBody>
+          <a:bodyPr wrap="none" rtlCol="0">
+            <a:spAutoFit/>
+          </a:bodyPr>
+          <a:lstStyle/>
+          <a:p>
+            <a:r>
+              <a:rPr lang="en-US" dirty="0"/>
+              <a:t>Node.js</a:t>
+            </a:r>
+          </a:p>
+        </p:txBody>
+      </p:sp>
+      <p:sp>
+        <p:nvSpPr>
+          <p:cNvPr id="52" name="Rounded Rectangle 51">
+            <a:extLst>
+              <a:ext uri="{FF2B5EF4-FFF2-40B4-BE49-F238E27FC236}">
+                <a16:creationId xmlns:a16="http://schemas.microsoft.com/office/drawing/2014/main" id="{F80C57BC-C346-2B4E-9E61-245F8C6C9B19}"/>
+              </a:ext>
+            </a:extLst>
+          </p:cNvPr>
+          <p:cNvSpPr/>
+          <p:nvPr/>
+        </p:nvSpPr>
+        <p:spPr>
+          <a:xfrm>
+            <a:off x="3179362" y="4281786"/>
+            <a:ext cx="1597688" cy="1007347"/>
+          </a:xfrm>
+          <a:prstGeom prst="roundRect">
+            <a:avLst/>
+          </a:prstGeom>
+        </p:spPr>
+        <p:style>
+          <a:lnRef idx="1">
+            <a:schemeClr val="accent6"/>
+          </a:lnRef>
+          <a:fillRef idx="2">
+            <a:schemeClr val="accent6"/>
+          </a:fillRef>
+          <a:effectRef idx="1">
+            <a:schemeClr val="accent6"/>
+          </a:effectRef>
+          <a:fontRef idx="minor">
+            <a:schemeClr val="dk1"/>
+          </a:fontRef>
+        </p:style>
+        <p:txBody>
+          <a:bodyPr rtlCol="0" anchor="ctr"/>
+          <a:lstStyle/>
+          <a:p>
+            <a:pPr algn="ctr"/>
+            <a:r>
+              <a:rPr lang="en-US" dirty="0">
                 <a:solidFill>
-                  <a:schemeClr val="tx1"/>
+                  <a:srgbClr val="FF0000"/>
                 </a:solidFill>
               </a:rPr>
-              <a:t>AES</a:t>
-            </a:r>
-          </a:p>
-          <a:p>
-            <a:pPr algn="ctr"/>
-            <a:r>
-              <a:rPr lang="en-US" altLang="ja-JP" sz="1600" b="1" dirty="0">
+              <a:t>AES Encryption</a:t>
+            </a:r>
+            <a:br>
+              <a:rPr lang="en-US" dirty="0">
                 <a:solidFill>
-                  <a:srgbClr val="0070C0"/>
+                  <a:srgbClr val="FF0000"/>
                 </a:solidFill>
               </a:rPr>
-              <a:t>Decryption</a:t>
-            </a:r>
-            <a:endParaRPr lang="en-US" sz="1600" b="1" dirty="0">
-              <a:solidFill>
-                <a:srgbClr val="0070C0"/>
-              </a:solidFill>
-            </a:endParaRPr>
+            </a:br>
+            <a:r>
+              <a:rPr lang="en-US" dirty="0">
+                <a:solidFill>
+                  <a:srgbClr val="FF0000"/>
+                </a:solidFill>
+              </a:rPr>
+              <a:t>/Decryption</a:t>
+            </a:r>
           </a:p>
         </p:txBody>
       </p:sp>
       <p:cxnSp>
         <p:nvCxnSpPr>
-          <p:cNvPr id="21" name="Straight Arrow Connector 20">
-            <a:extLst>
-              <a:ext uri="{FF2B5EF4-FFF2-40B4-BE49-F238E27FC236}">
-                <a16:creationId xmlns:a16="http://schemas.microsoft.com/office/drawing/2014/main" id="{BA4A18BA-CB7A-E841-B643-D68D6A6FB353}"/>
+          <p:cNvPr id="53" name="Straight Arrow Connector 52">
+            <a:extLst>
+              <a:ext uri="{FF2B5EF4-FFF2-40B4-BE49-F238E27FC236}">
+                <a16:creationId xmlns:a16="http://schemas.microsoft.com/office/drawing/2014/main" id="{F443150F-93D0-B74A-880E-601CE59C9F2A}"/>
               </a:ext>
             </a:extLst>
           </p:cNvPr>
           <p:cNvCxnSpPr>
-            <a:cxnSpLocks/>
-            <a:endCxn id="19" idx="1"/>
+            <a:stCxn id="49" idx="3"/>
+            <a:endCxn id="52" idx="1"/>
           </p:cNvCxnSpPr>
           <p:nvPr/>
         </p:nvCxnSpPr>
         <p:spPr>
-          <a:xfrm flipV="1">
-            <a:off x="5527099" y="2563069"/>
-            <a:ext cx="1034641" cy="1"/>
+          <a:xfrm>
+            <a:off x="2681028" y="4785460"/>
+            <a:ext cx="498334" cy="0"/>
           </a:xfrm>
           <a:prstGeom prst="straightConnector1">
             <a:avLst/>
           </a:prstGeom>
           <a:ln w="38100">
-            <a:solidFill>
-              <a:schemeClr val="tx1"/>
-            </a:solidFill>
-            <a:tailEnd type="triangle"/>
+            <a:headEnd type="triangle" w="med" len="med"/>
+            <a:tailEnd type="triangle" w="med" len="med"/>
           </a:ln>
         </p:spPr>
         <p:style>
@@ -14562,33 +16367,123 @@
       </p:cxnSp>
       <p:cxnSp>
         <p:nvCxnSpPr>
-          <p:cNvPr id="22" name="Straight Arrow Connector 21">
-            <a:extLst>
-              <a:ext uri="{FF2B5EF4-FFF2-40B4-BE49-F238E27FC236}">
-                <a16:creationId xmlns:a16="http://schemas.microsoft.com/office/drawing/2014/main" id="{9AB57E1D-E09B-6341-8DAB-280D4B224987}"/>
+          <p:cNvPr id="54" name="Straight Arrow Connector 53">
+            <a:extLst>
+              <a:ext uri="{FF2B5EF4-FFF2-40B4-BE49-F238E27FC236}">
+                <a16:creationId xmlns:a16="http://schemas.microsoft.com/office/drawing/2014/main" id="{3DF130E7-A91C-D14C-AE7B-00E257D2975E}"/>
               </a:ext>
             </a:extLst>
           </p:cNvPr>
           <p:cNvCxnSpPr>
             <a:cxnSpLocks/>
-            <a:stCxn id="19" idx="3"/>
-            <a:endCxn id="23" idx="1"/>
+            <a:endCxn id="55" idx="1"/>
           </p:cNvCxnSpPr>
           <p:nvPr/>
         </p:nvCxnSpPr>
         <p:spPr>
           <a:xfrm>
-            <a:off x="7857978" y="2563069"/>
-            <a:ext cx="1034643" cy="2460"/>
+            <a:off x="4777050" y="4785459"/>
+            <a:ext cx="568672" cy="0"/>
           </a:xfrm>
           <a:prstGeom prst="straightConnector1">
             <a:avLst/>
           </a:prstGeom>
           <a:ln w="38100">
-            <a:solidFill>
-              <a:schemeClr val="tx1"/>
-            </a:solidFill>
-            <a:tailEnd type="triangle"/>
+            <a:headEnd type="triangle" w="med" len="med"/>
+            <a:tailEnd type="triangle" w="med" len="med"/>
+          </a:ln>
+        </p:spPr>
+        <p:style>
+          <a:lnRef idx="1">
+            <a:schemeClr val="accent1"/>
+          </a:lnRef>
+          <a:fillRef idx="0">
+            <a:schemeClr val="accent1"/>
+          </a:fillRef>
+          <a:effectRef idx="0">
+            <a:schemeClr val="accent1"/>
+          </a:effectRef>
+          <a:fontRef idx="minor">
+            <a:schemeClr val="tx1"/>
+          </a:fontRef>
+        </p:style>
+      </p:cxnSp>
+      <p:sp>
+        <p:nvSpPr>
+          <p:cNvPr id="55" name="Rounded Rectangle 54">
+            <a:extLst>
+              <a:ext uri="{FF2B5EF4-FFF2-40B4-BE49-F238E27FC236}">
+                <a16:creationId xmlns:a16="http://schemas.microsoft.com/office/drawing/2014/main" id="{2C3E7BFC-B9FD-DF48-9A5C-BA9FC3A903B1}"/>
+              </a:ext>
+            </a:extLst>
+          </p:cNvPr>
+          <p:cNvSpPr/>
+          <p:nvPr/>
+        </p:nvSpPr>
+        <p:spPr>
+          <a:xfrm>
+            <a:off x="5345722" y="4328259"/>
+            <a:ext cx="1245996" cy="914400"/>
+          </a:xfrm>
+          <a:prstGeom prst="roundRect">
+            <a:avLst/>
+          </a:prstGeom>
+        </p:spPr>
+        <p:style>
+          <a:lnRef idx="2">
+            <a:schemeClr val="accent1">
+              <a:shade val="50000"/>
+            </a:schemeClr>
+          </a:lnRef>
+          <a:fillRef idx="1">
+            <a:schemeClr val="accent1"/>
+          </a:fillRef>
+          <a:effectRef idx="0">
+            <a:schemeClr val="accent1"/>
+          </a:effectRef>
+          <a:fontRef idx="minor">
+            <a:schemeClr val="lt1"/>
+          </a:fontRef>
+        </p:style>
+        <p:txBody>
+          <a:bodyPr rtlCol="0" anchor="ctr"/>
+          <a:lstStyle/>
+          <a:p>
+            <a:pPr algn="ctr"/>
+            <a:r>
+              <a:rPr lang="en-US" dirty="0"/>
+              <a:t>HTTP PUT/GET</a:t>
+            </a:r>
+          </a:p>
+        </p:txBody>
+      </p:sp>
+      <p:cxnSp>
+        <p:nvCxnSpPr>
+          <p:cNvPr id="56" name="Straight Arrow Connector 55">
+            <a:extLst>
+              <a:ext uri="{FF2B5EF4-FFF2-40B4-BE49-F238E27FC236}">
+                <a16:creationId xmlns:a16="http://schemas.microsoft.com/office/drawing/2014/main" id="{9451A0E1-EEDC-EE41-9C20-3F08B94231C1}"/>
+              </a:ext>
+            </a:extLst>
+          </p:cNvPr>
+          <p:cNvCxnSpPr>
+            <a:cxnSpLocks/>
+            <a:stCxn id="55" idx="3"/>
+            <a:endCxn id="36" idx="1"/>
+          </p:cNvCxnSpPr>
+          <p:nvPr/>
+        </p:nvCxnSpPr>
+        <p:spPr>
+          <a:xfrm flipV="1">
+            <a:off x="6591718" y="3954665"/>
+            <a:ext cx="1633250" cy="830794"/>
+          </a:xfrm>
+          <a:prstGeom prst="straightConnector1">
+            <a:avLst/>
+          </a:prstGeom>
+          <a:ln w="38100">
+            <a:headEnd type="triangle" w="med" len="med"/>
+            <a:tailEnd type="triangle" w="med" len="med"/>
           </a:ln>
         </p:spPr>
         <p:style>
@@ -14608,10 +16503,10 @@
       </p:cxnSp>
       <p:pic>
         <p:nvPicPr>
-          <p:cNvPr id="23" name="Picture 22">
-            <a:extLst>
-              <a:ext uri="{FF2B5EF4-FFF2-40B4-BE49-F238E27FC236}">
-                <a16:creationId xmlns:a16="http://schemas.microsoft.com/office/drawing/2014/main" id="{4BAB0829-211F-7E4B-AD37-E9E9D20781D4}"/>
+          <p:cNvPr id="61" name="Picture 60">
+            <a:extLst>
+              <a:ext uri="{FF2B5EF4-FFF2-40B4-BE49-F238E27FC236}">
+                <a16:creationId xmlns:a16="http://schemas.microsoft.com/office/drawing/2014/main" id="{2E57251A-E750-AD47-A23F-A94EA7189784}"/>
               </a:ext>
             </a:extLst>
           </p:cNvPr>
@@ -14621,50 +16516,44 @@
           <p:nvPr/>
         </p:nvPicPr>
         <p:blipFill>
-          <a:blip r:embed="rId2"/>
+          <a:blip r:embed="rId4"/>
           <a:stretch>
             <a:fillRect/>
           </a:stretch>
         </p:blipFill>
         <p:spPr>
           <a:xfrm>
-            <a:off x="8892621" y="2159549"/>
-            <a:ext cx="811960" cy="811960"/>
+            <a:off x="10039636" y="3231460"/>
+            <a:ext cx="814759" cy="866165"/>
           </a:xfrm>
           <a:prstGeom prst="rect">
             <a:avLst/>
           </a:prstGeom>
         </p:spPr>
       </p:pic>
-      <p:cxnSp>
-        <p:nvCxnSpPr>
-          <p:cNvPr id="35" name="Elbow Connector 34">
-            <a:extLst>
-              <a:ext uri="{FF2B5EF4-FFF2-40B4-BE49-F238E27FC236}">
-                <a16:creationId xmlns:a16="http://schemas.microsoft.com/office/drawing/2014/main" id="{0821EF96-8881-8A41-B8F4-D7FE427B1E2B}"/>
-              </a:ext>
-            </a:extLst>
-          </p:cNvPr>
-          <p:cNvCxnSpPr>
-            <a:stCxn id="5" idx="2"/>
-            <a:endCxn id="2" idx="0"/>
-          </p:cNvCxnSpPr>
-          <p:nvPr/>
-        </p:nvCxnSpPr>
-        <p:spPr>
-          <a:xfrm rot="5400000">
-            <a:off x="3658445" y="644594"/>
-            <a:ext cx="832409" cy="2090141"/>
-          </a:xfrm>
-          <a:prstGeom prst="bentConnector3">
-            <a:avLst/>
-          </a:prstGeom>
-          <a:ln w="38100">
-            <a:solidFill>
-              <a:schemeClr val="tx1"/>
-            </a:solidFill>
-            <a:tailEnd type="triangle"/>
-          </a:ln>
+      <p:sp>
+        <p:nvSpPr>
+          <p:cNvPr id="62" name="Left Brace 61">
+            <a:extLst>
+              <a:ext uri="{FF2B5EF4-FFF2-40B4-BE49-F238E27FC236}">
+                <a16:creationId xmlns:a16="http://schemas.microsoft.com/office/drawing/2014/main" id="{7916F562-C63D-B547-8F16-D1C6A47CC798}"/>
+              </a:ext>
+            </a:extLst>
+          </p:cNvPr>
+          <p:cNvSpPr/>
+          <p:nvPr/>
+        </p:nvSpPr>
+        <p:spPr>
+          <a:xfrm>
+            <a:off x="9677734" y="3123871"/>
+            <a:ext cx="323442" cy="1661588"/>
+          </a:xfrm>
+          <a:prstGeom prst="leftBrace">
+            <a:avLst>
+              <a:gd name="adj1" fmla="val 54933"/>
+              <a:gd name="adj2" fmla="val 50000"/>
+            </a:avLst>
+          </a:prstGeom>
         </p:spPr>
         <p:style>
           <a:lnRef idx="1">
@@ -14680,61 +16569,21 @@
             <a:schemeClr val="tx1"/>
           </a:fontRef>
         </p:style>
-      </p:cxnSp>
-      <p:cxnSp>
-        <p:nvCxnSpPr>
-          <p:cNvPr id="37" name="Elbow Connector 36">
-            <a:extLst>
-              <a:ext uri="{FF2B5EF4-FFF2-40B4-BE49-F238E27FC236}">
-                <a16:creationId xmlns:a16="http://schemas.microsoft.com/office/drawing/2014/main" id="{B248BDD9-3982-B14B-8AFB-E51E90DCA6AE}"/>
-              </a:ext>
-            </a:extLst>
-          </p:cNvPr>
-          <p:cNvCxnSpPr>
-            <a:cxnSpLocks/>
-            <a:stCxn id="5" idx="2"/>
-            <a:endCxn id="19" idx="0"/>
-          </p:cNvCxnSpPr>
-          <p:nvPr/>
-        </p:nvCxnSpPr>
-        <p:spPr>
-          <a:xfrm rot="16200000" flipH="1">
-            <a:off x="5748585" y="644594"/>
-            <a:ext cx="832409" cy="2090140"/>
-          </a:xfrm>
-          <a:prstGeom prst="bentConnector3">
-            <a:avLst>
-              <a:gd name="adj1" fmla="val 50000"/>
-            </a:avLst>
-          </a:prstGeom>
-          <a:ln w="38100">
-            <a:solidFill>
-              <a:schemeClr val="tx1"/>
-            </a:solidFill>
-            <a:tailEnd type="triangle"/>
-          </a:ln>
-        </p:spPr>
-        <p:style>
-          <a:lnRef idx="1">
-            <a:schemeClr val="accent1"/>
-          </a:lnRef>
-          <a:fillRef idx="0">
-            <a:schemeClr val="accent1"/>
-          </a:fillRef>
-          <a:effectRef idx="0">
-            <a:schemeClr val="accent1"/>
-          </a:effectRef>
-          <a:fontRef idx="minor">
-            <a:schemeClr val="tx1"/>
-          </a:fontRef>
-        </p:style>
-      </p:cxnSp>
-      <p:sp>
-        <p:nvSpPr>
-          <p:cNvPr id="40" name="TextBox 39">
-            <a:extLst>
-              <a:ext uri="{FF2B5EF4-FFF2-40B4-BE49-F238E27FC236}">
-                <a16:creationId xmlns:a16="http://schemas.microsoft.com/office/drawing/2014/main" id="{E0693DF6-5B91-DA41-BE57-09EDA960F2AB}"/>
+        <p:txBody>
+          <a:bodyPr rtlCol="0" anchor="ctr"/>
+          <a:lstStyle/>
+          <a:p>
+            <a:pPr algn="ctr"/>
+            <a:endParaRPr lang="en-US"/>
+          </a:p>
+        </p:txBody>
+      </p:sp>
+      <p:sp>
+        <p:nvSpPr>
+          <p:cNvPr id="63" name="TextBox 62">
+            <a:extLst>
+              <a:ext uri="{FF2B5EF4-FFF2-40B4-BE49-F238E27FC236}">
+                <a16:creationId xmlns:a16="http://schemas.microsoft.com/office/drawing/2014/main" id="{7756A6A9-669C-7741-B072-931DC173CC94}"/>
               </a:ext>
             </a:extLst>
           </p:cNvPr>
@@ -14743,8 +16592,8 @@
         </p:nvSpPr>
         <p:spPr>
           <a:xfrm>
-            <a:off x="383099" y="3012982"/>
-            <a:ext cx="1112677" cy="369332"/>
+            <a:off x="9914995" y="4035024"/>
+            <a:ext cx="1663212" cy="369332"/>
           </a:xfrm>
           <a:prstGeom prst="rect">
             <a:avLst/>
@@ -14757,82 +16606,68 @@
           </a:bodyPr>
           <a:lstStyle/>
           <a:p>
-            <a:pPr algn="ctr"/>
             <a:r>
               <a:rPr lang="en-US" dirty="0"/>
-              <a:t>plain data</a:t>
-            </a:r>
-          </a:p>
-        </p:txBody>
-      </p:sp>
-      <p:sp>
-        <p:nvSpPr>
-          <p:cNvPr id="41" name="TextBox 40">
-            <a:extLst>
-              <a:ext uri="{FF2B5EF4-FFF2-40B4-BE49-F238E27FC236}">
-                <a16:creationId xmlns:a16="http://schemas.microsoft.com/office/drawing/2014/main" id="{14C07A22-9957-2F44-80E4-99D997E74001}"/>
-              </a:ext>
-            </a:extLst>
-          </p:cNvPr>
-          <p:cNvSpPr txBox="1"/>
-          <p:nvPr/>
-        </p:nvSpPr>
-        <p:spPr>
-          <a:xfrm>
-            <a:off x="4316902" y="3012982"/>
-            <a:ext cx="1605632" cy="369332"/>
-          </a:xfrm>
-          <a:prstGeom prst="rect">
-            <a:avLst/>
-          </a:prstGeom>
-          <a:noFill/>
-        </p:spPr>
-        <p:txBody>
-          <a:bodyPr wrap="none" rtlCol="0">
-            <a:spAutoFit/>
-          </a:bodyPr>
-          <a:lstStyle/>
-          <a:p>
-            <a:pPr algn="ctr"/>
-            <a:r>
-              <a:rPr lang="en-US" dirty="0"/>
-              <a:t>encrypted data</a:t>
-            </a:r>
-          </a:p>
-        </p:txBody>
-      </p:sp>
-      <p:sp>
-        <p:nvSpPr>
-          <p:cNvPr id="42" name="TextBox 41">
-            <a:extLst>
-              <a:ext uri="{FF2B5EF4-FFF2-40B4-BE49-F238E27FC236}">
-                <a16:creationId xmlns:a16="http://schemas.microsoft.com/office/drawing/2014/main" id="{8934248A-E8C3-C94F-82D0-A63F5C5686C4}"/>
-              </a:ext>
-            </a:extLst>
-          </p:cNvPr>
-          <p:cNvSpPr txBox="1"/>
-          <p:nvPr/>
-        </p:nvSpPr>
-        <p:spPr>
-          <a:xfrm>
-            <a:off x="8742263" y="2974509"/>
-            <a:ext cx="1112677" cy="369332"/>
-          </a:xfrm>
-          <a:prstGeom prst="rect">
-            <a:avLst/>
-          </a:prstGeom>
-          <a:noFill/>
-        </p:spPr>
-        <p:txBody>
-          <a:bodyPr wrap="none" rtlCol="0">
-            <a:spAutoFit/>
-          </a:bodyPr>
-          <a:lstStyle/>
-          <a:p>
-            <a:pPr algn="ctr"/>
-            <a:r>
-              <a:rPr lang="en-US" dirty="0"/>
-              <a:t>plain data</a:t>
+              <a:t>Registered Data</a:t>
+            </a:r>
+          </a:p>
+        </p:txBody>
+      </p:sp>
+      <p:sp>
+        <p:nvSpPr>
+          <p:cNvPr id="64" name="Rounded Rectangular Callout 63">
+            <a:extLst>
+              <a:ext uri="{FF2B5EF4-FFF2-40B4-BE49-F238E27FC236}">
+                <a16:creationId xmlns:a16="http://schemas.microsoft.com/office/drawing/2014/main" id="{047DD333-8FCD-EF49-9615-4F915733B52D}"/>
+              </a:ext>
+            </a:extLst>
+          </p:cNvPr>
+          <p:cNvSpPr/>
+          <p:nvPr/>
+        </p:nvSpPr>
+        <p:spPr>
+          <a:xfrm>
+            <a:off x="7278361" y="2235006"/>
+            <a:ext cx="3576034" cy="689723"/>
+          </a:xfrm>
+          <a:prstGeom prst="wedgeRoundRectCallout">
+            <a:avLst>
+              <a:gd name="adj1" fmla="val 35523"/>
+              <a:gd name="adj2" fmla="val 85091"/>
+              <a:gd name="adj3" fmla="val 16667"/>
+            </a:avLst>
+          </a:prstGeom>
+          <a:solidFill>
+            <a:schemeClr val="bg1"/>
+          </a:solidFill>
+        </p:spPr>
+        <p:style>
+          <a:lnRef idx="2">
+            <a:schemeClr val="accent1">
+              <a:shade val="50000"/>
+            </a:schemeClr>
+          </a:lnRef>
+          <a:fillRef idx="1">
+            <a:schemeClr val="accent1"/>
+          </a:fillRef>
+          <a:effectRef idx="0">
+            <a:schemeClr val="accent1"/>
+          </a:effectRef>
+          <a:fontRef idx="minor">
+            <a:schemeClr val="lt1"/>
+          </a:fontRef>
+        </p:style>
+        <p:txBody>
+          <a:bodyPr rtlCol="0" anchor="ctr"/>
+          <a:lstStyle/>
+          <a:p>
+            <a:r>
+              <a:rPr lang="en-US" dirty="0">
+                <a:solidFill>
+                  <a:srgbClr val="FF0000"/>
+                </a:solidFill>
+              </a:rPr>
+              <a:t>We shall check if the original data is not disclosed at the server.</a:t>
             </a:r>
           </a:p>
         </p:txBody>
@@ -14840,7 +16675,7 @@
     </p:spTree>
     <p:extLst>
       <p:ext uri="{BB962C8B-B14F-4D97-AF65-F5344CB8AC3E}">
-        <p14:creationId xmlns:p14="http://schemas.microsoft.com/office/powerpoint/2010/main" val="2684005847"/>
+        <p14:creationId xmlns:p14="http://schemas.microsoft.com/office/powerpoint/2010/main" val="2786249625"/>
       </p:ext>
     </p:extLst>
   </p:cSld>
@@ -14869,10 +16704,10 @@
       </p:grpSpPr>
       <p:pic>
         <p:nvPicPr>
-          <p:cNvPr id="34" name="Picture 33">
-            <a:extLst>
-              <a:ext uri="{FF2B5EF4-FFF2-40B4-BE49-F238E27FC236}">
-                <a16:creationId xmlns:a16="http://schemas.microsoft.com/office/drawing/2014/main" id="{7722DAF6-61E6-4D43-9F23-8D69679DC4E5}"/>
+          <p:cNvPr id="5" name="Picture 4">
+            <a:extLst>
+              <a:ext uri="{FF2B5EF4-FFF2-40B4-BE49-F238E27FC236}">
+                <a16:creationId xmlns:a16="http://schemas.microsoft.com/office/drawing/2014/main" id="{2B8BDD46-B8A4-BA4F-9C7C-59D5BDF72346}"/>
               </a:ext>
             </a:extLst>
           </p:cNvPr>
@@ -14882,15 +16717,15 @@
           <p:nvPr/>
         </p:nvPicPr>
         <p:blipFill>
-          <a:blip r:embed="rId3"/>
+          <a:blip r:embed="rId2"/>
           <a:stretch>
             <a:fillRect/>
           </a:stretch>
         </p:blipFill>
         <p:spPr>
           <a:xfrm>
-            <a:off x="1869068" y="2617040"/>
-            <a:ext cx="811960" cy="811960"/>
+            <a:off x="1104900" y="1943100"/>
+            <a:ext cx="9982200" cy="2971800"/>
           </a:xfrm>
           <a:prstGeom prst="rect">
             <a:avLst/>
@@ -14899,10 +16734,10 @@
       </p:pic>
       <p:sp>
         <p:nvSpPr>
-          <p:cNvPr id="36" name="Rounded Rectangle 35">
-            <a:extLst>
-              <a:ext uri="{FF2B5EF4-FFF2-40B4-BE49-F238E27FC236}">
-                <a16:creationId xmlns:a16="http://schemas.microsoft.com/office/drawing/2014/main" id="{637E0E65-14BA-2E49-BCB1-6DE75E352044}"/>
+          <p:cNvPr id="6" name="Rectangle 5">
+            <a:extLst>
+              <a:ext uri="{FF2B5EF4-FFF2-40B4-BE49-F238E27FC236}">
+                <a16:creationId xmlns:a16="http://schemas.microsoft.com/office/drawing/2014/main" id="{0947DE5B-64E3-564F-A98F-FCEC9B539746}"/>
               </a:ext>
             </a:extLst>
           </p:cNvPr>
@@ -14911,70 +16746,16 @@
         </p:nvSpPr>
         <p:spPr>
           <a:xfrm>
-            <a:off x="8224968" y="3460642"/>
-            <a:ext cx="1446964" cy="988046"/>
-          </a:xfrm>
-          <a:prstGeom prst="roundRect">
-            <a:avLst/>
-          </a:prstGeom>
-        </p:spPr>
-        <p:style>
-          <a:lnRef idx="1">
-            <a:schemeClr val="accent5"/>
-          </a:lnRef>
-          <a:fillRef idx="2">
-            <a:schemeClr val="accent5"/>
-          </a:fillRef>
-          <a:effectRef idx="1">
-            <a:schemeClr val="accent5"/>
-          </a:effectRef>
-          <a:fontRef idx="minor">
-            <a:schemeClr val="dk1"/>
-          </a:fontRef>
-        </p:style>
-        <p:txBody>
-          <a:bodyPr rtlCol="0" anchor="ctr"/>
-          <a:lstStyle/>
-          <a:p>
-            <a:pPr algn="ctr"/>
-            <a:r>
-              <a:rPr lang="en-US" dirty="0"/>
-              <a:t>REST API</a:t>
-            </a:r>
-            <a:br>
-              <a:rPr lang="en-US" dirty="0"/>
-            </a:br>
-            <a:r>
-              <a:rPr lang="en-US" dirty="0"/>
-              <a:t>Mock Server</a:t>
-            </a:r>
-          </a:p>
-        </p:txBody>
-      </p:sp>
-      <p:sp>
-        <p:nvSpPr>
-          <p:cNvPr id="37" name="Rounded Rectangle 36">
-            <a:extLst>
-              <a:ext uri="{FF2B5EF4-FFF2-40B4-BE49-F238E27FC236}">
-                <a16:creationId xmlns:a16="http://schemas.microsoft.com/office/drawing/2014/main" id="{758C28E5-547A-894C-A9C0-BEE6B042BFB7}"/>
-              </a:ext>
-            </a:extLst>
-          </p:cNvPr>
-          <p:cNvSpPr/>
-          <p:nvPr/>
-        </p:nvSpPr>
-        <p:spPr>
-          <a:xfrm>
-            <a:off x="1797321" y="2339571"/>
-            <a:ext cx="5045606" cy="1418514"/>
-          </a:xfrm>
-          <a:prstGeom prst="roundRect">
+            <a:off x="1657978" y="2783393"/>
+            <a:ext cx="3999244" cy="562708"/>
+          </a:xfrm>
+          <a:prstGeom prst="rect">
             <a:avLst/>
           </a:prstGeom>
           <a:noFill/>
           <a:ln w="38100">
             <a:solidFill>
-              <a:schemeClr val="accent1"/>
+              <a:srgbClr val="0070C0"/>
             </a:solidFill>
           </a:ln>
         </p:spPr>
@@ -15005,10 +16786,62 @@
       </p:sp>
       <p:sp>
         <p:nvSpPr>
-          <p:cNvPr id="38" name="TextBox 37">
-            <a:extLst>
-              <a:ext uri="{FF2B5EF4-FFF2-40B4-BE49-F238E27FC236}">
-                <a16:creationId xmlns:a16="http://schemas.microsoft.com/office/drawing/2014/main" id="{C36FE139-8322-2440-BE41-95F4E5551C6B}"/>
+          <p:cNvPr id="7" name="Rectangle 6">
+            <a:extLst>
+              <a:ext uri="{FF2B5EF4-FFF2-40B4-BE49-F238E27FC236}">
+                <a16:creationId xmlns:a16="http://schemas.microsoft.com/office/drawing/2014/main" id="{13BE3552-BB2C-7144-8EB9-8282A31001F3}"/>
+              </a:ext>
+            </a:extLst>
+          </p:cNvPr>
+          <p:cNvSpPr/>
+          <p:nvPr/>
+        </p:nvSpPr>
+        <p:spPr>
+          <a:xfrm>
+            <a:off x="1657977" y="3629130"/>
+            <a:ext cx="5848141" cy="844062"/>
+          </a:xfrm>
+          <a:prstGeom prst="rect">
+            <a:avLst/>
+          </a:prstGeom>
+          <a:noFill/>
+          <a:ln w="38100">
+            <a:solidFill>
+              <a:srgbClr val="FF0000"/>
+            </a:solidFill>
+          </a:ln>
+        </p:spPr>
+        <p:style>
+          <a:lnRef idx="2">
+            <a:schemeClr val="accent1">
+              <a:shade val="50000"/>
+            </a:schemeClr>
+          </a:lnRef>
+          <a:fillRef idx="1">
+            <a:schemeClr val="accent1"/>
+          </a:fillRef>
+          <a:effectRef idx="0">
+            <a:schemeClr val="accent1"/>
+          </a:effectRef>
+          <a:fontRef idx="minor">
+            <a:schemeClr val="lt1"/>
+          </a:fontRef>
+        </p:style>
+        <p:txBody>
+          <a:bodyPr rtlCol="0" anchor="ctr"/>
+          <a:lstStyle/>
+          <a:p>
+            <a:pPr algn="ctr"/>
+            <a:endParaRPr lang="en-US"/>
+          </a:p>
+        </p:txBody>
+      </p:sp>
+      <p:sp>
+        <p:nvSpPr>
+          <p:cNvPr id="8" name="TextBox 7">
+            <a:extLst>
+              <a:ext uri="{FF2B5EF4-FFF2-40B4-BE49-F238E27FC236}">
+                <a16:creationId xmlns:a16="http://schemas.microsoft.com/office/drawing/2014/main" id="{BD1DB93B-9992-CD47-8D94-ABF70DC83CE8}"/>
               </a:ext>
             </a:extLst>
           </p:cNvPr>
@@ -15017,15 +16850,13 @@
         </p:nvSpPr>
         <p:spPr>
           <a:xfrm>
-            <a:off x="1938557" y="2111510"/>
-            <a:ext cx="955454" cy="369332"/>
-          </a:xfrm>
-          <a:prstGeom prst="rect">
-            <a:avLst/>
-          </a:prstGeom>
-          <a:solidFill>
-            <a:schemeClr val="bg1"/>
-          </a:solidFill>
+            <a:off x="5657222" y="2859538"/>
+            <a:ext cx="6208751" cy="369332"/>
+          </a:xfrm>
+          <a:prstGeom prst="rect">
+            <a:avLst/>
+          </a:prstGeom>
+          <a:noFill/>
         </p:spPr>
         <p:txBody>
           <a:bodyPr wrap="none" rtlCol="0">
@@ -15034,105 +16865,136 @@
           <a:lstStyle/>
           <a:p>
             <a:r>
-              <a:rPr lang="en-US" dirty="0"/>
-              <a:t>Browser</a:t>
-            </a:r>
-          </a:p>
-        </p:txBody>
-      </p:sp>
-      <p:sp>
-        <p:nvSpPr>
-          <p:cNvPr id="39" name="Rounded Rectangle 38">
-            <a:extLst>
-              <a:ext uri="{FF2B5EF4-FFF2-40B4-BE49-F238E27FC236}">
-                <a16:creationId xmlns:a16="http://schemas.microsoft.com/office/drawing/2014/main" id="{030CF7EB-9613-8B47-8D90-720CDD6AEB3A}"/>
-              </a:ext>
-            </a:extLst>
-          </p:cNvPr>
-          <p:cNvSpPr/>
-          <p:nvPr/>
-        </p:nvSpPr>
-        <p:spPr>
-          <a:xfrm>
-            <a:off x="3179362" y="2519346"/>
-            <a:ext cx="1597688" cy="1007347"/>
-          </a:xfrm>
-          <a:prstGeom prst="roundRect">
-            <a:avLst/>
-          </a:prstGeom>
-        </p:spPr>
-        <p:style>
-          <a:lnRef idx="1">
-            <a:schemeClr val="accent6"/>
-          </a:lnRef>
-          <a:fillRef idx="2">
-            <a:schemeClr val="accent6"/>
-          </a:fillRef>
-          <a:effectRef idx="1">
-            <a:schemeClr val="accent6"/>
-          </a:effectRef>
-          <a:fontRef idx="minor">
-            <a:schemeClr val="dk1"/>
-          </a:fontRef>
-        </p:style>
-        <p:txBody>
-          <a:bodyPr rtlCol="0" anchor="ctr"/>
-          <a:lstStyle/>
-          <a:p>
-            <a:pPr algn="ctr"/>
-            <a:r>
-              <a:rPr lang="en-US" dirty="0">
+              <a:rPr lang="ja-JP" altLang="en-US" b="1">
+                <a:solidFill>
+                  <a:srgbClr val="0070C0"/>
+                </a:solidFill>
+              </a:rPr>
+              <a:t>生のまま登録されているデータ</a:t>
+            </a:r>
+            <a:r>
+              <a:rPr lang="en-US" altLang="ja-JP" b="1" dirty="0">
+                <a:solidFill>
+                  <a:srgbClr val="0070C0"/>
+                </a:solidFill>
+              </a:rPr>
+              <a:t> (=</a:t>
+            </a:r>
+            <a:r>
+              <a:rPr lang="ja-JP" altLang="en-US" b="1">
+                <a:solidFill>
+                  <a:srgbClr val="0070C0"/>
+                </a:solidFill>
+              </a:rPr>
+              <a:t>事業者は中身を見放題</a:t>
+            </a:r>
+            <a:r>
+              <a:rPr lang="en-US" altLang="ja-JP" b="1" dirty="0">
+                <a:solidFill>
+                  <a:srgbClr val="0070C0"/>
+                </a:solidFill>
+              </a:rPr>
+              <a:t>)</a:t>
+            </a:r>
+            <a:endParaRPr lang="en-US" b="1" dirty="0">
+              <a:solidFill>
+                <a:srgbClr val="0070C0"/>
+              </a:solidFill>
+            </a:endParaRPr>
+          </a:p>
+        </p:txBody>
+      </p:sp>
+      <p:sp>
+        <p:nvSpPr>
+          <p:cNvPr id="9" name="TextBox 8">
+            <a:extLst>
+              <a:ext uri="{FF2B5EF4-FFF2-40B4-BE49-F238E27FC236}">
+                <a16:creationId xmlns:a16="http://schemas.microsoft.com/office/drawing/2014/main" id="{839A98E5-DE12-634E-8627-E90101333869}"/>
+              </a:ext>
+            </a:extLst>
+          </p:cNvPr>
+          <p:cNvSpPr txBox="1"/>
+          <p:nvPr/>
+        </p:nvSpPr>
+        <p:spPr>
+          <a:xfrm>
+            <a:off x="5333026" y="4473192"/>
+            <a:ext cx="6901248" cy="369332"/>
+          </a:xfrm>
+          <a:prstGeom prst="rect">
+            <a:avLst/>
+          </a:prstGeom>
+          <a:noFill/>
+        </p:spPr>
+        <p:txBody>
+          <a:bodyPr wrap="none" rtlCol="0">
+            <a:spAutoFit/>
+          </a:bodyPr>
+          <a:lstStyle/>
+          <a:p>
+            <a:r>
+              <a:rPr lang="ja-JP" altLang="en-US" b="1">
                 <a:solidFill>
                   <a:srgbClr val="FF0000"/>
                 </a:solidFill>
               </a:rPr>
-              <a:t>AES Encryption</a:t>
-            </a:r>
-            <a:br>
-              <a:rPr lang="en-US" dirty="0">
+              <a:t>暗号化して登録されているデータ</a:t>
+            </a:r>
+            <a:r>
+              <a:rPr lang="en-US" altLang="ja-JP" b="1" dirty="0">
                 <a:solidFill>
                   <a:srgbClr val="FF0000"/>
                 </a:solidFill>
               </a:rPr>
-            </a:br>
-            <a:r>
-              <a:rPr lang="en-US" dirty="0">
+              <a:t> (=</a:t>
+            </a:r>
+            <a:r>
+              <a:rPr lang="ja-JP" altLang="en-US" b="1">
                 <a:solidFill>
                   <a:srgbClr val="FF0000"/>
                 </a:solidFill>
               </a:rPr>
-              <a:t>/Decryption</a:t>
-            </a:r>
+              <a:t>事業者は中身を見られない</a:t>
+            </a:r>
+            <a:r>
+              <a:rPr lang="en-US" altLang="ja-JP" b="1" dirty="0">
+                <a:solidFill>
+                  <a:srgbClr val="FF0000"/>
+                </a:solidFill>
+              </a:rPr>
+              <a:t>)</a:t>
+            </a:r>
+            <a:endParaRPr lang="en-US" b="1" dirty="0">
+              <a:solidFill>
+                <a:srgbClr val="FF0000"/>
+              </a:solidFill>
+            </a:endParaRPr>
           </a:p>
         </p:txBody>
       </p:sp>
       <p:cxnSp>
         <p:nvCxnSpPr>
-          <p:cNvPr id="41" name="Straight Arrow Connector 40">
-            <a:extLst>
-              <a:ext uri="{FF2B5EF4-FFF2-40B4-BE49-F238E27FC236}">
-                <a16:creationId xmlns:a16="http://schemas.microsoft.com/office/drawing/2014/main" id="{A9E79B95-0190-C248-AE49-ADD35E940BD3}"/>
+          <p:cNvPr id="11" name="Straight Connector 10">
+            <a:extLst>
+              <a:ext uri="{FF2B5EF4-FFF2-40B4-BE49-F238E27FC236}">
+                <a16:creationId xmlns:a16="http://schemas.microsoft.com/office/drawing/2014/main" id="{2436C395-4CC5-044E-968A-EC79F06D6BCA}"/>
               </a:ext>
             </a:extLst>
           </p:cNvPr>
           <p:cNvCxnSpPr>
-            <a:stCxn id="34" idx="3"/>
-            <a:endCxn id="39" idx="1"/>
+            <a:cxnSpLocks/>
           </p:cNvCxnSpPr>
           <p:nvPr/>
         </p:nvCxnSpPr>
         <p:spPr>
           <a:xfrm>
-            <a:off x="2681028" y="3023020"/>
-            <a:ext cx="498334" cy="0"/>
-          </a:xfrm>
-          <a:prstGeom prst="straightConnector1">
-            <a:avLst/>
-          </a:prstGeom>
-          <a:ln w="38100">
-            <a:headEnd type="triangle" w="med" len="med"/>
-            <a:tailEnd type="triangle" w="med" len="med"/>
-          </a:ln>
+            <a:off x="2780746" y="3064747"/>
+            <a:ext cx="2652764" cy="0"/>
+          </a:xfrm>
+          <a:prstGeom prst="line">
+            <a:avLst/>
+          </a:prstGeom>
+          <a:ln w="38100"/>
         </p:spPr>
         <p:style>
           <a:lnRef idx="1">
@@ -15151,30 +17013,30 @@
       </p:cxnSp>
       <p:cxnSp>
         <p:nvCxnSpPr>
-          <p:cNvPr id="42" name="Straight Arrow Connector 41">
-            <a:extLst>
-              <a:ext uri="{FF2B5EF4-FFF2-40B4-BE49-F238E27FC236}">
-                <a16:creationId xmlns:a16="http://schemas.microsoft.com/office/drawing/2014/main" id="{F32FB1F1-5064-0A40-AD7F-591AA57659B6}"/>
+          <p:cNvPr id="13" name="Straight Connector 12">
+            <a:extLst>
+              <a:ext uri="{FF2B5EF4-FFF2-40B4-BE49-F238E27FC236}">
+                <a16:creationId xmlns:a16="http://schemas.microsoft.com/office/drawing/2014/main" id="{93791E29-7AFF-A84B-9DA0-6DEB027610BE}"/>
               </a:ext>
             </a:extLst>
           </p:cNvPr>
           <p:cNvCxnSpPr>
             <a:cxnSpLocks/>
-            <a:endCxn id="43" idx="1"/>
           </p:cNvCxnSpPr>
           <p:nvPr/>
         </p:nvCxnSpPr>
         <p:spPr>
           <a:xfrm>
-            <a:off x="4777050" y="3023019"/>
-            <a:ext cx="568672" cy="0"/>
-          </a:xfrm>
-          <a:prstGeom prst="straightConnector1">
+            <a:off x="2780746" y="3840145"/>
+            <a:ext cx="4594744" cy="0"/>
+          </a:xfrm>
+          <a:prstGeom prst="line">
             <a:avLst/>
           </a:prstGeom>
           <a:ln w="38100">
-            <a:headEnd type="triangle" w="med" len="med"/>
-            <a:tailEnd type="triangle" w="med" len="med"/>
+            <a:solidFill>
+              <a:srgbClr val="FF0000"/>
+            </a:solidFill>
           </a:ln>
         </p:spPr>
         <p:style>
@@ -15192,638 +17054,10 @@
           </a:fontRef>
         </p:style>
       </p:cxnSp>
-      <p:sp>
-        <p:nvSpPr>
-          <p:cNvPr id="43" name="Rounded Rectangle 42">
-            <a:extLst>
-              <a:ext uri="{FF2B5EF4-FFF2-40B4-BE49-F238E27FC236}">
-                <a16:creationId xmlns:a16="http://schemas.microsoft.com/office/drawing/2014/main" id="{04756220-7284-C441-A221-180D4C32D604}"/>
-              </a:ext>
-            </a:extLst>
-          </p:cNvPr>
-          <p:cNvSpPr/>
-          <p:nvPr/>
-        </p:nvSpPr>
-        <p:spPr>
-          <a:xfrm>
-            <a:off x="5345722" y="2565819"/>
-            <a:ext cx="1245996" cy="914400"/>
-          </a:xfrm>
-          <a:prstGeom prst="roundRect">
-            <a:avLst/>
-          </a:prstGeom>
-        </p:spPr>
-        <p:style>
-          <a:lnRef idx="2">
-            <a:schemeClr val="accent1">
-              <a:shade val="50000"/>
-            </a:schemeClr>
-          </a:lnRef>
-          <a:fillRef idx="1">
-            <a:schemeClr val="accent1"/>
-          </a:fillRef>
-          <a:effectRef idx="0">
-            <a:schemeClr val="accent1"/>
-          </a:effectRef>
-          <a:fontRef idx="minor">
-            <a:schemeClr val="lt1"/>
-          </a:fontRef>
-        </p:style>
-        <p:txBody>
-          <a:bodyPr rtlCol="0" anchor="ctr"/>
-          <a:lstStyle/>
-          <a:p>
-            <a:pPr algn="ctr"/>
-            <a:r>
-              <a:rPr lang="en-US" dirty="0"/>
-              <a:t>HTTP PUT/GET</a:t>
-            </a:r>
-          </a:p>
-        </p:txBody>
-      </p:sp>
-      <p:cxnSp>
-        <p:nvCxnSpPr>
-          <p:cNvPr id="45" name="Straight Arrow Connector 44">
-            <a:extLst>
-              <a:ext uri="{FF2B5EF4-FFF2-40B4-BE49-F238E27FC236}">
-                <a16:creationId xmlns:a16="http://schemas.microsoft.com/office/drawing/2014/main" id="{A66EADBC-BA26-B646-9648-5674CD7447B2}"/>
-              </a:ext>
-            </a:extLst>
-          </p:cNvPr>
-          <p:cNvCxnSpPr>
-            <a:cxnSpLocks/>
-            <a:stCxn id="43" idx="3"/>
-            <a:endCxn id="36" idx="1"/>
-          </p:cNvCxnSpPr>
-          <p:nvPr/>
-        </p:nvCxnSpPr>
-        <p:spPr>
-          <a:xfrm>
-            <a:off x="6591718" y="3023019"/>
-            <a:ext cx="1633250" cy="931646"/>
-          </a:xfrm>
-          <a:prstGeom prst="straightConnector1">
-            <a:avLst/>
-          </a:prstGeom>
-          <a:ln w="38100">
-            <a:headEnd type="triangle" w="med" len="med"/>
-            <a:tailEnd type="triangle" w="med" len="med"/>
-          </a:ln>
-        </p:spPr>
-        <p:style>
-          <a:lnRef idx="1">
-            <a:schemeClr val="accent1"/>
-          </a:lnRef>
-          <a:fillRef idx="0">
-            <a:schemeClr val="accent1"/>
-          </a:fillRef>
-          <a:effectRef idx="0">
-            <a:schemeClr val="accent1"/>
-          </a:effectRef>
-          <a:fontRef idx="minor">
-            <a:schemeClr val="tx1"/>
-          </a:fontRef>
-        </p:style>
-      </p:cxnSp>
-      <p:pic>
-        <p:nvPicPr>
-          <p:cNvPr id="49" name="Picture 48">
-            <a:extLst>
-              <a:ext uri="{FF2B5EF4-FFF2-40B4-BE49-F238E27FC236}">
-                <a16:creationId xmlns:a16="http://schemas.microsoft.com/office/drawing/2014/main" id="{343739C9-D3F0-E64F-85FC-C51CF74A4E09}"/>
-              </a:ext>
-            </a:extLst>
-          </p:cNvPr>
-          <p:cNvPicPr>
-            <a:picLocks noChangeAspect="1"/>
-          </p:cNvPicPr>
-          <p:nvPr/>
-        </p:nvPicPr>
-        <p:blipFill>
-          <a:blip r:embed="rId3"/>
-          <a:stretch>
-            <a:fillRect/>
-          </a:stretch>
-        </p:blipFill>
-        <p:spPr>
-          <a:xfrm>
-            <a:off x="1869068" y="4379480"/>
-            <a:ext cx="811960" cy="811960"/>
-          </a:xfrm>
-          <a:prstGeom prst="rect">
-            <a:avLst/>
-          </a:prstGeom>
-        </p:spPr>
-      </p:pic>
-      <p:sp>
-        <p:nvSpPr>
-          <p:cNvPr id="50" name="Rounded Rectangle 49">
-            <a:extLst>
-              <a:ext uri="{FF2B5EF4-FFF2-40B4-BE49-F238E27FC236}">
-                <a16:creationId xmlns:a16="http://schemas.microsoft.com/office/drawing/2014/main" id="{F0876F74-3EB6-DE4E-9784-B3A80AD6B522}"/>
-              </a:ext>
-            </a:extLst>
-          </p:cNvPr>
-          <p:cNvSpPr/>
-          <p:nvPr/>
-        </p:nvSpPr>
-        <p:spPr>
-          <a:xfrm>
-            <a:off x="1797321" y="4102011"/>
-            <a:ext cx="5045606" cy="1418514"/>
-          </a:xfrm>
-          <a:prstGeom prst="roundRect">
-            <a:avLst/>
-          </a:prstGeom>
-          <a:noFill/>
-          <a:ln w="38100">
-            <a:solidFill>
-              <a:schemeClr val="accent1"/>
-            </a:solidFill>
-          </a:ln>
-        </p:spPr>
-        <p:style>
-          <a:lnRef idx="2">
-            <a:schemeClr val="accent1">
-              <a:shade val="50000"/>
-            </a:schemeClr>
-          </a:lnRef>
-          <a:fillRef idx="1">
-            <a:schemeClr val="accent1"/>
-          </a:fillRef>
-          <a:effectRef idx="0">
-            <a:schemeClr val="accent1"/>
-          </a:effectRef>
-          <a:fontRef idx="minor">
-            <a:schemeClr val="lt1"/>
-          </a:fontRef>
-        </p:style>
-        <p:txBody>
-          <a:bodyPr rtlCol="0" anchor="ctr"/>
-          <a:lstStyle/>
-          <a:p>
-            <a:pPr algn="ctr"/>
-            <a:endParaRPr lang="en-US"/>
-          </a:p>
-        </p:txBody>
-      </p:sp>
-      <p:sp>
-        <p:nvSpPr>
-          <p:cNvPr id="51" name="TextBox 50">
-            <a:extLst>
-              <a:ext uri="{FF2B5EF4-FFF2-40B4-BE49-F238E27FC236}">
-                <a16:creationId xmlns:a16="http://schemas.microsoft.com/office/drawing/2014/main" id="{06E4F78A-1163-764B-B153-950D801F421C}"/>
-              </a:ext>
-            </a:extLst>
-          </p:cNvPr>
-          <p:cNvSpPr txBox="1"/>
-          <p:nvPr/>
-        </p:nvSpPr>
-        <p:spPr>
-          <a:xfrm>
-            <a:off x="1938557" y="3873950"/>
-            <a:ext cx="894797" cy="369332"/>
-          </a:xfrm>
-          <a:prstGeom prst="rect">
-            <a:avLst/>
-          </a:prstGeom>
-          <a:solidFill>
-            <a:schemeClr val="bg1"/>
-          </a:solidFill>
-        </p:spPr>
-        <p:txBody>
-          <a:bodyPr wrap="none" rtlCol="0">
-            <a:spAutoFit/>
-          </a:bodyPr>
-          <a:lstStyle/>
-          <a:p>
-            <a:r>
-              <a:rPr lang="en-US" dirty="0"/>
-              <a:t>Node.js</a:t>
-            </a:r>
-          </a:p>
-        </p:txBody>
-      </p:sp>
-      <p:sp>
-        <p:nvSpPr>
-          <p:cNvPr id="52" name="Rounded Rectangle 51">
-            <a:extLst>
-              <a:ext uri="{FF2B5EF4-FFF2-40B4-BE49-F238E27FC236}">
-                <a16:creationId xmlns:a16="http://schemas.microsoft.com/office/drawing/2014/main" id="{F80C57BC-C346-2B4E-9E61-245F8C6C9B19}"/>
-              </a:ext>
-            </a:extLst>
-          </p:cNvPr>
-          <p:cNvSpPr/>
-          <p:nvPr/>
-        </p:nvSpPr>
-        <p:spPr>
-          <a:xfrm>
-            <a:off x="3179362" y="4281786"/>
-            <a:ext cx="1597688" cy="1007347"/>
-          </a:xfrm>
-          <a:prstGeom prst="roundRect">
-            <a:avLst/>
-          </a:prstGeom>
-        </p:spPr>
-        <p:style>
-          <a:lnRef idx="1">
-            <a:schemeClr val="accent6"/>
-          </a:lnRef>
-          <a:fillRef idx="2">
-            <a:schemeClr val="accent6"/>
-          </a:fillRef>
-          <a:effectRef idx="1">
-            <a:schemeClr val="accent6"/>
-          </a:effectRef>
-          <a:fontRef idx="minor">
-            <a:schemeClr val="dk1"/>
-          </a:fontRef>
-        </p:style>
-        <p:txBody>
-          <a:bodyPr rtlCol="0" anchor="ctr"/>
-          <a:lstStyle/>
-          <a:p>
-            <a:pPr algn="ctr"/>
-            <a:r>
-              <a:rPr lang="en-US" dirty="0">
-                <a:solidFill>
-                  <a:srgbClr val="FF0000"/>
-                </a:solidFill>
-              </a:rPr>
-              <a:t>AES Encryption</a:t>
-            </a:r>
-            <a:br>
-              <a:rPr lang="en-US" dirty="0">
-                <a:solidFill>
-                  <a:srgbClr val="FF0000"/>
-                </a:solidFill>
-              </a:rPr>
-            </a:br>
-            <a:r>
-              <a:rPr lang="en-US" dirty="0">
-                <a:solidFill>
-                  <a:srgbClr val="FF0000"/>
-                </a:solidFill>
-              </a:rPr>
-              <a:t>/Decryption</a:t>
-            </a:r>
-          </a:p>
-        </p:txBody>
-      </p:sp>
-      <p:cxnSp>
-        <p:nvCxnSpPr>
-          <p:cNvPr id="53" name="Straight Arrow Connector 52">
-            <a:extLst>
-              <a:ext uri="{FF2B5EF4-FFF2-40B4-BE49-F238E27FC236}">
-                <a16:creationId xmlns:a16="http://schemas.microsoft.com/office/drawing/2014/main" id="{F443150F-93D0-B74A-880E-601CE59C9F2A}"/>
-              </a:ext>
-            </a:extLst>
-          </p:cNvPr>
-          <p:cNvCxnSpPr>
-            <a:stCxn id="49" idx="3"/>
-            <a:endCxn id="52" idx="1"/>
-          </p:cNvCxnSpPr>
-          <p:nvPr/>
-        </p:nvCxnSpPr>
-        <p:spPr>
-          <a:xfrm>
-            <a:off x="2681028" y="4785460"/>
-            <a:ext cx="498334" cy="0"/>
-          </a:xfrm>
-          <a:prstGeom prst="straightConnector1">
-            <a:avLst/>
-          </a:prstGeom>
-          <a:ln w="38100">
-            <a:headEnd type="triangle" w="med" len="med"/>
-            <a:tailEnd type="triangle" w="med" len="med"/>
-          </a:ln>
-        </p:spPr>
-        <p:style>
-          <a:lnRef idx="1">
-            <a:schemeClr val="accent1"/>
-          </a:lnRef>
-          <a:fillRef idx="0">
-            <a:schemeClr val="accent1"/>
-          </a:fillRef>
-          <a:effectRef idx="0">
-            <a:schemeClr val="accent1"/>
-          </a:effectRef>
-          <a:fontRef idx="minor">
-            <a:schemeClr val="tx1"/>
-          </a:fontRef>
-        </p:style>
-      </p:cxnSp>
-      <p:cxnSp>
-        <p:nvCxnSpPr>
-          <p:cNvPr id="54" name="Straight Arrow Connector 53">
-            <a:extLst>
-              <a:ext uri="{FF2B5EF4-FFF2-40B4-BE49-F238E27FC236}">
-                <a16:creationId xmlns:a16="http://schemas.microsoft.com/office/drawing/2014/main" id="{3DF130E7-A91C-D14C-AE7B-00E257D2975E}"/>
-              </a:ext>
-            </a:extLst>
-          </p:cNvPr>
-          <p:cNvCxnSpPr>
-            <a:cxnSpLocks/>
-            <a:endCxn id="55" idx="1"/>
-          </p:cNvCxnSpPr>
-          <p:nvPr/>
-        </p:nvCxnSpPr>
-        <p:spPr>
-          <a:xfrm>
-            <a:off x="4777050" y="4785459"/>
-            <a:ext cx="568672" cy="0"/>
-          </a:xfrm>
-          <a:prstGeom prst="straightConnector1">
-            <a:avLst/>
-          </a:prstGeom>
-          <a:ln w="38100">
-            <a:headEnd type="triangle" w="med" len="med"/>
-            <a:tailEnd type="triangle" w="med" len="med"/>
-          </a:ln>
-        </p:spPr>
-        <p:style>
-          <a:lnRef idx="1">
-            <a:schemeClr val="accent1"/>
-          </a:lnRef>
-          <a:fillRef idx="0">
-            <a:schemeClr val="accent1"/>
-          </a:fillRef>
-          <a:effectRef idx="0">
-            <a:schemeClr val="accent1"/>
-          </a:effectRef>
-          <a:fontRef idx="minor">
-            <a:schemeClr val="tx1"/>
-          </a:fontRef>
-        </p:style>
-      </p:cxnSp>
-      <p:sp>
-        <p:nvSpPr>
-          <p:cNvPr id="55" name="Rounded Rectangle 54">
-            <a:extLst>
-              <a:ext uri="{FF2B5EF4-FFF2-40B4-BE49-F238E27FC236}">
-                <a16:creationId xmlns:a16="http://schemas.microsoft.com/office/drawing/2014/main" id="{2C3E7BFC-B9FD-DF48-9A5C-BA9FC3A903B1}"/>
-              </a:ext>
-            </a:extLst>
-          </p:cNvPr>
-          <p:cNvSpPr/>
-          <p:nvPr/>
-        </p:nvSpPr>
-        <p:spPr>
-          <a:xfrm>
-            <a:off x="5345722" y="4328259"/>
-            <a:ext cx="1245996" cy="914400"/>
-          </a:xfrm>
-          <a:prstGeom prst="roundRect">
-            <a:avLst/>
-          </a:prstGeom>
-        </p:spPr>
-        <p:style>
-          <a:lnRef idx="2">
-            <a:schemeClr val="accent1">
-              <a:shade val="50000"/>
-            </a:schemeClr>
-          </a:lnRef>
-          <a:fillRef idx="1">
-            <a:schemeClr val="accent1"/>
-          </a:fillRef>
-          <a:effectRef idx="0">
-            <a:schemeClr val="accent1"/>
-          </a:effectRef>
-          <a:fontRef idx="minor">
-            <a:schemeClr val="lt1"/>
-          </a:fontRef>
-        </p:style>
-        <p:txBody>
-          <a:bodyPr rtlCol="0" anchor="ctr"/>
-          <a:lstStyle/>
-          <a:p>
-            <a:pPr algn="ctr"/>
-            <a:r>
-              <a:rPr lang="en-US" dirty="0"/>
-              <a:t>HTTP PUT/GET</a:t>
-            </a:r>
-          </a:p>
-        </p:txBody>
-      </p:sp>
-      <p:cxnSp>
-        <p:nvCxnSpPr>
-          <p:cNvPr id="56" name="Straight Arrow Connector 55">
-            <a:extLst>
-              <a:ext uri="{FF2B5EF4-FFF2-40B4-BE49-F238E27FC236}">
-                <a16:creationId xmlns:a16="http://schemas.microsoft.com/office/drawing/2014/main" id="{9451A0E1-EEDC-EE41-9C20-3F08B94231C1}"/>
-              </a:ext>
-            </a:extLst>
-          </p:cNvPr>
-          <p:cNvCxnSpPr>
-            <a:cxnSpLocks/>
-            <a:stCxn id="55" idx="3"/>
-            <a:endCxn id="36" idx="1"/>
-          </p:cNvCxnSpPr>
-          <p:nvPr/>
-        </p:nvCxnSpPr>
-        <p:spPr>
-          <a:xfrm flipV="1">
-            <a:off x="6591718" y="3954665"/>
-            <a:ext cx="1633250" cy="830794"/>
-          </a:xfrm>
-          <a:prstGeom prst="straightConnector1">
-            <a:avLst/>
-          </a:prstGeom>
-          <a:ln w="38100">
-            <a:headEnd type="triangle" w="med" len="med"/>
-            <a:tailEnd type="triangle" w="med" len="med"/>
-          </a:ln>
-        </p:spPr>
-        <p:style>
-          <a:lnRef idx="1">
-            <a:schemeClr val="accent1"/>
-          </a:lnRef>
-          <a:fillRef idx="0">
-            <a:schemeClr val="accent1"/>
-          </a:fillRef>
-          <a:effectRef idx="0">
-            <a:schemeClr val="accent1"/>
-          </a:effectRef>
-          <a:fontRef idx="minor">
-            <a:schemeClr val="tx1"/>
-          </a:fontRef>
-        </p:style>
-      </p:cxnSp>
-      <p:pic>
-        <p:nvPicPr>
-          <p:cNvPr id="61" name="Picture 60">
-            <a:extLst>
-              <a:ext uri="{FF2B5EF4-FFF2-40B4-BE49-F238E27FC236}">
-                <a16:creationId xmlns:a16="http://schemas.microsoft.com/office/drawing/2014/main" id="{2E57251A-E750-AD47-A23F-A94EA7189784}"/>
-              </a:ext>
-            </a:extLst>
-          </p:cNvPr>
-          <p:cNvPicPr>
-            <a:picLocks noChangeAspect="1"/>
-          </p:cNvPicPr>
-          <p:nvPr/>
-        </p:nvPicPr>
-        <p:blipFill>
-          <a:blip r:embed="rId4"/>
-          <a:stretch>
-            <a:fillRect/>
-          </a:stretch>
-        </p:blipFill>
-        <p:spPr>
-          <a:xfrm>
-            <a:off x="10039636" y="3231460"/>
-            <a:ext cx="814759" cy="866165"/>
-          </a:xfrm>
-          <a:prstGeom prst="rect">
-            <a:avLst/>
-          </a:prstGeom>
-        </p:spPr>
-      </p:pic>
-      <p:sp>
-        <p:nvSpPr>
-          <p:cNvPr id="62" name="Left Brace 61">
-            <a:extLst>
-              <a:ext uri="{FF2B5EF4-FFF2-40B4-BE49-F238E27FC236}">
-                <a16:creationId xmlns:a16="http://schemas.microsoft.com/office/drawing/2014/main" id="{7916F562-C63D-B547-8F16-D1C6A47CC798}"/>
-              </a:ext>
-            </a:extLst>
-          </p:cNvPr>
-          <p:cNvSpPr/>
-          <p:nvPr/>
-        </p:nvSpPr>
-        <p:spPr>
-          <a:xfrm>
-            <a:off x="9677734" y="3123871"/>
-            <a:ext cx="323442" cy="1661588"/>
-          </a:xfrm>
-          <a:prstGeom prst="leftBrace">
-            <a:avLst>
-              <a:gd name="adj1" fmla="val 54933"/>
-              <a:gd name="adj2" fmla="val 50000"/>
-            </a:avLst>
-          </a:prstGeom>
-        </p:spPr>
-        <p:style>
-          <a:lnRef idx="1">
-            <a:schemeClr val="accent1"/>
-          </a:lnRef>
-          <a:fillRef idx="0">
-            <a:schemeClr val="accent1"/>
-          </a:fillRef>
-          <a:effectRef idx="0">
-            <a:schemeClr val="accent1"/>
-          </a:effectRef>
-          <a:fontRef idx="minor">
-            <a:schemeClr val="tx1"/>
-          </a:fontRef>
-        </p:style>
-        <p:txBody>
-          <a:bodyPr rtlCol="0" anchor="ctr"/>
-          <a:lstStyle/>
-          <a:p>
-            <a:pPr algn="ctr"/>
-            <a:endParaRPr lang="en-US"/>
-          </a:p>
-        </p:txBody>
-      </p:sp>
-      <p:sp>
-        <p:nvSpPr>
-          <p:cNvPr id="63" name="TextBox 62">
-            <a:extLst>
-              <a:ext uri="{FF2B5EF4-FFF2-40B4-BE49-F238E27FC236}">
-                <a16:creationId xmlns:a16="http://schemas.microsoft.com/office/drawing/2014/main" id="{7756A6A9-669C-7741-B072-931DC173CC94}"/>
-              </a:ext>
-            </a:extLst>
-          </p:cNvPr>
-          <p:cNvSpPr txBox="1"/>
-          <p:nvPr/>
-        </p:nvSpPr>
-        <p:spPr>
-          <a:xfrm>
-            <a:off x="9914995" y="4035024"/>
-            <a:ext cx="1663212" cy="369332"/>
-          </a:xfrm>
-          <a:prstGeom prst="rect">
-            <a:avLst/>
-          </a:prstGeom>
-          <a:noFill/>
-        </p:spPr>
-        <p:txBody>
-          <a:bodyPr wrap="none" rtlCol="0">
-            <a:spAutoFit/>
-          </a:bodyPr>
-          <a:lstStyle/>
-          <a:p>
-            <a:r>
-              <a:rPr lang="en-US" dirty="0"/>
-              <a:t>Registered Data</a:t>
-            </a:r>
-          </a:p>
-        </p:txBody>
-      </p:sp>
-      <p:sp>
-        <p:nvSpPr>
-          <p:cNvPr id="64" name="Rounded Rectangular Callout 63">
-            <a:extLst>
-              <a:ext uri="{FF2B5EF4-FFF2-40B4-BE49-F238E27FC236}">
-                <a16:creationId xmlns:a16="http://schemas.microsoft.com/office/drawing/2014/main" id="{047DD333-8FCD-EF49-9615-4F915733B52D}"/>
-              </a:ext>
-            </a:extLst>
-          </p:cNvPr>
-          <p:cNvSpPr/>
-          <p:nvPr/>
-        </p:nvSpPr>
-        <p:spPr>
-          <a:xfrm>
-            <a:off x="7278361" y="2235006"/>
-            <a:ext cx="3576034" cy="689723"/>
-          </a:xfrm>
-          <a:prstGeom prst="wedgeRoundRectCallout">
-            <a:avLst>
-              <a:gd name="adj1" fmla="val 35523"/>
-              <a:gd name="adj2" fmla="val 85091"/>
-              <a:gd name="adj3" fmla="val 16667"/>
-            </a:avLst>
-          </a:prstGeom>
-          <a:solidFill>
-            <a:schemeClr val="bg1"/>
-          </a:solidFill>
-        </p:spPr>
-        <p:style>
-          <a:lnRef idx="2">
-            <a:schemeClr val="accent1">
-              <a:shade val="50000"/>
-            </a:schemeClr>
-          </a:lnRef>
-          <a:fillRef idx="1">
-            <a:schemeClr val="accent1"/>
-          </a:fillRef>
-          <a:effectRef idx="0">
-            <a:schemeClr val="accent1"/>
-          </a:effectRef>
-          <a:fontRef idx="minor">
-            <a:schemeClr val="lt1"/>
-          </a:fontRef>
-        </p:style>
-        <p:txBody>
-          <a:bodyPr rtlCol="0" anchor="ctr"/>
-          <a:lstStyle/>
-          <a:p>
-            <a:r>
-              <a:rPr lang="en-US" dirty="0">
-                <a:solidFill>
-                  <a:srgbClr val="FF0000"/>
-                </a:solidFill>
-              </a:rPr>
-              <a:t>We shall check if the original data is not disclosed at the server.</a:t>
-            </a:r>
-          </a:p>
-        </p:txBody>
-      </p:sp>
     </p:spTree>
     <p:extLst>
       <p:ext uri="{BB962C8B-B14F-4D97-AF65-F5344CB8AC3E}">
-        <p14:creationId xmlns:p14="http://schemas.microsoft.com/office/powerpoint/2010/main" val="2786249625"/>
+        <p14:creationId xmlns:p14="http://schemas.microsoft.com/office/powerpoint/2010/main" val="4248068114"/>
       </p:ext>
     </p:extLst>
   </p:cSld>

--- a/slides/Figs/images.pptx
+++ b/slides/Figs/images.pptx
@@ -5,7 +5,7 @@
     <p:sldMasterId id="2147483648" r:id="rId1"/>
   </p:sldMasterIdLst>
   <p:notesMasterIdLst>
-    <p:notesMasterId r:id="rId14"/>
+    <p:notesMasterId r:id="rId16"/>
   </p:notesMasterIdLst>
   <p:sldIdLst>
     <p:sldId id="257" r:id="rId2"/>
@@ -20,6 +20,8 @@
     <p:sldId id="265" r:id="rId11"/>
     <p:sldId id="266" r:id="rId12"/>
     <p:sldId id="267" r:id="rId13"/>
+    <p:sldId id="268" r:id="rId14"/>
+    <p:sldId id="269" r:id="rId15"/>
   </p:sldIdLst>
   <p:sldSz cx="12192000" cy="6858000"/>
   <p:notesSz cx="6858000" cy="9144000"/>
@@ -208,7 +210,7 @@
           <a:p>
             <a:fld id="{7CEEDDC0-DF20-AC46-B752-4D05A37D4059}" type="datetimeFigureOut">
               <a:rPr lang="en-US" smtClean="0"/>
-              <a:t>8/14/19</a:t>
+              <a:t>8/20/19</a:t>
             </a:fld>
             <a:endParaRPr lang="en-US"/>
           </a:p>
@@ -790,7 +792,7 @@
           <a:p>
             <a:fld id="{ABB50B84-C221-BA49-B172-B6D4747B1BA4}" type="datetimeFigureOut">
               <a:rPr lang="en-US" smtClean="0"/>
-              <a:t>8/14/19</a:t>
+              <a:t>8/20/19</a:t>
             </a:fld>
             <a:endParaRPr lang="en-US"/>
           </a:p>
@@ -988,7 +990,7 @@
           <a:p>
             <a:fld id="{ABB50B84-C221-BA49-B172-B6D4747B1BA4}" type="datetimeFigureOut">
               <a:rPr lang="en-US" smtClean="0"/>
-              <a:t>8/14/19</a:t>
+              <a:t>8/20/19</a:t>
             </a:fld>
             <a:endParaRPr lang="en-US"/>
           </a:p>
@@ -1196,7 +1198,7 @@
           <a:p>
             <a:fld id="{ABB50B84-C221-BA49-B172-B6D4747B1BA4}" type="datetimeFigureOut">
               <a:rPr lang="en-US" smtClean="0"/>
-              <a:t>8/14/19</a:t>
+              <a:t>8/20/19</a:t>
             </a:fld>
             <a:endParaRPr lang="en-US"/>
           </a:p>
@@ -1394,7 +1396,7 @@
           <a:p>
             <a:fld id="{ABB50B84-C221-BA49-B172-B6D4747B1BA4}" type="datetimeFigureOut">
               <a:rPr lang="en-US" smtClean="0"/>
-              <a:t>8/14/19</a:t>
+              <a:t>8/20/19</a:t>
             </a:fld>
             <a:endParaRPr lang="en-US"/>
           </a:p>
@@ -1669,7 +1671,7 @@
           <a:p>
             <a:fld id="{ABB50B84-C221-BA49-B172-B6D4747B1BA4}" type="datetimeFigureOut">
               <a:rPr lang="en-US" smtClean="0"/>
-              <a:t>8/14/19</a:t>
+              <a:t>8/20/19</a:t>
             </a:fld>
             <a:endParaRPr lang="en-US"/>
           </a:p>
@@ -1934,7 +1936,7 @@
           <a:p>
             <a:fld id="{ABB50B84-C221-BA49-B172-B6D4747B1BA4}" type="datetimeFigureOut">
               <a:rPr lang="en-US" smtClean="0"/>
-              <a:t>8/14/19</a:t>
+              <a:t>8/20/19</a:t>
             </a:fld>
             <a:endParaRPr lang="en-US"/>
           </a:p>
@@ -2346,7 +2348,7 @@
           <a:p>
             <a:fld id="{ABB50B84-C221-BA49-B172-B6D4747B1BA4}" type="datetimeFigureOut">
               <a:rPr lang="en-US" smtClean="0"/>
-              <a:t>8/14/19</a:t>
+              <a:t>8/20/19</a:t>
             </a:fld>
             <a:endParaRPr lang="en-US"/>
           </a:p>
@@ -2487,7 +2489,7 @@
           <a:p>
             <a:fld id="{ABB50B84-C221-BA49-B172-B6D4747B1BA4}" type="datetimeFigureOut">
               <a:rPr lang="en-US" smtClean="0"/>
-              <a:t>8/14/19</a:t>
+              <a:t>8/20/19</a:t>
             </a:fld>
             <a:endParaRPr lang="en-US"/>
           </a:p>
@@ -2600,7 +2602,7 @@
           <a:p>
             <a:fld id="{ABB50B84-C221-BA49-B172-B6D4747B1BA4}" type="datetimeFigureOut">
               <a:rPr lang="en-US" smtClean="0"/>
-              <a:t>8/14/19</a:t>
+              <a:t>8/20/19</a:t>
             </a:fld>
             <a:endParaRPr lang="en-US"/>
           </a:p>
@@ -2911,7 +2913,7 @@
           <a:p>
             <a:fld id="{ABB50B84-C221-BA49-B172-B6D4747B1BA4}" type="datetimeFigureOut">
               <a:rPr lang="en-US" smtClean="0"/>
-              <a:t>8/14/19</a:t>
+              <a:t>8/20/19</a:t>
             </a:fld>
             <a:endParaRPr lang="en-US"/>
           </a:p>
@@ -3199,7 +3201,7 @@
           <a:p>
             <a:fld id="{ABB50B84-C221-BA49-B172-B6D4747B1BA4}" type="datetimeFigureOut">
               <a:rPr lang="en-US" smtClean="0"/>
-              <a:t>8/14/19</a:t>
+              <a:t>8/20/19</a:t>
             </a:fld>
             <a:endParaRPr lang="en-US"/>
           </a:p>
@@ -3440,7 +3442,7 @@
           <a:p>
             <a:fld id="{ABB50B84-C221-BA49-B172-B6D4747B1BA4}" type="datetimeFigureOut">
               <a:rPr lang="en-US" smtClean="0"/>
-              <a:t>8/14/19</a:t>
+              <a:t>8/20/19</a:t>
             </a:fld>
             <a:endParaRPr lang="en-US"/>
           </a:p>
@@ -6495,6 +6497,2747 @@
     <p:extLst>
       <p:ext uri="{BB962C8B-B14F-4D97-AF65-F5344CB8AC3E}">
         <p14:creationId xmlns:p14="http://schemas.microsoft.com/office/powerpoint/2010/main" val="4212005061"/>
+      </p:ext>
+    </p:extLst>
+  </p:cSld>
+  <p:clrMapOvr>
+    <a:masterClrMapping/>
+  </p:clrMapOvr>
+</p:sld>
+</file>
+
+<file path=ppt/slides/slide13.xml><?xml version="1.0" encoding="utf-8"?>
+<p:sld xmlns:a="http://schemas.openxmlformats.org/drawingml/2006/main" xmlns:r="http://schemas.openxmlformats.org/officeDocument/2006/relationships" xmlns:p="http://schemas.openxmlformats.org/presentationml/2006/main">
+  <p:cSld>
+    <p:spTree>
+      <p:nvGrpSpPr>
+        <p:cNvPr id="1" name=""/>
+        <p:cNvGrpSpPr/>
+        <p:nvPr/>
+      </p:nvGrpSpPr>
+      <p:grpSpPr>
+        <a:xfrm>
+          <a:off x="0" y="0"/>
+          <a:ext cx="0" cy="0"/>
+          <a:chOff x="0" y="0"/>
+          <a:chExt cx="0" cy="0"/>
+        </a:xfrm>
+      </p:grpSpPr>
+      <p:cxnSp>
+        <p:nvCxnSpPr>
+          <p:cNvPr id="9" name="Straight Arrow Connector 8">
+            <a:extLst>
+              <a:ext uri="{FF2B5EF4-FFF2-40B4-BE49-F238E27FC236}">
+                <a16:creationId xmlns:a16="http://schemas.microsoft.com/office/drawing/2014/main" id="{1E1286CE-A999-DD4F-942F-D8BC0FF0E878}"/>
+              </a:ext>
+            </a:extLst>
+          </p:cNvPr>
+          <p:cNvCxnSpPr>
+            <a:cxnSpLocks/>
+            <a:stCxn id="33" idx="3"/>
+          </p:cNvCxnSpPr>
+          <p:nvPr/>
+        </p:nvCxnSpPr>
+        <p:spPr>
+          <a:xfrm>
+            <a:off x="2063731" y="1535619"/>
+            <a:ext cx="1579801" cy="0"/>
+          </a:xfrm>
+          <a:prstGeom prst="straightConnector1">
+            <a:avLst/>
+          </a:prstGeom>
+          <a:ln w="38100">
+            <a:solidFill>
+              <a:schemeClr val="tx1"/>
+            </a:solidFill>
+            <a:tailEnd type="triangle"/>
+          </a:ln>
+        </p:spPr>
+        <p:style>
+          <a:lnRef idx="1">
+            <a:schemeClr val="accent1"/>
+          </a:lnRef>
+          <a:fillRef idx="0">
+            <a:schemeClr val="accent1"/>
+          </a:fillRef>
+          <a:effectRef idx="0">
+            <a:schemeClr val="accent1"/>
+          </a:effectRef>
+          <a:fontRef idx="minor">
+            <a:schemeClr val="tx1"/>
+          </a:fontRef>
+        </p:style>
+      </p:cxnSp>
+      <p:sp>
+        <p:nvSpPr>
+          <p:cNvPr id="11" name="Rounded Rectangle 10">
+            <a:extLst>
+              <a:ext uri="{FF2B5EF4-FFF2-40B4-BE49-F238E27FC236}">
+                <a16:creationId xmlns:a16="http://schemas.microsoft.com/office/drawing/2014/main" id="{1BE6CAD9-34F4-9C49-8599-1186D2300BC5}"/>
+              </a:ext>
+            </a:extLst>
+          </p:cNvPr>
+          <p:cNvSpPr/>
+          <p:nvPr/>
+        </p:nvSpPr>
+        <p:spPr>
+          <a:xfrm>
+            <a:off x="3811423" y="1078419"/>
+            <a:ext cx="1920241" cy="914400"/>
+          </a:xfrm>
+          <a:prstGeom prst="roundRect">
+            <a:avLst/>
+          </a:prstGeom>
+          <a:noFill/>
+          <a:ln w="38100">
+            <a:solidFill>
+              <a:srgbClr val="0070C0"/>
+            </a:solidFill>
+          </a:ln>
+        </p:spPr>
+        <p:style>
+          <a:lnRef idx="2">
+            <a:schemeClr val="accent1">
+              <a:shade val="50000"/>
+            </a:schemeClr>
+          </a:lnRef>
+          <a:fillRef idx="1">
+            <a:schemeClr val="accent1"/>
+          </a:fillRef>
+          <a:effectRef idx="0">
+            <a:schemeClr val="accent1"/>
+          </a:effectRef>
+          <a:fontRef idx="minor">
+            <a:schemeClr val="lt1"/>
+          </a:fontRef>
+        </p:style>
+        <p:txBody>
+          <a:bodyPr rtlCol="0" anchor="ctr"/>
+          <a:lstStyle/>
+          <a:p>
+            <a:pPr algn="ctr"/>
+            <a:r>
+              <a:rPr lang="en-US" sz="1600" b="1" dirty="0">
+                <a:solidFill>
+                  <a:schemeClr val="tx1"/>
+                </a:solidFill>
+              </a:rPr>
+              <a:t>Cipher</a:t>
+            </a:r>
+            <a:br>
+              <a:rPr lang="en-US" sz="1600" b="1" dirty="0">
+                <a:solidFill>
+                  <a:schemeClr val="tx1"/>
+                </a:solidFill>
+              </a:rPr>
+            </a:br>
+            <a:r>
+              <a:rPr lang="ja-JP" altLang="en-US" sz="1600" b="1">
+                <a:solidFill>
+                  <a:schemeClr val="tx1"/>
+                </a:solidFill>
+              </a:rPr>
+              <a:t>オブジェクト</a:t>
+            </a:r>
+            <a:endParaRPr lang="en-US" sz="1600" b="1" dirty="0">
+              <a:solidFill>
+                <a:srgbClr val="0070C0"/>
+              </a:solidFill>
+            </a:endParaRPr>
+          </a:p>
+        </p:txBody>
+      </p:sp>
+      <p:sp>
+        <p:nvSpPr>
+          <p:cNvPr id="18" name="TextBox 17">
+            <a:extLst>
+              <a:ext uri="{FF2B5EF4-FFF2-40B4-BE49-F238E27FC236}">
+                <a16:creationId xmlns:a16="http://schemas.microsoft.com/office/drawing/2014/main" id="{65D3047F-A044-8942-9E7C-5416CFC1DFF9}"/>
+              </a:ext>
+            </a:extLst>
+          </p:cNvPr>
+          <p:cNvSpPr txBox="1"/>
+          <p:nvPr/>
+        </p:nvSpPr>
+        <p:spPr>
+          <a:xfrm>
+            <a:off x="1075439" y="854836"/>
+            <a:ext cx="1113766" cy="369332"/>
+          </a:xfrm>
+          <a:prstGeom prst="rect">
+            <a:avLst/>
+          </a:prstGeom>
+          <a:noFill/>
+        </p:spPr>
+        <p:txBody>
+          <a:bodyPr wrap="none" rtlCol="0">
+            <a:spAutoFit/>
+          </a:bodyPr>
+          <a:lstStyle/>
+          <a:p>
+            <a:pPr algn="ctr"/>
+            <a:r>
+              <a:rPr lang="en-US" b="1" dirty="0"/>
+              <a:t>algorithm</a:t>
+            </a:r>
+          </a:p>
+        </p:txBody>
+      </p:sp>
+      <p:sp>
+        <p:nvSpPr>
+          <p:cNvPr id="33" name="Rectangle 32">
+            <a:extLst>
+              <a:ext uri="{FF2B5EF4-FFF2-40B4-BE49-F238E27FC236}">
+                <a16:creationId xmlns:a16="http://schemas.microsoft.com/office/drawing/2014/main" id="{6AF0CAA9-9A58-F14D-B843-D6DF1011D315}"/>
+              </a:ext>
+            </a:extLst>
+          </p:cNvPr>
+          <p:cNvSpPr/>
+          <p:nvPr/>
+        </p:nvSpPr>
+        <p:spPr>
+          <a:xfrm>
+            <a:off x="1200913" y="1350953"/>
+            <a:ext cx="862818" cy="369332"/>
+          </a:xfrm>
+          <a:prstGeom prst="rect">
+            <a:avLst/>
+          </a:prstGeom>
+        </p:spPr>
+        <p:txBody>
+          <a:bodyPr wrap="square">
+            <a:spAutoFit/>
+          </a:bodyPr>
+          <a:lstStyle/>
+          <a:p>
+            <a:pPr algn="ctr"/>
+            <a:r>
+              <a:rPr lang="en-US" altLang="ja-JP" b="1" dirty="0"/>
+              <a:t>iv</a:t>
+            </a:r>
+          </a:p>
+        </p:txBody>
+      </p:sp>
+      <p:sp>
+        <p:nvSpPr>
+          <p:cNvPr id="34" name="Rectangle 33">
+            <a:extLst>
+              <a:ext uri="{FF2B5EF4-FFF2-40B4-BE49-F238E27FC236}">
+                <a16:creationId xmlns:a16="http://schemas.microsoft.com/office/drawing/2014/main" id="{FAECDF1F-4218-4F43-A57C-ABAE04C79CC8}"/>
+              </a:ext>
+            </a:extLst>
+          </p:cNvPr>
+          <p:cNvSpPr/>
+          <p:nvPr/>
+        </p:nvSpPr>
+        <p:spPr>
+          <a:xfrm>
+            <a:off x="1200913" y="1847070"/>
+            <a:ext cx="862818" cy="369332"/>
+          </a:xfrm>
+          <a:prstGeom prst="rect">
+            <a:avLst/>
+          </a:prstGeom>
+        </p:spPr>
+        <p:txBody>
+          <a:bodyPr wrap="square">
+            <a:spAutoFit/>
+          </a:bodyPr>
+          <a:lstStyle/>
+          <a:p>
+            <a:pPr algn="ctr"/>
+            <a:r>
+              <a:rPr lang="en-US" altLang="ja-JP" b="1" dirty="0"/>
+              <a:t>key</a:t>
+            </a:r>
+          </a:p>
+        </p:txBody>
+      </p:sp>
+      <p:sp>
+        <p:nvSpPr>
+          <p:cNvPr id="38" name="TextBox 37">
+            <a:extLst>
+              <a:ext uri="{FF2B5EF4-FFF2-40B4-BE49-F238E27FC236}">
+                <a16:creationId xmlns:a16="http://schemas.microsoft.com/office/drawing/2014/main" id="{B888D2CC-A87F-0C41-9291-4FC97BFDDC80}"/>
+              </a:ext>
+            </a:extLst>
+          </p:cNvPr>
+          <p:cNvSpPr txBox="1"/>
+          <p:nvPr/>
+        </p:nvSpPr>
+        <p:spPr>
+          <a:xfrm>
+            <a:off x="7590167" y="1339289"/>
+            <a:ext cx="1150188" cy="369332"/>
+          </a:xfrm>
+          <a:prstGeom prst="rect">
+            <a:avLst/>
+          </a:prstGeom>
+          <a:noFill/>
+        </p:spPr>
+        <p:txBody>
+          <a:bodyPr wrap="none" rtlCol="0">
+            <a:spAutoFit/>
+          </a:bodyPr>
+          <a:lstStyle/>
+          <a:p>
+            <a:pPr algn="ctr"/>
+            <a:r>
+              <a:rPr lang="en-US" altLang="ja-JP" b="1" dirty="0"/>
+              <a:t>encrypted</a:t>
+            </a:r>
+            <a:endParaRPr lang="en-US" b="1" dirty="0"/>
+          </a:p>
+        </p:txBody>
+      </p:sp>
+      <p:cxnSp>
+        <p:nvCxnSpPr>
+          <p:cNvPr id="41" name="Curved Connector 40">
+            <a:extLst>
+              <a:ext uri="{FF2B5EF4-FFF2-40B4-BE49-F238E27FC236}">
+                <a16:creationId xmlns:a16="http://schemas.microsoft.com/office/drawing/2014/main" id="{AB270016-1882-B341-917A-392F23705D8B}"/>
+              </a:ext>
+            </a:extLst>
+          </p:cNvPr>
+          <p:cNvCxnSpPr>
+            <a:cxnSpLocks/>
+            <a:stCxn id="11" idx="1"/>
+            <a:endCxn id="11" idx="3"/>
+          </p:cNvCxnSpPr>
+          <p:nvPr/>
+        </p:nvCxnSpPr>
+        <p:spPr>
+          <a:xfrm rot="10800000" flipH="1">
+            <a:off x="3811422" y="1535619"/>
+            <a:ext cx="1920241" cy="12700"/>
+          </a:xfrm>
+          <a:prstGeom prst="curvedConnector5">
+            <a:avLst>
+              <a:gd name="adj1" fmla="val -11905"/>
+              <a:gd name="adj2" fmla="val -8751724"/>
+              <a:gd name="adj3" fmla="val 111905"/>
+            </a:avLst>
+          </a:prstGeom>
+          <a:ln w="38100">
+            <a:solidFill>
+              <a:schemeClr val="tx1"/>
+            </a:solidFill>
+            <a:tailEnd type="triangle"/>
+          </a:ln>
+        </p:spPr>
+        <p:style>
+          <a:lnRef idx="1">
+            <a:schemeClr val="accent1"/>
+          </a:lnRef>
+          <a:fillRef idx="0">
+            <a:schemeClr val="accent1"/>
+          </a:fillRef>
+          <a:effectRef idx="0">
+            <a:schemeClr val="accent1"/>
+          </a:effectRef>
+          <a:fontRef idx="minor">
+            <a:schemeClr val="tx1"/>
+          </a:fontRef>
+        </p:style>
+      </p:cxnSp>
+      <p:cxnSp>
+        <p:nvCxnSpPr>
+          <p:cNvPr id="73" name="Straight Arrow Connector 72">
+            <a:extLst>
+              <a:ext uri="{FF2B5EF4-FFF2-40B4-BE49-F238E27FC236}">
+                <a16:creationId xmlns:a16="http://schemas.microsoft.com/office/drawing/2014/main" id="{31FB0EA7-45EC-9A4A-B9F5-51155808A0B8}"/>
+              </a:ext>
+            </a:extLst>
+          </p:cNvPr>
+          <p:cNvCxnSpPr>
+            <a:cxnSpLocks/>
+          </p:cNvCxnSpPr>
+          <p:nvPr/>
+        </p:nvCxnSpPr>
+        <p:spPr>
+          <a:xfrm>
+            <a:off x="6010366" y="1535619"/>
+            <a:ext cx="1579801" cy="0"/>
+          </a:xfrm>
+          <a:prstGeom prst="straightConnector1">
+            <a:avLst/>
+          </a:prstGeom>
+          <a:ln w="38100">
+            <a:solidFill>
+              <a:schemeClr val="tx1"/>
+            </a:solidFill>
+            <a:tailEnd type="triangle"/>
+          </a:ln>
+        </p:spPr>
+        <p:style>
+          <a:lnRef idx="1">
+            <a:schemeClr val="accent1"/>
+          </a:lnRef>
+          <a:fillRef idx="0">
+            <a:schemeClr val="accent1"/>
+          </a:fillRef>
+          <a:effectRef idx="0">
+            <a:schemeClr val="accent1"/>
+          </a:effectRef>
+          <a:fontRef idx="minor">
+            <a:schemeClr val="tx1"/>
+          </a:fontRef>
+        </p:style>
+      </p:cxnSp>
+      <p:sp>
+        <p:nvSpPr>
+          <p:cNvPr id="76" name="TextBox 75">
+            <a:extLst>
+              <a:ext uri="{FF2B5EF4-FFF2-40B4-BE49-F238E27FC236}">
+                <a16:creationId xmlns:a16="http://schemas.microsoft.com/office/drawing/2014/main" id="{BE67F86C-B08D-C047-85B1-A4D96E5B4F8E}"/>
+              </a:ext>
+            </a:extLst>
+          </p:cNvPr>
+          <p:cNvSpPr txBox="1"/>
+          <p:nvPr/>
+        </p:nvSpPr>
+        <p:spPr>
+          <a:xfrm>
+            <a:off x="2260718" y="1385457"/>
+            <a:ext cx="1131848" cy="276999"/>
+          </a:xfrm>
+          <a:prstGeom prst="rect">
+            <a:avLst/>
+          </a:prstGeom>
+          <a:solidFill>
+            <a:schemeClr val="bg1"/>
+          </a:solidFill>
+          <a:ln>
+            <a:solidFill>
+              <a:schemeClr val="tx1"/>
+            </a:solidFill>
+          </a:ln>
+        </p:spPr>
+        <p:txBody>
+          <a:bodyPr wrap="none" rtlCol="0">
+            <a:spAutoFit/>
+          </a:bodyPr>
+          <a:lstStyle/>
+          <a:p>
+            <a:pPr algn="ctr"/>
+            <a:r>
+              <a:rPr lang="en-US" sz="1200" b="1" dirty="0" err="1">
+                <a:solidFill>
+                  <a:srgbClr val="FF0000"/>
+                </a:solidFill>
+              </a:rPr>
+              <a:t>createCipherIV</a:t>
+            </a:r>
+            <a:endParaRPr lang="en-US" sz="1200" b="1" dirty="0">
+              <a:solidFill>
+                <a:srgbClr val="FF0000"/>
+              </a:solidFill>
+            </a:endParaRPr>
+          </a:p>
+        </p:txBody>
+      </p:sp>
+      <p:sp>
+        <p:nvSpPr>
+          <p:cNvPr id="77" name="Line Callout 2 (Accent Bar) 76">
+            <a:extLst>
+              <a:ext uri="{FF2B5EF4-FFF2-40B4-BE49-F238E27FC236}">
+                <a16:creationId xmlns:a16="http://schemas.microsoft.com/office/drawing/2014/main" id="{5B12F8C9-15F4-D242-AC5D-1261D52843F9}"/>
+              </a:ext>
+            </a:extLst>
+          </p:cNvPr>
+          <p:cNvSpPr/>
+          <p:nvPr/>
+        </p:nvSpPr>
+        <p:spPr>
+          <a:xfrm>
+            <a:off x="3270256" y="222802"/>
+            <a:ext cx="2135586" cy="251490"/>
+          </a:xfrm>
+          <a:prstGeom prst="accentCallout2">
+            <a:avLst>
+              <a:gd name="adj1" fmla="val 26194"/>
+              <a:gd name="adj2" fmla="val -975"/>
+              <a:gd name="adj3" fmla="val 26194"/>
+              <a:gd name="adj4" fmla="val -8551"/>
+              <a:gd name="adj5" fmla="val 480272"/>
+              <a:gd name="adj6" fmla="val -37808"/>
+            </a:avLst>
+          </a:prstGeom>
+          <a:noFill/>
+        </p:spPr>
+        <p:style>
+          <a:lnRef idx="2">
+            <a:schemeClr val="accent1">
+              <a:shade val="50000"/>
+            </a:schemeClr>
+          </a:lnRef>
+          <a:fillRef idx="1">
+            <a:schemeClr val="accent1"/>
+          </a:fillRef>
+          <a:effectRef idx="0">
+            <a:schemeClr val="accent1"/>
+          </a:effectRef>
+          <a:fontRef idx="minor">
+            <a:schemeClr val="lt1"/>
+          </a:fontRef>
+        </p:style>
+        <p:txBody>
+          <a:bodyPr rtlCol="0" anchor="ctr"/>
+          <a:lstStyle/>
+          <a:p>
+            <a:r>
+              <a:rPr lang="ja-JP" altLang="en-US" sz="1200" b="1">
+                <a:solidFill>
+                  <a:schemeClr val="tx1"/>
+                </a:solidFill>
+              </a:rPr>
+              <a:t>暗号化オブジェクト初期化</a:t>
+            </a:r>
+            <a:endParaRPr lang="en-US" sz="1200" b="1" dirty="0">
+              <a:solidFill>
+                <a:schemeClr val="tx1"/>
+              </a:solidFill>
+            </a:endParaRPr>
+          </a:p>
+        </p:txBody>
+      </p:sp>
+      <p:sp>
+        <p:nvSpPr>
+          <p:cNvPr id="78" name="TextBox 77">
+            <a:extLst>
+              <a:ext uri="{FF2B5EF4-FFF2-40B4-BE49-F238E27FC236}">
+                <a16:creationId xmlns:a16="http://schemas.microsoft.com/office/drawing/2014/main" id="{E9104D56-D642-5048-A3F0-6FC718F4EFB7}"/>
+              </a:ext>
+            </a:extLst>
+          </p:cNvPr>
+          <p:cNvSpPr txBox="1"/>
+          <p:nvPr/>
+        </p:nvSpPr>
+        <p:spPr>
+          <a:xfrm>
+            <a:off x="4453218" y="2527491"/>
+            <a:ext cx="636649" cy="276999"/>
+          </a:xfrm>
+          <a:prstGeom prst="rect">
+            <a:avLst/>
+          </a:prstGeom>
+          <a:solidFill>
+            <a:schemeClr val="bg1"/>
+          </a:solidFill>
+          <a:ln>
+            <a:solidFill>
+              <a:schemeClr val="tx1"/>
+            </a:solidFill>
+          </a:ln>
+        </p:spPr>
+        <p:txBody>
+          <a:bodyPr wrap="none" rtlCol="0">
+            <a:spAutoFit/>
+          </a:bodyPr>
+          <a:lstStyle/>
+          <a:p>
+            <a:pPr algn="ctr"/>
+            <a:r>
+              <a:rPr lang="en-US" sz="1200" b="1" dirty="0">
+                <a:solidFill>
+                  <a:srgbClr val="FF0000"/>
+                </a:solidFill>
+              </a:rPr>
+              <a:t>update</a:t>
+            </a:r>
+          </a:p>
+        </p:txBody>
+      </p:sp>
+      <p:sp>
+        <p:nvSpPr>
+          <p:cNvPr id="79" name="TextBox 78">
+            <a:extLst>
+              <a:ext uri="{FF2B5EF4-FFF2-40B4-BE49-F238E27FC236}">
+                <a16:creationId xmlns:a16="http://schemas.microsoft.com/office/drawing/2014/main" id="{435C7F10-ED3C-7A41-8A97-A1B0B3F93B4E}"/>
+              </a:ext>
+            </a:extLst>
+          </p:cNvPr>
+          <p:cNvSpPr txBox="1"/>
+          <p:nvPr/>
+        </p:nvSpPr>
+        <p:spPr>
+          <a:xfrm>
+            <a:off x="6553758" y="1385456"/>
+            <a:ext cx="468398" cy="276999"/>
+          </a:xfrm>
+          <a:prstGeom prst="rect">
+            <a:avLst/>
+          </a:prstGeom>
+          <a:solidFill>
+            <a:schemeClr val="bg1"/>
+          </a:solidFill>
+          <a:ln>
+            <a:solidFill>
+              <a:schemeClr val="tx1"/>
+            </a:solidFill>
+          </a:ln>
+        </p:spPr>
+        <p:txBody>
+          <a:bodyPr wrap="none" rtlCol="0">
+            <a:spAutoFit/>
+          </a:bodyPr>
+          <a:lstStyle/>
+          <a:p>
+            <a:pPr algn="ctr"/>
+            <a:r>
+              <a:rPr lang="en-US" sz="1200" b="1" dirty="0">
+                <a:solidFill>
+                  <a:srgbClr val="FF0000"/>
+                </a:solidFill>
+              </a:rPr>
+              <a:t>final</a:t>
+            </a:r>
+          </a:p>
+        </p:txBody>
+      </p:sp>
+      <p:sp>
+        <p:nvSpPr>
+          <p:cNvPr id="80" name="Line Callout 2 (Accent Bar) 79">
+            <a:extLst>
+              <a:ext uri="{FF2B5EF4-FFF2-40B4-BE49-F238E27FC236}">
+                <a16:creationId xmlns:a16="http://schemas.microsoft.com/office/drawing/2014/main" id="{F7A7B99D-F288-594A-A24E-0AC6E8FE8AFE}"/>
+              </a:ext>
+            </a:extLst>
+          </p:cNvPr>
+          <p:cNvSpPr/>
+          <p:nvPr/>
+        </p:nvSpPr>
+        <p:spPr>
+          <a:xfrm>
+            <a:off x="5267494" y="3252102"/>
+            <a:ext cx="2135586" cy="299455"/>
+          </a:xfrm>
+          <a:prstGeom prst="accentCallout2">
+            <a:avLst>
+              <a:gd name="adj1" fmla="val 26194"/>
+              <a:gd name="adj2" fmla="val -975"/>
+              <a:gd name="adj3" fmla="val 26194"/>
+              <a:gd name="adj4" fmla="val -8551"/>
+              <a:gd name="adj5" fmla="val -160995"/>
+              <a:gd name="adj6" fmla="val -26488"/>
+            </a:avLst>
+          </a:prstGeom>
+          <a:noFill/>
+        </p:spPr>
+        <p:style>
+          <a:lnRef idx="2">
+            <a:schemeClr val="accent1">
+              <a:shade val="50000"/>
+            </a:schemeClr>
+          </a:lnRef>
+          <a:fillRef idx="1">
+            <a:schemeClr val="accent1"/>
+          </a:fillRef>
+          <a:effectRef idx="0">
+            <a:schemeClr val="accent1"/>
+          </a:effectRef>
+          <a:fontRef idx="minor">
+            <a:schemeClr val="lt1"/>
+          </a:fontRef>
+        </p:style>
+        <p:txBody>
+          <a:bodyPr rtlCol="0" anchor="ctr"/>
+          <a:lstStyle/>
+          <a:p>
+            <a:r>
+              <a:rPr lang="en-US" altLang="ja-JP" sz="1200" b="1" dirty="0">
+                <a:solidFill>
+                  <a:schemeClr val="tx1"/>
+                </a:solidFill>
+              </a:rPr>
+              <a:t>data</a:t>
+            </a:r>
+            <a:r>
+              <a:rPr lang="ja-JP" altLang="en-US" sz="1200" b="1">
+                <a:solidFill>
+                  <a:schemeClr val="tx1"/>
+                </a:solidFill>
+              </a:rPr>
+              <a:t>入力による暗号化処理</a:t>
+            </a:r>
+            <a:br>
+              <a:rPr lang="en-US" altLang="ja-JP" sz="1200" b="1" dirty="0">
+                <a:solidFill>
+                  <a:schemeClr val="tx1"/>
+                </a:solidFill>
+              </a:rPr>
+            </a:br>
+            <a:r>
+              <a:rPr lang="en-US" altLang="ja-JP" sz="1200" b="1" dirty="0">
+                <a:solidFill>
+                  <a:schemeClr val="tx1"/>
+                </a:solidFill>
+              </a:rPr>
+              <a:t>(</a:t>
+            </a:r>
+            <a:r>
+              <a:rPr lang="ja-JP" altLang="en-US" sz="1200" b="1">
+                <a:solidFill>
+                  <a:schemeClr val="tx1"/>
+                </a:solidFill>
+              </a:rPr>
+              <a:t>逐次</a:t>
+            </a:r>
+            <a:r>
+              <a:rPr lang="en-US" altLang="ja-JP" sz="1200" b="1" dirty="0">
+                <a:solidFill>
+                  <a:schemeClr val="tx1"/>
+                </a:solidFill>
+              </a:rPr>
+              <a:t>data</a:t>
+            </a:r>
+            <a:r>
+              <a:rPr lang="ja-JP" altLang="en-US" sz="1200" b="1">
+                <a:solidFill>
+                  <a:schemeClr val="tx1"/>
+                </a:solidFill>
+              </a:rPr>
+              <a:t>追加可能</a:t>
+            </a:r>
+            <a:r>
+              <a:rPr lang="en-US" altLang="ja-JP" sz="1200" b="1" dirty="0">
+                <a:solidFill>
+                  <a:schemeClr val="tx1"/>
+                </a:solidFill>
+              </a:rPr>
+              <a:t>)</a:t>
+            </a:r>
+            <a:endParaRPr lang="en-US" sz="1200" b="1" dirty="0">
+              <a:solidFill>
+                <a:schemeClr val="tx1"/>
+              </a:solidFill>
+            </a:endParaRPr>
+          </a:p>
+        </p:txBody>
+      </p:sp>
+      <p:sp>
+        <p:nvSpPr>
+          <p:cNvPr id="81" name="Line Callout 2 (Accent Bar) 80">
+            <a:extLst>
+              <a:ext uri="{FF2B5EF4-FFF2-40B4-BE49-F238E27FC236}">
+                <a16:creationId xmlns:a16="http://schemas.microsoft.com/office/drawing/2014/main" id="{22A92411-2DF8-D846-9859-7B3163D2EDA4}"/>
+              </a:ext>
+            </a:extLst>
+          </p:cNvPr>
+          <p:cNvSpPr/>
+          <p:nvPr/>
+        </p:nvSpPr>
+        <p:spPr>
+          <a:xfrm>
+            <a:off x="7353882" y="875659"/>
+            <a:ext cx="2273594" cy="299455"/>
+          </a:xfrm>
+          <a:prstGeom prst="accentCallout2">
+            <a:avLst>
+              <a:gd name="adj1" fmla="val 26194"/>
+              <a:gd name="adj2" fmla="val -975"/>
+              <a:gd name="adj3" fmla="val 26194"/>
+              <a:gd name="adj4" fmla="val -8551"/>
+              <a:gd name="adj5" fmla="val 189987"/>
+              <a:gd name="adj6" fmla="val -25996"/>
+            </a:avLst>
+          </a:prstGeom>
+          <a:noFill/>
+        </p:spPr>
+        <p:style>
+          <a:lnRef idx="2">
+            <a:schemeClr val="accent1">
+              <a:shade val="50000"/>
+            </a:schemeClr>
+          </a:lnRef>
+          <a:fillRef idx="1">
+            <a:schemeClr val="accent1"/>
+          </a:fillRef>
+          <a:effectRef idx="0">
+            <a:schemeClr val="accent1"/>
+          </a:effectRef>
+          <a:fontRef idx="minor">
+            <a:schemeClr val="lt1"/>
+          </a:fontRef>
+        </p:style>
+        <p:txBody>
+          <a:bodyPr rtlCol="0" anchor="ctr"/>
+          <a:lstStyle/>
+          <a:p>
+            <a:r>
+              <a:rPr lang="ja-JP" altLang="en-US" sz="1200" b="1">
+                <a:solidFill>
+                  <a:schemeClr val="tx1"/>
+                </a:solidFill>
+              </a:rPr>
+              <a:t>暗号化処理のファイナライズ</a:t>
+            </a:r>
+            <a:endParaRPr lang="en-US" sz="1200" b="1" dirty="0">
+              <a:solidFill>
+                <a:schemeClr val="tx1"/>
+              </a:solidFill>
+            </a:endParaRPr>
+          </a:p>
+        </p:txBody>
+      </p:sp>
+      <p:cxnSp>
+        <p:nvCxnSpPr>
+          <p:cNvPr id="82" name="Straight Arrow Connector 81">
+            <a:extLst>
+              <a:ext uri="{FF2B5EF4-FFF2-40B4-BE49-F238E27FC236}">
+                <a16:creationId xmlns:a16="http://schemas.microsoft.com/office/drawing/2014/main" id="{464EEA9D-9813-BD40-B04F-C35ADFA3CB4E}"/>
+              </a:ext>
+            </a:extLst>
+          </p:cNvPr>
+          <p:cNvCxnSpPr>
+            <a:cxnSpLocks/>
+            <a:stCxn id="85" idx="3"/>
+          </p:cNvCxnSpPr>
+          <p:nvPr/>
+        </p:nvCxnSpPr>
+        <p:spPr>
+          <a:xfrm>
+            <a:off x="2063731" y="5118866"/>
+            <a:ext cx="1579801" cy="0"/>
+          </a:xfrm>
+          <a:prstGeom prst="straightConnector1">
+            <a:avLst/>
+          </a:prstGeom>
+          <a:ln w="38100">
+            <a:solidFill>
+              <a:schemeClr val="tx1"/>
+            </a:solidFill>
+            <a:tailEnd type="triangle"/>
+          </a:ln>
+        </p:spPr>
+        <p:style>
+          <a:lnRef idx="1">
+            <a:schemeClr val="accent1"/>
+          </a:lnRef>
+          <a:fillRef idx="0">
+            <a:schemeClr val="accent1"/>
+          </a:fillRef>
+          <a:effectRef idx="0">
+            <a:schemeClr val="accent1"/>
+          </a:effectRef>
+          <a:fontRef idx="minor">
+            <a:schemeClr val="tx1"/>
+          </a:fontRef>
+        </p:style>
+      </p:cxnSp>
+      <p:sp>
+        <p:nvSpPr>
+          <p:cNvPr id="83" name="Rounded Rectangle 82">
+            <a:extLst>
+              <a:ext uri="{FF2B5EF4-FFF2-40B4-BE49-F238E27FC236}">
+                <a16:creationId xmlns:a16="http://schemas.microsoft.com/office/drawing/2014/main" id="{5FC8DD7C-1332-284E-AE97-4F72E16FB045}"/>
+              </a:ext>
+            </a:extLst>
+          </p:cNvPr>
+          <p:cNvSpPr/>
+          <p:nvPr/>
+        </p:nvSpPr>
+        <p:spPr>
+          <a:xfrm>
+            <a:off x="3811423" y="4661666"/>
+            <a:ext cx="1920241" cy="914400"/>
+          </a:xfrm>
+          <a:prstGeom prst="roundRect">
+            <a:avLst/>
+          </a:prstGeom>
+          <a:noFill/>
+          <a:ln w="38100">
+            <a:solidFill>
+              <a:srgbClr val="0070C0"/>
+            </a:solidFill>
+          </a:ln>
+        </p:spPr>
+        <p:style>
+          <a:lnRef idx="2">
+            <a:schemeClr val="accent1">
+              <a:shade val="50000"/>
+            </a:schemeClr>
+          </a:lnRef>
+          <a:fillRef idx="1">
+            <a:schemeClr val="accent1"/>
+          </a:fillRef>
+          <a:effectRef idx="0">
+            <a:schemeClr val="accent1"/>
+          </a:effectRef>
+          <a:fontRef idx="minor">
+            <a:schemeClr val="lt1"/>
+          </a:fontRef>
+        </p:style>
+        <p:txBody>
+          <a:bodyPr rtlCol="0" anchor="ctr"/>
+          <a:lstStyle/>
+          <a:p>
+            <a:pPr algn="ctr"/>
+            <a:r>
+              <a:rPr lang="en-US" sz="1600" b="1" dirty="0">
+                <a:solidFill>
+                  <a:schemeClr val="tx1"/>
+                </a:solidFill>
+              </a:rPr>
+              <a:t>decipher</a:t>
+            </a:r>
+            <a:br>
+              <a:rPr lang="en-US" sz="1600" b="1" dirty="0">
+                <a:solidFill>
+                  <a:schemeClr val="tx1"/>
+                </a:solidFill>
+              </a:rPr>
+            </a:br>
+            <a:r>
+              <a:rPr lang="ja-JP" altLang="en-US" sz="1600" b="1">
+                <a:solidFill>
+                  <a:schemeClr val="tx1"/>
+                </a:solidFill>
+              </a:rPr>
+              <a:t>オブジェクト</a:t>
+            </a:r>
+            <a:endParaRPr lang="en-US" sz="1600" b="1" dirty="0">
+              <a:solidFill>
+                <a:srgbClr val="0070C0"/>
+              </a:solidFill>
+            </a:endParaRPr>
+          </a:p>
+        </p:txBody>
+      </p:sp>
+      <p:sp>
+        <p:nvSpPr>
+          <p:cNvPr id="84" name="TextBox 83">
+            <a:extLst>
+              <a:ext uri="{FF2B5EF4-FFF2-40B4-BE49-F238E27FC236}">
+                <a16:creationId xmlns:a16="http://schemas.microsoft.com/office/drawing/2014/main" id="{70E70047-F59C-664A-8625-9F9DC1A34558}"/>
+              </a:ext>
+            </a:extLst>
+          </p:cNvPr>
+          <p:cNvSpPr txBox="1"/>
+          <p:nvPr/>
+        </p:nvSpPr>
+        <p:spPr>
+          <a:xfrm>
+            <a:off x="1075439" y="4438083"/>
+            <a:ext cx="1113766" cy="369332"/>
+          </a:xfrm>
+          <a:prstGeom prst="rect">
+            <a:avLst/>
+          </a:prstGeom>
+          <a:noFill/>
+        </p:spPr>
+        <p:txBody>
+          <a:bodyPr wrap="none" rtlCol="0">
+            <a:spAutoFit/>
+          </a:bodyPr>
+          <a:lstStyle/>
+          <a:p>
+            <a:pPr algn="ctr"/>
+            <a:r>
+              <a:rPr lang="en-US" b="1" dirty="0"/>
+              <a:t>algorithm</a:t>
+            </a:r>
+          </a:p>
+        </p:txBody>
+      </p:sp>
+      <p:sp>
+        <p:nvSpPr>
+          <p:cNvPr id="85" name="Rectangle 84">
+            <a:extLst>
+              <a:ext uri="{FF2B5EF4-FFF2-40B4-BE49-F238E27FC236}">
+                <a16:creationId xmlns:a16="http://schemas.microsoft.com/office/drawing/2014/main" id="{8315B2F7-93E7-7046-BEB3-FB0520F05E63}"/>
+              </a:ext>
+            </a:extLst>
+          </p:cNvPr>
+          <p:cNvSpPr/>
+          <p:nvPr/>
+        </p:nvSpPr>
+        <p:spPr>
+          <a:xfrm>
+            <a:off x="1200913" y="4934200"/>
+            <a:ext cx="862818" cy="369332"/>
+          </a:xfrm>
+          <a:prstGeom prst="rect">
+            <a:avLst/>
+          </a:prstGeom>
+        </p:spPr>
+        <p:txBody>
+          <a:bodyPr wrap="square">
+            <a:spAutoFit/>
+          </a:bodyPr>
+          <a:lstStyle/>
+          <a:p>
+            <a:pPr algn="ctr"/>
+            <a:r>
+              <a:rPr lang="en-US" altLang="ja-JP" b="1" dirty="0"/>
+              <a:t>iv</a:t>
+            </a:r>
+          </a:p>
+        </p:txBody>
+      </p:sp>
+      <p:sp>
+        <p:nvSpPr>
+          <p:cNvPr id="86" name="Rectangle 85">
+            <a:extLst>
+              <a:ext uri="{FF2B5EF4-FFF2-40B4-BE49-F238E27FC236}">
+                <a16:creationId xmlns:a16="http://schemas.microsoft.com/office/drawing/2014/main" id="{386A7869-867C-9E4D-B1A3-FB1C6E9D3332}"/>
+              </a:ext>
+            </a:extLst>
+          </p:cNvPr>
+          <p:cNvSpPr/>
+          <p:nvPr/>
+        </p:nvSpPr>
+        <p:spPr>
+          <a:xfrm>
+            <a:off x="1200913" y="5430317"/>
+            <a:ext cx="862818" cy="369332"/>
+          </a:xfrm>
+          <a:prstGeom prst="rect">
+            <a:avLst/>
+          </a:prstGeom>
+        </p:spPr>
+        <p:txBody>
+          <a:bodyPr wrap="square">
+            <a:spAutoFit/>
+          </a:bodyPr>
+          <a:lstStyle/>
+          <a:p>
+            <a:pPr algn="ctr"/>
+            <a:r>
+              <a:rPr lang="en-US" altLang="ja-JP" b="1" dirty="0"/>
+              <a:t>key</a:t>
+            </a:r>
+          </a:p>
+        </p:txBody>
+      </p:sp>
+      <p:sp>
+        <p:nvSpPr>
+          <p:cNvPr id="87" name="TextBox 86">
+            <a:extLst>
+              <a:ext uri="{FF2B5EF4-FFF2-40B4-BE49-F238E27FC236}">
+                <a16:creationId xmlns:a16="http://schemas.microsoft.com/office/drawing/2014/main" id="{46184736-9B3A-7B42-82BC-CF99DABC0827}"/>
+              </a:ext>
+            </a:extLst>
+          </p:cNvPr>
+          <p:cNvSpPr txBox="1"/>
+          <p:nvPr/>
+        </p:nvSpPr>
+        <p:spPr>
+          <a:xfrm>
+            <a:off x="7590168" y="4922536"/>
+            <a:ext cx="1150188" cy="369332"/>
+          </a:xfrm>
+          <a:prstGeom prst="rect">
+            <a:avLst/>
+          </a:prstGeom>
+          <a:noFill/>
+        </p:spPr>
+        <p:txBody>
+          <a:bodyPr wrap="none" rtlCol="0">
+            <a:spAutoFit/>
+          </a:bodyPr>
+          <a:lstStyle/>
+          <a:p>
+            <a:pPr algn="ctr"/>
+            <a:r>
+              <a:rPr lang="en-US" altLang="ja-JP" b="1" dirty="0"/>
+              <a:t>decrypted</a:t>
+            </a:r>
+            <a:endParaRPr lang="en-US" b="1" dirty="0"/>
+          </a:p>
+        </p:txBody>
+      </p:sp>
+      <p:cxnSp>
+        <p:nvCxnSpPr>
+          <p:cNvPr id="88" name="Curved Connector 87">
+            <a:extLst>
+              <a:ext uri="{FF2B5EF4-FFF2-40B4-BE49-F238E27FC236}">
+                <a16:creationId xmlns:a16="http://schemas.microsoft.com/office/drawing/2014/main" id="{5FBA63A8-CB48-2747-B360-3AA1A2C7C96B}"/>
+              </a:ext>
+            </a:extLst>
+          </p:cNvPr>
+          <p:cNvCxnSpPr>
+            <a:cxnSpLocks/>
+            <a:stCxn id="83" idx="1"/>
+            <a:endCxn id="83" idx="3"/>
+          </p:cNvCxnSpPr>
+          <p:nvPr/>
+        </p:nvCxnSpPr>
+        <p:spPr>
+          <a:xfrm rot="10800000" flipH="1">
+            <a:off x="3811422" y="5118866"/>
+            <a:ext cx="1920241" cy="12700"/>
+          </a:xfrm>
+          <a:prstGeom prst="curvedConnector5">
+            <a:avLst>
+              <a:gd name="adj1" fmla="val -11905"/>
+              <a:gd name="adj2" fmla="val -8751724"/>
+              <a:gd name="adj3" fmla="val 111905"/>
+            </a:avLst>
+          </a:prstGeom>
+          <a:ln w="38100">
+            <a:solidFill>
+              <a:schemeClr val="tx1"/>
+            </a:solidFill>
+            <a:tailEnd type="triangle"/>
+          </a:ln>
+        </p:spPr>
+        <p:style>
+          <a:lnRef idx="1">
+            <a:schemeClr val="accent1"/>
+          </a:lnRef>
+          <a:fillRef idx="0">
+            <a:schemeClr val="accent1"/>
+          </a:fillRef>
+          <a:effectRef idx="0">
+            <a:schemeClr val="accent1"/>
+          </a:effectRef>
+          <a:fontRef idx="minor">
+            <a:schemeClr val="tx1"/>
+          </a:fontRef>
+        </p:style>
+      </p:cxnSp>
+      <p:cxnSp>
+        <p:nvCxnSpPr>
+          <p:cNvPr id="89" name="Straight Arrow Connector 88">
+            <a:extLst>
+              <a:ext uri="{FF2B5EF4-FFF2-40B4-BE49-F238E27FC236}">
+                <a16:creationId xmlns:a16="http://schemas.microsoft.com/office/drawing/2014/main" id="{0379B2A7-D5E4-CF4B-8F32-90047B52D84C}"/>
+              </a:ext>
+            </a:extLst>
+          </p:cNvPr>
+          <p:cNvCxnSpPr>
+            <a:cxnSpLocks/>
+          </p:cNvCxnSpPr>
+          <p:nvPr/>
+        </p:nvCxnSpPr>
+        <p:spPr>
+          <a:xfrm>
+            <a:off x="6010366" y="5118866"/>
+            <a:ext cx="1579801" cy="0"/>
+          </a:xfrm>
+          <a:prstGeom prst="straightConnector1">
+            <a:avLst/>
+          </a:prstGeom>
+          <a:ln w="38100">
+            <a:solidFill>
+              <a:schemeClr val="tx1"/>
+            </a:solidFill>
+            <a:tailEnd type="triangle"/>
+          </a:ln>
+        </p:spPr>
+        <p:style>
+          <a:lnRef idx="1">
+            <a:schemeClr val="accent1"/>
+          </a:lnRef>
+          <a:fillRef idx="0">
+            <a:schemeClr val="accent1"/>
+          </a:fillRef>
+          <a:effectRef idx="0">
+            <a:schemeClr val="accent1"/>
+          </a:effectRef>
+          <a:fontRef idx="minor">
+            <a:schemeClr val="tx1"/>
+          </a:fontRef>
+        </p:style>
+      </p:cxnSp>
+      <p:sp>
+        <p:nvSpPr>
+          <p:cNvPr id="90" name="TextBox 89">
+            <a:extLst>
+              <a:ext uri="{FF2B5EF4-FFF2-40B4-BE49-F238E27FC236}">
+                <a16:creationId xmlns:a16="http://schemas.microsoft.com/office/drawing/2014/main" id="{4C66FED2-CCA1-D74E-A7FE-E27E3FC4AAAD}"/>
+              </a:ext>
+            </a:extLst>
+          </p:cNvPr>
+          <p:cNvSpPr txBox="1"/>
+          <p:nvPr/>
+        </p:nvSpPr>
+        <p:spPr>
+          <a:xfrm>
+            <a:off x="2182170" y="4968704"/>
+            <a:ext cx="1288944" cy="276999"/>
+          </a:xfrm>
+          <a:prstGeom prst="rect">
+            <a:avLst/>
+          </a:prstGeom>
+          <a:solidFill>
+            <a:schemeClr val="bg1"/>
+          </a:solidFill>
+          <a:ln>
+            <a:solidFill>
+              <a:schemeClr val="tx1"/>
+            </a:solidFill>
+          </a:ln>
+        </p:spPr>
+        <p:txBody>
+          <a:bodyPr wrap="none" rtlCol="0">
+            <a:spAutoFit/>
+          </a:bodyPr>
+          <a:lstStyle/>
+          <a:p>
+            <a:pPr algn="ctr"/>
+            <a:r>
+              <a:rPr lang="en-US" sz="1200" b="1" dirty="0" err="1">
+                <a:solidFill>
+                  <a:srgbClr val="FF0000"/>
+                </a:solidFill>
+              </a:rPr>
+              <a:t>createDecipherIV</a:t>
+            </a:r>
+            <a:endParaRPr lang="en-US" sz="1200" b="1" dirty="0">
+              <a:solidFill>
+                <a:srgbClr val="FF0000"/>
+              </a:solidFill>
+            </a:endParaRPr>
+          </a:p>
+        </p:txBody>
+      </p:sp>
+      <p:sp>
+        <p:nvSpPr>
+          <p:cNvPr id="91" name="Line Callout 2 (Accent Bar) 90">
+            <a:extLst>
+              <a:ext uri="{FF2B5EF4-FFF2-40B4-BE49-F238E27FC236}">
+                <a16:creationId xmlns:a16="http://schemas.microsoft.com/office/drawing/2014/main" id="{6946978F-C86B-3D4B-85DE-278E409A58AD}"/>
+              </a:ext>
+            </a:extLst>
+          </p:cNvPr>
+          <p:cNvSpPr/>
+          <p:nvPr/>
+        </p:nvSpPr>
+        <p:spPr>
+          <a:xfrm>
+            <a:off x="3270256" y="3806049"/>
+            <a:ext cx="2135586" cy="251490"/>
+          </a:xfrm>
+          <a:prstGeom prst="accentCallout2">
+            <a:avLst>
+              <a:gd name="adj1" fmla="val 26194"/>
+              <a:gd name="adj2" fmla="val -975"/>
+              <a:gd name="adj3" fmla="val 26194"/>
+              <a:gd name="adj4" fmla="val -8551"/>
+              <a:gd name="adj5" fmla="val 480272"/>
+              <a:gd name="adj6" fmla="val -37808"/>
+            </a:avLst>
+          </a:prstGeom>
+          <a:noFill/>
+        </p:spPr>
+        <p:style>
+          <a:lnRef idx="2">
+            <a:schemeClr val="accent1">
+              <a:shade val="50000"/>
+            </a:schemeClr>
+          </a:lnRef>
+          <a:fillRef idx="1">
+            <a:schemeClr val="accent1"/>
+          </a:fillRef>
+          <a:effectRef idx="0">
+            <a:schemeClr val="accent1"/>
+          </a:effectRef>
+          <a:fontRef idx="minor">
+            <a:schemeClr val="lt1"/>
+          </a:fontRef>
+        </p:style>
+        <p:txBody>
+          <a:bodyPr rtlCol="0" anchor="ctr"/>
+          <a:lstStyle/>
+          <a:p>
+            <a:r>
+              <a:rPr lang="ja-JP" altLang="en-US" sz="1200" b="1">
+                <a:solidFill>
+                  <a:schemeClr val="tx1"/>
+                </a:solidFill>
+              </a:rPr>
+              <a:t>復号オブジェクト初期化</a:t>
+            </a:r>
+            <a:endParaRPr lang="en-US" sz="1200" b="1" dirty="0">
+              <a:solidFill>
+                <a:schemeClr val="tx1"/>
+              </a:solidFill>
+            </a:endParaRPr>
+          </a:p>
+        </p:txBody>
+      </p:sp>
+      <p:sp>
+        <p:nvSpPr>
+          <p:cNvPr id="92" name="TextBox 91">
+            <a:extLst>
+              <a:ext uri="{FF2B5EF4-FFF2-40B4-BE49-F238E27FC236}">
+                <a16:creationId xmlns:a16="http://schemas.microsoft.com/office/drawing/2014/main" id="{D0ADEDE4-A1C6-F04F-B8B0-9B551B683FD9}"/>
+              </a:ext>
+            </a:extLst>
+          </p:cNvPr>
+          <p:cNvSpPr txBox="1"/>
+          <p:nvPr/>
+        </p:nvSpPr>
+        <p:spPr>
+          <a:xfrm>
+            <a:off x="4453218" y="6110738"/>
+            <a:ext cx="636649" cy="276999"/>
+          </a:xfrm>
+          <a:prstGeom prst="rect">
+            <a:avLst/>
+          </a:prstGeom>
+          <a:solidFill>
+            <a:schemeClr val="bg1"/>
+          </a:solidFill>
+          <a:ln>
+            <a:solidFill>
+              <a:schemeClr val="tx1"/>
+            </a:solidFill>
+          </a:ln>
+        </p:spPr>
+        <p:txBody>
+          <a:bodyPr wrap="none" rtlCol="0">
+            <a:spAutoFit/>
+          </a:bodyPr>
+          <a:lstStyle/>
+          <a:p>
+            <a:pPr algn="ctr"/>
+            <a:r>
+              <a:rPr lang="en-US" sz="1200" b="1" dirty="0">
+                <a:solidFill>
+                  <a:srgbClr val="FF0000"/>
+                </a:solidFill>
+              </a:rPr>
+              <a:t>update</a:t>
+            </a:r>
+          </a:p>
+        </p:txBody>
+      </p:sp>
+      <p:sp>
+        <p:nvSpPr>
+          <p:cNvPr id="93" name="TextBox 92">
+            <a:extLst>
+              <a:ext uri="{FF2B5EF4-FFF2-40B4-BE49-F238E27FC236}">
+                <a16:creationId xmlns:a16="http://schemas.microsoft.com/office/drawing/2014/main" id="{538F743A-AB84-3B48-9471-C08CEE5B2734}"/>
+              </a:ext>
+            </a:extLst>
+          </p:cNvPr>
+          <p:cNvSpPr txBox="1"/>
+          <p:nvPr/>
+        </p:nvSpPr>
+        <p:spPr>
+          <a:xfrm>
+            <a:off x="6553758" y="4968703"/>
+            <a:ext cx="468398" cy="276999"/>
+          </a:xfrm>
+          <a:prstGeom prst="rect">
+            <a:avLst/>
+          </a:prstGeom>
+          <a:solidFill>
+            <a:schemeClr val="bg1"/>
+          </a:solidFill>
+          <a:ln>
+            <a:solidFill>
+              <a:schemeClr val="tx1"/>
+            </a:solidFill>
+          </a:ln>
+        </p:spPr>
+        <p:txBody>
+          <a:bodyPr wrap="none" rtlCol="0">
+            <a:spAutoFit/>
+          </a:bodyPr>
+          <a:lstStyle/>
+          <a:p>
+            <a:pPr algn="ctr"/>
+            <a:r>
+              <a:rPr lang="en-US" sz="1200" b="1" dirty="0">
+                <a:solidFill>
+                  <a:srgbClr val="FF0000"/>
+                </a:solidFill>
+              </a:rPr>
+              <a:t>final</a:t>
+            </a:r>
+          </a:p>
+        </p:txBody>
+      </p:sp>
+      <p:sp>
+        <p:nvSpPr>
+          <p:cNvPr id="94" name="Line Callout 2 (Accent Bar) 93">
+            <a:extLst>
+              <a:ext uri="{FF2B5EF4-FFF2-40B4-BE49-F238E27FC236}">
+                <a16:creationId xmlns:a16="http://schemas.microsoft.com/office/drawing/2014/main" id="{B19DB65B-BD36-854D-B4DE-01FABC333BC0}"/>
+              </a:ext>
+            </a:extLst>
+          </p:cNvPr>
+          <p:cNvSpPr/>
+          <p:nvPr/>
+        </p:nvSpPr>
+        <p:spPr>
+          <a:xfrm>
+            <a:off x="5405842" y="6843920"/>
+            <a:ext cx="2583734" cy="299455"/>
+          </a:xfrm>
+          <a:prstGeom prst="accentCallout2">
+            <a:avLst>
+              <a:gd name="adj1" fmla="val 26194"/>
+              <a:gd name="adj2" fmla="val -975"/>
+              <a:gd name="adj3" fmla="val 26194"/>
+              <a:gd name="adj4" fmla="val -8551"/>
+              <a:gd name="adj5" fmla="val -160995"/>
+              <a:gd name="adj6" fmla="val -26488"/>
+            </a:avLst>
+          </a:prstGeom>
+          <a:noFill/>
+        </p:spPr>
+        <p:style>
+          <a:lnRef idx="2">
+            <a:schemeClr val="accent1">
+              <a:shade val="50000"/>
+            </a:schemeClr>
+          </a:lnRef>
+          <a:fillRef idx="1">
+            <a:schemeClr val="accent1"/>
+          </a:fillRef>
+          <a:effectRef idx="0">
+            <a:schemeClr val="accent1"/>
+          </a:effectRef>
+          <a:fontRef idx="minor">
+            <a:schemeClr val="lt1"/>
+          </a:fontRef>
+        </p:style>
+        <p:txBody>
+          <a:bodyPr rtlCol="0" anchor="ctr"/>
+          <a:lstStyle/>
+          <a:p>
+            <a:r>
+              <a:rPr lang="en-US" altLang="ja-JP" sz="1200" b="1" dirty="0">
+                <a:solidFill>
+                  <a:schemeClr val="tx1"/>
+                </a:solidFill>
+              </a:rPr>
+              <a:t>encrypted data</a:t>
+            </a:r>
+            <a:r>
+              <a:rPr lang="ja-JP" altLang="en-US" sz="1200" b="1">
+                <a:solidFill>
+                  <a:schemeClr val="tx1"/>
+                </a:solidFill>
+              </a:rPr>
+              <a:t>入力による復号処理</a:t>
+            </a:r>
+            <a:br>
+              <a:rPr lang="en-US" altLang="ja-JP" sz="1200" b="1" dirty="0">
+                <a:solidFill>
+                  <a:schemeClr val="tx1"/>
+                </a:solidFill>
+              </a:rPr>
+            </a:br>
+            <a:r>
+              <a:rPr lang="en-US" altLang="ja-JP" sz="1200" b="1" dirty="0">
+                <a:solidFill>
+                  <a:schemeClr val="tx1"/>
+                </a:solidFill>
+              </a:rPr>
+              <a:t>(</a:t>
+            </a:r>
+            <a:r>
+              <a:rPr lang="ja-JP" altLang="en-US" sz="1200" b="1">
+                <a:solidFill>
+                  <a:schemeClr val="tx1"/>
+                </a:solidFill>
+              </a:rPr>
+              <a:t>逐次</a:t>
+            </a:r>
+            <a:r>
+              <a:rPr lang="en-US" altLang="ja-JP" sz="1200" b="1" dirty="0">
+                <a:solidFill>
+                  <a:schemeClr val="tx1"/>
+                </a:solidFill>
+              </a:rPr>
+              <a:t>data</a:t>
+            </a:r>
+            <a:r>
+              <a:rPr lang="ja-JP" altLang="en-US" sz="1200" b="1">
+                <a:solidFill>
+                  <a:schemeClr val="tx1"/>
+                </a:solidFill>
+              </a:rPr>
+              <a:t>追加可能</a:t>
+            </a:r>
+            <a:r>
+              <a:rPr lang="en-US" altLang="ja-JP" sz="1200" b="1" dirty="0">
+                <a:solidFill>
+                  <a:schemeClr val="tx1"/>
+                </a:solidFill>
+              </a:rPr>
+              <a:t>)</a:t>
+            </a:r>
+            <a:endParaRPr lang="en-US" sz="1200" b="1" dirty="0">
+              <a:solidFill>
+                <a:schemeClr val="tx1"/>
+              </a:solidFill>
+            </a:endParaRPr>
+          </a:p>
+        </p:txBody>
+      </p:sp>
+      <p:sp>
+        <p:nvSpPr>
+          <p:cNvPr id="95" name="Line Callout 2 (Accent Bar) 94">
+            <a:extLst>
+              <a:ext uri="{FF2B5EF4-FFF2-40B4-BE49-F238E27FC236}">
+                <a16:creationId xmlns:a16="http://schemas.microsoft.com/office/drawing/2014/main" id="{149BB1F4-31EE-9A4E-9E5E-99EDA2FF74F5}"/>
+              </a:ext>
+            </a:extLst>
+          </p:cNvPr>
+          <p:cNvSpPr/>
+          <p:nvPr/>
+        </p:nvSpPr>
+        <p:spPr>
+          <a:xfrm>
+            <a:off x="7353882" y="4458906"/>
+            <a:ext cx="2273594" cy="299455"/>
+          </a:xfrm>
+          <a:prstGeom prst="accentCallout2">
+            <a:avLst>
+              <a:gd name="adj1" fmla="val 26194"/>
+              <a:gd name="adj2" fmla="val -975"/>
+              <a:gd name="adj3" fmla="val 26194"/>
+              <a:gd name="adj4" fmla="val -8551"/>
+              <a:gd name="adj5" fmla="val 189987"/>
+              <a:gd name="adj6" fmla="val -25996"/>
+            </a:avLst>
+          </a:prstGeom>
+          <a:noFill/>
+        </p:spPr>
+        <p:style>
+          <a:lnRef idx="2">
+            <a:schemeClr val="accent1">
+              <a:shade val="50000"/>
+            </a:schemeClr>
+          </a:lnRef>
+          <a:fillRef idx="1">
+            <a:schemeClr val="accent1"/>
+          </a:fillRef>
+          <a:effectRef idx="0">
+            <a:schemeClr val="accent1"/>
+          </a:effectRef>
+          <a:fontRef idx="minor">
+            <a:schemeClr val="lt1"/>
+          </a:fontRef>
+        </p:style>
+        <p:txBody>
+          <a:bodyPr rtlCol="0" anchor="ctr"/>
+          <a:lstStyle/>
+          <a:p>
+            <a:r>
+              <a:rPr lang="ja-JP" altLang="en-US" sz="1200" b="1">
+                <a:solidFill>
+                  <a:schemeClr val="tx1"/>
+                </a:solidFill>
+              </a:rPr>
+              <a:t>復号処理のファイナライズ</a:t>
+            </a:r>
+            <a:endParaRPr lang="en-US" sz="1200" b="1" dirty="0">
+              <a:solidFill>
+                <a:schemeClr val="tx1"/>
+              </a:solidFill>
+            </a:endParaRPr>
+          </a:p>
+        </p:txBody>
+      </p:sp>
+    </p:spTree>
+    <p:extLst>
+      <p:ext uri="{BB962C8B-B14F-4D97-AF65-F5344CB8AC3E}">
+        <p14:creationId xmlns:p14="http://schemas.microsoft.com/office/powerpoint/2010/main" val="2934597362"/>
+      </p:ext>
+    </p:extLst>
+  </p:cSld>
+  <p:clrMapOvr>
+    <a:masterClrMapping/>
+  </p:clrMapOvr>
+</p:sld>
+</file>
+
+<file path=ppt/slides/slide14.xml><?xml version="1.0" encoding="utf-8"?>
+<p:sld xmlns:a="http://schemas.openxmlformats.org/drawingml/2006/main" xmlns:r="http://schemas.openxmlformats.org/officeDocument/2006/relationships" xmlns:p="http://schemas.openxmlformats.org/presentationml/2006/main">
+  <p:cSld>
+    <p:spTree>
+      <p:nvGrpSpPr>
+        <p:cNvPr id="1" name=""/>
+        <p:cNvGrpSpPr/>
+        <p:nvPr/>
+      </p:nvGrpSpPr>
+      <p:grpSpPr>
+        <a:xfrm>
+          <a:off x="0" y="0"/>
+          <a:ext cx="0" cy="0"/>
+          <a:chOff x="0" y="0"/>
+          <a:chExt cx="0" cy="0"/>
+        </a:xfrm>
+      </p:grpSpPr>
+      <p:sp>
+        <p:nvSpPr>
+          <p:cNvPr id="4" name="Rectangle 3">
+            <a:extLst>
+              <a:ext uri="{FF2B5EF4-FFF2-40B4-BE49-F238E27FC236}">
+                <a16:creationId xmlns:a16="http://schemas.microsoft.com/office/drawing/2014/main" id="{CC3ECCEF-7ADB-054C-9652-8B2D09B71B50}"/>
+              </a:ext>
+            </a:extLst>
+          </p:cNvPr>
+          <p:cNvSpPr/>
+          <p:nvPr/>
+        </p:nvSpPr>
+        <p:spPr>
+          <a:xfrm>
+            <a:off x="2564592" y="2703356"/>
+            <a:ext cx="1513490" cy="1082565"/>
+          </a:xfrm>
+          <a:prstGeom prst="rect">
+            <a:avLst/>
+          </a:prstGeom>
+          <a:noFill/>
+          <a:ln>
+            <a:solidFill>
+              <a:schemeClr val="tx1"/>
+            </a:solidFill>
+          </a:ln>
+        </p:spPr>
+        <p:style>
+          <a:lnRef idx="2">
+            <a:schemeClr val="accent1">
+              <a:shade val="50000"/>
+            </a:schemeClr>
+          </a:lnRef>
+          <a:fillRef idx="1">
+            <a:schemeClr val="accent1"/>
+          </a:fillRef>
+          <a:effectRef idx="0">
+            <a:schemeClr val="accent1"/>
+          </a:effectRef>
+          <a:fontRef idx="minor">
+            <a:schemeClr val="lt1"/>
+          </a:fontRef>
+        </p:style>
+        <p:txBody>
+          <a:bodyPr rtlCol="0" anchor="ctr"/>
+          <a:lstStyle/>
+          <a:p>
+            <a:pPr algn="ctr"/>
+            <a:r>
+              <a:rPr lang="en-US" dirty="0">
+                <a:solidFill>
+                  <a:schemeClr val="tx1"/>
+                </a:solidFill>
+              </a:rPr>
+              <a:t>AES</a:t>
+            </a:r>
+            <a:br>
+              <a:rPr lang="en-US" dirty="0">
+                <a:solidFill>
+                  <a:schemeClr val="tx1"/>
+                </a:solidFill>
+              </a:rPr>
+            </a:br>
+            <a:r>
+              <a:rPr lang="en-US" dirty="0">
+                <a:solidFill>
+                  <a:schemeClr val="tx1"/>
+                </a:solidFill>
+              </a:rPr>
+              <a:t>Encryption</a:t>
+            </a:r>
+          </a:p>
+        </p:txBody>
+      </p:sp>
+      <p:cxnSp>
+        <p:nvCxnSpPr>
+          <p:cNvPr id="8" name="Straight Arrow Connector 7">
+            <a:extLst>
+              <a:ext uri="{FF2B5EF4-FFF2-40B4-BE49-F238E27FC236}">
+                <a16:creationId xmlns:a16="http://schemas.microsoft.com/office/drawing/2014/main" id="{87B650DD-2DB1-C247-A885-C9A09101F523}"/>
+              </a:ext>
+            </a:extLst>
+          </p:cNvPr>
+          <p:cNvCxnSpPr>
+            <a:cxnSpLocks/>
+            <a:stCxn id="4" idx="2"/>
+            <a:endCxn id="34" idx="0"/>
+          </p:cNvCxnSpPr>
+          <p:nvPr/>
+        </p:nvCxnSpPr>
+        <p:spPr>
+          <a:xfrm>
+            <a:off x="3321337" y="3785921"/>
+            <a:ext cx="0" cy="669940"/>
+          </a:xfrm>
+          <a:prstGeom prst="straightConnector1">
+            <a:avLst/>
+          </a:prstGeom>
+          <a:ln>
+            <a:solidFill>
+              <a:schemeClr val="tx1"/>
+            </a:solidFill>
+            <a:tailEnd type="triangle"/>
+          </a:ln>
+        </p:spPr>
+        <p:style>
+          <a:lnRef idx="1">
+            <a:schemeClr val="accent1"/>
+          </a:lnRef>
+          <a:fillRef idx="0">
+            <a:schemeClr val="accent1"/>
+          </a:fillRef>
+          <a:effectRef idx="0">
+            <a:schemeClr val="accent1"/>
+          </a:effectRef>
+          <a:fontRef idx="minor">
+            <a:schemeClr val="tx1"/>
+          </a:fontRef>
+        </p:style>
+      </p:cxnSp>
+      <p:cxnSp>
+        <p:nvCxnSpPr>
+          <p:cNvPr id="9" name="Straight Arrow Connector 8">
+            <a:extLst>
+              <a:ext uri="{FF2B5EF4-FFF2-40B4-BE49-F238E27FC236}">
+                <a16:creationId xmlns:a16="http://schemas.microsoft.com/office/drawing/2014/main" id="{2170E62E-25B3-5848-AE19-FA39CFD3E959}"/>
+              </a:ext>
+            </a:extLst>
+          </p:cNvPr>
+          <p:cNvCxnSpPr>
+            <a:cxnSpLocks/>
+            <a:endCxn id="4" idx="1"/>
+          </p:cNvCxnSpPr>
+          <p:nvPr/>
+        </p:nvCxnSpPr>
+        <p:spPr>
+          <a:xfrm>
+            <a:off x="1870910" y="3244639"/>
+            <a:ext cx="693682" cy="0"/>
+          </a:xfrm>
+          <a:prstGeom prst="straightConnector1">
+            <a:avLst/>
+          </a:prstGeom>
+          <a:ln>
+            <a:solidFill>
+              <a:schemeClr val="tx1"/>
+            </a:solidFill>
+            <a:tailEnd type="triangle"/>
+          </a:ln>
+        </p:spPr>
+        <p:style>
+          <a:lnRef idx="1">
+            <a:schemeClr val="accent1"/>
+          </a:lnRef>
+          <a:fillRef idx="0">
+            <a:schemeClr val="accent1"/>
+          </a:fillRef>
+          <a:effectRef idx="0">
+            <a:schemeClr val="accent1"/>
+          </a:effectRef>
+          <a:fontRef idx="minor">
+            <a:schemeClr val="tx1"/>
+          </a:fontRef>
+        </p:style>
+      </p:cxnSp>
+      <p:sp>
+        <p:nvSpPr>
+          <p:cNvPr id="12" name="TextBox 11">
+            <a:extLst>
+              <a:ext uri="{FF2B5EF4-FFF2-40B4-BE49-F238E27FC236}">
+                <a16:creationId xmlns:a16="http://schemas.microsoft.com/office/drawing/2014/main" id="{3F96B729-D74C-AA49-8E47-74A27E411320}"/>
+              </a:ext>
+            </a:extLst>
+          </p:cNvPr>
+          <p:cNvSpPr txBox="1"/>
+          <p:nvPr/>
+        </p:nvSpPr>
+        <p:spPr>
+          <a:xfrm>
+            <a:off x="1352050" y="3059972"/>
+            <a:ext cx="518860" cy="369332"/>
+          </a:xfrm>
+          <a:prstGeom prst="rect">
+            <a:avLst/>
+          </a:prstGeom>
+          <a:noFill/>
+        </p:spPr>
+        <p:txBody>
+          <a:bodyPr wrap="none" rtlCol="0">
+            <a:spAutoFit/>
+          </a:bodyPr>
+          <a:lstStyle/>
+          <a:p>
+            <a:r>
+              <a:rPr lang="en-US" dirty="0"/>
+              <a:t>Key</a:t>
+            </a:r>
+          </a:p>
+        </p:txBody>
+      </p:sp>
+      <p:sp>
+        <p:nvSpPr>
+          <p:cNvPr id="13" name="TextBox 12">
+            <a:extLst>
+              <a:ext uri="{FF2B5EF4-FFF2-40B4-BE49-F238E27FC236}">
+                <a16:creationId xmlns:a16="http://schemas.microsoft.com/office/drawing/2014/main" id="{CAA71161-606E-6140-9758-6EA577D15FFD}"/>
+              </a:ext>
+            </a:extLst>
+          </p:cNvPr>
+          <p:cNvSpPr txBox="1"/>
+          <p:nvPr/>
+        </p:nvSpPr>
+        <p:spPr>
+          <a:xfrm>
+            <a:off x="2403773" y="1342411"/>
+            <a:ext cx="1835127" cy="369332"/>
+          </a:xfrm>
+          <a:prstGeom prst="rect">
+            <a:avLst/>
+          </a:prstGeom>
+          <a:noFill/>
+        </p:spPr>
+        <p:txBody>
+          <a:bodyPr wrap="square" rtlCol="0">
+            <a:spAutoFit/>
+          </a:bodyPr>
+          <a:lstStyle/>
+          <a:p>
+            <a:pPr algn="ctr"/>
+            <a:r>
+              <a:rPr lang="en-US" dirty="0">
+                <a:solidFill>
+                  <a:srgbClr val="0070C0"/>
+                </a:solidFill>
+              </a:rPr>
+              <a:t>16bytes input  1</a:t>
+            </a:r>
+          </a:p>
+        </p:txBody>
+      </p:sp>
+      <p:sp>
+        <p:nvSpPr>
+          <p:cNvPr id="15" name="TextBox 14">
+            <a:extLst>
+              <a:ext uri="{FF2B5EF4-FFF2-40B4-BE49-F238E27FC236}">
+                <a16:creationId xmlns:a16="http://schemas.microsoft.com/office/drawing/2014/main" id="{66A15F46-4C49-6248-AE36-5D4F3D02F018}"/>
+              </a:ext>
+            </a:extLst>
+          </p:cNvPr>
+          <p:cNvSpPr txBox="1"/>
+          <p:nvPr/>
+        </p:nvSpPr>
+        <p:spPr>
+          <a:xfrm>
+            <a:off x="261526" y="1870934"/>
+            <a:ext cx="2181045" cy="646331"/>
+          </a:xfrm>
+          <a:prstGeom prst="rect">
+            <a:avLst/>
+          </a:prstGeom>
+          <a:noFill/>
+        </p:spPr>
+        <p:txBody>
+          <a:bodyPr wrap="square" rtlCol="0">
+            <a:spAutoFit/>
+          </a:bodyPr>
+          <a:lstStyle/>
+          <a:p>
+            <a:pPr algn="ctr"/>
+            <a:r>
+              <a:rPr lang="en-US" dirty="0"/>
+              <a:t>16bytes random data</a:t>
+            </a:r>
+            <a:br>
+              <a:rPr lang="en-US" dirty="0"/>
+            </a:br>
+            <a:r>
+              <a:rPr lang="en-US" dirty="0"/>
+              <a:t>(Initial vector)</a:t>
+            </a:r>
+          </a:p>
+        </p:txBody>
+      </p:sp>
+      <p:cxnSp>
+        <p:nvCxnSpPr>
+          <p:cNvPr id="17" name="Straight Arrow Connector 16">
+            <a:extLst>
+              <a:ext uri="{FF2B5EF4-FFF2-40B4-BE49-F238E27FC236}">
+                <a16:creationId xmlns:a16="http://schemas.microsoft.com/office/drawing/2014/main" id="{3207FC32-53D4-024E-938F-D2431AB9F939}"/>
+              </a:ext>
+            </a:extLst>
+          </p:cNvPr>
+          <p:cNvCxnSpPr>
+            <a:cxnSpLocks/>
+            <a:stCxn id="13" idx="2"/>
+            <a:endCxn id="23" idx="0"/>
+          </p:cNvCxnSpPr>
+          <p:nvPr/>
+        </p:nvCxnSpPr>
+        <p:spPr>
+          <a:xfrm>
+            <a:off x="3321337" y="1711743"/>
+            <a:ext cx="0" cy="300608"/>
+          </a:xfrm>
+          <a:prstGeom prst="straightConnector1">
+            <a:avLst/>
+          </a:prstGeom>
+          <a:ln>
+            <a:solidFill>
+              <a:schemeClr val="tx1"/>
+            </a:solidFill>
+            <a:tailEnd type="triangle"/>
+          </a:ln>
+        </p:spPr>
+        <p:style>
+          <a:lnRef idx="1">
+            <a:schemeClr val="accent1"/>
+          </a:lnRef>
+          <a:fillRef idx="0">
+            <a:schemeClr val="accent1"/>
+          </a:fillRef>
+          <a:effectRef idx="0">
+            <a:schemeClr val="accent1"/>
+          </a:effectRef>
+          <a:fontRef idx="minor">
+            <a:schemeClr val="tx1"/>
+          </a:fontRef>
+        </p:style>
+      </p:cxnSp>
+      <p:sp>
+        <p:nvSpPr>
+          <p:cNvPr id="23" name="TextBox 22">
+            <a:extLst>
+              <a:ext uri="{FF2B5EF4-FFF2-40B4-BE49-F238E27FC236}">
+                <a16:creationId xmlns:a16="http://schemas.microsoft.com/office/drawing/2014/main" id="{B2EC6161-D704-2046-A78B-3401BED20202}"/>
+              </a:ext>
+            </a:extLst>
+          </p:cNvPr>
+          <p:cNvSpPr txBox="1"/>
+          <p:nvPr/>
+        </p:nvSpPr>
+        <p:spPr>
+          <a:xfrm>
+            <a:off x="3033437" y="2012351"/>
+            <a:ext cx="575799" cy="369332"/>
+          </a:xfrm>
+          <a:prstGeom prst="rect">
+            <a:avLst/>
+          </a:prstGeom>
+          <a:noFill/>
+          <a:ln>
+            <a:solidFill>
+              <a:schemeClr val="tx1"/>
+            </a:solidFill>
+          </a:ln>
+        </p:spPr>
+        <p:txBody>
+          <a:bodyPr wrap="square" rtlCol="0">
+            <a:spAutoFit/>
+          </a:bodyPr>
+          <a:lstStyle/>
+          <a:p>
+            <a:pPr algn="ctr"/>
+            <a:r>
+              <a:rPr lang="en-US" dirty="0"/>
+              <a:t>XOR</a:t>
+            </a:r>
+          </a:p>
+        </p:txBody>
+      </p:sp>
+      <p:cxnSp>
+        <p:nvCxnSpPr>
+          <p:cNvPr id="25" name="Straight Arrow Connector 24">
+            <a:extLst>
+              <a:ext uri="{FF2B5EF4-FFF2-40B4-BE49-F238E27FC236}">
+                <a16:creationId xmlns:a16="http://schemas.microsoft.com/office/drawing/2014/main" id="{D11A39AC-752A-CB4C-8177-CE5B6AA6B007}"/>
+              </a:ext>
+            </a:extLst>
+          </p:cNvPr>
+          <p:cNvCxnSpPr>
+            <a:cxnSpLocks/>
+            <a:stCxn id="23" idx="2"/>
+            <a:endCxn id="4" idx="0"/>
+          </p:cNvCxnSpPr>
+          <p:nvPr/>
+        </p:nvCxnSpPr>
+        <p:spPr>
+          <a:xfrm>
+            <a:off x="3321337" y="2381683"/>
+            <a:ext cx="0" cy="321673"/>
+          </a:xfrm>
+          <a:prstGeom prst="straightConnector1">
+            <a:avLst/>
+          </a:prstGeom>
+          <a:ln>
+            <a:solidFill>
+              <a:schemeClr val="tx1"/>
+            </a:solidFill>
+            <a:tailEnd type="triangle"/>
+          </a:ln>
+        </p:spPr>
+        <p:style>
+          <a:lnRef idx="1">
+            <a:schemeClr val="accent1"/>
+          </a:lnRef>
+          <a:fillRef idx="0">
+            <a:schemeClr val="accent1"/>
+          </a:fillRef>
+          <a:effectRef idx="0">
+            <a:schemeClr val="accent1"/>
+          </a:effectRef>
+          <a:fontRef idx="minor">
+            <a:schemeClr val="tx1"/>
+          </a:fontRef>
+        </p:style>
+      </p:cxnSp>
+      <p:cxnSp>
+        <p:nvCxnSpPr>
+          <p:cNvPr id="26" name="Straight Arrow Connector 25">
+            <a:extLst>
+              <a:ext uri="{FF2B5EF4-FFF2-40B4-BE49-F238E27FC236}">
+                <a16:creationId xmlns:a16="http://schemas.microsoft.com/office/drawing/2014/main" id="{A2A6EB3A-4ECA-C548-9381-0A768DB19C90}"/>
+              </a:ext>
+            </a:extLst>
+          </p:cNvPr>
+          <p:cNvCxnSpPr>
+            <a:cxnSpLocks/>
+            <a:stCxn id="15" idx="3"/>
+            <a:endCxn id="23" idx="1"/>
+          </p:cNvCxnSpPr>
+          <p:nvPr/>
+        </p:nvCxnSpPr>
+        <p:spPr>
+          <a:xfrm>
+            <a:off x="2442571" y="2194100"/>
+            <a:ext cx="590866" cy="2917"/>
+          </a:xfrm>
+          <a:prstGeom prst="straightConnector1">
+            <a:avLst/>
+          </a:prstGeom>
+          <a:ln>
+            <a:solidFill>
+              <a:schemeClr val="tx1"/>
+            </a:solidFill>
+            <a:tailEnd type="triangle"/>
+          </a:ln>
+        </p:spPr>
+        <p:style>
+          <a:lnRef idx="1">
+            <a:schemeClr val="accent1"/>
+          </a:lnRef>
+          <a:fillRef idx="0">
+            <a:schemeClr val="accent1"/>
+          </a:fillRef>
+          <a:effectRef idx="0">
+            <a:schemeClr val="accent1"/>
+          </a:effectRef>
+          <a:fontRef idx="minor">
+            <a:schemeClr val="tx1"/>
+          </a:fontRef>
+        </p:style>
+      </p:cxnSp>
+      <p:sp>
+        <p:nvSpPr>
+          <p:cNvPr id="34" name="TextBox 33">
+            <a:extLst>
+              <a:ext uri="{FF2B5EF4-FFF2-40B4-BE49-F238E27FC236}">
+                <a16:creationId xmlns:a16="http://schemas.microsoft.com/office/drawing/2014/main" id="{73D270E0-2D3A-214F-B1AF-9D4A497BA303}"/>
+              </a:ext>
+            </a:extLst>
+          </p:cNvPr>
+          <p:cNvSpPr txBox="1"/>
+          <p:nvPr/>
+        </p:nvSpPr>
+        <p:spPr>
+          <a:xfrm>
+            <a:off x="2427149" y="4455861"/>
+            <a:ext cx="1788375" cy="369332"/>
+          </a:xfrm>
+          <a:prstGeom prst="rect">
+            <a:avLst/>
+          </a:prstGeom>
+          <a:noFill/>
+        </p:spPr>
+        <p:txBody>
+          <a:bodyPr wrap="none" rtlCol="0">
+            <a:spAutoFit/>
+          </a:bodyPr>
+          <a:lstStyle/>
+          <a:p>
+            <a:pPr algn="ctr"/>
+            <a:r>
+              <a:rPr lang="en-US" dirty="0">
+                <a:solidFill>
+                  <a:srgbClr val="FF0000"/>
+                </a:solidFill>
+              </a:rPr>
+              <a:t>16bytes output 1</a:t>
+            </a:r>
+          </a:p>
+        </p:txBody>
+      </p:sp>
+      <p:sp>
+        <p:nvSpPr>
+          <p:cNvPr id="66" name="Rectangle 65">
+            <a:extLst>
+              <a:ext uri="{FF2B5EF4-FFF2-40B4-BE49-F238E27FC236}">
+                <a16:creationId xmlns:a16="http://schemas.microsoft.com/office/drawing/2014/main" id="{C350C3C7-E68F-C649-97A1-BABA1DF0DD88}"/>
+              </a:ext>
+            </a:extLst>
+          </p:cNvPr>
+          <p:cNvSpPr/>
+          <p:nvPr/>
+        </p:nvSpPr>
+        <p:spPr>
+          <a:xfrm>
+            <a:off x="5989061" y="2700439"/>
+            <a:ext cx="1513490" cy="1082565"/>
+          </a:xfrm>
+          <a:prstGeom prst="rect">
+            <a:avLst/>
+          </a:prstGeom>
+          <a:noFill/>
+          <a:ln>
+            <a:solidFill>
+              <a:schemeClr val="tx1"/>
+            </a:solidFill>
+          </a:ln>
+        </p:spPr>
+        <p:style>
+          <a:lnRef idx="2">
+            <a:schemeClr val="accent1">
+              <a:shade val="50000"/>
+            </a:schemeClr>
+          </a:lnRef>
+          <a:fillRef idx="1">
+            <a:schemeClr val="accent1"/>
+          </a:fillRef>
+          <a:effectRef idx="0">
+            <a:schemeClr val="accent1"/>
+          </a:effectRef>
+          <a:fontRef idx="minor">
+            <a:schemeClr val="lt1"/>
+          </a:fontRef>
+        </p:style>
+        <p:txBody>
+          <a:bodyPr rtlCol="0" anchor="ctr"/>
+          <a:lstStyle/>
+          <a:p>
+            <a:pPr algn="ctr"/>
+            <a:r>
+              <a:rPr lang="en-US" dirty="0">
+                <a:solidFill>
+                  <a:schemeClr val="tx1"/>
+                </a:solidFill>
+              </a:rPr>
+              <a:t>AES</a:t>
+            </a:r>
+            <a:br>
+              <a:rPr lang="en-US" dirty="0">
+                <a:solidFill>
+                  <a:schemeClr val="tx1"/>
+                </a:solidFill>
+              </a:rPr>
+            </a:br>
+            <a:r>
+              <a:rPr lang="en-US" dirty="0">
+                <a:solidFill>
+                  <a:schemeClr val="tx1"/>
+                </a:solidFill>
+              </a:rPr>
+              <a:t>Encryption</a:t>
+            </a:r>
+          </a:p>
+        </p:txBody>
+      </p:sp>
+      <p:cxnSp>
+        <p:nvCxnSpPr>
+          <p:cNvPr id="67" name="Straight Arrow Connector 66">
+            <a:extLst>
+              <a:ext uri="{FF2B5EF4-FFF2-40B4-BE49-F238E27FC236}">
+                <a16:creationId xmlns:a16="http://schemas.microsoft.com/office/drawing/2014/main" id="{7B8EB360-7AD3-D44B-8A47-55CBCC6BD04E}"/>
+              </a:ext>
+            </a:extLst>
+          </p:cNvPr>
+          <p:cNvCxnSpPr>
+            <a:cxnSpLocks/>
+            <a:stCxn id="66" idx="2"/>
+            <a:endCxn id="74" idx="0"/>
+          </p:cNvCxnSpPr>
+          <p:nvPr/>
+        </p:nvCxnSpPr>
+        <p:spPr>
+          <a:xfrm>
+            <a:off x="6745806" y="3783004"/>
+            <a:ext cx="0" cy="669940"/>
+          </a:xfrm>
+          <a:prstGeom prst="straightConnector1">
+            <a:avLst/>
+          </a:prstGeom>
+          <a:ln>
+            <a:solidFill>
+              <a:schemeClr val="tx1"/>
+            </a:solidFill>
+            <a:tailEnd type="triangle"/>
+          </a:ln>
+        </p:spPr>
+        <p:style>
+          <a:lnRef idx="1">
+            <a:schemeClr val="accent1"/>
+          </a:lnRef>
+          <a:fillRef idx="0">
+            <a:schemeClr val="accent1"/>
+          </a:fillRef>
+          <a:effectRef idx="0">
+            <a:schemeClr val="accent1"/>
+          </a:effectRef>
+          <a:fontRef idx="minor">
+            <a:schemeClr val="tx1"/>
+          </a:fontRef>
+        </p:style>
+      </p:cxnSp>
+      <p:cxnSp>
+        <p:nvCxnSpPr>
+          <p:cNvPr id="68" name="Straight Arrow Connector 67">
+            <a:extLst>
+              <a:ext uri="{FF2B5EF4-FFF2-40B4-BE49-F238E27FC236}">
+                <a16:creationId xmlns:a16="http://schemas.microsoft.com/office/drawing/2014/main" id="{4B27FCAA-6A08-B249-9693-89046FF542F4}"/>
+              </a:ext>
+            </a:extLst>
+          </p:cNvPr>
+          <p:cNvCxnSpPr>
+            <a:cxnSpLocks/>
+            <a:endCxn id="66" idx="1"/>
+          </p:cNvCxnSpPr>
+          <p:nvPr/>
+        </p:nvCxnSpPr>
+        <p:spPr>
+          <a:xfrm>
+            <a:off x="5295379" y="3241722"/>
+            <a:ext cx="693682" cy="0"/>
+          </a:xfrm>
+          <a:prstGeom prst="straightConnector1">
+            <a:avLst/>
+          </a:prstGeom>
+          <a:ln>
+            <a:solidFill>
+              <a:schemeClr val="tx1"/>
+            </a:solidFill>
+            <a:tailEnd type="triangle"/>
+          </a:ln>
+        </p:spPr>
+        <p:style>
+          <a:lnRef idx="1">
+            <a:schemeClr val="accent1"/>
+          </a:lnRef>
+          <a:fillRef idx="0">
+            <a:schemeClr val="accent1"/>
+          </a:fillRef>
+          <a:effectRef idx="0">
+            <a:schemeClr val="accent1"/>
+          </a:effectRef>
+          <a:fontRef idx="minor">
+            <a:schemeClr val="tx1"/>
+          </a:fontRef>
+        </p:style>
+      </p:cxnSp>
+      <p:sp>
+        <p:nvSpPr>
+          <p:cNvPr id="69" name="TextBox 68">
+            <a:extLst>
+              <a:ext uri="{FF2B5EF4-FFF2-40B4-BE49-F238E27FC236}">
+                <a16:creationId xmlns:a16="http://schemas.microsoft.com/office/drawing/2014/main" id="{21DC30A7-8A21-4A49-9C58-4D905FBFFFAB}"/>
+              </a:ext>
+            </a:extLst>
+          </p:cNvPr>
+          <p:cNvSpPr txBox="1"/>
+          <p:nvPr/>
+        </p:nvSpPr>
+        <p:spPr>
+          <a:xfrm>
+            <a:off x="4776519" y="3057055"/>
+            <a:ext cx="518860" cy="369332"/>
+          </a:xfrm>
+          <a:prstGeom prst="rect">
+            <a:avLst/>
+          </a:prstGeom>
+          <a:noFill/>
+        </p:spPr>
+        <p:txBody>
+          <a:bodyPr wrap="none" rtlCol="0">
+            <a:spAutoFit/>
+          </a:bodyPr>
+          <a:lstStyle/>
+          <a:p>
+            <a:r>
+              <a:rPr lang="en-US" dirty="0"/>
+              <a:t>Key</a:t>
+            </a:r>
+          </a:p>
+        </p:txBody>
+      </p:sp>
+      <p:sp>
+        <p:nvSpPr>
+          <p:cNvPr id="70" name="TextBox 69">
+            <a:extLst>
+              <a:ext uri="{FF2B5EF4-FFF2-40B4-BE49-F238E27FC236}">
+                <a16:creationId xmlns:a16="http://schemas.microsoft.com/office/drawing/2014/main" id="{06C1351A-3FCE-D842-9200-E4DE010A3119}"/>
+              </a:ext>
+            </a:extLst>
+          </p:cNvPr>
+          <p:cNvSpPr txBox="1"/>
+          <p:nvPr/>
+        </p:nvSpPr>
+        <p:spPr>
+          <a:xfrm>
+            <a:off x="5774017" y="1363103"/>
+            <a:ext cx="1943577" cy="369332"/>
+          </a:xfrm>
+          <a:prstGeom prst="rect">
+            <a:avLst/>
+          </a:prstGeom>
+          <a:noFill/>
+        </p:spPr>
+        <p:txBody>
+          <a:bodyPr wrap="square" rtlCol="0">
+            <a:spAutoFit/>
+          </a:bodyPr>
+          <a:lstStyle/>
+          <a:p>
+            <a:pPr algn="ctr"/>
+            <a:r>
+              <a:rPr lang="en-US" dirty="0">
+                <a:solidFill>
+                  <a:srgbClr val="0070C0"/>
+                </a:solidFill>
+              </a:rPr>
+              <a:t>16bytes input 2</a:t>
+            </a:r>
+          </a:p>
+        </p:txBody>
+      </p:sp>
+      <p:cxnSp>
+        <p:nvCxnSpPr>
+          <p:cNvPr id="71" name="Straight Arrow Connector 70">
+            <a:extLst>
+              <a:ext uri="{FF2B5EF4-FFF2-40B4-BE49-F238E27FC236}">
+                <a16:creationId xmlns:a16="http://schemas.microsoft.com/office/drawing/2014/main" id="{7AE386D2-C354-8747-BF53-C8473177E7B0}"/>
+              </a:ext>
+            </a:extLst>
+          </p:cNvPr>
+          <p:cNvCxnSpPr>
+            <a:cxnSpLocks/>
+            <a:stCxn id="70" idx="2"/>
+            <a:endCxn id="72" idx="0"/>
+          </p:cNvCxnSpPr>
+          <p:nvPr/>
+        </p:nvCxnSpPr>
+        <p:spPr>
+          <a:xfrm>
+            <a:off x="6745806" y="1732435"/>
+            <a:ext cx="0" cy="276999"/>
+          </a:xfrm>
+          <a:prstGeom prst="straightConnector1">
+            <a:avLst/>
+          </a:prstGeom>
+          <a:ln>
+            <a:solidFill>
+              <a:schemeClr val="tx1"/>
+            </a:solidFill>
+            <a:tailEnd type="triangle"/>
+          </a:ln>
+        </p:spPr>
+        <p:style>
+          <a:lnRef idx="1">
+            <a:schemeClr val="accent1"/>
+          </a:lnRef>
+          <a:fillRef idx="0">
+            <a:schemeClr val="accent1"/>
+          </a:fillRef>
+          <a:effectRef idx="0">
+            <a:schemeClr val="accent1"/>
+          </a:effectRef>
+          <a:fontRef idx="minor">
+            <a:schemeClr val="tx1"/>
+          </a:fontRef>
+        </p:style>
+      </p:cxnSp>
+      <p:sp>
+        <p:nvSpPr>
+          <p:cNvPr id="72" name="TextBox 71">
+            <a:extLst>
+              <a:ext uri="{FF2B5EF4-FFF2-40B4-BE49-F238E27FC236}">
+                <a16:creationId xmlns:a16="http://schemas.microsoft.com/office/drawing/2014/main" id="{C9DD1708-9BD0-D542-B340-D0A02EBA06A6}"/>
+              </a:ext>
+            </a:extLst>
+          </p:cNvPr>
+          <p:cNvSpPr txBox="1"/>
+          <p:nvPr/>
+        </p:nvSpPr>
+        <p:spPr>
+          <a:xfrm>
+            <a:off x="6457906" y="2009434"/>
+            <a:ext cx="575799" cy="369332"/>
+          </a:xfrm>
+          <a:prstGeom prst="rect">
+            <a:avLst/>
+          </a:prstGeom>
+          <a:noFill/>
+          <a:ln>
+            <a:solidFill>
+              <a:schemeClr val="tx1"/>
+            </a:solidFill>
+          </a:ln>
+        </p:spPr>
+        <p:txBody>
+          <a:bodyPr wrap="square" rtlCol="0">
+            <a:spAutoFit/>
+          </a:bodyPr>
+          <a:lstStyle/>
+          <a:p>
+            <a:pPr algn="ctr"/>
+            <a:r>
+              <a:rPr lang="en-US" dirty="0"/>
+              <a:t>XOR</a:t>
+            </a:r>
+          </a:p>
+        </p:txBody>
+      </p:sp>
+      <p:cxnSp>
+        <p:nvCxnSpPr>
+          <p:cNvPr id="73" name="Straight Arrow Connector 72">
+            <a:extLst>
+              <a:ext uri="{FF2B5EF4-FFF2-40B4-BE49-F238E27FC236}">
+                <a16:creationId xmlns:a16="http://schemas.microsoft.com/office/drawing/2014/main" id="{217E2B17-E84B-144A-8E75-8F0ACA5F341C}"/>
+              </a:ext>
+            </a:extLst>
+          </p:cNvPr>
+          <p:cNvCxnSpPr>
+            <a:cxnSpLocks/>
+            <a:stCxn id="72" idx="2"/>
+            <a:endCxn id="66" idx="0"/>
+          </p:cNvCxnSpPr>
+          <p:nvPr/>
+        </p:nvCxnSpPr>
+        <p:spPr>
+          <a:xfrm>
+            <a:off x="6745806" y="2378766"/>
+            <a:ext cx="0" cy="321673"/>
+          </a:xfrm>
+          <a:prstGeom prst="straightConnector1">
+            <a:avLst/>
+          </a:prstGeom>
+          <a:ln>
+            <a:solidFill>
+              <a:schemeClr val="tx1"/>
+            </a:solidFill>
+            <a:tailEnd type="triangle"/>
+          </a:ln>
+        </p:spPr>
+        <p:style>
+          <a:lnRef idx="1">
+            <a:schemeClr val="accent1"/>
+          </a:lnRef>
+          <a:fillRef idx="0">
+            <a:schemeClr val="accent1"/>
+          </a:fillRef>
+          <a:effectRef idx="0">
+            <a:schemeClr val="accent1"/>
+          </a:effectRef>
+          <a:fontRef idx="minor">
+            <a:schemeClr val="tx1"/>
+          </a:fontRef>
+        </p:style>
+      </p:cxnSp>
+      <p:sp>
+        <p:nvSpPr>
+          <p:cNvPr id="74" name="TextBox 73">
+            <a:extLst>
+              <a:ext uri="{FF2B5EF4-FFF2-40B4-BE49-F238E27FC236}">
+                <a16:creationId xmlns:a16="http://schemas.microsoft.com/office/drawing/2014/main" id="{811B5893-BCCA-5148-8D9D-8E56A1A024FF}"/>
+              </a:ext>
+            </a:extLst>
+          </p:cNvPr>
+          <p:cNvSpPr txBox="1"/>
+          <p:nvPr/>
+        </p:nvSpPr>
+        <p:spPr>
+          <a:xfrm>
+            <a:off x="5851618" y="4452944"/>
+            <a:ext cx="1788375" cy="369332"/>
+          </a:xfrm>
+          <a:prstGeom prst="rect">
+            <a:avLst/>
+          </a:prstGeom>
+          <a:noFill/>
+        </p:spPr>
+        <p:txBody>
+          <a:bodyPr wrap="none" rtlCol="0">
+            <a:spAutoFit/>
+          </a:bodyPr>
+          <a:lstStyle/>
+          <a:p>
+            <a:pPr algn="ctr"/>
+            <a:r>
+              <a:rPr lang="en-US" dirty="0">
+                <a:solidFill>
+                  <a:srgbClr val="FF0000"/>
+                </a:solidFill>
+              </a:rPr>
+              <a:t>16bytes output 2</a:t>
+            </a:r>
+          </a:p>
+        </p:txBody>
+      </p:sp>
+      <p:cxnSp>
+        <p:nvCxnSpPr>
+          <p:cNvPr id="81" name="Elbow Connector 80">
+            <a:extLst>
+              <a:ext uri="{FF2B5EF4-FFF2-40B4-BE49-F238E27FC236}">
+                <a16:creationId xmlns:a16="http://schemas.microsoft.com/office/drawing/2014/main" id="{CA8870A2-4F9B-FA42-A6B1-BBC654BD9C31}"/>
+              </a:ext>
+            </a:extLst>
+          </p:cNvPr>
+          <p:cNvCxnSpPr>
+            <a:endCxn id="72" idx="1"/>
+          </p:cNvCxnSpPr>
+          <p:nvPr/>
+        </p:nvCxnSpPr>
+        <p:spPr>
+          <a:xfrm flipV="1">
+            <a:off x="3321336" y="2194100"/>
+            <a:ext cx="3136570" cy="1923874"/>
+          </a:xfrm>
+          <a:prstGeom prst="bentConnector3">
+            <a:avLst>
+              <a:gd name="adj1" fmla="val 35591"/>
+            </a:avLst>
+          </a:prstGeom>
+          <a:ln>
+            <a:solidFill>
+              <a:schemeClr val="tx1"/>
+            </a:solidFill>
+            <a:tailEnd type="triangle"/>
+          </a:ln>
+        </p:spPr>
+        <p:style>
+          <a:lnRef idx="1">
+            <a:schemeClr val="accent1"/>
+          </a:lnRef>
+          <a:fillRef idx="0">
+            <a:schemeClr val="accent1"/>
+          </a:fillRef>
+          <a:effectRef idx="0">
+            <a:schemeClr val="accent1"/>
+          </a:effectRef>
+          <a:fontRef idx="minor">
+            <a:schemeClr val="tx1"/>
+          </a:fontRef>
+        </p:style>
+      </p:cxnSp>
+      <p:cxnSp>
+        <p:nvCxnSpPr>
+          <p:cNvPr id="83" name="Elbow Connector 82">
+            <a:extLst>
+              <a:ext uri="{FF2B5EF4-FFF2-40B4-BE49-F238E27FC236}">
+                <a16:creationId xmlns:a16="http://schemas.microsoft.com/office/drawing/2014/main" id="{B0D6C692-AFEE-E14D-91C0-066BA3FAE5E0}"/>
+              </a:ext>
+            </a:extLst>
+          </p:cNvPr>
+          <p:cNvCxnSpPr/>
+          <p:nvPr/>
+        </p:nvCxnSpPr>
+        <p:spPr>
+          <a:xfrm flipV="1">
+            <a:off x="6745804" y="2194100"/>
+            <a:ext cx="3136570" cy="1923874"/>
+          </a:xfrm>
+          <a:prstGeom prst="bentConnector3">
+            <a:avLst>
+              <a:gd name="adj1" fmla="val 35591"/>
+            </a:avLst>
+          </a:prstGeom>
+          <a:ln>
+            <a:solidFill>
+              <a:schemeClr val="tx1"/>
+            </a:solidFill>
+            <a:tailEnd type="triangle"/>
+          </a:ln>
+        </p:spPr>
+        <p:style>
+          <a:lnRef idx="1">
+            <a:schemeClr val="accent1"/>
+          </a:lnRef>
+          <a:fillRef idx="0">
+            <a:schemeClr val="accent1"/>
+          </a:fillRef>
+          <a:effectRef idx="0">
+            <a:schemeClr val="accent1"/>
+          </a:effectRef>
+          <a:fontRef idx="minor">
+            <a:schemeClr val="tx1"/>
+          </a:fontRef>
+        </p:style>
+      </p:cxnSp>
+      <p:sp>
+        <p:nvSpPr>
+          <p:cNvPr id="84" name="Oval 83">
+            <a:extLst>
+              <a:ext uri="{FF2B5EF4-FFF2-40B4-BE49-F238E27FC236}">
+                <a16:creationId xmlns:a16="http://schemas.microsoft.com/office/drawing/2014/main" id="{B0A36E2C-9DC8-C845-9244-285A441959D0}"/>
+              </a:ext>
+            </a:extLst>
+          </p:cNvPr>
+          <p:cNvSpPr/>
+          <p:nvPr/>
+        </p:nvSpPr>
+        <p:spPr>
+          <a:xfrm>
+            <a:off x="9133490" y="3156037"/>
+            <a:ext cx="48946" cy="85685"/>
+          </a:xfrm>
+          <a:prstGeom prst="ellipse">
+            <a:avLst/>
+          </a:prstGeom>
+          <a:solidFill>
+            <a:schemeClr val="tx1"/>
+          </a:solidFill>
+          <a:ln>
+            <a:solidFill>
+              <a:schemeClr val="tx1"/>
+            </a:solidFill>
+          </a:ln>
+        </p:spPr>
+        <p:style>
+          <a:lnRef idx="2">
+            <a:schemeClr val="accent1">
+              <a:shade val="50000"/>
+            </a:schemeClr>
+          </a:lnRef>
+          <a:fillRef idx="1">
+            <a:schemeClr val="accent1"/>
+          </a:fillRef>
+          <a:effectRef idx="0">
+            <a:schemeClr val="accent1"/>
+          </a:effectRef>
+          <a:fontRef idx="minor">
+            <a:schemeClr val="lt1"/>
+          </a:fontRef>
+        </p:style>
+        <p:txBody>
+          <a:bodyPr rtlCol="0" anchor="ctr"/>
+          <a:lstStyle/>
+          <a:p>
+            <a:pPr algn="ctr"/>
+            <a:endParaRPr lang="en-US"/>
+          </a:p>
+        </p:txBody>
+      </p:sp>
+      <p:sp>
+        <p:nvSpPr>
+          <p:cNvPr id="85" name="Oval 84">
+            <a:extLst>
+              <a:ext uri="{FF2B5EF4-FFF2-40B4-BE49-F238E27FC236}">
+                <a16:creationId xmlns:a16="http://schemas.microsoft.com/office/drawing/2014/main" id="{2D35ADEF-E73E-C24F-A684-5BAD79BBC3F8}"/>
+              </a:ext>
+            </a:extLst>
+          </p:cNvPr>
+          <p:cNvSpPr/>
+          <p:nvPr/>
+        </p:nvSpPr>
+        <p:spPr>
+          <a:xfrm>
+            <a:off x="9627408" y="3156037"/>
+            <a:ext cx="48946" cy="85685"/>
+          </a:xfrm>
+          <a:prstGeom prst="ellipse">
+            <a:avLst/>
+          </a:prstGeom>
+          <a:solidFill>
+            <a:schemeClr val="tx1"/>
+          </a:solidFill>
+          <a:ln>
+            <a:solidFill>
+              <a:schemeClr val="tx1"/>
+            </a:solidFill>
+          </a:ln>
+        </p:spPr>
+        <p:style>
+          <a:lnRef idx="2">
+            <a:schemeClr val="accent1">
+              <a:shade val="50000"/>
+            </a:schemeClr>
+          </a:lnRef>
+          <a:fillRef idx="1">
+            <a:schemeClr val="accent1"/>
+          </a:fillRef>
+          <a:effectRef idx="0">
+            <a:schemeClr val="accent1"/>
+          </a:effectRef>
+          <a:fontRef idx="minor">
+            <a:schemeClr val="lt1"/>
+          </a:fontRef>
+        </p:style>
+        <p:txBody>
+          <a:bodyPr rtlCol="0" anchor="ctr"/>
+          <a:lstStyle/>
+          <a:p>
+            <a:pPr algn="ctr"/>
+            <a:endParaRPr lang="en-US"/>
+          </a:p>
+        </p:txBody>
+      </p:sp>
+      <p:sp>
+        <p:nvSpPr>
+          <p:cNvPr id="86" name="Oval 85">
+            <a:extLst>
+              <a:ext uri="{FF2B5EF4-FFF2-40B4-BE49-F238E27FC236}">
+                <a16:creationId xmlns:a16="http://schemas.microsoft.com/office/drawing/2014/main" id="{017D19CC-985B-AF49-ACA9-041FECFB7C6E}"/>
+              </a:ext>
+            </a:extLst>
+          </p:cNvPr>
+          <p:cNvSpPr/>
+          <p:nvPr/>
+        </p:nvSpPr>
+        <p:spPr>
+          <a:xfrm>
+            <a:off x="10121326" y="3156037"/>
+            <a:ext cx="48946" cy="85685"/>
+          </a:xfrm>
+          <a:prstGeom prst="ellipse">
+            <a:avLst/>
+          </a:prstGeom>
+          <a:solidFill>
+            <a:schemeClr val="tx1"/>
+          </a:solidFill>
+          <a:ln>
+            <a:solidFill>
+              <a:schemeClr val="tx1"/>
+            </a:solidFill>
+          </a:ln>
+        </p:spPr>
+        <p:style>
+          <a:lnRef idx="2">
+            <a:schemeClr val="accent1">
+              <a:shade val="50000"/>
+            </a:schemeClr>
+          </a:lnRef>
+          <a:fillRef idx="1">
+            <a:schemeClr val="accent1"/>
+          </a:fillRef>
+          <a:effectRef idx="0">
+            <a:schemeClr val="accent1"/>
+          </a:effectRef>
+          <a:fontRef idx="minor">
+            <a:schemeClr val="lt1"/>
+          </a:fontRef>
+        </p:style>
+        <p:txBody>
+          <a:bodyPr rtlCol="0" anchor="ctr"/>
+          <a:lstStyle/>
+          <a:p>
+            <a:pPr algn="ctr"/>
+            <a:endParaRPr lang="en-US"/>
+          </a:p>
+        </p:txBody>
+      </p:sp>
+    </p:spTree>
+    <p:extLst>
+      <p:ext uri="{BB962C8B-B14F-4D97-AF65-F5344CB8AC3E}">
+        <p14:creationId xmlns:p14="http://schemas.microsoft.com/office/powerpoint/2010/main" val="3461181988"/>
       </p:ext>
     </p:extLst>
   </p:cSld>
